--- a/docs/res/media/CyberBatiment.pptx
+++ b/docs/res/media/CyberBatiment.pptx
@@ -179,6 +179,36 @@
       </a:defRPr>
     </a:lvl9pPr>
   </p:defaultTextStyle>
+  <p:extLst>
+    <p:ext uri="{EFAFB233-063F-42B5-8137-9DF3F51BA10A}">
+      <p15:sldGuideLst xmlns:p15="http://schemas.microsoft.com/office/powerpoint/2012/main">
+        <p15:guide id="1" orient="horz" pos="2160">
+          <p15:clr>
+            <a:srgbClr val="A4A3A4"/>
+          </p15:clr>
+        </p15:guide>
+        <p15:guide id="2" pos="2880">
+          <p15:clr>
+            <a:srgbClr val="A4A3A4"/>
+          </p15:clr>
+        </p15:guide>
+      </p15:sldGuideLst>
+    </p:ext>
+    <p:ext uri="{2D200454-40CA-4A62-9FC3-DE9A4176ACB9}">
+      <p15:notesGuideLst xmlns:p15="http://schemas.microsoft.com/office/powerpoint/2012/main">
+        <p15:guide id="1" orient="horz" pos="2880">
+          <p15:clr>
+            <a:srgbClr val="A4A3A4"/>
+          </p15:clr>
+        </p15:guide>
+        <p15:guide id="2" pos="2160">
+          <p15:clr>
+            <a:srgbClr val="A4A3A4"/>
+          </p15:clr>
+        </p15:guide>
+      </p15:notesGuideLst>
+    </p:ext>
+  </p:extLst>
 </p:presentation>
 </file>
 
@@ -231,15 +261,18 @@
           </a:ln>
           <a:effectLst/>
           <a:extLst>
+            <a:ext uri="{FAA26D3D-D897-4be2-8F04-BA451C77F1D7}">
+              <ma14:placeholderFlag xmlns:ma14="http://schemas.microsoft.com/office/mac/drawingml/2011/main" val="1"/>
+            </a:ext>
             <a:ext uri="{909E8E84-426E-40dd-AFC4-6F175D3DCCD1}">
-              <a14:hiddenFill xmlns:a14="http://schemas.microsoft.com/office/drawing/2010/main">
+              <a14:hiddenFill xmlns:a14="http://schemas.microsoft.com/office/drawing/2010/main" xmlns="">
                 <a:solidFill>
                   <a:srgbClr val="FFFFFF"/>
                 </a:solidFill>
               </a14:hiddenFill>
             </a:ext>
             <a:ext uri="{91240B29-F687-4f45-9708-019B960494DF}">
-              <a14:hiddenLine xmlns:a14="http://schemas.microsoft.com/office/drawing/2010/main" w="9525" cap="flat">
+              <a14:hiddenLine xmlns:a14="http://schemas.microsoft.com/office/drawing/2010/main" xmlns="" w="9525" cap="flat">
                 <a:solidFill>
                   <a:srgbClr val="000000"/>
                 </a:solidFill>
@@ -249,7 +282,7 @@
               </a14:hiddenLine>
             </a:ext>
             <a:ext uri="{AF507438-7753-43e0-B8FC-AC1667EBCBE1}">
-              <a14:hiddenEffects xmlns:a14="http://schemas.microsoft.com/office/drawing/2010/main">
+              <a14:hiddenEffects xmlns:a14="http://schemas.microsoft.com/office/drawing/2010/main" xmlns="">
                 <a:effectLst>
                   <a:outerShdw blurRad="63500" dist="38099" dir="2700000" algn="ctr" rotWithShape="0">
                     <a:schemeClr val="bg2">
@@ -258,9 +291,6 @@
                   </a:outerShdw>
                 </a:effectLst>
               </a14:hiddenEffects>
-            </a:ext>
-            <a:ext uri="{FAA26D3D-D897-4be2-8F04-BA451C77F1D7}">
-              <ma14:placeholderFlag xmlns:ma14="http://schemas.microsoft.com/office/mac/drawingml/2011/main" val="1"/>
             </a:ext>
           </a:extLst>
         </p:spPr>
@@ -289,15 +319,18 @@
           </a:ln>
           <a:effectLst/>
           <a:extLst>
+            <a:ext uri="{FAA26D3D-D897-4be2-8F04-BA451C77F1D7}">
+              <ma14:placeholderFlag xmlns:ma14="http://schemas.microsoft.com/office/mac/drawingml/2011/main" val="1"/>
+            </a:ext>
             <a:ext uri="{909E8E84-426E-40dd-AFC4-6F175D3DCCD1}">
-              <a14:hiddenFill xmlns:a14="http://schemas.microsoft.com/office/drawing/2010/main">
+              <a14:hiddenFill xmlns:a14="http://schemas.microsoft.com/office/drawing/2010/main" xmlns="">
                 <a:solidFill>
                   <a:srgbClr val="FFFFFF"/>
                 </a:solidFill>
               </a14:hiddenFill>
             </a:ext>
             <a:ext uri="{91240B29-F687-4f45-9708-019B960494DF}">
-              <a14:hiddenLine xmlns:a14="http://schemas.microsoft.com/office/drawing/2010/main" w="9525" cap="flat">
+              <a14:hiddenLine xmlns:a14="http://schemas.microsoft.com/office/drawing/2010/main" xmlns="" w="9525" cap="flat">
                 <a:solidFill>
                   <a:srgbClr val="000000"/>
                 </a:solidFill>
@@ -307,7 +340,7 @@
               </a14:hiddenLine>
             </a:ext>
             <a:ext uri="{AF507438-7753-43e0-B8FC-AC1667EBCBE1}">
-              <a14:hiddenEffects xmlns:a14="http://schemas.microsoft.com/office/drawing/2010/main">
+              <a14:hiddenEffects xmlns:a14="http://schemas.microsoft.com/office/drawing/2010/main" xmlns="">
                 <a:effectLst>
                   <a:outerShdw blurRad="63500" dist="38099" dir="2700000" algn="ctr" rotWithShape="0">
                     <a:schemeClr val="bg2">
@@ -316,9 +349,6 @@
                   </a:outerShdw>
                 </a:effectLst>
               </a14:hiddenEffects>
-            </a:ext>
-            <a:ext uri="{FAA26D3D-D897-4be2-8F04-BA451C77F1D7}">
-              <ma14:placeholderFlag xmlns:ma14="http://schemas.microsoft.com/office/mac/drawingml/2011/main" val="1"/>
             </a:ext>
           </a:extLst>
         </p:spPr>
@@ -359,15 +389,18 @@
           </a:ln>
           <a:effectLst/>
           <a:extLst>
+            <a:ext uri="{FAA26D3D-D897-4be2-8F04-BA451C77F1D7}">
+              <ma14:placeholderFlag xmlns:ma14="http://schemas.microsoft.com/office/mac/drawingml/2011/main" val="1"/>
+            </a:ext>
             <a:ext uri="{909E8E84-426E-40dd-AFC4-6F175D3DCCD1}">
-              <a14:hiddenFill xmlns:a14="http://schemas.microsoft.com/office/drawing/2010/main">
+              <a14:hiddenFill xmlns:a14="http://schemas.microsoft.com/office/drawing/2010/main" xmlns="">
                 <a:solidFill>
                   <a:srgbClr val="FFFFFF"/>
                 </a:solidFill>
               </a14:hiddenFill>
             </a:ext>
             <a:ext uri="{91240B29-F687-4f45-9708-019B960494DF}">
-              <a14:hiddenLine xmlns:a14="http://schemas.microsoft.com/office/drawing/2010/main" w="9525" cap="flat">
+              <a14:hiddenLine xmlns:a14="http://schemas.microsoft.com/office/drawing/2010/main" xmlns="" w="9525" cap="flat">
                 <a:solidFill>
                   <a:srgbClr val="000000"/>
                 </a:solidFill>
@@ -377,7 +410,7 @@
               </a14:hiddenLine>
             </a:ext>
             <a:ext uri="{AF507438-7753-43e0-B8FC-AC1667EBCBE1}">
-              <a14:hiddenEffects xmlns:a14="http://schemas.microsoft.com/office/drawing/2010/main">
+              <a14:hiddenEffects xmlns:a14="http://schemas.microsoft.com/office/drawing/2010/main" xmlns="">
                 <a:effectLst>
                   <a:outerShdw blurRad="63500" dist="38099" dir="2700000" algn="ctr" rotWithShape="0">
                     <a:schemeClr val="bg2">
@@ -386,9 +419,6 @@
                   </a:outerShdw>
                 </a:effectLst>
               </a14:hiddenEffects>
-            </a:ext>
-            <a:ext uri="{FAA26D3D-D897-4be2-8F04-BA451C77F1D7}">
-              <ma14:placeholderFlag xmlns:ma14="http://schemas.microsoft.com/office/mac/drawingml/2011/main" val="1"/>
             </a:ext>
           </a:extLst>
         </p:spPr>
@@ -450,15 +480,18 @@
           </a:ln>
           <a:effectLst/>
           <a:extLst>
+            <a:ext uri="{FAA26D3D-D897-4be2-8F04-BA451C77F1D7}">
+              <ma14:placeholderFlag xmlns:ma14="http://schemas.microsoft.com/office/mac/drawingml/2011/main" val="1"/>
+            </a:ext>
             <a:ext uri="{909E8E84-426E-40dd-AFC4-6F175D3DCCD1}">
-              <a14:hiddenFill xmlns:a14="http://schemas.microsoft.com/office/drawing/2010/main">
+              <a14:hiddenFill xmlns:a14="http://schemas.microsoft.com/office/drawing/2010/main" xmlns="">
                 <a:solidFill>
                   <a:srgbClr val="FFFFFF"/>
                 </a:solidFill>
               </a14:hiddenFill>
             </a:ext>
             <a:ext uri="{91240B29-F687-4f45-9708-019B960494DF}">
-              <a14:hiddenLine xmlns:a14="http://schemas.microsoft.com/office/drawing/2010/main" w="9525" cap="flat">
+              <a14:hiddenLine xmlns:a14="http://schemas.microsoft.com/office/drawing/2010/main" xmlns="" w="9525" cap="flat">
                 <a:solidFill>
                   <a:srgbClr val="000000"/>
                 </a:solidFill>
@@ -468,7 +501,7 @@
               </a14:hiddenLine>
             </a:ext>
             <a:ext uri="{AF507438-7753-43e0-B8FC-AC1667EBCBE1}">
-              <a14:hiddenEffects xmlns:a14="http://schemas.microsoft.com/office/drawing/2010/main">
+              <a14:hiddenEffects xmlns:a14="http://schemas.microsoft.com/office/drawing/2010/main" xmlns="">
                 <a:effectLst>
                   <a:outerShdw blurRad="63500" dist="38099" dir="2700000" algn="ctr" rotWithShape="0">
                     <a:schemeClr val="bg2">
@@ -477,9 +510,6 @@
                   </a:outerShdw>
                 </a:effectLst>
               </a14:hiddenEffects>
-            </a:ext>
-            <a:ext uri="{FAA26D3D-D897-4be2-8F04-BA451C77F1D7}">
-              <ma14:placeholderFlag xmlns:ma14="http://schemas.microsoft.com/office/mac/drawingml/2011/main" val="1"/>
             </a:ext>
           </a:extLst>
         </p:spPr>
@@ -541,15 +571,18 @@
           </a:ln>
           <a:effectLst/>
           <a:extLst>
+            <a:ext uri="{FAA26D3D-D897-4be2-8F04-BA451C77F1D7}">
+              <ma14:placeholderFlag xmlns:ma14="http://schemas.microsoft.com/office/mac/drawingml/2011/main" val="1"/>
+            </a:ext>
             <a:ext uri="{909E8E84-426E-40dd-AFC4-6F175D3DCCD1}">
-              <a14:hiddenFill xmlns:a14="http://schemas.microsoft.com/office/drawing/2010/main">
+              <a14:hiddenFill xmlns:a14="http://schemas.microsoft.com/office/drawing/2010/main" xmlns="">
                 <a:solidFill>
                   <a:srgbClr val="FFFFFF"/>
                 </a:solidFill>
               </a14:hiddenFill>
             </a:ext>
             <a:ext uri="{91240B29-F687-4f45-9708-019B960494DF}">
-              <a14:hiddenLine xmlns:a14="http://schemas.microsoft.com/office/drawing/2010/main" w="9525" cap="flat">
+              <a14:hiddenLine xmlns:a14="http://schemas.microsoft.com/office/drawing/2010/main" xmlns="" w="9525" cap="flat">
                 <a:solidFill>
                   <a:srgbClr val="000000"/>
                 </a:solidFill>
@@ -559,7 +592,7 @@
               </a14:hiddenLine>
             </a:ext>
             <a:ext uri="{AF507438-7753-43e0-B8FC-AC1667EBCBE1}">
-              <a14:hiddenEffects xmlns:a14="http://schemas.microsoft.com/office/drawing/2010/main">
+              <a14:hiddenEffects xmlns:a14="http://schemas.microsoft.com/office/drawing/2010/main" xmlns="">
                 <a:effectLst>
                   <a:outerShdw blurRad="63500" dist="38099" dir="2700000" algn="ctr" rotWithShape="0">
                     <a:schemeClr val="bg2">
@@ -568,9 +601,6 @@
                   </a:outerShdw>
                 </a:effectLst>
               </a14:hiddenEffects>
-            </a:ext>
-            <a:ext uri="{FAA26D3D-D897-4be2-8F04-BA451C77F1D7}">
-              <ma14:placeholderFlag xmlns:ma14="http://schemas.microsoft.com/office/mac/drawingml/2011/main" val="1"/>
             </a:ext>
           </a:extLst>
         </p:spPr>
@@ -632,15 +662,18 @@
           </a:ln>
           <a:effectLst/>
           <a:extLst>
+            <a:ext uri="{FAA26D3D-D897-4be2-8F04-BA451C77F1D7}">
+              <ma14:placeholderFlag xmlns:ma14="http://schemas.microsoft.com/office/mac/drawingml/2011/main" val="1"/>
+            </a:ext>
             <a:ext uri="{909E8E84-426E-40dd-AFC4-6F175D3DCCD1}">
-              <a14:hiddenFill xmlns:a14="http://schemas.microsoft.com/office/drawing/2010/main">
+              <a14:hiddenFill xmlns:a14="http://schemas.microsoft.com/office/drawing/2010/main" xmlns="">
                 <a:solidFill>
                   <a:srgbClr val="FFFFFF"/>
                 </a:solidFill>
               </a14:hiddenFill>
             </a:ext>
             <a:ext uri="{91240B29-F687-4f45-9708-019B960494DF}">
-              <a14:hiddenLine xmlns:a14="http://schemas.microsoft.com/office/drawing/2010/main" w="9525" cap="flat">
+              <a14:hiddenLine xmlns:a14="http://schemas.microsoft.com/office/drawing/2010/main" xmlns="" w="9525" cap="flat">
                 <a:solidFill>
                   <a:srgbClr val="000000"/>
                 </a:solidFill>
@@ -650,7 +683,7 @@
               </a14:hiddenLine>
             </a:ext>
             <a:ext uri="{AF507438-7753-43e0-B8FC-AC1667EBCBE1}">
-              <a14:hiddenEffects xmlns:a14="http://schemas.microsoft.com/office/drawing/2010/main">
+              <a14:hiddenEffects xmlns:a14="http://schemas.microsoft.com/office/drawing/2010/main" xmlns="">
                 <a:effectLst>
                   <a:outerShdw blurRad="63500" dist="38099" dir="2700000" algn="ctr" rotWithShape="0">
                     <a:schemeClr val="bg2">
@@ -659,9 +692,6 @@
                   </a:outerShdw>
                 </a:effectLst>
               </a14:hiddenEffects>
-            </a:ext>
-            <a:ext uri="{FAA26D3D-D897-4be2-8F04-BA451C77F1D7}">
-              <ma14:placeholderFlag xmlns:ma14="http://schemas.microsoft.com/office/mac/drawingml/2011/main" val="1"/>
             </a:ext>
           </a:extLst>
         </p:spPr>
@@ -944,7 +974,7 @@
           </a:ln>
           <a:extLst>
             <a:ext uri="{AF507438-7753-43e0-B8FC-AC1667EBCBE1}">
-              <a14:hiddenEffects xmlns:a14="http://schemas.microsoft.com/office/drawing/2010/main">
+              <a14:hiddenEffects xmlns:a14="http://schemas.microsoft.com/office/drawing/2010/main" xmlns="">
                 <a:effectLst>
                   <a:outerShdw blurRad="63500" dist="38099" dir="2700000" algn="ctr" rotWithShape="0">
                     <a:srgbClr val="000000">
@@ -979,14 +1009,14 @@
           <a:ln/>
           <a:extLst>
             <a:ext uri="{909E8E84-426E-40dd-AFC4-6F175D3DCCD1}">
-              <a14:hiddenFill xmlns:a14="http://schemas.microsoft.com/office/drawing/2010/main">
+              <a14:hiddenFill xmlns:a14="http://schemas.microsoft.com/office/drawing/2010/main" xmlns="">
                 <a:solidFill>
                   <a:srgbClr val="FFFFFF"/>
                 </a:solidFill>
               </a14:hiddenFill>
             </a:ext>
             <a:ext uri="{91240B29-F687-4f45-9708-019B960494DF}">
-              <a14:hiddenLine xmlns:a14="http://schemas.microsoft.com/office/drawing/2010/main" w="9525" cap="flat">
+              <a14:hiddenLine xmlns:a14="http://schemas.microsoft.com/office/drawing/2010/main" xmlns="" w="9525" cap="flat">
                 <a:solidFill>
                   <a:srgbClr val="000000"/>
                 </a:solidFill>
@@ -996,7 +1026,7 @@
               </a14:hiddenLine>
             </a:ext>
             <a:ext uri="{AF507438-7753-43e0-B8FC-AC1667EBCBE1}">
-              <a14:hiddenEffects xmlns:a14="http://schemas.microsoft.com/office/drawing/2010/main">
+              <a14:hiddenEffects xmlns:a14="http://schemas.microsoft.com/office/drawing/2010/main" xmlns="">
                 <a:effectLst>
                   <a:outerShdw blurRad="63500" dist="38099" dir="2700000" algn="ctr" rotWithShape="0">
                     <a:srgbClr val="000000">
@@ -1106,7 +1136,7 @@
           </a:ln>
           <a:extLst>
             <a:ext uri="{AF507438-7753-43e0-B8FC-AC1667EBCBE1}">
-              <a14:hiddenEffects xmlns:a14="http://schemas.microsoft.com/office/drawing/2010/main">
+              <a14:hiddenEffects xmlns:a14="http://schemas.microsoft.com/office/drawing/2010/main" xmlns="">
                 <a:effectLst>
                   <a:outerShdw blurRad="63500" dist="38099" dir="2700000" algn="ctr" rotWithShape="0">
                     <a:srgbClr val="000000">
@@ -1141,14 +1171,14 @@
           <a:ln/>
           <a:extLst>
             <a:ext uri="{909E8E84-426E-40dd-AFC4-6F175D3DCCD1}">
-              <a14:hiddenFill xmlns:a14="http://schemas.microsoft.com/office/drawing/2010/main">
+              <a14:hiddenFill xmlns:a14="http://schemas.microsoft.com/office/drawing/2010/main" xmlns="">
                 <a:solidFill>
                   <a:srgbClr val="FFFFFF"/>
                 </a:solidFill>
               </a14:hiddenFill>
             </a:ext>
             <a:ext uri="{91240B29-F687-4f45-9708-019B960494DF}">
-              <a14:hiddenLine xmlns:a14="http://schemas.microsoft.com/office/drawing/2010/main" w="9525" cap="flat">
+              <a14:hiddenLine xmlns:a14="http://schemas.microsoft.com/office/drawing/2010/main" xmlns="" w="9525" cap="flat">
                 <a:solidFill>
                   <a:srgbClr val="000000"/>
                 </a:solidFill>
@@ -1158,7 +1188,7 @@
               </a14:hiddenLine>
             </a:ext>
             <a:ext uri="{AF507438-7753-43e0-B8FC-AC1667EBCBE1}">
-              <a14:hiddenEffects xmlns:a14="http://schemas.microsoft.com/office/drawing/2010/main">
+              <a14:hiddenEffects xmlns:a14="http://schemas.microsoft.com/office/drawing/2010/main" xmlns="">
                 <a:effectLst>
                   <a:outerShdw blurRad="63500" dist="38099" dir="2700000" algn="ctr" rotWithShape="0">
                     <a:srgbClr val="000000">
@@ -1268,7 +1298,7 @@
           </a:ln>
           <a:extLst>
             <a:ext uri="{AF507438-7753-43e0-B8FC-AC1667EBCBE1}">
-              <a14:hiddenEffects xmlns:a14="http://schemas.microsoft.com/office/drawing/2010/main">
+              <a14:hiddenEffects xmlns:a14="http://schemas.microsoft.com/office/drawing/2010/main" xmlns="">
                 <a:effectLst>
                   <a:outerShdw blurRad="63500" dist="38099" dir="2700000" algn="ctr" rotWithShape="0">
                     <a:srgbClr val="000000">
@@ -1303,14 +1333,14 @@
           <a:ln/>
           <a:extLst>
             <a:ext uri="{909E8E84-426E-40dd-AFC4-6F175D3DCCD1}">
-              <a14:hiddenFill xmlns:a14="http://schemas.microsoft.com/office/drawing/2010/main">
+              <a14:hiddenFill xmlns:a14="http://schemas.microsoft.com/office/drawing/2010/main" xmlns="">
                 <a:solidFill>
                   <a:srgbClr val="FFFFFF"/>
                 </a:solidFill>
               </a14:hiddenFill>
             </a:ext>
             <a:ext uri="{91240B29-F687-4f45-9708-019B960494DF}">
-              <a14:hiddenLine xmlns:a14="http://schemas.microsoft.com/office/drawing/2010/main" w="9525" cap="flat">
+              <a14:hiddenLine xmlns:a14="http://schemas.microsoft.com/office/drawing/2010/main" xmlns="" w="9525" cap="flat">
                 <a:solidFill>
                   <a:srgbClr val="000000"/>
                 </a:solidFill>
@@ -1320,7 +1350,7 @@
               </a14:hiddenLine>
             </a:ext>
             <a:ext uri="{AF507438-7753-43e0-B8FC-AC1667EBCBE1}">
-              <a14:hiddenEffects xmlns:a14="http://schemas.microsoft.com/office/drawing/2010/main">
+              <a14:hiddenEffects xmlns:a14="http://schemas.microsoft.com/office/drawing/2010/main" xmlns="">
                 <a:effectLst>
                   <a:outerShdw blurRad="63500" dist="38099" dir="2700000" algn="ctr" rotWithShape="0">
                     <a:srgbClr val="000000">
@@ -4005,15 +4035,18 @@
           </a:ln>
           <a:effectLst/>
           <a:extLst>
+            <a:ext uri="{FAA26D3D-D897-4be2-8F04-BA451C77F1D7}">
+              <ma14:placeholderFlag xmlns:ma14="http://schemas.microsoft.com/office/mac/drawingml/2011/main" val="1"/>
+            </a:ext>
             <a:ext uri="{909E8E84-426E-40dd-AFC4-6F175D3DCCD1}">
-              <a14:hiddenFill xmlns:a14="http://schemas.microsoft.com/office/drawing/2010/main">
+              <a14:hiddenFill xmlns:a14="http://schemas.microsoft.com/office/drawing/2010/main" xmlns="">
                 <a:solidFill>
                   <a:srgbClr val="FFFFFF"/>
                 </a:solidFill>
               </a14:hiddenFill>
             </a:ext>
             <a:ext uri="{91240B29-F687-4f45-9708-019B960494DF}">
-              <a14:hiddenLine xmlns:a14="http://schemas.microsoft.com/office/drawing/2010/main" w="9525" cap="flat">
+              <a14:hiddenLine xmlns:a14="http://schemas.microsoft.com/office/drawing/2010/main" xmlns="" w="9525" cap="flat">
                 <a:solidFill>
                   <a:srgbClr val="000000"/>
                 </a:solidFill>
@@ -4023,7 +4056,7 @@
               </a14:hiddenLine>
             </a:ext>
             <a:ext uri="{AF507438-7753-43e0-B8FC-AC1667EBCBE1}">
-              <a14:hiddenEffects xmlns:a14="http://schemas.microsoft.com/office/drawing/2010/main">
+              <a14:hiddenEffects xmlns:a14="http://schemas.microsoft.com/office/drawing/2010/main" xmlns="">
                 <a:effectLst>
                   <a:outerShdw blurRad="63500" dist="38099" dir="2700000" algn="ctr" rotWithShape="0">
                     <a:schemeClr val="bg2">
@@ -4032,9 +4065,6 @@
                   </a:outerShdw>
                 </a:effectLst>
               </a14:hiddenEffects>
-            </a:ext>
-            <a:ext uri="{FAA26D3D-D897-4be2-8F04-BA451C77F1D7}">
-              <ma14:placeholderFlag xmlns:ma14="http://schemas.microsoft.com/office/mac/drawingml/2011/main" val="1"/>
             </a:ext>
           </a:extLst>
         </p:spPr>
@@ -4078,15 +4108,18 @@
           </a:ln>
           <a:effectLst/>
           <a:extLst>
+            <a:ext uri="{FAA26D3D-D897-4be2-8F04-BA451C77F1D7}">
+              <ma14:placeholderFlag xmlns:ma14="http://schemas.microsoft.com/office/mac/drawingml/2011/main" val="1"/>
+            </a:ext>
             <a:ext uri="{909E8E84-426E-40dd-AFC4-6F175D3DCCD1}">
-              <a14:hiddenFill xmlns:a14="http://schemas.microsoft.com/office/drawing/2010/main">
+              <a14:hiddenFill xmlns:a14="http://schemas.microsoft.com/office/drawing/2010/main" xmlns="">
                 <a:solidFill>
                   <a:srgbClr val="FFFFFF"/>
                 </a:solidFill>
               </a14:hiddenFill>
             </a:ext>
             <a:ext uri="{91240B29-F687-4f45-9708-019B960494DF}">
-              <a14:hiddenLine xmlns:a14="http://schemas.microsoft.com/office/drawing/2010/main" w="9525" cap="flat">
+              <a14:hiddenLine xmlns:a14="http://schemas.microsoft.com/office/drawing/2010/main" xmlns="" w="9525" cap="flat">
                 <a:solidFill>
                   <a:srgbClr val="000000"/>
                 </a:solidFill>
@@ -4096,7 +4129,7 @@
               </a14:hiddenLine>
             </a:ext>
             <a:ext uri="{AF507438-7753-43e0-B8FC-AC1667EBCBE1}">
-              <a14:hiddenEffects xmlns:a14="http://schemas.microsoft.com/office/drawing/2010/main">
+              <a14:hiddenEffects xmlns:a14="http://schemas.microsoft.com/office/drawing/2010/main" xmlns="">
                 <a:effectLst>
                   <a:outerShdw blurRad="63500" dist="38099" dir="2700000" algn="ctr" rotWithShape="0">
                     <a:schemeClr val="bg2">
@@ -4105,9 +4138,6 @@
                   </a:outerShdw>
                 </a:effectLst>
               </a14:hiddenEffects>
-            </a:ext>
-            <a:ext uri="{FAA26D3D-D897-4be2-8F04-BA451C77F1D7}">
-              <ma14:placeholderFlag xmlns:ma14="http://schemas.microsoft.com/office/mac/drawingml/2011/main" val="1"/>
             </a:ext>
           </a:extLst>
         </p:spPr>
@@ -4193,15 +4223,18 @@
           </a:ln>
           <a:effectLst/>
           <a:extLst>
+            <a:ext uri="{FAA26D3D-D897-4be2-8F04-BA451C77F1D7}">
+              <ma14:placeholderFlag xmlns:ma14="http://schemas.microsoft.com/office/mac/drawingml/2011/main" val="1"/>
+            </a:ext>
             <a:ext uri="{909E8E84-426E-40dd-AFC4-6F175D3DCCD1}">
-              <a14:hiddenFill xmlns:a14="http://schemas.microsoft.com/office/drawing/2010/main">
+              <a14:hiddenFill xmlns:a14="http://schemas.microsoft.com/office/drawing/2010/main" xmlns="">
                 <a:solidFill>
                   <a:srgbClr val="FFFFFF"/>
                 </a:solidFill>
               </a14:hiddenFill>
             </a:ext>
             <a:ext uri="{91240B29-F687-4f45-9708-019B960494DF}">
-              <a14:hiddenLine xmlns:a14="http://schemas.microsoft.com/office/drawing/2010/main" w="9525" cap="flat">
+              <a14:hiddenLine xmlns:a14="http://schemas.microsoft.com/office/drawing/2010/main" xmlns="" w="9525" cap="flat">
                 <a:solidFill>
                   <a:srgbClr val="000000"/>
                 </a:solidFill>
@@ -4211,7 +4244,7 @@
               </a14:hiddenLine>
             </a:ext>
             <a:ext uri="{AF507438-7753-43e0-B8FC-AC1667EBCBE1}">
-              <a14:hiddenEffects xmlns:a14="http://schemas.microsoft.com/office/drawing/2010/main">
+              <a14:hiddenEffects xmlns:a14="http://schemas.microsoft.com/office/drawing/2010/main" xmlns="">
                 <a:effectLst>
                   <a:outerShdw blurRad="63500" dist="38099" dir="2700000" algn="ctr" rotWithShape="0">
                     <a:schemeClr val="bg2">
@@ -4220,9 +4253,6 @@
                   </a:outerShdw>
                 </a:effectLst>
               </a14:hiddenEffects>
-            </a:ext>
-            <a:ext uri="{FAA26D3D-D897-4be2-8F04-BA451C77F1D7}">
-              <ma14:placeholderFlag xmlns:ma14="http://schemas.microsoft.com/office/mac/drawingml/2011/main" val="1"/>
             </a:ext>
           </a:extLst>
         </p:spPr>
@@ -4282,15 +4312,18 @@
           </a:ln>
           <a:effectLst/>
           <a:extLst>
+            <a:ext uri="{FAA26D3D-D897-4be2-8F04-BA451C77F1D7}">
+              <ma14:placeholderFlag xmlns:ma14="http://schemas.microsoft.com/office/mac/drawingml/2011/main" val="1"/>
+            </a:ext>
             <a:ext uri="{909E8E84-426E-40dd-AFC4-6F175D3DCCD1}">
-              <a14:hiddenFill xmlns:a14="http://schemas.microsoft.com/office/drawing/2010/main">
+              <a14:hiddenFill xmlns:a14="http://schemas.microsoft.com/office/drawing/2010/main" xmlns="">
                 <a:solidFill>
                   <a:srgbClr val="FFFFFF"/>
                 </a:solidFill>
               </a14:hiddenFill>
             </a:ext>
             <a:ext uri="{91240B29-F687-4f45-9708-019B960494DF}">
-              <a14:hiddenLine xmlns:a14="http://schemas.microsoft.com/office/drawing/2010/main" w="9525" cap="flat">
+              <a14:hiddenLine xmlns:a14="http://schemas.microsoft.com/office/drawing/2010/main" xmlns="" w="9525" cap="flat">
                 <a:solidFill>
                   <a:srgbClr val="000000"/>
                 </a:solidFill>
@@ -4300,7 +4333,7 @@
               </a14:hiddenLine>
             </a:ext>
             <a:ext uri="{AF507438-7753-43e0-B8FC-AC1667EBCBE1}">
-              <a14:hiddenEffects xmlns:a14="http://schemas.microsoft.com/office/drawing/2010/main">
+              <a14:hiddenEffects xmlns:a14="http://schemas.microsoft.com/office/drawing/2010/main" xmlns="">
                 <a:effectLst>
                   <a:outerShdw blurRad="63500" dist="38099" dir="2700000" algn="ctr" rotWithShape="0">
                     <a:schemeClr val="bg2">
@@ -4309,9 +4342,6 @@
                   </a:outerShdw>
                 </a:effectLst>
               </a14:hiddenEffects>
-            </a:ext>
-            <a:ext uri="{FAA26D3D-D897-4be2-8F04-BA451C77F1D7}">
-              <ma14:placeholderFlag xmlns:ma14="http://schemas.microsoft.com/office/mac/drawingml/2011/main" val="1"/>
             </a:ext>
           </a:extLst>
         </p:spPr>
@@ -4373,15 +4403,18 @@
           </a:ln>
           <a:effectLst/>
           <a:extLst>
+            <a:ext uri="{FAA26D3D-D897-4be2-8F04-BA451C77F1D7}">
+              <ma14:placeholderFlag xmlns:ma14="http://schemas.microsoft.com/office/mac/drawingml/2011/main" val="1"/>
+            </a:ext>
             <a:ext uri="{909E8E84-426E-40dd-AFC4-6F175D3DCCD1}">
-              <a14:hiddenFill xmlns:a14="http://schemas.microsoft.com/office/drawing/2010/main">
+              <a14:hiddenFill xmlns:a14="http://schemas.microsoft.com/office/drawing/2010/main" xmlns="">
                 <a:solidFill>
                   <a:srgbClr val="FFFFFF"/>
                 </a:solidFill>
               </a14:hiddenFill>
             </a:ext>
             <a:ext uri="{91240B29-F687-4f45-9708-019B960494DF}">
-              <a14:hiddenLine xmlns:a14="http://schemas.microsoft.com/office/drawing/2010/main" w="9525" cap="flat">
+              <a14:hiddenLine xmlns:a14="http://schemas.microsoft.com/office/drawing/2010/main" xmlns="" w="9525" cap="flat">
                 <a:solidFill>
                   <a:srgbClr val="000000"/>
                 </a:solidFill>
@@ -4391,7 +4424,7 @@
               </a14:hiddenLine>
             </a:ext>
             <a:ext uri="{AF507438-7753-43e0-B8FC-AC1667EBCBE1}">
-              <a14:hiddenEffects xmlns:a14="http://schemas.microsoft.com/office/drawing/2010/main">
+              <a14:hiddenEffects xmlns:a14="http://schemas.microsoft.com/office/drawing/2010/main" xmlns="">
                 <a:effectLst>
                   <a:outerShdw blurRad="63500" dist="38099" dir="2700000" algn="ctr" rotWithShape="0">
                     <a:schemeClr val="bg2">
@@ -4400,9 +4433,6 @@
                   </a:outerShdw>
                 </a:effectLst>
               </a14:hiddenEffects>
-            </a:ext>
-            <a:ext uri="{FAA26D3D-D897-4be2-8F04-BA451C77F1D7}">
-              <ma14:placeholderFlag xmlns:ma14="http://schemas.microsoft.com/office/mac/drawingml/2011/main" val="1"/>
             </a:ext>
           </a:extLst>
         </p:spPr>
@@ -5045,7 +5075,7 @@
           <a:effectLst/>
           <a:extLst>
             <a:ext uri="{AF507438-7753-43e0-B8FC-AC1667EBCBE1}">
-              <a14:hiddenEffects xmlns:a14="http://schemas.microsoft.com/office/drawing/2010/main">
+              <a14:hiddenEffects xmlns:a14="http://schemas.microsoft.com/office/drawing/2010/main" xmlns="">
                 <a:effectLst>
                   <a:outerShdw blurRad="63500" dist="38099" dir="2700000" algn="ctr" rotWithShape="0">
                     <a:srgbClr val="000000">
@@ -5097,7 +5127,7 @@
           <a:effectLst/>
           <a:extLst>
             <a:ext uri="{AF507438-7753-43e0-B8FC-AC1667EBCBE1}">
-              <a14:hiddenEffects xmlns:a14="http://schemas.microsoft.com/office/drawing/2010/main">
+              <a14:hiddenEffects xmlns:a14="http://schemas.microsoft.com/office/drawing/2010/main" xmlns="">
                 <a:effectLst>
                   <a:outerShdw blurRad="63500" dist="38099" dir="2700000" algn="ctr" rotWithShape="0">
                     <a:srgbClr val="000000">
@@ -5149,7 +5179,7 @@
           <a:effectLst/>
           <a:extLst>
             <a:ext uri="{AF507438-7753-43e0-B8FC-AC1667EBCBE1}">
-              <a14:hiddenEffects xmlns:a14="http://schemas.microsoft.com/office/drawing/2010/main">
+              <a14:hiddenEffects xmlns:a14="http://schemas.microsoft.com/office/drawing/2010/main" xmlns="">
                 <a:effectLst>
                   <a:outerShdw blurRad="63500" dist="38099" dir="2700000" algn="ctr" rotWithShape="0">
                     <a:srgbClr val="000000">
@@ -5201,7 +5231,7 @@
           <a:effectLst/>
           <a:extLst>
             <a:ext uri="{AF507438-7753-43e0-B8FC-AC1667EBCBE1}">
-              <a14:hiddenEffects xmlns:a14="http://schemas.microsoft.com/office/drawing/2010/main">
+              <a14:hiddenEffects xmlns:a14="http://schemas.microsoft.com/office/drawing/2010/main" xmlns="">
                 <a:effectLst>
                   <a:outerShdw blurRad="63500" dist="38099" dir="2700000" algn="ctr" rotWithShape="0">
                     <a:srgbClr val="000000">
@@ -5251,7 +5281,7 @@
           <a:effectLst/>
           <a:extLst>
             <a:ext uri="{AF507438-7753-43e0-B8FC-AC1667EBCBE1}">
-              <a14:hiddenEffects xmlns:a14="http://schemas.microsoft.com/office/drawing/2010/main">
+              <a14:hiddenEffects xmlns:a14="http://schemas.microsoft.com/office/drawing/2010/main" xmlns="">
                 <a:effectLst>
                   <a:outerShdw blurRad="63500" dist="38099" dir="2700000" algn="ctr" rotWithShape="0">
                     <a:srgbClr val="000000">
@@ -5303,7 +5333,7 @@
           <a:effectLst/>
           <a:extLst>
             <a:ext uri="{AF507438-7753-43e0-B8FC-AC1667EBCBE1}">
-              <a14:hiddenEffects xmlns:a14="http://schemas.microsoft.com/office/drawing/2010/main">
+              <a14:hiddenEffects xmlns:a14="http://schemas.microsoft.com/office/drawing/2010/main" xmlns="">
                 <a:effectLst>
                   <a:outerShdw blurRad="63500" dist="38099" dir="2700000" algn="ctr" rotWithShape="0">
                     <a:srgbClr val="000000">
@@ -5355,7 +5385,7 @@
           <a:effectLst/>
           <a:extLst>
             <a:ext uri="{AF507438-7753-43e0-B8FC-AC1667EBCBE1}">
-              <a14:hiddenEffects xmlns:a14="http://schemas.microsoft.com/office/drawing/2010/main">
+              <a14:hiddenEffects xmlns:a14="http://schemas.microsoft.com/office/drawing/2010/main" xmlns="">
                 <a:effectLst>
                   <a:outerShdw blurRad="63500" dist="38099" dir="2700000" algn="ctr" rotWithShape="0">
                     <a:srgbClr val="000000">
@@ -5407,7 +5437,7 @@
           <a:effectLst/>
           <a:extLst>
             <a:ext uri="{AF507438-7753-43e0-B8FC-AC1667EBCBE1}">
-              <a14:hiddenEffects xmlns:a14="http://schemas.microsoft.com/office/drawing/2010/main">
+              <a14:hiddenEffects xmlns:a14="http://schemas.microsoft.com/office/drawing/2010/main" xmlns="">
                 <a:effectLst>
                   <a:outerShdw blurRad="63500" dist="38099" dir="2700000" algn="ctr" rotWithShape="0">
                     <a:srgbClr val="000000">
@@ -5459,7 +5489,7 @@
           <a:effectLst/>
           <a:extLst>
             <a:ext uri="{AF507438-7753-43e0-B8FC-AC1667EBCBE1}">
-              <a14:hiddenEffects xmlns:a14="http://schemas.microsoft.com/office/drawing/2010/main">
+              <a14:hiddenEffects xmlns:a14="http://schemas.microsoft.com/office/drawing/2010/main" xmlns="">
                 <a:effectLst>
                   <a:outerShdw blurRad="63500" dist="38099" dir="2700000" algn="ctr" rotWithShape="0">
                     <a:srgbClr val="000000">
@@ -5511,7 +5541,7 @@
           <a:effectLst/>
           <a:extLst>
             <a:ext uri="{AF507438-7753-43e0-B8FC-AC1667EBCBE1}">
-              <a14:hiddenEffects xmlns:a14="http://schemas.microsoft.com/office/drawing/2010/main">
+              <a14:hiddenEffects xmlns:a14="http://schemas.microsoft.com/office/drawing/2010/main" xmlns="">
                 <a:effectLst>
                   <a:outerShdw blurRad="63500" dist="38099" dir="2700000" algn="ctr" rotWithShape="0">
                     <a:srgbClr val="000000">
@@ -5564,7 +5594,7 @@
           <a:effectLst/>
           <a:extLst>
             <a:ext uri="{AF507438-7753-43e0-B8FC-AC1667EBCBE1}">
-              <a14:hiddenEffects xmlns:a14="http://schemas.microsoft.com/office/drawing/2010/main">
+              <a14:hiddenEffects xmlns:a14="http://schemas.microsoft.com/office/drawing/2010/main" xmlns="">
                 <a:effectLst>
                   <a:outerShdw blurRad="63500" dist="38099" dir="2700000" algn="ctr" rotWithShape="0">
                     <a:srgbClr val="000000">
@@ -5614,7 +5644,7 @@
           <a:effectLst/>
           <a:extLst>
             <a:ext uri="{AF507438-7753-43e0-B8FC-AC1667EBCBE1}">
-              <a14:hiddenEffects xmlns:a14="http://schemas.microsoft.com/office/drawing/2010/main">
+              <a14:hiddenEffects xmlns:a14="http://schemas.microsoft.com/office/drawing/2010/main" xmlns="">
                 <a:effectLst>
                   <a:outerShdw blurRad="63500" dist="38099" dir="2700000" algn="ctr" rotWithShape="0">
                     <a:srgbClr val="000000">
@@ -5664,7 +5694,7 @@
           <a:effectLst/>
           <a:extLst>
             <a:ext uri="{AF507438-7753-43e0-B8FC-AC1667EBCBE1}">
-              <a14:hiddenEffects xmlns:a14="http://schemas.microsoft.com/office/drawing/2010/main">
+              <a14:hiddenEffects xmlns:a14="http://schemas.microsoft.com/office/drawing/2010/main" xmlns="">
                 <a:effectLst>
                   <a:outerShdw blurRad="63500" dist="38099" dir="2700000" algn="ctr" rotWithShape="0">
                     <a:srgbClr val="000000">
@@ -5714,7 +5744,7 @@
           <a:effectLst/>
           <a:extLst>
             <a:ext uri="{AF507438-7753-43e0-B8FC-AC1667EBCBE1}">
-              <a14:hiddenEffects xmlns:a14="http://schemas.microsoft.com/office/drawing/2010/main">
+              <a14:hiddenEffects xmlns:a14="http://schemas.microsoft.com/office/drawing/2010/main" xmlns="">
                 <a:effectLst>
                   <a:outerShdw blurRad="63500" dist="38099" dir="2700000" algn="ctr" rotWithShape="0">
                     <a:srgbClr val="000000">
@@ -5764,7 +5794,7 @@
           <a:effectLst/>
           <a:extLst>
             <a:ext uri="{AF507438-7753-43e0-B8FC-AC1667EBCBE1}">
-              <a14:hiddenEffects xmlns:a14="http://schemas.microsoft.com/office/drawing/2010/main">
+              <a14:hiddenEffects xmlns:a14="http://schemas.microsoft.com/office/drawing/2010/main" xmlns="">
                 <a:effectLst>
                   <a:outerShdw blurRad="63500" dist="38099" dir="2700000" algn="ctr" rotWithShape="0">
                     <a:srgbClr val="000000">
@@ -5814,7 +5844,7 @@
           <a:effectLst/>
           <a:extLst>
             <a:ext uri="{AF507438-7753-43e0-B8FC-AC1667EBCBE1}">
-              <a14:hiddenEffects xmlns:a14="http://schemas.microsoft.com/office/drawing/2010/main">
+              <a14:hiddenEffects xmlns:a14="http://schemas.microsoft.com/office/drawing/2010/main" xmlns="">
                 <a:effectLst>
                   <a:outerShdw blurRad="63500" dist="38099" dir="2700000" algn="ctr" rotWithShape="0">
                     <a:srgbClr val="000000">
@@ -5864,7 +5894,7 @@
           <a:effectLst/>
           <a:extLst>
             <a:ext uri="{AF507438-7753-43e0-B8FC-AC1667EBCBE1}">
-              <a14:hiddenEffects xmlns:a14="http://schemas.microsoft.com/office/drawing/2010/main">
+              <a14:hiddenEffects xmlns:a14="http://schemas.microsoft.com/office/drawing/2010/main" xmlns="">
                 <a:effectLst>
                   <a:outerShdw blurRad="63500" dist="38099" dir="2700000" algn="ctr" rotWithShape="0">
                     <a:srgbClr val="000000">
@@ -5912,12 +5942,12 @@
           <a:effectLst/>
           <a:extLst>
             <a:ext uri="{909E8E84-426E-40dd-AFC4-6F175D3DCCD1}">
-              <a14:hiddenFill xmlns:a14="http://schemas.microsoft.com/office/drawing/2010/main">
+              <a14:hiddenFill xmlns:a14="http://schemas.microsoft.com/office/drawing/2010/main" xmlns="">
                 <a:noFill/>
               </a14:hiddenFill>
             </a:ext>
             <a:ext uri="{AF507438-7753-43e0-B8FC-AC1667EBCBE1}">
-              <a14:hiddenEffects xmlns:a14="http://schemas.microsoft.com/office/drawing/2010/main">
+              <a14:hiddenEffects xmlns:a14="http://schemas.microsoft.com/office/drawing/2010/main" xmlns="">
                 <a:effectLst>
                   <a:outerShdw blurRad="63500" dist="38099" dir="2700000" algn="ctr" rotWithShape="0">
                     <a:srgbClr val="000000">
@@ -5965,12 +5995,12 @@
           <a:effectLst/>
           <a:extLst>
             <a:ext uri="{909E8E84-426E-40dd-AFC4-6F175D3DCCD1}">
-              <a14:hiddenFill xmlns:a14="http://schemas.microsoft.com/office/drawing/2010/main">
+              <a14:hiddenFill xmlns:a14="http://schemas.microsoft.com/office/drawing/2010/main" xmlns="">
                 <a:noFill/>
               </a14:hiddenFill>
             </a:ext>
             <a:ext uri="{AF507438-7753-43e0-B8FC-AC1667EBCBE1}">
-              <a14:hiddenEffects xmlns:a14="http://schemas.microsoft.com/office/drawing/2010/main">
+              <a14:hiddenEffects xmlns:a14="http://schemas.microsoft.com/office/drawing/2010/main" xmlns="">
                 <a:effectLst>
                   <a:outerShdw blurRad="63500" dist="38099" dir="2700000" algn="ctr" rotWithShape="0">
                     <a:srgbClr val="000000">
@@ -6018,12 +6048,12 @@
           <a:effectLst/>
           <a:extLst>
             <a:ext uri="{909E8E84-426E-40dd-AFC4-6F175D3DCCD1}">
-              <a14:hiddenFill xmlns:a14="http://schemas.microsoft.com/office/drawing/2010/main">
+              <a14:hiddenFill xmlns:a14="http://schemas.microsoft.com/office/drawing/2010/main" xmlns="">
                 <a:noFill/>
               </a14:hiddenFill>
             </a:ext>
             <a:ext uri="{AF507438-7753-43e0-B8FC-AC1667EBCBE1}">
-              <a14:hiddenEffects xmlns:a14="http://schemas.microsoft.com/office/drawing/2010/main">
+              <a14:hiddenEffects xmlns:a14="http://schemas.microsoft.com/office/drawing/2010/main" xmlns="">
                 <a:effectLst>
                   <a:outerShdw blurRad="63500" dist="38099" dir="2700000" algn="ctr" rotWithShape="0">
                     <a:srgbClr val="000000">
@@ -6071,12 +6101,12 @@
           <a:effectLst/>
           <a:extLst>
             <a:ext uri="{909E8E84-426E-40dd-AFC4-6F175D3DCCD1}">
-              <a14:hiddenFill xmlns:a14="http://schemas.microsoft.com/office/drawing/2010/main">
+              <a14:hiddenFill xmlns:a14="http://schemas.microsoft.com/office/drawing/2010/main" xmlns="">
                 <a:noFill/>
               </a14:hiddenFill>
             </a:ext>
             <a:ext uri="{AF507438-7753-43e0-B8FC-AC1667EBCBE1}">
-              <a14:hiddenEffects xmlns:a14="http://schemas.microsoft.com/office/drawing/2010/main">
+              <a14:hiddenEffects xmlns:a14="http://schemas.microsoft.com/office/drawing/2010/main" xmlns="">
                 <a:effectLst>
                   <a:outerShdw blurRad="63500" dist="38099" dir="2700000" algn="ctr" rotWithShape="0">
                     <a:srgbClr val="000000">
@@ -6124,12 +6154,12 @@
           <a:effectLst/>
           <a:extLst>
             <a:ext uri="{909E8E84-426E-40dd-AFC4-6F175D3DCCD1}">
-              <a14:hiddenFill xmlns:a14="http://schemas.microsoft.com/office/drawing/2010/main">
+              <a14:hiddenFill xmlns:a14="http://schemas.microsoft.com/office/drawing/2010/main" xmlns="">
                 <a:noFill/>
               </a14:hiddenFill>
             </a:ext>
             <a:ext uri="{AF507438-7753-43e0-B8FC-AC1667EBCBE1}">
-              <a14:hiddenEffects xmlns:a14="http://schemas.microsoft.com/office/drawing/2010/main">
+              <a14:hiddenEffects xmlns:a14="http://schemas.microsoft.com/office/drawing/2010/main" xmlns="">
                 <a:effectLst>
                   <a:outerShdw blurRad="63500" dist="38099" dir="2700000" algn="ctr" rotWithShape="0">
                     <a:srgbClr val="000000">
@@ -6179,7 +6209,7 @@
           <a:effectLst/>
           <a:extLst>
             <a:ext uri="{AF507438-7753-43e0-B8FC-AC1667EBCBE1}">
-              <a14:hiddenEffects xmlns:a14="http://schemas.microsoft.com/office/drawing/2010/main">
+              <a14:hiddenEffects xmlns:a14="http://schemas.microsoft.com/office/drawing/2010/main" xmlns="">
                 <a:effectLst>
                   <a:outerShdw blurRad="63500" dist="38099" dir="2700000" algn="ctr" rotWithShape="0">
                     <a:srgbClr val="000000">
@@ -6229,7 +6259,7 @@
           <a:effectLst/>
           <a:extLst>
             <a:ext uri="{AF507438-7753-43e0-B8FC-AC1667EBCBE1}">
-              <a14:hiddenEffects xmlns:a14="http://schemas.microsoft.com/office/drawing/2010/main">
+              <a14:hiddenEffects xmlns:a14="http://schemas.microsoft.com/office/drawing/2010/main" xmlns="">
                 <a:effectLst>
                   <a:outerShdw blurRad="63500" dist="38099" dir="2700000" algn="ctr" rotWithShape="0">
                     <a:srgbClr val="000000">
@@ -6277,12 +6307,12 @@
           <a:effectLst/>
           <a:extLst>
             <a:ext uri="{909E8E84-426E-40dd-AFC4-6F175D3DCCD1}">
-              <a14:hiddenFill xmlns:a14="http://schemas.microsoft.com/office/drawing/2010/main">
+              <a14:hiddenFill xmlns:a14="http://schemas.microsoft.com/office/drawing/2010/main" xmlns="">
                 <a:noFill/>
               </a14:hiddenFill>
             </a:ext>
             <a:ext uri="{AF507438-7753-43e0-B8FC-AC1667EBCBE1}">
-              <a14:hiddenEffects xmlns:a14="http://schemas.microsoft.com/office/drawing/2010/main">
+              <a14:hiddenEffects xmlns:a14="http://schemas.microsoft.com/office/drawing/2010/main" xmlns="">
                 <a:effectLst>
                   <a:outerShdw blurRad="63500" dist="38099" dir="2700000" algn="ctr" rotWithShape="0">
                     <a:srgbClr val="000000">
@@ -6330,12 +6360,12 @@
           <a:effectLst/>
           <a:extLst>
             <a:ext uri="{909E8E84-426E-40dd-AFC4-6F175D3DCCD1}">
-              <a14:hiddenFill xmlns:a14="http://schemas.microsoft.com/office/drawing/2010/main">
+              <a14:hiddenFill xmlns:a14="http://schemas.microsoft.com/office/drawing/2010/main" xmlns="">
                 <a:noFill/>
               </a14:hiddenFill>
             </a:ext>
             <a:ext uri="{AF507438-7753-43e0-B8FC-AC1667EBCBE1}">
-              <a14:hiddenEffects xmlns:a14="http://schemas.microsoft.com/office/drawing/2010/main">
+              <a14:hiddenEffects xmlns:a14="http://schemas.microsoft.com/office/drawing/2010/main" xmlns="">
                 <a:effectLst>
                   <a:outerShdw blurRad="63500" dist="38099" dir="2700000" algn="ctr" rotWithShape="0">
                     <a:srgbClr val="000000">
@@ -6383,12 +6413,12 @@
           <a:effectLst/>
           <a:extLst>
             <a:ext uri="{909E8E84-426E-40dd-AFC4-6F175D3DCCD1}">
-              <a14:hiddenFill xmlns:a14="http://schemas.microsoft.com/office/drawing/2010/main">
+              <a14:hiddenFill xmlns:a14="http://schemas.microsoft.com/office/drawing/2010/main" xmlns="">
                 <a:noFill/>
               </a14:hiddenFill>
             </a:ext>
             <a:ext uri="{AF507438-7753-43e0-B8FC-AC1667EBCBE1}">
-              <a14:hiddenEffects xmlns:a14="http://schemas.microsoft.com/office/drawing/2010/main">
+              <a14:hiddenEffects xmlns:a14="http://schemas.microsoft.com/office/drawing/2010/main" xmlns="">
                 <a:effectLst>
                   <a:outerShdw blurRad="63500" dist="38099" dir="2700000" algn="ctr" rotWithShape="0">
                     <a:srgbClr val="000000">
@@ -6440,7 +6470,7 @@
           <a:effectLst/>
           <a:extLst>
             <a:ext uri="{AF507438-7753-43e0-B8FC-AC1667EBCBE1}">
-              <a14:hiddenEffects xmlns:a14="http://schemas.microsoft.com/office/drawing/2010/main">
+              <a14:hiddenEffects xmlns:a14="http://schemas.microsoft.com/office/drawing/2010/main" xmlns="">
                 <a:effectLst>
                   <a:outerShdw blurRad="63500" dist="38099" dir="2700000" algn="ctr" rotWithShape="0">
                     <a:srgbClr val="000000">
@@ -6490,7 +6520,7 @@
           <a:effectLst/>
           <a:extLst>
             <a:ext uri="{AF507438-7753-43e0-B8FC-AC1667EBCBE1}">
-              <a14:hiddenEffects xmlns:a14="http://schemas.microsoft.com/office/drawing/2010/main">
+              <a14:hiddenEffects xmlns:a14="http://schemas.microsoft.com/office/drawing/2010/main" xmlns="">
                 <a:effectLst>
                   <a:outerShdw blurRad="63500" dist="38099" dir="2700000" algn="ctr" rotWithShape="0">
                     <a:srgbClr val="000000">
@@ -6540,7 +6570,7 @@
           <a:effectLst/>
           <a:extLst>
             <a:ext uri="{AF507438-7753-43e0-B8FC-AC1667EBCBE1}">
-              <a14:hiddenEffects xmlns:a14="http://schemas.microsoft.com/office/drawing/2010/main">
+              <a14:hiddenEffects xmlns:a14="http://schemas.microsoft.com/office/drawing/2010/main" xmlns="">
                 <a:effectLst>
                   <a:outerShdw blurRad="63500" dist="38099" dir="2700000" algn="ctr" rotWithShape="0">
                     <a:srgbClr val="000000">
@@ -6590,7 +6620,7 @@
           <a:effectLst/>
           <a:extLst>
             <a:ext uri="{AF507438-7753-43e0-B8FC-AC1667EBCBE1}">
-              <a14:hiddenEffects xmlns:a14="http://schemas.microsoft.com/office/drawing/2010/main">
+              <a14:hiddenEffects xmlns:a14="http://schemas.microsoft.com/office/drawing/2010/main" xmlns="">
                 <a:effectLst>
                   <a:outerShdw blurRad="63500" dist="38099" dir="2700000" algn="ctr" rotWithShape="0">
                     <a:srgbClr val="000000">
@@ -6640,7 +6670,7 @@
           <a:effectLst/>
           <a:extLst>
             <a:ext uri="{AF507438-7753-43e0-B8FC-AC1667EBCBE1}">
-              <a14:hiddenEffects xmlns:a14="http://schemas.microsoft.com/office/drawing/2010/main">
+              <a14:hiddenEffects xmlns:a14="http://schemas.microsoft.com/office/drawing/2010/main" xmlns="">
                 <a:effectLst>
                   <a:outerShdw blurRad="63500" dist="38099" dir="2700000" algn="ctr" rotWithShape="0">
                     <a:srgbClr val="000000">
@@ -6690,7 +6720,7 @@
           <a:effectLst/>
           <a:extLst>
             <a:ext uri="{AF507438-7753-43e0-B8FC-AC1667EBCBE1}">
-              <a14:hiddenEffects xmlns:a14="http://schemas.microsoft.com/office/drawing/2010/main">
+              <a14:hiddenEffects xmlns:a14="http://schemas.microsoft.com/office/drawing/2010/main" xmlns="">
                 <a:effectLst>
                   <a:outerShdw blurRad="63500" dist="38099" dir="2700000" algn="ctr" rotWithShape="0">
                     <a:srgbClr val="000000">
@@ -6742,7 +6772,7 @@
           <a:effectLst/>
           <a:extLst>
             <a:ext uri="{AF507438-7753-43e0-B8FC-AC1667EBCBE1}">
-              <a14:hiddenEffects xmlns:a14="http://schemas.microsoft.com/office/drawing/2010/main">
+              <a14:hiddenEffects xmlns:a14="http://schemas.microsoft.com/office/drawing/2010/main" xmlns="">
                 <a:effectLst>
                   <a:outerShdw blurRad="63500" dist="38099" dir="2700000" algn="ctr" rotWithShape="0">
                     <a:srgbClr val="000000">
@@ -6785,14 +6815,14 @@
           <a:effectLst/>
           <a:extLst>
             <a:ext uri="{909E8E84-426E-40dd-AFC4-6F175D3DCCD1}">
-              <a14:hiddenFill xmlns:a14="http://schemas.microsoft.com/office/drawing/2010/main">
+              <a14:hiddenFill xmlns:a14="http://schemas.microsoft.com/office/drawing/2010/main" xmlns="">
                 <a:solidFill>
                   <a:srgbClr val="FFFFFF"/>
                 </a:solidFill>
               </a14:hiddenFill>
             </a:ext>
             <a:ext uri="{91240B29-F687-4f45-9708-019B960494DF}">
-              <a14:hiddenLine xmlns:a14="http://schemas.microsoft.com/office/drawing/2010/main" w="9525" cap="flat">
+              <a14:hiddenLine xmlns:a14="http://schemas.microsoft.com/office/drawing/2010/main" xmlns="" w="9525" cap="flat">
                 <a:solidFill>
                   <a:srgbClr val="000000"/>
                 </a:solidFill>
@@ -6802,7 +6832,7 @@
               </a14:hiddenLine>
             </a:ext>
             <a:ext uri="{AF507438-7753-43e0-B8FC-AC1667EBCBE1}">
-              <a14:hiddenEffects xmlns:a14="http://schemas.microsoft.com/office/drawing/2010/main">
+              <a14:hiddenEffects xmlns:a14="http://schemas.microsoft.com/office/drawing/2010/main" xmlns="">
                 <a:effectLst>
                   <a:outerShdw blurRad="63500" dist="38099" dir="2700000" algn="ctr" rotWithShape="0">
                     <a:srgbClr val="000000">
@@ -7037,12 +7067,12 @@
           <a:effectLst/>
           <a:extLst>
             <a:ext uri="{909E8E84-426E-40dd-AFC4-6F175D3DCCD1}">
-              <a14:hiddenFill xmlns:a14="http://schemas.microsoft.com/office/drawing/2010/main">
+              <a14:hiddenFill xmlns:a14="http://schemas.microsoft.com/office/drawing/2010/main" xmlns="">
                 <a:noFill/>
               </a14:hiddenFill>
             </a:ext>
             <a:ext uri="{AF507438-7753-43e0-B8FC-AC1667EBCBE1}">
-              <a14:hiddenEffects xmlns:a14="http://schemas.microsoft.com/office/drawing/2010/main">
+              <a14:hiddenEffects xmlns:a14="http://schemas.microsoft.com/office/drawing/2010/main" xmlns="">
                 <a:effectLst>
                   <a:outerShdw blurRad="63500" dist="38099" dir="2700000" algn="ctr" rotWithShape="0">
                     <a:srgbClr val="000000">
@@ -7090,12 +7120,12 @@
           <a:effectLst/>
           <a:extLst>
             <a:ext uri="{909E8E84-426E-40dd-AFC4-6F175D3DCCD1}">
-              <a14:hiddenFill xmlns:a14="http://schemas.microsoft.com/office/drawing/2010/main">
+              <a14:hiddenFill xmlns:a14="http://schemas.microsoft.com/office/drawing/2010/main" xmlns="">
                 <a:noFill/>
               </a14:hiddenFill>
             </a:ext>
             <a:ext uri="{AF507438-7753-43e0-B8FC-AC1667EBCBE1}">
-              <a14:hiddenEffects xmlns:a14="http://schemas.microsoft.com/office/drawing/2010/main">
+              <a14:hiddenEffects xmlns:a14="http://schemas.microsoft.com/office/drawing/2010/main" xmlns="">
                 <a:effectLst>
                   <a:outerShdw blurRad="63500" dist="38099" dir="2700000" algn="ctr" rotWithShape="0">
                     <a:srgbClr val="000000">
@@ -7138,14 +7168,14 @@
           <a:effectLst/>
           <a:extLst>
             <a:ext uri="{909E8E84-426E-40dd-AFC4-6F175D3DCCD1}">
-              <a14:hiddenFill xmlns:a14="http://schemas.microsoft.com/office/drawing/2010/main">
+              <a14:hiddenFill xmlns:a14="http://schemas.microsoft.com/office/drawing/2010/main" xmlns="">
                 <a:solidFill>
                   <a:srgbClr val="FFFFFF"/>
                 </a:solidFill>
               </a14:hiddenFill>
             </a:ext>
             <a:ext uri="{91240B29-F687-4f45-9708-019B960494DF}">
-              <a14:hiddenLine xmlns:a14="http://schemas.microsoft.com/office/drawing/2010/main" w="9525" cap="flat">
+              <a14:hiddenLine xmlns:a14="http://schemas.microsoft.com/office/drawing/2010/main" xmlns="" w="9525" cap="flat">
                 <a:solidFill>
                   <a:srgbClr val="000000"/>
                 </a:solidFill>
@@ -7155,7 +7185,7 @@
               </a14:hiddenLine>
             </a:ext>
             <a:ext uri="{AF507438-7753-43e0-B8FC-AC1667EBCBE1}">
-              <a14:hiddenEffects xmlns:a14="http://schemas.microsoft.com/office/drawing/2010/main">
+              <a14:hiddenEffects xmlns:a14="http://schemas.microsoft.com/office/drawing/2010/main" xmlns="">
                 <a:effectLst>
                   <a:outerShdw blurRad="63500" dist="38099" dir="2700000" algn="ctr" rotWithShape="0">
                     <a:srgbClr val="000000">
@@ -7398,14 +7428,14 @@
           <a:effectLst/>
           <a:extLst>
             <a:ext uri="{909E8E84-426E-40dd-AFC4-6F175D3DCCD1}">
-              <a14:hiddenFill xmlns:a14="http://schemas.microsoft.com/office/drawing/2010/main">
+              <a14:hiddenFill xmlns:a14="http://schemas.microsoft.com/office/drawing/2010/main" xmlns="">
                 <a:solidFill>
                   <a:srgbClr val="FFFFFF"/>
                 </a:solidFill>
               </a14:hiddenFill>
             </a:ext>
             <a:ext uri="{91240B29-F687-4f45-9708-019B960494DF}">
-              <a14:hiddenLine xmlns:a14="http://schemas.microsoft.com/office/drawing/2010/main" w="9525" cap="flat">
+              <a14:hiddenLine xmlns:a14="http://schemas.microsoft.com/office/drawing/2010/main" xmlns="" w="9525" cap="flat">
                 <a:solidFill>
                   <a:srgbClr val="000000"/>
                 </a:solidFill>
@@ -7415,7 +7445,7 @@
               </a14:hiddenLine>
             </a:ext>
             <a:ext uri="{AF507438-7753-43e0-B8FC-AC1667EBCBE1}">
-              <a14:hiddenEffects xmlns:a14="http://schemas.microsoft.com/office/drawing/2010/main">
+              <a14:hiddenEffects xmlns:a14="http://schemas.microsoft.com/office/drawing/2010/main" xmlns="">
                 <a:effectLst>
                   <a:outerShdw blurRad="63500" dist="38099" dir="2700000" algn="ctr" rotWithShape="0">
                     <a:srgbClr val="000000">
@@ -7635,14 +7665,14 @@
           <a:effectLst/>
           <a:extLst>
             <a:ext uri="{909E8E84-426E-40dd-AFC4-6F175D3DCCD1}">
-              <a14:hiddenFill xmlns:a14="http://schemas.microsoft.com/office/drawing/2010/main">
+              <a14:hiddenFill xmlns:a14="http://schemas.microsoft.com/office/drawing/2010/main" xmlns="">
                 <a:solidFill>
                   <a:srgbClr val="FFFFFF"/>
                 </a:solidFill>
               </a14:hiddenFill>
             </a:ext>
             <a:ext uri="{91240B29-F687-4f45-9708-019B960494DF}">
-              <a14:hiddenLine xmlns:a14="http://schemas.microsoft.com/office/drawing/2010/main" w="9525" cap="flat">
+              <a14:hiddenLine xmlns:a14="http://schemas.microsoft.com/office/drawing/2010/main" xmlns="" w="9525" cap="flat">
                 <a:solidFill>
                   <a:srgbClr val="000000"/>
                 </a:solidFill>
@@ -7652,7 +7682,7 @@
               </a14:hiddenLine>
             </a:ext>
             <a:ext uri="{AF507438-7753-43e0-B8FC-AC1667EBCBE1}">
-              <a14:hiddenEffects xmlns:a14="http://schemas.microsoft.com/office/drawing/2010/main">
+              <a14:hiddenEffects xmlns:a14="http://schemas.microsoft.com/office/drawing/2010/main" xmlns="">
                 <a:effectLst>
                   <a:outerShdw blurRad="63500" dist="38099" dir="2700000" algn="ctr" rotWithShape="0">
                     <a:srgbClr val="000000">
@@ -7882,14 +7912,14 @@
           <a:effectLst/>
           <a:extLst>
             <a:ext uri="{909E8E84-426E-40dd-AFC4-6F175D3DCCD1}">
-              <a14:hiddenFill xmlns:a14="http://schemas.microsoft.com/office/drawing/2010/main">
+              <a14:hiddenFill xmlns:a14="http://schemas.microsoft.com/office/drawing/2010/main" xmlns="">
                 <a:solidFill>
                   <a:srgbClr val="FFFFFF"/>
                 </a:solidFill>
               </a14:hiddenFill>
             </a:ext>
             <a:ext uri="{91240B29-F687-4f45-9708-019B960494DF}">
-              <a14:hiddenLine xmlns:a14="http://schemas.microsoft.com/office/drawing/2010/main" w="9525" cap="flat">
+              <a14:hiddenLine xmlns:a14="http://schemas.microsoft.com/office/drawing/2010/main" xmlns="" w="9525" cap="flat">
                 <a:solidFill>
                   <a:srgbClr val="000000"/>
                 </a:solidFill>
@@ -7899,7 +7929,7 @@
               </a14:hiddenLine>
             </a:ext>
             <a:ext uri="{AF507438-7753-43e0-B8FC-AC1667EBCBE1}">
-              <a14:hiddenEffects xmlns:a14="http://schemas.microsoft.com/office/drawing/2010/main">
+              <a14:hiddenEffects xmlns:a14="http://schemas.microsoft.com/office/drawing/2010/main" xmlns="">
                 <a:effectLst>
                   <a:outerShdw blurRad="63500" dist="38099" dir="2700000" algn="ctr" rotWithShape="0">
                     <a:srgbClr val="000000">
@@ -8128,14 +8158,14 @@
           <a:effectLst/>
           <a:extLst>
             <a:ext uri="{909E8E84-426E-40dd-AFC4-6F175D3DCCD1}">
-              <a14:hiddenFill xmlns:a14="http://schemas.microsoft.com/office/drawing/2010/main">
+              <a14:hiddenFill xmlns:a14="http://schemas.microsoft.com/office/drawing/2010/main" xmlns="">
                 <a:solidFill>
                   <a:srgbClr val="FFFFFF"/>
                 </a:solidFill>
               </a14:hiddenFill>
             </a:ext>
             <a:ext uri="{91240B29-F687-4f45-9708-019B960494DF}">
-              <a14:hiddenLine xmlns:a14="http://schemas.microsoft.com/office/drawing/2010/main" w="9525" cap="flat">
+              <a14:hiddenLine xmlns:a14="http://schemas.microsoft.com/office/drawing/2010/main" xmlns="" w="9525" cap="flat">
                 <a:solidFill>
                   <a:srgbClr val="000000"/>
                 </a:solidFill>
@@ -8145,7 +8175,7 @@
               </a14:hiddenLine>
             </a:ext>
             <a:ext uri="{AF507438-7753-43e0-B8FC-AC1667EBCBE1}">
-              <a14:hiddenEffects xmlns:a14="http://schemas.microsoft.com/office/drawing/2010/main">
+              <a14:hiddenEffects xmlns:a14="http://schemas.microsoft.com/office/drawing/2010/main" xmlns="">
                 <a:effectLst>
                   <a:outerShdw blurRad="63500" dist="38099" dir="2700000" algn="ctr" rotWithShape="0">
                     <a:srgbClr val="000000">
@@ -8371,14 +8401,14 @@
           <a:effectLst/>
           <a:extLst>
             <a:ext uri="{909E8E84-426E-40dd-AFC4-6F175D3DCCD1}">
-              <a14:hiddenFill xmlns:a14="http://schemas.microsoft.com/office/drawing/2010/main">
+              <a14:hiddenFill xmlns:a14="http://schemas.microsoft.com/office/drawing/2010/main" xmlns="">
                 <a:solidFill>
                   <a:srgbClr val="FFFFFF"/>
                 </a:solidFill>
               </a14:hiddenFill>
             </a:ext>
             <a:ext uri="{91240B29-F687-4f45-9708-019B960494DF}">
-              <a14:hiddenLine xmlns:a14="http://schemas.microsoft.com/office/drawing/2010/main" w="9525" cap="flat">
+              <a14:hiddenLine xmlns:a14="http://schemas.microsoft.com/office/drawing/2010/main" xmlns="" w="9525" cap="flat">
                 <a:solidFill>
                   <a:srgbClr val="000000"/>
                 </a:solidFill>
@@ -8388,7 +8418,7 @@
               </a14:hiddenLine>
             </a:ext>
             <a:ext uri="{AF507438-7753-43e0-B8FC-AC1667EBCBE1}">
-              <a14:hiddenEffects xmlns:a14="http://schemas.microsoft.com/office/drawing/2010/main">
+              <a14:hiddenEffects xmlns:a14="http://schemas.microsoft.com/office/drawing/2010/main" xmlns="">
                 <a:effectLst>
                   <a:outerShdw blurRad="63500" dist="38099" dir="2700000" algn="ctr" rotWithShape="0">
                     <a:srgbClr val="000000">
@@ -8624,14 +8654,14 @@
           <a:effectLst/>
           <a:extLst>
             <a:ext uri="{909E8E84-426E-40dd-AFC4-6F175D3DCCD1}">
-              <a14:hiddenFill xmlns:a14="http://schemas.microsoft.com/office/drawing/2010/main">
+              <a14:hiddenFill xmlns:a14="http://schemas.microsoft.com/office/drawing/2010/main" xmlns="">
                 <a:solidFill>
                   <a:srgbClr val="FFFFFF"/>
                 </a:solidFill>
               </a14:hiddenFill>
             </a:ext>
             <a:ext uri="{91240B29-F687-4f45-9708-019B960494DF}">
-              <a14:hiddenLine xmlns:a14="http://schemas.microsoft.com/office/drawing/2010/main" w="9525" cap="flat">
+              <a14:hiddenLine xmlns:a14="http://schemas.microsoft.com/office/drawing/2010/main" xmlns="" w="9525" cap="flat">
                 <a:solidFill>
                   <a:srgbClr val="000000"/>
                 </a:solidFill>
@@ -8641,7 +8671,7 @@
               </a14:hiddenLine>
             </a:ext>
             <a:ext uri="{AF507438-7753-43e0-B8FC-AC1667EBCBE1}">
-              <a14:hiddenEffects xmlns:a14="http://schemas.microsoft.com/office/drawing/2010/main">
+              <a14:hiddenEffects xmlns:a14="http://schemas.microsoft.com/office/drawing/2010/main" xmlns="">
                 <a:effectLst>
                   <a:outerShdw blurRad="63500" dist="38099" dir="2700000" algn="ctr" rotWithShape="0">
                     <a:srgbClr val="000000">
@@ -8871,14 +8901,14 @@
           <a:effectLst/>
           <a:extLst>
             <a:ext uri="{909E8E84-426E-40dd-AFC4-6F175D3DCCD1}">
-              <a14:hiddenFill xmlns:a14="http://schemas.microsoft.com/office/drawing/2010/main">
+              <a14:hiddenFill xmlns:a14="http://schemas.microsoft.com/office/drawing/2010/main" xmlns="">
                 <a:solidFill>
                   <a:srgbClr val="FFFFFF"/>
                 </a:solidFill>
               </a14:hiddenFill>
             </a:ext>
             <a:ext uri="{91240B29-F687-4f45-9708-019B960494DF}">
-              <a14:hiddenLine xmlns:a14="http://schemas.microsoft.com/office/drawing/2010/main" w="9525" cap="flat">
+              <a14:hiddenLine xmlns:a14="http://schemas.microsoft.com/office/drawing/2010/main" xmlns="" w="9525" cap="flat">
                 <a:solidFill>
                   <a:srgbClr val="000000"/>
                 </a:solidFill>
@@ -8888,7 +8918,7 @@
               </a14:hiddenLine>
             </a:ext>
             <a:ext uri="{AF507438-7753-43e0-B8FC-AC1667EBCBE1}">
-              <a14:hiddenEffects xmlns:a14="http://schemas.microsoft.com/office/drawing/2010/main">
+              <a14:hiddenEffects xmlns:a14="http://schemas.microsoft.com/office/drawing/2010/main" xmlns="">
                 <a:effectLst>
                   <a:outerShdw blurRad="63500" dist="38099" dir="2700000" algn="ctr" rotWithShape="0">
                     <a:srgbClr val="000000">
@@ -9127,7 +9157,7 @@
           <a:effectLst/>
           <a:extLst>
             <a:ext uri="{AF507438-7753-43e0-B8FC-AC1667EBCBE1}">
-              <a14:hiddenEffects xmlns:a14="http://schemas.microsoft.com/office/drawing/2010/main">
+              <a14:hiddenEffects xmlns:a14="http://schemas.microsoft.com/office/drawing/2010/main" xmlns="">
                 <a:effectLst>
                   <a:outerShdw blurRad="63500" dist="38099" dir="2700000" algn="ctr" rotWithShape="0">
                     <a:srgbClr val="000000">
@@ -9177,7 +9207,7 @@
           <a:effectLst/>
           <a:extLst>
             <a:ext uri="{AF507438-7753-43e0-B8FC-AC1667EBCBE1}">
-              <a14:hiddenEffects xmlns:a14="http://schemas.microsoft.com/office/drawing/2010/main">
+              <a14:hiddenEffects xmlns:a14="http://schemas.microsoft.com/office/drawing/2010/main" xmlns="">
                 <a:effectLst>
                   <a:outerShdw blurRad="63500" dist="38099" dir="2700000" algn="ctr" rotWithShape="0">
                     <a:srgbClr val="000000">
@@ -9220,14 +9250,14 @@
           <a:effectLst/>
           <a:extLst>
             <a:ext uri="{909E8E84-426E-40dd-AFC4-6F175D3DCCD1}">
-              <a14:hiddenFill xmlns:a14="http://schemas.microsoft.com/office/drawing/2010/main">
+              <a14:hiddenFill xmlns:a14="http://schemas.microsoft.com/office/drawing/2010/main" xmlns="">
                 <a:solidFill>
                   <a:srgbClr val="FFFFFF"/>
                 </a:solidFill>
               </a14:hiddenFill>
             </a:ext>
             <a:ext uri="{91240B29-F687-4f45-9708-019B960494DF}">
-              <a14:hiddenLine xmlns:a14="http://schemas.microsoft.com/office/drawing/2010/main" w="9525" cap="flat">
+              <a14:hiddenLine xmlns:a14="http://schemas.microsoft.com/office/drawing/2010/main" xmlns="" w="9525" cap="flat">
                 <a:solidFill>
                   <a:srgbClr val="000000"/>
                 </a:solidFill>
@@ -9237,7 +9267,7 @@
               </a14:hiddenLine>
             </a:ext>
             <a:ext uri="{AF507438-7753-43e0-B8FC-AC1667EBCBE1}">
-              <a14:hiddenEffects xmlns:a14="http://schemas.microsoft.com/office/drawing/2010/main">
+              <a14:hiddenEffects xmlns:a14="http://schemas.microsoft.com/office/drawing/2010/main" xmlns="">
                 <a:effectLst>
                   <a:outerShdw blurRad="63500" dist="38099" dir="2700000" algn="ctr" rotWithShape="0">
                     <a:srgbClr val="000000">
@@ -9474,7 +9504,7 @@
           <a:effectLst/>
           <a:extLst>
             <a:ext uri="{AF507438-7753-43e0-B8FC-AC1667EBCBE1}">
-              <a14:hiddenEffects xmlns:a14="http://schemas.microsoft.com/office/drawing/2010/main">
+              <a14:hiddenEffects xmlns:a14="http://schemas.microsoft.com/office/drawing/2010/main" xmlns="">
                 <a:effectLst>
                   <a:outerShdw blurRad="63500" dist="38099" dir="2700000" algn="ctr" rotWithShape="0">
                     <a:srgbClr val="000000">
@@ -9524,7 +9554,7 @@
           <a:effectLst/>
           <a:extLst>
             <a:ext uri="{AF507438-7753-43e0-B8FC-AC1667EBCBE1}">
-              <a14:hiddenEffects xmlns:a14="http://schemas.microsoft.com/office/drawing/2010/main">
+              <a14:hiddenEffects xmlns:a14="http://schemas.microsoft.com/office/drawing/2010/main" xmlns="">
                 <a:effectLst>
                   <a:outerShdw blurRad="63500" dist="38099" dir="2700000" algn="ctr" rotWithShape="0">
                     <a:srgbClr val="000000">
@@ -9574,7 +9604,7 @@
           <a:effectLst/>
           <a:extLst>
             <a:ext uri="{AF507438-7753-43e0-B8FC-AC1667EBCBE1}">
-              <a14:hiddenEffects xmlns:a14="http://schemas.microsoft.com/office/drawing/2010/main">
+              <a14:hiddenEffects xmlns:a14="http://schemas.microsoft.com/office/drawing/2010/main" xmlns="">
                 <a:effectLst>
                   <a:outerShdw blurRad="63500" dist="38099" dir="2700000" algn="ctr" rotWithShape="0">
                     <a:srgbClr val="000000">
@@ -9624,7 +9654,7 @@
           <a:effectLst/>
           <a:extLst>
             <a:ext uri="{AF507438-7753-43e0-B8FC-AC1667EBCBE1}">
-              <a14:hiddenEffects xmlns:a14="http://schemas.microsoft.com/office/drawing/2010/main">
+              <a14:hiddenEffects xmlns:a14="http://schemas.microsoft.com/office/drawing/2010/main" xmlns="">
                 <a:effectLst>
                   <a:outerShdw blurRad="63500" dist="38099" dir="2700000" algn="ctr" rotWithShape="0">
                     <a:srgbClr val="000000">
@@ -9674,7 +9704,7 @@
           <a:effectLst/>
           <a:extLst>
             <a:ext uri="{AF507438-7753-43e0-B8FC-AC1667EBCBE1}">
-              <a14:hiddenEffects xmlns:a14="http://schemas.microsoft.com/office/drawing/2010/main">
+              <a14:hiddenEffects xmlns:a14="http://schemas.microsoft.com/office/drawing/2010/main" xmlns="">
                 <a:effectLst>
                   <a:outerShdw blurRad="63500" dist="38099" dir="2700000" algn="ctr" rotWithShape="0">
                     <a:srgbClr val="000000">
@@ -9724,7 +9754,7 @@
           <a:effectLst/>
           <a:extLst>
             <a:ext uri="{AF507438-7753-43e0-B8FC-AC1667EBCBE1}">
-              <a14:hiddenEffects xmlns:a14="http://schemas.microsoft.com/office/drawing/2010/main">
+              <a14:hiddenEffects xmlns:a14="http://schemas.microsoft.com/office/drawing/2010/main" xmlns="">
                 <a:effectLst>
                   <a:outerShdw blurRad="63500" dist="38099" dir="2700000" algn="ctr" rotWithShape="0">
                     <a:srgbClr val="000000">
@@ -9774,7 +9804,7 @@
           <a:effectLst/>
           <a:extLst>
             <a:ext uri="{AF507438-7753-43e0-B8FC-AC1667EBCBE1}">
-              <a14:hiddenEffects xmlns:a14="http://schemas.microsoft.com/office/drawing/2010/main">
+              <a14:hiddenEffects xmlns:a14="http://schemas.microsoft.com/office/drawing/2010/main" xmlns="">
                 <a:effectLst>
                   <a:outerShdw blurRad="63500" dist="38099" dir="2700000" algn="ctr" rotWithShape="0">
                     <a:srgbClr val="000000">
@@ -9824,7 +9854,7 @@
           <a:effectLst/>
           <a:extLst>
             <a:ext uri="{AF507438-7753-43e0-B8FC-AC1667EBCBE1}">
-              <a14:hiddenEffects xmlns:a14="http://schemas.microsoft.com/office/drawing/2010/main">
+              <a14:hiddenEffects xmlns:a14="http://schemas.microsoft.com/office/drawing/2010/main" xmlns="">
                 <a:effectLst>
                   <a:outerShdw blurRad="63500" dist="38099" dir="2700000" algn="ctr" rotWithShape="0">
                     <a:srgbClr val="000000">
@@ -9874,7 +9904,7 @@
           <a:effectLst/>
           <a:extLst>
             <a:ext uri="{AF507438-7753-43e0-B8FC-AC1667EBCBE1}">
-              <a14:hiddenEffects xmlns:a14="http://schemas.microsoft.com/office/drawing/2010/main">
+              <a14:hiddenEffects xmlns:a14="http://schemas.microsoft.com/office/drawing/2010/main" xmlns="">
                 <a:effectLst>
                   <a:outerShdw blurRad="63500" dist="38099" dir="2700000" algn="ctr" rotWithShape="0">
                     <a:srgbClr val="000000">
@@ -9924,7 +9954,7 @@
           <a:effectLst/>
           <a:extLst>
             <a:ext uri="{AF507438-7753-43e0-B8FC-AC1667EBCBE1}">
-              <a14:hiddenEffects xmlns:a14="http://schemas.microsoft.com/office/drawing/2010/main">
+              <a14:hiddenEffects xmlns:a14="http://schemas.microsoft.com/office/drawing/2010/main" xmlns="">
                 <a:effectLst>
                   <a:outerShdw blurRad="63500" dist="38099" dir="2700000" algn="ctr" rotWithShape="0">
                     <a:srgbClr val="000000">
@@ -9974,7 +10004,7 @@
           <a:effectLst/>
           <a:extLst>
             <a:ext uri="{AF507438-7753-43e0-B8FC-AC1667EBCBE1}">
-              <a14:hiddenEffects xmlns:a14="http://schemas.microsoft.com/office/drawing/2010/main">
+              <a14:hiddenEffects xmlns:a14="http://schemas.microsoft.com/office/drawing/2010/main" xmlns="">
                 <a:effectLst>
                   <a:outerShdw blurRad="63500" dist="38099" dir="2700000" algn="ctr" rotWithShape="0">
                     <a:srgbClr val="000000">
@@ -10022,12 +10052,12 @@
           <a:effectLst/>
           <a:extLst>
             <a:ext uri="{909E8E84-426E-40dd-AFC4-6F175D3DCCD1}">
-              <a14:hiddenFill xmlns:a14="http://schemas.microsoft.com/office/drawing/2010/main">
+              <a14:hiddenFill xmlns:a14="http://schemas.microsoft.com/office/drawing/2010/main" xmlns="">
                 <a:noFill/>
               </a14:hiddenFill>
             </a:ext>
             <a:ext uri="{AF507438-7753-43e0-B8FC-AC1667EBCBE1}">
-              <a14:hiddenEffects xmlns:a14="http://schemas.microsoft.com/office/drawing/2010/main">
+              <a14:hiddenEffects xmlns:a14="http://schemas.microsoft.com/office/drawing/2010/main" xmlns="">
                 <a:effectLst>
                   <a:outerShdw blurRad="63500" dist="38099" dir="2700000" algn="ctr" rotWithShape="0">
                     <a:srgbClr val="000000">
@@ -10070,14 +10100,14 @@
           <a:effectLst/>
           <a:extLst>
             <a:ext uri="{909E8E84-426E-40dd-AFC4-6F175D3DCCD1}">
-              <a14:hiddenFill xmlns:a14="http://schemas.microsoft.com/office/drawing/2010/main">
+              <a14:hiddenFill xmlns:a14="http://schemas.microsoft.com/office/drawing/2010/main" xmlns="">
                 <a:solidFill>
                   <a:srgbClr val="FFFFFF"/>
                 </a:solidFill>
               </a14:hiddenFill>
             </a:ext>
             <a:ext uri="{91240B29-F687-4f45-9708-019B960494DF}">
-              <a14:hiddenLine xmlns:a14="http://schemas.microsoft.com/office/drawing/2010/main" w="9525" cap="flat">
+              <a14:hiddenLine xmlns:a14="http://schemas.microsoft.com/office/drawing/2010/main" xmlns="" w="9525" cap="flat">
                 <a:solidFill>
                   <a:srgbClr val="000000"/>
                 </a:solidFill>
@@ -10087,7 +10117,7 @@
               </a14:hiddenLine>
             </a:ext>
             <a:ext uri="{AF507438-7753-43e0-B8FC-AC1667EBCBE1}">
-              <a14:hiddenEffects xmlns:a14="http://schemas.microsoft.com/office/drawing/2010/main">
+              <a14:hiddenEffects xmlns:a14="http://schemas.microsoft.com/office/drawing/2010/main" xmlns="">
                 <a:effectLst>
                   <a:outerShdw blurRad="63500" dist="38099" dir="2700000" algn="ctr" rotWithShape="0">
                     <a:srgbClr val="000000">
@@ -10322,12 +10352,12 @@
           <a:effectLst/>
           <a:extLst>
             <a:ext uri="{909E8E84-426E-40dd-AFC4-6F175D3DCCD1}">
-              <a14:hiddenFill xmlns:a14="http://schemas.microsoft.com/office/drawing/2010/main">
+              <a14:hiddenFill xmlns:a14="http://schemas.microsoft.com/office/drawing/2010/main" xmlns="">
                 <a:noFill/>
               </a14:hiddenFill>
             </a:ext>
             <a:ext uri="{AF507438-7753-43e0-B8FC-AC1667EBCBE1}">
-              <a14:hiddenEffects xmlns:a14="http://schemas.microsoft.com/office/drawing/2010/main">
+              <a14:hiddenEffects xmlns:a14="http://schemas.microsoft.com/office/drawing/2010/main" xmlns="">
                 <a:effectLst>
                   <a:outerShdw blurRad="63500" dist="38099" dir="2700000" algn="ctr" rotWithShape="0">
                     <a:srgbClr val="000000">
@@ -10375,12 +10405,12 @@
           <a:effectLst/>
           <a:extLst>
             <a:ext uri="{909E8E84-426E-40dd-AFC4-6F175D3DCCD1}">
-              <a14:hiddenFill xmlns:a14="http://schemas.microsoft.com/office/drawing/2010/main">
+              <a14:hiddenFill xmlns:a14="http://schemas.microsoft.com/office/drawing/2010/main" xmlns="">
                 <a:noFill/>
               </a14:hiddenFill>
             </a:ext>
             <a:ext uri="{AF507438-7753-43e0-B8FC-AC1667EBCBE1}">
-              <a14:hiddenEffects xmlns:a14="http://schemas.microsoft.com/office/drawing/2010/main">
+              <a14:hiddenEffects xmlns:a14="http://schemas.microsoft.com/office/drawing/2010/main" xmlns="">
                 <a:effectLst>
                   <a:outerShdw blurRad="63500" dist="38099" dir="2700000" algn="ctr" rotWithShape="0">
                     <a:srgbClr val="000000">
@@ -10423,14 +10453,14 @@
           <a:effectLst/>
           <a:extLst>
             <a:ext uri="{909E8E84-426E-40dd-AFC4-6F175D3DCCD1}">
-              <a14:hiddenFill xmlns:a14="http://schemas.microsoft.com/office/drawing/2010/main">
+              <a14:hiddenFill xmlns:a14="http://schemas.microsoft.com/office/drawing/2010/main" xmlns="">
                 <a:solidFill>
                   <a:srgbClr val="FFFFFF"/>
                 </a:solidFill>
               </a14:hiddenFill>
             </a:ext>
             <a:ext uri="{91240B29-F687-4f45-9708-019B960494DF}">
-              <a14:hiddenLine xmlns:a14="http://schemas.microsoft.com/office/drawing/2010/main" w="9525" cap="flat">
+              <a14:hiddenLine xmlns:a14="http://schemas.microsoft.com/office/drawing/2010/main" xmlns="" w="9525" cap="flat">
                 <a:solidFill>
                   <a:srgbClr val="000000"/>
                 </a:solidFill>
@@ -10440,7 +10470,7 @@
               </a14:hiddenLine>
             </a:ext>
             <a:ext uri="{AF507438-7753-43e0-B8FC-AC1667EBCBE1}">
-              <a14:hiddenEffects xmlns:a14="http://schemas.microsoft.com/office/drawing/2010/main">
+              <a14:hiddenEffects xmlns:a14="http://schemas.microsoft.com/office/drawing/2010/main" xmlns="">
                 <a:effectLst>
                   <a:outerShdw blurRad="63500" dist="38099" dir="2700000" algn="ctr" rotWithShape="0">
                     <a:srgbClr val="000000">
@@ -10679,14 +10709,14 @@
           <a:effectLst/>
           <a:extLst>
             <a:ext uri="{909E8E84-426E-40dd-AFC4-6F175D3DCCD1}">
-              <a14:hiddenFill xmlns:a14="http://schemas.microsoft.com/office/drawing/2010/main">
+              <a14:hiddenFill xmlns:a14="http://schemas.microsoft.com/office/drawing/2010/main" xmlns="">
                 <a:solidFill>
                   <a:srgbClr val="FFFFFF"/>
                 </a:solidFill>
               </a14:hiddenFill>
             </a:ext>
             <a:ext uri="{91240B29-F687-4f45-9708-019B960494DF}">
-              <a14:hiddenLine xmlns:a14="http://schemas.microsoft.com/office/drawing/2010/main" w="9525" cap="flat">
+              <a14:hiddenLine xmlns:a14="http://schemas.microsoft.com/office/drawing/2010/main" xmlns="" w="9525" cap="flat">
                 <a:solidFill>
                   <a:srgbClr val="000000"/>
                 </a:solidFill>
@@ -10696,7 +10726,7 @@
               </a14:hiddenLine>
             </a:ext>
             <a:ext uri="{AF507438-7753-43e0-B8FC-AC1667EBCBE1}">
-              <a14:hiddenEffects xmlns:a14="http://schemas.microsoft.com/office/drawing/2010/main">
+              <a14:hiddenEffects xmlns:a14="http://schemas.microsoft.com/office/drawing/2010/main" xmlns="">
                 <a:effectLst>
                   <a:outerShdw blurRad="63500" dist="38099" dir="2700000" algn="ctr" rotWithShape="0">
                     <a:srgbClr val="000000">
@@ -10928,14 +10958,14 @@
           <a:effectLst/>
           <a:extLst>
             <a:ext uri="{909E8E84-426E-40dd-AFC4-6F175D3DCCD1}">
-              <a14:hiddenFill xmlns:a14="http://schemas.microsoft.com/office/drawing/2010/main">
+              <a14:hiddenFill xmlns:a14="http://schemas.microsoft.com/office/drawing/2010/main" xmlns="">
                 <a:solidFill>
                   <a:srgbClr val="FFFFFF"/>
                 </a:solidFill>
               </a14:hiddenFill>
             </a:ext>
             <a:ext uri="{91240B29-F687-4f45-9708-019B960494DF}">
-              <a14:hiddenLine xmlns:a14="http://schemas.microsoft.com/office/drawing/2010/main" w="9525" cap="flat">
+              <a14:hiddenLine xmlns:a14="http://schemas.microsoft.com/office/drawing/2010/main" xmlns="" w="9525" cap="flat">
                 <a:solidFill>
                   <a:srgbClr val="000000"/>
                 </a:solidFill>
@@ -10945,7 +10975,7 @@
               </a14:hiddenLine>
             </a:ext>
             <a:ext uri="{AF507438-7753-43e0-B8FC-AC1667EBCBE1}">
-              <a14:hiddenEffects xmlns:a14="http://schemas.microsoft.com/office/drawing/2010/main">
+              <a14:hiddenEffects xmlns:a14="http://schemas.microsoft.com/office/drawing/2010/main" xmlns="">
                 <a:effectLst>
                   <a:outerShdw blurRad="63500" dist="38099" dir="2700000" algn="ctr" rotWithShape="0">
                     <a:srgbClr val="000000">
@@ -11170,12 +11200,12 @@
           <a:effectLst/>
           <a:extLst>
             <a:ext uri="{909E8E84-426E-40dd-AFC4-6F175D3DCCD1}">
-              <a14:hiddenFill xmlns:a14="http://schemas.microsoft.com/office/drawing/2010/main">
+              <a14:hiddenFill xmlns:a14="http://schemas.microsoft.com/office/drawing/2010/main" xmlns="">
                 <a:noFill/>
               </a14:hiddenFill>
             </a:ext>
             <a:ext uri="{AF507438-7753-43e0-B8FC-AC1667EBCBE1}">
-              <a14:hiddenEffects xmlns:a14="http://schemas.microsoft.com/office/drawing/2010/main">
+              <a14:hiddenEffects xmlns:a14="http://schemas.microsoft.com/office/drawing/2010/main" xmlns="">
                 <a:effectLst>
                   <a:outerShdw blurRad="63500" dist="38099" dir="2700000" algn="ctr" rotWithShape="0">
                     <a:srgbClr val="000000">
@@ -11218,14 +11248,14 @@
           <a:effectLst/>
           <a:extLst>
             <a:ext uri="{909E8E84-426E-40dd-AFC4-6F175D3DCCD1}">
-              <a14:hiddenFill xmlns:a14="http://schemas.microsoft.com/office/drawing/2010/main">
+              <a14:hiddenFill xmlns:a14="http://schemas.microsoft.com/office/drawing/2010/main" xmlns="">
                 <a:solidFill>
                   <a:srgbClr val="FFFFFF"/>
                 </a:solidFill>
               </a14:hiddenFill>
             </a:ext>
             <a:ext uri="{91240B29-F687-4f45-9708-019B960494DF}">
-              <a14:hiddenLine xmlns:a14="http://schemas.microsoft.com/office/drawing/2010/main" w="9525" cap="flat">
+              <a14:hiddenLine xmlns:a14="http://schemas.microsoft.com/office/drawing/2010/main" xmlns="" w="9525" cap="flat">
                 <a:solidFill>
                   <a:srgbClr val="000000"/>
                 </a:solidFill>
@@ -11235,7 +11265,7 @@
               </a14:hiddenLine>
             </a:ext>
             <a:ext uri="{AF507438-7753-43e0-B8FC-AC1667EBCBE1}">
-              <a14:hiddenEffects xmlns:a14="http://schemas.microsoft.com/office/drawing/2010/main">
+              <a14:hiddenEffects xmlns:a14="http://schemas.microsoft.com/office/drawing/2010/main" xmlns="">
                 <a:effectLst>
                   <a:outerShdw blurRad="63500" dist="38099" dir="2700000" algn="ctr" rotWithShape="0">
                     <a:srgbClr val="000000">
@@ -11285,14 +11315,14 @@
           <a:effectLst/>
           <a:extLst>
             <a:ext uri="{909E8E84-426E-40dd-AFC4-6F175D3DCCD1}">
-              <a14:hiddenFill xmlns:a14="http://schemas.microsoft.com/office/drawing/2010/main">
+              <a14:hiddenFill xmlns:a14="http://schemas.microsoft.com/office/drawing/2010/main" xmlns="">
                 <a:solidFill>
                   <a:srgbClr val="FFFFFF"/>
                 </a:solidFill>
               </a14:hiddenFill>
             </a:ext>
             <a:ext uri="{91240B29-F687-4f45-9708-019B960494DF}">
-              <a14:hiddenLine xmlns:a14="http://schemas.microsoft.com/office/drawing/2010/main" w="9525" cap="flat">
+              <a14:hiddenLine xmlns:a14="http://schemas.microsoft.com/office/drawing/2010/main" xmlns="" w="9525" cap="flat">
                 <a:solidFill>
                   <a:srgbClr val="000000"/>
                 </a:solidFill>
@@ -11302,7 +11332,7 @@
               </a14:hiddenLine>
             </a:ext>
             <a:ext uri="{AF507438-7753-43e0-B8FC-AC1667EBCBE1}">
-              <a14:hiddenEffects xmlns:a14="http://schemas.microsoft.com/office/drawing/2010/main">
+              <a14:hiddenEffects xmlns:a14="http://schemas.microsoft.com/office/drawing/2010/main" xmlns="">
                 <a:effectLst>
                   <a:outerShdw blurRad="63500" dist="38099" dir="2700000" algn="ctr" rotWithShape="0">
                     <a:srgbClr val="000000">
@@ -11522,14 +11552,14 @@
           <a:effectLst/>
           <a:extLst>
             <a:ext uri="{909E8E84-426E-40dd-AFC4-6F175D3DCCD1}">
-              <a14:hiddenFill xmlns:a14="http://schemas.microsoft.com/office/drawing/2010/main">
+              <a14:hiddenFill xmlns:a14="http://schemas.microsoft.com/office/drawing/2010/main" xmlns="">
                 <a:solidFill>
                   <a:srgbClr val="FFFFFF"/>
                 </a:solidFill>
               </a14:hiddenFill>
             </a:ext>
             <a:ext uri="{91240B29-F687-4f45-9708-019B960494DF}">
-              <a14:hiddenLine xmlns:a14="http://schemas.microsoft.com/office/drawing/2010/main" w="9525" cap="flat">
+              <a14:hiddenLine xmlns:a14="http://schemas.microsoft.com/office/drawing/2010/main" xmlns="" w="9525" cap="flat">
                 <a:solidFill>
                   <a:srgbClr val="000000"/>
                 </a:solidFill>
@@ -11539,7 +11569,7 @@
               </a14:hiddenLine>
             </a:ext>
             <a:ext uri="{AF507438-7753-43e0-B8FC-AC1667EBCBE1}">
-              <a14:hiddenEffects xmlns:a14="http://schemas.microsoft.com/office/drawing/2010/main">
+              <a14:hiddenEffects xmlns:a14="http://schemas.microsoft.com/office/drawing/2010/main" xmlns="">
                 <a:effectLst>
                   <a:outerShdw blurRad="63500" dist="38099" dir="2700000" algn="ctr" rotWithShape="0">
                     <a:srgbClr val="000000">
@@ -11759,14 +11789,14 @@
           <a:effectLst/>
           <a:extLst>
             <a:ext uri="{909E8E84-426E-40dd-AFC4-6F175D3DCCD1}">
-              <a14:hiddenFill xmlns:a14="http://schemas.microsoft.com/office/drawing/2010/main">
+              <a14:hiddenFill xmlns:a14="http://schemas.microsoft.com/office/drawing/2010/main" xmlns="">
                 <a:solidFill>
                   <a:srgbClr val="FFFFFF"/>
                 </a:solidFill>
               </a14:hiddenFill>
             </a:ext>
             <a:ext uri="{91240B29-F687-4f45-9708-019B960494DF}">
-              <a14:hiddenLine xmlns:a14="http://schemas.microsoft.com/office/drawing/2010/main" w="9525" cap="flat">
+              <a14:hiddenLine xmlns:a14="http://schemas.microsoft.com/office/drawing/2010/main" xmlns="" w="9525" cap="flat">
                 <a:solidFill>
                   <a:srgbClr val="000000"/>
                 </a:solidFill>
@@ -11776,7 +11806,7 @@
               </a14:hiddenLine>
             </a:ext>
             <a:ext uri="{AF507438-7753-43e0-B8FC-AC1667EBCBE1}">
-              <a14:hiddenEffects xmlns:a14="http://schemas.microsoft.com/office/drawing/2010/main">
+              <a14:hiddenEffects xmlns:a14="http://schemas.microsoft.com/office/drawing/2010/main" xmlns="">
                 <a:effectLst>
                   <a:outerShdw blurRad="63500" dist="38099" dir="2700000" algn="ctr" rotWithShape="0">
                     <a:srgbClr val="000000">
@@ -11826,14 +11856,14 @@
           <a:effectLst/>
           <a:extLst>
             <a:ext uri="{909E8E84-426E-40dd-AFC4-6F175D3DCCD1}">
-              <a14:hiddenFill xmlns:a14="http://schemas.microsoft.com/office/drawing/2010/main">
+              <a14:hiddenFill xmlns:a14="http://schemas.microsoft.com/office/drawing/2010/main" xmlns="">
                 <a:solidFill>
                   <a:srgbClr val="FFFFFF"/>
                 </a:solidFill>
               </a14:hiddenFill>
             </a:ext>
             <a:ext uri="{91240B29-F687-4f45-9708-019B960494DF}">
-              <a14:hiddenLine xmlns:a14="http://schemas.microsoft.com/office/drawing/2010/main" w="9525" cap="flat">
+              <a14:hiddenLine xmlns:a14="http://schemas.microsoft.com/office/drawing/2010/main" xmlns="" w="9525" cap="flat">
                 <a:solidFill>
                   <a:srgbClr val="000000"/>
                 </a:solidFill>
@@ -11843,7 +11873,7 @@
               </a14:hiddenLine>
             </a:ext>
             <a:ext uri="{AF507438-7753-43e0-B8FC-AC1667EBCBE1}">
-              <a14:hiddenEffects xmlns:a14="http://schemas.microsoft.com/office/drawing/2010/main">
+              <a14:hiddenEffects xmlns:a14="http://schemas.microsoft.com/office/drawing/2010/main" xmlns="">
                 <a:effectLst>
                   <a:outerShdw blurRad="63500" dist="38099" dir="2700000" algn="ctr" rotWithShape="0">
                     <a:srgbClr val="000000">
@@ -11893,14 +11923,14 @@
           <a:effectLst/>
           <a:extLst>
             <a:ext uri="{909E8E84-426E-40dd-AFC4-6F175D3DCCD1}">
-              <a14:hiddenFill xmlns:a14="http://schemas.microsoft.com/office/drawing/2010/main">
+              <a14:hiddenFill xmlns:a14="http://schemas.microsoft.com/office/drawing/2010/main" xmlns="">
                 <a:solidFill>
                   <a:srgbClr val="FFFFFF"/>
                 </a:solidFill>
               </a14:hiddenFill>
             </a:ext>
             <a:ext uri="{91240B29-F687-4f45-9708-019B960494DF}">
-              <a14:hiddenLine xmlns:a14="http://schemas.microsoft.com/office/drawing/2010/main" w="9525" cap="flat">
+              <a14:hiddenLine xmlns:a14="http://schemas.microsoft.com/office/drawing/2010/main" xmlns="" w="9525" cap="flat">
                 <a:solidFill>
                   <a:srgbClr val="000000"/>
                 </a:solidFill>
@@ -11910,7 +11940,7 @@
               </a14:hiddenLine>
             </a:ext>
             <a:ext uri="{AF507438-7753-43e0-B8FC-AC1667EBCBE1}">
-              <a14:hiddenEffects xmlns:a14="http://schemas.microsoft.com/office/drawing/2010/main">
+              <a14:hiddenEffects xmlns:a14="http://schemas.microsoft.com/office/drawing/2010/main" xmlns="">
                 <a:effectLst>
                   <a:outerShdw blurRad="63500" dist="38099" dir="2700000" algn="ctr" rotWithShape="0">
                     <a:srgbClr val="000000">
@@ -11960,14 +11990,14 @@
           <a:effectLst/>
           <a:extLst>
             <a:ext uri="{909E8E84-426E-40dd-AFC4-6F175D3DCCD1}">
-              <a14:hiddenFill xmlns:a14="http://schemas.microsoft.com/office/drawing/2010/main">
+              <a14:hiddenFill xmlns:a14="http://schemas.microsoft.com/office/drawing/2010/main" xmlns="">
                 <a:solidFill>
                   <a:srgbClr val="FFFFFF"/>
                 </a:solidFill>
               </a14:hiddenFill>
             </a:ext>
             <a:ext uri="{91240B29-F687-4f45-9708-019B960494DF}">
-              <a14:hiddenLine xmlns:a14="http://schemas.microsoft.com/office/drawing/2010/main" w="9525" cap="flat">
+              <a14:hiddenLine xmlns:a14="http://schemas.microsoft.com/office/drawing/2010/main" xmlns="" w="9525" cap="flat">
                 <a:solidFill>
                   <a:srgbClr val="000000"/>
                 </a:solidFill>
@@ -11977,7 +12007,7 @@
               </a14:hiddenLine>
             </a:ext>
             <a:ext uri="{AF507438-7753-43e0-B8FC-AC1667EBCBE1}">
-              <a14:hiddenEffects xmlns:a14="http://schemas.microsoft.com/office/drawing/2010/main">
+              <a14:hiddenEffects xmlns:a14="http://schemas.microsoft.com/office/drawing/2010/main" xmlns="">
                 <a:effectLst>
                   <a:outerShdw blurRad="63500" dist="38099" dir="2700000" algn="ctr" rotWithShape="0">
                     <a:srgbClr val="000000">
@@ -12027,14 +12057,14 @@
           <a:effectLst/>
           <a:extLst>
             <a:ext uri="{909E8E84-426E-40dd-AFC4-6F175D3DCCD1}">
-              <a14:hiddenFill xmlns:a14="http://schemas.microsoft.com/office/drawing/2010/main">
+              <a14:hiddenFill xmlns:a14="http://schemas.microsoft.com/office/drawing/2010/main" xmlns="">
                 <a:solidFill>
                   <a:srgbClr val="FFFFFF"/>
                 </a:solidFill>
               </a14:hiddenFill>
             </a:ext>
             <a:ext uri="{91240B29-F687-4f45-9708-019B960494DF}">
-              <a14:hiddenLine xmlns:a14="http://schemas.microsoft.com/office/drawing/2010/main" w="9525" cap="flat">
+              <a14:hiddenLine xmlns:a14="http://schemas.microsoft.com/office/drawing/2010/main" xmlns="" w="9525" cap="flat">
                 <a:solidFill>
                   <a:srgbClr val="000000"/>
                 </a:solidFill>
@@ -12044,7 +12074,7 @@
               </a14:hiddenLine>
             </a:ext>
             <a:ext uri="{AF507438-7753-43e0-B8FC-AC1667EBCBE1}">
-              <a14:hiddenEffects xmlns:a14="http://schemas.microsoft.com/office/drawing/2010/main">
+              <a14:hiddenEffects xmlns:a14="http://schemas.microsoft.com/office/drawing/2010/main" xmlns="">
                 <a:effectLst>
                   <a:outerShdw blurRad="63500" dist="38099" dir="2700000" algn="ctr" rotWithShape="0">
                     <a:srgbClr val="000000">
@@ -12264,14 +12294,14 @@
           <a:effectLst/>
           <a:extLst>
             <a:ext uri="{909E8E84-426E-40dd-AFC4-6F175D3DCCD1}">
-              <a14:hiddenFill xmlns:a14="http://schemas.microsoft.com/office/drawing/2010/main">
+              <a14:hiddenFill xmlns:a14="http://schemas.microsoft.com/office/drawing/2010/main" xmlns="">
                 <a:solidFill>
                   <a:srgbClr val="FFFFFF"/>
                 </a:solidFill>
               </a14:hiddenFill>
             </a:ext>
             <a:ext uri="{91240B29-F687-4f45-9708-019B960494DF}">
-              <a14:hiddenLine xmlns:a14="http://schemas.microsoft.com/office/drawing/2010/main" w="9525" cap="flat">
+              <a14:hiddenLine xmlns:a14="http://schemas.microsoft.com/office/drawing/2010/main" xmlns="" w="9525" cap="flat">
                 <a:solidFill>
                   <a:srgbClr val="000000"/>
                 </a:solidFill>
@@ -12281,7 +12311,7 @@
               </a14:hiddenLine>
             </a:ext>
             <a:ext uri="{AF507438-7753-43e0-B8FC-AC1667EBCBE1}">
-              <a14:hiddenEffects xmlns:a14="http://schemas.microsoft.com/office/drawing/2010/main">
+              <a14:hiddenEffects xmlns:a14="http://schemas.microsoft.com/office/drawing/2010/main" xmlns="">
                 <a:effectLst>
                   <a:outerShdw blurRad="63500" dist="38099" dir="2700000" algn="ctr" rotWithShape="0">
                     <a:srgbClr val="000000">
@@ -12331,14 +12361,14 @@
           <a:effectLst/>
           <a:extLst>
             <a:ext uri="{909E8E84-426E-40dd-AFC4-6F175D3DCCD1}">
-              <a14:hiddenFill xmlns:a14="http://schemas.microsoft.com/office/drawing/2010/main">
+              <a14:hiddenFill xmlns:a14="http://schemas.microsoft.com/office/drawing/2010/main" xmlns="">
                 <a:solidFill>
                   <a:srgbClr val="FFFFFF"/>
                 </a:solidFill>
               </a14:hiddenFill>
             </a:ext>
             <a:ext uri="{91240B29-F687-4f45-9708-019B960494DF}">
-              <a14:hiddenLine xmlns:a14="http://schemas.microsoft.com/office/drawing/2010/main" w="9525" cap="flat">
+              <a14:hiddenLine xmlns:a14="http://schemas.microsoft.com/office/drawing/2010/main" xmlns="" w="9525" cap="flat">
                 <a:solidFill>
                   <a:srgbClr val="000000"/>
                 </a:solidFill>
@@ -12348,7 +12378,7 @@
               </a14:hiddenLine>
             </a:ext>
             <a:ext uri="{AF507438-7753-43e0-B8FC-AC1667EBCBE1}">
-              <a14:hiddenEffects xmlns:a14="http://schemas.microsoft.com/office/drawing/2010/main">
+              <a14:hiddenEffects xmlns:a14="http://schemas.microsoft.com/office/drawing/2010/main" xmlns="">
                 <a:effectLst>
                   <a:outerShdw blurRad="63500" dist="38099" dir="2700000" algn="ctr" rotWithShape="0">
                     <a:srgbClr val="000000">
@@ -12568,14 +12598,14 @@
           <a:effectLst/>
           <a:extLst>
             <a:ext uri="{909E8E84-426E-40dd-AFC4-6F175D3DCCD1}">
-              <a14:hiddenFill xmlns:a14="http://schemas.microsoft.com/office/drawing/2010/main">
+              <a14:hiddenFill xmlns:a14="http://schemas.microsoft.com/office/drawing/2010/main" xmlns="">
                 <a:solidFill>
                   <a:srgbClr val="FFFFFF"/>
                 </a:solidFill>
               </a14:hiddenFill>
             </a:ext>
             <a:ext uri="{91240B29-F687-4f45-9708-019B960494DF}">
-              <a14:hiddenLine xmlns:a14="http://schemas.microsoft.com/office/drawing/2010/main" w="9525" cap="flat">
+              <a14:hiddenLine xmlns:a14="http://schemas.microsoft.com/office/drawing/2010/main" xmlns="" w="9525" cap="flat">
                 <a:solidFill>
                   <a:srgbClr val="000000"/>
                 </a:solidFill>
@@ -12585,7 +12615,7 @@
               </a14:hiddenLine>
             </a:ext>
             <a:ext uri="{AF507438-7753-43e0-B8FC-AC1667EBCBE1}">
-              <a14:hiddenEffects xmlns:a14="http://schemas.microsoft.com/office/drawing/2010/main">
+              <a14:hiddenEffects xmlns:a14="http://schemas.microsoft.com/office/drawing/2010/main" xmlns="">
                 <a:effectLst>
                   <a:outerShdw blurRad="63500" dist="38099" dir="2700000" algn="ctr" rotWithShape="0">
                     <a:srgbClr val="000000">
@@ -12805,14 +12835,14 @@
           <a:effectLst/>
           <a:extLst>
             <a:ext uri="{909E8E84-426E-40dd-AFC4-6F175D3DCCD1}">
-              <a14:hiddenFill xmlns:a14="http://schemas.microsoft.com/office/drawing/2010/main">
+              <a14:hiddenFill xmlns:a14="http://schemas.microsoft.com/office/drawing/2010/main" xmlns="">
                 <a:solidFill>
                   <a:srgbClr val="FFFFFF"/>
                 </a:solidFill>
               </a14:hiddenFill>
             </a:ext>
             <a:ext uri="{91240B29-F687-4f45-9708-019B960494DF}">
-              <a14:hiddenLine xmlns:a14="http://schemas.microsoft.com/office/drawing/2010/main" w="9525" cap="flat">
+              <a14:hiddenLine xmlns:a14="http://schemas.microsoft.com/office/drawing/2010/main" xmlns="" w="9525" cap="flat">
                 <a:solidFill>
                   <a:srgbClr val="000000"/>
                 </a:solidFill>
@@ -12822,7 +12852,7 @@
               </a14:hiddenLine>
             </a:ext>
             <a:ext uri="{AF507438-7753-43e0-B8FC-AC1667EBCBE1}">
-              <a14:hiddenEffects xmlns:a14="http://schemas.microsoft.com/office/drawing/2010/main">
+              <a14:hiddenEffects xmlns:a14="http://schemas.microsoft.com/office/drawing/2010/main" xmlns="">
                 <a:effectLst>
                   <a:outerShdw blurRad="63500" dist="38099" dir="2700000" algn="ctr" rotWithShape="0">
                     <a:srgbClr val="000000">
@@ -13042,14 +13072,14 @@
           <a:effectLst/>
           <a:extLst>
             <a:ext uri="{909E8E84-426E-40dd-AFC4-6F175D3DCCD1}">
-              <a14:hiddenFill xmlns:a14="http://schemas.microsoft.com/office/drawing/2010/main">
+              <a14:hiddenFill xmlns:a14="http://schemas.microsoft.com/office/drawing/2010/main" xmlns="">
                 <a:solidFill>
                   <a:srgbClr val="FFFFFF"/>
                 </a:solidFill>
               </a14:hiddenFill>
             </a:ext>
             <a:ext uri="{91240B29-F687-4f45-9708-019B960494DF}">
-              <a14:hiddenLine xmlns:a14="http://schemas.microsoft.com/office/drawing/2010/main" w="9525" cap="flat">
+              <a14:hiddenLine xmlns:a14="http://schemas.microsoft.com/office/drawing/2010/main" xmlns="" w="9525" cap="flat">
                 <a:solidFill>
                   <a:srgbClr val="000000"/>
                 </a:solidFill>
@@ -13059,7 +13089,7 @@
               </a14:hiddenLine>
             </a:ext>
             <a:ext uri="{AF507438-7753-43e0-B8FC-AC1667EBCBE1}">
-              <a14:hiddenEffects xmlns:a14="http://schemas.microsoft.com/office/drawing/2010/main">
+              <a14:hiddenEffects xmlns:a14="http://schemas.microsoft.com/office/drawing/2010/main" xmlns="">
                 <a:effectLst>
                   <a:outerShdw blurRad="63500" dist="38099" dir="2700000" algn="ctr" rotWithShape="0">
                     <a:srgbClr val="000000">
@@ -13279,14 +13309,14 @@
           <a:effectLst/>
           <a:extLst>
             <a:ext uri="{909E8E84-426E-40dd-AFC4-6F175D3DCCD1}">
-              <a14:hiddenFill xmlns:a14="http://schemas.microsoft.com/office/drawing/2010/main">
+              <a14:hiddenFill xmlns:a14="http://schemas.microsoft.com/office/drawing/2010/main" xmlns="">
                 <a:solidFill>
                   <a:srgbClr val="FFFFFF"/>
                 </a:solidFill>
               </a14:hiddenFill>
             </a:ext>
             <a:ext uri="{91240B29-F687-4f45-9708-019B960494DF}">
-              <a14:hiddenLine xmlns:a14="http://schemas.microsoft.com/office/drawing/2010/main" w="9525" cap="flat">
+              <a14:hiddenLine xmlns:a14="http://schemas.microsoft.com/office/drawing/2010/main" xmlns="" w="9525" cap="flat">
                 <a:solidFill>
                   <a:srgbClr val="000000"/>
                 </a:solidFill>
@@ -13296,7 +13326,7 @@
               </a14:hiddenLine>
             </a:ext>
             <a:ext uri="{AF507438-7753-43e0-B8FC-AC1667EBCBE1}">
-              <a14:hiddenEffects xmlns:a14="http://schemas.microsoft.com/office/drawing/2010/main">
+              <a14:hiddenEffects xmlns:a14="http://schemas.microsoft.com/office/drawing/2010/main" xmlns="">
                 <a:effectLst>
                   <a:outerShdw blurRad="63500" dist="38099" dir="2700000" algn="ctr" rotWithShape="0">
                     <a:srgbClr val="000000">
@@ -13516,14 +13546,14 @@
           <a:effectLst/>
           <a:extLst>
             <a:ext uri="{909E8E84-426E-40dd-AFC4-6F175D3DCCD1}">
-              <a14:hiddenFill xmlns:a14="http://schemas.microsoft.com/office/drawing/2010/main">
+              <a14:hiddenFill xmlns:a14="http://schemas.microsoft.com/office/drawing/2010/main" xmlns="">
                 <a:solidFill>
                   <a:srgbClr val="FFFFFF"/>
                 </a:solidFill>
               </a14:hiddenFill>
             </a:ext>
             <a:ext uri="{91240B29-F687-4f45-9708-019B960494DF}">
-              <a14:hiddenLine xmlns:a14="http://schemas.microsoft.com/office/drawing/2010/main" w="9525" cap="flat">
+              <a14:hiddenLine xmlns:a14="http://schemas.microsoft.com/office/drawing/2010/main" xmlns="" w="9525" cap="flat">
                 <a:solidFill>
                   <a:srgbClr val="000000"/>
                 </a:solidFill>
@@ -13533,7 +13563,7 @@
               </a14:hiddenLine>
             </a:ext>
             <a:ext uri="{AF507438-7753-43e0-B8FC-AC1667EBCBE1}">
-              <a14:hiddenEffects xmlns:a14="http://schemas.microsoft.com/office/drawing/2010/main">
+              <a14:hiddenEffects xmlns:a14="http://schemas.microsoft.com/office/drawing/2010/main" xmlns="">
                 <a:effectLst>
                   <a:outerShdw blurRad="63500" dist="38099" dir="2700000" algn="ctr" rotWithShape="0">
                     <a:srgbClr val="000000">
@@ -13583,14 +13613,14 @@
           <a:effectLst/>
           <a:extLst>
             <a:ext uri="{909E8E84-426E-40dd-AFC4-6F175D3DCCD1}">
-              <a14:hiddenFill xmlns:a14="http://schemas.microsoft.com/office/drawing/2010/main">
+              <a14:hiddenFill xmlns:a14="http://schemas.microsoft.com/office/drawing/2010/main" xmlns="">
                 <a:solidFill>
                   <a:srgbClr val="FFFFFF"/>
                 </a:solidFill>
               </a14:hiddenFill>
             </a:ext>
             <a:ext uri="{91240B29-F687-4f45-9708-019B960494DF}">
-              <a14:hiddenLine xmlns:a14="http://schemas.microsoft.com/office/drawing/2010/main" w="9525" cap="flat">
+              <a14:hiddenLine xmlns:a14="http://schemas.microsoft.com/office/drawing/2010/main" xmlns="" w="9525" cap="flat">
                 <a:solidFill>
                   <a:srgbClr val="000000"/>
                 </a:solidFill>
@@ -13600,7 +13630,7 @@
               </a14:hiddenLine>
             </a:ext>
             <a:ext uri="{AF507438-7753-43e0-B8FC-AC1667EBCBE1}">
-              <a14:hiddenEffects xmlns:a14="http://schemas.microsoft.com/office/drawing/2010/main">
+              <a14:hiddenEffects xmlns:a14="http://schemas.microsoft.com/office/drawing/2010/main" xmlns="">
                 <a:effectLst>
                   <a:outerShdw blurRad="63500" dist="38099" dir="2700000" algn="ctr" rotWithShape="0">
                     <a:srgbClr val="000000">
@@ -13650,14 +13680,14 @@
           <a:effectLst/>
           <a:extLst>
             <a:ext uri="{909E8E84-426E-40dd-AFC4-6F175D3DCCD1}">
-              <a14:hiddenFill xmlns:a14="http://schemas.microsoft.com/office/drawing/2010/main">
+              <a14:hiddenFill xmlns:a14="http://schemas.microsoft.com/office/drawing/2010/main" xmlns="">
                 <a:solidFill>
                   <a:srgbClr val="FFFFFF"/>
                 </a:solidFill>
               </a14:hiddenFill>
             </a:ext>
             <a:ext uri="{91240B29-F687-4f45-9708-019B960494DF}">
-              <a14:hiddenLine xmlns:a14="http://schemas.microsoft.com/office/drawing/2010/main" w="9525" cap="flat">
+              <a14:hiddenLine xmlns:a14="http://schemas.microsoft.com/office/drawing/2010/main" xmlns="" w="9525" cap="flat">
                 <a:solidFill>
                   <a:srgbClr val="000000"/>
                 </a:solidFill>
@@ -13667,7 +13697,7 @@
               </a14:hiddenLine>
             </a:ext>
             <a:ext uri="{AF507438-7753-43e0-B8FC-AC1667EBCBE1}">
-              <a14:hiddenEffects xmlns:a14="http://schemas.microsoft.com/office/drawing/2010/main">
+              <a14:hiddenEffects xmlns:a14="http://schemas.microsoft.com/office/drawing/2010/main" xmlns="">
                 <a:effectLst>
                   <a:outerShdw blurRad="63500" dist="38099" dir="2700000" algn="ctr" rotWithShape="0">
                     <a:srgbClr val="000000">
@@ -13887,14 +13917,14 @@
           <a:effectLst/>
           <a:extLst>
             <a:ext uri="{909E8E84-426E-40dd-AFC4-6F175D3DCCD1}">
-              <a14:hiddenFill xmlns:a14="http://schemas.microsoft.com/office/drawing/2010/main">
+              <a14:hiddenFill xmlns:a14="http://schemas.microsoft.com/office/drawing/2010/main" xmlns="">
                 <a:solidFill>
                   <a:srgbClr val="FFFFFF"/>
                 </a:solidFill>
               </a14:hiddenFill>
             </a:ext>
             <a:ext uri="{91240B29-F687-4f45-9708-019B960494DF}">
-              <a14:hiddenLine xmlns:a14="http://schemas.microsoft.com/office/drawing/2010/main" w="9525" cap="flat">
+              <a14:hiddenLine xmlns:a14="http://schemas.microsoft.com/office/drawing/2010/main" xmlns="" w="9525" cap="flat">
                 <a:solidFill>
                   <a:srgbClr val="000000"/>
                 </a:solidFill>
@@ -13904,7 +13934,7 @@
               </a14:hiddenLine>
             </a:ext>
             <a:ext uri="{AF507438-7753-43e0-B8FC-AC1667EBCBE1}">
-              <a14:hiddenEffects xmlns:a14="http://schemas.microsoft.com/office/drawing/2010/main">
+              <a14:hiddenEffects xmlns:a14="http://schemas.microsoft.com/office/drawing/2010/main" xmlns="">
                 <a:effectLst>
                   <a:outerShdw blurRad="63500" dist="38099" dir="2700000" algn="ctr" rotWithShape="0">
                     <a:srgbClr val="000000">
@@ -13954,14 +13984,14 @@
           <a:effectLst/>
           <a:extLst>
             <a:ext uri="{909E8E84-426E-40dd-AFC4-6F175D3DCCD1}">
-              <a14:hiddenFill xmlns:a14="http://schemas.microsoft.com/office/drawing/2010/main">
+              <a14:hiddenFill xmlns:a14="http://schemas.microsoft.com/office/drawing/2010/main" xmlns="">
                 <a:solidFill>
                   <a:srgbClr val="FFFFFF"/>
                 </a:solidFill>
               </a14:hiddenFill>
             </a:ext>
             <a:ext uri="{91240B29-F687-4f45-9708-019B960494DF}">
-              <a14:hiddenLine xmlns:a14="http://schemas.microsoft.com/office/drawing/2010/main" w="9525" cap="flat">
+              <a14:hiddenLine xmlns:a14="http://schemas.microsoft.com/office/drawing/2010/main" xmlns="" w="9525" cap="flat">
                 <a:solidFill>
                   <a:srgbClr val="000000"/>
                 </a:solidFill>
@@ -13971,7 +14001,7 @@
               </a14:hiddenLine>
             </a:ext>
             <a:ext uri="{AF507438-7753-43e0-B8FC-AC1667EBCBE1}">
-              <a14:hiddenEffects xmlns:a14="http://schemas.microsoft.com/office/drawing/2010/main">
+              <a14:hiddenEffects xmlns:a14="http://schemas.microsoft.com/office/drawing/2010/main" xmlns="">
                 <a:effectLst>
                   <a:outerShdw blurRad="63500" dist="38099" dir="2700000" algn="ctr" rotWithShape="0">
                     <a:srgbClr val="000000">
@@ -14191,14 +14221,14 @@
           <a:effectLst/>
           <a:extLst>
             <a:ext uri="{909E8E84-426E-40dd-AFC4-6F175D3DCCD1}">
-              <a14:hiddenFill xmlns:a14="http://schemas.microsoft.com/office/drawing/2010/main">
+              <a14:hiddenFill xmlns:a14="http://schemas.microsoft.com/office/drawing/2010/main" xmlns="">
                 <a:solidFill>
                   <a:srgbClr val="FFFFFF"/>
                 </a:solidFill>
               </a14:hiddenFill>
             </a:ext>
             <a:ext uri="{91240B29-F687-4f45-9708-019B960494DF}">
-              <a14:hiddenLine xmlns:a14="http://schemas.microsoft.com/office/drawing/2010/main" w="9525" cap="flat">
+              <a14:hiddenLine xmlns:a14="http://schemas.microsoft.com/office/drawing/2010/main" xmlns="" w="9525" cap="flat">
                 <a:solidFill>
                   <a:srgbClr val="000000"/>
                 </a:solidFill>
@@ -14208,7 +14238,7 @@
               </a14:hiddenLine>
             </a:ext>
             <a:ext uri="{AF507438-7753-43e0-B8FC-AC1667EBCBE1}">
-              <a14:hiddenEffects xmlns:a14="http://schemas.microsoft.com/office/drawing/2010/main">
+              <a14:hiddenEffects xmlns:a14="http://schemas.microsoft.com/office/drawing/2010/main" xmlns="">
                 <a:effectLst>
                   <a:outerShdw blurRad="63500" dist="38099" dir="2700000" algn="ctr" rotWithShape="0">
                     <a:srgbClr val="000000">
@@ -14428,14 +14458,14 @@
           <a:effectLst/>
           <a:extLst>
             <a:ext uri="{909E8E84-426E-40dd-AFC4-6F175D3DCCD1}">
-              <a14:hiddenFill xmlns:a14="http://schemas.microsoft.com/office/drawing/2010/main">
+              <a14:hiddenFill xmlns:a14="http://schemas.microsoft.com/office/drawing/2010/main" xmlns="">
                 <a:solidFill>
                   <a:srgbClr val="FFFFFF"/>
                 </a:solidFill>
               </a14:hiddenFill>
             </a:ext>
             <a:ext uri="{91240B29-F687-4f45-9708-019B960494DF}">
-              <a14:hiddenLine xmlns:a14="http://schemas.microsoft.com/office/drawing/2010/main" w="9525" cap="flat">
+              <a14:hiddenLine xmlns:a14="http://schemas.microsoft.com/office/drawing/2010/main" xmlns="" w="9525" cap="flat">
                 <a:solidFill>
                   <a:srgbClr val="000000"/>
                 </a:solidFill>
@@ -14445,7 +14475,7 @@
               </a14:hiddenLine>
             </a:ext>
             <a:ext uri="{AF507438-7753-43e0-B8FC-AC1667EBCBE1}">
-              <a14:hiddenEffects xmlns:a14="http://schemas.microsoft.com/office/drawing/2010/main">
+              <a14:hiddenEffects xmlns:a14="http://schemas.microsoft.com/office/drawing/2010/main" xmlns="">
                 <a:effectLst>
                   <a:outerShdw blurRad="63500" dist="38099" dir="2700000" algn="ctr" rotWithShape="0">
                     <a:srgbClr val="000000">
@@ -14665,14 +14695,14 @@
           <a:effectLst/>
           <a:extLst>
             <a:ext uri="{909E8E84-426E-40dd-AFC4-6F175D3DCCD1}">
-              <a14:hiddenFill xmlns:a14="http://schemas.microsoft.com/office/drawing/2010/main">
+              <a14:hiddenFill xmlns:a14="http://schemas.microsoft.com/office/drawing/2010/main" xmlns="">
                 <a:solidFill>
                   <a:srgbClr val="FFFFFF"/>
                 </a:solidFill>
               </a14:hiddenFill>
             </a:ext>
             <a:ext uri="{91240B29-F687-4f45-9708-019B960494DF}">
-              <a14:hiddenLine xmlns:a14="http://schemas.microsoft.com/office/drawing/2010/main" w="9525" cap="flat">
+              <a14:hiddenLine xmlns:a14="http://schemas.microsoft.com/office/drawing/2010/main" xmlns="" w="9525" cap="flat">
                 <a:solidFill>
                   <a:srgbClr val="000000"/>
                 </a:solidFill>
@@ -14682,7 +14712,7 @@
               </a14:hiddenLine>
             </a:ext>
             <a:ext uri="{AF507438-7753-43e0-B8FC-AC1667EBCBE1}">
-              <a14:hiddenEffects xmlns:a14="http://schemas.microsoft.com/office/drawing/2010/main">
+              <a14:hiddenEffects xmlns:a14="http://schemas.microsoft.com/office/drawing/2010/main" xmlns="">
                 <a:effectLst>
                   <a:outerShdw blurRad="63500" dist="38099" dir="2700000" algn="ctr" rotWithShape="0">
                     <a:srgbClr val="000000">
@@ -14902,14 +14932,14 @@
           <a:effectLst/>
           <a:extLst>
             <a:ext uri="{909E8E84-426E-40dd-AFC4-6F175D3DCCD1}">
-              <a14:hiddenFill xmlns:a14="http://schemas.microsoft.com/office/drawing/2010/main">
+              <a14:hiddenFill xmlns:a14="http://schemas.microsoft.com/office/drawing/2010/main" xmlns="">
                 <a:solidFill>
                   <a:srgbClr val="FFFFFF"/>
                 </a:solidFill>
               </a14:hiddenFill>
             </a:ext>
             <a:ext uri="{91240B29-F687-4f45-9708-019B960494DF}">
-              <a14:hiddenLine xmlns:a14="http://schemas.microsoft.com/office/drawing/2010/main" w="9525" cap="flat">
+              <a14:hiddenLine xmlns:a14="http://schemas.microsoft.com/office/drawing/2010/main" xmlns="" w="9525" cap="flat">
                 <a:solidFill>
                   <a:srgbClr val="000000"/>
                 </a:solidFill>
@@ -14919,7 +14949,7 @@
               </a14:hiddenLine>
             </a:ext>
             <a:ext uri="{AF507438-7753-43e0-B8FC-AC1667EBCBE1}">
-              <a14:hiddenEffects xmlns:a14="http://schemas.microsoft.com/office/drawing/2010/main">
+              <a14:hiddenEffects xmlns:a14="http://schemas.microsoft.com/office/drawing/2010/main" xmlns="">
                 <a:effectLst>
                   <a:outerShdw blurRad="63500" dist="38099" dir="2700000" algn="ctr" rotWithShape="0">
                     <a:srgbClr val="000000">
@@ -14969,14 +14999,14 @@
           <a:effectLst/>
           <a:extLst>
             <a:ext uri="{909E8E84-426E-40dd-AFC4-6F175D3DCCD1}">
-              <a14:hiddenFill xmlns:a14="http://schemas.microsoft.com/office/drawing/2010/main">
+              <a14:hiddenFill xmlns:a14="http://schemas.microsoft.com/office/drawing/2010/main" xmlns="">
                 <a:solidFill>
                   <a:srgbClr val="FFFFFF"/>
                 </a:solidFill>
               </a14:hiddenFill>
             </a:ext>
             <a:ext uri="{91240B29-F687-4f45-9708-019B960494DF}">
-              <a14:hiddenLine xmlns:a14="http://schemas.microsoft.com/office/drawing/2010/main" w="9525" cap="flat">
+              <a14:hiddenLine xmlns:a14="http://schemas.microsoft.com/office/drawing/2010/main" xmlns="" w="9525" cap="flat">
                 <a:solidFill>
                   <a:srgbClr val="000000"/>
                 </a:solidFill>
@@ -14986,7 +15016,7 @@
               </a14:hiddenLine>
             </a:ext>
             <a:ext uri="{AF507438-7753-43e0-B8FC-AC1667EBCBE1}">
-              <a14:hiddenEffects xmlns:a14="http://schemas.microsoft.com/office/drawing/2010/main">
+              <a14:hiddenEffects xmlns:a14="http://schemas.microsoft.com/office/drawing/2010/main" xmlns="">
                 <a:effectLst>
                   <a:outerShdw blurRad="63500" dist="38099" dir="2700000" algn="ctr" rotWithShape="0">
                     <a:srgbClr val="000000">
@@ -15036,14 +15066,14 @@
           <a:effectLst/>
           <a:extLst>
             <a:ext uri="{909E8E84-426E-40dd-AFC4-6F175D3DCCD1}">
-              <a14:hiddenFill xmlns:a14="http://schemas.microsoft.com/office/drawing/2010/main">
+              <a14:hiddenFill xmlns:a14="http://schemas.microsoft.com/office/drawing/2010/main" xmlns="">
                 <a:solidFill>
                   <a:srgbClr val="FFFFFF"/>
                 </a:solidFill>
               </a14:hiddenFill>
             </a:ext>
             <a:ext uri="{91240B29-F687-4f45-9708-019B960494DF}">
-              <a14:hiddenLine xmlns:a14="http://schemas.microsoft.com/office/drawing/2010/main" w="9525" cap="flat">
+              <a14:hiddenLine xmlns:a14="http://schemas.microsoft.com/office/drawing/2010/main" xmlns="" w="9525" cap="flat">
                 <a:solidFill>
                   <a:srgbClr val="000000"/>
                 </a:solidFill>
@@ -15053,7 +15083,7 @@
               </a14:hiddenLine>
             </a:ext>
             <a:ext uri="{AF507438-7753-43e0-B8FC-AC1667EBCBE1}">
-              <a14:hiddenEffects xmlns:a14="http://schemas.microsoft.com/office/drawing/2010/main">
+              <a14:hiddenEffects xmlns:a14="http://schemas.microsoft.com/office/drawing/2010/main" xmlns="">
                 <a:effectLst>
                   <a:outerShdw blurRad="63500" dist="38099" dir="2700000" algn="ctr" rotWithShape="0">
                     <a:srgbClr val="000000">
@@ -15103,14 +15133,14 @@
           <a:effectLst/>
           <a:extLst>
             <a:ext uri="{909E8E84-426E-40dd-AFC4-6F175D3DCCD1}">
-              <a14:hiddenFill xmlns:a14="http://schemas.microsoft.com/office/drawing/2010/main">
+              <a14:hiddenFill xmlns:a14="http://schemas.microsoft.com/office/drawing/2010/main" xmlns="">
                 <a:solidFill>
                   <a:srgbClr val="FFFFFF"/>
                 </a:solidFill>
               </a14:hiddenFill>
             </a:ext>
             <a:ext uri="{91240B29-F687-4f45-9708-019B960494DF}">
-              <a14:hiddenLine xmlns:a14="http://schemas.microsoft.com/office/drawing/2010/main" w="9525" cap="flat">
+              <a14:hiddenLine xmlns:a14="http://schemas.microsoft.com/office/drawing/2010/main" xmlns="" w="9525" cap="flat">
                 <a:solidFill>
                   <a:srgbClr val="000000"/>
                 </a:solidFill>
@@ -15120,7 +15150,7 @@
               </a14:hiddenLine>
             </a:ext>
             <a:ext uri="{AF507438-7753-43e0-B8FC-AC1667EBCBE1}">
-              <a14:hiddenEffects xmlns:a14="http://schemas.microsoft.com/office/drawing/2010/main">
+              <a14:hiddenEffects xmlns:a14="http://schemas.microsoft.com/office/drawing/2010/main" xmlns="">
                 <a:effectLst>
                   <a:outerShdw blurRad="63500" dist="38099" dir="2700000" algn="ctr" rotWithShape="0">
                     <a:srgbClr val="000000">
@@ -15170,14 +15200,14 @@
           <a:effectLst/>
           <a:extLst>
             <a:ext uri="{909E8E84-426E-40dd-AFC4-6F175D3DCCD1}">
-              <a14:hiddenFill xmlns:a14="http://schemas.microsoft.com/office/drawing/2010/main">
+              <a14:hiddenFill xmlns:a14="http://schemas.microsoft.com/office/drawing/2010/main" xmlns="">
                 <a:solidFill>
                   <a:srgbClr val="FFFFFF"/>
                 </a:solidFill>
               </a14:hiddenFill>
             </a:ext>
             <a:ext uri="{91240B29-F687-4f45-9708-019B960494DF}">
-              <a14:hiddenLine xmlns:a14="http://schemas.microsoft.com/office/drawing/2010/main" w="9525" cap="flat">
+              <a14:hiddenLine xmlns:a14="http://schemas.microsoft.com/office/drawing/2010/main" xmlns="" w="9525" cap="flat">
                 <a:solidFill>
                   <a:srgbClr val="000000"/>
                 </a:solidFill>
@@ -15187,7 +15217,7 @@
               </a14:hiddenLine>
             </a:ext>
             <a:ext uri="{AF507438-7753-43e0-B8FC-AC1667EBCBE1}">
-              <a14:hiddenEffects xmlns:a14="http://schemas.microsoft.com/office/drawing/2010/main">
+              <a14:hiddenEffects xmlns:a14="http://schemas.microsoft.com/office/drawing/2010/main" xmlns="">
                 <a:effectLst>
                   <a:outerShdw blurRad="63500" dist="38099" dir="2700000" algn="ctr" rotWithShape="0">
                     <a:srgbClr val="000000">
@@ -15237,14 +15267,14 @@
           <a:effectLst/>
           <a:extLst>
             <a:ext uri="{909E8E84-426E-40dd-AFC4-6F175D3DCCD1}">
-              <a14:hiddenFill xmlns:a14="http://schemas.microsoft.com/office/drawing/2010/main">
+              <a14:hiddenFill xmlns:a14="http://schemas.microsoft.com/office/drawing/2010/main" xmlns="">
                 <a:solidFill>
                   <a:srgbClr val="FFFFFF"/>
                 </a:solidFill>
               </a14:hiddenFill>
             </a:ext>
             <a:ext uri="{91240B29-F687-4f45-9708-019B960494DF}">
-              <a14:hiddenLine xmlns:a14="http://schemas.microsoft.com/office/drawing/2010/main" w="9525" cap="flat">
+              <a14:hiddenLine xmlns:a14="http://schemas.microsoft.com/office/drawing/2010/main" xmlns="" w="9525" cap="flat">
                 <a:solidFill>
                   <a:srgbClr val="000000"/>
                 </a:solidFill>
@@ -15254,7 +15284,7 @@
               </a14:hiddenLine>
             </a:ext>
             <a:ext uri="{AF507438-7753-43e0-B8FC-AC1667EBCBE1}">
-              <a14:hiddenEffects xmlns:a14="http://schemas.microsoft.com/office/drawing/2010/main">
+              <a14:hiddenEffects xmlns:a14="http://schemas.microsoft.com/office/drawing/2010/main" xmlns="">
                 <a:effectLst>
                   <a:outerShdw blurRad="63500" dist="38099" dir="2700000" algn="ctr" rotWithShape="0">
                     <a:srgbClr val="000000">
@@ -15304,14 +15334,14 @@
           <a:effectLst/>
           <a:extLst>
             <a:ext uri="{909E8E84-426E-40dd-AFC4-6F175D3DCCD1}">
-              <a14:hiddenFill xmlns:a14="http://schemas.microsoft.com/office/drawing/2010/main">
+              <a14:hiddenFill xmlns:a14="http://schemas.microsoft.com/office/drawing/2010/main" xmlns="">
                 <a:solidFill>
                   <a:srgbClr val="FFFFFF"/>
                 </a:solidFill>
               </a14:hiddenFill>
             </a:ext>
             <a:ext uri="{91240B29-F687-4f45-9708-019B960494DF}">
-              <a14:hiddenLine xmlns:a14="http://schemas.microsoft.com/office/drawing/2010/main" w="9525" cap="flat">
+              <a14:hiddenLine xmlns:a14="http://schemas.microsoft.com/office/drawing/2010/main" xmlns="" w="9525" cap="flat">
                 <a:solidFill>
                   <a:srgbClr val="000000"/>
                 </a:solidFill>
@@ -15321,7 +15351,7 @@
               </a14:hiddenLine>
             </a:ext>
             <a:ext uri="{AF507438-7753-43e0-B8FC-AC1667EBCBE1}">
-              <a14:hiddenEffects xmlns:a14="http://schemas.microsoft.com/office/drawing/2010/main">
+              <a14:hiddenEffects xmlns:a14="http://schemas.microsoft.com/office/drawing/2010/main" xmlns="">
                 <a:effectLst>
                   <a:outerShdw blurRad="63500" dist="38099" dir="2700000" algn="ctr" rotWithShape="0">
                     <a:srgbClr val="000000">
@@ -15371,14 +15401,14 @@
           <a:effectLst/>
           <a:extLst>
             <a:ext uri="{909E8E84-426E-40dd-AFC4-6F175D3DCCD1}">
-              <a14:hiddenFill xmlns:a14="http://schemas.microsoft.com/office/drawing/2010/main">
+              <a14:hiddenFill xmlns:a14="http://schemas.microsoft.com/office/drawing/2010/main" xmlns="">
                 <a:solidFill>
                   <a:srgbClr val="FFFFFF"/>
                 </a:solidFill>
               </a14:hiddenFill>
             </a:ext>
             <a:ext uri="{91240B29-F687-4f45-9708-019B960494DF}">
-              <a14:hiddenLine xmlns:a14="http://schemas.microsoft.com/office/drawing/2010/main" w="9525" cap="flat">
+              <a14:hiddenLine xmlns:a14="http://schemas.microsoft.com/office/drawing/2010/main" xmlns="" w="9525" cap="flat">
                 <a:solidFill>
                   <a:srgbClr val="000000"/>
                 </a:solidFill>
@@ -15388,7 +15418,7 @@
               </a14:hiddenLine>
             </a:ext>
             <a:ext uri="{AF507438-7753-43e0-B8FC-AC1667EBCBE1}">
-              <a14:hiddenEffects xmlns:a14="http://schemas.microsoft.com/office/drawing/2010/main">
+              <a14:hiddenEffects xmlns:a14="http://schemas.microsoft.com/office/drawing/2010/main" xmlns="">
                 <a:effectLst>
                   <a:outerShdw blurRad="63500" dist="38099" dir="2700000" algn="ctr" rotWithShape="0">
                     <a:srgbClr val="000000">
@@ -15438,14 +15468,14 @@
           <a:effectLst/>
           <a:extLst>
             <a:ext uri="{909E8E84-426E-40dd-AFC4-6F175D3DCCD1}">
-              <a14:hiddenFill xmlns:a14="http://schemas.microsoft.com/office/drawing/2010/main">
+              <a14:hiddenFill xmlns:a14="http://schemas.microsoft.com/office/drawing/2010/main" xmlns="">
                 <a:solidFill>
                   <a:srgbClr val="FFFFFF"/>
                 </a:solidFill>
               </a14:hiddenFill>
             </a:ext>
             <a:ext uri="{91240B29-F687-4f45-9708-019B960494DF}">
-              <a14:hiddenLine xmlns:a14="http://schemas.microsoft.com/office/drawing/2010/main" w="9525" cap="flat">
+              <a14:hiddenLine xmlns:a14="http://schemas.microsoft.com/office/drawing/2010/main" xmlns="" w="9525" cap="flat">
                 <a:solidFill>
                   <a:srgbClr val="000000"/>
                 </a:solidFill>
@@ -15455,7 +15485,7 @@
               </a14:hiddenLine>
             </a:ext>
             <a:ext uri="{AF507438-7753-43e0-B8FC-AC1667EBCBE1}">
-              <a14:hiddenEffects xmlns:a14="http://schemas.microsoft.com/office/drawing/2010/main">
+              <a14:hiddenEffects xmlns:a14="http://schemas.microsoft.com/office/drawing/2010/main" xmlns="">
                 <a:effectLst>
                   <a:outerShdw blurRad="63500" dist="38099" dir="2700000" algn="ctr" rotWithShape="0">
                     <a:srgbClr val="000000">
@@ -15512,7 +15542,7 @@
           <a:effectLst/>
           <a:extLst>
             <a:ext uri="{AF507438-7753-43e0-B8FC-AC1667EBCBE1}">
-              <a14:hiddenEffects xmlns:a14="http://schemas.microsoft.com/office/drawing/2010/main">
+              <a14:hiddenEffects xmlns:a14="http://schemas.microsoft.com/office/drawing/2010/main" xmlns="">
                 <a:effectLst>
                   <a:outerShdw blurRad="63500" dist="38099" dir="2700000" algn="ctr" rotWithShape="0">
                     <a:srgbClr val="000000">
@@ -15555,14 +15585,14 @@
           <a:effectLst/>
           <a:extLst>
             <a:ext uri="{909E8E84-426E-40dd-AFC4-6F175D3DCCD1}">
-              <a14:hiddenFill xmlns:a14="http://schemas.microsoft.com/office/drawing/2010/main">
+              <a14:hiddenFill xmlns:a14="http://schemas.microsoft.com/office/drawing/2010/main" xmlns="">
                 <a:solidFill>
                   <a:srgbClr val="FFFFFF"/>
                 </a:solidFill>
               </a14:hiddenFill>
             </a:ext>
             <a:ext uri="{91240B29-F687-4f45-9708-019B960494DF}">
-              <a14:hiddenLine xmlns:a14="http://schemas.microsoft.com/office/drawing/2010/main" w="9525" cap="flat">
+              <a14:hiddenLine xmlns:a14="http://schemas.microsoft.com/office/drawing/2010/main" xmlns="" w="9525" cap="flat">
                 <a:solidFill>
                   <a:srgbClr val="000000"/>
                 </a:solidFill>
@@ -15572,7 +15602,7 @@
               </a14:hiddenLine>
             </a:ext>
             <a:ext uri="{AF507438-7753-43e0-B8FC-AC1667EBCBE1}">
-              <a14:hiddenEffects xmlns:a14="http://schemas.microsoft.com/office/drawing/2010/main">
+              <a14:hiddenEffects xmlns:a14="http://schemas.microsoft.com/office/drawing/2010/main" xmlns="">
                 <a:effectLst>
                   <a:outerShdw blurRad="63500" dist="38099" dir="2700000" algn="ctr" rotWithShape="0">
                     <a:srgbClr val="000000">
@@ -15629,7 +15659,7 @@
           <a:effectLst/>
           <a:extLst>
             <a:ext uri="{AF507438-7753-43e0-B8FC-AC1667EBCBE1}">
-              <a14:hiddenEffects xmlns:a14="http://schemas.microsoft.com/office/drawing/2010/main">
+              <a14:hiddenEffects xmlns:a14="http://schemas.microsoft.com/office/drawing/2010/main" xmlns="">
                 <a:effectLst>
                   <a:outerShdw blurRad="63500" dist="38099" dir="2700000" algn="ctr" rotWithShape="0">
                     <a:srgbClr val="000000">
@@ -15672,14 +15702,14 @@
           <a:effectLst/>
           <a:extLst>
             <a:ext uri="{909E8E84-426E-40dd-AFC4-6F175D3DCCD1}">
-              <a14:hiddenFill xmlns:a14="http://schemas.microsoft.com/office/drawing/2010/main">
+              <a14:hiddenFill xmlns:a14="http://schemas.microsoft.com/office/drawing/2010/main" xmlns="">
                 <a:solidFill>
                   <a:srgbClr val="FFFFFF"/>
                 </a:solidFill>
               </a14:hiddenFill>
             </a:ext>
             <a:ext uri="{91240B29-F687-4f45-9708-019B960494DF}">
-              <a14:hiddenLine xmlns:a14="http://schemas.microsoft.com/office/drawing/2010/main" w="9525" cap="flat">
+              <a14:hiddenLine xmlns:a14="http://schemas.microsoft.com/office/drawing/2010/main" xmlns="" w="9525" cap="flat">
                 <a:solidFill>
                   <a:srgbClr val="000000"/>
                 </a:solidFill>
@@ -15689,7 +15719,7 @@
               </a14:hiddenLine>
             </a:ext>
             <a:ext uri="{AF507438-7753-43e0-B8FC-AC1667EBCBE1}">
-              <a14:hiddenEffects xmlns:a14="http://schemas.microsoft.com/office/drawing/2010/main">
+              <a14:hiddenEffects xmlns:a14="http://schemas.microsoft.com/office/drawing/2010/main" xmlns="">
                 <a:effectLst>
                   <a:outerShdw blurRad="63500" dist="38099" dir="2700000" algn="ctr" rotWithShape="0">
                     <a:srgbClr val="000000">
@@ -15739,14 +15769,14 @@
           <a:effectLst/>
           <a:extLst>
             <a:ext uri="{909E8E84-426E-40dd-AFC4-6F175D3DCCD1}">
-              <a14:hiddenFill xmlns:a14="http://schemas.microsoft.com/office/drawing/2010/main">
+              <a14:hiddenFill xmlns:a14="http://schemas.microsoft.com/office/drawing/2010/main" xmlns="">
                 <a:solidFill>
                   <a:srgbClr val="FFFFFF"/>
                 </a:solidFill>
               </a14:hiddenFill>
             </a:ext>
             <a:ext uri="{91240B29-F687-4f45-9708-019B960494DF}">
-              <a14:hiddenLine xmlns:a14="http://schemas.microsoft.com/office/drawing/2010/main" w="9525" cap="flat">
+              <a14:hiddenLine xmlns:a14="http://schemas.microsoft.com/office/drawing/2010/main" xmlns="" w="9525" cap="flat">
                 <a:solidFill>
                   <a:srgbClr val="000000"/>
                 </a:solidFill>
@@ -15756,7 +15786,7 @@
               </a14:hiddenLine>
             </a:ext>
             <a:ext uri="{AF507438-7753-43e0-B8FC-AC1667EBCBE1}">
-              <a14:hiddenEffects xmlns:a14="http://schemas.microsoft.com/office/drawing/2010/main">
+              <a14:hiddenEffects xmlns:a14="http://schemas.microsoft.com/office/drawing/2010/main" xmlns="">
                 <a:effectLst>
                   <a:outerShdw blurRad="63500" dist="38099" dir="2700000" algn="ctr" rotWithShape="0">
                     <a:srgbClr val="000000">
@@ -15976,14 +16006,14 @@
           <a:effectLst/>
           <a:extLst>
             <a:ext uri="{909E8E84-426E-40dd-AFC4-6F175D3DCCD1}">
-              <a14:hiddenFill xmlns:a14="http://schemas.microsoft.com/office/drawing/2010/main">
+              <a14:hiddenFill xmlns:a14="http://schemas.microsoft.com/office/drawing/2010/main" xmlns="">
                 <a:solidFill>
                   <a:srgbClr val="FFFFFF"/>
                 </a:solidFill>
               </a14:hiddenFill>
             </a:ext>
             <a:ext uri="{91240B29-F687-4f45-9708-019B960494DF}">
-              <a14:hiddenLine xmlns:a14="http://schemas.microsoft.com/office/drawing/2010/main" w="9525" cap="flat">
+              <a14:hiddenLine xmlns:a14="http://schemas.microsoft.com/office/drawing/2010/main" xmlns="" w="9525" cap="flat">
                 <a:solidFill>
                   <a:srgbClr val="000000"/>
                 </a:solidFill>
@@ -15993,7 +16023,7 @@
               </a14:hiddenLine>
             </a:ext>
             <a:ext uri="{AF507438-7753-43e0-B8FC-AC1667EBCBE1}">
-              <a14:hiddenEffects xmlns:a14="http://schemas.microsoft.com/office/drawing/2010/main">
+              <a14:hiddenEffects xmlns:a14="http://schemas.microsoft.com/office/drawing/2010/main" xmlns="">
                 <a:effectLst>
                   <a:outerShdw blurRad="63500" dist="38099" dir="2700000" algn="ctr" rotWithShape="0">
                     <a:srgbClr val="000000">
@@ -16043,14 +16073,14 @@
           <a:effectLst/>
           <a:extLst>
             <a:ext uri="{909E8E84-426E-40dd-AFC4-6F175D3DCCD1}">
-              <a14:hiddenFill xmlns:a14="http://schemas.microsoft.com/office/drawing/2010/main">
+              <a14:hiddenFill xmlns:a14="http://schemas.microsoft.com/office/drawing/2010/main" xmlns="">
                 <a:solidFill>
                   <a:srgbClr val="FFFFFF"/>
                 </a:solidFill>
               </a14:hiddenFill>
             </a:ext>
             <a:ext uri="{91240B29-F687-4f45-9708-019B960494DF}">
-              <a14:hiddenLine xmlns:a14="http://schemas.microsoft.com/office/drawing/2010/main" w="9525" cap="flat">
+              <a14:hiddenLine xmlns:a14="http://schemas.microsoft.com/office/drawing/2010/main" xmlns="" w="9525" cap="flat">
                 <a:solidFill>
                   <a:srgbClr val="000000"/>
                 </a:solidFill>
@@ -16060,7 +16090,7 @@
               </a14:hiddenLine>
             </a:ext>
             <a:ext uri="{AF507438-7753-43e0-B8FC-AC1667EBCBE1}">
-              <a14:hiddenEffects xmlns:a14="http://schemas.microsoft.com/office/drawing/2010/main">
+              <a14:hiddenEffects xmlns:a14="http://schemas.microsoft.com/office/drawing/2010/main" xmlns="">
                 <a:effectLst>
                   <a:outerShdw blurRad="63500" dist="38099" dir="2700000" algn="ctr" rotWithShape="0">
                     <a:srgbClr val="000000">
@@ -16110,14 +16140,14 @@
           <a:effectLst/>
           <a:extLst>
             <a:ext uri="{909E8E84-426E-40dd-AFC4-6F175D3DCCD1}">
-              <a14:hiddenFill xmlns:a14="http://schemas.microsoft.com/office/drawing/2010/main">
+              <a14:hiddenFill xmlns:a14="http://schemas.microsoft.com/office/drawing/2010/main" xmlns="">
                 <a:solidFill>
                   <a:srgbClr val="FFFFFF"/>
                 </a:solidFill>
               </a14:hiddenFill>
             </a:ext>
             <a:ext uri="{91240B29-F687-4f45-9708-019B960494DF}">
-              <a14:hiddenLine xmlns:a14="http://schemas.microsoft.com/office/drawing/2010/main" w="9525" cap="flat">
+              <a14:hiddenLine xmlns:a14="http://schemas.microsoft.com/office/drawing/2010/main" xmlns="" w="9525" cap="flat">
                 <a:solidFill>
                   <a:srgbClr val="000000"/>
                 </a:solidFill>
@@ -16127,7 +16157,7 @@
               </a14:hiddenLine>
             </a:ext>
             <a:ext uri="{AF507438-7753-43e0-B8FC-AC1667EBCBE1}">
-              <a14:hiddenEffects xmlns:a14="http://schemas.microsoft.com/office/drawing/2010/main">
+              <a14:hiddenEffects xmlns:a14="http://schemas.microsoft.com/office/drawing/2010/main" xmlns="">
                 <a:effectLst>
                   <a:outerShdw blurRad="63500" dist="38099" dir="2700000" algn="ctr" rotWithShape="0">
                     <a:srgbClr val="000000">
@@ -16347,14 +16377,14 @@
           <a:effectLst/>
           <a:extLst>
             <a:ext uri="{909E8E84-426E-40dd-AFC4-6F175D3DCCD1}">
-              <a14:hiddenFill xmlns:a14="http://schemas.microsoft.com/office/drawing/2010/main">
+              <a14:hiddenFill xmlns:a14="http://schemas.microsoft.com/office/drawing/2010/main" xmlns="">
                 <a:solidFill>
                   <a:srgbClr val="FFFFFF"/>
                 </a:solidFill>
               </a14:hiddenFill>
             </a:ext>
             <a:ext uri="{91240B29-F687-4f45-9708-019B960494DF}">
-              <a14:hiddenLine xmlns:a14="http://schemas.microsoft.com/office/drawing/2010/main" w="9525" cap="flat">
+              <a14:hiddenLine xmlns:a14="http://schemas.microsoft.com/office/drawing/2010/main" xmlns="" w="9525" cap="flat">
                 <a:solidFill>
                   <a:srgbClr val="000000"/>
                 </a:solidFill>
@@ -16364,7 +16394,7 @@
               </a14:hiddenLine>
             </a:ext>
             <a:ext uri="{AF507438-7753-43e0-B8FC-AC1667EBCBE1}">
-              <a14:hiddenEffects xmlns:a14="http://schemas.microsoft.com/office/drawing/2010/main">
+              <a14:hiddenEffects xmlns:a14="http://schemas.microsoft.com/office/drawing/2010/main" xmlns="">
                 <a:effectLst>
                   <a:outerShdw blurRad="63500" dist="38099" dir="2700000" algn="ctr" rotWithShape="0">
                     <a:srgbClr val="000000">
@@ -16584,14 +16614,14 @@
           <a:effectLst/>
           <a:extLst>
             <a:ext uri="{909E8E84-426E-40dd-AFC4-6F175D3DCCD1}">
-              <a14:hiddenFill xmlns:a14="http://schemas.microsoft.com/office/drawing/2010/main">
+              <a14:hiddenFill xmlns:a14="http://schemas.microsoft.com/office/drawing/2010/main" xmlns="">
                 <a:solidFill>
                   <a:srgbClr val="FFFFFF"/>
                 </a:solidFill>
               </a14:hiddenFill>
             </a:ext>
             <a:ext uri="{91240B29-F687-4f45-9708-019B960494DF}">
-              <a14:hiddenLine xmlns:a14="http://schemas.microsoft.com/office/drawing/2010/main" w="9525" cap="flat">
+              <a14:hiddenLine xmlns:a14="http://schemas.microsoft.com/office/drawing/2010/main" xmlns="" w="9525" cap="flat">
                 <a:solidFill>
                   <a:srgbClr val="000000"/>
                 </a:solidFill>
@@ -16601,7 +16631,7 @@
               </a14:hiddenLine>
             </a:ext>
             <a:ext uri="{AF507438-7753-43e0-B8FC-AC1667EBCBE1}">
-              <a14:hiddenEffects xmlns:a14="http://schemas.microsoft.com/office/drawing/2010/main">
+              <a14:hiddenEffects xmlns:a14="http://schemas.microsoft.com/office/drawing/2010/main" xmlns="">
                 <a:effectLst>
                   <a:outerShdw blurRad="63500" dist="38099" dir="2700000" algn="ctr" rotWithShape="0">
                     <a:srgbClr val="000000">
@@ -16821,14 +16851,14 @@
           <a:effectLst/>
           <a:extLst>
             <a:ext uri="{909E8E84-426E-40dd-AFC4-6F175D3DCCD1}">
-              <a14:hiddenFill xmlns:a14="http://schemas.microsoft.com/office/drawing/2010/main">
+              <a14:hiddenFill xmlns:a14="http://schemas.microsoft.com/office/drawing/2010/main" xmlns="">
                 <a:solidFill>
                   <a:srgbClr val="FFFFFF"/>
                 </a:solidFill>
               </a14:hiddenFill>
             </a:ext>
             <a:ext uri="{91240B29-F687-4f45-9708-019B960494DF}">
-              <a14:hiddenLine xmlns:a14="http://schemas.microsoft.com/office/drawing/2010/main" w="9525" cap="flat">
+              <a14:hiddenLine xmlns:a14="http://schemas.microsoft.com/office/drawing/2010/main" xmlns="" w="9525" cap="flat">
                 <a:solidFill>
                   <a:srgbClr val="000000"/>
                 </a:solidFill>
@@ -16838,7 +16868,7 @@
               </a14:hiddenLine>
             </a:ext>
             <a:ext uri="{AF507438-7753-43e0-B8FC-AC1667EBCBE1}">
-              <a14:hiddenEffects xmlns:a14="http://schemas.microsoft.com/office/drawing/2010/main">
+              <a14:hiddenEffects xmlns:a14="http://schemas.microsoft.com/office/drawing/2010/main" xmlns="">
                 <a:effectLst>
                   <a:outerShdw blurRad="63500" dist="38099" dir="2700000" algn="ctr" rotWithShape="0">
                     <a:srgbClr val="000000">
@@ -17058,14 +17088,14 @@
           <a:effectLst/>
           <a:extLst>
             <a:ext uri="{909E8E84-426E-40dd-AFC4-6F175D3DCCD1}">
-              <a14:hiddenFill xmlns:a14="http://schemas.microsoft.com/office/drawing/2010/main">
+              <a14:hiddenFill xmlns:a14="http://schemas.microsoft.com/office/drawing/2010/main" xmlns="">
                 <a:solidFill>
                   <a:srgbClr val="FFFFFF"/>
                 </a:solidFill>
               </a14:hiddenFill>
             </a:ext>
             <a:ext uri="{91240B29-F687-4f45-9708-019B960494DF}">
-              <a14:hiddenLine xmlns:a14="http://schemas.microsoft.com/office/drawing/2010/main" w="9525" cap="flat">
+              <a14:hiddenLine xmlns:a14="http://schemas.microsoft.com/office/drawing/2010/main" xmlns="" w="9525" cap="flat">
                 <a:solidFill>
                   <a:srgbClr val="000000"/>
                 </a:solidFill>
@@ -17075,7 +17105,7 @@
               </a14:hiddenLine>
             </a:ext>
             <a:ext uri="{AF507438-7753-43e0-B8FC-AC1667EBCBE1}">
-              <a14:hiddenEffects xmlns:a14="http://schemas.microsoft.com/office/drawing/2010/main">
+              <a14:hiddenEffects xmlns:a14="http://schemas.microsoft.com/office/drawing/2010/main" xmlns="">
                 <a:effectLst>
                   <a:outerShdw blurRad="63500" dist="38099" dir="2700000" algn="ctr" rotWithShape="0">
                     <a:srgbClr val="000000">
@@ -17302,7 +17332,7 @@
           <a:effectLst/>
           <a:extLst>
             <a:ext uri="{AF507438-7753-43e0-B8FC-AC1667EBCBE1}">
-              <a14:hiddenEffects xmlns:a14="http://schemas.microsoft.com/office/drawing/2010/main">
+              <a14:hiddenEffects xmlns:a14="http://schemas.microsoft.com/office/drawing/2010/main" xmlns="">
                 <a:effectLst>
                   <a:outerShdw blurRad="63500" dist="38099" dir="2700000" algn="ctr" rotWithShape="0">
                     <a:srgbClr val="000000">
@@ -17345,14 +17375,14 @@
           <a:effectLst/>
           <a:extLst>
             <a:ext uri="{909E8E84-426E-40dd-AFC4-6F175D3DCCD1}">
-              <a14:hiddenFill xmlns:a14="http://schemas.microsoft.com/office/drawing/2010/main">
+              <a14:hiddenFill xmlns:a14="http://schemas.microsoft.com/office/drawing/2010/main" xmlns="">
                 <a:solidFill>
                   <a:srgbClr val="FFFFFF"/>
                 </a:solidFill>
               </a14:hiddenFill>
             </a:ext>
             <a:ext uri="{91240B29-F687-4f45-9708-019B960494DF}">
-              <a14:hiddenLine xmlns:a14="http://schemas.microsoft.com/office/drawing/2010/main" w="9525" cap="flat">
+              <a14:hiddenLine xmlns:a14="http://schemas.microsoft.com/office/drawing/2010/main" xmlns="" w="9525" cap="flat">
                 <a:solidFill>
                   <a:srgbClr val="000000"/>
                 </a:solidFill>
@@ -17362,7 +17392,7 @@
               </a14:hiddenLine>
             </a:ext>
             <a:ext uri="{AF507438-7753-43e0-B8FC-AC1667EBCBE1}">
-              <a14:hiddenEffects xmlns:a14="http://schemas.microsoft.com/office/drawing/2010/main">
+              <a14:hiddenEffects xmlns:a14="http://schemas.microsoft.com/office/drawing/2010/main" xmlns="">
                 <a:effectLst>
                   <a:outerShdw blurRad="63500" dist="38099" dir="2700000" algn="ctr" rotWithShape="0">
                     <a:srgbClr val="000000">
@@ -17417,12 +17447,12 @@
           <a:effectLst/>
           <a:extLst>
             <a:ext uri="{909E8E84-426E-40dd-AFC4-6F175D3DCCD1}">
-              <a14:hiddenFill xmlns:a14="http://schemas.microsoft.com/office/drawing/2010/main">
+              <a14:hiddenFill xmlns:a14="http://schemas.microsoft.com/office/drawing/2010/main" xmlns="">
                 <a:noFill/>
               </a14:hiddenFill>
             </a:ext>
             <a:ext uri="{AF507438-7753-43e0-B8FC-AC1667EBCBE1}">
-              <a14:hiddenEffects xmlns:a14="http://schemas.microsoft.com/office/drawing/2010/main">
+              <a14:hiddenEffects xmlns:a14="http://schemas.microsoft.com/office/drawing/2010/main" xmlns="">
                 <a:effectLst>
                   <a:outerShdw blurRad="63500" dist="38099" dir="2700000" algn="ctr" rotWithShape="0">
                     <a:srgbClr val="000000">
@@ -17470,12 +17500,12 @@
           <a:effectLst/>
           <a:extLst>
             <a:ext uri="{909E8E84-426E-40dd-AFC4-6F175D3DCCD1}">
-              <a14:hiddenFill xmlns:a14="http://schemas.microsoft.com/office/drawing/2010/main">
+              <a14:hiddenFill xmlns:a14="http://schemas.microsoft.com/office/drawing/2010/main" xmlns="">
                 <a:noFill/>
               </a14:hiddenFill>
             </a:ext>
             <a:ext uri="{AF507438-7753-43e0-B8FC-AC1667EBCBE1}">
-              <a14:hiddenEffects xmlns:a14="http://schemas.microsoft.com/office/drawing/2010/main">
+              <a14:hiddenEffects xmlns:a14="http://schemas.microsoft.com/office/drawing/2010/main" xmlns="">
                 <a:effectLst>
                   <a:outerShdw blurRad="63500" dist="38099" dir="2700000" algn="ctr" rotWithShape="0">
                     <a:srgbClr val="000000">
@@ -17528,7 +17558,7 @@
           <a:effectLst/>
           <a:extLst>
             <a:ext uri="{AF507438-7753-43e0-B8FC-AC1667EBCBE1}">
-              <a14:hiddenEffects xmlns:a14="http://schemas.microsoft.com/office/drawing/2010/main">
+              <a14:hiddenEffects xmlns:a14="http://schemas.microsoft.com/office/drawing/2010/main" xmlns="">
                 <a:effectLst>
                   <a:outerShdw blurRad="63500" dist="38099" dir="2700000" algn="ctr" rotWithShape="0">
                     <a:srgbClr val="000000">
@@ -17571,14 +17601,14 @@
           <a:effectLst/>
           <a:extLst>
             <a:ext uri="{909E8E84-426E-40dd-AFC4-6F175D3DCCD1}">
-              <a14:hiddenFill xmlns:a14="http://schemas.microsoft.com/office/drawing/2010/main">
+              <a14:hiddenFill xmlns:a14="http://schemas.microsoft.com/office/drawing/2010/main" xmlns="">
                 <a:solidFill>
                   <a:srgbClr val="FFFFFF"/>
                 </a:solidFill>
               </a14:hiddenFill>
             </a:ext>
             <a:ext uri="{91240B29-F687-4f45-9708-019B960494DF}">
-              <a14:hiddenLine xmlns:a14="http://schemas.microsoft.com/office/drawing/2010/main" w="9525" cap="flat">
+              <a14:hiddenLine xmlns:a14="http://schemas.microsoft.com/office/drawing/2010/main" xmlns="" w="9525" cap="flat">
                 <a:solidFill>
                   <a:srgbClr val="000000"/>
                 </a:solidFill>
@@ -17588,7 +17618,7 @@
               </a14:hiddenLine>
             </a:ext>
             <a:ext uri="{AF507438-7753-43e0-B8FC-AC1667EBCBE1}">
-              <a14:hiddenEffects xmlns:a14="http://schemas.microsoft.com/office/drawing/2010/main">
+              <a14:hiddenEffects xmlns:a14="http://schemas.microsoft.com/office/drawing/2010/main" xmlns="">
                 <a:effectLst>
                   <a:outerShdw blurRad="63500" dist="38099" dir="2700000" algn="ctr" rotWithShape="0">
                     <a:srgbClr val="000000">
@@ -17845,7 +17875,7 @@
           <a:effectLst/>
           <a:extLst>
             <a:ext uri="{AF507438-7753-43e0-B8FC-AC1667EBCBE1}">
-              <a14:hiddenEffects xmlns:a14="http://schemas.microsoft.com/office/drawing/2010/main">
+              <a14:hiddenEffects xmlns:a14="http://schemas.microsoft.com/office/drawing/2010/main" xmlns="">
                 <a:effectLst>
                   <a:outerShdw blurRad="63500" dist="38099" dir="2700000" algn="ctr" rotWithShape="0">
                     <a:srgbClr val="000000">
@@ -17888,14 +17918,14 @@
           <a:effectLst/>
           <a:extLst>
             <a:ext uri="{909E8E84-426E-40dd-AFC4-6F175D3DCCD1}">
-              <a14:hiddenFill xmlns:a14="http://schemas.microsoft.com/office/drawing/2010/main">
+              <a14:hiddenFill xmlns:a14="http://schemas.microsoft.com/office/drawing/2010/main" xmlns="">
                 <a:solidFill>
                   <a:srgbClr val="FFFFFF"/>
                 </a:solidFill>
               </a14:hiddenFill>
             </a:ext>
             <a:ext uri="{91240B29-F687-4f45-9708-019B960494DF}">
-              <a14:hiddenLine xmlns:a14="http://schemas.microsoft.com/office/drawing/2010/main" w="9525" cap="flat">
+              <a14:hiddenLine xmlns:a14="http://schemas.microsoft.com/office/drawing/2010/main" xmlns="" w="9525" cap="flat">
                 <a:solidFill>
                   <a:srgbClr val="000000"/>
                 </a:solidFill>
@@ -17905,7 +17935,7 @@
               </a14:hiddenLine>
             </a:ext>
             <a:ext uri="{AF507438-7753-43e0-B8FC-AC1667EBCBE1}">
-              <a14:hiddenEffects xmlns:a14="http://schemas.microsoft.com/office/drawing/2010/main">
+              <a14:hiddenEffects xmlns:a14="http://schemas.microsoft.com/office/drawing/2010/main" xmlns="">
                 <a:effectLst>
                   <a:outerShdw blurRad="63500" dist="38099" dir="2700000" algn="ctr" rotWithShape="0">
                     <a:srgbClr val="000000">
@@ -18148,12 +18178,12 @@
           <a:effectLst/>
           <a:extLst>
             <a:ext uri="{909E8E84-426E-40dd-AFC4-6F175D3DCCD1}">
-              <a14:hiddenFill xmlns:a14="http://schemas.microsoft.com/office/drawing/2010/main">
+              <a14:hiddenFill xmlns:a14="http://schemas.microsoft.com/office/drawing/2010/main" xmlns="">
                 <a:noFill/>
               </a14:hiddenFill>
             </a:ext>
             <a:ext uri="{AF507438-7753-43e0-B8FC-AC1667EBCBE1}">
-              <a14:hiddenEffects xmlns:a14="http://schemas.microsoft.com/office/drawing/2010/main">
+              <a14:hiddenEffects xmlns:a14="http://schemas.microsoft.com/office/drawing/2010/main" xmlns="">
                 <a:effectLst>
                   <a:outerShdw blurRad="63500" dist="38099" dir="2700000" algn="ctr" rotWithShape="0">
                     <a:srgbClr val="000000">
@@ -18196,14 +18226,14 @@
           <a:effectLst/>
           <a:extLst>
             <a:ext uri="{909E8E84-426E-40dd-AFC4-6F175D3DCCD1}">
-              <a14:hiddenFill xmlns:a14="http://schemas.microsoft.com/office/drawing/2010/main">
+              <a14:hiddenFill xmlns:a14="http://schemas.microsoft.com/office/drawing/2010/main" xmlns="">
                 <a:solidFill>
                   <a:srgbClr val="FFFFFF"/>
                 </a:solidFill>
               </a14:hiddenFill>
             </a:ext>
             <a:ext uri="{91240B29-F687-4f45-9708-019B960494DF}">
-              <a14:hiddenLine xmlns:a14="http://schemas.microsoft.com/office/drawing/2010/main" w="9525" cap="flat">
+              <a14:hiddenLine xmlns:a14="http://schemas.microsoft.com/office/drawing/2010/main" xmlns="" w="9525" cap="flat">
                 <a:solidFill>
                   <a:srgbClr val="000000"/>
                 </a:solidFill>
@@ -18213,7 +18243,7 @@
               </a14:hiddenLine>
             </a:ext>
             <a:ext uri="{AF507438-7753-43e0-B8FC-AC1667EBCBE1}">
-              <a14:hiddenEffects xmlns:a14="http://schemas.microsoft.com/office/drawing/2010/main">
+              <a14:hiddenEffects xmlns:a14="http://schemas.microsoft.com/office/drawing/2010/main" xmlns="">
                 <a:effectLst>
                   <a:outerShdw blurRad="63500" dist="38099" dir="2700000" algn="ctr" rotWithShape="0">
                     <a:srgbClr val="000000">
@@ -18433,14 +18463,14 @@
           <a:effectLst/>
           <a:extLst>
             <a:ext uri="{909E8E84-426E-40dd-AFC4-6F175D3DCCD1}">
-              <a14:hiddenFill xmlns:a14="http://schemas.microsoft.com/office/drawing/2010/main">
+              <a14:hiddenFill xmlns:a14="http://schemas.microsoft.com/office/drawing/2010/main" xmlns="">
                 <a:solidFill>
                   <a:srgbClr val="FFFFFF"/>
                 </a:solidFill>
               </a14:hiddenFill>
             </a:ext>
             <a:ext uri="{91240B29-F687-4f45-9708-019B960494DF}">
-              <a14:hiddenLine xmlns:a14="http://schemas.microsoft.com/office/drawing/2010/main" w="9525" cap="flat">
+              <a14:hiddenLine xmlns:a14="http://schemas.microsoft.com/office/drawing/2010/main" xmlns="" w="9525" cap="flat">
                 <a:solidFill>
                   <a:srgbClr val="000000"/>
                 </a:solidFill>
@@ -18450,7 +18480,7 @@
               </a14:hiddenLine>
             </a:ext>
             <a:ext uri="{AF507438-7753-43e0-B8FC-AC1667EBCBE1}">
-              <a14:hiddenEffects xmlns:a14="http://schemas.microsoft.com/office/drawing/2010/main">
+              <a14:hiddenEffects xmlns:a14="http://schemas.microsoft.com/office/drawing/2010/main" xmlns="">
                 <a:effectLst>
                   <a:outerShdw blurRad="63500" dist="38099" dir="2700000" algn="ctr" rotWithShape="0">
                     <a:srgbClr val="000000">
@@ -18677,7 +18707,7 @@
           <a:effectLst/>
           <a:extLst>
             <a:ext uri="{AF507438-7753-43e0-B8FC-AC1667EBCBE1}">
-              <a14:hiddenEffects xmlns:a14="http://schemas.microsoft.com/office/drawing/2010/main">
+              <a14:hiddenEffects xmlns:a14="http://schemas.microsoft.com/office/drawing/2010/main" xmlns="">
                 <a:effectLst>
                   <a:outerShdw blurRad="63500" dist="38099" dir="2700000" algn="ctr" rotWithShape="0">
                     <a:srgbClr val="000000">
@@ -18720,14 +18750,14 @@
           <a:effectLst/>
           <a:extLst>
             <a:ext uri="{909E8E84-426E-40dd-AFC4-6F175D3DCCD1}">
-              <a14:hiddenFill xmlns:a14="http://schemas.microsoft.com/office/drawing/2010/main">
+              <a14:hiddenFill xmlns:a14="http://schemas.microsoft.com/office/drawing/2010/main" xmlns="">
                 <a:solidFill>
                   <a:srgbClr val="FFFFFF"/>
                 </a:solidFill>
               </a14:hiddenFill>
             </a:ext>
             <a:ext uri="{91240B29-F687-4f45-9708-019B960494DF}">
-              <a14:hiddenLine xmlns:a14="http://schemas.microsoft.com/office/drawing/2010/main" w="9525" cap="flat">
+              <a14:hiddenLine xmlns:a14="http://schemas.microsoft.com/office/drawing/2010/main" xmlns="" w="9525" cap="flat">
                 <a:solidFill>
                   <a:srgbClr val="000000"/>
                 </a:solidFill>
@@ -18737,7 +18767,7 @@
               </a14:hiddenLine>
             </a:ext>
             <a:ext uri="{AF507438-7753-43e0-B8FC-AC1667EBCBE1}">
-              <a14:hiddenEffects xmlns:a14="http://schemas.microsoft.com/office/drawing/2010/main">
+              <a14:hiddenEffects xmlns:a14="http://schemas.microsoft.com/office/drawing/2010/main" xmlns="">
                 <a:effectLst>
                   <a:outerShdw blurRad="63500" dist="38099" dir="2700000" algn="ctr" rotWithShape="0">
                     <a:srgbClr val="000000">
@@ -18964,7 +18994,7 @@
           <a:effectLst/>
           <a:extLst>
             <a:ext uri="{AF507438-7753-43e0-B8FC-AC1667EBCBE1}">
-              <a14:hiddenEffects xmlns:a14="http://schemas.microsoft.com/office/drawing/2010/main">
+              <a14:hiddenEffects xmlns:a14="http://schemas.microsoft.com/office/drawing/2010/main" xmlns="">
                 <a:effectLst>
                   <a:outerShdw blurRad="63500" dist="38099" dir="2700000" algn="ctr" rotWithShape="0">
                     <a:srgbClr val="000000">
@@ -19007,14 +19037,14 @@
           <a:effectLst/>
           <a:extLst>
             <a:ext uri="{909E8E84-426E-40dd-AFC4-6F175D3DCCD1}">
-              <a14:hiddenFill xmlns:a14="http://schemas.microsoft.com/office/drawing/2010/main">
+              <a14:hiddenFill xmlns:a14="http://schemas.microsoft.com/office/drawing/2010/main" xmlns="">
                 <a:solidFill>
                   <a:srgbClr val="FFFFFF"/>
                 </a:solidFill>
               </a14:hiddenFill>
             </a:ext>
             <a:ext uri="{91240B29-F687-4f45-9708-019B960494DF}">
-              <a14:hiddenLine xmlns:a14="http://schemas.microsoft.com/office/drawing/2010/main" w="9525" cap="flat">
+              <a14:hiddenLine xmlns:a14="http://schemas.microsoft.com/office/drawing/2010/main" xmlns="" w="9525" cap="flat">
                 <a:solidFill>
                   <a:srgbClr val="000000"/>
                 </a:solidFill>
@@ -19024,7 +19054,7 @@
               </a14:hiddenLine>
             </a:ext>
             <a:ext uri="{AF507438-7753-43e0-B8FC-AC1667EBCBE1}">
-              <a14:hiddenEffects xmlns:a14="http://schemas.microsoft.com/office/drawing/2010/main">
+              <a14:hiddenEffects xmlns:a14="http://schemas.microsoft.com/office/drawing/2010/main" xmlns="">
                 <a:effectLst>
                   <a:outerShdw blurRad="63500" dist="38099" dir="2700000" algn="ctr" rotWithShape="0">
                     <a:srgbClr val="000000">
@@ -19251,7 +19281,7 @@
           <a:effectLst/>
           <a:extLst>
             <a:ext uri="{AF507438-7753-43e0-B8FC-AC1667EBCBE1}">
-              <a14:hiddenEffects xmlns:a14="http://schemas.microsoft.com/office/drawing/2010/main">
+              <a14:hiddenEffects xmlns:a14="http://schemas.microsoft.com/office/drawing/2010/main" xmlns="">
                 <a:effectLst>
                   <a:outerShdw blurRad="63500" dist="38099" dir="2700000" algn="ctr" rotWithShape="0">
                     <a:srgbClr val="000000">
@@ -19294,14 +19324,14 @@
           <a:effectLst/>
           <a:extLst>
             <a:ext uri="{909E8E84-426E-40dd-AFC4-6F175D3DCCD1}">
-              <a14:hiddenFill xmlns:a14="http://schemas.microsoft.com/office/drawing/2010/main">
+              <a14:hiddenFill xmlns:a14="http://schemas.microsoft.com/office/drawing/2010/main" xmlns="">
                 <a:solidFill>
                   <a:srgbClr val="FFFFFF"/>
                 </a:solidFill>
               </a14:hiddenFill>
             </a:ext>
             <a:ext uri="{91240B29-F687-4f45-9708-019B960494DF}">
-              <a14:hiddenLine xmlns:a14="http://schemas.microsoft.com/office/drawing/2010/main" w="9525" cap="flat">
+              <a14:hiddenLine xmlns:a14="http://schemas.microsoft.com/office/drawing/2010/main" xmlns="" w="9525" cap="flat">
                 <a:solidFill>
                   <a:srgbClr val="000000"/>
                 </a:solidFill>
@@ -19311,7 +19341,7 @@
               </a14:hiddenLine>
             </a:ext>
             <a:ext uri="{AF507438-7753-43e0-B8FC-AC1667EBCBE1}">
-              <a14:hiddenEffects xmlns:a14="http://schemas.microsoft.com/office/drawing/2010/main">
+              <a14:hiddenEffects xmlns:a14="http://schemas.microsoft.com/office/drawing/2010/main" xmlns="">
                 <a:effectLst>
                   <a:outerShdw blurRad="63500" dist="38099" dir="2700000" algn="ctr" rotWithShape="0">
                     <a:srgbClr val="000000">
@@ -19538,7 +19568,7 @@
           <a:effectLst/>
           <a:extLst>
             <a:ext uri="{AF507438-7753-43e0-B8FC-AC1667EBCBE1}">
-              <a14:hiddenEffects xmlns:a14="http://schemas.microsoft.com/office/drawing/2010/main">
+              <a14:hiddenEffects xmlns:a14="http://schemas.microsoft.com/office/drawing/2010/main" xmlns="">
                 <a:effectLst>
                   <a:outerShdw blurRad="63500" dist="38099" dir="2700000" algn="ctr" rotWithShape="0">
                     <a:srgbClr val="000000">
@@ -19581,14 +19611,14 @@
           <a:effectLst/>
           <a:extLst>
             <a:ext uri="{909E8E84-426E-40dd-AFC4-6F175D3DCCD1}">
-              <a14:hiddenFill xmlns:a14="http://schemas.microsoft.com/office/drawing/2010/main">
+              <a14:hiddenFill xmlns:a14="http://schemas.microsoft.com/office/drawing/2010/main" xmlns="">
                 <a:solidFill>
                   <a:srgbClr val="FFFFFF"/>
                 </a:solidFill>
               </a14:hiddenFill>
             </a:ext>
             <a:ext uri="{91240B29-F687-4f45-9708-019B960494DF}">
-              <a14:hiddenLine xmlns:a14="http://schemas.microsoft.com/office/drawing/2010/main" w="9525" cap="flat">
+              <a14:hiddenLine xmlns:a14="http://schemas.microsoft.com/office/drawing/2010/main" xmlns="" w="9525" cap="flat">
                 <a:solidFill>
                   <a:srgbClr val="000000"/>
                 </a:solidFill>
@@ -19598,7 +19628,7 @@
               </a14:hiddenLine>
             </a:ext>
             <a:ext uri="{AF507438-7753-43e0-B8FC-AC1667EBCBE1}">
-              <a14:hiddenEffects xmlns:a14="http://schemas.microsoft.com/office/drawing/2010/main">
+              <a14:hiddenEffects xmlns:a14="http://schemas.microsoft.com/office/drawing/2010/main" xmlns="">
                 <a:effectLst>
                   <a:outerShdw blurRad="63500" dist="38099" dir="2700000" algn="ctr" rotWithShape="0">
                     <a:srgbClr val="000000">
@@ -19825,7 +19855,7 @@
           <a:effectLst/>
           <a:extLst>
             <a:ext uri="{AF507438-7753-43e0-B8FC-AC1667EBCBE1}">
-              <a14:hiddenEffects xmlns:a14="http://schemas.microsoft.com/office/drawing/2010/main">
+              <a14:hiddenEffects xmlns:a14="http://schemas.microsoft.com/office/drawing/2010/main" xmlns="">
                 <a:effectLst>
                   <a:outerShdw blurRad="63500" dist="38099" dir="2700000" algn="ctr" rotWithShape="0">
                     <a:srgbClr val="000000">
@@ -19868,14 +19898,14 @@
           <a:effectLst/>
           <a:extLst>
             <a:ext uri="{909E8E84-426E-40dd-AFC4-6F175D3DCCD1}">
-              <a14:hiddenFill xmlns:a14="http://schemas.microsoft.com/office/drawing/2010/main">
+              <a14:hiddenFill xmlns:a14="http://schemas.microsoft.com/office/drawing/2010/main" xmlns="">
                 <a:solidFill>
                   <a:srgbClr val="FFFFFF"/>
                 </a:solidFill>
               </a14:hiddenFill>
             </a:ext>
             <a:ext uri="{91240B29-F687-4f45-9708-019B960494DF}">
-              <a14:hiddenLine xmlns:a14="http://schemas.microsoft.com/office/drawing/2010/main" w="9525" cap="flat">
+              <a14:hiddenLine xmlns:a14="http://schemas.microsoft.com/office/drawing/2010/main" xmlns="" w="9525" cap="flat">
                 <a:solidFill>
                   <a:srgbClr val="000000"/>
                 </a:solidFill>
@@ -19885,7 +19915,7 @@
               </a14:hiddenLine>
             </a:ext>
             <a:ext uri="{AF507438-7753-43e0-B8FC-AC1667EBCBE1}">
-              <a14:hiddenEffects xmlns:a14="http://schemas.microsoft.com/office/drawing/2010/main">
+              <a14:hiddenEffects xmlns:a14="http://schemas.microsoft.com/office/drawing/2010/main" xmlns="">
                 <a:effectLst>
                   <a:outerShdw blurRad="63500" dist="38099" dir="2700000" algn="ctr" rotWithShape="0">
                     <a:srgbClr val="000000">
@@ -20112,7 +20142,7 @@
           <a:effectLst/>
           <a:extLst>
             <a:ext uri="{AF507438-7753-43e0-B8FC-AC1667EBCBE1}">
-              <a14:hiddenEffects xmlns:a14="http://schemas.microsoft.com/office/drawing/2010/main">
+              <a14:hiddenEffects xmlns:a14="http://schemas.microsoft.com/office/drawing/2010/main" xmlns="">
                 <a:effectLst>
                   <a:outerShdw blurRad="63500" dist="38099" dir="2700000" algn="ctr" rotWithShape="0">
                     <a:srgbClr val="000000">
@@ -20155,14 +20185,14 @@
           <a:effectLst/>
           <a:extLst>
             <a:ext uri="{909E8E84-426E-40dd-AFC4-6F175D3DCCD1}">
-              <a14:hiddenFill xmlns:a14="http://schemas.microsoft.com/office/drawing/2010/main">
+              <a14:hiddenFill xmlns:a14="http://schemas.microsoft.com/office/drawing/2010/main" xmlns="">
                 <a:solidFill>
                   <a:srgbClr val="FFFFFF"/>
                 </a:solidFill>
               </a14:hiddenFill>
             </a:ext>
             <a:ext uri="{91240B29-F687-4f45-9708-019B960494DF}">
-              <a14:hiddenLine xmlns:a14="http://schemas.microsoft.com/office/drawing/2010/main" w="9525" cap="flat">
+              <a14:hiddenLine xmlns:a14="http://schemas.microsoft.com/office/drawing/2010/main" xmlns="" w="9525" cap="flat">
                 <a:solidFill>
                   <a:srgbClr val="000000"/>
                 </a:solidFill>
@@ -20172,7 +20202,7 @@
               </a14:hiddenLine>
             </a:ext>
             <a:ext uri="{AF507438-7753-43e0-B8FC-AC1667EBCBE1}">
-              <a14:hiddenEffects xmlns:a14="http://schemas.microsoft.com/office/drawing/2010/main">
+              <a14:hiddenEffects xmlns:a14="http://schemas.microsoft.com/office/drawing/2010/main" xmlns="">
                 <a:effectLst>
                   <a:outerShdw blurRad="63500" dist="38099" dir="2700000" algn="ctr" rotWithShape="0">
                     <a:srgbClr val="000000">
@@ -20399,7 +20429,7 @@
           <a:effectLst/>
           <a:extLst>
             <a:ext uri="{AF507438-7753-43e0-B8FC-AC1667EBCBE1}">
-              <a14:hiddenEffects xmlns:a14="http://schemas.microsoft.com/office/drawing/2010/main">
+              <a14:hiddenEffects xmlns:a14="http://schemas.microsoft.com/office/drawing/2010/main" xmlns="">
                 <a:effectLst>
                   <a:outerShdw blurRad="63500" dist="38099" dir="2700000" algn="ctr" rotWithShape="0">
                     <a:srgbClr val="000000">
@@ -20442,14 +20472,14 @@
           <a:effectLst/>
           <a:extLst>
             <a:ext uri="{909E8E84-426E-40dd-AFC4-6F175D3DCCD1}">
-              <a14:hiddenFill xmlns:a14="http://schemas.microsoft.com/office/drawing/2010/main">
+              <a14:hiddenFill xmlns:a14="http://schemas.microsoft.com/office/drawing/2010/main" xmlns="">
                 <a:solidFill>
                   <a:srgbClr val="FFFFFF"/>
                 </a:solidFill>
               </a14:hiddenFill>
             </a:ext>
             <a:ext uri="{91240B29-F687-4f45-9708-019B960494DF}">
-              <a14:hiddenLine xmlns:a14="http://schemas.microsoft.com/office/drawing/2010/main" w="9525" cap="flat">
+              <a14:hiddenLine xmlns:a14="http://schemas.microsoft.com/office/drawing/2010/main" xmlns="" w="9525" cap="flat">
                 <a:solidFill>
                   <a:srgbClr val="000000"/>
                 </a:solidFill>
@@ -20459,7 +20489,7 @@
               </a14:hiddenLine>
             </a:ext>
             <a:ext uri="{AF507438-7753-43e0-B8FC-AC1667EBCBE1}">
-              <a14:hiddenEffects xmlns:a14="http://schemas.microsoft.com/office/drawing/2010/main">
+              <a14:hiddenEffects xmlns:a14="http://schemas.microsoft.com/office/drawing/2010/main" xmlns="">
                 <a:effectLst>
                   <a:outerShdw blurRad="63500" dist="38099" dir="2700000" algn="ctr" rotWithShape="0">
                     <a:srgbClr val="000000">
@@ -20686,7 +20716,7 @@
           <a:effectLst/>
           <a:extLst>
             <a:ext uri="{AF507438-7753-43e0-B8FC-AC1667EBCBE1}">
-              <a14:hiddenEffects xmlns:a14="http://schemas.microsoft.com/office/drawing/2010/main">
+              <a14:hiddenEffects xmlns:a14="http://schemas.microsoft.com/office/drawing/2010/main" xmlns="">
                 <a:effectLst>
                   <a:outerShdw blurRad="63500" dist="38099" dir="2700000" algn="ctr" rotWithShape="0">
                     <a:srgbClr val="000000">
@@ -20729,14 +20759,14 @@
           <a:effectLst/>
           <a:extLst>
             <a:ext uri="{909E8E84-426E-40dd-AFC4-6F175D3DCCD1}">
-              <a14:hiddenFill xmlns:a14="http://schemas.microsoft.com/office/drawing/2010/main">
+              <a14:hiddenFill xmlns:a14="http://schemas.microsoft.com/office/drawing/2010/main" xmlns="">
                 <a:solidFill>
                   <a:srgbClr val="FFFFFF"/>
                 </a:solidFill>
               </a14:hiddenFill>
             </a:ext>
             <a:ext uri="{91240B29-F687-4f45-9708-019B960494DF}">
-              <a14:hiddenLine xmlns:a14="http://schemas.microsoft.com/office/drawing/2010/main" w="9525" cap="flat">
+              <a14:hiddenLine xmlns:a14="http://schemas.microsoft.com/office/drawing/2010/main" xmlns="" w="9525" cap="flat">
                 <a:solidFill>
                   <a:srgbClr val="000000"/>
                 </a:solidFill>
@@ -20746,7 +20776,7 @@
               </a14:hiddenLine>
             </a:ext>
             <a:ext uri="{AF507438-7753-43e0-B8FC-AC1667EBCBE1}">
-              <a14:hiddenEffects xmlns:a14="http://schemas.microsoft.com/office/drawing/2010/main">
+              <a14:hiddenEffects xmlns:a14="http://schemas.microsoft.com/office/drawing/2010/main" xmlns="">
                 <a:effectLst>
                   <a:outerShdw blurRad="63500" dist="38099" dir="2700000" algn="ctr" rotWithShape="0">
                     <a:srgbClr val="000000">
@@ -20973,7 +21003,7 @@
           <a:effectLst/>
           <a:extLst>
             <a:ext uri="{AF507438-7753-43e0-B8FC-AC1667EBCBE1}">
-              <a14:hiddenEffects xmlns:a14="http://schemas.microsoft.com/office/drawing/2010/main">
+              <a14:hiddenEffects xmlns:a14="http://schemas.microsoft.com/office/drawing/2010/main" xmlns="">
                 <a:effectLst>
                   <a:outerShdw blurRad="63500" dist="38099" dir="2700000" algn="ctr" rotWithShape="0">
                     <a:srgbClr val="000000">
@@ -21016,14 +21046,14 @@
           <a:effectLst/>
           <a:extLst>
             <a:ext uri="{909E8E84-426E-40dd-AFC4-6F175D3DCCD1}">
-              <a14:hiddenFill xmlns:a14="http://schemas.microsoft.com/office/drawing/2010/main">
+              <a14:hiddenFill xmlns:a14="http://schemas.microsoft.com/office/drawing/2010/main" xmlns="">
                 <a:solidFill>
                   <a:srgbClr val="FFFFFF"/>
                 </a:solidFill>
               </a14:hiddenFill>
             </a:ext>
             <a:ext uri="{91240B29-F687-4f45-9708-019B960494DF}">
-              <a14:hiddenLine xmlns:a14="http://schemas.microsoft.com/office/drawing/2010/main" w="9525" cap="flat">
+              <a14:hiddenLine xmlns:a14="http://schemas.microsoft.com/office/drawing/2010/main" xmlns="" w="9525" cap="flat">
                 <a:solidFill>
                   <a:srgbClr val="000000"/>
                 </a:solidFill>
@@ -21033,7 +21063,7 @@
               </a14:hiddenLine>
             </a:ext>
             <a:ext uri="{AF507438-7753-43e0-B8FC-AC1667EBCBE1}">
-              <a14:hiddenEffects xmlns:a14="http://schemas.microsoft.com/office/drawing/2010/main">
+              <a14:hiddenEffects xmlns:a14="http://schemas.microsoft.com/office/drawing/2010/main" xmlns="">
                 <a:effectLst>
                   <a:outerShdw blurRad="63500" dist="38099" dir="2700000" algn="ctr" rotWithShape="0">
                     <a:srgbClr val="000000">
@@ -21258,12 +21288,12 @@
           <a:effectLst/>
           <a:extLst>
             <a:ext uri="{909E8E84-426E-40dd-AFC4-6F175D3DCCD1}">
-              <a14:hiddenFill xmlns:a14="http://schemas.microsoft.com/office/drawing/2010/main">
+              <a14:hiddenFill xmlns:a14="http://schemas.microsoft.com/office/drawing/2010/main" xmlns="">
                 <a:noFill/>
               </a14:hiddenFill>
             </a:ext>
             <a:ext uri="{AF507438-7753-43e0-B8FC-AC1667EBCBE1}">
-              <a14:hiddenEffects xmlns:a14="http://schemas.microsoft.com/office/drawing/2010/main">
+              <a14:hiddenEffects xmlns:a14="http://schemas.microsoft.com/office/drawing/2010/main" xmlns="">
                 <a:effectLst>
                   <a:outerShdw blurRad="63500" dist="38099" dir="2700000" algn="ctr" rotWithShape="0">
                     <a:srgbClr val="000000">
@@ -21313,7 +21343,7 @@
           <a:effectLst/>
           <a:extLst>
             <a:ext uri="{AF507438-7753-43e0-B8FC-AC1667EBCBE1}">
-              <a14:hiddenEffects xmlns:a14="http://schemas.microsoft.com/office/drawing/2010/main">
+              <a14:hiddenEffects xmlns:a14="http://schemas.microsoft.com/office/drawing/2010/main" xmlns="">
                 <a:effectLst>
                   <a:outerShdw blurRad="63500" dist="38099" dir="2700000" algn="ctr" rotWithShape="0">
                     <a:srgbClr val="000000">
@@ -21356,14 +21386,14 @@
           <a:effectLst/>
           <a:extLst>
             <a:ext uri="{909E8E84-426E-40dd-AFC4-6F175D3DCCD1}">
-              <a14:hiddenFill xmlns:a14="http://schemas.microsoft.com/office/drawing/2010/main">
+              <a14:hiddenFill xmlns:a14="http://schemas.microsoft.com/office/drawing/2010/main" xmlns="">
                 <a:solidFill>
                   <a:srgbClr val="FFFFFF"/>
                 </a:solidFill>
               </a14:hiddenFill>
             </a:ext>
             <a:ext uri="{91240B29-F687-4f45-9708-019B960494DF}">
-              <a14:hiddenLine xmlns:a14="http://schemas.microsoft.com/office/drawing/2010/main" w="9525" cap="flat">
+              <a14:hiddenLine xmlns:a14="http://schemas.microsoft.com/office/drawing/2010/main" xmlns="" w="9525" cap="flat">
                 <a:solidFill>
                   <a:srgbClr val="000000"/>
                 </a:solidFill>
@@ -21373,7 +21403,7 @@
               </a14:hiddenLine>
             </a:ext>
             <a:ext uri="{AF507438-7753-43e0-B8FC-AC1667EBCBE1}">
-              <a14:hiddenEffects xmlns:a14="http://schemas.microsoft.com/office/drawing/2010/main">
+              <a14:hiddenEffects xmlns:a14="http://schemas.microsoft.com/office/drawing/2010/main" xmlns="">
                 <a:effectLst>
                   <a:outerShdw blurRad="63500" dist="38099" dir="2700000" algn="ctr" rotWithShape="0">
                     <a:srgbClr val="000000">
@@ -21423,14 +21453,14 @@
           <a:effectLst/>
           <a:extLst>
             <a:ext uri="{909E8E84-426E-40dd-AFC4-6F175D3DCCD1}">
-              <a14:hiddenFill xmlns:a14="http://schemas.microsoft.com/office/drawing/2010/main">
+              <a14:hiddenFill xmlns:a14="http://schemas.microsoft.com/office/drawing/2010/main" xmlns="">
                 <a:solidFill>
                   <a:srgbClr val="FFFFFF"/>
                 </a:solidFill>
               </a14:hiddenFill>
             </a:ext>
             <a:ext uri="{91240B29-F687-4f45-9708-019B960494DF}">
-              <a14:hiddenLine xmlns:a14="http://schemas.microsoft.com/office/drawing/2010/main" w="9525" cap="flat">
+              <a14:hiddenLine xmlns:a14="http://schemas.microsoft.com/office/drawing/2010/main" xmlns="" w="9525" cap="flat">
                 <a:solidFill>
                   <a:srgbClr val="000000"/>
                 </a:solidFill>
@@ -21440,7 +21470,7 @@
               </a14:hiddenLine>
             </a:ext>
             <a:ext uri="{AF507438-7753-43e0-B8FC-AC1667EBCBE1}">
-              <a14:hiddenEffects xmlns:a14="http://schemas.microsoft.com/office/drawing/2010/main">
+              <a14:hiddenEffects xmlns:a14="http://schemas.microsoft.com/office/drawing/2010/main" xmlns="">
                 <a:effectLst>
                   <a:outerShdw blurRad="63500" dist="38099" dir="2700000" algn="ctr" rotWithShape="0">
                     <a:srgbClr val="000000">
@@ -21664,14 +21694,14 @@
           <a:effectLst/>
           <a:extLst>
             <a:ext uri="{909E8E84-426E-40dd-AFC4-6F175D3DCCD1}">
-              <a14:hiddenFill xmlns:a14="http://schemas.microsoft.com/office/drawing/2010/main">
+              <a14:hiddenFill xmlns:a14="http://schemas.microsoft.com/office/drawing/2010/main" xmlns="">
                 <a:solidFill>
                   <a:srgbClr val="FFFFFF"/>
                 </a:solidFill>
               </a14:hiddenFill>
             </a:ext>
             <a:ext uri="{91240B29-F687-4f45-9708-019B960494DF}">
-              <a14:hiddenLine xmlns:a14="http://schemas.microsoft.com/office/drawing/2010/main" w="9525" cap="flat">
+              <a14:hiddenLine xmlns:a14="http://schemas.microsoft.com/office/drawing/2010/main" xmlns="" w="9525" cap="flat">
                 <a:solidFill>
                   <a:srgbClr val="000000"/>
                 </a:solidFill>
@@ -21681,7 +21711,7 @@
               </a14:hiddenLine>
             </a:ext>
             <a:ext uri="{AF507438-7753-43e0-B8FC-AC1667EBCBE1}">
-              <a14:hiddenEffects xmlns:a14="http://schemas.microsoft.com/office/drawing/2010/main">
+              <a14:hiddenEffects xmlns:a14="http://schemas.microsoft.com/office/drawing/2010/main" xmlns="">
                 <a:effectLst>
                   <a:outerShdw blurRad="63500" dist="38099" dir="2700000" algn="ctr" rotWithShape="0">
                     <a:srgbClr val="000000">
@@ -21731,14 +21761,14 @@
           <a:effectLst/>
           <a:extLst>
             <a:ext uri="{909E8E84-426E-40dd-AFC4-6F175D3DCCD1}">
-              <a14:hiddenFill xmlns:a14="http://schemas.microsoft.com/office/drawing/2010/main">
+              <a14:hiddenFill xmlns:a14="http://schemas.microsoft.com/office/drawing/2010/main" xmlns="">
                 <a:solidFill>
                   <a:srgbClr val="FFFFFF"/>
                 </a:solidFill>
               </a14:hiddenFill>
             </a:ext>
             <a:ext uri="{91240B29-F687-4f45-9708-019B960494DF}">
-              <a14:hiddenLine xmlns:a14="http://schemas.microsoft.com/office/drawing/2010/main" w="9525" cap="flat">
+              <a14:hiddenLine xmlns:a14="http://schemas.microsoft.com/office/drawing/2010/main" xmlns="" w="9525" cap="flat">
                 <a:solidFill>
                   <a:srgbClr val="000000"/>
                 </a:solidFill>
@@ -21748,7 +21778,7 @@
               </a14:hiddenLine>
             </a:ext>
             <a:ext uri="{AF507438-7753-43e0-B8FC-AC1667EBCBE1}">
-              <a14:hiddenEffects xmlns:a14="http://schemas.microsoft.com/office/drawing/2010/main">
+              <a14:hiddenEffects xmlns:a14="http://schemas.microsoft.com/office/drawing/2010/main" xmlns="">
                 <a:effectLst>
                   <a:outerShdw blurRad="63500" dist="38099" dir="2700000" algn="ctr" rotWithShape="0">
                     <a:srgbClr val="000000">
@@ -21798,14 +21828,14 @@
           <a:effectLst/>
           <a:extLst>
             <a:ext uri="{909E8E84-426E-40dd-AFC4-6F175D3DCCD1}">
-              <a14:hiddenFill xmlns:a14="http://schemas.microsoft.com/office/drawing/2010/main">
+              <a14:hiddenFill xmlns:a14="http://schemas.microsoft.com/office/drawing/2010/main" xmlns="">
                 <a:solidFill>
                   <a:srgbClr val="FFFFFF"/>
                 </a:solidFill>
               </a14:hiddenFill>
             </a:ext>
             <a:ext uri="{91240B29-F687-4f45-9708-019B960494DF}">
-              <a14:hiddenLine xmlns:a14="http://schemas.microsoft.com/office/drawing/2010/main" w="9525" cap="flat">
+              <a14:hiddenLine xmlns:a14="http://schemas.microsoft.com/office/drawing/2010/main" xmlns="" w="9525" cap="flat">
                 <a:solidFill>
                   <a:srgbClr val="000000"/>
                 </a:solidFill>
@@ -21815,7 +21845,7 @@
               </a14:hiddenLine>
             </a:ext>
             <a:ext uri="{AF507438-7753-43e0-B8FC-AC1667EBCBE1}">
-              <a14:hiddenEffects xmlns:a14="http://schemas.microsoft.com/office/drawing/2010/main">
+              <a14:hiddenEffects xmlns:a14="http://schemas.microsoft.com/office/drawing/2010/main" xmlns="">
                 <a:effectLst>
                   <a:outerShdw blurRad="63500" dist="38099" dir="2700000" algn="ctr" rotWithShape="0">
                     <a:srgbClr val="000000">
@@ -21865,14 +21895,14 @@
           <a:effectLst/>
           <a:extLst>
             <a:ext uri="{909E8E84-426E-40dd-AFC4-6F175D3DCCD1}">
-              <a14:hiddenFill xmlns:a14="http://schemas.microsoft.com/office/drawing/2010/main">
+              <a14:hiddenFill xmlns:a14="http://schemas.microsoft.com/office/drawing/2010/main" xmlns="">
                 <a:solidFill>
                   <a:srgbClr val="FFFFFF"/>
                 </a:solidFill>
               </a14:hiddenFill>
             </a:ext>
             <a:ext uri="{91240B29-F687-4f45-9708-019B960494DF}">
-              <a14:hiddenLine xmlns:a14="http://schemas.microsoft.com/office/drawing/2010/main" w="9525" cap="flat">
+              <a14:hiddenLine xmlns:a14="http://schemas.microsoft.com/office/drawing/2010/main" xmlns="" w="9525" cap="flat">
                 <a:solidFill>
                   <a:srgbClr val="000000"/>
                 </a:solidFill>
@@ -21882,7 +21912,7 @@
               </a14:hiddenLine>
             </a:ext>
             <a:ext uri="{AF507438-7753-43e0-B8FC-AC1667EBCBE1}">
-              <a14:hiddenEffects xmlns:a14="http://schemas.microsoft.com/office/drawing/2010/main">
+              <a14:hiddenEffects xmlns:a14="http://schemas.microsoft.com/office/drawing/2010/main" xmlns="">
                 <a:effectLst>
                   <a:outerShdw blurRad="63500" dist="38099" dir="2700000" algn="ctr" rotWithShape="0">
                     <a:srgbClr val="000000">
@@ -21932,14 +21962,14 @@
           <a:effectLst/>
           <a:extLst>
             <a:ext uri="{909E8E84-426E-40dd-AFC4-6F175D3DCCD1}">
-              <a14:hiddenFill xmlns:a14="http://schemas.microsoft.com/office/drawing/2010/main">
+              <a14:hiddenFill xmlns:a14="http://schemas.microsoft.com/office/drawing/2010/main" xmlns="">
                 <a:solidFill>
                   <a:srgbClr val="FFFFFF"/>
                 </a:solidFill>
               </a14:hiddenFill>
             </a:ext>
             <a:ext uri="{91240B29-F687-4f45-9708-019B960494DF}">
-              <a14:hiddenLine xmlns:a14="http://schemas.microsoft.com/office/drawing/2010/main" w="9525" cap="flat">
+              <a14:hiddenLine xmlns:a14="http://schemas.microsoft.com/office/drawing/2010/main" xmlns="" w="9525" cap="flat">
                 <a:solidFill>
                   <a:srgbClr val="000000"/>
                 </a:solidFill>
@@ -21949,7 +21979,7 @@
               </a14:hiddenLine>
             </a:ext>
             <a:ext uri="{AF507438-7753-43e0-B8FC-AC1667EBCBE1}">
-              <a14:hiddenEffects xmlns:a14="http://schemas.microsoft.com/office/drawing/2010/main">
+              <a14:hiddenEffects xmlns:a14="http://schemas.microsoft.com/office/drawing/2010/main" xmlns="">
                 <a:effectLst>
                   <a:outerShdw blurRad="63500" dist="38099" dir="2700000" algn="ctr" rotWithShape="0">
                     <a:srgbClr val="000000">
@@ -21999,14 +22029,14 @@
           <a:effectLst/>
           <a:extLst>
             <a:ext uri="{909E8E84-426E-40dd-AFC4-6F175D3DCCD1}">
-              <a14:hiddenFill xmlns:a14="http://schemas.microsoft.com/office/drawing/2010/main">
+              <a14:hiddenFill xmlns:a14="http://schemas.microsoft.com/office/drawing/2010/main" xmlns="">
                 <a:solidFill>
                   <a:srgbClr val="FFFFFF"/>
                 </a:solidFill>
               </a14:hiddenFill>
             </a:ext>
             <a:ext uri="{91240B29-F687-4f45-9708-019B960494DF}">
-              <a14:hiddenLine xmlns:a14="http://schemas.microsoft.com/office/drawing/2010/main" w="9525" cap="flat">
+              <a14:hiddenLine xmlns:a14="http://schemas.microsoft.com/office/drawing/2010/main" xmlns="" w="9525" cap="flat">
                 <a:solidFill>
                   <a:srgbClr val="000000"/>
                 </a:solidFill>
@@ -22016,7 +22046,7 @@
               </a14:hiddenLine>
             </a:ext>
             <a:ext uri="{AF507438-7753-43e0-B8FC-AC1667EBCBE1}">
-              <a14:hiddenEffects xmlns:a14="http://schemas.microsoft.com/office/drawing/2010/main">
+              <a14:hiddenEffects xmlns:a14="http://schemas.microsoft.com/office/drawing/2010/main" xmlns="">
                 <a:effectLst>
                   <a:outerShdw blurRad="63500" dist="38099" dir="2700000" algn="ctr" rotWithShape="0">
                     <a:srgbClr val="000000">
@@ -22066,14 +22096,14 @@
           <a:effectLst/>
           <a:extLst>
             <a:ext uri="{909E8E84-426E-40dd-AFC4-6F175D3DCCD1}">
-              <a14:hiddenFill xmlns:a14="http://schemas.microsoft.com/office/drawing/2010/main">
+              <a14:hiddenFill xmlns:a14="http://schemas.microsoft.com/office/drawing/2010/main" xmlns="">
                 <a:solidFill>
                   <a:srgbClr val="FFFFFF"/>
                 </a:solidFill>
               </a14:hiddenFill>
             </a:ext>
             <a:ext uri="{91240B29-F687-4f45-9708-019B960494DF}">
-              <a14:hiddenLine xmlns:a14="http://schemas.microsoft.com/office/drawing/2010/main" w="9525" cap="flat">
+              <a14:hiddenLine xmlns:a14="http://schemas.microsoft.com/office/drawing/2010/main" xmlns="" w="9525" cap="flat">
                 <a:solidFill>
                   <a:srgbClr val="000000"/>
                 </a:solidFill>
@@ -22083,7 +22113,7 @@
               </a14:hiddenLine>
             </a:ext>
             <a:ext uri="{AF507438-7753-43e0-B8FC-AC1667EBCBE1}">
-              <a14:hiddenEffects xmlns:a14="http://schemas.microsoft.com/office/drawing/2010/main">
+              <a14:hiddenEffects xmlns:a14="http://schemas.microsoft.com/office/drawing/2010/main" xmlns="">
                 <a:effectLst>
                   <a:outerShdw blurRad="63500" dist="38099" dir="2700000" algn="ctr" rotWithShape="0">
                     <a:srgbClr val="000000">
@@ -22133,14 +22163,14 @@
           <a:effectLst/>
           <a:extLst>
             <a:ext uri="{909E8E84-426E-40dd-AFC4-6F175D3DCCD1}">
-              <a14:hiddenFill xmlns:a14="http://schemas.microsoft.com/office/drawing/2010/main">
+              <a14:hiddenFill xmlns:a14="http://schemas.microsoft.com/office/drawing/2010/main" xmlns="">
                 <a:solidFill>
                   <a:srgbClr val="FFFFFF"/>
                 </a:solidFill>
               </a14:hiddenFill>
             </a:ext>
             <a:ext uri="{91240B29-F687-4f45-9708-019B960494DF}">
-              <a14:hiddenLine xmlns:a14="http://schemas.microsoft.com/office/drawing/2010/main" w="9525" cap="flat">
+              <a14:hiddenLine xmlns:a14="http://schemas.microsoft.com/office/drawing/2010/main" xmlns="" w="9525" cap="flat">
                 <a:solidFill>
                   <a:srgbClr val="000000"/>
                 </a:solidFill>
@@ -22150,7 +22180,7 @@
               </a14:hiddenLine>
             </a:ext>
             <a:ext uri="{AF507438-7753-43e0-B8FC-AC1667EBCBE1}">
-              <a14:hiddenEffects xmlns:a14="http://schemas.microsoft.com/office/drawing/2010/main">
+              <a14:hiddenEffects xmlns:a14="http://schemas.microsoft.com/office/drawing/2010/main" xmlns="">
                 <a:effectLst>
                   <a:outerShdw blurRad="63500" dist="38099" dir="2700000" algn="ctr" rotWithShape="0">
                     <a:srgbClr val="000000">
@@ -22200,14 +22230,14 @@
           <a:effectLst/>
           <a:extLst>
             <a:ext uri="{909E8E84-426E-40dd-AFC4-6F175D3DCCD1}">
-              <a14:hiddenFill xmlns:a14="http://schemas.microsoft.com/office/drawing/2010/main">
+              <a14:hiddenFill xmlns:a14="http://schemas.microsoft.com/office/drawing/2010/main" xmlns="">
                 <a:solidFill>
                   <a:srgbClr val="FFFFFF"/>
                 </a:solidFill>
               </a14:hiddenFill>
             </a:ext>
             <a:ext uri="{91240B29-F687-4f45-9708-019B960494DF}">
-              <a14:hiddenLine xmlns:a14="http://schemas.microsoft.com/office/drawing/2010/main" w="9525" cap="flat">
+              <a14:hiddenLine xmlns:a14="http://schemas.microsoft.com/office/drawing/2010/main" xmlns="" w="9525" cap="flat">
                 <a:solidFill>
                   <a:srgbClr val="000000"/>
                 </a:solidFill>
@@ -22217,7 +22247,7 @@
               </a14:hiddenLine>
             </a:ext>
             <a:ext uri="{AF507438-7753-43e0-B8FC-AC1667EBCBE1}">
-              <a14:hiddenEffects xmlns:a14="http://schemas.microsoft.com/office/drawing/2010/main">
+              <a14:hiddenEffects xmlns:a14="http://schemas.microsoft.com/office/drawing/2010/main" xmlns="">
                 <a:effectLst>
                   <a:outerShdw blurRad="63500" dist="38099" dir="2700000" algn="ctr" rotWithShape="0">
                     <a:srgbClr val="000000">
@@ -22267,14 +22297,14 @@
           <a:effectLst/>
           <a:extLst>
             <a:ext uri="{909E8E84-426E-40dd-AFC4-6F175D3DCCD1}">
-              <a14:hiddenFill xmlns:a14="http://schemas.microsoft.com/office/drawing/2010/main">
+              <a14:hiddenFill xmlns:a14="http://schemas.microsoft.com/office/drawing/2010/main" xmlns="">
                 <a:solidFill>
                   <a:srgbClr val="FFFFFF"/>
                 </a:solidFill>
               </a14:hiddenFill>
             </a:ext>
             <a:ext uri="{91240B29-F687-4f45-9708-019B960494DF}">
-              <a14:hiddenLine xmlns:a14="http://schemas.microsoft.com/office/drawing/2010/main" w="9525" cap="flat">
+              <a14:hiddenLine xmlns:a14="http://schemas.microsoft.com/office/drawing/2010/main" xmlns="" w="9525" cap="flat">
                 <a:solidFill>
                   <a:srgbClr val="000000"/>
                 </a:solidFill>
@@ -22284,7 +22314,7 @@
               </a14:hiddenLine>
             </a:ext>
             <a:ext uri="{AF507438-7753-43e0-B8FC-AC1667EBCBE1}">
-              <a14:hiddenEffects xmlns:a14="http://schemas.microsoft.com/office/drawing/2010/main">
+              <a14:hiddenEffects xmlns:a14="http://schemas.microsoft.com/office/drawing/2010/main" xmlns="">
                 <a:effectLst>
                   <a:outerShdw blurRad="63500" dist="38099" dir="2700000" algn="ctr" rotWithShape="0">
                     <a:srgbClr val="000000">
@@ -22334,14 +22364,14 @@
           <a:effectLst/>
           <a:extLst>
             <a:ext uri="{909E8E84-426E-40dd-AFC4-6F175D3DCCD1}">
-              <a14:hiddenFill xmlns:a14="http://schemas.microsoft.com/office/drawing/2010/main">
+              <a14:hiddenFill xmlns:a14="http://schemas.microsoft.com/office/drawing/2010/main" xmlns="">
                 <a:solidFill>
                   <a:srgbClr val="FFFFFF"/>
                 </a:solidFill>
               </a14:hiddenFill>
             </a:ext>
             <a:ext uri="{91240B29-F687-4f45-9708-019B960494DF}">
-              <a14:hiddenLine xmlns:a14="http://schemas.microsoft.com/office/drawing/2010/main" w="9525" cap="flat">
+              <a14:hiddenLine xmlns:a14="http://schemas.microsoft.com/office/drawing/2010/main" xmlns="" w="9525" cap="flat">
                 <a:solidFill>
                   <a:srgbClr val="000000"/>
                 </a:solidFill>
@@ -22351,7 +22381,7 @@
               </a14:hiddenLine>
             </a:ext>
             <a:ext uri="{AF507438-7753-43e0-B8FC-AC1667EBCBE1}">
-              <a14:hiddenEffects xmlns:a14="http://schemas.microsoft.com/office/drawing/2010/main">
+              <a14:hiddenEffects xmlns:a14="http://schemas.microsoft.com/office/drawing/2010/main" xmlns="">
                 <a:effectLst>
                   <a:outerShdw blurRad="63500" dist="38099" dir="2700000" algn="ctr" rotWithShape="0">
                     <a:srgbClr val="000000">
@@ -22401,14 +22431,14 @@
           <a:effectLst/>
           <a:extLst>
             <a:ext uri="{909E8E84-426E-40dd-AFC4-6F175D3DCCD1}">
-              <a14:hiddenFill xmlns:a14="http://schemas.microsoft.com/office/drawing/2010/main">
+              <a14:hiddenFill xmlns:a14="http://schemas.microsoft.com/office/drawing/2010/main" xmlns="">
                 <a:solidFill>
                   <a:srgbClr val="FFFFFF"/>
                 </a:solidFill>
               </a14:hiddenFill>
             </a:ext>
             <a:ext uri="{91240B29-F687-4f45-9708-019B960494DF}">
-              <a14:hiddenLine xmlns:a14="http://schemas.microsoft.com/office/drawing/2010/main" w="9525" cap="flat">
+              <a14:hiddenLine xmlns:a14="http://schemas.microsoft.com/office/drawing/2010/main" xmlns="" w="9525" cap="flat">
                 <a:solidFill>
                   <a:srgbClr val="000000"/>
                 </a:solidFill>
@@ -22418,7 +22448,7 @@
               </a14:hiddenLine>
             </a:ext>
             <a:ext uri="{AF507438-7753-43e0-B8FC-AC1667EBCBE1}">
-              <a14:hiddenEffects xmlns:a14="http://schemas.microsoft.com/office/drawing/2010/main">
+              <a14:hiddenEffects xmlns:a14="http://schemas.microsoft.com/office/drawing/2010/main" xmlns="">
                 <a:effectLst>
                   <a:outerShdw blurRad="63500" dist="38099" dir="2700000" algn="ctr" rotWithShape="0">
                     <a:srgbClr val="000000">
@@ -22468,14 +22498,14 @@
           <a:effectLst/>
           <a:extLst>
             <a:ext uri="{909E8E84-426E-40dd-AFC4-6F175D3DCCD1}">
-              <a14:hiddenFill xmlns:a14="http://schemas.microsoft.com/office/drawing/2010/main">
+              <a14:hiddenFill xmlns:a14="http://schemas.microsoft.com/office/drawing/2010/main" xmlns="">
                 <a:solidFill>
                   <a:srgbClr val="FFFFFF"/>
                 </a:solidFill>
               </a14:hiddenFill>
             </a:ext>
             <a:ext uri="{91240B29-F687-4f45-9708-019B960494DF}">
-              <a14:hiddenLine xmlns:a14="http://schemas.microsoft.com/office/drawing/2010/main" w="9525" cap="flat">
+              <a14:hiddenLine xmlns:a14="http://schemas.microsoft.com/office/drawing/2010/main" xmlns="" w="9525" cap="flat">
                 <a:solidFill>
                   <a:srgbClr val="000000"/>
                 </a:solidFill>
@@ -22485,7 +22515,7 @@
               </a14:hiddenLine>
             </a:ext>
             <a:ext uri="{AF507438-7753-43e0-B8FC-AC1667EBCBE1}">
-              <a14:hiddenEffects xmlns:a14="http://schemas.microsoft.com/office/drawing/2010/main">
+              <a14:hiddenEffects xmlns:a14="http://schemas.microsoft.com/office/drawing/2010/main" xmlns="">
                 <a:effectLst>
                   <a:outerShdw blurRad="63500" dist="38099" dir="2700000" algn="ctr" rotWithShape="0">
                     <a:srgbClr val="000000">
@@ -22535,14 +22565,14 @@
           <a:effectLst/>
           <a:extLst>
             <a:ext uri="{909E8E84-426E-40dd-AFC4-6F175D3DCCD1}">
-              <a14:hiddenFill xmlns:a14="http://schemas.microsoft.com/office/drawing/2010/main">
+              <a14:hiddenFill xmlns:a14="http://schemas.microsoft.com/office/drawing/2010/main" xmlns="">
                 <a:solidFill>
                   <a:srgbClr val="FFFFFF"/>
                 </a:solidFill>
               </a14:hiddenFill>
             </a:ext>
             <a:ext uri="{91240B29-F687-4f45-9708-019B960494DF}">
-              <a14:hiddenLine xmlns:a14="http://schemas.microsoft.com/office/drawing/2010/main" w="9525" cap="flat">
+              <a14:hiddenLine xmlns:a14="http://schemas.microsoft.com/office/drawing/2010/main" xmlns="" w="9525" cap="flat">
                 <a:solidFill>
                   <a:srgbClr val="000000"/>
                 </a:solidFill>
@@ -22552,7 +22582,7 @@
               </a14:hiddenLine>
             </a:ext>
             <a:ext uri="{AF507438-7753-43e0-B8FC-AC1667EBCBE1}">
-              <a14:hiddenEffects xmlns:a14="http://schemas.microsoft.com/office/drawing/2010/main">
+              <a14:hiddenEffects xmlns:a14="http://schemas.microsoft.com/office/drawing/2010/main" xmlns="">
                 <a:effectLst>
                   <a:outerShdw blurRad="63500" dist="38099" dir="2700000" algn="ctr" rotWithShape="0">
                     <a:srgbClr val="000000">
@@ -22602,14 +22632,14 @@
           <a:effectLst/>
           <a:extLst>
             <a:ext uri="{909E8E84-426E-40dd-AFC4-6F175D3DCCD1}">
-              <a14:hiddenFill xmlns:a14="http://schemas.microsoft.com/office/drawing/2010/main">
+              <a14:hiddenFill xmlns:a14="http://schemas.microsoft.com/office/drawing/2010/main" xmlns="">
                 <a:solidFill>
                   <a:srgbClr val="FFFFFF"/>
                 </a:solidFill>
               </a14:hiddenFill>
             </a:ext>
             <a:ext uri="{91240B29-F687-4f45-9708-019B960494DF}">
-              <a14:hiddenLine xmlns:a14="http://schemas.microsoft.com/office/drawing/2010/main" w="9525" cap="flat">
+              <a14:hiddenLine xmlns:a14="http://schemas.microsoft.com/office/drawing/2010/main" xmlns="" w="9525" cap="flat">
                 <a:solidFill>
                   <a:srgbClr val="000000"/>
                 </a:solidFill>
@@ -22619,7 +22649,7 @@
               </a14:hiddenLine>
             </a:ext>
             <a:ext uri="{AF507438-7753-43e0-B8FC-AC1667EBCBE1}">
-              <a14:hiddenEffects xmlns:a14="http://schemas.microsoft.com/office/drawing/2010/main">
+              <a14:hiddenEffects xmlns:a14="http://schemas.microsoft.com/office/drawing/2010/main" xmlns="">
                 <a:effectLst>
                   <a:outerShdw blurRad="63500" dist="38099" dir="2700000" algn="ctr" rotWithShape="0">
                     <a:srgbClr val="000000">
@@ -22669,14 +22699,14 @@
           <a:effectLst/>
           <a:extLst>
             <a:ext uri="{909E8E84-426E-40dd-AFC4-6F175D3DCCD1}">
-              <a14:hiddenFill xmlns:a14="http://schemas.microsoft.com/office/drawing/2010/main">
+              <a14:hiddenFill xmlns:a14="http://schemas.microsoft.com/office/drawing/2010/main" xmlns="">
                 <a:solidFill>
                   <a:srgbClr val="FFFFFF"/>
                 </a:solidFill>
               </a14:hiddenFill>
             </a:ext>
             <a:ext uri="{91240B29-F687-4f45-9708-019B960494DF}">
-              <a14:hiddenLine xmlns:a14="http://schemas.microsoft.com/office/drawing/2010/main" w="9525" cap="flat">
+              <a14:hiddenLine xmlns:a14="http://schemas.microsoft.com/office/drawing/2010/main" xmlns="" w="9525" cap="flat">
                 <a:solidFill>
                   <a:srgbClr val="000000"/>
                 </a:solidFill>
@@ -22686,7 +22716,7 @@
               </a14:hiddenLine>
             </a:ext>
             <a:ext uri="{AF507438-7753-43e0-B8FC-AC1667EBCBE1}">
-              <a14:hiddenEffects xmlns:a14="http://schemas.microsoft.com/office/drawing/2010/main">
+              <a14:hiddenEffects xmlns:a14="http://schemas.microsoft.com/office/drawing/2010/main" xmlns="">
                 <a:effectLst>
                   <a:outerShdw blurRad="63500" dist="38099" dir="2700000" algn="ctr" rotWithShape="0">
                     <a:srgbClr val="000000">
@@ -22736,14 +22766,14 @@
           <a:effectLst/>
           <a:extLst>
             <a:ext uri="{909E8E84-426E-40dd-AFC4-6F175D3DCCD1}">
-              <a14:hiddenFill xmlns:a14="http://schemas.microsoft.com/office/drawing/2010/main">
+              <a14:hiddenFill xmlns:a14="http://schemas.microsoft.com/office/drawing/2010/main" xmlns="">
                 <a:solidFill>
                   <a:srgbClr val="FFFFFF"/>
                 </a:solidFill>
               </a14:hiddenFill>
             </a:ext>
             <a:ext uri="{91240B29-F687-4f45-9708-019B960494DF}">
-              <a14:hiddenLine xmlns:a14="http://schemas.microsoft.com/office/drawing/2010/main" w="9525" cap="flat">
+              <a14:hiddenLine xmlns:a14="http://schemas.microsoft.com/office/drawing/2010/main" xmlns="" w="9525" cap="flat">
                 <a:solidFill>
                   <a:srgbClr val="000000"/>
                 </a:solidFill>
@@ -22753,7 +22783,7 @@
               </a14:hiddenLine>
             </a:ext>
             <a:ext uri="{AF507438-7753-43e0-B8FC-AC1667EBCBE1}">
-              <a14:hiddenEffects xmlns:a14="http://schemas.microsoft.com/office/drawing/2010/main">
+              <a14:hiddenEffects xmlns:a14="http://schemas.microsoft.com/office/drawing/2010/main" xmlns="">
                 <a:effectLst>
                   <a:outerShdw blurRad="63500" dist="38099" dir="2700000" algn="ctr" rotWithShape="0">
                     <a:srgbClr val="000000">
@@ -22803,14 +22833,14 @@
           <a:effectLst/>
           <a:extLst>
             <a:ext uri="{909E8E84-426E-40dd-AFC4-6F175D3DCCD1}">
-              <a14:hiddenFill xmlns:a14="http://schemas.microsoft.com/office/drawing/2010/main">
+              <a14:hiddenFill xmlns:a14="http://schemas.microsoft.com/office/drawing/2010/main" xmlns="">
                 <a:solidFill>
                   <a:srgbClr val="FFFFFF"/>
                 </a:solidFill>
               </a14:hiddenFill>
             </a:ext>
             <a:ext uri="{91240B29-F687-4f45-9708-019B960494DF}">
-              <a14:hiddenLine xmlns:a14="http://schemas.microsoft.com/office/drawing/2010/main" w="9525" cap="flat">
+              <a14:hiddenLine xmlns:a14="http://schemas.microsoft.com/office/drawing/2010/main" xmlns="" w="9525" cap="flat">
                 <a:solidFill>
                   <a:srgbClr val="000000"/>
                 </a:solidFill>
@@ -22820,7 +22850,7 @@
               </a14:hiddenLine>
             </a:ext>
             <a:ext uri="{AF507438-7753-43e0-B8FC-AC1667EBCBE1}">
-              <a14:hiddenEffects xmlns:a14="http://schemas.microsoft.com/office/drawing/2010/main">
+              <a14:hiddenEffects xmlns:a14="http://schemas.microsoft.com/office/drawing/2010/main" xmlns="">
                 <a:effectLst>
                   <a:outerShdw blurRad="63500" dist="38099" dir="2700000" algn="ctr" rotWithShape="0">
                     <a:srgbClr val="000000">
@@ -23065,7 +23095,7 @@
           <a:effectLst/>
           <a:extLst>
             <a:ext uri="{AF507438-7753-43e0-B8FC-AC1667EBCBE1}">
-              <a14:hiddenEffects xmlns:a14="http://schemas.microsoft.com/office/drawing/2010/main">
+              <a14:hiddenEffects xmlns:a14="http://schemas.microsoft.com/office/drawing/2010/main" xmlns="">
                 <a:effectLst>
                   <a:outerShdw blurRad="63500" dist="38099" dir="2700000" algn="ctr" rotWithShape="0">
                     <a:srgbClr val="000000">
@@ -23115,7 +23145,7 @@
           <a:effectLst/>
           <a:extLst>
             <a:ext uri="{AF507438-7753-43e0-B8FC-AC1667EBCBE1}">
-              <a14:hiddenEffects xmlns:a14="http://schemas.microsoft.com/office/drawing/2010/main">
+              <a14:hiddenEffects xmlns:a14="http://schemas.microsoft.com/office/drawing/2010/main" xmlns="">
                 <a:effectLst>
                   <a:outerShdw blurRad="63500" dist="38099" dir="2700000" algn="ctr" rotWithShape="0">
                     <a:srgbClr val="000000">
@@ -23165,7 +23195,7 @@
           <a:effectLst/>
           <a:extLst>
             <a:ext uri="{AF507438-7753-43e0-B8FC-AC1667EBCBE1}">
-              <a14:hiddenEffects xmlns:a14="http://schemas.microsoft.com/office/drawing/2010/main">
+              <a14:hiddenEffects xmlns:a14="http://schemas.microsoft.com/office/drawing/2010/main" xmlns="">
                 <a:effectLst>
                   <a:outerShdw blurRad="63500" dist="38099" dir="2700000" algn="ctr" rotWithShape="0">
                     <a:srgbClr val="000000">
@@ -23215,7 +23245,7 @@
           <a:effectLst/>
           <a:extLst>
             <a:ext uri="{AF507438-7753-43e0-B8FC-AC1667EBCBE1}">
-              <a14:hiddenEffects xmlns:a14="http://schemas.microsoft.com/office/drawing/2010/main">
+              <a14:hiddenEffects xmlns:a14="http://schemas.microsoft.com/office/drawing/2010/main" xmlns="">
                 <a:effectLst>
                   <a:outerShdw blurRad="63500" dist="38099" dir="2700000" algn="ctr" rotWithShape="0">
                     <a:srgbClr val="000000">
@@ -23265,7 +23295,7 @@
           <a:effectLst/>
           <a:extLst>
             <a:ext uri="{AF507438-7753-43e0-B8FC-AC1667EBCBE1}">
-              <a14:hiddenEffects xmlns:a14="http://schemas.microsoft.com/office/drawing/2010/main">
+              <a14:hiddenEffects xmlns:a14="http://schemas.microsoft.com/office/drawing/2010/main" xmlns="">
                 <a:effectLst>
                   <a:outerShdw blurRad="63500" dist="38099" dir="2700000" algn="ctr" rotWithShape="0">
                     <a:srgbClr val="000000">
@@ -23315,7 +23345,7 @@
           <a:effectLst/>
           <a:extLst>
             <a:ext uri="{AF507438-7753-43e0-B8FC-AC1667EBCBE1}">
-              <a14:hiddenEffects xmlns:a14="http://schemas.microsoft.com/office/drawing/2010/main">
+              <a14:hiddenEffects xmlns:a14="http://schemas.microsoft.com/office/drawing/2010/main" xmlns="">
                 <a:effectLst>
                   <a:outerShdw blurRad="63500" dist="38099" dir="2700000" algn="ctr" rotWithShape="0">
                     <a:srgbClr val="000000">
@@ -23365,7 +23395,7 @@
           <a:effectLst/>
           <a:extLst>
             <a:ext uri="{AF507438-7753-43e0-B8FC-AC1667EBCBE1}">
-              <a14:hiddenEffects xmlns:a14="http://schemas.microsoft.com/office/drawing/2010/main">
+              <a14:hiddenEffects xmlns:a14="http://schemas.microsoft.com/office/drawing/2010/main" xmlns="">
                 <a:effectLst>
                   <a:outerShdw blurRad="63500" dist="38099" dir="2700000" algn="ctr" rotWithShape="0">
                     <a:srgbClr val="000000">
@@ -23415,7 +23445,7 @@
           <a:effectLst/>
           <a:extLst>
             <a:ext uri="{AF507438-7753-43e0-B8FC-AC1667EBCBE1}">
-              <a14:hiddenEffects xmlns:a14="http://schemas.microsoft.com/office/drawing/2010/main">
+              <a14:hiddenEffects xmlns:a14="http://schemas.microsoft.com/office/drawing/2010/main" xmlns="">
                 <a:effectLst>
                   <a:outerShdw blurRad="63500" dist="38099" dir="2700000" algn="ctr" rotWithShape="0">
                     <a:srgbClr val="000000">
@@ -23465,7 +23495,7 @@
           <a:effectLst/>
           <a:extLst>
             <a:ext uri="{AF507438-7753-43e0-B8FC-AC1667EBCBE1}">
-              <a14:hiddenEffects xmlns:a14="http://schemas.microsoft.com/office/drawing/2010/main">
+              <a14:hiddenEffects xmlns:a14="http://schemas.microsoft.com/office/drawing/2010/main" xmlns="">
                 <a:effectLst>
                   <a:outerShdw blurRad="63500" dist="38099" dir="2700000" algn="ctr" rotWithShape="0">
                     <a:srgbClr val="000000">
@@ -23515,7 +23545,7 @@
           <a:effectLst/>
           <a:extLst>
             <a:ext uri="{AF507438-7753-43e0-B8FC-AC1667EBCBE1}">
-              <a14:hiddenEffects xmlns:a14="http://schemas.microsoft.com/office/drawing/2010/main">
+              <a14:hiddenEffects xmlns:a14="http://schemas.microsoft.com/office/drawing/2010/main" xmlns="">
                 <a:effectLst>
                   <a:outerShdw blurRad="63500" dist="38099" dir="2700000" algn="ctr" rotWithShape="0">
                     <a:srgbClr val="000000">
@@ -23565,7 +23595,7 @@
           <a:effectLst/>
           <a:extLst>
             <a:ext uri="{AF507438-7753-43e0-B8FC-AC1667EBCBE1}">
-              <a14:hiddenEffects xmlns:a14="http://schemas.microsoft.com/office/drawing/2010/main">
+              <a14:hiddenEffects xmlns:a14="http://schemas.microsoft.com/office/drawing/2010/main" xmlns="">
                 <a:effectLst>
                   <a:outerShdw blurRad="63500" dist="38099" dir="2700000" algn="ctr" rotWithShape="0">
                     <a:srgbClr val="000000">
@@ -23615,7 +23645,7 @@
           <a:effectLst/>
           <a:extLst>
             <a:ext uri="{AF507438-7753-43e0-B8FC-AC1667EBCBE1}">
-              <a14:hiddenEffects xmlns:a14="http://schemas.microsoft.com/office/drawing/2010/main">
+              <a14:hiddenEffects xmlns:a14="http://schemas.microsoft.com/office/drawing/2010/main" xmlns="">
                 <a:effectLst>
                   <a:outerShdw blurRad="63500" dist="38099" dir="2700000" algn="ctr" rotWithShape="0">
                     <a:srgbClr val="000000">
@@ -23665,7 +23695,7 @@
           <a:effectLst/>
           <a:extLst>
             <a:ext uri="{AF507438-7753-43e0-B8FC-AC1667EBCBE1}">
-              <a14:hiddenEffects xmlns:a14="http://schemas.microsoft.com/office/drawing/2010/main">
+              <a14:hiddenEffects xmlns:a14="http://schemas.microsoft.com/office/drawing/2010/main" xmlns="">
                 <a:effectLst>
                   <a:outerShdw blurRad="63500" dist="38099" dir="2700000" algn="ctr" rotWithShape="0">
                     <a:srgbClr val="000000">
@@ -23740,11 +23770,11 @@
   <p:clrMapOvr>
     <a:masterClrMapping/>
   </p:clrMapOvr>
-  <p:transition xmlns:p14="http://schemas.microsoft.com/office/powerpoint/2010/main" spd="med"/>
+  <p:transition spd="med"/>
   <p:timing>
     <p:tnLst>
       <p:par>
-        <p:cTn xmlns:p14="http://schemas.microsoft.com/office/powerpoint/2010/main" id="1" dur="indefinite" restart="never" nodeType="tmRoot">
+        <p:cTn id="1" dur="indefinite" restart="never" nodeType="tmRoot">
           <p:childTnLst>
             <p:seq concurrent="1" nextAc="seek">
               <p:cTn id="2" dur="0" nodeType="mainSeq"/>
@@ -23818,7 +23848,7 @@
           <a:effectLst/>
           <a:extLst>
             <a:ext uri="{AF507438-7753-43e0-B8FC-AC1667EBCBE1}">
-              <a14:hiddenEffects xmlns:a14="http://schemas.microsoft.com/office/drawing/2010/main">
+              <a14:hiddenEffects xmlns:a14="http://schemas.microsoft.com/office/drawing/2010/main" xmlns="">
                 <a:effectLst>
                   <a:outerShdw blurRad="63500" dist="38099" dir="2700000" algn="ctr" rotWithShape="0">
                     <a:srgbClr val="000000">
@@ -23868,7 +23898,7 @@
           <a:effectLst/>
           <a:extLst>
             <a:ext uri="{AF507438-7753-43e0-B8FC-AC1667EBCBE1}">
-              <a14:hiddenEffects xmlns:a14="http://schemas.microsoft.com/office/drawing/2010/main">
+              <a14:hiddenEffects xmlns:a14="http://schemas.microsoft.com/office/drawing/2010/main" xmlns="">
                 <a:effectLst>
                   <a:outerShdw blurRad="63500" dist="38099" dir="2700000" algn="ctr" rotWithShape="0">
                     <a:srgbClr val="000000">
@@ -23911,14 +23941,14 @@
           <a:effectLst/>
           <a:extLst>
             <a:ext uri="{909E8E84-426E-40dd-AFC4-6F175D3DCCD1}">
-              <a14:hiddenFill xmlns:a14="http://schemas.microsoft.com/office/drawing/2010/main">
+              <a14:hiddenFill xmlns:a14="http://schemas.microsoft.com/office/drawing/2010/main" xmlns="">
                 <a:solidFill>
                   <a:srgbClr val="FFFFFF"/>
                 </a:solidFill>
               </a14:hiddenFill>
             </a:ext>
             <a:ext uri="{91240B29-F687-4f45-9708-019B960494DF}">
-              <a14:hiddenLine xmlns:a14="http://schemas.microsoft.com/office/drawing/2010/main" w="9525" cap="flat">
+              <a14:hiddenLine xmlns:a14="http://schemas.microsoft.com/office/drawing/2010/main" xmlns="" w="9525" cap="flat">
                 <a:solidFill>
                   <a:srgbClr val="000000"/>
                 </a:solidFill>
@@ -23928,7 +23958,7 @@
               </a14:hiddenLine>
             </a:ext>
             <a:ext uri="{AF507438-7753-43e0-B8FC-AC1667EBCBE1}">
-              <a14:hiddenEffects xmlns:a14="http://schemas.microsoft.com/office/drawing/2010/main">
+              <a14:hiddenEffects xmlns:a14="http://schemas.microsoft.com/office/drawing/2010/main" xmlns="">
                 <a:effectLst>
                   <a:outerShdw blurRad="63500" dist="38099" dir="2700000" algn="ctr" rotWithShape="0">
                     <a:srgbClr val="000000">
@@ -23985,7 +24015,7 @@
           <a:effectLst/>
           <a:extLst>
             <a:ext uri="{AF507438-7753-43e0-B8FC-AC1667EBCBE1}">
-              <a14:hiddenEffects xmlns:a14="http://schemas.microsoft.com/office/drawing/2010/main">
+              <a14:hiddenEffects xmlns:a14="http://schemas.microsoft.com/office/drawing/2010/main" xmlns="">
                 <a:effectLst>
                   <a:outerShdw blurRad="63500" dist="38099" dir="2700000" algn="ctr" rotWithShape="0">
                     <a:srgbClr val="000000">
@@ -24028,14 +24058,14 @@
           <a:effectLst/>
           <a:extLst>
             <a:ext uri="{909E8E84-426E-40dd-AFC4-6F175D3DCCD1}">
-              <a14:hiddenFill xmlns:a14="http://schemas.microsoft.com/office/drawing/2010/main">
+              <a14:hiddenFill xmlns:a14="http://schemas.microsoft.com/office/drawing/2010/main" xmlns="">
                 <a:solidFill>
                   <a:srgbClr val="FFFFFF"/>
                 </a:solidFill>
               </a14:hiddenFill>
             </a:ext>
             <a:ext uri="{91240B29-F687-4f45-9708-019B960494DF}">
-              <a14:hiddenLine xmlns:a14="http://schemas.microsoft.com/office/drawing/2010/main" w="9525" cap="flat">
+              <a14:hiddenLine xmlns:a14="http://schemas.microsoft.com/office/drawing/2010/main" xmlns="" w="9525" cap="flat">
                 <a:solidFill>
                   <a:srgbClr val="000000"/>
                 </a:solidFill>
@@ -24045,7 +24075,7 @@
               </a14:hiddenLine>
             </a:ext>
             <a:ext uri="{AF507438-7753-43e0-B8FC-AC1667EBCBE1}">
-              <a14:hiddenEffects xmlns:a14="http://schemas.microsoft.com/office/drawing/2010/main">
+              <a14:hiddenEffects xmlns:a14="http://schemas.microsoft.com/office/drawing/2010/main" xmlns="">
                 <a:effectLst>
                   <a:outerShdw blurRad="63500" dist="38099" dir="2700000" algn="ctr" rotWithShape="0">
                     <a:srgbClr val="000000">
@@ -24104,7 +24134,7 @@
           <a:effectLst/>
           <a:extLst>
             <a:ext uri="{AF507438-7753-43e0-B8FC-AC1667EBCBE1}">
-              <a14:hiddenEffects xmlns:a14="http://schemas.microsoft.com/office/drawing/2010/main">
+              <a14:hiddenEffects xmlns:a14="http://schemas.microsoft.com/office/drawing/2010/main" xmlns="">
                 <a:effectLst>
                   <a:outerShdw blurRad="63500" dist="38099" dir="2700000" algn="ctr" rotWithShape="0">
                     <a:srgbClr val="000000">
@@ -24156,7 +24186,7 @@
           <a:effectLst/>
           <a:extLst>
             <a:ext uri="{AF507438-7753-43e0-B8FC-AC1667EBCBE1}">
-              <a14:hiddenEffects xmlns:a14="http://schemas.microsoft.com/office/drawing/2010/main">
+              <a14:hiddenEffects xmlns:a14="http://schemas.microsoft.com/office/drawing/2010/main" xmlns="">
                 <a:effectLst>
                   <a:outerShdw blurRad="63500" dist="38099" dir="2700000" algn="ctr" rotWithShape="0">
                     <a:srgbClr val="000000">
@@ -24206,14 +24236,14 @@
           <a:effectLst/>
           <a:extLst>
             <a:ext uri="{909E8E84-426E-40dd-AFC4-6F175D3DCCD1}">
-              <a14:hiddenFill xmlns:a14="http://schemas.microsoft.com/office/drawing/2010/main">
+              <a14:hiddenFill xmlns:a14="http://schemas.microsoft.com/office/drawing/2010/main" xmlns="">
                 <a:solidFill>
                   <a:srgbClr val="FFFFFF"/>
                 </a:solidFill>
               </a14:hiddenFill>
             </a:ext>
             <a:ext uri="{AF507438-7753-43e0-B8FC-AC1667EBCBE1}">
-              <a14:hiddenEffects xmlns:a14="http://schemas.microsoft.com/office/drawing/2010/main">
+              <a14:hiddenEffects xmlns:a14="http://schemas.microsoft.com/office/drawing/2010/main" xmlns="">
                 <a:effectLst>
                   <a:outerShdw blurRad="63500" dist="38099" dir="2700000" algn="ctr" rotWithShape="0">
                     <a:srgbClr val="000000">
@@ -24265,7 +24295,7 @@
           <a:effectLst/>
           <a:extLst>
             <a:ext uri="{AF507438-7753-43e0-B8FC-AC1667EBCBE1}">
-              <a14:hiddenEffects xmlns:a14="http://schemas.microsoft.com/office/drawing/2010/main">
+              <a14:hiddenEffects xmlns:a14="http://schemas.microsoft.com/office/drawing/2010/main" xmlns="">
                 <a:effectLst>
                   <a:outerShdw blurRad="63500" dist="38099" dir="2700000" algn="ctr" rotWithShape="0">
                     <a:srgbClr val="000000">
@@ -24308,14 +24338,14 @@
           <a:effectLst/>
           <a:extLst>
             <a:ext uri="{909E8E84-426E-40dd-AFC4-6F175D3DCCD1}">
-              <a14:hiddenFill xmlns:a14="http://schemas.microsoft.com/office/drawing/2010/main">
+              <a14:hiddenFill xmlns:a14="http://schemas.microsoft.com/office/drawing/2010/main" xmlns="">
                 <a:solidFill>
                   <a:srgbClr val="FFFFFF"/>
                 </a:solidFill>
               </a14:hiddenFill>
             </a:ext>
             <a:ext uri="{91240B29-F687-4f45-9708-019B960494DF}">
-              <a14:hiddenLine xmlns:a14="http://schemas.microsoft.com/office/drawing/2010/main" w="9525" cap="flat">
+              <a14:hiddenLine xmlns:a14="http://schemas.microsoft.com/office/drawing/2010/main" xmlns="" w="9525" cap="flat">
                 <a:solidFill>
                   <a:srgbClr val="000000"/>
                 </a:solidFill>
@@ -24325,7 +24355,7 @@
               </a14:hiddenLine>
             </a:ext>
             <a:ext uri="{AF507438-7753-43e0-B8FC-AC1667EBCBE1}">
-              <a14:hiddenEffects xmlns:a14="http://schemas.microsoft.com/office/drawing/2010/main">
+              <a14:hiddenEffects xmlns:a14="http://schemas.microsoft.com/office/drawing/2010/main" xmlns="">
                 <a:effectLst>
                   <a:outerShdw blurRad="63500" dist="38099" dir="2700000" algn="ctr" rotWithShape="0">
                     <a:srgbClr val="000000">
@@ -24554,7 +24584,7 @@
           <a:effectLst/>
           <a:extLst>
             <a:ext uri="{AF507438-7753-43e0-B8FC-AC1667EBCBE1}">
-              <a14:hiddenEffects xmlns:a14="http://schemas.microsoft.com/office/drawing/2010/main">
+              <a14:hiddenEffects xmlns:a14="http://schemas.microsoft.com/office/drawing/2010/main" xmlns="">
                 <a:effectLst>
                   <a:outerShdw blurRad="63500" dist="38099" dir="2700000" algn="ctr" rotWithShape="0">
                     <a:srgbClr val="000000">
@@ -24604,7 +24634,7 @@
           <a:effectLst/>
           <a:extLst>
             <a:ext uri="{AF507438-7753-43e0-B8FC-AC1667EBCBE1}">
-              <a14:hiddenEffects xmlns:a14="http://schemas.microsoft.com/office/drawing/2010/main">
+              <a14:hiddenEffects xmlns:a14="http://schemas.microsoft.com/office/drawing/2010/main" xmlns="">
                 <a:effectLst>
                   <a:outerShdw blurRad="63500" dist="38099" dir="2700000" algn="ctr" rotWithShape="0">
                     <a:srgbClr val="000000">
@@ -24647,14 +24677,14 @@
           <a:effectLst/>
           <a:extLst>
             <a:ext uri="{909E8E84-426E-40dd-AFC4-6F175D3DCCD1}">
-              <a14:hiddenFill xmlns:a14="http://schemas.microsoft.com/office/drawing/2010/main">
+              <a14:hiddenFill xmlns:a14="http://schemas.microsoft.com/office/drawing/2010/main" xmlns="">
                 <a:solidFill>
                   <a:srgbClr val="FFFFFF"/>
                 </a:solidFill>
               </a14:hiddenFill>
             </a:ext>
             <a:ext uri="{91240B29-F687-4f45-9708-019B960494DF}">
-              <a14:hiddenLine xmlns:a14="http://schemas.microsoft.com/office/drawing/2010/main" w="9525" cap="flat">
+              <a14:hiddenLine xmlns:a14="http://schemas.microsoft.com/office/drawing/2010/main" xmlns="" w="9525" cap="flat">
                 <a:solidFill>
                   <a:srgbClr val="000000"/>
                 </a:solidFill>
@@ -24664,7 +24694,7 @@
               </a14:hiddenLine>
             </a:ext>
             <a:ext uri="{AF507438-7753-43e0-B8FC-AC1667EBCBE1}">
-              <a14:hiddenEffects xmlns:a14="http://schemas.microsoft.com/office/drawing/2010/main">
+              <a14:hiddenEffects xmlns:a14="http://schemas.microsoft.com/office/drawing/2010/main" xmlns="">
                 <a:effectLst>
                   <a:outerShdw blurRad="63500" dist="38099" dir="2700000" algn="ctr" rotWithShape="0">
                     <a:srgbClr val="000000">
@@ -24898,12 +24928,12 @@
           <a:effectLst/>
           <a:extLst>
             <a:ext uri="{909E8E84-426E-40dd-AFC4-6F175D3DCCD1}">
-              <a14:hiddenFill xmlns:a14="http://schemas.microsoft.com/office/drawing/2010/main">
+              <a14:hiddenFill xmlns:a14="http://schemas.microsoft.com/office/drawing/2010/main" xmlns="">
                 <a:noFill/>
               </a14:hiddenFill>
             </a:ext>
             <a:ext uri="{AF507438-7753-43e0-B8FC-AC1667EBCBE1}">
-              <a14:hiddenEffects xmlns:a14="http://schemas.microsoft.com/office/drawing/2010/main">
+              <a14:hiddenEffects xmlns:a14="http://schemas.microsoft.com/office/drawing/2010/main" xmlns="">
                 <a:effectLst>
                   <a:outerShdw blurRad="63500" dist="38099" dir="2700000" algn="ctr" rotWithShape="0">
                     <a:srgbClr val="000000">
@@ -24946,14 +24976,14 @@
           <a:effectLst/>
           <a:extLst>
             <a:ext uri="{909E8E84-426E-40dd-AFC4-6F175D3DCCD1}">
-              <a14:hiddenFill xmlns:a14="http://schemas.microsoft.com/office/drawing/2010/main">
+              <a14:hiddenFill xmlns:a14="http://schemas.microsoft.com/office/drawing/2010/main" xmlns="">
                 <a:solidFill>
                   <a:srgbClr val="FFFFFF"/>
                 </a:solidFill>
               </a14:hiddenFill>
             </a:ext>
             <a:ext uri="{91240B29-F687-4f45-9708-019B960494DF}">
-              <a14:hiddenLine xmlns:a14="http://schemas.microsoft.com/office/drawing/2010/main" w="9525" cap="flat">
+              <a14:hiddenLine xmlns:a14="http://schemas.microsoft.com/office/drawing/2010/main" xmlns="" w="9525" cap="flat">
                 <a:solidFill>
                   <a:srgbClr val="000000"/>
                 </a:solidFill>
@@ -24963,7 +24993,7 @@
               </a14:hiddenLine>
             </a:ext>
             <a:ext uri="{AF507438-7753-43e0-B8FC-AC1667EBCBE1}">
-              <a14:hiddenEffects xmlns:a14="http://schemas.microsoft.com/office/drawing/2010/main">
+              <a14:hiddenEffects xmlns:a14="http://schemas.microsoft.com/office/drawing/2010/main" xmlns="">
                 <a:effectLst>
                   <a:outerShdw blurRad="63500" dist="38099" dir="2700000" algn="ctr" rotWithShape="0">
                     <a:srgbClr val="000000">
@@ -25190,7 +25220,7 @@
           <a:effectLst/>
           <a:extLst>
             <a:ext uri="{AF507438-7753-43e0-B8FC-AC1667EBCBE1}">
-              <a14:hiddenEffects xmlns:a14="http://schemas.microsoft.com/office/drawing/2010/main">
+              <a14:hiddenEffects xmlns:a14="http://schemas.microsoft.com/office/drawing/2010/main" xmlns="">
                 <a:effectLst>
                   <a:outerShdw blurRad="63500" dist="38099" dir="2700000" algn="ctr" rotWithShape="0">
                     <a:srgbClr val="000000">
@@ -25240,7 +25270,7 @@
           <a:effectLst/>
           <a:extLst>
             <a:ext uri="{AF507438-7753-43e0-B8FC-AC1667EBCBE1}">
-              <a14:hiddenEffects xmlns:a14="http://schemas.microsoft.com/office/drawing/2010/main">
+              <a14:hiddenEffects xmlns:a14="http://schemas.microsoft.com/office/drawing/2010/main" xmlns="">
                 <a:effectLst>
                   <a:outerShdw blurRad="63500" dist="38099" dir="2700000" algn="ctr" rotWithShape="0">
                     <a:srgbClr val="000000">
@@ -25283,14 +25313,14 @@
           <a:effectLst/>
           <a:extLst>
             <a:ext uri="{909E8E84-426E-40dd-AFC4-6F175D3DCCD1}">
-              <a14:hiddenFill xmlns:a14="http://schemas.microsoft.com/office/drawing/2010/main">
+              <a14:hiddenFill xmlns:a14="http://schemas.microsoft.com/office/drawing/2010/main" xmlns="">
                 <a:solidFill>
                   <a:srgbClr val="FFFFFF"/>
                 </a:solidFill>
               </a14:hiddenFill>
             </a:ext>
             <a:ext uri="{91240B29-F687-4f45-9708-019B960494DF}">
-              <a14:hiddenLine xmlns:a14="http://schemas.microsoft.com/office/drawing/2010/main" w="9525" cap="flat">
+              <a14:hiddenLine xmlns:a14="http://schemas.microsoft.com/office/drawing/2010/main" xmlns="" w="9525" cap="flat">
                 <a:solidFill>
                   <a:srgbClr val="000000"/>
                 </a:solidFill>
@@ -25300,7 +25330,7 @@
               </a14:hiddenLine>
             </a:ext>
             <a:ext uri="{AF507438-7753-43e0-B8FC-AC1667EBCBE1}">
-              <a14:hiddenEffects xmlns:a14="http://schemas.microsoft.com/office/drawing/2010/main">
+              <a14:hiddenEffects xmlns:a14="http://schemas.microsoft.com/office/drawing/2010/main" xmlns="">
                 <a:effectLst>
                   <a:outerShdw blurRad="63500" dist="38099" dir="2700000" algn="ctr" rotWithShape="0">
                     <a:srgbClr val="000000">
@@ -25529,7 +25559,7 @@
           <a:effectLst/>
           <a:extLst>
             <a:ext uri="{AF507438-7753-43e0-B8FC-AC1667EBCBE1}">
-              <a14:hiddenEffects xmlns:a14="http://schemas.microsoft.com/office/drawing/2010/main">
+              <a14:hiddenEffects xmlns:a14="http://schemas.microsoft.com/office/drawing/2010/main" xmlns="">
                 <a:effectLst>
                   <a:outerShdw blurRad="63500" dist="38099" dir="2700000" algn="ctr" rotWithShape="0">
                     <a:srgbClr val="000000">
@@ -25581,7 +25611,7 @@
           <a:effectLst/>
           <a:extLst>
             <a:ext uri="{AF507438-7753-43e0-B8FC-AC1667EBCBE1}">
-              <a14:hiddenEffects xmlns:a14="http://schemas.microsoft.com/office/drawing/2010/main">
+              <a14:hiddenEffects xmlns:a14="http://schemas.microsoft.com/office/drawing/2010/main" xmlns="">
                 <a:effectLst>
                   <a:outerShdw blurRad="63500" dist="38099" dir="2700000" algn="ctr" rotWithShape="0">
                     <a:srgbClr val="000000">
@@ -25624,14 +25654,14 @@
           <a:effectLst/>
           <a:extLst>
             <a:ext uri="{909E8E84-426E-40dd-AFC4-6F175D3DCCD1}">
-              <a14:hiddenFill xmlns:a14="http://schemas.microsoft.com/office/drawing/2010/main">
+              <a14:hiddenFill xmlns:a14="http://schemas.microsoft.com/office/drawing/2010/main" xmlns="">
                 <a:solidFill>
                   <a:srgbClr val="FFFFFF"/>
                 </a:solidFill>
               </a14:hiddenFill>
             </a:ext>
             <a:ext uri="{91240B29-F687-4f45-9708-019B960494DF}">
-              <a14:hiddenLine xmlns:a14="http://schemas.microsoft.com/office/drawing/2010/main" w="9525" cap="flat">
+              <a14:hiddenLine xmlns:a14="http://schemas.microsoft.com/office/drawing/2010/main" xmlns="" w="9525" cap="flat">
                 <a:solidFill>
                   <a:srgbClr val="000000"/>
                 </a:solidFill>
@@ -25641,7 +25671,7 @@
               </a14:hiddenLine>
             </a:ext>
             <a:ext uri="{AF507438-7753-43e0-B8FC-AC1667EBCBE1}">
-              <a14:hiddenEffects xmlns:a14="http://schemas.microsoft.com/office/drawing/2010/main">
+              <a14:hiddenEffects xmlns:a14="http://schemas.microsoft.com/office/drawing/2010/main" xmlns="">
                 <a:effectLst>
                   <a:outerShdw blurRad="63500" dist="38099" dir="2700000" algn="ctr" rotWithShape="0">
                     <a:srgbClr val="000000">
@@ -25691,14 +25721,14 @@
           <a:effectLst/>
           <a:extLst>
             <a:ext uri="{909E8E84-426E-40dd-AFC4-6F175D3DCCD1}">
-              <a14:hiddenFill xmlns:a14="http://schemas.microsoft.com/office/drawing/2010/main">
+              <a14:hiddenFill xmlns:a14="http://schemas.microsoft.com/office/drawing/2010/main" xmlns="">
                 <a:solidFill>
                   <a:srgbClr val="FFFFFF"/>
                 </a:solidFill>
               </a14:hiddenFill>
             </a:ext>
             <a:ext uri="{91240B29-F687-4f45-9708-019B960494DF}">
-              <a14:hiddenLine xmlns:a14="http://schemas.microsoft.com/office/drawing/2010/main" w="9525" cap="flat">
+              <a14:hiddenLine xmlns:a14="http://schemas.microsoft.com/office/drawing/2010/main" xmlns="" w="9525" cap="flat">
                 <a:solidFill>
                   <a:srgbClr val="000000"/>
                 </a:solidFill>
@@ -25708,7 +25738,7 @@
               </a14:hiddenLine>
             </a:ext>
             <a:ext uri="{AF507438-7753-43e0-B8FC-AC1667EBCBE1}">
-              <a14:hiddenEffects xmlns:a14="http://schemas.microsoft.com/office/drawing/2010/main">
+              <a14:hiddenEffects xmlns:a14="http://schemas.microsoft.com/office/drawing/2010/main" xmlns="">
                 <a:effectLst>
                   <a:outerShdw blurRad="63500" dist="38099" dir="2700000" algn="ctr" rotWithShape="0">
                     <a:srgbClr val="000000">
@@ -25763,12 +25793,12 @@
           <a:effectLst/>
           <a:extLst>
             <a:ext uri="{909E8E84-426E-40dd-AFC4-6F175D3DCCD1}">
-              <a14:hiddenFill xmlns:a14="http://schemas.microsoft.com/office/drawing/2010/main">
+              <a14:hiddenFill xmlns:a14="http://schemas.microsoft.com/office/drawing/2010/main" xmlns="">
                 <a:noFill/>
               </a14:hiddenFill>
             </a:ext>
             <a:ext uri="{AF507438-7753-43e0-B8FC-AC1667EBCBE1}">
-              <a14:hiddenEffects xmlns:a14="http://schemas.microsoft.com/office/drawing/2010/main">
+              <a14:hiddenEffects xmlns:a14="http://schemas.microsoft.com/office/drawing/2010/main" xmlns="">
                 <a:effectLst>
                   <a:outerShdw blurRad="63500" dist="38099" dir="2700000" algn="ctr" rotWithShape="0">
                     <a:srgbClr val="000000">
@@ -25811,14 +25841,14 @@
           <a:effectLst/>
           <a:extLst>
             <a:ext uri="{909E8E84-426E-40dd-AFC4-6F175D3DCCD1}">
-              <a14:hiddenFill xmlns:a14="http://schemas.microsoft.com/office/drawing/2010/main">
+              <a14:hiddenFill xmlns:a14="http://schemas.microsoft.com/office/drawing/2010/main" xmlns="">
                 <a:solidFill>
                   <a:srgbClr val="FFFFFF"/>
                 </a:solidFill>
               </a14:hiddenFill>
             </a:ext>
             <a:ext uri="{91240B29-F687-4f45-9708-019B960494DF}">
-              <a14:hiddenLine xmlns:a14="http://schemas.microsoft.com/office/drawing/2010/main" w="9525" cap="flat">
+              <a14:hiddenLine xmlns:a14="http://schemas.microsoft.com/office/drawing/2010/main" xmlns="" w="9525" cap="flat">
                 <a:solidFill>
                   <a:srgbClr val="000000"/>
                 </a:solidFill>
@@ -25828,7 +25858,7 @@
               </a14:hiddenLine>
             </a:ext>
             <a:ext uri="{AF507438-7753-43e0-B8FC-AC1667EBCBE1}">
-              <a14:hiddenEffects xmlns:a14="http://schemas.microsoft.com/office/drawing/2010/main">
+              <a14:hiddenEffects xmlns:a14="http://schemas.microsoft.com/office/drawing/2010/main" xmlns="">
                 <a:effectLst>
                   <a:outerShdw blurRad="63500" dist="38099" dir="2700000" algn="ctr" rotWithShape="0">
                     <a:srgbClr val="000000">
@@ -25887,7 +25917,7 @@
           <a:effectLst/>
           <a:extLst>
             <a:ext uri="{AF507438-7753-43e0-B8FC-AC1667EBCBE1}">
-              <a14:hiddenEffects xmlns:a14="http://schemas.microsoft.com/office/drawing/2010/main">
+              <a14:hiddenEffects xmlns:a14="http://schemas.microsoft.com/office/drawing/2010/main" xmlns="">
                 <a:effectLst>
                   <a:outerShdw blurRad="63500" dist="38099" dir="2700000" algn="ctr" rotWithShape="0">
                     <a:srgbClr val="000000">
@@ -25930,14 +25960,14 @@
           <a:effectLst/>
           <a:extLst>
             <a:ext uri="{909E8E84-426E-40dd-AFC4-6F175D3DCCD1}">
-              <a14:hiddenFill xmlns:a14="http://schemas.microsoft.com/office/drawing/2010/main">
+              <a14:hiddenFill xmlns:a14="http://schemas.microsoft.com/office/drawing/2010/main" xmlns="">
                 <a:solidFill>
                   <a:srgbClr val="FFFFFF"/>
                 </a:solidFill>
               </a14:hiddenFill>
             </a:ext>
             <a:ext uri="{91240B29-F687-4f45-9708-019B960494DF}">
-              <a14:hiddenLine xmlns:a14="http://schemas.microsoft.com/office/drawing/2010/main" w="9525" cap="flat">
+              <a14:hiddenLine xmlns:a14="http://schemas.microsoft.com/office/drawing/2010/main" xmlns="" w="9525" cap="flat">
                 <a:solidFill>
                   <a:srgbClr val="000000"/>
                 </a:solidFill>
@@ -25947,7 +25977,7 @@
               </a14:hiddenLine>
             </a:ext>
             <a:ext uri="{AF507438-7753-43e0-B8FC-AC1667EBCBE1}">
-              <a14:hiddenEffects xmlns:a14="http://schemas.microsoft.com/office/drawing/2010/main">
+              <a14:hiddenEffects xmlns:a14="http://schemas.microsoft.com/office/drawing/2010/main" xmlns="">
                 <a:effectLst>
                   <a:outerShdw blurRad="63500" dist="38099" dir="2700000" algn="ctr" rotWithShape="0">
                     <a:srgbClr val="000000">
@@ -26183,7 +26213,7 @@
           <a:effectLst/>
           <a:extLst>
             <a:ext uri="{AF507438-7753-43e0-B8FC-AC1667EBCBE1}">
-              <a14:hiddenEffects xmlns:a14="http://schemas.microsoft.com/office/drawing/2010/main">
+              <a14:hiddenEffects xmlns:a14="http://schemas.microsoft.com/office/drawing/2010/main" xmlns="">
                 <a:effectLst>
                   <a:outerShdw blurRad="63500" dist="38099" dir="2700000" algn="ctr" rotWithShape="0">
                     <a:srgbClr val="000000">
@@ -26231,12 +26261,12 @@
           <a:effectLst/>
           <a:extLst>
             <a:ext uri="{909E8E84-426E-40dd-AFC4-6F175D3DCCD1}">
-              <a14:hiddenFill xmlns:a14="http://schemas.microsoft.com/office/drawing/2010/main">
+              <a14:hiddenFill xmlns:a14="http://schemas.microsoft.com/office/drawing/2010/main" xmlns="">
                 <a:noFill/>
               </a14:hiddenFill>
             </a:ext>
             <a:ext uri="{AF507438-7753-43e0-B8FC-AC1667EBCBE1}">
-              <a14:hiddenEffects xmlns:a14="http://schemas.microsoft.com/office/drawing/2010/main">
+              <a14:hiddenEffects xmlns:a14="http://schemas.microsoft.com/office/drawing/2010/main" xmlns="">
                 <a:effectLst>
                   <a:outerShdw blurRad="63500" dist="38099" dir="2700000" algn="ctr" rotWithShape="0">
                     <a:srgbClr val="000000">
@@ -26288,7 +26318,7 @@
           <a:effectLst/>
           <a:extLst>
             <a:ext uri="{AF507438-7753-43e0-B8FC-AC1667EBCBE1}">
-              <a14:hiddenEffects xmlns:a14="http://schemas.microsoft.com/office/drawing/2010/main">
+              <a14:hiddenEffects xmlns:a14="http://schemas.microsoft.com/office/drawing/2010/main" xmlns="">
                 <a:effectLst>
                   <a:outerShdw blurRad="63500" dist="38099" dir="2700000" algn="ctr" rotWithShape="0">
                     <a:srgbClr val="000000">
@@ -26336,12 +26366,12 @@
           <a:effectLst/>
           <a:extLst>
             <a:ext uri="{909E8E84-426E-40dd-AFC4-6F175D3DCCD1}">
-              <a14:hiddenFill xmlns:a14="http://schemas.microsoft.com/office/drawing/2010/main">
+              <a14:hiddenFill xmlns:a14="http://schemas.microsoft.com/office/drawing/2010/main" xmlns="">
                 <a:noFill/>
               </a14:hiddenFill>
             </a:ext>
             <a:ext uri="{AF507438-7753-43e0-B8FC-AC1667EBCBE1}">
-              <a14:hiddenEffects xmlns:a14="http://schemas.microsoft.com/office/drawing/2010/main">
+              <a14:hiddenEffects xmlns:a14="http://schemas.microsoft.com/office/drawing/2010/main" xmlns="">
                 <a:effectLst>
                   <a:outerShdw blurRad="63500" dist="38099" dir="2700000" algn="ctr" rotWithShape="0">
                     <a:srgbClr val="000000">
@@ -26393,7 +26423,7 @@
           <a:effectLst/>
           <a:extLst>
             <a:ext uri="{AF507438-7753-43e0-B8FC-AC1667EBCBE1}">
-              <a14:hiddenEffects xmlns:a14="http://schemas.microsoft.com/office/drawing/2010/main">
+              <a14:hiddenEffects xmlns:a14="http://schemas.microsoft.com/office/drawing/2010/main" xmlns="">
                 <a:effectLst>
                   <a:outerShdw blurRad="63500" dist="38099" dir="2700000" algn="ctr" rotWithShape="0">
                     <a:srgbClr val="000000">
@@ -26436,14 +26466,14 @@
           <a:effectLst/>
           <a:extLst>
             <a:ext uri="{909E8E84-426E-40dd-AFC4-6F175D3DCCD1}">
-              <a14:hiddenFill xmlns:a14="http://schemas.microsoft.com/office/drawing/2010/main">
+              <a14:hiddenFill xmlns:a14="http://schemas.microsoft.com/office/drawing/2010/main" xmlns="">
                 <a:solidFill>
                   <a:srgbClr val="FFFFFF"/>
                 </a:solidFill>
               </a14:hiddenFill>
             </a:ext>
             <a:ext uri="{91240B29-F687-4f45-9708-019B960494DF}">
-              <a14:hiddenLine xmlns:a14="http://schemas.microsoft.com/office/drawing/2010/main" w="9525" cap="flat">
+              <a14:hiddenLine xmlns:a14="http://schemas.microsoft.com/office/drawing/2010/main" xmlns="" w="9525" cap="flat">
                 <a:solidFill>
                   <a:srgbClr val="000000"/>
                 </a:solidFill>
@@ -26453,7 +26483,7 @@
               </a14:hiddenLine>
             </a:ext>
             <a:ext uri="{AF507438-7753-43e0-B8FC-AC1667EBCBE1}">
-              <a14:hiddenEffects xmlns:a14="http://schemas.microsoft.com/office/drawing/2010/main">
+              <a14:hiddenEffects xmlns:a14="http://schemas.microsoft.com/office/drawing/2010/main" xmlns="">
                 <a:effectLst>
                   <a:outerShdw blurRad="63500" dist="38099" dir="2700000" algn="ctr" rotWithShape="0">
                     <a:srgbClr val="000000">
@@ -26687,12 +26717,12 @@
           <a:effectLst/>
           <a:extLst>
             <a:ext uri="{909E8E84-426E-40dd-AFC4-6F175D3DCCD1}">
-              <a14:hiddenFill xmlns:a14="http://schemas.microsoft.com/office/drawing/2010/main">
+              <a14:hiddenFill xmlns:a14="http://schemas.microsoft.com/office/drawing/2010/main" xmlns="">
                 <a:noFill/>
               </a14:hiddenFill>
             </a:ext>
             <a:ext uri="{AF507438-7753-43e0-B8FC-AC1667EBCBE1}">
-              <a14:hiddenEffects xmlns:a14="http://schemas.microsoft.com/office/drawing/2010/main">
+              <a14:hiddenEffects xmlns:a14="http://schemas.microsoft.com/office/drawing/2010/main" xmlns="">
                 <a:effectLst>
                   <a:outerShdw blurRad="63500" dist="38099" dir="2700000" algn="ctr" rotWithShape="0">
                     <a:srgbClr val="000000">
@@ -26742,7 +26772,7 @@
           <a:effectLst/>
           <a:extLst>
             <a:ext uri="{AF507438-7753-43e0-B8FC-AC1667EBCBE1}">
-              <a14:hiddenEffects xmlns:a14="http://schemas.microsoft.com/office/drawing/2010/main">
+              <a14:hiddenEffects xmlns:a14="http://schemas.microsoft.com/office/drawing/2010/main" xmlns="">
                 <a:effectLst>
                   <a:outerShdw blurRad="63500" dist="38099" dir="2700000" algn="ctr" rotWithShape="0">
                     <a:srgbClr val="000000">
@@ -26792,7 +26822,7 @@
           <a:effectLst/>
           <a:extLst>
             <a:ext uri="{AF507438-7753-43e0-B8FC-AC1667EBCBE1}">
-              <a14:hiddenEffects xmlns:a14="http://schemas.microsoft.com/office/drawing/2010/main">
+              <a14:hiddenEffects xmlns:a14="http://schemas.microsoft.com/office/drawing/2010/main" xmlns="">
                 <a:effectLst>
                   <a:outerShdw blurRad="63500" dist="38099" dir="2700000" algn="ctr" rotWithShape="0">
                     <a:srgbClr val="000000">
@@ -26842,7 +26872,7 @@
           <a:effectLst/>
           <a:extLst>
             <a:ext uri="{AF507438-7753-43e0-B8FC-AC1667EBCBE1}">
-              <a14:hiddenEffects xmlns:a14="http://schemas.microsoft.com/office/drawing/2010/main">
+              <a14:hiddenEffects xmlns:a14="http://schemas.microsoft.com/office/drawing/2010/main" xmlns="">
                 <a:effectLst>
                   <a:outerShdw blurRad="63500" dist="38099" dir="2700000" algn="ctr" rotWithShape="0">
                     <a:srgbClr val="000000">
@@ -26885,14 +26915,14 @@
           <a:effectLst/>
           <a:extLst>
             <a:ext uri="{909E8E84-426E-40dd-AFC4-6F175D3DCCD1}">
-              <a14:hiddenFill xmlns:a14="http://schemas.microsoft.com/office/drawing/2010/main">
+              <a14:hiddenFill xmlns:a14="http://schemas.microsoft.com/office/drawing/2010/main" xmlns="">
                 <a:solidFill>
                   <a:srgbClr val="FFFFFF"/>
                 </a:solidFill>
               </a14:hiddenFill>
             </a:ext>
             <a:ext uri="{91240B29-F687-4f45-9708-019B960494DF}">
-              <a14:hiddenLine xmlns:a14="http://schemas.microsoft.com/office/drawing/2010/main" w="9525" cap="flat">
+              <a14:hiddenLine xmlns:a14="http://schemas.microsoft.com/office/drawing/2010/main" xmlns="" w="9525" cap="flat">
                 <a:solidFill>
                   <a:srgbClr val="000000"/>
                 </a:solidFill>
@@ -26902,7 +26932,7 @@
               </a14:hiddenLine>
             </a:ext>
             <a:ext uri="{AF507438-7753-43e0-B8FC-AC1667EBCBE1}">
-              <a14:hiddenEffects xmlns:a14="http://schemas.microsoft.com/office/drawing/2010/main">
+              <a14:hiddenEffects xmlns:a14="http://schemas.microsoft.com/office/drawing/2010/main" xmlns="">
                 <a:effectLst>
                   <a:outerShdw blurRad="63500" dist="38099" dir="2700000" algn="ctr" rotWithShape="0">
                     <a:srgbClr val="000000">
@@ -26952,14 +26982,14 @@
           <a:effectLst/>
           <a:extLst>
             <a:ext uri="{909E8E84-426E-40dd-AFC4-6F175D3DCCD1}">
-              <a14:hiddenFill xmlns:a14="http://schemas.microsoft.com/office/drawing/2010/main">
+              <a14:hiddenFill xmlns:a14="http://schemas.microsoft.com/office/drawing/2010/main" xmlns="">
                 <a:solidFill>
                   <a:srgbClr val="FFFFFF"/>
                 </a:solidFill>
               </a14:hiddenFill>
             </a:ext>
             <a:ext uri="{91240B29-F687-4f45-9708-019B960494DF}">
-              <a14:hiddenLine xmlns:a14="http://schemas.microsoft.com/office/drawing/2010/main" w="9525" cap="flat">
+              <a14:hiddenLine xmlns:a14="http://schemas.microsoft.com/office/drawing/2010/main" xmlns="" w="9525" cap="flat">
                 <a:solidFill>
                   <a:srgbClr val="000000"/>
                 </a:solidFill>
@@ -26969,7 +26999,7 @@
               </a14:hiddenLine>
             </a:ext>
             <a:ext uri="{AF507438-7753-43e0-B8FC-AC1667EBCBE1}">
-              <a14:hiddenEffects xmlns:a14="http://schemas.microsoft.com/office/drawing/2010/main">
+              <a14:hiddenEffects xmlns:a14="http://schemas.microsoft.com/office/drawing/2010/main" xmlns="">
                 <a:effectLst>
                   <a:outerShdw blurRad="63500" dist="38099" dir="2700000" algn="ctr" rotWithShape="0">
                     <a:srgbClr val="000000">
@@ -27026,7 +27056,7 @@
           <a:effectLst/>
           <a:extLst>
             <a:ext uri="{AF507438-7753-43e0-B8FC-AC1667EBCBE1}">
-              <a14:hiddenEffects xmlns:a14="http://schemas.microsoft.com/office/drawing/2010/main">
+              <a14:hiddenEffects xmlns:a14="http://schemas.microsoft.com/office/drawing/2010/main" xmlns="">
                 <a:effectLst>
                   <a:outerShdw blurRad="63500" dist="38099" dir="2700000" algn="ctr" rotWithShape="0">
                     <a:srgbClr val="000000">
@@ -27069,14 +27099,14 @@
           <a:effectLst/>
           <a:extLst>
             <a:ext uri="{909E8E84-426E-40dd-AFC4-6F175D3DCCD1}">
-              <a14:hiddenFill xmlns:a14="http://schemas.microsoft.com/office/drawing/2010/main">
+              <a14:hiddenFill xmlns:a14="http://schemas.microsoft.com/office/drawing/2010/main" xmlns="">
                 <a:solidFill>
                   <a:srgbClr val="FFFFFF"/>
                 </a:solidFill>
               </a14:hiddenFill>
             </a:ext>
             <a:ext uri="{91240B29-F687-4f45-9708-019B960494DF}">
-              <a14:hiddenLine xmlns:a14="http://schemas.microsoft.com/office/drawing/2010/main" w="9525" cap="flat">
+              <a14:hiddenLine xmlns:a14="http://schemas.microsoft.com/office/drawing/2010/main" xmlns="" w="9525" cap="flat">
                 <a:solidFill>
                   <a:srgbClr val="000000"/>
                 </a:solidFill>
@@ -27086,7 +27116,7 @@
               </a14:hiddenLine>
             </a:ext>
             <a:ext uri="{AF507438-7753-43e0-B8FC-AC1667EBCBE1}">
-              <a14:hiddenEffects xmlns:a14="http://schemas.microsoft.com/office/drawing/2010/main">
+              <a14:hiddenEffects xmlns:a14="http://schemas.microsoft.com/office/drawing/2010/main" xmlns="">
                 <a:effectLst>
                   <a:outerShdw blurRad="63500" dist="38099" dir="2700000" algn="ctr" rotWithShape="0">
                     <a:srgbClr val="000000">
@@ -27136,14 +27166,14 @@
           <a:effectLst/>
           <a:extLst>
             <a:ext uri="{909E8E84-426E-40dd-AFC4-6F175D3DCCD1}">
-              <a14:hiddenFill xmlns:a14="http://schemas.microsoft.com/office/drawing/2010/main">
+              <a14:hiddenFill xmlns:a14="http://schemas.microsoft.com/office/drawing/2010/main" xmlns="">
                 <a:solidFill>
                   <a:srgbClr val="FFFFFF"/>
                 </a:solidFill>
               </a14:hiddenFill>
             </a:ext>
             <a:ext uri="{91240B29-F687-4f45-9708-019B960494DF}">
-              <a14:hiddenLine xmlns:a14="http://schemas.microsoft.com/office/drawing/2010/main" w="9525" cap="flat">
+              <a14:hiddenLine xmlns:a14="http://schemas.microsoft.com/office/drawing/2010/main" xmlns="" w="9525" cap="flat">
                 <a:solidFill>
                   <a:srgbClr val="000000"/>
                 </a:solidFill>
@@ -27153,7 +27183,7 @@
               </a14:hiddenLine>
             </a:ext>
             <a:ext uri="{AF507438-7753-43e0-B8FC-AC1667EBCBE1}">
-              <a14:hiddenEffects xmlns:a14="http://schemas.microsoft.com/office/drawing/2010/main">
+              <a14:hiddenEffects xmlns:a14="http://schemas.microsoft.com/office/drawing/2010/main" xmlns="">
                 <a:effectLst>
                   <a:outerShdw blurRad="63500" dist="38099" dir="2700000" algn="ctr" rotWithShape="0">
                     <a:srgbClr val="000000">
@@ -27203,14 +27233,14 @@
           <a:effectLst/>
           <a:extLst>
             <a:ext uri="{909E8E84-426E-40dd-AFC4-6F175D3DCCD1}">
-              <a14:hiddenFill xmlns:a14="http://schemas.microsoft.com/office/drawing/2010/main">
+              <a14:hiddenFill xmlns:a14="http://schemas.microsoft.com/office/drawing/2010/main" xmlns="">
                 <a:solidFill>
                   <a:srgbClr val="FFFFFF"/>
                 </a:solidFill>
               </a14:hiddenFill>
             </a:ext>
             <a:ext uri="{91240B29-F687-4f45-9708-019B960494DF}">
-              <a14:hiddenLine xmlns:a14="http://schemas.microsoft.com/office/drawing/2010/main" w="9525" cap="flat">
+              <a14:hiddenLine xmlns:a14="http://schemas.microsoft.com/office/drawing/2010/main" xmlns="" w="9525" cap="flat">
                 <a:solidFill>
                   <a:srgbClr val="000000"/>
                 </a:solidFill>
@@ -27220,7 +27250,7 @@
               </a14:hiddenLine>
             </a:ext>
             <a:ext uri="{AF507438-7753-43e0-B8FC-AC1667EBCBE1}">
-              <a14:hiddenEffects xmlns:a14="http://schemas.microsoft.com/office/drawing/2010/main">
+              <a14:hiddenEffects xmlns:a14="http://schemas.microsoft.com/office/drawing/2010/main" xmlns="">
                 <a:effectLst>
                   <a:outerShdw blurRad="63500" dist="38099" dir="2700000" algn="ctr" rotWithShape="0">
                     <a:srgbClr val="000000">
@@ -27270,14 +27300,14 @@
           <a:effectLst/>
           <a:extLst>
             <a:ext uri="{909E8E84-426E-40dd-AFC4-6F175D3DCCD1}">
-              <a14:hiddenFill xmlns:a14="http://schemas.microsoft.com/office/drawing/2010/main">
+              <a14:hiddenFill xmlns:a14="http://schemas.microsoft.com/office/drawing/2010/main" xmlns="">
                 <a:solidFill>
                   <a:srgbClr val="FFFFFF"/>
                 </a:solidFill>
               </a14:hiddenFill>
             </a:ext>
             <a:ext uri="{91240B29-F687-4f45-9708-019B960494DF}">
-              <a14:hiddenLine xmlns:a14="http://schemas.microsoft.com/office/drawing/2010/main" w="9525" cap="flat">
+              <a14:hiddenLine xmlns:a14="http://schemas.microsoft.com/office/drawing/2010/main" xmlns="" w="9525" cap="flat">
                 <a:solidFill>
                   <a:srgbClr val="000000"/>
                 </a:solidFill>
@@ -27287,7 +27317,7 @@
               </a14:hiddenLine>
             </a:ext>
             <a:ext uri="{AF507438-7753-43e0-B8FC-AC1667EBCBE1}">
-              <a14:hiddenEffects xmlns:a14="http://schemas.microsoft.com/office/drawing/2010/main">
+              <a14:hiddenEffects xmlns:a14="http://schemas.microsoft.com/office/drawing/2010/main" xmlns="">
                 <a:effectLst>
                   <a:outerShdw blurRad="63500" dist="38099" dir="2700000" algn="ctr" rotWithShape="0">
                     <a:srgbClr val="000000">
@@ -27337,14 +27367,14 @@
           <a:effectLst/>
           <a:extLst>
             <a:ext uri="{909E8E84-426E-40dd-AFC4-6F175D3DCCD1}">
-              <a14:hiddenFill xmlns:a14="http://schemas.microsoft.com/office/drawing/2010/main">
+              <a14:hiddenFill xmlns:a14="http://schemas.microsoft.com/office/drawing/2010/main" xmlns="">
                 <a:solidFill>
                   <a:srgbClr val="FFFFFF"/>
                 </a:solidFill>
               </a14:hiddenFill>
             </a:ext>
             <a:ext uri="{91240B29-F687-4f45-9708-019B960494DF}">
-              <a14:hiddenLine xmlns:a14="http://schemas.microsoft.com/office/drawing/2010/main" w="9525" cap="flat">
+              <a14:hiddenLine xmlns:a14="http://schemas.microsoft.com/office/drawing/2010/main" xmlns="" w="9525" cap="flat">
                 <a:solidFill>
                   <a:srgbClr val="000000"/>
                 </a:solidFill>
@@ -27354,7 +27384,7 @@
               </a14:hiddenLine>
             </a:ext>
             <a:ext uri="{AF507438-7753-43e0-B8FC-AC1667EBCBE1}">
-              <a14:hiddenEffects xmlns:a14="http://schemas.microsoft.com/office/drawing/2010/main">
+              <a14:hiddenEffects xmlns:a14="http://schemas.microsoft.com/office/drawing/2010/main" xmlns="">
                 <a:effectLst>
                   <a:outerShdw blurRad="63500" dist="38099" dir="2700000" algn="ctr" rotWithShape="0">
                     <a:srgbClr val="000000">
@@ -27404,14 +27434,14 @@
           <a:effectLst/>
           <a:extLst>
             <a:ext uri="{909E8E84-426E-40dd-AFC4-6F175D3DCCD1}">
-              <a14:hiddenFill xmlns:a14="http://schemas.microsoft.com/office/drawing/2010/main">
+              <a14:hiddenFill xmlns:a14="http://schemas.microsoft.com/office/drawing/2010/main" xmlns="">
                 <a:solidFill>
                   <a:srgbClr val="FFFFFF"/>
                 </a:solidFill>
               </a14:hiddenFill>
             </a:ext>
             <a:ext uri="{91240B29-F687-4f45-9708-019B960494DF}">
-              <a14:hiddenLine xmlns:a14="http://schemas.microsoft.com/office/drawing/2010/main" w="9525" cap="flat">
+              <a14:hiddenLine xmlns:a14="http://schemas.microsoft.com/office/drawing/2010/main" xmlns="" w="9525" cap="flat">
                 <a:solidFill>
                   <a:srgbClr val="000000"/>
                 </a:solidFill>
@@ -27421,7 +27451,7 @@
               </a14:hiddenLine>
             </a:ext>
             <a:ext uri="{AF507438-7753-43e0-B8FC-AC1667EBCBE1}">
-              <a14:hiddenEffects xmlns:a14="http://schemas.microsoft.com/office/drawing/2010/main">
+              <a14:hiddenEffects xmlns:a14="http://schemas.microsoft.com/office/drawing/2010/main" xmlns="">
                 <a:effectLst>
                   <a:outerShdw blurRad="63500" dist="38099" dir="2700000" algn="ctr" rotWithShape="0">
                     <a:srgbClr val="000000">
@@ -27471,14 +27501,14 @@
           <a:effectLst/>
           <a:extLst>
             <a:ext uri="{909E8E84-426E-40dd-AFC4-6F175D3DCCD1}">
-              <a14:hiddenFill xmlns:a14="http://schemas.microsoft.com/office/drawing/2010/main">
+              <a14:hiddenFill xmlns:a14="http://schemas.microsoft.com/office/drawing/2010/main" xmlns="">
                 <a:solidFill>
                   <a:srgbClr val="FFFFFF"/>
                 </a:solidFill>
               </a14:hiddenFill>
             </a:ext>
             <a:ext uri="{91240B29-F687-4f45-9708-019B960494DF}">
-              <a14:hiddenLine xmlns:a14="http://schemas.microsoft.com/office/drawing/2010/main" w="9525" cap="flat">
+              <a14:hiddenLine xmlns:a14="http://schemas.microsoft.com/office/drawing/2010/main" xmlns="" w="9525" cap="flat">
                 <a:solidFill>
                   <a:srgbClr val="000000"/>
                 </a:solidFill>
@@ -27488,7 +27518,7 @@
               </a14:hiddenLine>
             </a:ext>
             <a:ext uri="{AF507438-7753-43e0-B8FC-AC1667EBCBE1}">
-              <a14:hiddenEffects xmlns:a14="http://schemas.microsoft.com/office/drawing/2010/main">
+              <a14:hiddenEffects xmlns:a14="http://schemas.microsoft.com/office/drawing/2010/main" xmlns="">
                 <a:effectLst>
                   <a:outerShdw blurRad="63500" dist="38099" dir="2700000" algn="ctr" rotWithShape="0">
                     <a:srgbClr val="000000">
@@ -27545,7 +27575,7 @@
           <a:effectLst/>
           <a:extLst>
             <a:ext uri="{AF507438-7753-43e0-B8FC-AC1667EBCBE1}">
-              <a14:hiddenEffects xmlns:a14="http://schemas.microsoft.com/office/drawing/2010/main">
+              <a14:hiddenEffects xmlns:a14="http://schemas.microsoft.com/office/drawing/2010/main" xmlns="">
                 <a:effectLst>
                   <a:outerShdw blurRad="63500" dist="38099" dir="2700000" algn="ctr" rotWithShape="0">
                     <a:srgbClr val="000000">
@@ -27588,14 +27618,14 @@
           <a:effectLst/>
           <a:extLst>
             <a:ext uri="{909E8E84-426E-40dd-AFC4-6F175D3DCCD1}">
-              <a14:hiddenFill xmlns:a14="http://schemas.microsoft.com/office/drawing/2010/main">
+              <a14:hiddenFill xmlns:a14="http://schemas.microsoft.com/office/drawing/2010/main" xmlns="">
                 <a:solidFill>
                   <a:srgbClr val="FFFFFF"/>
                 </a:solidFill>
               </a14:hiddenFill>
             </a:ext>
             <a:ext uri="{91240B29-F687-4f45-9708-019B960494DF}">
-              <a14:hiddenLine xmlns:a14="http://schemas.microsoft.com/office/drawing/2010/main" w="9525" cap="flat">
+              <a14:hiddenLine xmlns:a14="http://schemas.microsoft.com/office/drawing/2010/main" xmlns="" w="9525" cap="flat">
                 <a:solidFill>
                   <a:srgbClr val="000000"/>
                 </a:solidFill>
@@ -27605,7 +27635,7 @@
               </a14:hiddenLine>
             </a:ext>
             <a:ext uri="{AF507438-7753-43e0-B8FC-AC1667EBCBE1}">
-              <a14:hiddenEffects xmlns:a14="http://schemas.microsoft.com/office/drawing/2010/main">
+              <a14:hiddenEffects xmlns:a14="http://schemas.microsoft.com/office/drawing/2010/main" xmlns="">
                 <a:effectLst>
                   <a:outerShdw blurRad="63500" dist="38099" dir="2700000" algn="ctr" rotWithShape="0">
                     <a:srgbClr val="000000">
@@ -27662,7 +27692,7 @@
           <a:effectLst/>
           <a:extLst>
             <a:ext uri="{AF507438-7753-43e0-B8FC-AC1667EBCBE1}">
-              <a14:hiddenEffects xmlns:a14="http://schemas.microsoft.com/office/drawing/2010/main">
+              <a14:hiddenEffects xmlns:a14="http://schemas.microsoft.com/office/drawing/2010/main" xmlns="">
                 <a:effectLst>
                   <a:outerShdw blurRad="63500" dist="38099" dir="2700000" algn="ctr" rotWithShape="0">
                     <a:srgbClr val="000000">
@@ -27712,7 +27742,7 @@
           <a:effectLst/>
           <a:extLst>
             <a:ext uri="{AF507438-7753-43e0-B8FC-AC1667EBCBE1}">
-              <a14:hiddenEffects xmlns:a14="http://schemas.microsoft.com/office/drawing/2010/main">
+              <a14:hiddenEffects xmlns:a14="http://schemas.microsoft.com/office/drawing/2010/main" xmlns="">
                 <a:effectLst>
                   <a:outerShdw blurRad="63500" dist="38099" dir="2700000" algn="ctr" rotWithShape="0">
                     <a:srgbClr val="000000">
@@ -27755,14 +27785,14 @@
           <a:effectLst/>
           <a:extLst>
             <a:ext uri="{909E8E84-426E-40dd-AFC4-6F175D3DCCD1}">
-              <a14:hiddenFill xmlns:a14="http://schemas.microsoft.com/office/drawing/2010/main">
+              <a14:hiddenFill xmlns:a14="http://schemas.microsoft.com/office/drawing/2010/main" xmlns="">
                 <a:solidFill>
                   <a:srgbClr val="FFFFFF"/>
                 </a:solidFill>
               </a14:hiddenFill>
             </a:ext>
             <a:ext uri="{91240B29-F687-4f45-9708-019B960494DF}">
-              <a14:hiddenLine xmlns:a14="http://schemas.microsoft.com/office/drawing/2010/main" w="9525" cap="flat">
+              <a14:hiddenLine xmlns:a14="http://schemas.microsoft.com/office/drawing/2010/main" xmlns="" w="9525" cap="flat">
                 <a:solidFill>
                   <a:srgbClr val="000000"/>
                 </a:solidFill>
@@ -27772,7 +27802,7 @@
               </a14:hiddenLine>
             </a:ext>
             <a:ext uri="{AF507438-7753-43e0-B8FC-AC1667EBCBE1}">
-              <a14:hiddenEffects xmlns:a14="http://schemas.microsoft.com/office/drawing/2010/main">
+              <a14:hiddenEffects xmlns:a14="http://schemas.microsoft.com/office/drawing/2010/main" xmlns="">
                 <a:effectLst>
                   <a:outerShdw blurRad="63500" dist="38099" dir="2700000" algn="ctr" rotWithShape="0">
                     <a:srgbClr val="000000">
@@ -27829,7 +27859,7 @@
           <a:effectLst/>
           <a:extLst>
             <a:ext uri="{AF507438-7753-43e0-B8FC-AC1667EBCBE1}">
-              <a14:hiddenEffects xmlns:a14="http://schemas.microsoft.com/office/drawing/2010/main">
+              <a14:hiddenEffects xmlns:a14="http://schemas.microsoft.com/office/drawing/2010/main" xmlns="">
                 <a:effectLst>
                   <a:outerShdw blurRad="63500" dist="38099" dir="2700000" algn="ctr" rotWithShape="0">
                     <a:srgbClr val="000000">
@@ -27879,7 +27909,7 @@
           <a:effectLst/>
           <a:extLst>
             <a:ext uri="{AF507438-7753-43e0-B8FC-AC1667EBCBE1}">
-              <a14:hiddenEffects xmlns:a14="http://schemas.microsoft.com/office/drawing/2010/main">
+              <a14:hiddenEffects xmlns:a14="http://schemas.microsoft.com/office/drawing/2010/main" xmlns="">
                 <a:effectLst>
                   <a:outerShdw blurRad="63500" dist="38099" dir="2700000" algn="ctr" rotWithShape="0">
                     <a:srgbClr val="000000">
@@ -27922,14 +27952,14 @@
           <a:effectLst/>
           <a:extLst>
             <a:ext uri="{909E8E84-426E-40dd-AFC4-6F175D3DCCD1}">
-              <a14:hiddenFill xmlns:a14="http://schemas.microsoft.com/office/drawing/2010/main">
+              <a14:hiddenFill xmlns:a14="http://schemas.microsoft.com/office/drawing/2010/main" xmlns="">
                 <a:solidFill>
                   <a:srgbClr val="FFFFFF"/>
                 </a:solidFill>
               </a14:hiddenFill>
             </a:ext>
             <a:ext uri="{91240B29-F687-4f45-9708-019B960494DF}">
-              <a14:hiddenLine xmlns:a14="http://schemas.microsoft.com/office/drawing/2010/main" w="9525" cap="flat">
+              <a14:hiddenLine xmlns:a14="http://schemas.microsoft.com/office/drawing/2010/main" xmlns="" w="9525" cap="flat">
                 <a:solidFill>
                   <a:srgbClr val="000000"/>
                 </a:solidFill>
@@ -27939,7 +27969,7 @@
               </a14:hiddenLine>
             </a:ext>
             <a:ext uri="{AF507438-7753-43e0-B8FC-AC1667EBCBE1}">
-              <a14:hiddenEffects xmlns:a14="http://schemas.microsoft.com/office/drawing/2010/main">
+              <a14:hiddenEffects xmlns:a14="http://schemas.microsoft.com/office/drawing/2010/main" xmlns="">
                 <a:effectLst>
                   <a:outerShdw blurRad="63500" dist="38099" dir="2700000" algn="ctr" rotWithShape="0">
                     <a:srgbClr val="000000">
@@ -27996,7 +28026,7 @@
           <a:effectLst/>
           <a:extLst>
             <a:ext uri="{AF507438-7753-43e0-B8FC-AC1667EBCBE1}">
-              <a14:hiddenEffects xmlns:a14="http://schemas.microsoft.com/office/drawing/2010/main">
+              <a14:hiddenEffects xmlns:a14="http://schemas.microsoft.com/office/drawing/2010/main" xmlns="">
                 <a:effectLst>
                   <a:outerShdw blurRad="63500" dist="38099" dir="2700000" algn="ctr" rotWithShape="0">
                     <a:srgbClr val="000000">
@@ -28039,14 +28069,14 @@
           <a:effectLst/>
           <a:extLst>
             <a:ext uri="{909E8E84-426E-40dd-AFC4-6F175D3DCCD1}">
-              <a14:hiddenFill xmlns:a14="http://schemas.microsoft.com/office/drawing/2010/main">
+              <a14:hiddenFill xmlns:a14="http://schemas.microsoft.com/office/drawing/2010/main" xmlns="">
                 <a:solidFill>
                   <a:srgbClr val="FFFFFF"/>
                 </a:solidFill>
               </a14:hiddenFill>
             </a:ext>
             <a:ext uri="{91240B29-F687-4f45-9708-019B960494DF}">
-              <a14:hiddenLine xmlns:a14="http://schemas.microsoft.com/office/drawing/2010/main" w="9525" cap="flat">
+              <a14:hiddenLine xmlns:a14="http://schemas.microsoft.com/office/drawing/2010/main" xmlns="" w="9525" cap="flat">
                 <a:solidFill>
                   <a:srgbClr val="000000"/>
                 </a:solidFill>
@@ -28056,7 +28086,7 @@
               </a14:hiddenLine>
             </a:ext>
             <a:ext uri="{AF507438-7753-43e0-B8FC-AC1667EBCBE1}">
-              <a14:hiddenEffects xmlns:a14="http://schemas.microsoft.com/office/drawing/2010/main">
+              <a14:hiddenEffects xmlns:a14="http://schemas.microsoft.com/office/drawing/2010/main" xmlns="">
                 <a:effectLst>
                   <a:outerShdw blurRad="63500" dist="38099" dir="2700000" algn="ctr" rotWithShape="0">
                     <a:srgbClr val="000000">
@@ -28276,14 +28306,14 @@
           <a:effectLst/>
           <a:extLst>
             <a:ext uri="{909E8E84-426E-40dd-AFC4-6F175D3DCCD1}">
-              <a14:hiddenFill xmlns:a14="http://schemas.microsoft.com/office/drawing/2010/main">
+              <a14:hiddenFill xmlns:a14="http://schemas.microsoft.com/office/drawing/2010/main" xmlns="">
                 <a:solidFill>
                   <a:srgbClr val="FFFFFF"/>
                 </a:solidFill>
               </a14:hiddenFill>
             </a:ext>
             <a:ext uri="{91240B29-F687-4f45-9708-019B960494DF}">
-              <a14:hiddenLine xmlns:a14="http://schemas.microsoft.com/office/drawing/2010/main" w="9525" cap="flat">
+              <a14:hiddenLine xmlns:a14="http://schemas.microsoft.com/office/drawing/2010/main" xmlns="" w="9525" cap="flat">
                 <a:solidFill>
                   <a:srgbClr val="000000"/>
                 </a:solidFill>
@@ -28293,7 +28323,7 @@
               </a14:hiddenLine>
             </a:ext>
             <a:ext uri="{AF507438-7753-43e0-B8FC-AC1667EBCBE1}">
-              <a14:hiddenEffects xmlns:a14="http://schemas.microsoft.com/office/drawing/2010/main">
+              <a14:hiddenEffects xmlns:a14="http://schemas.microsoft.com/office/drawing/2010/main" xmlns="">
                 <a:effectLst>
                   <a:outerShdw blurRad="63500" dist="38099" dir="2700000" algn="ctr" rotWithShape="0">
                     <a:srgbClr val="000000">
@@ -28531,14 +28561,14 @@
           <a:effectLst/>
           <a:extLst>
             <a:ext uri="{909E8E84-426E-40dd-AFC4-6F175D3DCCD1}">
-              <a14:hiddenFill xmlns:a14="http://schemas.microsoft.com/office/drawing/2010/main">
+              <a14:hiddenFill xmlns:a14="http://schemas.microsoft.com/office/drawing/2010/main" xmlns="">
                 <a:solidFill>
                   <a:srgbClr val="FFFFFF"/>
                 </a:solidFill>
               </a14:hiddenFill>
             </a:ext>
             <a:ext uri="{91240B29-F687-4f45-9708-019B960494DF}">
-              <a14:hiddenLine xmlns:a14="http://schemas.microsoft.com/office/drawing/2010/main" w="9525" cap="flat">
+              <a14:hiddenLine xmlns:a14="http://schemas.microsoft.com/office/drawing/2010/main" xmlns="" w="9525" cap="flat">
                 <a:solidFill>
                   <a:srgbClr val="808080"/>
                 </a:solidFill>
@@ -28548,7 +28578,7 @@
               </a14:hiddenLine>
             </a:ext>
             <a:ext uri="{AF507438-7753-43e0-B8FC-AC1667EBCBE1}">
-              <a14:hiddenEffects xmlns:a14="http://schemas.microsoft.com/office/drawing/2010/main">
+              <a14:hiddenEffects xmlns:a14="http://schemas.microsoft.com/office/drawing/2010/main" xmlns="">
                 <a:effectLst>
                   <a:outerShdw blurRad="63500" dist="38099" dir="2700000" algn="ctr" rotWithShape="0">
                     <a:srgbClr val="000000">
@@ -28789,7 +28819,7 @@
           <a:effectLst/>
           <a:extLst>
             <a:ext uri="{AF507438-7753-43e0-B8FC-AC1667EBCBE1}">
-              <a14:hiddenEffects xmlns:a14="http://schemas.microsoft.com/office/drawing/2010/main">
+              <a14:hiddenEffects xmlns:a14="http://schemas.microsoft.com/office/drawing/2010/main" xmlns="">
                 <a:effectLst>
                   <a:outerShdw blurRad="63500" dist="38099" dir="2700000" algn="ctr" rotWithShape="0">
                     <a:srgbClr val="000000">
@@ -28839,7 +28869,7 @@
           <a:effectLst/>
           <a:extLst>
             <a:ext uri="{AF507438-7753-43e0-B8FC-AC1667EBCBE1}">
-              <a14:hiddenEffects xmlns:a14="http://schemas.microsoft.com/office/drawing/2010/main">
+              <a14:hiddenEffects xmlns:a14="http://schemas.microsoft.com/office/drawing/2010/main" xmlns="">
                 <a:effectLst>
                   <a:outerShdw blurRad="63500" dist="38099" dir="2700000" algn="ctr" rotWithShape="0">
                     <a:srgbClr val="000000">
@@ -28889,7 +28919,7 @@
           <a:effectLst/>
           <a:extLst>
             <a:ext uri="{AF507438-7753-43e0-B8FC-AC1667EBCBE1}">
-              <a14:hiddenEffects xmlns:a14="http://schemas.microsoft.com/office/drawing/2010/main">
+              <a14:hiddenEffects xmlns:a14="http://schemas.microsoft.com/office/drawing/2010/main" xmlns="">
                 <a:effectLst>
                   <a:outerShdw blurRad="63500" dist="38099" dir="2700000" algn="ctr" rotWithShape="0">
                     <a:srgbClr val="000000">
@@ -28939,7 +28969,7 @@
           <a:effectLst/>
           <a:extLst>
             <a:ext uri="{AF507438-7753-43e0-B8FC-AC1667EBCBE1}">
-              <a14:hiddenEffects xmlns:a14="http://schemas.microsoft.com/office/drawing/2010/main">
+              <a14:hiddenEffects xmlns:a14="http://schemas.microsoft.com/office/drawing/2010/main" xmlns="">
                 <a:effectLst>
                   <a:outerShdw blurRad="63500" dist="38099" dir="2700000" algn="ctr" rotWithShape="0">
                     <a:srgbClr val="000000">
@@ -28982,14 +29012,14 @@
           <a:effectLst/>
           <a:extLst>
             <a:ext uri="{909E8E84-426E-40dd-AFC4-6F175D3DCCD1}">
-              <a14:hiddenFill xmlns:a14="http://schemas.microsoft.com/office/drawing/2010/main">
+              <a14:hiddenFill xmlns:a14="http://schemas.microsoft.com/office/drawing/2010/main" xmlns="">
                 <a:solidFill>
                   <a:srgbClr val="FFFFFF"/>
                 </a:solidFill>
               </a14:hiddenFill>
             </a:ext>
             <a:ext uri="{91240B29-F687-4f45-9708-019B960494DF}">
-              <a14:hiddenLine xmlns:a14="http://schemas.microsoft.com/office/drawing/2010/main" w="9525" cap="flat">
+              <a14:hiddenLine xmlns:a14="http://schemas.microsoft.com/office/drawing/2010/main" xmlns="" w="9525" cap="flat">
                 <a:solidFill>
                   <a:srgbClr val="000000"/>
                 </a:solidFill>
@@ -28999,7 +29029,7 @@
               </a14:hiddenLine>
             </a:ext>
             <a:ext uri="{AF507438-7753-43e0-B8FC-AC1667EBCBE1}">
-              <a14:hiddenEffects xmlns:a14="http://schemas.microsoft.com/office/drawing/2010/main">
+              <a14:hiddenEffects xmlns:a14="http://schemas.microsoft.com/office/drawing/2010/main" xmlns="">
                 <a:effectLst>
                   <a:outerShdw blurRad="63500" dist="38099" dir="2700000" algn="ctr" rotWithShape="0">
                     <a:srgbClr val="000000">
@@ -29049,14 +29079,14 @@
           <a:effectLst/>
           <a:extLst>
             <a:ext uri="{909E8E84-426E-40dd-AFC4-6F175D3DCCD1}">
-              <a14:hiddenFill xmlns:a14="http://schemas.microsoft.com/office/drawing/2010/main">
+              <a14:hiddenFill xmlns:a14="http://schemas.microsoft.com/office/drawing/2010/main" xmlns="">
                 <a:solidFill>
                   <a:srgbClr val="FFFFFF"/>
                 </a:solidFill>
               </a14:hiddenFill>
             </a:ext>
             <a:ext uri="{91240B29-F687-4f45-9708-019B960494DF}">
-              <a14:hiddenLine xmlns:a14="http://schemas.microsoft.com/office/drawing/2010/main" w="9525" cap="flat">
+              <a14:hiddenLine xmlns:a14="http://schemas.microsoft.com/office/drawing/2010/main" xmlns="" w="9525" cap="flat">
                 <a:solidFill>
                   <a:srgbClr val="000000"/>
                 </a:solidFill>
@@ -29066,7 +29096,7 @@
               </a14:hiddenLine>
             </a:ext>
             <a:ext uri="{AF507438-7753-43e0-B8FC-AC1667EBCBE1}">
-              <a14:hiddenEffects xmlns:a14="http://schemas.microsoft.com/office/drawing/2010/main">
+              <a14:hiddenEffects xmlns:a14="http://schemas.microsoft.com/office/drawing/2010/main" xmlns="">
                 <a:effectLst>
                   <a:outerShdw blurRad="63500" dist="38099" dir="2700000" algn="ctr" rotWithShape="0">
                     <a:srgbClr val="000000">
@@ -29116,14 +29146,14 @@
           <a:effectLst/>
           <a:extLst>
             <a:ext uri="{909E8E84-426E-40dd-AFC4-6F175D3DCCD1}">
-              <a14:hiddenFill xmlns:a14="http://schemas.microsoft.com/office/drawing/2010/main">
+              <a14:hiddenFill xmlns:a14="http://schemas.microsoft.com/office/drawing/2010/main" xmlns="">
                 <a:solidFill>
                   <a:srgbClr val="FFFFFF"/>
                 </a:solidFill>
               </a14:hiddenFill>
             </a:ext>
             <a:ext uri="{91240B29-F687-4f45-9708-019B960494DF}">
-              <a14:hiddenLine xmlns:a14="http://schemas.microsoft.com/office/drawing/2010/main" w="9525" cap="flat">
+              <a14:hiddenLine xmlns:a14="http://schemas.microsoft.com/office/drawing/2010/main" xmlns="" w="9525" cap="flat">
                 <a:solidFill>
                   <a:srgbClr val="000000"/>
                 </a:solidFill>
@@ -29133,7 +29163,7 @@
               </a14:hiddenLine>
             </a:ext>
             <a:ext uri="{AF507438-7753-43e0-B8FC-AC1667EBCBE1}">
-              <a14:hiddenEffects xmlns:a14="http://schemas.microsoft.com/office/drawing/2010/main">
+              <a14:hiddenEffects xmlns:a14="http://schemas.microsoft.com/office/drawing/2010/main" xmlns="">
                 <a:effectLst>
                   <a:outerShdw blurRad="63500" dist="38099" dir="2700000" algn="ctr" rotWithShape="0">
                     <a:srgbClr val="000000">
@@ -29183,14 +29213,14 @@
           <a:effectLst/>
           <a:extLst>
             <a:ext uri="{909E8E84-426E-40dd-AFC4-6F175D3DCCD1}">
-              <a14:hiddenFill xmlns:a14="http://schemas.microsoft.com/office/drawing/2010/main">
+              <a14:hiddenFill xmlns:a14="http://schemas.microsoft.com/office/drawing/2010/main" xmlns="">
                 <a:solidFill>
                   <a:srgbClr val="FFFFFF"/>
                 </a:solidFill>
               </a14:hiddenFill>
             </a:ext>
             <a:ext uri="{91240B29-F687-4f45-9708-019B960494DF}">
-              <a14:hiddenLine xmlns:a14="http://schemas.microsoft.com/office/drawing/2010/main" w="9525" cap="flat">
+              <a14:hiddenLine xmlns:a14="http://schemas.microsoft.com/office/drawing/2010/main" xmlns="" w="9525" cap="flat">
                 <a:solidFill>
                   <a:srgbClr val="000000"/>
                 </a:solidFill>
@@ -29200,7 +29230,7 @@
               </a14:hiddenLine>
             </a:ext>
             <a:ext uri="{AF507438-7753-43e0-B8FC-AC1667EBCBE1}">
-              <a14:hiddenEffects xmlns:a14="http://schemas.microsoft.com/office/drawing/2010/main">
+              <a14:hiddenEffects xmlns:a14="http://schemas.microsoft.com/office/drawing/2010/main" xmlns="">
                 <a:effectLst>
                   <a:outerShdw blurRad="63500" dist="38099" dir="2700000" algn="ctr" rotWithShape="0">
                     <a:srgbClr val="000000">
@@ -29250,14 +29280,14 @@
           <a:effectLst/>
           <a:extLst>
             <a:ext uri="{909E8E84-426E-40dd-AFC4-6F175D3DCCD1}">
-              <a14:hiddenFill xmlns:a14="http://schemas.microsoft.com/office/drawing/2010/main">
+              <a14:hiddenFill xmlns:a14="http://schemas.microsoft.com/office/drawing/2010/main" xmlns="">
                 <a:solidFill>
                   <a:srgbClr val="FFFFFF"/>
                 </a:solidFill>
               </a14:hiddenFill>
             </a:ext>
             <a:ext uri="{91240B29-F687-4f45-9708-019B960494DF}">
-              <a14:hiddenLine xmlns:a14="http://schemas.microsoft.com/office/drawing/2010/main" w="9525" cap="flat">
+              <a14:hiddenLine xmlns:a14="http://schemas.microsoft.com/office/drawing/2010/main" xmlns="" w="9525" cap="flat">
                 <a:solidFill>
                   <a:srgbClr val="000000"/>
                 </a:solidFill>
@@ -29267,7 +29297,7 @@
               </a14:hiddenLine>
             </a:ext>
             <a:ext uri="{AF507438-7753-43e0-B8FC-AC1667EBCBE1}">
-              <a14:hiddenEffects xmlns:a14="http://schemas.microsoft.com/office/drawing/2010/main">
+              <a14:hiddenEffects xmlns:a14="http://schemas.microsoft.com/office/drawing/2010/main" xmlns="">
                 <a:effectLst>
                   <a:outerShdw blurRad="63500" dist="38099" dir="2700000" algn="ctr" rotWithShape="0">
                     <a:srgbClr val="000000">
@@ -29317,14 +29347,14 @@
           <a:effectLst/>
           <a:extLst>
             <a:ext uri="{909E8E84-426E-40dd-AFC4-6F175D3DCCD1}">
-              <a14:hiddenFill xmlns:a14="http://schemas.microsoft.com/office/drawing/2010/main">
+              <a14:hiddenFill xmlns:a14="http://schemas.microsoft.com/office/drawing/2010/main" xmlns="">
                 <a:solidFill>
                   <a:srgbClr val="FFFFFF"/>
                 </a:solidFill>
               </a14:hiddenFill>
             </a:ext>
             <a:ext uri="{91240B29-F687-4f45-9708-019B960494DF}">
-              <a14:hiddenLine xmlns:a14="http://schemas.microsoft.com/office/drawing/2010/main" w="9525" cap="flat">
+              <a14:hiddenLine xmlns:a14="http://schemas.microsoft.com/office/drawing/2010/main" xmlns="" w="9525" cap="flat">
                 <a:solidFill>
                   <a:srgbClr val="000000"/>
                 </a:solidFill>
@@ -29334,7 +29364,7 @@
               </a14:hiddenLine>
             </a:ext>
             <a:ext uri="{AF507438-7753-43e0-B8FC-AC1667EBCBE1}">
-              <a14:hiddenEffects xmlns:a14="http://schemas.microsoft.com/office/drawing/2010/main">
+              <a14:hiddenEffects xmlns:a14="http://schemas.microsoft.com/office/drawing/2010/main" xmlns="">
                 <a:effectLst>
                   <a:outerShdw blurRad="63500" dist="38099" dir="2700000" algn="ctr" rotWithShape="0">
                     <a:srgbClr val="000000">
@@ -29554,14 +29584,14 @@
           <a:effectLst/>
           <a:extLst>
             <a:ext uri="{909E8E84-426E-40dd-AFC4-6F175D3DCCD1}">
-              <a14:hiddenFill xmlns:a14="http://schemas.microsoft.com/office/drawing/2010/main">
+              <a14:hiddenFill xmlns:a14="http://schemas.microsoft.com/office/drawing/2010/main" xmlns="">
                 <a:solidFill>
                   <a:srgbClr val="FFFFFF"/>
                 </a:solidFill>
               </a14:hiddenFill>
             </a:ext>
             <a:ext uri="{91240B29-F687-4f45-9708-019B960494DF}">
-              <a14:hiddenLine xmlns:a14="http://schemas.microsoft.com/office/drawing/2010/main" w="9525" cap="flat">
+              <a14:hiddenLine xmlns:a14="http://schemas.microsoft.com/office/drawing/2010/main" xmlns="" w="9525" cap="flat">
                 <a:solidFill>
                   <a:srgbClr val="000000"/>
                 </a:solidFill>
@@ -29571,7 +29601,7 @@
               </a14:hiddenLine>
             </a:ext>
             <a:ext uri="{AF507438-7753-43e0-B8FC-AC1667EBCBE1}">
-              <a14:hiddenEffects xmlns:a14="http://schemas.microsoft.com/office/drawing/2010/main">
+              <a14:hiddenEffects xmlns:a14="http://schemas.microsoft.com/office/drawing/2010/main" xmlns="">
                 <a:effectLst>
                   <a:outerShdw blurRad="63500" dist="38099" dir="2700000" algn="ctr" rotWithShape="0">
                     <a:srgbClr val="000000">
@@ -29621,14 +29651,14 @@
           <a:effectLst/>
           <a:extLst>
             <a:ext uri="{909E8E84-426E-40dd-AFC4-6F175D3DCCD1}">
-              <a14:hiddenFill xmlns:a14="http://schemas.microsoft.com/office/drawing/2010/main">
+              <a14:hiddenFill xmlns:a14="http://schemas.microsoft.com/office/drawing/2010/main" xmlns="">
                 <a:solidFill>
                   <a:srgbClr val="FFFFFF"/>
                 </a:solidFill>
               </a14:hiddenFill>
             </a:ext>
             <a:ext uri="{91240B29-F687-4f45-9708-019B960494DF}">
-              <a14:hiddenLine xmlns:a14="http://schemas.microsoft.com/office/drawing/2010/main" w="9525" cap="flat">
+              <a14:hiddenLine xmlns:a14="http://schemas.microsoft.com/office/drawing/2010/main" xmlns="" w="9525" cap="flat">
                 <a:solidFill>
                   <a:srgbClr val="000000"/>
                 </a:solidFill>
@@ -29638,7 +29668,7 @@
               </a14:hiddenLine>
             </a:ext>
             <a:ext uri="{AF507438-7753-43e0-B8FC-AC1667EBCBE1}">
-              <a14:hiddenEffects xmlns:a14="http://schemas.microsoft.com/office/drawing/2010/main">
+              <a14:hiddenEffects xmlns:a14="http://schemas.microsoft.com/office/drawing/2010/main" xmlns="">
                 <a:effectLst>
                   <a:outerShdw blurRad="63500" dist="38099" dir="2700000" algn="ctr" rotWithShape="0">
                     <a:srgbClr val="000000">
@@ -29688,14 +29718,14 @@
           <a:effectLst/>
           <a:extLst>
             <a:ext uri="{909E8E84-426E-40dd-AFC4-6F175D3DCCD1}">
-              <a14:hiddenFill xmlns:a14="http://schemas.microsoft.com/office/drawing/2010/main">
+              <a14:hiddenFill xmlns:a14="http://schemas.microsoft.com/office/drawing/2010/main" xmlns="">
                 <a:solidFill>
                   <a:srgbClr val="FFFFFF"/>
                 </a:solidFill>
               </a14:hiddenFill>
             </a:ext>
             <a:ext uri="{91240B29-F687-4f45-9708-019B960494DF}">
-              <a14:hiddenLine xmlns:a14="http://schemas.microsoft.com/office/drawing/2010/main" w="9525" cap="flat">
+              <a14:hiddenLine xmlns:a14="http://schemas.microsoft.com/office/drawing/2010/main" xmlns="" w="9525" cap="flat">
                 <a:solidFill>
                   <a:srgbClr val="000000"/>
                 </a:solidFill>
@@ -29705,7 +29735,7 @@
               </a14:hiddenLine>
             </a:ext>
             <a:ext uri="{AF507438-7753-43e0-B8FC-AC1667EBCBE1}">
-              <a14:hiddenEffects xmlns:a14="http://schemas.microsoft.com/office/drawing/2010/main">
+              <a14:hiddenEffects xmlns:a14="http://schemas.microsoft.com/office/drawing/2010/main" xmlns="">
                 <a:effectLst>
                   <a:outerShdw blurRad="63500" dist="38099" dir="2700000" algn="ctr" rotWithShape="0">
                     <a:srgbClr val="000000">
@@ -29755,14 +29785,14 @@
           <a:effectLst/>
           <a:extLst>
             <a:ext uri="{909E8E84-426E-40dd-AFC4-6F175D3DCCD1}">
-              <a14:hiddenFill xmlns:a14="http://schemas.microsoft.com/office/drawing/2010/main">
+              <a14:hiddenFill xmlns:a14="http://schemas.microsoft.com/office/drawing/2010/main" xmlns="">
                 <a:solidFill>
                   <a:srgbClr val="FFFFFF"/>
                 </a:solidFill>
               </a14:hiddenFill>
             </a:ext>
             <a:ext uri="{91240B29-F687-4f45-9708-019B960494DF}">
-              <a14:hiddenLine xmlns:a14="http://schemas.microsoft.com/office/drawing/2010/main" w="9525" cap="flat">
+              <a14:hiddenLine xmlns:a14="http://schemas.microsoft.com/office/drawing/2010/main" xmlns="" w="9525" cap="flat">
                 <a:solidFill>
                   <a:srgbClr val="000000"/>
                 </a:solidFill>
@@ -29772,7 +29802,7 @@
               </a14:hiddenLine>
             </a:ext>
             <a:ext uri="{AF507438-7753-43e0-B8FC-AC1667EBCBE1}">
-              <a14:hiddenEffects xmlns:a14="http://schemas.microsoft.com/office/drawing/2010/main">
+              <a14:hiddenEffects xmlns:a14="http://schemas.microsoft.com/office/drawing/2010/main" xmlns="">
                 <a:effectLst>
                   <a:outerShdw blurRad="63500" dist="38099" dir="2700000" algn="ctr" rotWithShape="0">
                     <a:srgbClr val="000000">
@@ -29822,14 +29852,14 @@
           <a:effectLst/>
           <a:extLst>
             <a:ext uri="{909E8E84-426E-40dd-AFC4-6F175D3DCCD1}">
-              <a14:hiddenFill xmlns:a14="http://schemas.microsoft.com/office/drawing/2010/main">
+              <a14:hiddenFill xmlns:a14="http://schemas.microsoft.com/office/drawing/2010/main" xmlns="">
                 <a:solidFill>
                   <a:srgbClr val="FFFFFF"/>
                 </a:solidFill>
               </a14:hiddenFill>
             </a:ext>
             <a:ext uri="{91240B29-F687-4f45-9708-019B960494DF}">
-              <a14:hiddenLine xmlns:a14="http://schemas.microsoft.com/office/drawing/2010/main" w="9525" cap="flat">
+              <a14:hiddenLine xmlns:a14="http://schemas.microsoft.com/office/drawing/2010/main" xmlns="" w="9525" cap="flat">
                 <a:solidFill>
                   <a:srgbClr val="000000"/>
                 </a:solidFill>
@@ -29839,7 +29869,7 @@
               </a14:hiddenLine>
             </a:ext>
             <a:ext uri="{AF507438-7753-43e0-B8FC-AC1667EBCBE1}">
-              <a14:hiddenEffects xmlns:a14="http://schemas.microsoft.com/office/drawing/2010/main">
+              <a14:hiddenEffects xmlns:a14="http://schemas.microsoft.com/office/drawing/2010/main" xmlns="">
                 <a:effectLst>
                   <a:outerShdw blurRad="63500" dist="38099" dir="2700000" algn="ctr" rotWithShape="0">
                     <a:srgbClr val="000000">
@@ -29889,14 +29919,14 @@
           <a:effectLst/>
           <a:extLst>
             <a:ext uri="{909E8E84-426E-40dd-AFC4-6F175D3DCCD1}">
-              <a14:hiddenFill xmlns:a14="http://schemas.microsoft.com/office/drawing/2010/main">
+              <a14:hiddenFill xmlns:a14="http://schemas.microsoft.com/office/drawing/2010/main" xmlns="">
                 <a:solidFill>
                   <a:srgbClr val="FFFFFF"/>
                 </a:solidFill>
               </a14:hiddenFill>
             </a:ext>
             <a:ext uri="{91240B29-F687-4f45-9708-019B960494DF}">
-              <a14:hiddenLine xmlns:a14="http://schemas.microsoft.com/office/drawing/2010/main" w="9525" cap="flat">
+              <a14:hiddenLine xmlns:a14="http://schemas.microsoft.com/office/drawing/2010/main" xmlns="" w="9525" cap="flat">
                 <a:solidFill>
                   <a:srgbClr val="FF6600"/>
                 </a:solidFill>
@@ -29906,7 +29936,7 @@
               </a14:hiddenLine>
             </a:ext>
             <a:ext uri="{AF507438-7753-43e0-B8FC-AC1667EBCBE1}">
-              <a14:hiddenEffects xmlns:a14="http://schemas.microsoft.com/office/drawing/2010/main">
+              <a14:hiddenEffects xmlns:a14="http://schemas.microsoft.com/office/drawing/2010/main" xmlns="">
                 <a:effectLst>
                   <a:outerShdw blurRad="63500" dist="38099" dir="2700000" algn="ctr" rotWithShape="0">
                     <a:srgbClr val="000000">
@@ -29956,14 +29986,14 @@
           <a:effectLst/>
           <a:extLst>
             <a:ext uri="{909E8E84-426E-40dd-AFC4-6F175D3DCCD1}">
-              <a14:hiddenFill xmlns:a14="http://schemas.microsoft.com/office/drawing/2010/main">
+              <a14:hiddenFill xmlns:a14="http://schemas.microsoft.com/office/drawing/2010/main" xmlns="">
                 <a:solidFill>
                   <a:srgbClr val="FFFFFF"/>
                 </a:solidFill>
               </a14:hiddenFill>
             </a:ext>
             <a:ext uri="{91240B29-F687-4f45-9708-019B960494DF}">
-              <a14:hiddenLine xmlns:a14="http://schemas.microsoft.com/office/drawing/2010/main" w="9525" cap="flat">
+              <a14:hiddenLine xmlns:a14="http://schemas.microsoft.com/office/drawing/2010/main" xmlns="" w="9525" cap="flat">
                 <a:solidFill>
                   <a:srgbClr val="FF6600"/>
                 </a:solidFill>
@@ -29973,7 +30003,7 @@
               </a14:hiddenLine>
             </a:ext>
             <a:ext uri="{AF507438-7753-43e0-B8FC-AC1667EBCBE1}">
-              <a14:hiddenEffects xmlns:a14="http://schemas.microsoft.com/office/drawing/2010/main">
+              <a14:hiddenEffects xmlns:a14="http://schemas.microsoft.com/office/drawing/2010/main" xmlns="">
                 <a:effectLst>
                   <a:outerShdw blurRad="63500" dist="38099" dir="2700000" algn="ctr" rotWithShape="0">
                     <a:srgbClr val="000000">
@@ -30023,14 +30053,14 @@
           <a:effectLst/>
           <a:extLst>
             <a:ext uri="{909E8E84-426E-40dd-AFC4-6F175D3DCCD1}">
-              <a14:hiddenFill xmlns:a14="http://schemas.microsoft.com/office/drawing/2010/main">
+              <a14:hiddenFill xmlns:a14="http://schemas.microsoft.com/office/drawing/2010/main" xmlns="">
                 <a:solidFill>
                   <a:srgbClr val="FFFFFF"/>
                 </a:solidFill>
               </a14:hiddenFill>
             </a:ext>
             <a:ext uri="{91240B29-F687-4f45-9708-019B960494DF}">
-              <a14:hiddenLine xmlns:a14="http://schemas.microsoft.com/office/drawing/2010/main" w="9525" cap="flat">
+              <a14:hiddenLine xmlns:a14="http://schemas.microsoft.com/office/drawing/2010/main" xmlns="" w="9525" cap="flat">
                 <a:solidFill>
                   <a:srgbClr val="FF6600"/>
                 </a:solidFill>
@@ -30040,7 +30070,7 @@
               </a14:hiddenLine>
             </a:ext>
             <a:ext uri="{AF507438-7753-43e0-B8FC-AC1667EBCBE1}">
-              <a14:hiddenEffects xmlns:a14="http://schemas.microsoft.com/office/drawing/2010/main">
+              <a14:hiddenEffects xmlns:a14="http://schemas.microsoft.com/office/drawing/2010/main" xmlns="">
                 <a:effectLst>
                   <a:outerShdw blurRad="63500" dist="38099" dir="2700000" algn="ctr" rotWithShape="0">
                     <a:srgbClr val="000000">
@@ -30090,14 +30120,14 @@
           <a:effectLst/>
           <a:extLst>
             <a:ext uri="{909E8E84-426E-40dd-AFC4-6F175D3DCCD1}">
-              <a14:hiddenFill xmlns:a14="http://schemas.microsoft.com/office/drawing/2010/main">
+              <a14:hiddenFill xmlns:a14="http://schemas.microsoft.com/office/drawing/2010/main" xmlns="">
                 <a:solidFill>
                   <a:srgbClr val="FFFFFF"/>
                 </a:solidFill>
               </a14:hiddenFill>
             </a:ext>
             <a:ext uri="{91240B29-F687-4f45-9708-019B960494DF}">
-              <a14:hiddenLine xmlns:a14="http://schemas.microsoft.com/office/drawing/2010/main" w="9525" cap="flat">
+              <a14:hiddenLine xmlns:a14="http://schemas.microsoft.com/office/drawing/2010/main" xmlns="" w="9525" cap="flat">
                 <a:solidFill>
                   <a:srgbClr val="FF6600"/>
                 </a:solidFill>
@@ -30107,7 +30137,7 @@
               </a14:hiddenLine>
             </a:ext>
             <a:ext uri="{AF507438-7753-43e0-B8FC-AC1667EBCBE1}">
-              <a14:hiddenEffects xmlns:a14="http://schemas.microsoft.com/office/drawing/2010/main">
+              <a14:hiddenEffects xmlns:a14="http://schemas.microsoft.com/office/drawing/2010/main" xmlns="">
                 <a:effectLst>
                   <a:outerShdw blurRad="63500" dist="38099" dir="2700000" algn="ctr" rotWithShape="0">
                     <a:srgbClr val="000000">
@@ -30157,14 +30187,14 @@
           <a:effectLst/>
           <a:extLst>
             <a:ext uri="{909E8E84-426E-40dd-AFC4-6F175D3DCCD1}">
-              <a14:hiddenFill xmlns:a14="http://schemas.microsoft.com/office/drawing/2010/main">
+              <a14:hiddenFill xmlns:a14="http://schemas.microsoft.com/office/drawing/2010/main" xmlns="">
                 <a:solidFill>
                   <a:srgbClr val="FFFFFF"/>
                 </a:solidFill>
               </a14:hiddenFill>
             </a:ext>
             <a:ext uri="{91240B29-F687-4f45-9708-019B960494DF}">
-              <a14:hiddenLine xmlns:a14="http://schemas.microsoft.com/office/drawing/2010/main" w="9525" cap="flat">
+              <a14:hiddenLine xmlns:a14="http://schemas.microsoft.com/office/drawing/2010/main" xmlns="" w="9525" cap="flat">
                 <a:solidFill>
                   <a:srgbClr val="000000"/>
                 </a:solidFill>
@@ -30174,7 +30204,7 @@
               </a14:hiddenLine>
             </a:ext>
             <a:ext uri="{AF507438-7753-43e0-B8FC-AC1667EBCBE1}">
-              <a14:hiddenEffects xmlns:a14="http://schemas.microsoft.com/office/drawing/2010/main">
+              <a14:hiddenEffects xmlns:a14="http://schemas.microsoft.com/office/drawing/2010/main" xmlns="">
                 <a:effectLst>
                   <a:outerShdw blurRad="63500" dist="38099" dir="2700000" algn="ctr" rotWithShape="0">
                     <a:srgbClr val="000000">
@@ -30376,11 +30406,11 @@
   <p:clrMapOvr>
     <a:masterClrMapping/>
   </p:clrMapOvr>
-  <p:transition xmlns:p14="http://schemas.microsoft.com/office/powerpoint/2010/main" spd="med"/>
+  <p:transition spd="med"/>
   <p:timing>
     <p:tnLst>
       <p:par>
-        <p:cTn xmlns:p14="http://schemas.microsoft.com/office/powerpoint/2010/main" id="1" dur="indefinite" restart="never" nodeType="tmRoot">
+        <p:cTn id="1" dur="indefinite" restart="never" nodeType="tmRoot">
           <p:childTnLst>
             <p:seq concurrent="1" nextAc="seek">
               <p:cTn id="2" dur="0" nodeType="mainSeq"/>
@@ -30447,14 +30477,14 @@
           <a:effectLst/>
           <a:extLst>
             <a:ext uri="{909E8E84-426E-40dd-AFC4-6F175D3DCCD1}">
-              <a14:hiddenFill xmlns:a14="http://schemas.microsoft.com/office/drawing/2010/main">
+              <a14:hiddenFill xmlns:a14="http://schemas.microsoft.com/office/drawing/2010/main" xmlns="">
                 <a:solidFill>
                   <a:srgbClr val="FFFFFF"/>
                 </a:solidFill>
               </a14:hiddenFill>
             </a:ext>
             <a:ext uri="{91240B29-F687-4f45-9708-019B960494DF}">
-              <a14:hiddenLine xmlns:a14="http://schemas.microsoft.com/office/drawing/2010/main" w="9525" cap="flat">
+              <a14:hiddenLine xmlns:a14="http://schemas.microsoft.com/office/drawing/2010/main" xmlns="" w="9525" cap="flat">
                 <a:solidFill>
                   <a:srgbClr val="000000"/>
                 </a:solidFill>
@@ -30464,7 +30494,7 @@
               </a14:hiddenLine>
             </a:ext>
             <a:ext uri="{AF507438-7753-43e0-B8FC-AC1667EBCBE1}">
-              <a14:hiddenEffects xmlns:a14="http://schemas.microsoft.com/office/drawing/2010/main">
+              <a14:hiddenEffects xmlns:a14="http://schemas.microsoft.com/office/drawing/2010/main" xmlns="">
                 <a:effectLst>
                   <a:outerShdw blurRad="63500" dist="38099" dir="2700000" algn="ctr" rotWithShape="0">
                     <a:srgbClr val="000000">
@@ -30688,741 +30718,756 @@
           </a:p>
         </p:txBody>
       </p:sp>
-      <p:pic>
-        <p:nvPicPr>
-          <p:cNvPr id="5122" name="Picture 2"/>
-          <p:cNvPicPr>
-            <a:picLocks noChangeAspect="1" noChangeArrowheads="1"/>
-          </p:cNvPicPr>
+      <p:grpSp>
+        <p:nvGrpSpPr>
+          <p:cNvPr id="2" name="Grouper 1"/>
+          <p:cNvGrpSpPr/>
           <p:nvPr/>
-        </p:nvPicPr>
-        <p:blipFill>
-          <a:blip r:embed="rId3">
+        </p:nvGrpSpPr>
+        <p:grpSpPr>
+          <a:xfrm>
+            <a:off x="131763" y="119063"/>
+            <a:ext cx="4310062" cy="2262187"/>
+            <a:chOff x="131763" y="119063"/>
+            <a:chExt cx="4310062" cy="2262187"/>
+          </a:xfrm>
+        </p:grpSpPr>
+        <p:pic>
+          <p:nvPicPr>
+            <p:cNvPr id="5122" name="Picture 2"/>
+            <p:cNvPicPr>
+              <a:picLocks noChangeAspect="1" noChangeArrowheads="1"/>
+            </p:cNvPicPr>
+            <p:nvPr/>
+          </p:nvPicPr>
+          <p:blipFill>
+            <a:blip r:embed="rId3">
+              <a:extLst>
+                <a:ext uri="{28A0092B-C50C-407E-A947-70E740481C1C}">
+                  <a14:useLocalDpi xmlns:a14="http://schemas.microsoft.com/office/drawing/2010/main" val="0"/>
+                </a:ext>
+              </a:extLst>
+            </a:blip>
+            <a:srcRect/>
+            <a:stretch>
+              <a:fillRect/>
+            </a:stretch>
+          </p:blipFill>
+          <p:spPr bwMode="auto">
+            <a:xfrm>
+              <a:off x="203200" y="261938"/>
+              <a:ext cx="4238625" cy="2119312"/>
+            </a:xfrm>
+            <a:prstGeom prst="rect">
+              <a:avLst/>
+            </a:prstGeom>
+            <a:noFill/>
+            <a:ln>
+              <a:noFill/>
+            </a:ln>
+            <a:effectLst/>
             <a:extLst>
-              <a:ext uri="{28A0092B-C50C-407E-A947-70E740481C1C}">
-                <a14:useLocalDpi xmlns:a14="http://schemas.microsoft.com/office/drawing/2010/main" val="0"/>
+              <a:ext uri="{909E8E84-426E-40dd-AFC4-6F175D3DCCD1}">
+                <a14:hiddenFill xmlns:a14="http://schemas.microsoft.com/office/drawing/2010/main" xmlns="">
+                  <a:blipFill dpi="0" rotWithShape="0">
+                    <a:blip/>
+                    <a:srcRect/>
+                    <a:stretch>
+                      <a:fillRect/>
+                    </a:stretch>
+                  </a:blipFill>
+                </a14:hiddenFill>
+              </a:ext>
+              <a:ext uri="{91240B29-F687-4f45-9708-019B960494DF}">
+                <a14:hiddenLine xmlns:a14="http://schemas.microsoft.com/office/drawing/2010/main" xmlns="" w="9525" cap="flat">
+                  <a:solidFill>
+                    <a:srgbClr val="808080"/>
+                  </a:solidFill>
+                  <a:round/>
+                  <a:headEnd/>
+                  <a:tailEnd/>
+                </a14:hiddenLine>
+              </a:ext>
+              <a:ext uri="{AF507438-7753-43e0-B8FC-AC1667EBCBE1}">
+                <a14:hiddenEffects xmlns:a14="http://schemas.microsoft.com/office/drawing/2010/main" xmlns="">
+                  <a:effectLst>
+                    <a:outerShdw blurRad="63500" dist="38099" dir="2700000" algn="ctr" rotWithShape="0">
+                      <a:srgbClr val="000000">
+                        <a:alpha val="74998"/>
+                      </a:srgbClr>
+                    </a:outerShdw>
+                  </a:effectLst>
+                </a14:hiddenEffects>
               </a:ext>
             </a:extLst>
-          </a:blip>
-          <a:srcRect/>
-          <a:stretch>
-            <a:fillRect/>
-          </a:stretch>
-        </p:blipFill>
-        <p:spPr bwMode="auto">
-          <a:xfrm>
-            <a:off x="203200" y="261938"/>
-            <a:ext cx="4238625" cy="2119312"/>
-          </a:xfrm>
-          <a:prstGeom prst="rect">
-            <a:avLst/>
-          </a:prstGeom>
-          <a:noFill/>
-          <a:ln>
+          </p:spPr>
+        </p:pic>
+        <p:pic>
+          <p:nvPicPr>
+            <p:cNvPr id="5123" name="Picture 3"/>
+            <p:cNvPicPr>
+              <a:picLocks noChangeAspect="1" noChangeArrowheads="1"/>
+            </p:cNvPicPr>
+            <p:nvPr/>
+          </p:nvPicPr>
+          <p:blipFill>
+            <a:blip r:embed="rId4">
+              <a:extLst>
+                <a:ext uri="{28A0092B-C50C-407E-A947-70E740481C1C}">
+                  <a14:useLocalDpi xmlns:a14="http://schemas.microsoft.com/office/drawing/2010/main" val="0"/>
+                </a:ext>
+              </a:extLst>
+            </a:blip>
+            <a:srcRect/>
+            <a:stretch>
+              <a:fillRect/>
+            </a:stretch>
+          </p:blipFill>
+          <p:spPr bwMode="auto">
+            <a:xfrm>
+              <a:off x="273050" y="1203325"/>
+              <a:ext cx="1106488" cy="1106488"/>
+            </a:xfrm>
+            <a:prstGeom prst="rect">
+              <a:avLst/>
+            </a:prstGeom>
             <a:noFill/>
-          </a:ln>
-          <a:effectLst/>
-          <a:extLst>
-            <a:ext uri="{909E8E84-426E-40dd-AFC4-6F175D3DCCD1}">
-              <a14:hiddenFill xmlns:a14="http://schemas.microsoft.com/office/drawing/2010/main">
-                <a:blipFill dpi="0" rotWithShape="0">
-                  <a:blip/>
-                  <a:srcRect/>
-                  <a:stretch>
-                    <a:fillRect/>
-                  </a:stretch>
-                </a:blipFill>
-              </a14:hiddenFill>
-            </a:ext>
-            <a:ext uri="{91240B29-F687-4f45-9708-019B960494DF}">
-              <a14:hiddenLine xmlns:a14="http://schemas.microsoft.com/office/drawing/2010/main" w="9525" cap="flat">
-                <a:solidFill>
-                  <a:srgbClr val="808080"/>
-                </a:solidFill>
-                <a:round/>
-                <a:headEnd/>
-                <a:tailEnd/>
-              </a14:hiddenLine>
-            </a:ext>
-            <a:ext uri="{AF507438-7753-43e0-B8FC-AC1667EBCBE1}">
-              <a14:hiddenEffects xmlns:a14="http://schemas.microsoft.com/office/drawing/2010/main">
-                <a:effectLst>
-                  <a:outerShdw blurRad="63500" dist="38099" dir="2700000" algn="ctr" rotWithShape="0">
-                    <a:srgbClr val="000000">
-                      <a:alpha val="74998"/>
-                    </a:srgbClr>
-                  </a:outerShdw>
-                </a:effectLst>
-              </a14:hiddenEffects>
-            </a:ext>
-          </a:extLst>
-        </p:spPr>
-      </p:pic>
-      <p:pic>
-        <p:nvPicPr>
-          <p:cNvPr id="5123" name="Picture 3"/>
-          <p:cNvPicPr>
-            <a:picLocks noChangeAspect="1" noChangeArrowheads="1"/>
-          </p:cNvPicPr>
-          <p:nvPr/>
-        </p:nvPicPr>
-        <p:blipFill>
-          <a:blip r:embed="rId4">
+            <a:ln>
+              <a:noFill/>
+            </a:ln>
+            <a:effectLst/>
             <a:extLst>
-              <a:ext uri="{28A0092B-C50C-407E-A947-70E740481C1C}">
-                <a14:useLocalDpi xmlns:a14="http://schemas.microsoft.com/office/drawing/2010/main" val="0"/>
+              <a:ext uri="{909E8E84-426E-40dd-AFC4-6F175D3DCCD1}">
+                <a14:hiddenFill xmlns:a14="http://schemas.microsoft.com/office/drawing/2010/main" xmlns="">
+                  <a:blipFill dpi="0" rotWithShape="0">
+                    <a:blip/>
+                    <a:srcRect/>
+                    <a:stretch>
+                      <a:fillRect/>
+                    </a:stretch>
+                  </a:blipFill>
+                </a14:hiddenFill>
+              </a:ext>
+              <a:ext uri="{91240B29-F687-4f45-9708-019B960494DF}">
+                <a14:hiddenLine xmlns:a14="http://schemas.microsoft.com/office/drawing/2010/main" xmlns="" w="9525" cap="flat">
+                  <a:solidFill>
+                    <a:srgbClr val="808080"/>
+                  </a:solidFill>
+                  <a:round/>
+                  <a:headEnd/>
+                  <a:tailEnd/>
+                </a14:hiddenLine>
+              </a:ext>
+              <a:ext uri="{AF507438-7753-43e0-B8FC-AC1667EBCBE1}">
+                <a14:hiddenEffects xmlns:a14="http://schemas.microsoft.com/office/drawing/2010/main" xmlns="">
+                  <a:effectLst>
+                    <a:outerShdw blurRad="63500" dist="38099" dir="2700000" algn="ctr" rotWithShape="0">
+                      <a:srgbClr val="000000">
+                        <a:alpha val="74998"/>
+                      </a:srgbClr>
+                    </a:outerShdw>
+                  </a:effectLst>
+                </a14:hiddenEffects>
               </a:ext>
             </a:extLst>
-          </a:blip>
-          <a:srcRect/>
-          <a:stretch>
-            <a:fillRect/>
-          </a:stretch>
-        </p:blipFill>
-        <p:spPr bwMode="auto">
-          <a:xfrm>
-            <a:off x="273050" y="1203325"/>
-            <a:ext cx="1106488" cy="1106488"/>
-          </a:xfrm>
-          <a:prstGeom prst="rect">
-            <a:avLst/>
-          </a:prstGeom>
-          <a:noFill/>
-          <a:ln>
+          </p:spPr>
+        </p:pic>
+        <p:sp>
+          <p:nvSpPr>
+            <p:cNvPr id="5124" name="Text Box 4"/>
+            <p:cNvSpPr txBox="1">
+              <a:spLocks noChangeArrowheads="1"/>
+            </p:cNvSpPr>
+            <p:nvPr/>
+          </p:nvSpPr>
+          <p:spPr bwMode="auto">
+            <a:xfrm>
+              <a:off x="131763" y="119063"/>
+              <a:ext cx="1366837" cy="912812"/>
+            </a:xfrm>
+            <a:prstGeom prst="rect">
+              <a:avLst/>
+            </a:prstGeom>
             <a:noFill/>
-          </a:ln>
-          <a:effectLst/>
-          <a:extLst>
-            <a:ext uri="{909E8E84-426E-40dd-AFC4-6F175D3DCCD1}">
-              <a14:hiddenFill xmlns:a14="http://schemas.microsoft.com/office/drawing/2010/main">
-                <a:blipFill dpi="0" rotWithShape="0">
-                  <a:blip/>
-                  <a:srcRect/>
-                  <a:stretch>
-                    <a:fillRect/>
-                  </a:stretch>
-                </a:blipFill>
-              </a14:hiddenFill>
-            </a:ext>
-            <a:ext uri="{91240B29-F687-4f45-9708-019B960494DF}">
-              <a14:hiddenLine xmlns:a14="http://schemas.microsoft.com/office/drawing/2010/main" w="9525" cap="flat">
-                <a:solidFill>
-                  <a:srgbClr val="808080"/>
-                </a:solidFill>
-                <a:round/>
-                <a:headEnd/>
-                <a:tailEnd/>
-              </a14:hiddenLine>
-            </a:ext>
-            <a:ext uri="{AF507438-7753-43e0-B8FC-AC1667EBCBE1}">
-              <a14:hiddenEffects xmlns:a14="http://schemas.microsoft.com/office/drawing/2010/main">
-                <a:effectLst>
-                  <a:outerShdw blurRad="63500" dist="38099" dir="2700000" algn="ctr" rotWithShape="0">
-                    <a:srgbClr val="000000">
-                      <a:alpha val="74998"/>
-                    </a:srgbClr>
-                  </a:outerShdw>
-                </a:effectLst>
-              </a14:hiddenEffects>
-            </a:ext>
-          </a:extLst>
-        </p:spPr>
-      </p:pic>
-      <p:sp>
-        <p:nvSpPr>
-          <p:cNvPr id="5124" name="Text Box 4"/>
-          <p:cNvSpPr txBox="1">
-            <a:spLocks noChangeArrowheads="1"/>
-          </p:cNvSpPr>
-          <p:nvPr/>
-        </p:nvSpPr>
-        <p:spPr bwMode="auto">
-          <a:xfrm>
-            <a:off x="131763" y="119063"/>
-            <a:ext cx="1366837" cy="912812"/>
-          </a:xfrm>
-          <a:prstGeom prst="rect">
-            <a:avLst/>
-          </a:prstGeom>
-          <a:noFill/>
-          <a:ln>
-            <a:noFill/>
-          </a:ln>
-          <a:effectLst/>
-          <a:extLst>
-            <a:ext uri="{909E8E84-426E-40dd-AFC4-6F175D3DCCD1}">
-              <a14:hiddenFill xmlns:a14="http://schemas.microsoft.com/office/drawing/2010/main">
-                <a:solidFill>
-                  <a:srgbClr val="FFFFFF"/>
-                </a:solidFill>
-              </a14:hiddenFill>
-            </a:ext>
-            <a:ext uri="{91240B29-F687-4f45-9708-019B960494DF}">
-              <a14:hiddenLine xmlns:a14="http://schemas.microsoft.com/office/drawing/2010/main" w="9525" cap="flat">
-                <a:solidFill>
-                  <a:srgbClr val="000000"/>
-                </a:solidFill>
-                <a:round/>
-                <a:headEnd/>
-                <a:tailEnd/>
-              </a14:hiddenLine>
-            </a:ext>
-            <a:ext uri="{AF507438-7753-43e0-B8FC-AC1667EBCBE1}">
-              <a14:hiddenEffects xmlns:a14="http://schemas.microsoft.com/office/drawing/2010/main">
-                <a:effectLst>
-                  <a:outerShdw blurRad="63500" dist="38099" dir="2700000" algn="ctr" rotWithShape="0">
-                    <a:srgbClr val="000000">
-                      <a:alpha val="74998"/>
-                    </a:srgbClr>
-                  </a:outerShdw>
-                </a:effectLst>
-              </a14:hiddenEffects>
-            </a:ext>
-          </a:extLst>
-        </p:spPr>
-        <p:txBody>
-          <a:bodyPr wrap="none" lIns="90000" tIns="45000" rIns="90000" bIns="45000"/>
-          <a:lstStyle>
-            <a:lvl1pPr>
-              <a:tabLst>
-                <a:tab pos="449263" algn="l"/>
-                <a:tab pos="898525" algn="l"/>
-                <a:tab pos="1347788" algn="l"/>
-              </a:tabLst>
-              <a:defRPr>
-                <a:solidFill>
-                  <a:srgbClr val="000000"/>
-                </a:solidFill>
-                <a:latin typeface="Arial" charset="0"/>
-                <a:ea typeface="ＭＳ Ｐゴシック" charset="0"/>
-                <a:cs typeface="Microsoft YaHei" charset="0"/>
-              </a:defRPr>
-            </a:lvl1pPr>
-            <a:lvl2pPr>
-              <a:tabLst>
-                <a:tab pos="449263" algn="l"/>
-                <a:tab pos="898525" algn="l"/>
-                <a:tab pos="1347788" algn="l"/>
-              </a:tabLst>
-              <a:defRPr>
-                <a:solidFill>
-                  <a:srgbClr val="000000"/>
-                </a:solidFill>
-                <a:latin typeface="Arial" charset="0"/>
-                <a:ea typeface="ＭＳ Ｐゴシック" charset="0"/>
-                <a:cs typeface="Microsoft YaHei" charset="0"/>
-              </a:defRPr>
-            </a:lvl2pPr>
-            <a:lvl3pPr>
-              <a:tabLst>
-                <a:tab pos="449263" algn="l"/>
-                <a:tab pos="898525" algn="l"/>
-                <a:tab pos="1347788" algn="l"/>
-              </a:tabLst>
-              <a:defRPr>
-                <a:solidFill>
-                  <a:srgbClr val="000000"/>
-                </a:solidFill>
-                <a:latin typeface="Arial" charset="0"/>
-                <a:ea typeface="ＭＳ Ｐゴシック" charset="0"/>
-                <a:cs typeface="Microsoft YaHei" charset="0"/>
-              </a:defRPr>
-            </a:lvl3pPr>
-            <a:lvl4pPr>
-              <a:tabLst>
-                <a:tab pos="449263" algn="l"/>
-                <a:tab pos="898525" algn="l"/>
-                <a:tab pos="1347788" algn="l"/>
-              </a:tabLst>
-              <a:defRPr>
-                <a:solidFill>
-                  <a:srgbClr val="000000"/>
-                </a:solidFill>
-                <a:latin typeface="Arial" charset="0"/>
-                <a:ea typeface="ＭＳ Ｐゴシック" charset="0"/>
-                <a:cs typeface="Microsoft YaHei" charset="0"/>
-              </a:defRPr>
-            </a:lvl4pPr>
-            <a:lvl5pPr>
-              <a:tabLst>
-                <a:tab pos="449263" algn="l"/>
-                <a:tab pos="898525" algn="l"/>
-                <a:tab pos="1347788" algn="l"/>
-              </a:tabLst>
-              <a:defRPr>
-                <a:solidFill>
-                  <a:srgbClr val="000000"/>
-                </a:solidFill>
-                <a:latin typeface="Arial" charset="0"/>
-                <a:ea typeface="ＭＳ Ｐゴシック" charset="0"/>
-                <a:cs typeface="Microsoft YaHei" charset="0"/>
-              </a:defRPr>
-            </a:lvl5pPr>
-            <a:lvl6pPr marL="2514600" indent="-228600" defTabSz="449263" fontAlgn="base" hangingPunct="0">
-              <a:lnSpc>
-                <a:spcPct val="93000"/>
-              </a:lnSpc>
-              <a:spcBef>
-                <a:spcPct val="0"/>
-              </a:spcBef>
-              <a:spcAft>
-                <a:spcPct val="0"/>
-              </a:spcAft>
-              <a:buClr>
-                <a:srgbClr val="000000"/>
-              </a:buClr>
-              <a:buSzPct val="100000"/>
-              <a:buFont typeface="Times New Roman" charset="0"/>
-              <a:tabLst>
-                <a:tab pos="449263" algn="l"/>
-                <a:tab pos="898525" algn="l"/>
-                <a:tab pos="1347788" algn="l"/>
-              </a:tabLst>
-              <a:defRPr>
-                <a:solidFill>
-                  <a:srgbClr val="000000"/>
-                </a:solidFill>
-                <a:latin typeface="Arial" charset="0"/>
-                <a:ea typeface="ＭＳ Ｐゴシック" charset="0"/>
-                <a:cs typeface="Microsoft YaHei" charset="0"/>
-              </a:defRPr>
-            </a:lvl6pPr>
-            <a:lvl7pPr marL="2971800" indent="-228600" defTabSz="449263" fontAlgn="base" hangingPunct="0">
-              <a:lnSpc>
-                <a:spcPct val="93000"/>
-              </a:lnSpc>
-              <a:spcBef>
-                <a:spcPct val="0"/>
-              </a:spcBef>
-              <a:spcAft>
-                <a:spcPct val="0"/>
-              </a:spcAft>
-              <a:buClr>
-                <a:srgbClr val="000000"/>
-              </a:buClr>
-              <a:buSzPct val="100000"/>
-              <a:buFont typeface="Times New Roman" charset="0"/>
-              <a:tabLst>
-                <a:tab pos="449263" algn="l"/>
-                <a:tab pos="898525" algn="l"/>
-                <a:tab pos="1347788" algn="l"/>
-              </a:tabLst>
-              <a:defRPr>
-                <a:solidFill>
-                  <a:srgbClr val="000000"/>
-                </a:solidFill>
-                <a:latin typeface="Arial" charset="0"/>
-                <a:ea typeface="ＭＳ Ｐゴシック" charset="0"/>
-                <a:cs typeface="Microsoft YaHei" charset="0"/>
-              </a:defRPr>
-            </a:lvl7pPr>
-            <a:lvl8pPr marL="3429000" indent="-228600" defTabSz="449263" fontAlgn="base" hangingPunct="0">
-              <a:lnSpc>
-                <a:spcPct val="93000"/>
-              </a:lnSpc>
-              <a:spcBef>
-                <a:spcPct val="0"/>
-              </a:spcBef>
-              <a:spcAft>
-                <a:spcPct val="0"/>
-              </a:spcAft>
-              <a:buClr>
-                <a:srgbClr val="000000"/>
-              </a:buClr>
-              <a:buSzPct val="100000"/>
-              <a:buFont typeface="Times New Roman" charset="0"/>
-              <a:tabLst>
-                <a:tab pos="449263" algn="l"/>
-                <a:tab pos="898525" algn="l"/>
-                <a:tab pos="1347788" algn="l"/>
-              </a:tabLst>
-              <a:defRPr>
-                <a:solidFill>
-                  <a:srgbClr val="000000"/>
-                </a:solidFill>
-                <a:latin typeface="Arial" charset="0"/>
-                <a:ea typeface="ＭＳ Ｐゴシック" charset="0"/>
-                <a:cs typeface="Microsoft YaHei" charset="0"/>
-              </a:defRPr>
-            </a:lvl8pPr>
-            <a:lvl9pPr marL="3886200" indent="-228600" defTabSz="449263" fontAlgn="base" hangingPunct="0">
-              <a:lnSpc>
-                <a:spcPct val="93000"/>
-              </a:lnSpc>
-              <a:spcBef>
-                <a:spcPct val="0"/>
-              </a:spcBef>
-              <a:spcAft>
-                <a:spcPct val="0"/>
-              </a:spcAft>
-              <a:buClr>
-                <a:srgbClr val="000000"/>
-              </a:buClr>
-              <a:buSzPct val="100000"/>
-              <a:buFont typeface="Times New Roman" charset="0"/>
-              <a:tabLst>
-                <a:tab pos="449263" algn="l"/>
-                <a:tab pos="898525" algn="l"/>
-                <a:tab pos="1347788" algn="l"/>
-              </a:tabLst>
-              <a:defRPr>
-                <a:solidFill>
-                  <a:srgbClr val="000000"/>
-                </a:solidFill>
-                <a:latin typeface="Arial" charset="0"/>
-                <a:ea typeface="ＭＳ Ｐゴシック" charset="0"/>
-                <a:cs typeface="Microsoft YaHei" charset="0"/>
-              </a:defRPr>
-            </a:lvl9pPr>
-          </a:lstStyle>
-          <a:p>
-            <a:pPr>
-              <a:lnSpc>
-                <a:spcPct val="111000"/>
-              </a:lnSpc>
-            </a:pPr>
-            <a:r>
-              <a:rPr lang="fr-FR" sz="3600" b="1" i="1" dirty="0" smtClean="0">
+            <a:ln>
+              <a:noFill/>
+            </a:ln>
+            <a:effectLst/>
+            <a:extLst>
+              <a:ext uri="{909E8E84-426E-40dd-AFC4-6F175D3DCCD1}">
+                <a14:hiddenFill xmlns:a14="http://schemas.microsoft.com/office/drawing/2010/main" xmlns="">
+                  <a:solidFill>
+                    <a:srgbClr val="FFFFFF"/>
+                  </a:solidFill>
+                </a14:hiddenFill>
+              </a:ext>
+              <a:ext uri="{91240B29-F687-4f45-9708-019B960494DF}">
+                <a14:hiddenLine xmlns:a14="http://schemas.microsoft.com/office/drawing/2010/main" xmlns="" w="9525" cap="flat">
+                  <a:solidFill>
+                    <a:srgbClr val="000000"/>
+                  </a:solidFill>
+                  <a:round/>
+                  <a:headEnd/>
+                  <a:tailEnd/>
+                </a14:hiddenLine>
+              </a:ext>
+              <a:ext uri="{AF507438-7753-43e0-B8FC-AC1667EBCBE1}">
+                <a14:hiddenEffects xmlns:a14="http://schemas.microsoft.com/office/drawing/2010/main" xmlns="">
+                  <a:effectLst>
+                    <a:outerShdw blurRad="63500" dist="38099" dir="2700000" algn="ctr" rotWithShape="0">
+                      <a:srgbClr val="000000">
+                        <a:alpha val="74998"/>
+                      </a:srgbClr>
+                    </a:outerShdw>
+                  </a:effectLst>
+                </a14:hiddenEffects>
+              </a:ext>
+            </a:extLst>
+          </p:spPr>
+          <p:txBody>
+            <a:bodyPr wrap="none" lIns="90000" tIns="45000" rIns="90000" bIns="45000"/>
+            <a:lstStyle>
+              <a:lvl1pPr>
+                <a:tabLst>
+                  <a:tab pos="449263" algn="l"/>
+                  <a:tab pos="898525" algn="l"/>
+                  <a:tab pos="1347788" algn="l"/>
+                </a:tabLst>
+                <a:defRPr>
+                  <a:solidFill>
+                    <a:srgbClr val="000000"/>
+                  </a:solidFill>
+                  <a:latin typeface="Arial" charset="0"/>
+                  <a:ea typeface="ＭＳ Ｐゴシック" charset="0"/>
+                  <a:cs typeface="Microsoft YaHei" charset="0"/>
+                </a:defRPr>
+              </a:lvl1pPr>
+              <a:lvl2pPr>
+                <a:tabLst>
+                  <a:tab pos="449263" algn="l"/>
+                  <a:tab pos="898525" algn="l"/>
+                  <a:tab pos="1347788" algn="l"/>
+                </a:tabLst>
+                <a:defRPr>
+                  <a:solidFill>
+                    <a:srgbClr val="000000"/>
+                  </a:solidFill>
+                  <a:latin typeface="Arial" charset="0"/>
+                  <a:ea typeface="ＭＳ Ｐゴシック" charset="0"/>
+                  <a:cs typeface="Microsoft YaHei" charset="0"/>
+                </a:defRPr>
+              </a:lvl2pPr>
+              <a:lvl3pPr>
+                <a:tabLst>
+                  <a:tab pos="449263" algn="l"/>
+                  <a:tab pos="898525" algn="l"/>
+                  <a:tab pos="1347788" algn="l"/>
+                </a:tabLst>
+                <a:defRPr>
+                  <a:solidFill>
+                    <a:srgbClr val="000000"/>
+                  </a:solidFill>
+                  <a:latin typeface="Arial" charset="0"/>
+                  <a:ea typeface="ＭＳ Ｐゴシック" charset="0"/>
+                  <a:cs typeface="Microsoft YaHei" charset="0"/>
+                </a:defRPr>
+              </a:lvl3pPr>
+              <a:lvl4pPr>
+                <a:tabLst>
+                  <a:tab pos="449263" algn="l"/>
+                  <a:tab pos="898525" algn="l"/>
+                  <a:tab pos="1347788" algn="l"/>
+                </a:tabLst>
+                <a:defRPr>
+                  <a:solidFill>
+                    <a:srgbClr val="000000"/>
+                  </a:solidFill>
+                  <a:latin typeface="Arial" charset="0"/>
+                  <a:ea typeface="ＭＳ Ｐゴシック" charset="0"/>
+                  <a:cs typeface="Microsoft YaHei" charset="0"/>
+                </a:defRPr>
+              </a:lvl4pPr>
+              <a:lvl5pPr>
+                <a:tabLst>
+                  <a:tab pos="449263" algn="l"/>
+                  <a:tab pos="898525" algn="l"/>
+                  <a:tab pos="1347788" algn="l"/>
+                </a:tabLst>
+                <a:defRPr>
+                  <a:solidFill>
+                    <a:srgbClr val="000000"/>
+                  </a:solidFill>
+                  <a:latin typeface="Arial" charset="0"/>
+                  <a:ea typeface="ＭＳ Ｐゴシック" charset="0"/>
+                  <a:cs typeface="Microsoft YaHei" charset="0"/>
+                </a:defRPr>
+              </a:lvl5pPr>
+              <a:lvl6pPr marL="2514600" indent="-228600" defTabSz="449263" fontAlgn="base" hangingPunct="0">
+                <a:lnSpc>
+                  <a:spcPct val="93000"/>
+                </a:lnSpc>
+                <a:spcBef>
+                  <a:spcPct val="0"/>
+                </a:spcBef>
+                <a:spcAft>
+                  <a:spcPct val="0"/>
+                </a:spcAft>
+                <a:buClr>
+                  <a:srgbClr val="000000"/>
+                </a:buClr>
+                <a:buSzPct val="100000"/>
+                <a:buFont typeface="Times New Roman" charset="0"/>
+                <a:tabLst>
+                  <a:tab pos="449263" algn="l"/>
+                  <a:tab pos="898525" algn="l"/>
+                  <a:tab pos="1347788" algn="l"/>
+                </a:tabLst>
+                <a:defRPr>
+                  <a:solidFill>
+                    <a:srgbClr val="000000"/>
+                  </a:solidFill>
+                  <a:latin typeface="Arial" charset="0"/>
+                  <a:ea typeface="ＭＳ Ｐゴシック" charset="0"/>
+                  <a:cs typeface="Microsoft YaHei" charset="0"/>
+                </a:defRPr>
+              </a:lvl6pPr>
+              <a:lvl7pPr marL="2971800" indent="-228600" defTabSz="449263" fontAlgn="base" hangingPunct="0">
+                <a:lnSpc>
+                  <a:spcPct val="93000"/>
+                </a:lnSpc>
+                <a:spcBef>
+                  <a:spcPct val="0"/>
+                </a:spcBef>
+                <a:spcAft>
+                  <a:spcPct val="0"/>
+                </a:spcAft>
+                <a:buClr>
+                  <a:srgbClr val="000000"/>
+                </a:buClr>
+                <a:buSzPct val="100000"/>
+                <a:buFont typeface="Times New Roman" charset="0"/>
+                <a:tabLst>
+                  <a:tab pos="449263" algn="l"/>
+                  <a:tab pos="898525" algn="l"/>
+                  <a:tab pos="1347788" algn="l"/>
+                </a:tabLst>
+                <a:defRPr>
+                  <a:solidFill>
+                    <a:srgbClr val="000000"/>
+                  </a:solidFill>
+                  <a:latin typeface="Arial" charset="0"/>
+                  <a:ea typeface="ＭＳ Ｐゴシック" charset="0"/>
+                  <a:cs typeface="Microsoft YaHei" charset="0"/>
+                </a:defRPr>
+              </a:lvl7pPr>
+              <a:lvl8pPr marL="3429000" indent="-228600" defTabSz="449263" fontAlgn="base" hangingPunct="0">
+                <a:lnSpc>
+                  <a:spcPct val="93000"/>
+                </a:lnSpc>
+                <a:spcBef>
+                  <a:spcPct val="0"/>
+                </a:spcBef>
+                <a:spcAft>
+                  <a:spcPct val="0"/>
+                </a:spcAft>
+                <a:buClr>
+                  <a:srgbClr val="000000"/>
+                </a:buClr>
+                <a:buSzPct val="100000"/>
+                <a:buFont typeface="Times New Roman" charset="0"/>
+                <a:tabLst>
+                  <a:tab pos="449263" algn="l"/>
+                  <a:tab pos="898525" algn="l"/>
+                  <a:tab pos="1347788" algn="l"/>
+                </a:tabLst>
+                <a:defRPr>
+                  <a:solidFill>
+                    <a:srgbClr val="000000"/>
+                  </a:solidFill>
+                  <a:latin typeface="Arial" charset="0"/>
+                  <a:ea typeface="ＭＳ Ｐゴシック" charset="0"/>
+                  <a:cs typeface="Microsoft YaHei" charset="0"/>
+                </a:defRPr>
+              </a:lvl8pPr>
+              <a:lvl9pPr marL="3886200" indent="-228600" defTabSz="449263" fontAlgn="base" hangingPunct="0">
+                <a:lnSpc>
+                  <a:spcPct val="93000"/>
+                </a:lnSpc>
+                <a:spcBef>
+                  <a:spcPct val="0"/>
+                </a:spcBef>
+                <a:spcAft>
+                  <a:spcPct val="0"/>
+                </a:spcAft>
+                <a:buClr>
+                  <a:srgbClr val="000000"/>
+                </a:buClr>
+                <a:buSzPct val="100000"/>
+                <a:buFont typeface="Times New Roman" charset="0"/>
+                <a:tabLst>
+                  <a:tab pos="449263" algn="l"/>
+                  <a:tab pos="898525" algn="l"/>
+                  <a:tab pos="1347788" algn="l"/>
+                </a:tabLst>
+                <a:defRPr>
+                  <a:solidFill>
+                    <a:srgbClr val="000000"/>
+                  </a:solidFill>
+                  <a:latin typeface="Arial" charset="0"/>
+                  <a:ea typeface="ＭＳ Ｐゴシック" charset="0"/>
+                  <a:cs typeface="Microsoft YaHei" charset="0"/>
+                </a:defRPr>
+              </a:lvl9pPr>
+            </a:lstStyle>
+            <a:p>
+              <a:pPr>
+                <a:lnSpc>
+                  <a:spcPct val="111000"/>
+                </a:lnSpc>
+              </a:pPr>
+              <a:r>
+                <a:rPr lang="fr-FR" sz="3600" b="1" i="1" dirty="0" smtClean="0">
+                  <a:solidFill>
+                    <a:srgbClr val="E6E6FF"/>
+                  </a:solidFill>
+                  <a:latin typeface="Meiryo UI" charset="0"/>
+                </a:rPr>
+                <a:t>London</a:t>
+              </a:r>
+              <a:r>
+                <a:rPr lang="fr-FR" sz="2800" b="1" i="1" dirty="0">
+                  <a:solidFill>
+                    <a:srgbClr val="E6E6FF"/>
+                  </a:solidFill>
+                  <a:latin typeface="Meiryo UI" charset="0"/>
+                </a:rPr>
+                <a:t/>
+              </a:r>
+              <a:br>
+                <a:rPr lang="fr-FR" sz="2800" b="1" i="1" dirty="0">
+                  <a:solidFill>
+                    <a:srgbClr val="E6E6FF"/>
+                  </a:solidFill>
+                  <a:latin typeface="Meiryo UI" charset="0"/>
+                </a:rPr>
+              </a:br>
+              <a:r>
+                <a:rPr lang="fr-FR" sz="1500" b="1" i="1" dirty="0">
+                  <a:solidFill>
+                    <a:srgbClr val="E6E6FF"/>
+                  </a:solidFill>
+                  <a:latin typeface="Meiryo UI" charset="0"/>
+                </a:rPr>
+                <a:t> </a:t>
+              </a:r>
+              <a:r>
+                <a:rPr lang="fr-FR" sz="1500" b="1" i="1" dirty="0" smtClean="0">
+                  <a:solidFill>
+                    <a:srgbClr val="E6E6FF"/>
+                  </a:solidFill>
+                  <a:latin typeface="Meiryo UI" charset="0"/>
+                </a:rPr>
+                <a:t>2017</a:t>
+              </a:r>
+              <a:endParaRPr lang="fr-FR" sz="1500" b="1" i="1" dirty="0">
                 <a:solidFill>
                   <a:srgbClr val="E6E6FF"/>
                 </a:solidFill>
                 <a:latin typeface="Meiryo UI" charset="0"/>
-              </a:rPr>
-              <a:t>RIO</a:t>
-            </a:r>
-            <a:r>
-              <a:rPr lang="fr-FR" sz="2800" b="1" i="1" dirty="0">
-                <a:solidFill>
-                  <a:srgbClr val="E6E6FF"/>
-                </a:solidFill>
-                <a:latin typeface="Meiryo UI" charset="0"/>
-              </a:rPr>
-              <a:t/>
-            </a:r>
-            <a:br>
-              <a:rPr lang="fr-FR" sz="2800" b="1" i="1" dirty="0">
-                <a:solidFill>
-                  <a:srgbClr val="E6E6FF"/>
-                </a:solidFill>
-                <a:latin typeface="Meiryo UI" charset="0"/>
-              </a:rPr>
-            </a:br>
-            <a:r>
-              <a:rPr lang="fr-FR" sz="1500" b="1" i="1" dirty="0">
-                <a:solidFill>
-                  <a:srgbClr val="E6E6FF"/>
-                </a:solidFill>
-                <a:latin typeface="Meiryo UI" charset="0"/>
-              </a:rPr>
-              <a:t> </a:t>
-            </a:r>
-            <a:r>
-              <a:rPr lang="fr-FR" sz="1500" b="1" i="1" dirty="0" smtClean="0">
-                <a:solidFill>
-                  <a:srgbClr val="E6E6FF"/>
-                </a:solidFill>
-                <a:latin typeface="Meiryo UI" charset="0"/>
-              </a:rPr>
-              <a:t>2016</a:t>
-            </a:r>
-            <a:endParaRPr lang="fr-FR" sz="1500" b="1" i="1" dirty="0">
-              <a:solidFill>
-                <a:srgbClr val="E6E6FF"/>
-              </a:solidFill>
-              <a:latin typeface="Meiryo UI" charset="0"/>
-            </a:endParaRPr>
-          </a:p>
-        </p:txBody>
-      </p:sp>
-      <p:sp>
-        <p:nvSpPr>
-          <p:cNvPr id="5125" name="Text Box 5"/>
-          <p:cNvSpPr txBox="1">
-            <a:spLocks noChangeArrowheads="1"/>
-          </p:cNvSpPr>
-          <p:nvPr/>
-        </p:nvSpPr>
-        <p:spPr bwMode="auto">
-          <a:xfrm>
-            <a:off x="2236788" y="304800"/>
-            <a:ext cx="2141537" cy="547688"/>
-          </a:xfrm>
-          <a:prstGeom prst="rect">
-            <a:avLst/>
-          </a:prstGeom>
-          <a:solidFill>
-            <a:srgbClr val="DDDDDD"/>
-          </a:solidFill>
-          <a:ln>
-            <a:noFill/>
-          </a:ln>
-          <a:effectLst/>
-          <a:extLst>
-            <a:ext uri="{91240B29-F687-4f45-9708-019B960494DF}">
-              <a14:hiddenLine xmlns:a14="http://schemas.microsoft.com/office/drawing/2010/main" w="9525" cap="flat">
-                <a:solidFill>
-                  <a:srgbClr val="FFFFFF"/>
-                </a:solidFill>
-                <a:round/>
-                <a:headEnd/>
-                <a:tailEnd/>
-              </a14:hiddenLine>
-            </a:ext>
-            <a:ext uri="{AF507438-7753-43e0-B8FC-AC1667EBCBE1}">
-              <a14:hiddenEffects xmlns:a14="http://schemas.microsoft.com/office/drawing/2010/main">
-                <a:effectLst>
-                  <a:outerShdw blurRad="63500" dist="38099" dir="2700000" algn="ctr" rotWithShape="0">
-                    <a:srgbClr val="000000">
-                      <a:alpha val="74998"/>
-                    </a:srgbClr>
-                  </a:outerShdw>
-                </a:effectLst>
-              </a14:hiddenEffects>
-            </a:ext>
-          </a:extLst>
-        </p:spPr>
-        <p:txBody>
-          <a:bodyPr wrap="none" lIns="90000" tIns="52056" rIns="90000" bIns="45000"/>
-          <a:lstStyle>
-            <a:lvl1pPr>
-              <a:tabLst>
-                <a:tab pos="449263" algn="l"/>
-                <a:tab pos="898525" algn="l"/>
-                <a:tab pos="1347788" algn="l"/>
-                <a:tab pos="1797050" algn="l"/>
-              </a:tabLst>
-              <a:defRPr>
-                <a:solidFill>
-                  <a:srgbClr val="000000"/>
-                </a:solidFill>
-                <a:latin typeface="Arial" charset="0"/>
-                <a:ea typeface="ＭＳ Ｐゴシック" charset="0"/>
-                <a:cs typeface="Microsoft YaHei" charset="0"/>
-              </a:defRPr>
-            </a:lvl1pPr>
-            <a:lvl2pPr>
-              <a:tabLst>
-                <a:tab pos="449263" algn="l"/>
-                <a:tab pos="898525" algn="l"/>
-                <a:tab pos="1347788" algn="l"/>
-                <a:tab pos="1797050" algn="l"/>
-              </a:tabLst>
-              <a:defRPr>
-                <a:solidFill>
-                  <a:srgbClr val="000000"/>
-                </a:solidFill>
-                <a:latin typeface="Arial" charset="0"/>
-                <a:ea typeface="ＭＳ Ｐゴシック" charset="0"/>
-                <a:cs typeface="Microsoft YaHei" charset="0"/>
-              </a:defRPr>
-            </a:lvl2pPr>
-            <a:lvl3pPr>
-              <a:tabLst>
-                <a:tab pos="449263" algn="l"/>
-                <a:tab pos="898525" algn="l"/>
-                <a:tab pos="1347788" algn="l"/>
-                <a:tab pos="1797050" algn="l"/>
-              </a:tabLst>
-              <a:defRPr>
-                <a:solidFill>
-                  <a:srgbClr val="000000"/>
-                </a:solidFill>
-                <a:latin typeface="Arial" charset="0"/>
-                <a:ea typeface="ＭＳ Ｐゴシック" charset="0"/>
-                <a:cs typeface="Microsoft YaHei" charset="0"/>
-              </a:defRPr>
-            </a:lvl3pPr>
-            <a:lvl4pPr>
-              <a:tabLst>
-                <a:tab pos="449263" algn="l"/>
-                <a:tab pos="898525" algn="l"/>
-                <a:tab pos="1347788" algn="l"/>
-                <a:tab pos="1797050" algn="l"/>
-              </a:tabLst>
-              <a:defRPr>
-                <a:solidFill>
-                  <a:srgbClr val="000000"/>
-                </a:solidFill>
-                <a:latin typeface="Arial" charset="0"/>
-                <a:ea typeface="ＭＳ Ｐゴシック" charset="0"/>
-                <a:cs typeface="Microsoft YaHei" charset="0"/>
-              </a:defRPr>
-            </a:lvl4pPr>
-            <a:lvl5pPr>
-              <a:tabLst>
-                <a:tab pos="449263" algn="l"/>
-                <a:tab pos="898525" algn="l"/>
-                <a:tab pos="1347788" algn="l"/>
-                <a:tab pos="1797050" algn="l"/>
-              </a:tabLst>
-              <a:defRPr>
-                <a:solidFill>
-                  <a:srgbClr val="000000"/>
-                </a:solidFill>
-                <a:latin typeface="Arial" charset="0"/>
-                <a:ea typeface="ＭＳ Ｐゴシック" charset="0"/>
-                <a:cs typeface="Microsoft YaHei" charset="0"/>
-              </a:defRPr>
-            </a:lvl5pPr>
-            <a:lvl6pPr marL="2514600" indent="-228600" defTabSz="449263" fontAlgn="base" hangingPunct="0">
-              <a:lnSpc>
-                <a:spcPct val="93000"/>
-              </a:lnSpc>
-              <a:spcBef>
-                <a:spcPct val="0"/>
-              </a:spcBef>
-              <a:spcAft>
-                <a:spcPct val="0"/>
-              </a:spcAft>
-              <a:buClr>
-                <a:srgbClr val="000000"/>
-              </a:buClr>
-              <a:buSzPct val="100000"/>
-              <a:buFont typeface="Times New Roman" charset="0"/>
-              <a:tabLst>
-                <a:tab pos="449263" algn="l"/>
-                <a:tab pos="898525" algn="l"/>
-                <a:tab pos="1347788" algn="l"/>
-                <a:tab pos="1797050" algn="l"/>
-              </a:tabLst>
-              <a:defRPr>
-                <a:solidFill>
-                  <a:srgbClr val="000000"/>
-                </a:solidFill>
-                <a:latin typeface="Arial" charset="0"/>
-                <a:ea typeface="ＭＳ Ｐゴシック" charset="0"/>
-                <a:cs typeface="Microsoft YaHei" charset="0"/>
-              </a:defRPr>
-            </a:lvl6pPr>
-            <a:lvl7pPr marL="2971800" indent="-228600" defTabSz="449263" fontAlgn="base" hangingPunct="0">
-              <a:lnSpc>
-                <a:spcPct val="93000"/>
-              </a:lnSpc>
-              <a:spcBef>
-                <a:spcPct val="0"/>
-              </a:spcBef>
-              <a:spcAft>
-                <a:spcPct val="0"/>
-              </a:spcAft>
-              <a:buClr>
-                <a:srgbClr val="000000"/>
-              </a:buClr>
-              <a:buSzPct val="100000"/>
-              <a:buFont typeface="Times New Roman" charset="0"/>
-              <a:tabLst>
-                <a:tab pos="449263" algn="l"/>
-                <a:tab pos="898525" algn="l"/>
-                <a:tab pos="1347788" algn="l"/>
-                <a:tab pos="1797050" algn="l"/>
-              </a:tabLst>
-              <a:defRPr>
-                <a:solidFill>
-                  <a:srgbClr val="000000"/>
-                </a:solidFill>
-                <a:latin typeface="Arial" charset="0"/>
-                <a:ea typeface="ＭＳ Ｐゴシック" charset="0"/>
-                <a:cs typeface="Microsoft YaHei" charset="0"/>
-              </a:defRPr>
-            </a:lvl7pPr>
-            <a:lvl8pPr marL="3429000" indent="-228600" defTabSz="449263" fontAlgn="base" hangingPunct="0">
-              <a:lnSpc>
-                <a:spcPct val="93000"/>
-              </a:lnSpc>
-              <a:spcBef>
-                <a:spcPct val="0"/>
-              </a:spcBef>
-              <a:spcAft>
-                <a:spcPct val="0"/>
-              </a:spcAft>
-              <a:buClr>
-                <a:srgbClr val="000000"/>
-              </a:buClr>
-              <a:buSzPct val="100000"/>
-              <a:buFont typeface="Times New Roman" charset="0"/>
-              <a:tabLst>
-                <a:tab pos="449263" algn="l"/>
-                <a:tab pos="898525" algn="l"/>
-                <a:tab pos="1347788" algn="l"/>
-                <a:tab pos="1797050" algn="l"/>
-              </a:tabLst>
-              <a:defRPr>
-                <a:solidFill>
-                  <a:srgbClr val="000000"/>
-                </a:solidFill>
-                <a:latin typeface="Arial" charset="0"/>
-                <a:ea typeface="ＭＳ Ｐゴシック" charset="0"/>
-                <a:cs typeface="Microsoft YaHei" charset="0"/>
-              </a:defRPr>
-            </a:lvl8pPr>
-            <a:lvl9pPr marL="3886200" indent="-228600" defTabSz="449263" fontAlgn="base" hangingPunct="0">
-              <a:lnSpc>
-                <a:spcPct val="93000"/>
-              </a:lnSpc>
-              <a:spcBef>
-                <a:spcPct val="0"/>
-              </a:spcBef>
-              <a:spcAft>
-                <a:spcPct val="0"/>
-              </a:spcAft>
-              <a:buClr>
-                <a:srgbClr val="000000"/>
-              </a:buClr>
-              <a:buSzPct val="100000"/>
-              <a:buFont typeface="Times New Roman" charset="0"/>
-              <a:tabLst>
-                <a:tab pos="449263" algn="l"/>
-                <a:tab pos="898525" algn="l"/>
-                <a:tab pos="1347788" algn="l"/>
-                <a:tab pos="1797050" algn="l"/>
-              </a:tabLst>
-              <a:defRPr>
-                <a:solidFill>
-                  <a:srgbClr val="000000"/>
-                </a:solidFill>
-                <a:latin typeface="Arial" charset="0"/>
-                <a:ea typeface="ＭＳ Ｐゴシック" charset="0"/>
-                <a:cs typeface="Microsoft YaHei" charset="0"/>
-              </a:defRPr>
-            </a:lvl9pPr>
-          </a:lstStyle>
-          <a:p>
-            <a:r>
-              <a:rPr lang="fr-FR" sz="800" dirty="0"/>
-              <a:t>VIRGINIE-MARIS-P283728746----------------</a:t>
-            </a:r>
-          </a:p>
-          <a:p>
-            <a:r>
-              <a:rPr lang="fr-FR" sz="800" dirty="0" smtClean="0"/>
-              <a:t>TRIPLEJUMP-</a:t>
-            </a:r>
-            <a:r>
-              <a:rPr lang="fr-FR" sz="800" dirty="0"/>
-              <a:t>B12---------------------------------------</a:t>
-            </a:r>
-          </a:p>
-          <a:p>
-            <a:r>
-              <a:rPr lang="fr-FR" sz="800" dirty="0" smtClean="0"/>
-              <a:t>2016-08-</a:t>
-            </a:r>
-            <a:r>
-              <a:rPr lang="fr-FR" sz="800" dirty="0"/>
-              <a:t>16 ---11:00-18:00-----------------------</a:t>
-            </a:r>
-          </a:p>
-          <a:p>
-            <a:r>
-              <a:rPr lang="fr-FR" sz="800" dirty="0" smtClean="0"/>
-              <a:t>NILTON-SANTOS-</a:t>
-            </a:r>
-            <a:r>
-              <a:rPr lang="fr-FR" sz="800" dirty="0"/>
-              <a:t>OUEST-F23------</a:t>
-            </a:r>
-          </a:p>
-        </p:txBody>
-      </p:sp>
+              </a:endParaRPr>
+            </a:p>
+          </p:txBody>
+        </p:sp>
+        <p:sp>
+          <p:nvSpPr>
+            <p:cNvPr id="5125" name="Text Box 5"/>
+            <p:cNvSpPr txBox="1">
+              <a:spLocks noChangeArrowheads="1"/>
+            </p:cNvSpPr>
+            <p:nvPr/>
+          </p:nvSpPr>
+          <p:spPr bwMode="auto">
+            <a:xfrm>
+              <a:off x="2236788" y="304800"/>
+              <a:ext cx="2141537" cy="547688"/>
+            </a:xfrm>
+            <a:prstGeom prst="rect">
+              <a:avLst/>
+            </a:prstGeom>
+            <a:solidFill>
+              <a:srgbClr val="DDDDDD"/>
+            </a:solidFill>
+            <a:ln>
+              <a:noFill/>
+            </a:ln>
+            <a:effectLst/>
+            <a:extLst>
+              <a:ext uri="{91240B29-F687-4f45-9708-019B960494DF}">
+                <a14:hiddenLine xmlns:a14="http://schemas.microsoft.com/office/drawing/2010/main" xmlns="" w="9525" cap="flat">
+                  <a:solidFill>
+                    <a:srgbClr val="FFFFFF"/>
+                  </a:solidFill>
+                  <a:round/>
+                  <a:headEnd/>
+                  <a:tailEnd/>
+                </a14:hiddenLine>
+              </a:ext>
+              <a:ext uri="{AF507438-7753-43e0-B8FC-AC1667EBCBE1}">
+                <a14:hiddenEffects xmlns:a14="http://schemas.microsoft.com/office/drawing/2010/main" xmlns="">
+                  <a:effectLst>
+                    <a:outerShdw blurRad="63500" dist="38099" dir="2700000" algn="ctr" rotWithShape="0">
+                      <a:srgbClr val="000000">
+                        <a:alpha val="74998"/>
+                      </a:srgbClr>
+                    </a:outerShdw>
+                  </a:effectLst>
+                </a14:hiddenEffects>
+              </a:ext>
+            </a:extLst>
+          </p:spPr>
+          <p:txBody>
+            <a:bodyPr wrap="none" lIns="90000" tIns="52056" rIns="90000" bIns="45000"/>
+            <a:lstStyle>
+              <a:lvl1pPr>
+                <a:tabLst>
+                  <a:tab pos="449263" algn="l"/>
+                  <a:tab pos="898525" algn="l"/>
+                  <a:tab pos="1347788" algn="l"/>
+                  <a:tab pos="1797050" algn="l"/>
+                </a:tabLst>
+                <a:defRPr>
+                  <a:solidFill>
+                    <a:srgbClr val="000000"/>
+                  </a:solidFill>
+                  <a:latin typeface="Arial" charset="0"/>
+                  <a:ea typeface="ＭＳ Ｐゴシック" charset="0"/>
+                  <a:cs typeface="Microsoft YaHei" charset="0"/>
+                </a:defRPr>
+              </a:lvl1pPr>
+              <a:lvl2pPr>
+                <a:tabLst>
+                  <a:tab pos="449263" algn="l"/>
+                  <a:tab pos="898525" algn="l"/>
+                  <a:tab pos="1347788" algn="l"/>
+                  <a:tab pos="1797050" algn="l"/>
+                </a:tabLst>
+                <a:defRPr>
+                  <a:solidFill>
+                    <a:srgbClr val="000000"/>
+                  </a:solidFill>
+                  <a:latin typeface="Arial" charset="0"/>
+                  <a:ea typeface="ＭＳ Ｐゴシック" charset="0"/>
+                  <a:cs typeface="Microsoft YaHei" charset="0"/>
+                </a:defRPr>
+              </a:lvl2pPr>
+              <a:lvl3pPr>
+                <a:tabLst>
+                  <a:tab pos="449263" algn="l"/>
+                  <a:tab pos="898525" algn="l"/>
+                  <a:tab pos="1347788" algn="l"/>
+                  <a:tab pos="1797050" algn="l"/>
+                </a:tabLst>
+                <a:defRPr>
+                  <a:solidFill>
+                    <a:srgbClr val="000000"/>
+                  </a:solidFill>
+                  <a:latin typeface="Arial" charset="0"/>
+                  <a:ea typeface="ＭＳ Ｐゴシック" charset="0"/>
+                  <a:cs typeface="Microsoft YaHei" charset="0"/>
+                </a:defRPr>
+              </a:lvl3pPr>
+              <a:lvl4pPr>
+                <a:tabLst>
+                  <a:tab pos="449263" algn="l"/>
+                  <a:tab pos="898525" algn="l"/>
+                  <a:tab pos="1347788" algn="l"/>
+                  <a:tab pos="1797050" algn="l"/>
+                </a:tabLst>
+                <a:defRPr>
+                  <a:solidFill>
+                    <a:srgbClr val="000000"/>
+                  </a:solidFill>
+                  <a:latin typeface="Arial" charset="0"/>
+                  <a:ea typeface="ＭＳ Ｐゴシック" charset="0"/>
+                  <a:cs typeface="Microsoft YaHei" charset="0"/>
+                </a:defRPr>
+              </a:lvl4pPr>
+              <a:lvl5pPr>
+                <a:tabLst>
+                  <a:tab pos="449263" algn="l"/>
+                  <a:tab pos="898525" algn="l"/>
+                  <a:tab pos="1347788" algn="l"/>
+                  <a:tab pos="1797050" algn="l"/>
+                </a:tabLst>
+                <a:defRPr>
+                  <a:solidFill>
+                    <a:srgbClr val="000000"/>
+                  </a:solidFill>
+                  <a:latin typeface="Arial" charset="0"/>
+                  <a:ea typeface="ＭＳ Ｐゴシック" charset="0"/>
+                  <a:cs typeface="Microsoft YaHei" charset="0"/>
+                </a:defRPr>
+              </a:lvl5pPr>
+              <a:lvl6pPr marL="2514600" indent="-228600" defTabSz="449263" fontAlgn="base" hangingPunct="0">
+                <a:lnSpc>
+                  <a:spcPct val="93000"/>
+                </a:lnSpc>
+                <a:spcBef>
+                  <a:spcPct val="0"/>
+                </a:spcBef>
+                <a:spcAft>
+                  <a:spcPct val="0"/>
+                </a:spcAft>
+                <a:buClr>
+                  <a:srgbClr val="000000"/>
+                </a:buClr>
+                <a:buSzPct val="100000"/>
+                <a:buFont typeface="Times New Roman" charset="0"/>
+                <a:tabLst>
+                  <a:tab pos="449263" algn="l"/>
+                  <a:tab pos="898525" algn="l"/>
+                  <a:tab pos="1347788" algn="l"/>
+                  <a:tab pos="1797050" algn="l"/>
+                </a:tabLst>
+                <a:defRPr>
+                  <a:solidFill>
+                    <a:srgbClr val="000000"/>
+                  </a:solidFill>
+                  <a:latin typeface="Arial" charset="0"/>
+                  <a:ea typeface="ＭＳ Ｐゴシック" charset="0"/>
+                  <a:cs typeface="Microsoft YaHei" charset="0"/>
+                </a:defRPr>
+              </a:lvl6pPr>
+              <a:lvl7pPr marL="2971800" indent="-228600" defTabSz="449263" fontAlgn="base" hangingPunct="0">
+                <a:lnSpc>
+                  <a:spcPct val="93000"/>
+                </a:lnSpc>
+                <a:spcBef>
+                  <a:spcPct val="0"/>
+                </a:spcBef>
+                <a:spcAft>
+                  <a:spcPct val="0"/>
+                </a:spcAft>
+                <a:buClr>
+                  <a:srgbClr val="000000"/>
+                </a:buClr>
+                <a:buSzPct val="100000"/>
+                <a:buFont typeface="Times New Roman" charset="0"/>
+                <a:tabLst>
+                  <a:tab pos="449263" algn="l"/>
+                  <a:tab pos="898525" algn="l"/>
+                  <a:tab pos="1347788" algn="l"/>
+                  <a:tab pos="1797050" algn="l"/>
+                </a:tabLst>
+                <a:defRPr>
+                  <a:solidFill>
+                    <a:srgbClr val="000000"/>
+                  </a:solidFill>
+                  <a:latin typeface="Arial" charset="0"/>
+                  <a:ea typeface="ＭＳ Ｐゴシック" charset="0"/>
+                  <a:cs typeface="Microsoft YaHei" charset="0"/>
+                </a:defRPr>
+              </a:lvl7pPr>
+              <a:lvl8pPr marL="3429000" indent="-228600" defTabSz="449263" fontAlgn="base" hangingPunct="0">
+                <a:lnSpc>
+                  <a:spcPct val="93000"/>
+                </a:lnSpc>
+                <a:spcBef>
+                  <a:spcPct val="0"/>
+                </a:spcBef>
+                <a:spcAft>
+                  <a:spcPct val="0"/>
+                </a:spcAft>
+                <a:buClr>
+                  <a:srgbClr val="000000"/>
+                </a:buClr>
+                <a:buSzPct val="100000"/>
+                <a:buFont typeface="Times New Roman" charset="0"/>
+                <a:tabLst>
+                  <a:tab pos="449263" algn="l"/>
+                  <a:tab pos="898525" algn="l"/>
+                  <a:tab pos="1347788" algn="l"/>
+                  <a:tab pos="1797050" algn="l"/>
+                </a:tabLst>
+                <a:defRPr>
+                  <a:solidFill>
+                    <a:srgbClr val="000000"/>
+                  </a:solidFill>
+                  <a:latin typeface="Arial" charset="0"/>
+                  <a:ea typeface="ＭＳ Ｐゴシック" charset="0"/>
+                  <a:cs typeface="Microsoft YaHei" charset="0"/>
+                </a:defRPr>
+              </a:lvl8pPr>
+              <a:lvl9pPr marL="3886200" indent="-228600" defTabSz="449263" fontAlgn="base" hangingPunct="0">
+                <a:lnSpc>
+                  <a:spcPct val="93000"/>
+                </a:lnSpc>
+                <a:spcBef>
+                  <a:spcPct val="0"/>
+                </a:spcBef>
+                <a:spcAft>
+                  <a:spcPct val="0"/>
+                </a:spcAft>
+                <a:buClr>
+                  <a:srgbClr val="000000"/>
+                </a:buClr>
+                <a:buSzPct val="100000"/>
+                <a:buFont typeface="Times New Roman" charset="0"/>
+                <a:tabLst>
+                  <a:tab pos="449263" algn="l"/>
+                  <a:tab pos="898525" algn="l"/>
+                  <a:tab pos="1347788" algn="l"/>
+                  <a:tab pos="1797050" algn="l"/>
+                </a:tabLst>
+                <a:defRPr>
+                  <a:solidFill>
+                    <a:srgbClr val="000000"/>
+                  </a:solidFill>
+                  <a:latin typeface="Arial" charset="0"/>
+                  <a:ea typeface="ＭＳ Ｐゴシック" charset="0"/>
+                  <a:cs typeface="Microsoft YaHei" charset="0"/>
+                </a:defRPr>
+              </a:lvl9pPr>
+            </a:lstStyle>
+            <a:p>
+              <a:r>
+                <a:rPr lang="fr-FR" sz="800" dirty="0"/>
+                <a:t>VIRGINIE-MARIS-P283728746----------------</a:t>
+              </a:r>
+            </a:p>
+            <a:p>
+              <a:r>
+                <a:rPr lang="fr-FR" sz="800" dirty="0" smtClean="0"/>
+                <a:t>TRIPLEJUMP-</a:t>
+              </a:r>
+              <a:r>
+                <a:rPr lang="fr-FR" sz="800" dirty="0"/>
+                <a:t>B12---------------------------------------</a:t>
+              </a:r>
+            </a:p>
+            <a:p>
+              <a:r>
+                <a:rPr lang="fr-FR" sz="800" smtClean="0"/>
+                <a:t>2017-08-16 </a:t>
+              </a:r>
+              <a:r>
+                <a:rPr lang="fr-FR" sz="800" dirty="0"/>
+                <a:t>---11:00-18:00-----------------------</a:t>
+              </a:r>
+            </a:p>
+            <a:p>
+              <a:r>
+                <a:rPr lang="fr-FR" sz="800" dirty="0" smtClean="0"/>
+                <a:t>WEST-F23-</a:t>
+              </a:r>
+              <a:r>
+                <a:rPr lang="fr-FR" sz="800" dirty="0"/>
+                <a:t>-----</a:t>
+              </a:r>
+            </a:p>
+          </p:txBody>
+        </p:sp>
+      </p:grpSp>
       <p:sp>
         <p:nvSpPr>
           <p:cNvPr id="5126" name="Text Box 6"/>
@@ -31446,14 +31491,14 @@
           <a:effectLst/>
           <a:extLst>
             <a:ext uri="{909E8E84-426E-40dd-AFC4-6F175D3DCCD1}">
-              <a14:hiddenFill xmlns:a14="http://schemas.microsoft.com/office/drawing/2010/main">
+              <a14:hiddenFill xmlns:a14="http://schemas.microsoft.com/office/drawing/2010/main" xmlns="">
                 <a:solidFill>
                   <a:srgbClr val="FFFFFF"/>
                 </a:solidFill>
               </a14:hiddenFill>
             </a:ext>
             <a:ext uri="{91240B29-F687-4f45-9708-019B960494DF}">
-              <a14:hiddenLine xmlns:a14="http://schemas.microsoft.com/office/drawing/2010/main" w="9525" cap="flat">
+              <a14:hiddenLine xmlns:a14="http://schemas.microsoft.com/office/drawing/2010/main" xmlns="" w="9525" cap="flat">
                 <a:solidFill>
                   <a:srgbClr val="808080"/>
                 </a:solidFill>
@@ -31463,7 +31508,7 @@
               </a14:hiddenLine>
             </a:ext>
             <a:ext uri="{AF507438-7753-43e0-B8FC-AC1667EBCBE1}">
-              <a14:hiddenEffects xmlns:a14="http://schemas.microsoft.com/office/drawing/2010/main">
+              <a14:hiddenEffects xmlns:a14="http://schemas.microsoft.com/office/drawing/2010/main" xmlns="">
                 <a:effectLst>
                   <a:outerShdw blurRad="63500" dist="38099" dir="2700000" algn="ctr" rotWithShape="0">
                     <a:srgbClr val="000000">
@@ -31701,14 +31746,14 @@
           <a:effectLst/>
           <a:extLst>
             <a:ext uri="{909E8E84-426E-40dd-AFC4-6F175D3DCCD1}">
-              <a14:hiddenFill xmlns:a14="http://schemas.microsoft.com/office/drawing/2010/main">
+              <a14:hiddenFill xmlns:a14="http://schemas.microsoft.com/office/drawing/2010/main" xmlns="">
                 <a:solidFill>
                   <a:srgbClr val="FFFFFF"/>
                 </a:solidFill>
               </a14:hiddenFill>
             </a:ext>
             <a:ext uri="{91240B29-F687-4f45-9708-019B960494DF}">
-              <a14:hiddenLine xmlns:a14="http://schemas.microsoft.com/office/drawing/2010/main" w="9525" cap="flat">
+              <a14:hiddenLine xmlns:a14="http://schemas.microsoft.com/office/drawing/2010/main" xmlns="" w="9525" cap="flat">
                 <a:solidFill>
                   <a:srgbClr val="000000"/>
                 </a:solidFill>
@@ -31718,7 +31763,7 @@
               </a14:hiddenLine>
             </a:ext>
             <a:ext uri="{AF507438-7753-43e0-B8FC-AC1667EBCBE1}">
-              <a14:hiddenEffects xmlns:a14="http://schemas.microsoft.com/office/drawing/2010/main">
+              <a14:hiddenEffects xmlns:a14="http://schemas.microsoft.com/office/drawing/2010/main" xmlns="">
                 <a:effectLst>
                   <a:outerShdw blurRad="63500" dist="38099" dir="2700000" algn="ctr" rotWithShape="0">
                     <a:srgbClr val="000000">
@@ -32101,7 +32146,7 @@
           <a:effectLst/>
           <a:extLst>
             <a:ext uri="{909E8E84-426E-40dd-AFC4-6F175D3DCCD1}">
-              <a14:hiddenFill xmlns:a14="http://schemas.microsoft.com/office/drawing/2010/main">
+              <a14:hiddenFill xmlns:a14="http://schemas.microsoft.com/office/drawing/2010/main" xmlns="">
                 <a:blipFill dpi="0" rotWithShape="0">
                   <a:blip/>
                   <a:srcRect/>
@@ -32112,7 +32157,7 @@
               </a14:hiddenFill>
             </a:ext>
             <a:ext uri="{91240B29-F687-4f45-9708-019B960494DF}">
-              <a14:hiddenLine xmlns:a14="http://schemas.microsoft.com/office/drawing/2010/main" w="9525" cap="flat">
+              <a14:hiddenLine xmlns:a14="http://schemas.microsoft.com/office/drawing/2010/main" xmlns="" w="9525" cap="flat">
                 <a:solidFill>
                   <a:srgbClr val="808080"/>
                 </a:solidFill>
@@ -32122,7 +32167,7 @@
               </a14:hiddenLine>
             </a:ext>
             <a:ext uri="{AF507438-7753-43e0-B8FC-AC1667EBCBE1}">
-              <a14:hiddenEffects xmlns:a14="http://schemas.microsoft.com/office/drawing/2010/main">
+              <a14:hiddenEffects xmlns:a14="http://schemas.microsoft.com/office/drawing/2010/main" xmlns="">
                 <a:effectLst>
                   <a:outerShdw blurRad="63500" dist="38099" dir="2700000" algn="ctr" rotWithShape="0">
                     <a:srgbClr val="000000">
@@ -32158,14 +32203,14 @@
           <a:effectLst/>
           <a:extLst>
             <a:ext uri="{909E8E84-426E-40dd-AFC4-6F175D3DCCD1}">
-              <a14:hiddenFill xmlns:a14="http://schemas.microsoft.com/office/drawing/2010/main">
+              <a14:hiddenFill xmlns:a14="http://schemas.microsoft.com/office/drawing/2010/main" xmlns="">
                 <a:solidFill>
                   <a:srgbClr val="FFFFFF"/>
                 </a:solidFill>
               </a14:hiddenFill>
             </a:ext>
             <a:ext uri="{91240B29-F687-4f45-9708-019B960494DF}">
-              <a14:hiddenLine xmlns:a14="http://schemas.microsoft.com/office/drawing/2010/main" w="9525" cap="flat">
+              <a14:hiddenLine xmlns:a14="http://schemas.microsoft.com/office/drawing/2010/main" xmlns="" w="9525" cap="flat">
                 <a:solidFill>
                   <a:srgbClr val="808080"/>
                 </a:solidFill>
@@ -32175,7 +32220,7 @@
               </a14:hiddenLine>
             </a:ext>
             <a:ext uri="{AF507438-7753-43e0-B8FC-AC1667EBCBE1}">
-              <a14:hiddenEffects xmlns:a14="http://schemas.microsoft.com/office/drawing/2010/main">
+              <a14:hiddenEffects xmlns:a14="http://schemas.microsoft.com/office/drawing/2010/main" xmlns="">
                 <a:effectLst>
                   <a:outerShdw blurRad="63500" dist="38099" dir="2700000" algn="ctr" rotWithShape="0">
                     <a:srgbClr val="000000">
@@ -32531,7 +32576,7 @@
           <a:effectLst/>
           <a:extLst>
             <a:ext uri="{909E8E84-426E-40dd-AFC4-6F175D3DCCD1}">
-              <a14:hiddenFill xmlns:a14="http://schemas.microsoft.com/office/drawing/2010/main">
+              <a14:hiddenFill xmlns:a14="http://schemas.microsoft.com/office/drawing/2010/main" xmlns="">
                 <a:blipFill dpi="0" rotWithShape="0">
                   <a:blip/>
                   <a:srcRect l="14014" t="4515" r="7593" b="32079"/>
@@ -32542,7 +32587,7 @@
               </a14:hiddenFill>
             </a:ext>
             <a:ext uri="{91240B29-F687-4f45-9708-019B960494DF}">
-              <a14:hiddenLine xmlns:a14="http://schemas.microsoft.com/office/drawing/2010/main" w="9525" cap="flat">
+              <a14:hiddenLine xmlns:a14="http://schemas.microsoft.com/office/drawing/2010/main" xmlns="" w="9525" cap="flat">
                 <a:solidFill>
                   <a:srgbClr val="808080"/>
                 </a:solidFill>
@@ -32552,7 +32597,7 @@
               </a14:hiddenLine>
             </a:ext>
             <a:ext uri="{AF507438-7753-43e0-B8FC-AC1667EBCBE1}">
-              <a14:hiddenEffects xmlns:a14="http://schemas.microsoft.com/office/drawing/2010/main">
+              <a14:hiddenEffects xmlns:a14="http://schemas.microsoft.com/office/drawing/2010/main" xmlns="">
                 <a:effectLst>
                   <a:outerShdw blurRad="63500" dist="38099" dir="2700000" algn="ctr" rotWithShape="0">
                     <a:srgbClr val="000000">
@@ -32588,14 +32633,14 @@
           <a:effectLst/>
           <a:extLst>
             <a:ext uri="{909E8E84-426E-40dd-AFC4-6F175D3DCCD1}">
-              <a14:hiddenFill xmlns:a14="http://schemas.microsoft.com/office/drawing/2010/main">
+              <a14:hiddenFill xmlns:a14="http://schemas.microsoft.com/office/drawing/2010/main" xmlns="">
                 <a:solidFill>
                   <a:srgbClr val="FFFFFF"/>
                 </a:solidFill>
               </a14:hiddenFill>
             </a:ext>
             <a:ext uri="{91240B29-F687-4f45-9708-019B960494DF}">
-              <a14:hiddenLine xmlns:a14="http://schemas.microsoft.com/office/drawing/2010/main" w="9525" cap="flat">
+              <a14:hiddenLine xmlns:a14="http://schemas.microsoft.com/office/drawing/2010/main" xmlns="" w="9525" cap="flat">
                 <a:solidFill>
                   <a:srgbClr val="808080"/>
                 </a:solidFill>
@@ -32605,7 +32650,7 @@
               </a14:hiddenLine>
             </a:ext>
             <a:ext uri="{AF507438-7753-43e0-B8FC-AC1667EBCBE1}">
-              <a14:hiddenEffects xmlns:a14="http://schemas.microsoft.com/office/drawing/2010/main">
+              <a14:hiddenEffects xmlns:a14="http://schemas.microsoft.com/office/drawing/2010/main" xmlns="">
                 <a:effectLst>
                   <a:outerShdw blurRad="63500" dist="38099" dir="2700000" algn="ctr" rotWithShape="0">
                     <a:srgbClr val="000000">
@@ -32933,11 +32978,11 @@
   <p:clrMapOvr>
     <a:masterClrMapping/>
   </p:clrMapOvr>
-  <p:transition xmlns:p14="http://schemas.microsoft.com/office/powerpoint/2010/main" spd="med"/>
+  <p:transition spd="med"/>
   <p:timing>
     <p:tnLst>
       <p:par>
-        <p:cTn xmlns:p14="http://schemas.microsoft.com/office/powerpoint/2010/main" id="1" dur="indefinite" restart="never" nodeType="tmRoot">
+        <p:cTn id="1" dur="indefinite" restart="never" nodeType="tmRoot">
           <p:childTnLst>
             <p:seq concurrent="1" nextAc="seek">
               <p:cTn id="2" dur="0" nodeType="mainSeq"/>
@@ -33210,7 +33255,7 @@
         <a:effectLst/>
         <a:extLst>
           <a:ext uri="{AF507438-7753-43e0-B8FC-AC1667EBCBE1}">
-            <a14:hiddenEffects xmlns:a14="http://schemas.microsoft.com/office/drawing/2010/main">
+            <a14:hiddenEffects xmlns:a14="http://schemas.microsoft.com/office/drawing/2010/main" xmlns="">
               <a:effectLst>
                 <a:outerShdw blurRad="63500" dist="38099" dir="2700000" algn="ctr" rotWithShape="0">
                   <a:schemeClr val="bg2">
@@ -33286,7 +33331,7 @@
         <a:effectLst/>
         <a:extLst>
           <a:ext uri="{AF507438-7753-43e0-B8FC-AC1667EBCBE1}">
-            <a14:hiddenEffects xmlns:a14="http://schemas.microsoft.com/office/drawing/2010/main">
+            <a14:hiddenEffects xmlns:a14="http://schemas.microsoft.com/office/drawing/2010/main" xmlns="">
               <a:effectLst>
                 <a:outerShdw blurRad="63500" dist="38099" dir="2700000" algn="ctr" rotWithShape="0">
                   <a:schemeClr val="bg2">

--- a/docs/res/media/CyberBatiment.pptx
+++ b/docs/res/media/CyberBatiment.pptx
@@ -265,14 +265,14 @@
               <ma14:placeholderFlag xmlns:ma14="http://schemas.microsoft.com/office/mac/drawingml/2011/main" val="1"/>
             </a:ext>
             <a:ext uri="{909E8E84-426E-40dd-AFC4-6F175D3DCCD1}">
-              <a14:hiddenFill xmlns:a14="http://schemas.microsoft.com/office/drawing/2010/main" xmlns="">
+              <a14:hiddenFill xmlns="" xmlns:a14="http://schemas.microsoft.com/office/drawing/2010/main">
                 <a:solidFill>
                   <a:srgbClr val="FFFFFF"/>
                 </a:solidFill>
               </a14:hiddenFill>
             </a:ext>
             <a:ext uri="{91240B29-F687-4f45-9708-019B960494DF}">
-              <a14:hiddenLine xmlns:a14="http://schemas.microsoft.com/office/drawing/2010/main" xmlns="" w="9525" cap="flat">
+              <a14:hiddenLine xmlns="" xmlns:a14="http://schemas.microsoft.com/office/drawing/2010/main" w="9525" cap="flat">
                 <a:solidFill>
                   <a:srgbClr val="000000"/>
                 </a:solidFill>
@@ -282,7 +282,7 @@
               </a14:hiddenLine>
             </a:ext>
             <a:ext uri="{AF507438-7753-43e0-B8FC-AC1667EBCBE1}">
-              <a14:hiddenEffects xmlns:a14="http://schemas.microsoft.com/office/drawing/2010/main" xmlns="">
+              <a14:hiddenEffects xmlns="" xmlns:a14="http://schemas.microsoft.com/office/drawing/2010/main">
                 <a:effectLst>
                   <a:outerShdw blurRad="63500" dist="38099" dir="2700000" algn="ctr" rotWithShape="0">
                     <a:schemeClr val="bg2">
@@ -323,14 +323,14 @@
               <ma14:placeholderFlag xmlns:ma14="http://schemas.microsoft.com/office/mac/drawingml/2011/main" val="1"/>
             </a:ext>
             <a:ext uri="{909E8E84-426E-40dd-AFC4-6F175D3DCCD1}">
-              <a14:hiddenFill xmlns:a14="http://schemas.microsoft.com/office/drawing/2010/main" xmlns="">
+              <a14:hiddenFill xmlns="" xmlns:a14="http://schemas.microsoft.com/office/drawing/2010/main">
                 <a:solidFill>
                   <a:srgbClr val="FFFFFF"/>
                 </a:solidFill>
               </a14:hiddenFill>
             </a:ext>
             <a:ext uri="{91240B29-F687-4f45-9708-019B960494DF}">
-              <a14:hiddenLine xmlns:a14="http://schemas.microsoft.com/office/drawing/2010/main" xmlns="" w="9525" cap="flat">
+              <a14:hiddenLine xmlns="" xmlns:a14="http://schemas.microsoft.com/office/drawing/2010/main" w="9525" cap="flat">
                 <a:solidFill>
                   <a:srgbClr val="000000"/>
                 </a:solidFill>
@@ -340,7 +340,7 @@
               </a14:hiddenLine>
             </a:ext>
             <a:ext uri="{AF507438-7753-43e0-B8FC-AC1667EBCBE1}">
-              <a14:hiddenEffects xmlns:a14="http://schemas.microsoft.com/office/drawing/2010/main" xmlns="">
+              <a14:hiddenEffects xmlns="" xmlns:a14="http://schemas.microsoft.com/office/drawing/2010/main">
                 <a:effectLst>
                   <a:outerShdw blurRad="63500" dist="38099" dir="2700000" algn="ctr" rotWithShape="0">
                     <a:schemeClr val="bg2">
@@ -393,14 +393,14 @@
               <ma14:placeholderFlag xmlns:ma14="http://schemas.microsoft.com/office/mac/drawingml/2011/main" val="1"/>
             </a:ext>
             <a:ext uri="{909E8E84-426E-40dd-AFC4-6F175D3DCCD1}">
-              <a14:hiddenFill xmlns:a14="http://schemas.microsoft.com/office/drawing/2010/main" xmlns="">
+              <a14:hiddenFill xmlns="" xmlns:a14="http://schemas.microsoft.com/office/drawing/2010/main">
                 <a:solidFill>
                   <a:srgbClr val="FFFFFF"/>
                 </a:solidFill>
               </a14:hiddenFill>
             </a:ext>
             <a:ext uri="{91240B29-F687-4f45-9708-019B960494DF}">
-              <a14:hiddenLine xmlns:a14="http://schemas.microsoft.com/office/drawing/2010/main" xmlns="" w="9525" cap="flat">
+              <a14:hiddenLine xmlns="" xmlns:a14="http://schemas.microsoft.com/office/drawing/2010/main" w="9525" cap="flat">
                 <a:solidFill>
                   <a:srgbClr val="000000"/>
                 </a:solidFill>
@@ -410,7 +410,7 @@
               </a14:hiddenLine>
             </a:ext>
             <a:ext uri="{AF507438-7753-43e0-B8FC-AC1667EBCBE1}">
-              <a14:hiddenEffects xmlns:a14="http://schemas.microsoft.com/office/drawing/2010/main" xmlns="">
+              <a14:hiddenEffects xmlns="" xmlns:a14="http://schemas.microsoft.com/office/drawing/2010/main">
                 <a:effectLst>
                   <a:outerShdw blurRad="63500" dist="38099" dir="2700000" algn="ctr" rotWithShape="0">
                     <a:schemeClr val="bg2">
@@ -484,14 +484,14 @@
               <ma14:placeholderFlag xmlns:ma14="http://schemas.microsoft.com/office/mac/drawingml/2011/main" val="1"/>
             </a:ext>
             <a:ext uri="{909E8E84-426E-40dd-AFC4-6F175D3DCCD1}">
-              <a14:hiddenFill xmlns:a14="http://schemas.microsoft.com/office/drawing/2010/main" xmlns="">
+              <a14:hiddenFill xmlns="" xmlns:a14="http://schemas.microsoft.com/office/drawing/2010/main">
                 <a:solidFill>
                   <a:srgbClr val="FFFFFF"/>
                 </a:solidFill>
               </a14:hiddenFill>
             </a:ext>
             <a:ext uri="{91240B29-F687-4f45-9708-019B960494DF}">
-              <a14:hiddenLine xmlns:a14="http://schemas.microsoft.com/office/drawing/2010/main" xmlns="" w="9525" cap="flat">
+              <a14:hiddenLine xmlns="" xmlns:a14="http://schemas.microsoft.com/office/drawing/2010/main" w="9525" cap="flat">
                 <a:solidFill>
                   <a:srgbClr val="000000"/>
                 </a:solidFill>
@@ -501,7 +501,7 @@
               </a14:hiddenLine>
             </a:ext>
             <a:ext uri="{AF507438-7753-43e0-B8FC-AC1667EBCBE1}">
-              <a14:hiddenEffects xmlns:a14="http://schemas.microsoft.com/office/drawing/2010/main" xmlns="">
+              <a14:hiddenEffects xmlns="" xmlns:a14="http://schemas.microsoft.com/office/drawing/2010/main">
                 <a:effectLst>
                   <a:outerShdw blurRad="63500" dist="38099" dir="2700000" algn="ctr" rotWithShape="0">
                     <a:schemeClr val="bg2">
@@ -575,14 +575,14 @@
               <ma14:placeholderFlag xmlns:ma14="http://schemas.microsoft.com/office/mac/drawingml/2011/main" val="1"/>
             </a:ext>
             <a:ext uri="{909E8E84-426E-40dd-AFC4-6F175D3DCCD1}">
-              <a14:hiddenFill xmlns:a14="http://schemas.microsoft.com/office/drawing/2010/main" xmlns="">
+              <a14:hiddenFill xmlns="" xmlns:a14="http://schemas.microsoft.com/office/drawing/2010/main">
                 <a:solidFill>
                   <a:srgbClr val="FFFFFF"/>
                 </a:solidFill>
               </a14:hiddenFill>
             </a:ext>
             <a:ext uri="{91240B29-F687-4f45-9708-019B960494DF}">
-              <a14:hiddenLine xmlns:a14="http://schemas.microsoft.com/office/drawing/2010/main" xmlns="" w="9525" cap="flat">
+              <a14:hiddenLine xmlns="" xmlns:a14="http://schemas.microsoft.com/office/drawing/2010/main" w="9525" cap="flat">
                 <a:solidFill>
                   <a:srgbClr val="000000"/>
                 </a:solidFill>
@@ -592,7 +592,7 @@
               </a14:hiddenLine>
             </a:ext>
             <a:ext uri="{AF507438-7753-43e0-B8FC-AC1667EBCBE1}">
-              <a14:hiddenEffects xmlns:a14="http://schemas.microsoft.com/office/drawing/2010/main" xmlns="">
+              <a14:hiddenEffects xmlns="" xmlns:a14="http://schemas.microsoft.com/office/drawing/2010/main">
                 <a:effectLst>
                   <a:outerShdw blurRad="63500" dist="38099" dir="2700000" algn="ctr" rotWithShape="0">
                     <a:schemeClr val="bg2">
@@ -666,14 +666,14 @@
               <ma14:placeholderFlag xmlns:ma14="http://schemas.microsoft.com/office/mac/drawingml/2011/main" val="1"/>
             </a:ext>
             <a:ext uri="{909E8E84-426E-40dd-AFC4-6F175D3DCCD1}">
-              <a14:hiddenFill xmlns:a14="http://schemas.microsoft.com/office/drawing/2010/main" xmlns="">
+              <a14:hiddenFill xmlns="" xmlns:a14="http://schemas.microsoft.com/office/drawing/2010/main">
                 <a:solidFill>
                   <a:srgbClr val="FFFFFF"/>
                 </a:solidFill>
               </a14:hiddenFill>
             </a:ext>
             <a:ext uri="{91240B29-F687-4f45-9708-019B960494DF}">
-              <a14:hiddenLine xmlns:a14="http://schemas.microsoft.com/office/drawing/2010/main" xmlns="" w="9525" cap="flat">
+              <a14:hiddenLine xmlns="" xmlns:a14="http://schemas.microsoft.com/office/drawing/2010/main" w="9525" cap="flat">
                 <a:solidFill>
                   <a:srgbClr val="000000"/>
                 </a:solidFill>
@@ -683,7 +683,7 @@
               </a14:hiddenLine>
             </a:ext>
             <a:ext uri="{AF507438-7753-43e0-B8FC-AC1667EBCBE1}">
-              <a14:hiddenEffects xmlns:a14="http://schemas.microsoft.com/office/drawing/2010/main" xmlns="">
+              <a14:hiddenEffects xmlns="" xmlns:a14="http://schemas.microsoft.com/office/drawing/2010/main">
                 <a:effectLst>
                   <a:outerShdw blurRad="63500" dist="38099" dir="2700000" algn="ctr" rotWithShape="0">
                     <a:schemeClr val="bg2">
@@ -974,7 +974,7 @@
           </a:ln>
           <a:extLst>
             <a:ext uri="{AF507438-7753-43e0-B8FC-AC1667EBCBE1}">
-              <a14:hiddenEffects xmlns:a14="http://schemas.microsoft.com/office/drawing/2010/main" xmlns="">
+              <a14:hiddenEffects xmlns="" xmlns:a14="http://schemas.microsoft.com/office/drawing/2010/main">
                 <a:effectLst>
                   <a:outerShdw blurRad="63500" dist="38099" dir="2700000" algn="ctr" rotWithShape="0">
                     <a:srgbClr val="000000">
@@ -1009,14 +1009,14 @@
           <a:ln/>
           <a:extLst>
             <a:ext uri="{909E8E84-426E-40dd-AFC4-6F175D3DCCD1}">
-              <a14:hiddenFill xmlns:a14="http://schemas.microsoft.com/office/drawing/2010/main" xmlns="">
+              <a14:hiddenFill xmlns="" xmlns:a14="http://schemas.microsoft.com/office/drawing/2010/main">
                 <a:solidFill>
                   <a:srgbClr val="FFFFFF"/>
                 </a:solidFill>
               </a14:hiddenFill>
             </a:ext>
             <a:ext uri="{91240B29-F687-4f45-9708-019B960494DF}">
-              <a14:hiddenLine xmlns:a14="http://schemas.microsoft.com/office/drawing/2010/main" xmlns="" w="9525" cap="flat">
+              <a14:hiddenLine xmlns="" xmlns:a14="http://schemas.microsoft.com/office/drawing/2010/main" w="9525" cap="flat">
                 <a:solidFill>
                   <a:srgbClr val="000000"/>
                 </a:solidFill>
@@ -1026,7 +1026,7 @@
               </a14:hiddenLine>
             </a:ext>
             <a:ext uri="{AF507438-7753-43e0-B8FC-AC1667EBCBE1}">
-              <a14:hiddenEffects xmlns:a14="http://schemas.microsoft.com/office/drawing/2010/main" xmlns="">
+              <a14:hiddenEffects xmlns="" xmlns:a14="http://schemas.microsoft.com/office/drawing/2010/main">
                 <a:effectLst>
                   <a:outerShdw blurRad="63500" dist="38099" dir="2700000" algn="ctr" rotWithShape="0">
                     <a:srgbClr val="000000">
@@ -1136,7 +1136,7 @@
           </a:ln>
           <a:extLst>
             <a:ext uri="{AF507438-7753-43e0-B8FC-AC1667EBCBE1}">
-              <a14:hiddenEffects xmlns:a14="http://schemas.microsoft.com/office/drawing/2010/main" xmlns="">
+              <a14:hiddenEffects xmlns="" xmlns:a14="http://schemas.microsoft.com/office/drawing/2010/main">
                 <a:effectLst>
                   <a:outerShdw blurRad="63500" dist="38099" dir="2700000" algn="ctr" rotWithShape="0">
                     <a:srgbClr val="000000">
@@ -1171,14 +1171,14 @@
           <a:ln/>
           <a:extLst>
             <a:ext uri="{909E8E84-426E-40dd-AFC4-6F175D3DCCD1}">
-              <a14:hiddenFill xmlns:a14="http://schemas.microsoft.com/office/drawing/2010/main" xmlns="">
+              <a14:hiddenFill xmlns="" xmlns:a14="http://schemas.microsoft.com/office/drawing/2010/main">
                 <a:solidFill>
                   <a:srgbClr val="FFFFFF"/>
                 </a:solidFill>
               </a14:hiddenFill>
             </a:ext>
             <a:ext uri="{91240B29-F687-4f45-9708-019B960494DF}">
-              <a14:hiddenLine xmlns:a14="http://schemas.microsoft.com/office/drawing/2010/main" xmlns="" w="9525" cap="flat">
+              <a14:hiddenLine xmlns="" xmlns:a14="http://schemas.microsoft.com/office/drawing/2010/main" w="9525" cap="flat">
                 <a:solidFill>
                   <a:srgbClr val="000000"/>
                 </a:solidFill>
@@ -1188,7 +1188,7 @@
               </a14:hiddenLine>
             </a:ext>
             <a:ext uri="{AF507438-7753-43e0-B8FC-AC1667EBCBE1}">
-              <a14:hiddenEffects xmlns:a14="http://schemas.microsoft.com/office/drawing/2010/main" xmlns="">
+              <a14:hiddenEffects xmlns="" xmlns:a14="http://schemas.microsoft.com/office/drawing/2010/main">
                 <a:effectLst>
                   <a:outerShdw blurRad="63500" dist="38099" dir="2700000" algn="ctr" rotWithShape="0">
                     <a:srgbClr val="000000">
@@ -1298,7 +1298,7 @@
           </a:ln>
           <a:extLst>
             <a:ext uri="{AF507438-7753-43e0-B8FC-AC1667EBCBE1}">
-              <a14:hiddenEffects xmlns:a14="http://schemas.microsoft.com/office/drawing/2010/main" xmlns="">
+              <a14:hiddenEffects xmlns="" xmlns:a14="http://schemas.microsoft.com/office/drawing/2010/main">
                 <a:effectLst>
                   <a:outerShdw blurRad="63500" dist="38099" dir="2700000" algn="ctr" rotWithShape="0">
                     <a:srgbClr val="000000">
@@ -1333,14 +1333,14 @@
           <a:ln/>
           <a:extLst>
             <a:ext uri="{909E8E84-426E-40dd-AFC4-6F175D3DCCD1}">
-              <a14:hiddenFill xmlns:a14="http://schemas.microsoft.com/office/drawing/2010/main" xmlns="">
+              <a14:hiddenFill xmlns="" xmlns:a14="http://schemas.microsoft.com/office/drawing/2010/main">
                 <a:solidFill>
                   <a:srgbClr val="FFFFFF"/>
                 </a:solidFill>
               </a14:hiddenFill>
             </a:ext>
             <a:ext uri="{91240B29-F687-4f45-9708-019B960494DF}">
-              <a14:hiddenLine xmlns:a14="http://schemas.microsoft.com/office/drawing/2010/main" xmlns="" w="9525" cap="flat">
+              <a14:hiddenLine xmlns="" xmlns:a14="http://schemas.microsoft.com/office/drawing/2010/main" w="9525" cap="flat">
                 <a:solidFill>
                   <a:srgbClr val="000000"/>
                 </a:solidFill>
@@ -1350,7 +1350,7 @@
               </a14:hiddenLine>
             </a:ext>
             <a:ext uri="{AF507438-7753-43e0-B8FC-AC1667EBCBE1}">
-              <a14:hiddenEffects xmlns:a14="http://schemas.microsoft.com/office/drawing/2010/main" xmlns="">
+              <a14:hiddenEffects xmlns="" xmlns:a14="http://schemas.microsoft.com/office/drawing/2010/main">
                 <a:effectLst>
                   <a:outerShdw blurRad="63500" dist="38099" dir="2700000" algn="ctr" rotWithShape="0">
                     <a:srgbClr val="000000">
@@ -4039,14 +4039,14 @@
               <ma14:placeholderFlag xmlns:ma14="http://schemas.microsoft.com/office/mac/drawingml/2011/main" val="1"/>
             </a:ext>
             <a:ext uri="{909E8E84-426E-40dd-AFC4-6F175D3DCCD1}">
-              <a14:hiddenFill xmlns:a14="http://schemas.microsoft.com/office/drawing/2010/main" xmlns="">
+              <a14:hiddenFill xmlns="" xmlns:a14="http://schemas.microsoft.com/office/drawing/2010/main">
                 <a:solidFill>
                   <a:srgbClr val="FFFFFF"/>
                 </a:solidFill>
               </a14:hiddenFill>
             </a:ext>
             <a:ext uri="{91240B29-F687-4f45-9708-019B960494DF}">
-              <a14:hiddenLine xmlns:a14="http://schemas.microsoft.com/office/drawing/2010/main" xmlns="" w="9525" cap="flat">
+              <a14:hiddenLine xmlns="" xmlns:a14="http://schemas.microsoft.com/office/drawing/2010/main" w="9525" cap="flat">
                 <a:solidFill>
                   <a:srgbClr val="000000"/>
                 </a:solidFill>
@@ -4056,7 +4056,7 @@
               </a14:hiddenLine>
             </a:ext>
             <a:ext uri="{AF507438-7753-43e0-B8FC-AC1667EBCBE1}">
-              <a14:hiddenEffects xmlns:a14="http://schemas.microsoft.com/office/drawing/2010/main" xmlns="">
+              <a14:hiddenEffects xmlns="" xmlns:a14="http://schemas.microsoft.com/office/drawing/2010/main">
                 <a:effectLst>
                   <a:outerShdw blurRad="63500" dist="38099" dir="2700000" algn="ctr" rotWithShape="0">
                     <a:schemeClr val="bg2">
@@ -4112,14 +4112,14 @@
               <ma14:placeholderFlag xmlns:ma14="http://schemas.microsoft.com/office/mac/drawingml/2011/main" val="1"/>
             </a:ext>
             <a:ext uri="{909E8E84-426E-40dd-AFC4-6F175D3DCCD1}">
-              <a14:hiddenFill xmlns:a14="http://schemas.microsoft.com/office/drawing/2010/main" xmlns="">
+              <a14:hiddenFill xmlns="" xmlns:a14="http://schemas.microsoft.com/office/drawing/2010/main">
                 <a:solidFill>
                   <a:srgbClr val="FFFFFF"/>
                 </a:solidFill>
               </a14:hiddenFill>
             </a:ext>
             <a:ext uri="{91240B29-F687-4f45-9708-019B960494DF}">
-              <a14:hiddenLine xmlns:a14="http://schemas.microsoft.com/office/drawing/2010/main" xmlns="" w="9525" cap="flat">
+              <a14:hiddenLine xmlns="" xmlns:a14="http://schemas.microsoft.com/office/drawing/2010/main" w="9525" cap="flat">
                 <a:solidFill>
                   <a:srgbClr val="000000"/>
                 </a:solidFill>
@@ -4129,7 +4129,7 @@
               </a14:hiddenLine>
             </a:ext>
             <a:ext uri="{AF507438-7753-43e0-B8FC-AC1667EBCBE1}">
-              <a14:hiddenEffects xmlns:a14="http://schemas.microsoft.com/office/drawing/2010/main" xmlns="">
+              <a14:hiddenEffects xmlns="" xmlns:a14="http://schemas.microsoft.com/office/drawing/2010/main">
                 <a:effectLst>
                   <a:outerShdw blurRad="63500" dist="38099" dir="2700000" algn="ctr" rotWithShape="0">
                     <a:schemeClr val="bg2">
@@ -4227,14 +4227,14 @@
               <ma14:placeholderFlag xmlns:ma14="http://schemas.microsoft.com/office/mac/drawingml/2011/main" val="1"/>
             </a:ext>
             <a:ext uri="{909E8E84-426E-40dd-AFC4-6F175D3DCCD1}">
-              <a14:hiddenFill xmlns:a14="http://schemas.microsoft.com/office/drawing/2010/main" xmlns="">
+              <a14:hiddenFill xmlns="" xmlns:a14="http://schemas.microsoft.com/office/drawing/2010/main">
                 <a:solidFill>
                   <a:srgbClr val="FFFFFF"/>
                 </a:solidFill>
               </a14:hiddenFill>
             </a:ext>
             <a:ext uri="{91240B29-F687-4f45-9708-019B960494DF}">
-              <a14:hiddenLine xmlns:a14="http://schemas.microsoft.com/office/drawing/2010/main" xmlns="" w="9525" cap="flat">
+              <a14:hiddenLine xmlns="" xmlns:a14="http://schemas.microsoft.com/office/drawing/2010/main" w="9525" cap="flat">
                 <a:solidFill>
                   <a:srgbClr val="000000"/>
                 </a:solidFill>
@@ -4244,7 +4244,7 @@
               </a14:hiddenLine>
             </a:ext>
             <a:ext uri="{AF507438-7753-43e0-B8FC-AC1667EBCBE1}">
-              <a14:hiddenEffects xmlns:a14="http://schemas.microsoft.com/office/drawing/2010/main" xmlns="">
+              <a14:hiddenEffects xmlns="" xmlns:a14="http://schemas.microsoft.com/office/drawing/2010/main">
                 <a:effectLst>
                   <a:outerShdw blurRad="63500" dist="38099" dir="2700000" algn="ctr" rotWithShape="0">
                     <a:schemeClr val="bg2">
@@ -4316,14 +4316,14 @@
               <ma14:placeholderFlag xmlns:ma14="http://schemas.microsoft.com/office/mac/drawingml/2011/main" val="1"/>
             </a:ext>
             <a:ext uri="{909E8E84-426E-40dd-AFC4-6F175D3DCCD1}">
-              <a14:hiddenFill xmlns:a14="http://schemas.microsoft.com/office/drawing/2010/main" xmlns="">
+              <a14:hiddenFill xmlns="" xmlns:a14="http://schemas.microsoft.com/office/drawing/2010/main">
                 <a:solidFill>
                   <a:srgbClr val="FFFFFF"/>
                 </a:solidFill>
               </a14:hiddenFill>
             </a:ext>
             <a:ext uri="{91240B29-F687-4f45-9708-019B960494DF}">
-              <a14:hiddenLine xmlns:a14="http://schemas.microsoft.com/office/drawing/2010/main" xmlns="" w="9525" cap="flat">
+              <a14:hiddenLine xmlns="" xmlns:a14="http://schemas.microsoft.com/office/drawing/2010/main" w="9525" cap="flat">
                 <a:solidFill>
                   <a:srgbClr val="000000"/>
                 </a:solidFill>
@@ -4333,7 +4333,7 @@
               </a14:hiddenLine>
             </a:ext>
             <a:ext uri="{AF507438-7753-43e0-B8FC-AC1667EBCBE1}">
-              <a14:hiddenEffects xmlns:a14="http://schemas.microsoft.com/office/drawing/2010/main" xmlns="">
+              <a14:hiddenEffects xmlns="" xmlns:a14="http://schemas.microsoft.com/office/drawing/2010/main">
                 <a:effectLst>
                   <a:outerShdw blurRad="63500" dist="38099" dir="2700000" algn="ctr" rotWithShape="0">
                     <a:schemeClr val="bg2">
@@ -4407,14 +4407,14 @@
               <ma14:placeholderFlag xmlns:ma14="http://schemas.microsoft.com/office/mac/drawingml/2011/main" val="1"/>
             </a:ext>
             <a:ext uri="{909E8E84-426E-40dd-AFC4-6F175D3DCCD1}">
-              <a14:hiddenFill xmlns:a14="http://schemas.microsoft.com/office/drawing/2010/main" xmlns="">
+              <a14:hiddenFill xmlns="" xmlns:a14="http://schemas.microsoft.com/office/drawing/2010/main">
                 <a:solidFill>
                   <a:srgbClr val="FFFFFF"/>
                 </a:solidFill>
               </a14:hiddenFill>
             </a:ext>
             <a:ext uri="{91240B29-F687-4f45-9708-019B960494DF}">
-              <a14:hiddenLine xmlns:a14="http://schemas.microsoft.com/office/drawing/2010/main" xmlns="" w="9525" cap="flat">
+              <a14:hiddenLine xmlns="" xmlns:a14="http://schemas.microsoft.com/office/drawing/2010/main" w="9525" cap="flat">
                 <a:solidFill>
                   <a:srgbClr val="000000"/>
                 </a:solidFill>
@@ -4424,7 +4424,7 @@
               </a14:hiddenLine>
             </a:ext>
             <a:ext uri="{AF507438-7753-43e0-B8FC-AC1667EBCBE1}">
-              <a14:hiddenEffects xmlns:a14="http://schemas.microsoft.com/office/drawing/2010/main" xmlns="">
+              <a14:hiddenEffects xmlns="" xmlns:a14="http://schemas.microsoft.com/office/drawing/2010/main">
                 <a:effectLst>
                   <a:outerShdw blurRad="63500" dist="38099" dir="2700000" algn="ctr" rotWithShape="0">
                     <a:schemeClr val="bg2">
@@ -5075,7 +5075,7 @@
           <a:effectLst/>
           <a:extLst>
             <a:ext uri="{AF507438-7753-43e0-B8FC-AC1667EBCBE1}">
-              <a14:hiddenEffects xmlns:a14="http://schemas.microsoft.com/office/drawing/2010/main" xmlns="">
+              <a14:hiddenEffects xmlns="" xmlns:a14="http://schemas.microsoft.com/office/drawing/2010/main">
                 <a:effectLst>
                   <a:outerShdw blurRad="63500" dist="38099" dir="2700000" algn="ctr" rotWithShape="0">
                     <a:srgbClr val="000000">
@@ -5127,7 +5127,7 @@
           <a:effectLst/>
           <a:extLst>
             <a:ext uri="{AF507438-7753-43e0-B8FC-AC1667EBCBE1}">
-              <a14:hiddenEffects xmlns:a14="http://schemas.microsoft.com/office/drawing/2010/main" xmlns="">
+              <a14:hiddenEffects xmlns="" xmlns:a14="http://schemas.microsoft.com/office/drawing/2010/main">
                 <a:effectLst>
                   <a:outerShdw blurRad="63500" dist="38099" dir="2700000" algn="ctr" rotWithShape="0">
                     <a:srgbClr val="000000">
@@ -5179,7 +5179,7 @@
           <a:effectLst/>
           <a:extLst>
             <a:ext uri="{AF507438-7753-43e0-B8FC-AC1667EBCBE1}">
-              <a14:hiddenEffects xmlns:a14="http://schemas.microsoft.com/office/drawing/2010/main" xmlns="">
+              <a14:hiddenEffects xmlns="" xmlns:a14="http://schemas.microsoft.com/office/drawing/2010/main">
                 <a:effectLst>
                   <a:outerShdw blurRad="63500" dist="38099" dir="2700000" algn="ctr" rotWithShape="0">
                     <a:srgbClr val="000000">
@@ -5231,7 +5231,7 @@
           <a:effectLst/>
           <a:extLst>
             <a:ext uri="{AF507438-7753-43e0-B8FC-AC1667EBCBE1}">
-              <a14:hiddenEffects xmlns:a14="http://schemas.microsoft.com/office/drawing/2010/main" xmlns="">
+              <a14:hiddenEffects xmlns="" xmlns:a14="http://schemas.microsoft.com/office/drawing/2010/main">
                 <a:effectLst>
                   <a:outerShdw blurRad="63500" dist="38099" dir="2700000" algn="ctr" rotWithShape="0">
                     <a:srgbClr val="000000">
@@ -5281,7 +5281,7 @@
           <a:effectLst/>
           <a:extLst>
             <a:ext uri="{AF507438-7753-43e0-B8FC-AC1667EBCBE1}">
-              <a14:hiddenEffects xmlns:a14="http://schemas.microsoft.com/office/drawing/2010/main" xmlns="">
+              <a14:hiddenEffects xmlns="" xmlns:a14="http://schemas.microsoft.com/office/drawing/2010/main">
                 <a:effectLst>
                   <a:outerShdw blurRad="63500" dist="38099" dir="2700000" algn="ctr" rotWithShape="0">
                     <a:srgbClr val="000000">
@@ -5333,7 +5333,7 @@
           <a:effectLst/>
           <a:extLst>
             <a:ext uri="{AF507438-7753-43e0-B8FC-AC1667EBCBE1}">
-              <a14:hiddenEffects xmlns:a14="http://schemas.microsoft.com/office/drawing/2010/main" xmlns="">
+              <a14:hiddenEffects xmlns="" xmlns:a14="http://schemas.microsoft.com/office/drawing/2010/main">
                 <a:effectLst>
                   <a:outerShdw blurRad="63500" dist="38099" dir="2700000" algn="ctr" rotWithShape="0">
                     <a:srgbClr val="000000">
@@ -5385,7 +5385,7 @@
           <a:effectLst/>
           <a:extLst>
             <a:ext uri="{AF507438-7753-43e0-B8FC-AC1667EBCBE1}">
-              <a14:hiddenEffects xmlns:a14="http://schemas.microsoft.com/office/drawing/2010/main" xmlns="">
+              <a14:hiddenEffects xmlns="" xmlns:a14="http://schemas.microsoft.com/office/drawing/2010/main">
                 <a:effectLst>
                   <a:outerShdw blurRad="63500" dist="38099" dir="2700000" algn="ctr" rotWithShape="0">
                     <a:srgbClr val="000000">
@@ -5437,7 +5437,7 @@
           <a:effectLst/>
           <a:extLst>
             <a:ext uri="{AF507438-7753-43e0-B8FC-AC1667EBCBE1}">
-              <a14:hiddenEffects xmlns:a14="http://schemas.microsoft.com/office/drawing/2010/main" xmlns="">
+              <a14:hiddenEffects xmlns="" xmlns:a14="http://schemas.microsoft.com/office/drawing/2010/main">
                 <a:effectLst>
                   <a:outerShdw blurRad="63500" dist="38099" dir="2700000" algn="ctr" rotWithShape="0">
                     <a:srgbClr val="000000">
@@ -5489,7 +5489,7 @@
           <a:effectLst/>
           <a:extLst>
             <a:ext uri="{AF507438-7753-43e0-B8FC-AC1667EBCBE1}">
-              <a14:hiddenEffects xmlns:a14="http://schemas.microsoft.com/office/drawing/2010/main" xmlns="">
+              <a14:hiddenEffects xmlns="" xmlns:a14="http://schemas.microsoft.com/office/drawing/2010/main">
                 <a:effectLst>
                   <a:outerShdw blurRad="63500" dist="38099" dir="2700000" algn="ctr" rotWithShape="0">
                     <a:srgbClr val="000000">
@@ -5541,7 +5541,7 @@
           <a:effectLst/>
           <a:extLst>
             <a:ext uri="{AF507438-7753-43e0-B8FC-AC1667EBCBE1}">
-              <a14:hiddenEffects xmlns:a14="http://schemas.microsoft.com/office/drawing/2010/main" xmlns="">
+              <a14:hiddenEffects xmlns="" xmlns:a14="http://schemas.microsoft.com/office/drawing/2010/main">
                 <a:effectLst>
                   <a:outerShdw blurRad="63500" dist="38099" dir="2700000" algn="ctr" rotWithShape="0">
                     <a:srgbClr val="000000">
@@ -5594,7 +5594,7 @@
           <a:effectLst/>
           <a:extLst>
             <a:ext uri="{AF507438-7753-43e0-B8FC-AC1667EBCBE1}">
-              <a14:hiddenEffects xmlns:a14="http://schemas.microsoft.com/office/drawing/2010/main" xmlns="">
+              <a14:hiddenEffects xmlns="" xmlns:a14="http://schemas.microsoft.com/office/drawing/2010/main">
                 <a:effectLst>
                   <a:outerShdw blurRad="63500" dist="38099" dir="2700000" algn="ctr" rotWithShape="0">
                     <a:srgbClr val="000000">
@@ -5644,7 +5644,7 @@
           <a:effectLst/>
           <a:extLst>
             <a:ext uri="{AF507438-7753-43e0-B8FC-AC1667EBCBE1}">
-              <a14:hiddenEffects xmlns:a14="http://schemas.microsoft.com/office/drawing/2010/main" xmlns="">
+              <a14:hiddenEffects xmlns="" xmlns:a14="http://schemas.microsoft.com/office/drawing/2010/main">
                 <a:effectLst>
                   <a:outerShdw blurRad="63500" dist="38099" dir="2700000" algn="ctr" rotWithShape="0">
                     <a:srgbClr val="000000">
@@ -5694,7 +5694,7 @@
           <a:effectLst/>
           <a:extLst>
             <a:ext uri="{AF507438-7753-43e0-B8FC-AC1667EBCBE1}">
-              <a14:hiddenEffects xmlns:a14="http://schemas.microsoft.com/office/drawing/2010/main" xmlns="">
+              <a14:hiddenEffects xmlns="" xmlns:a14="http://schemas.microsoft.com/office/drawing/2010/main">
                 <a:effectLst>
                   <a:outerShdw blurRad="63500" dist="38099" dir="2700000" algn="ctr" rotWithShape="0">
                     <a:srgbClr val="000000">
@@ -5744,7 +5744,7 @@
           <a:effectLst/>
           <a:extLst>
             <a:ext uri="{AF507438-7753-43e0-B8FC-AC1667EBCBE1}">
-              <a14:hiddenEffects xmlns:a14="http://schemas.microsoft.com/office/drawing/2010/main" xmlns="">
+              <a14:hiddenEffects xmlns="" xmlns:a14="http://schemas.microsoft.com/office/drawing/2010/main">
                 <a:effectLst>
                   <a:outerShdw blurRad="63500" dist="38099" dir="2700000" algn="ctr" rotWithShape="0">
                     <a:srgbClr val="000000">
@@ -5794,7 +5794,7 @@
           <a:effectLst/>
           <a:extLst>
             <a:ext uri="{AF507438-7753-43e0-B8FC-AC1667EBCBE1}">
-              <a14:hiddenEffects xmlns:a14="http://schemas.microsoft.com/office/drawing/2010/main" xmlns="">
+              <a14:hiddenEffects xmlns="" xmlns:a14="http://schemas.microsoft.com/office/drawing/2010/main">
                 <a:effectLst>
                   <a:outerShdw blurRad="63500" dist="38099" dir="2700000" algn="ctr" rotWithShape="0">
                     <a:srgbClr val="000000">
@@ -5844,7 +5844,7 @@
           <a:effectLst/>
           <a:extLst>
             <a:ext uri="{AF507438-7753-43e0-B8FC-AC1667EBCBE1}">
-              <a14:hiddenEffects xmlns:a14="http://schemas.microsoft.com/office/drawing/2010/main" xmlns="">
+              <a14:hiddenEffects xmlns="" xmlns:a14="http://schemas.microsoft.com/office/drawing/2010/main">
                 <a:effectLst>
                   <a:outerShdw blurRad="63500" dist="38099" dir="2700000" algn="ctr" rotWithShape="0">
                     <a:srgbClr val="000000">
@@ -5894,7 +5894,7 @@
           <a:effectLst/>
           <a:extLst>
             <a:ext uri="{AF507438-7753-43e0-B8FC-AC1667EBCBE1}">
-              <a14:hiddenEffects xmlns:a14="http://schemas.microsoft.com/office/drawing/2010/main" xmlns="">
+              <a14:hiddenEffects xmlns="" xmlns:a14="http://schemas.microsoft.com/office/drawing/2010/main">
                 <a:effectLst>
                   <a:outerShdw blurRad="63500" dist="38099" dir="2700000" algn="ctr" rotWithShape="0">
                     <a:srgbClr val="000000">
@@ -5942,12 +5942,12 @@
           <a:effectLst/>
           <a:extLst>
             <a:ext uri="{909E8E84-426E-40dd-AFC4-6F175D3DCCD1}">
-              <a14:hiddenFill xmlns:a14="http://schemas.microsoft.com/office/drawing/2010/main" xmlns="">
+              <a14:hiddenFill xmlns="" xmlns:a14="http://schemas.microsoft.com/office/drawing/2010/main">
                 <a:noFill/>
               </a14:hiddenFill>
             </a:ext>
             <a:ext uri="{AF507438-7753-43e0-B8FC-AC1667EBCBE1}">
-              <a14:hiddenEffects xmlns:a14="http://schemas.microsoft.com/office/drawing/2010/main" xmlns="">
+              <a14:hiddenEffects xmlns="" xmlns:a14="http://schemas.microsoft.com/office/drawing/2010/main">
                 <a:effectLst>
                   <a:outerShdw blurRad="63500" dist="38099" dir="2700000" algn="ctr" rotWithShape="0">
                     <a:srgbClr val="000000">
@@ -5995,12 +5995,12 @@
           <a:effectLst/>
           <a:extLst>
             <a:ext uri="{909E8E84-426E-40dd-AFC4-6F175D3DCCD1}">
-              <a14:hiddenFill xmlns:a14="http://schemas.microsoft.com/office/drawing/2010/main" xmlns="">
+              <a14:hiddenFill xmlns="" xmlns:a14="http://schemas.microsoft.com/office/drawing/2010/main">
                 <a:noFill/>
               </a14:hiddenFill>
             </a:ext>
             <a:ext uri="{AF507438-7753-43e0-B8FC-AC1667EBCBE1}">
-              <a14:hiddenEffects xmlns:a14="http://schemas.microsoft.com/office/drawing/2010/main" xmlns="">
+              <a14:hiddenEffects xmlns="" xmlns:a14="http://schemas.microsoft.com/office/drawing/2010/main">
                 <a:effectLst>
                   <a:outerShdw blurRad="63500" dist="38099" dir="2700000" algn="ctr" rotWithShape="0">
                     <a:srgbClr val="000000">
@@ -6048,12 +6048,12 @@
           <a:effectLst/>
           <a:extLst>
             <a:ext uri="{909E8E84-426E-40dd-AFC4-6F175D3DCCD1}">
-              <a14:hiddenFill xmlns:a14="http://schemas.microsoft.com/office/drawing/2010/main" xmlns="">
+              <a14:hiddenFill xmlns="" xmlns:a14="http://schemas.microsoft.com/office/drawing/2010/main">
                 <a:noFill/>
               </a14:hiddenFill>
             </a:ext>
             <a:ext uri="{AF507438-7753-43e0-B8FC-AC1667EBCBE1}">
-              <a14:hiddenEffects xmlns:a14="http://schemas.microsoft.com/office/drawing/2010/main" xmlns="">
+              <a14:hiddenEffects xmlns="" xmlns:a14="http://schemas.microsoft.com/office/drawing/2010/main">
                 <a:effectLst>
                   <a:outerShdw blurRad="63500" dist="38099" dir="2700000" algn="ctr" rotWithShape="0">
                     <a:srgbClr val="000000">
@@ -6101,12 +6101,12 @@
           <a:effectLst/>
           <a:extLst>
             <a:ext uri="{909E8E84-426E-40dd-AFC4-6F175D3DCCD1}">
-              <a14:hiddenFill xmlns:a14="http://schemas.microsoft.com/office/drawing/2010/main" xmlns="">
+              <a14:hiddenFill xmlns="" xmlns:a14="http://schemas.microsoft.com/office/drawing/2010/main">
                 <a:noFill/>
               </a14:hiddenFill>
             </a:ext>
             <a:ext uri="{AF507438-7753-43e0-B8FC-AC1667EBCBE1}">
-              <a14:hiddenEffects xmlns:a14="http://schemas.microsoft.com/office/drawing/2010/main" xmlns="">
+              <a14:hiddenEffects xmlns="" xmlns:a14="http://schemas.microsoft.com/office/drawing/2010/main">
                 <a:effectLst>
                   <a:outerShdw blurRad="63500" dist="38099" dir="2700000" algn="ctr" rotWithShape="0">
                     <a:srgbClr val="000000">
@@ -6154,12 +6154,12 @@
           <a:effectLst/>
           <a:extLst>
             <a:ext uri="{909E8E84-426E-40dd-AFC4-6F175D3DCCD1}">
-              <a14:hiddenFill xmlns:a14="http://schemas.microsoft.com/office/drawing/2010/main" xmlns="">
+              <a14:hiddenFill xmlns="" xmlns:a14="http://schemas.microsoft.com/office/drawing/2010/main">
                 <a:noFill/>
               </a14:hiddenFill>
             </a:ext>
             <a:ext uri="{AF507438-7753-43e0-B8FC-AC1667EBCBE1}">
-              <a14:hiddenEffects xmlns:a14="http://schemas.microsoft.com/office/drawing/2010/main" xmlns="">
+              <a14:hiddenEffects xmlns="" xmlns:a14="http://schemas.microsoft.com/office/drawing/2010/main">
                 <a:effectLst>
                   <a:outerShdw blurRad="63500" dist="38099" dir="2700000" algn="ctr" rotWithShape="0">
                     <a:srgbClr val="000000">
@@ -6209,7 +6209,7 @@
           <a:effectLst/>
           <a:extLst>
             <a:ext uri="{AF507438-7753-43e0-B8FC-AC1667EBCBE1}">
-              <a14:hiddenEffects xmlns:a14="http://schemas.microsoft.com/office/drawing/2010/main" xmlns="">
+              <a14:hiddenEffects xmlns="" xmlns:a14="http://schemas.microsoft.com/office/drawing/2010/main">
                 <a:effectLst>
                   <a:outerShdw blurRad="63500" dist="38099" dir="2700000" algn="ctr" rotWithShape="0">
                     <a:srgbClr val="000000">
@@ -6259,7 +6259,7 @@
           <a:effectLst/>
           <a:extLst>
             <a:ext uri="{AF507438-7753-43e0-B8FC-AC1667EBCBE1}">
-              <a14:hiddenEffects xmlns:a14="http://schemas.microsoft.com/office/drawing/2010/main" xmlns="">
+              <a14:hiddenEffects xmlns="" xmlns:a14="http://schemas.microsoft.com/office/drawing/2010/main">
                 <a:effectLst>
                   <a:outerShdw blurRad="63500" dist="38099" dir="2700000" algn="ctr" rotWithShape="0">
                     <a:srgbClr val="000000">
@@ -6307,12 +6307,12 @@
           <a:effectLst/>
           <a:extLst>
             <a:ext uri="{909E8E84-426E-40dd-AFC4-6F175D3DCCD1}">
-              <a14:hiddenFill xmlns:a14="http://schemas.microsoft.com/office/drawing/2010/main" xmlns="">
+              <a14:hiddenFill xmlns="" xmlns:a14="http://schemas.microsoft.com/office/drawing/2010/main">
                 <a:noFill/>
               </a14:hiddenFill>
             </a:ext>
             <a:ext uri="{AF507438-7753-43e0-B8FC-AC1667EBCBE1}">
-              <a14:hiddenEffects xmlns:a14="http://schemas.microsoft.com/office/drawing/2010/main" xmlns="">
+              <a14:hiddenEffects xmlns="" xmlns:a14="http://schemas.microsoft.com/office/drawing/2010/main">
                 <a:effectLst>
                   <a:outerShdw blurRad="63500" dist="38099" dir="2700000" algn="ctr" rotWithShape="0">
                     <a:srgbClr val="000000">
@@ -6360,12 +6360,12 @@
           <a:effectLst/>
           <a:extLst>
             <a:ext uri="{909E8E84-426E-40dd-AFC4-6F175D3DCCD1}">
-              <a14:hiddenFill xmlns:a14="http://schemas.microsoft.com/office/drawing/2010/main" xmlns="">
+              <a14:hiddenFill xmlns="" xmlns:a14="http://schemas.microsoft.com/office/drawing/2010/main">
                 <a:noFill/>
               </a14:hiddenFill>
             </a:ext>
             <a:ext uri="{AF507438-7753-43e0-B8FC-AC1667EBCBE1}">
-              <a14:hiddenEffects xmlns:a14="http://schemas.microsoft.com/office/drawing/2010/main" xmlns="">
+              <a14:hiddenEffects xmlns="" xmlns:a14="http://schemas.microsoft.com/office/drawing/2010/main">
                 <a:effectLst>
                   <a:outerShdw blurRad="63500" dist="38099" dir="2700000" algn="ctr" rotWithShape="0">
                     <a:srgbClr val="000000">
@@ -6413,12 +6413,12 @@
           <a:effectLst/>
           <a:extLst>
             <a:ext uri="{909E8E84-426E-40dd-AFC4-6F175D3DCCD1}">
-              <a14:hiddenFill xmlns:a14="http://schemas.microsoft.com/office/drawing/2010/main" xmlns="">
+              <a14:hiddenFill xmlns="" xmlns:a14="http://schemas.microsoft.com/office/drawing/2010/main">
                 <a:noFill/>
               </a14:hiddenFill>
             </a:ext>
             <a:ext uri="{AF507438-7753-43e0-B8FC-AC1667EBCBE1}">
-              <a14:hiddenEffects xmlns:a14="http://schemas.microsoft.com/office/drawing/2010/main" xmlns="">
+              <a14:hiddenEffects xmlns="" xmlns:a14="http://schemas.microsoft.com/office/drawing/2010/main">
                 <a:effectLst>
                   <a:outerShdw blurRad="63500" dist="38099" dir="2700000" algn="ctr" rotWithShape="0">
                     <a:srgbClr val="000000">
@@ -6470,7 +6470,7 @@
           <a:effectLst/>
           <a:extLst>
             <a:ext uri="{AF507438-7753-43e0-B8FC-AC1667EBCBE1}">
-              <a14:hiddenEffects xmlns:a14="http://schemas.microsoft.com/office/drawing/2010/main" xmlns="">
+              <a14:hiddenEffects xmlns="" xmlns:a14="http://schemas.microsoft.com/office/drawing/2010/main">
                 <a:effectLst>
                   <a:outerShdw blurRad="63500" dist="38099" dir="2700000" algn="ctr" rotWithShape="0">
                     <a:srgbClr val="000000">
@@ -6520,7 +6520,7 @@
           <a:effectLst/>
           <a:extLst>
             <a:ext uri="{AF507438-7753-43e0-B8FC-AC1667EBCBE1}">
-              <a14:hiddenEffects xmlns:a14="http://schemas.microsoft.com/office/drawing/2010/main" xmlns="">
+              <a14:hiddenEffects xmlns="" xmlns:a14="http://schemas.microsoft.com/office/drawing/2010/main">
                 <a:effectLst>
                   <a:outerShdw blurRad="63500" dist="38099" dir="2700000" algn="ctr" rotWithShape="0">
                     <a:srgbClr val="000000">
@@ -6570,7 +6570,7 @@
           <a:effectLst/>
           <a:extLst>
             <a:ext uri="{AF507438-7753-43e0-B8FC-AC1667EBCBE1}">
-              <a14:hiddenEffects xmlns:a14="http://schemas.microsoft.com/office/drawing/2010/main" xmlns="">
+              <a14:hiddenEffects xmlns="" xmlns:a14="http://schemas.microsoft.com/office/drawing/2010/main">
                 <a:effectLst>
                   <a:outerShdw blurRad="63500" dist="38099" dir="2700000" algn="ctr" rotWithShape="0">
                     <a:srgbClr val="000000">
@@ -6620,7 +6620,7 @@
           <a:effectLst/>
           <a:extLst>
             <a:ext uri="{AF507438-7753-43e0-B8FC-AC1667EBCBE1}">
-              <a14:hiddenEffects xmlns:a14="http://schemas.microsoft.com/office/drawing/2010/main" xmlns="">
+              <a14:hiddenEffects xmlns="" xmlns:a14="http://schemas.microsoft.com/office/drawing/2010/main">
                 <a:effectLst>
                   <a:outerShdw blurRad="63500" dist="38099" dir="2700000" algn="ctr" rotWithShape="0">
                     <a:srgbClr val="000000">
@@ -6670,7 +6670,7 @@
           <a:effectLst/>
           <a:extLst>
             <a:ext uri="{AF507438-7753-43e0-B8FC-AC1667EBCBE1}">
-              <a14:hiddenEffects xmlns:a14="http://schemas.microsoft.com/office/drawing/2010/main" xmlns="">
+              <a14:hiddenEffects xmlns="" xmlns:a14="http://schemas.microsoft.com/office/drawing/2010/main">
                 <a:effectLst>
                   <a:outerShdw blurRad="63500" dist="38099" dir="2700000" algn="ctr" rotWithShape="0">
                     <a:srgbClr val="000000">
@@ -6720,7 +6720,7 @@
           <a:effectLst/>
           <a:extLst>
             <a:ext uri="{AF507438-7753-43e0-B8FC-AC1667EBCBE1}">
-              <a14:hiddenEffects xmlns:a14="http://schemas.microsoft.com/office/drawing/2010/main" xmlns="">
+              <a14:hiddenEffects xmlns="" xmlns:a14="http://schemas.microsoft.com/office/drawing/2010/main">
                 <a:effectLst>
                   <a:outerShdw blurRad="63500" dist="38099" dir="2700000" algn="ctr" rotWithShape="0">
                     <a:srgbClr val="000000">
@@ -6772,7 +6772,7 @@
           <a:effectLst/>
           <a:extLst>
             <a:ext uri="{AF507438-7753-43e0-B8FC-AC1667EBCBE1}">
-              <a14:hiddenEffects xmlns:a14="http://schemas.microsoft.com/office/drawing/2010/main" xmlns="">
+              <a14:hiddenEffects xmlns="" xmlns:a14="http://schemas.microsoft.com/office/drawing/2010/main">
                 <a:effectLst>
                   <a:outerShdw blurRad="63500" dist="38099" dir="2700000" algn="ctr" rotWithShape="0">
                     <a:srgbClr val="000000">
@@ -6815,14 +6815,14 @@
           <a:effectLst/>
           <a:extLst>
             <a:ext uri="{909E8E84-426E-40dd-AFC4-6F175D3DCCD1}">
-              <a14:hiddenFill xmlns:a14="http://schemas.microsoft.com/office/drawing/2010/main" xmlns="">
+              <a14:hiddenFill xmlns="" xmlns:a14="http://schemas.microsoft.com/office/drawing/2010/main">
                 <a:solidFill>
                   <a:srgbClr val="FFFFFF"/>
                 </a:solidFill>
               </a14:hiddenFill>
             </a:ext>
             <a:ext uri="{91240B29-F687-4f45-9708-019B960494DF}">
-              <a14:hiddenLine xmlns:a14="http://schemas.microsoft.com/office/drawing/2010/main" xmlns="" w="9525" cap="flat">
+              <a14:hiddenLine xmlns="" xmlns:a14="http://schemas.microsoft.com/office/drawing/2010/main" w="9525" cap="flat">
                 <a:solidFill>
                   <a:srgbClr val="000000"/>
                 </a:solidFill>
@@ -6832,7 +6832,7 @@
               </a14:hiddenLine>
             </a:ext>
             <a:ext uri="{AF507438-7753-43e0-B8FC-AC1667EBCBE1}">
-              <a14:hiddenEffects xmlns:a14="http://schemas.microsoft.com/office/drawing/2010/main" xmlns="">
+              <a14:hiddenEffects xmlns="" xmlns:a14="http://schemas.microsoft.com/office/drawing/2010/main">
                 <a:effectLst>
                   <a:outerShdw blurRad="63500" dist="38099" dir="2700000" algn="ctr" rotWithShape="0">
                     <a:srgbClr val="000000">
@@ -7067,12 +7067,12 @@
           <a:effectLst/>
           <a:extLst>
             <a:ext uri="{909E8E84-426E-40dd-AFC4-6F175D3DCCD1}">
-              <a14:hiddenFill xmlns:a14="http://schemas.microsoft.com/office/drawing/2010/main" xmlns="">
+              <a14:hiddenFill xmlns="" xmlns:a14="http://schemas.microsoft.com/office/drawing/2010/main">
                 <a:noFill/>
               </a14:hiddenFill>
             </a:ext>
             <a:ext uri="{AF507438-7753-43e0-B8FC-AC1667EBCBE1}">
-              <a14:hiddenEffects xmlns:a14="http://schemas.microsoft.com/office/drawing/2010/main" xmlns="">
+              <a14:hiddenEffects xmlns="" xmlns:a14="http://schemas.microsoft.com/office/drawing/2010/main">
                 <a:effectLst>
                   <a:outerShdw blurRad="63500" dist="38099" dir="2700000" algn="ctr" rotWithShape="0">
                     <a:srgbClr val="000000">
@@ -7120,12 +7120,12 @@
           <a:effectLst/>
           <a:extLst>
             <a:ext uri="{909E8E84-426E-40dd-AFC4-6F175D3DCCD1}">
-              <a14:hiddenFill xmlns:a14="http://schemas.microsoft.com/office/drawing/2010/main" xmlns="">
+              <a14:hiddenFill xmlns="" xmlns:a14="http://schemas.microsoft.com/office/drawing/2010/main">
                 <a:noFill/>
               </a14:hiddenFill>
             </a:ext>
             <a:ext uri="{AF507438-7753-43e0-B8FC-AC1667EBCBE1}">
-              <a14:hiddenEffects xmlns:a14="http://schemas.microsoft.com/office/drawing/2010/main" xmlns="">
+              <a14:hiddenEffects xmlns="" xmlns:a14="http://schemas.microsoft.com/office/drawing/2010/main">
                 <a:effectLst>
                   <a:outerShdw blurRad="63500" dist="38099" dir="2700000" algn="ctr" rotWithShape="0">
                     <a:srgbClr val="000000">
@@ -7168,14 +7168,14 @@
           <a:effectLst/>
           <a:extLst>
             <a:ext uri="{909E8E84-426E-40dd-AFC4-6F175D3DCCD1}">
-              <a14:hiddenFill xmlns:a14="http://schemas.microsoft.com/office/drawing/2010/main" xmlns="">
+              <a14:hiddenFill xmlns="" xmlns:a14="http://schemas.microsoft.com/office/drawing/2010/main">
                 <a:solidFill>
                   <a:srgbClr val="FFFFFF"/>
                 </a:solidFill>
               </a14:hiddenFill>
             </a:ext>
             <a:ext uri="{91240B29-F687-4f45-9708-019B960494DF}">
-              <a14:hiddenLine xmlns:a14="http://schemas.microsoft.com/office/drawing/2010/main" xmlns="" w="9525" cap="flat">
+              <a14:hiddenLine xmlns="" xmlns:a14="http://schemas.microsoft.com/office/drawing/2010/main" w="9525" cap="flat">
                 <a:solidFill>
                   <a:srgbClr val="000000"/>
                 </a:solidFill>
@@ -7185,7 +7185,7 @@
               </a14:hiddenLine>
             </a:ext>
             <a:ext uri="{AF507438-7753-43e0-B8FC-AC1667EBCBE1}">
-              <a14:hiddenEffects xmlns:a14="http://schemas.microsoft.com/office/drawing/2010/main" xmlns="">
+              <a14:hiddenEffects xmlns="" xmlns:a14="http://schemas.microsoft.com/office/drawing/2010/main">
                 <a:effectLst>
                   <a:outerShdw blurRad="63500" dist="38099" dir="2700000" algn="ctr" rotWithShape="0">
                     <a:srgbClr val="000000">
@@ -7394,12 +7394,8 @@
           </a:lstStyle>
           <a:p>
             <a:r>
-              <a:rPr lang="fr-FR" sz="1200" dirty="0" smtClean="0"/>
-              <a:t>Restaurant </a:t>
-            </a:r>
-            <a:r>
-              <a:rPr lang="fr-FR" sz="1200" dirty="0" err="1" smtClean="0"/>
-              <a:t>athlèthes</a:t>
+              <a:rPr lang="fr-FR" sz="1200" smtClean="0"/>
+              <a:t>Restaurant</a:t>
             </a:r>
             <a:endParaRPr lang="fr-FR" sz="1200" dirty="0"/>
           </a:p>
@@ -7428,14 +7424,14 @@
           <a:effectLst/>
           <a:extLst>
             <a:ext uri="{909E8E84-426E-40dd-AFC4-6F175D3DCCD1}">
-              <a14:hiddenFill xmlns:a14="http://schemas.microsoft.com/office/drawing/2010/main" xmlns="">
+              <a14:hiddenFill xmlns="" xmlns:a14="http://schemas.microsoft.com/office/drawing/2010/main">
                 <a:solidFill>
                   <a:srgbClr val="FFFFFF"/>
                 </a:solidFill>
               </a14:hiddenFill>
             </a:ext>
             <a:ext uri="{91240B29-F687-4f45-9708-019B960494DF}">
-              <a14:hiddenLine xmlns:a14="http://schemas.microsoft.com/office/drawing/2010/main" xmlns="" w="9525" cap="flat">
+              <a14:hiddenLine xmlns="" xmlns:a14="http://schemas.microsoft.com/office/drawing/2010/main" w="9525" cap="flat">
                 <a:solidFill>
                   <a:srgbClr val="000000"/>
                 </a:solidFill>
@@ -7445,7 +7441,7 @@
               </a14:hiddenLine>
             </a:ext>
             <a:ext uri="{AF507438-7753-43e0-B8FC-AC1667EBCBE1}">
-              <a14:hiddenEffects xmlns:a14="http://schemas.microsoft.com/office/drawing/2010/main" xmlns="">
+              <a14:hiddenEffects xmlns="" xmlns:a14="http://schemas.microsoft.com/office/drawing/2010/main">
                 <a:effectLst>
                   <a:outerShdw blurRad="63500" dist="38099" dir="2700000" algn="ctr" rotWithShape="0">
                     <a:srgbClr val="000000">
@@ -7652,8 +7648,8 @@
         </p:nvSpPr>
         <p:spPr bwMode="auto">
           <a:xfrm>
-            <a:off x="4896296" y="3635821"/>
-            <a:ext cx="1077912" cy="260350"/>
+            <a:off x="4896295" y="3635820"/>
+            <a:ext cx="1537841" cy="307529"/>
           </a:xfrm>
           <a:prstGeom prst="rect">
             <a:avLst/>
@@ -7665,14 +7661,14 @@
           <a:effectLst/>
           <a:extLst>
             <a:ext uri="{909E8E84-426E-40dd-AFC4-6F175D3DCCD1}">
-              <a14:hiddenFill xmlns:a14="http://schemas.microsoft.com/office/drawing/2010/main" xmlns="">
+              <a14:hiddenFill xmlns="" xmlns:a14="http://schemas.microsoft.com/office/drawing/2010/main">
                 <a:solidFill>
                   <a:srgbClr val="FFFFFF"/>
                 </a:solidFill>
               </a14:hiddenFill>
             </a:ext>
             <a:ext uri="{91240B29-F687-4f45-9708-019B960494DF}">
-              <a14:hiddenLine xmlns:a14="http://schemas.microsoft.com/office/drawing/2010/main" xmlns="" w="9525" cap="flat">
+              <a14:hiddenLine xmlns="" xmlns:a14="http://schemas.microsoft.com/office/drawing/2010/main" w="9525" cap="flat">
                 <a:solidFill>
                   <a:srgbClr val="000000"/>
                 </a:solidFill>
@@ -7682,7 +7678,7 @@
               </a14:hiddenLine>
             </a:ext>
             <a:ext uri="{AF507438-7753-43e0-B8FC-AC1667EBCBE1}">
-              <a14:hiddenEffects xmlns:a14="http://schemas.microsoft.com/office/drawing/2010/main" xmlns="">
+              <a14:hiddenEffects xmlns="" xmlns:a14="http://schemas.microsoft.com/office/drawing/2010/main">
                 <a:effectLst>
                   <a:outerShdw blurRad="63500" dist="38099" dir="2700000" algn="ctr" rotWithShape="0">
                     <a:srgbClr val="000000">
@@ -7883,7 +7879,11 @@
           <a:p>
             <a:r>
               <a:rPr lang="fr-FR" sz="1200" dirty="0" smtClean="0"/>
-              <a:t>Village olympique</a:t>
+              <a:t>Village </a:t>
+            </a:r>
+            <a:r>
+              <a:rPr lang="fr-FR" sz="1200" dirty="0" smtClean="0"/>
+              <a:t>des athlètes</a:t>
             </a:r>
             <a:endParaRPr lang="fr-FR" sz="1200" dirty="0"/>
           </a:p>
@@ -7912,14 +7912,14 @@
           <a:effectLst/>
           <a:extLst>
             <a:ext uri="{909E8E84-426E-40dd-AFC4-6F175D3DCCD1}">
-              <a14:hiddenFill xmlns:a14="http://schemas.microsoft.com/office/drawing/2010/main" xmlns="">
+              <a14:hiddenFill xmlns="" xmlns:a14="http://schemas.microsoft.com/office/drawing/2010/main">
                 <a:solidFill>
                   <a:srgbClr val="FFFFFF"/>
                 </a:solidFill>
               </a14:hiddenFill>
             </a:ext>
             <a:ext uri="{91240B29-F687-4f45-9708-019B960494DF}">
-              <a14:hiddenLine xmlns:a14="http://schemas.microsoft.com/office/drawing/2010/main" xmlns="" w="9525" cap="flat">
+              <a14:hiddenLine xmlns="" xmlns:a14="http://schemas.microsoft.com/office/drawing/2010/main" w="9525" cap="flat">
                 <a:solidFill>
                   <a:srgbClr val="000000"/>
                 </a:solidFill>
@@ -7929,7 +7929,7 @@
               </a14:hiddenLine>
             </a:ext>
             <a:ext uri="{AF507438-7753-43e0-B8FC-AC1667EBCBE1}">
-              <a14:hiddenEffects xmlns:a14="http://schemas.microsoft.com/office/drawing/2010/main" xmlns="">
+              <a14:hiddenEffects xmlns="" xmlns:a14="http://schemas.microsoft.com/office/drawing/2010/main">
                 <a:effectLst>
                   <a:outerShdw blurRad="63500" dist="38099" dir="2700000" algn="ctr" rotWithShape="0">
                     <a:srgbClr val="000000">
@@ -8158,14 +8158,14 @@
           <a:effectLst/>
           <a:extLst>
             <a:ext uri="{909E8E84-426E-40dd-AFC4-6F175D3DCCD1}">
-              <a14:hiddenFill xmlns:a14="http://schemas.microsoft.com/office/drawing/2010/main" xmlns="">
+              <a14:hiddenFill xmlns="" xmlns:a14="http://schemas.microsoft.com/office/drawing/2010/main">
                 <a:solidFill>
                   <a:srgbClr val="FFFFFF"/>
                 </a:solidFill>
               </a14:hiddenFill>
             </a:ext>
             <a:ext uri="{91240B29-F687-4f45-9708-019B960494DF}">
-              <a14:hiddenLine xmlns:a14="http://schemas.microsoft.com/office/drawing/2010/main" xmlns="" w="9525" cap="flat">
+              <a14:hiddenLine xmlns="" xmlns:a14="http://schemas.microsoft.com/office/drawing/2010/main" w="9525" cap="flat">
                 <a:solidFill>
                   <a:srgbClr val="000000"/>
                 </a:solidFill>
@@ -8175,7 +8175,7 @@
               </a14:hiddenLine>
             </a:ext>
             <a:ext uri="{AF507438-7753-43e0-B8FC-AC1667EBCBE1}">
-              <a14:hiddenEffects xmlns:a14="http://schemas.microsoft.com/office/drawing/2010/main" xmlns="">
+              <a14:hiddenEffects xmlns="" xmlns:a14="http://schemas.microsoft.com/office/drawing/2010/main">
                 <a:effectLst>
                   <a:outerShdw blurRad="63500" dist="38099" dir="2700000" algn="ctr" rotWithShape="0">
                     <a:srgbClr val="000000">
@@ -8401,14 +8401,14 @@
           <a:effectLst/>
           <a:extLst>
             <a:ext uri="{909E8E84-426E-40dd-AFC4-6F175D3DCCD1}">
-              <a14:hiddenFill xmlns:a14="http://schemas.microsoft.com/office/drawing/2010/main" xmlns="">
+              <a14:hiddenFill xmlns="" xmlns:a14="http://schemas.microsoft.com/office/drawing/2010/main">
                 <a:solidFill>
                   <a:srgbClr val="FFFFFF"/>
                 </a:solidFill>
               </a14:hiddenFill>
             </a:ext>
             <a:ext uri="{91240B29-F687-4f45-9708-019B960494DF}">
-              <a14:hiddenLine xmlns:a14="http://schemas.microsoft.com/office/drawing/2010/main" xmlns="" w="9525" cap="flat">
+              <a14:hiddenLine xmlns="" xmlns:a14="http://schemas.microsoft.com/office/drawing/2010/main" w="9525" cap="flat">
                 <a:solidFill>
                   <a:srgbClr val="000000"/>
                 </a:solidFill>
@@ -8418,7 +8418,7 @@
               </a14:hiddenLine>
             </a:ext>
             <a:ext uri="{AF507438-7753-43e0-B8FC-AC1667EBCBE1}">
-              <a14:hiddenEffects xmlns:a14="http://schemas.microsoft.com/office/drawing/2010/main" xmlns="">
+              <a14:hiddenEffects xmlns="" xmlns:a14="http://schemas.microsoft.com/office/drawing/2010/main">
                 <a:effectLst>
                   <a:outerShdw blurRad="63500" dist="38099" dir="2700000" algn="ctr" rotWithShape="0">
                     <a:srgbClr val="000000">
@@ -8654,14 +8654,14 @@
           <a:effectLst/>
           <a:extLst>
             <a:ext uri="{909E8E84-426E-40dd-AFC4-6F175D3DCCD1}">
-              <a14:hiddenFill xmlns:a14="http://schemas.microsoft.com/office/drawing/2010/main" xmlns="">
+              <a14:hiddenFill xmlns="" xmlns:a14="http://schemas.microsoft.com/office/drawing/2010/main">
                 <a:solidFill>
                   <a:srgbClr val="FFFFFF"/>
                 </a:solidFill>
               </a14:hiddenFill>
             </a:ext>
             <a:ext uri="{91240B29-F687-4f45-9708-019B960494DF}">
-              <a14:hiddenLine xmlns:a14="http://schemas.microsoft.com/office/drawing/2010/main" xmlns="" w="9525" cap="flat">
+              <a14:hiddenLine xmlns="" xmlns:a14="http://schemas.microsoft.com/office/drawing/2010/main" w="9525" cap="flat">
                 <a:solidFill>
                   <a:srgbClr val="000000"/>
                 </a:solidFill>
@@ -8671,7 +8671,7 @@
               </a14:hiddenLine>
             </a:ext>
             <a:ext uri="{AF507438-7753-43e0-B8FC-AC1667EBCBE1}">
-              <a14:hiddenEffects xmlns:a14="http://schemas.microsoft.com/office/drawing/2010/main" xmlns="">
+              <a14:hiddenEffects xmlns="" xmlns:a14="http://schemas.microsoft.com/office/drawing/2010/main">
                 <a:effectLst>
                   <a:outerShdw blurRad="63500" dist="38099" dir="2700000" algn="ctr" rotWithShape="0">
                     <a:srgbClr val="000000">
@@ -8901,14 +8901,14 @@
           <a:effectLst/>
           <a:extLst>
             <a:ext uri="{909E8E84-426E-40dd-AFC4-6F175D3DCCD1}">
-              <a14:hiddenFill xmlns:a14="http://schemas.microsoft.com/office/drawing/2010/main" xmlns="">
+              <a14:hiddenFill xmlns="" xmlns:a14="http://schemas.microsoft.com/office/drawing/2010/main">
                 <a:solidFill>
                   <a:srgbClr val="FFFFFF"/>
                 </a:solidFill>
               </a14:hiddenFill>
             </a:ext>
             <a:ext uri="{91240B29-F687-4f45-9708-019B960494DF}">
-              <a14:hiddenLine xmlns:a14="http://schemas.microsoft.com/office/drawing/2010/main" xmlns="" w="9525" cap="flat">
+              <a14:hiddenLine xmlns="" xmlns:a14="http://schemas.microsoft.com/office/drawing/2010/main" w="9525" cap="flat">
                 <a:solidFill>
                   <a:srgbClr val="000000"/>
                 </a:solidFill>
@@ -8918,7 +8918,7 @@
               </a14:hiddenLine>
             </a:ext>
             <a:ext uri="{AF507438-7753-43e0-B8FC-AC1667EBCBE1}">
-              <a14:hiddenEffects xmlns:a14="http://schemas.microsoft.com/office/drawing/2010/main" xmlns="">
+              <a14:hiddenEffects xmlns="" xmlns:a14="http://schemas.microsoft.com/office/drawing/2010/main">
                 <a:effectLst>
                   <a:outerShdw blurRad="63500" dist="38099" dir="2700000" algn="ctr" rotWithShape="0">
                     <a:srgbClr val="000000">
@@ -9157,7 +9157,7 @@
           <a:effectLst/>
           <a:extLst>
             <a:ext uri="{AF507438-7753-43e0-B8FC-AC1667EBCBE1}">
-              <a14:hiddenEffects xmlns:a14="http://schemas.microsoft.com/office/drawing/2010/main" xmlns="">
+              <a14:hiddenEffects xmlns="" xmlns:a14="http://schemas.microsoft.com/office/drawing/2010/main">
                 <a:effectLst>
                   <a:outerShdw blurRad="63500" dist="38099" dir="2700000" algn="ctr" rotWithShape="0">
                     <a:srgbClr val="000000">
@@ -9207,7 +9207,7 @@
           <a:effectLst/>
           <a:extLst>
             <a:ext uri="{AF507438-7753-43e0-B8FC-AC1667EBCBE1}">
-              <a14:hiddenEffects xmlns:a14="http://schemas.microsoft.com/office/drawing/2010/main" xmlns="">
+              <a14:hiddenEffects xmlns="" xmlns:a14="http://schemas.microsoft.com/office/drawing/2010/main">
                 <a:effectLst>
                   <a:outerShdw blurRad="63500" dist="38099" dir="2700000" algn="ctr" rotWithShape="0">
                     <a:srgbClr val="000000">
@@ -9250,14 +9250,14 @@
           <a:effectLst/>
           <a:extLst>
             <a:ext uri="{909E8E84-426E-40dd-AFC4-6F175D3DCCD1}">
-              <a14:hiddenFill xmlns:a14="http://schemas.microsoft.com/office/drawing/2010/main" xmlns="">
+              <a14:hiddenFill xmlns="" xmlns:a14="http://schemas.microsoft.com/office/drawing/2010/main">
                 <a:solidFill>
                   <a:srgbClr val="FFFFFF"/>
                 </a:solidFill>
               </a14:hiddenFill>
             </a:ext>
             <a:ext uri="{91240B29-F687-4f45-9708-019B960494DF}">
-              <a14:hiddenLine xmlns:a14="http://schemas.microsoft.com/office/drawing/2010/main" xmlns="" w="9525" cap="flat">
+              <a14:hiddenLine xmlns="" xmlns:a14="http://schemas.microsoft.com/office/drawing/2010/main" w="9525" cap="flat">
                 <a:solidFill>
                   <a:srgbClr val="000000"/>
                 </a:solidFill>
@@ -9267,7 +9267,7 @@
               </a14:hiddenLine>
             </a:ext>
             <a:ext uri="{AF507438-7753-43e0-B8FC-AC1667EBCBE1}">
-              <a14:hiddenEffects xmlns:a14="http://schemas.microsoft.com/office/drawing/2010/main" xmlns="">
+              <a14:hiddenEffects xmlns="" xmlns:a14="http://schemas.microsoft.com/office/drawing/2010/main">
                 <a:effectLst>
                   <a:outerShdw blurRad="63500" dist="38099" dir="2700000" algn="ctr" rotWithShape="0">
                     <a:srgbClr val="000000">
@@ -9504,7 +9504,7 @@
           <a:effectLst/>
           <a:extLst>
             <a:ext uri="{AF507438-7753-43e0-B8FC-AC1667EBCBE1}">
-              <a14:hiddenEffects xmlns:a14="http://schemas.microsoft.com/office/drawing/2010/main" xmlns="">
+              <a14:hiddenEffects xmlns="" xmlns:a14="http://schemas.microsoft.com/office/drawing/2010/main">
                 <a:effectLst>
                   <a:outerShdw blurRad="63500" dist="38099" dir="2700000" algn="ctr" rotWithShape="0">
                     <a:srgbClr val="000000">
@@ -9554,7 +9554,7 @@
           <a:effectLst/>
           <a:extLst>
             <a:ext uri="{AF507438-7753-43e0-B8FC-AC1667EBCBE1}">
-              <a14:hiddenEffects xmlns:a14="http://schemas.microsoft.com/office/drawing/2010/main" xmlns="">
+              <a14:hiddenEffects xmlns="" xmlns:a14="http://schemas.microsoft.com/office/drawing/2010/main">
                 <a:effectLst>
                   <a:outerShdw blurRad="63500" dist="38099" dir="2700000" algn="ctr" rotWithShape="0">
                     <a:srgbClr val="000000">
@@ -9604,7 +9604,7 @@
           <a:effectLst/>
           <a:extLst>
             <a:ext uri="{AF507438-7753-43e0-B8FC-AC1667EBCBE1}">
-              <a14:hiddenEffects xmlns:a14="http://schemas.microsoft.com/office/drawing/2010/main" xmlns="">
+              <a14:hiddenEffects xmlns="" xmlns:a14="http://schemas.microsoft.com/office/drawing/2010/main">
                 <a:effectLst>
                   <a:outerShdw blurRad="63500" dist="38099" dir="2700000" algn="ctr" rotWithShape="0">
                     <a:srgbClr val="000000">
@@ -9654,7 +9654,7 @@
           <a:effectLst/>
           <a:extLst>
             <a:ext uri="{AF507438-7753-43e0-B8FC-AC1667EBCBE1}">
-              <a14:hiddenEffects xmlns:a14="http://schemas.microsoft.com/office/drawing/2010/main" xmlns="">
+              <a14:hiddenEffects xmlns="" xmlns:a14="http://schemas.microsoft.com/office/drawing/2010/main">
                 <a:effectLst>
                   <a:outerShdw blurRad="63500" dist="38099" dir="2700000" algn="ctr" rotWithShape="0">
                     <a:srgbClr val="000000">
@@ -9704,7 +9704,7 @@
           <a:effectLst/>
           <a:extLst>
             <a:ext uri="{AF507438-7753-43e0-B8FC-AC1667EBCBE1}">
-              <a14:hiddenEffects xmlns:a14="http://schemas.microsoft.com/office/drawing/2010/main" xmlns="">
+              <a14:hiddenEffects xmlns="" xmlns:a14="http://schemas.microsoft.com/office/drawing/2010/main">
                 <a:effectLst>
                   <a:outerShdw blurRad="63500" dist="38099" dir="2700000" algn="ctr" rotWithShape="0">
                     <a:srgbClr val="000000">
@@ -9754,7 +9754,7 @@
           <a:effectLst/>
           <a:extLst>
             <a:ext uri="{AF507438-7753-43e0-B8FC-AC1667EBCBE1}">
-              <a14:hiddenEffects xmlns:a14="http://schemas.microsoft.com/office/drawing/2010/main" xmlns="">
+              <a14:hiddenEffects xmlns="" xmlns:a14="http://schemas.microsoft.com/office/drawing/2010/main">
                 <a:effectLst>
                   <a:outerShdw blurRad="63500" dist="38099" dir="2700000" algn="ctr" rotWithShape="0">
                     <a:srgbClr val="000000">
@@ -9804,7 +9804,7 @@
           <a:effectLst/>
           <a:extLst>
             <a:ext uri="{AF507438-7753-43e0-B8FC-AC1667EBCBE1}">
-              <a14:hiddenEffects xmlns:a14="http://schemas.microsoft.com/office/drawing/2010/main" xmlns="">
+              <a14:hiddenEffects xmlns="" xmlns:a14="http://schemas.microsoft.com/office/drawing/2010/main">
                 <a:effectLst>
                   <a:outerShdw blurRad="63500" dist="38099" dir="2700000" algn="ctr" rotWithShape="0">
                     <a:srgbClr val="000000">
@@ -9854,7 +9854,7 @@
           <a:effectLst/>
           <a:extLst>
             <a:ext uri="{AF507438-7753-43e0-B8FC-AC1667EBCBE1}">
-              <a14:hiddenEffects xmlns:a14="http://schemas.microsoft.com/office/drawing/2010/main" xmlns="">
+              <a14:hiddenEffects xmlns="" xmlns:a14="http://schemas.microsoft.com/office/drawing/2010/main">
                 <a:effectLst>
                   <a:outerShdw blurRad="63500" dist="38099" dir="2700000" algn="ctr" rotWithShape="0">
                     <a:srgbClr val="000000">
@@ -9904,7 +9904,7 @@
           <a:effectLst/>
           <a:extLst>
             <a:ext uri="{AF507438-7753-43e0-B8FC-AC1667EBCBE1}">
-              <a14:hiddenEffects xmlns:a14="http://schemas.microsoft.com/office/drawing/2010/main" xmlns="">
+              <a14:hiddenEffects xmlns="" xmlns:a14="http://schemas.microsoft.com/office/drawing/2010/main">
                 <a:effectLst>
                   <a:outerShdw blurRad="63500" dist="38099" dir="2700000" algn="ctr" rotWithShape="0">
                     <a:srgbClr val="000000">
@@ -9954,7 +9954,7 @@
           <a:effectLst/>
           <a:extLst>
             <a:ext uri="{AF507438-7753-43e0-B8FC-AC1667EBCBE1}">
-              <a14:hiddenEffects xmlns:a14="http://schemas.microsoft.com/office/drawing/2010/main" xmlns="">
+              <a14:hiddenEffects xmlns="" xmlns:a14="http://schemas.microsoft.com/office/drawing/2010/main">
                 <a:effectLst>
                   <a:outerShdw blurRad="63500" dist="38099" dir="2700000" algn="ctr" rotWithShape="0">
                     <a:srgbClr val="000000">
@@ -10004,7 +10004,7 @@
           <a:effectLst/>
           <a:extLst>
             <a:ext uri="{AF507438-7753-43e0-B8FC-AC1667EBCBE1}">
-              <a14:hiddenEffects xmlns:a14="http://schemas.microsoft.com/office/drawing/2010/main" xmlns="">
+              <a14:hiddenEffects xmlns="" xmlns:a14="http://schemas.microsoft.com/office/drawing/2010/main">
                 <a:effectLst>
                   <a:outerShdw blurRad="63500" dist="38099" dir="2700000" algn="ctr" rotWithShape="0">
                     <a:srgbClr val="000000">
@@ -10052,12 +10052,12 @@
           <a:effectLst/>
           <a:extLst>
             <a:ext uri="{909E8E84-426E-40dd-AFC4-6F175D3DCCD1}">
-              <a14:hiddenFill xmlns:a14="http://schemas.microsoft.com/office/drawing/2010/main" xmlns="">
+              <a14:hiddenFill xmlns="" xmlns:a14="http://schemas.microsoft.com/office/drawing/2010/main">
                 <a:noFill/>
               </a14:hiddenFill>
             </a:ext>
             <a:ext uri="{AF507438-7753-43e0-B8FC-AC1667EBCBE1}">
-              <a14:hiddenEffects xmlns:a14="http://schemas.microsoft.com/office/drawing/2010/main" xmlns="">
+              <a14:hiddenEffects xmlns="" xmlns:a14="http://schemas.microsoft.com/office/drawing/2010/main">
                 <a:effectLst>
                   <a:outerShdw blurRad="63500" dist="38099" dir="2700000" algn="ctr" rotWithShape="0">
                     <a:srgbClr val="000000">
@@ -10100,14 +10100,14 @@
           <a:effectLst/>
           <a:extLst>
             <a:ext uri="{909E8E84-426E-40dd-AFC4-6F175D3DCCD1}">
-              <a14:hiddenFill xmlns:a14="http://schemas.microsoft.com/office/drawing/2010/main" xmlns="">
+              <a14:hiddenFill xmlns="" xmlns:a14="http://schemas.microsoft.com/office/drawing/2010/main">
                 <a:solidFill>
                   <a:srgbClr val="FFFFFF"/>
                 </a:solidFill>
               </a14:hiddenFill>
             </a:ext>
             <a:ext uri="{91240B29-F687-4f45-9708-019B960494DF}">
-              <a14:hiddenLine xmlns:a14="http://schemas.microsoft.com/office/drawing/2010/main" xmlns="" w="9525" cap="flat">
+              <a14:hiddenLine xmlns="" xmlns:a14="http://schemas.microsoft.com/office/drawing/2010/main" w="9525" cap="flat">
                 <a:solidFill>
                   <a:srgbClr val="000000"/>
                 </a:solidFill>
@@ -10117,7 +10117,7 @@
               </a14:hiddenLine>
             </a:ext>
             <a:ext uri="{AF507438-7753-43e0-B8FC-AC1667EBCBE1}">
-              <a14:hiddenEffects xmlns:a14="http://schemas.microsoft.com/office/drawing/2010/main" xmlns="">
+              <a14:hiddenEffects xmlns="" xmlns:a14="http://schemas.microsoft.com/office/drawing/2010/main">
                 <a:effectLst>
                   <a:outerShdw blurRad="63500" dist="38099" dir="2700000" algn="ctr" rotWithShape="0">
                     <a:srgbClr val="000000">
@@ -10352,12 +10352,12 @@
           <a:effectLst/>
           <a:extLst>
             <a:ext uri="{909E8E84-426E-40dd-AFC4-6F175D3DCCD1}">
-              <a14:hiddenFill xmlns:a14="http://schemas.microsoft.com/office/drawing/2010/main" xmlns="">
+              <a14:hiddenFill xmlns="" xmlns:a14="http://schemas.microsoft.com/office/drawing/2010/main">
                 <a:noFill/>
               </a14:hiddenFill>
             </a:ext>
             <a:ext uri="{AF507438-7753-43e0-B8FC-AC1667EBCBE1}">
-              <a14:hiddenEffects xmlns:a14="http://schemas.microsoft.com/office/drawing/2010/main" xmlns="">
+              <a14:hiddenEffects xmlns="" xmlns:a14="http://schemas.microsoft.com/office/drawing/2010/main">
                 <a:effectLst>
                   <a:outerShdw blurRad="63500" dist="38099" dir="2700000" algn="ctr" rotWithShape="0">
                     <a:srgbClr val="000000">
@@ -10405,12 +10405,12 @@
           <a:effectLst/>
           <a:extLst>
             <a:ext uri="{909E8E84-426E-40dd-AFC4-6F175D3DCCD1}">
-              <a14:hiddenFill xmlns:a14="http://schemas.microsoft.com/office/drawing/2010/main" xmlns="">
+              <a14:hiddenFill xmlns="" xmlns:a14="http://schemas.microsoft.com/office/drawing/2010/main">
                 <a:noFill/>
               </a14:hiddenFill>
             </a:ext>
             <a:ext uri="{AF507438-7753-43e0-B8FC-AC1667EBCBE1}">
-              <a14:hiddenEffects xmlns:a14="http://schemas.microsoft.com/office/drawing/2010/main" xmlns="">
+              <a14:hiddenEffects xmlns="" xmlns:a14="http://schemas.microsoft.com/office/drawing/2010/main">
                 <a:effectLst>
                   <a:outerShdw blurRad="63500" dist="38099" dir="2700000" algn="ctr" rotWithShape="0">
                     <a:srgbClr val="000000">
@@ -10453,14 +10453,14 @@
           <a:effectLst/>
           <a:extLst>
             <a:ext uri="{909E8E84-426E-40dd-AFC4-6F175D3DCCD1}">
-              <a14:hiddenFill xmlns:a14="http://schemas.microsoft.com/office/drawing/2010/main" xmlns="">
+              <a14:hiddenFill xmlns="" xmlns:a14="http://schemas.microsoft.com/office/drawing/2010/main">
                 <a:solidFill>
                   <a:srgbClr val="FFFFFF"/>
                 </a:solidFill>
               </a14:hiddenFill>
             </a:ext>
             <a:ext uri="{91240B29-F687-4f45-9708-019B960494DF}">
-              <a14:hiddenLine xmlns:a14="http://schemas.microsoft.com/office/drawing/2010/main" xmlns="" w="9525" cap="flat">
+              <a14:hiddenLine xmlns="" xmlns:a14="http://schemas.microsoft.com/office/drawing/2010/main" w="9525" cap="flat">
                 <a:solidFill>
                   <a:srgbClr val="000000"/>
                 </a:solidFill>
@@ -10470,7 +10470,7 @@
               </a14:hiddenLine>
             </a:ext>
             <a:ext uri="{AF507438-7753-43e0-B8FC-AC1667EBCBE1}">
-              <a14:hiddenEffects xmlns:a14="http://schemas.microsoft.com/office/drawing/2010/main" xmlns="">
+              <a14:hiddenEffects xmlns="" xmlns:a14="http://schemas.microsoft.com/office/drawing/2010/main">
                 <a:effectLst>
                   <a:outerShdw blurRad="63500" dist="38099" dir="2700000" algn="ctr" rotWithShape="0">
                     <a:srgbClr val="000000">
@@ -10709,14 +10709,14 @@
           <a:effectLst/>
           <a:extLst>
             <a:ext uri="{909E8E84-426E-40dd-AFC4-6F175D3DCCD1}">
-              <a14:hiddenFill xmlns:a14="http://schemas.microsoft.com/office/drawing/2010/main" xmlns="">
+              <a14:hiddenFill xmlns="" xmlns:a14="http://schemas.microsoft.com/office/drawing/2010/main">
                 <a:solidFill>
                   <a:srgbClr val="FFFFFF"/>
                 </a:solidFill>
               </a14:hiddenFill>
             </a:ext>
             <a:ext uri="{91240B29-F687-4f45-9708-019B960494DF}">
-              <a14:hiddenLine xmlns:a14="http://schemas.microsoft.com/office/drawing/2010/main" xmlns="" w="9525" cap="flat">
+              <a14:hiddenLine xmlns="" xmlns:a14="http://schemas.microsoft.com/office/drawing/2010/main" w="9525" cap="flat">
                 <a:solidFill>
                   <a:srgbClr val="000000"/>
                 </a:solidFill>
@@ -10726,7 +10726,7 @@
               </a14:hiddenLine>
             </a:ext>
             <a:ext uri="{AF507438-7753-43e0-B8FC-AC1667EBCBE1}">
-              <a14:hiddenEffects xmlns:a14="http://schemas.microsoft.com/office/drawing/2010/main" xmlns="">
+              <a14:hiddenEffects xmlns="" xmlns:a14="http://schemas.microsoft.com/office/drawing/2010/main">
                 <a:effectLst>
                   <a:outerShdw blurRad="63500" dist="38099" dir="2700000" algn="ctr" rotWithShape="0">
                     <a:srgbClr val="000000">
@@ -10958,14 +10958,14 @@
           <a:effectLst/>
           <a:extLst>
             <a:ext uri="{909E8E84-426E-40dd-AFC4-6F175D3DCCD1}">
-              <a14:hiddenFill xmlns:a14="http://schemas.microsoft.com/office/drawing/2010/main" xmlns="">
+              <a14:hiddenFill xmlns="" xmlns:a14="http://schemas.microsoft.com/office/drawing/2010/main">
                 <a:solidFill>
                   <a:srgbClr val="FFFFFF"/>
                 </a:solidFill>
               </a14:hiddenFill>
             </a:ext>
             <a:ext uri="{91240B29-F687-4f45-9708-019B960494DF}">
-              <a14:hiddenLine xmlns:a14="http://schemas.microsoft.com/office/drawing/2010/main" xmlns="" w="9525" cap="flat">
+              <a14:hiddenLine xmlns="" xmlns:a14="http://schemas.microsoft.com/office/drawing/2010/main" w="9525" cap="flat">
                 <a:solidFill>
                   <a:srgbClr val="000000"/>
                 </a:solidFill>
@@ -10975,7 +10975,7 @@
               </a14:hiddenLine>
             </a:ext>
             <a:ext uri="{AF507438-7753-43e0-B8FC-AC1667EBCBE1}">
-              <a14:hiddenEffects xmlns:a14="http://schemas.microsoft.com/office/drawing/2010/main" xmlns="">
+              <a14:hiddenEffects xmlns="" xmlns:a14="http://schemas.microsoft.com/office/drawing/2010/main">
                 <a:effectLst>
                   <a:outerShdw blurRad="63500" dist="38099" dir="2700000" algn="ctr" rotWithShape="0">
                     <a:srgbClr val="000000">
@@ -11200,12 +11200,12 @@
           <a:effectLst/>
           <a:extLst>
             <a:ext uri="{909E8E84-426E-40dd-AFC4-6F175D3DCCD1}">
-              <a14:hiddenFill xmlns:a14="http://schemas.microsoft.com/office/drawing/2010/main" xmlns="">
+              <a14:hiddenFill xmlns="" xmlns:a14="http://schemas.microsoft.com/office/drawing/2010/main">
                 <a:noFill/>
               </a14:hiddenFill>
             </a:ext>
             <a:ext uri="{AF507438-7753-43e0-B8FC-AC1667EBCBE1}">
-              <a14:hiddenEffects xmlns:a14="http://schemas.microsoft.com/office/drawing/2010/main" xmlns="">
+              <a14:hiddenEffects xmlns="" xmlns:a14="http://schemas.microsoft.com/office/drawing/2010/main">
                 <a:effectLst>
                   <a:outerShdw blurRad="63500" dist="38099" dir="2700000" algn="ctr" rotWithShape="0">
                     <a:srgbClr val="000000">
@@ -11248,14 +11248,14 @@
           <a:effectLst/>
           <a:extLst>
             <a:ext uri="{909E8E84-426E-40dd-AFC4-6F175D3DCCD1}">
-              <a14:hiddenFill xmlns:a14="http://schemas.microsoft.com/office/drawing/2010/main" xmlns="">
+              <a14:hiddenFill xmlns="" xmlns:a14="http://schemas.microsoft.com/office/drawing/2010/main">
                 <a:solidFill>
                   <a:srgbClr val="FFFFFF"/>
                 </a:solidFill>
               </a14:hiddenFill>
             </a:ext>
             <a:ext uri="{91240B29-F687-4f45-9708-019B960494DF}">
-              <a14:hiddenLine xmlns:a14="http://schemas.microsoft.com/office/drawing/2010/main" xmlns="" w="9525" cap="flat">
+              <a14:hiddenLine xmlns="" xmlns:a14="http://schemas.microsoft.com/office/drawing/2010/main" w="9525" cap="flat">
                 <a:solidFill>
                   <a:srgbClr val="000000"/>
                 </a:solidFill>
@@ -11265,7 +11265,7 @@
               </a14:hiddenLine>
             </a:ext>
             <a:ext uri="{AF507438-7753-43e0-B8FC-AC1667EBCBE1}">
-              <a14:hiddenEffects xmlns:a14="http://schemas.microsoft.com/office/drawing/2010/main" xmlns="">
+              <a14:hiddenEffects xmlns="" xmlns:a14="http://schemas.microsoft.com/office/drawing/2010/main">
                 <a:effectLst>
                   <a:outerShdw blurRad="63500" dist="38099" dir="2700000" algn="ctr" rotWithShape="0">
                     <a:srgbClr val="000000">
@@ -11315,14 +11315,14 @@
           <a:effectLst/>
           <a:extLst>
             <a:ext uri="{909E8E84-426E-40dd-AFC4-6F175D3DCCD1}">
-              <a14:hiddenFill xmlns:a14="http://schemas.microsoft.com/office/drawing/2010/main" xmlns="">
+              <a14:hiddenFill xmlns="" xmlns:a14="http://schemas.microsoft.com/office/drawing/2010/main">
                 <a:solidFill>
                   <a:srgbClr val="FFFFFF"/>
                 </a:solidFill>
               </a14:hiddenFill>
             </a:ext>
             <a:ext uri="{91240B29-F687-4f45-9708-019B960494DF}">
-              <a14:hiddenLine xmlns:a14="http://schemas.microsoft.com/office/drawing/2010/main" xmlns="" w="9525" cap="flat">
+              <a14:hiddenLine xmlns="" xmlns:a14="http://schemas.microsoft.com/office/drawing/2010/main" w="9525" cap="flat">
                 <a:solidFill>
                   <a:srgbClr val="000000"/>
                 </a:solidFill>
@@ -11332,7 +11332,7 @@
               </a14:hiddenLine>
             </a:ext>
             <a:ext uri="{AF507438-7753-43e0-B8FC-AC1667EBCBE1}">
-              <a14:hiddenEffects xmlns:a14="http://schemas.microsoft.com/office/drawing/2010/main" xmlns="">
+              <a14:hiddenEffects xmlns="" xmlns:a14="http://schemas.microsoft.com/office/drawing/2010/main">
                 <a:effectLst>
                   <a:outerShdw blurRad="63500" dist="38099" dir="2700000" algn="ctr" rotWithShape="0">
                     <a:srgbClr val="000000">
@@ -11552,14 +11552,14 @@
           <a:effectLst/>
           <a:extLst>
             <a:ext uri="{909E8E84-426E-40dd-AFC4-6F175D3DCCD1}">
-              <a14:hiddenFill xmlns:a14="http://schemas.microsoft.com/office/drawing/2010/main" xmlns="">
+              <a14:hiddenFill xmlns="" xmlns:a14="http://schemas.microsoft.com/office/drawing/2010/main">
                 <a:solidFill>
                   <a:srgbClr val="FFFFFF"/>
                 </a:solidFill>
               </a14:hiddenFill>
             </a:ext>
             <a:ext uri="{91240B29-F687-4f45-9708-019B960494DF}">
-              <a14:hiddenLine xmlns:a14="http://schemas.microsoft.com/office/drawing/2010/main" xmlns="" w="9525" cap="flat">
+              <a14:hiddenLine xmlns="" xmlns:a14="http://schemas.microsoft.com/office/drawing/2010/main" w="9525" cap="flat">
                 <a:solidFill>
                   <a:srgbClr val="000000"/>
                 </a:solidFill>
@@ -11569,7 +11569,7 @@
               </a14:hiddenLine>
             </a:ext>
             <a:ext uri="{AF507438-7753-43e0-B8FC-AC1667EBCBE1}">
-              <a14:hiddenEffects xmlns:a14="http://schemas.microsoft.com/office/drawing/2010/main" xmlns="">
+              <a14:hiddenEffects xmlns="" xmlns:a14="http://schemas.microsoft.com/office/drawing/2010/main">
                 <a:effectLst>
                   <a:outerShdw blurRad="63500" dist="38099" dir="2700000" algn="ctr" rotWithShape="0">
                     <a:srgbClr val="000000">
@@ -11789,14 +11789,14 @@
           <a:effectLst/>
           <a:extLst>
             <a:ext uri="{909E8E84-426E-40dd-AFC4-6F175D3DCCD1}">
-              <a14:hiddenFill xmlns:a14="http://schemas.microsoft.com/office/drawing/2010/main" xmlns="">
+              <a14:hiddenFill xmlns="" xmlns:a14="http://schemas.microsoft.com/office/drawing/2010/main">
                 <a:solidFill>
                   <a:srgbClr val="FFFFFF"/>
                 </a:solidFill>
               </a14:hiddenFill>
             </a:ext>
             <a:ext uri="{91240B29-F687-4f45-9708-019B960494DF}">
-              <a14:hiddenLine xmlns:a14="http://schemas.microsoft.com/office/drawing/2010/main" xmlns="" w="9525" cap="flat">
+              <a14:hiddenLine xmlns="" xmlns:a14="http://schemas.microsoft.com/office/drawing/2010/main" w="9525" cap="flat">
                 <a:solidFill>
                   <a:srgbClr val="000000"/>
                 </a:solidFill>
@@ -11806,7 +11806,7 @@
               </a14:hiddenLine>
             </a:ext>
             <a:ext uri="{AF507438-7753-43e0-B8FC-AC1667EBCBE1}">
-              <a14:hiddenEffects xmlns:a14="http://schemas.microsoft.com/office/drawing/2010/main" xmlns="">
+              <a14:hiddenEffects xmlns="" xmlns:a14="http://schemas.microsoft.com/office/drawing/2010/main">
                 <a:effectLst>
                   <a:outerShdw blurRad="63500" dist="38099" dir="2700000" algn="ctr" rotWithShape="0">
                     <a:srgbClr val="000000">
@@ -11856,14 +11856,14 @@
           <a:effectLst/>
           <a:extLst>
             <a:ext uri="{909E8E84-426E-40dd-AFC4-6F175D3DCCD1}">
-              <a14:hiddenFill xmlns:a14="http://schemas.microsoft.com/office/drawing/2010/main" xmlns="">
+              <a14:hiddenFill xmlns="" xmlns:a14="http://schemas.microsoft.com/office/drawing/2010/main">
                 <a:solidFill>
                   <a:srgbClr val="FFFFFF"/>
                 </a:solidFill>
               </a14:hiddenFill>
             </a:ext>
             <a:ext uri="{91240B29-F687-4f45-9708-019B960494DF}">
-              <a14:hiddenLine xmlns:a14="http://schemas.microsoft.com/office/drawing/2010/main" xmlns="" w="9525" cap="flat">
+              <a14:hiddenLine xmlns="" xmlns:a14="http://schemas.microsoft.com/office/drawing/2010/main" w="9525" cap="flat">
                 <a:solidFill>
                   <a:srgbClr val="000000"/>
                 </a:solidFill>
@@ -11873,7 +11873,7 @@
               </a14:hiddenLine>
             </a:ext>
             <a:ext uri="{AF507438-7753-43e0-B8FC-AC1667EBCBE1}">
-              <a14:hiddenEffects xmlns:a14="http://schemas.microsoft.com/office/drawing/2010/main" xmlns="">
+              <a14:hiddenEffects xmlns="" xmlns:a14="http://schemas.microsoft.com/office/drawing/2010/main">
                 <a:effectLst>
                   <a:outerShdw blurRad="63500" dist="38099" dir="2700000" algn="ctr" rotWithShape="0">
                     <a:srgbClr val="000000">
@@ -11923,14 +11923,14 @@
           <a:effectLst/>
           <a:extLst>
             <a:ext uri="{909E8E84-426E-40dd-AFC4-6F175D3DCCD1}">
-              <a14:hiddenFill xmlns:a14="http://schemas.microsoft.com/office/drawing/2010/main" xmlns="">
+              <a14:hiddenFill xmlns="" xmlns:a14="http://schemas.microsoft.com/office/drawing/2010/main">
                 <a:solidFill>
                   <a:srgbClr val="FFFFFF"/>
                 </a:solidFill>
               </a14:hiddenFill>
             </a:ext>
             <a:ext uri="{91240B29-F687-4f45-9708-019B960494DF}">
-              <a14:hiddenLine xmlns:a14="http://schemas.microsoft.com/office/drawing/2010/main" xmlns="" w="9525" cap="flat">
+              <a14:hiddenLine xmlns="" xmlns:a14="http://schemas.microsoft.com/office/drawing/2010/main" w="9525" cap="flat">
                 <a:solidFill>
                   <a:srgbClr val="000000"/>
                 </a:solidFill>
@@ -11940,7 +11940,7 @@
               </a14:hiddenLine>
             </a:ext>
             <a:ext uri="{AF507438-7753-43e0-B8FC-AC1667EBCBE1}">
-              <a14:hiddenEffects xmlns:a14="http://schemas.microsoft.com/office/drawing/2010/main" xmlns="">
+              <a14:hiddenEffects xmlns="" xmlns:a14="http://schemas.microsoft.com/office/drawing/2010/main">
                 <a:effectLst>
                   <a:outerShdw blurRad="63500" dist="38099" dir="2700000" algn="ctr" rotWithShape="0">
                     <a:srgbClr val="000000">
@@ -11990,14 +11990,14 @@
           <a:effectLst/>
           <a:extLst>
             <a:ext uri="{909E8E84-426E-40dd-AFC4-6F175D3DCCD1}">
-              <a14:hiddenFill xmlns:a14="http://schemas.microsoft.com/office/drawing/2010/main" xmlns="">
+              <a14:hiddenFill xmlns="" xmlns:a14="http://schemas.microsoft.com/office/drawing/2010/main">
                 <a:solidFill>
                   <a:srgbClr val="FFFFFF"/>
                 </a:solidFill>
               </a14:hiddenFill>
             </a:ext>
             <a:ext uri="{91240B29-F687-4f45-9708-019B960494DF}">
-              <a14:hiddenLine xmlns:a14="http://schemas.microsoft.com/office/drawing/2010/main" xmlns="" w="9525" cap="flat">
+              <a14:hiddenLine xmlns="" xmlns:a14="http://schemas.microsoft.com/office/drawing/2010/main" w="9525" cap="flat">
                 <a:solidFill>
                   <a:srgbClr val="000000"/>
                 </a:solidFill>
@@ -12007,7 +12007,7 @@
               </a14:hiddenLine>
             </a:ext>
             <a:ext uri="{AF507438-7753-43e0-B8FC-AC1667EBCBE1}">
-              <a14:hiddenEffects xmlns:a14="http://schemas.microsoft.com/office/drawing/2010/main" xmlns="">
+              <a14:hiddenEffects xmlns="" xmlns:a14="http://schemas.microsoft.com/office/drawing/2010/main">
                 <a:effectLst>
                   <a:outerShdw blurRad="63500" dist="38099" dir="2700000" algn="ctr" rotWithShape="0">
                     <a:srgbClr val="000000">
@@ -12057,14 +12057,14 @@
           <a:effectLst/>
           <a:extLst>
             <a:ext uri="{909E8E84-426E-40dd-AFC4-6F175D3DCCD1}">
-              <a14:hiddenFill xmlns:a14="http://schemas.microsoft.com/office/drawing/2010/main" xmlns="">
+              <a14:hiddenFill xmlns="" xmlns:a14="http://schemas.microsoft.com/office/drawing/2010/main">
                 <a:solidFill>
                   <a:srgbClr val="FFFFFF"/>
                 </a:solidFill>
               </a14:hiddenFill>
             </a:ext>
             <a:ext uri="{91240B29-F687-4f45-9708-019B960494DF}">
-              <a14:hiddenLine xmlns:a14="http://schemas.microsoft.com/office/drawing/2010/main" xmlns="" w="9525" cap="flat">
+              <a14:hiddenLine xmlns="" xmlns:a14="http://schemas.microsoft.com/office/drawing/2010/main" w="9525" cap="flat">
                 <a:solidFill>
                   <a:srgbClr val="000000"/>
                 </a:solidFill>
@@ -12074,7 +12074,7 @@
               </a14:hiddenLine>
             </a:ext>
             <a:ext uri="{AF507438-7753-43e0-B8FC-AC1667EBCBE1}">
-              <a14:hiddenEffects xmlns:a14="http://schemas.microsoft.com/office/drawing/2010/main" xmlns="">
+              <a14:hiddenEffects xmlns="" xmlns:a14="http://schemas.microsoft.com/office/drawing/2010/main">
                 <a:effectLst>
                   <a:outerShdw blurRad="63500" dist="38099" dir="2700000" algn="ctr" rotWithShape="0">
                     <a:srgbClr val="000000">
@@ -12294,14 +12294,14 @@
           <a:effectLst/>
           <a:extLst>
             <a:ext uri="{909E8E84-426E-40dd-AFC4-6F175D3DCCD1}">
-              <a14:hiddenFill xmlns:a14="http://schemas.microsoft.com/office/drawing/2010/main" xmlns="">
+              <a14:hiddenFill xmlns="" xmlns:a14="http://schemas.microsoft.com/office/drawing/2010/main">
                 <a:solidFill>
                   <a:srgbClr val="FFFFFF"/>
                 </a:solidFill>
               </a14:hiddenFill>
             </a:ext>
             <a:ext uri="{91240B29-F687-4f45-9708-019B960494DF}">
-              <a14:hiddenLine xmlns:a14="http://schemas.microsoft.com/office/drawing/2010/main" xmlns="" w="9525" cap="flat">
+              <a14:hiddenLine xmlns="" xmlns:a14="http://schemas.microsoft.com/office/drawing/2010/main" w="9525" cap="flat">
                 <a:solidFill>
                   <a:srgbClr val="000000"/>
                 </a:solidFill>
@@ -12311,7 +12311,7 @@
               </a14:hiddenLine>
             </a:ext>
             <a:ext uri="{AF507438-7753-43e0-B8FC-AC1667EBCBE1}">
-              <a14:hiddenEffects xmlns:a14="http://schemas.microsoft.com/office/drawing/2010/main" xmlns="">
+              <a14:hiddenEffects xmlns="" xmlns:a14="http://schemas.microsoft.com/office/drawing/2010/main">
                 <a:effectLst>
                   <a:outerShdw blurRad="63500" dist="38099" dir="2700000" algn="ctr" rotWithShape="0">
                     <a:srgbClr val="000000">
@@ -12361,14 +12361,14 @@
           <a:effectLst/>
           <a:extLst>
             <a:ext uri="{909E8E84-426E-40dd-AFC4-6F175D3DCCD1}">
-              <a14:hiddenFill xmlns:a14="http://schemas.microsoft.com/office/drawing/2010/main" xmlns="">
+              <a14:hiddenFill xmlns="" xmlns:a14="http://schemas.microsoft.com/office/drawing/2010/main">
                 <a:solidFill>
                   <a:srgbClr val="FFFFFF"/>
                 </a:solidFill>
               </a14:hiddenFill>
             </a:ext>
             <a:ext uri="{91240B29-F687-4f45-9708-019B960494DF}">
-              <a14:hiddenLine xmlns:a14="http://schemas.microsoft.com/office/drawing/2010/main" xmlns="" w="9525" cap="flat">
+              <a14:hiddenLine xmlns="" xmlns:a14="http://schemas.microsoft.com/office/drawing/2010/main" w="9525" cap="flat">
                 <a:solidFill>
                   <a:srgbClr val="000000"/>
                 </a:solidFill>
@@ -12378,7 +12378,7 @@
               </a14:hiddenLine>
             </a:ext>
             <a:ext uri="{AF507438-7753-43e0-B8FC-AC1667EBCBE1}">
-              <a14:hiddenEffects xmlns:a14="http://schemas.microsoft.com/office/drawing/2010/main" xmlns="">
+              <a14:hiddenEffects xmlns="" xmlns:a14="http://schemas.microsoft.com/office/drawing/2010/main">
                 <a:effectLst>
                   <a:outerShdw blurRad="63500" dist="38099" dir="2700000" algn="ctr" rotWithShape="0">
                     <a:srgbClr val="000000">
@@ -12598,14 +12598,14 @@
           <a:effectLst/>
           <a:extLst>
             <a:ext uri="{909E8E84-426E-40dd-AFC4-6F175D3DCCD1}">
-              <a14:hiddenFill xmlns:a14="http://schemas.microsoft.com/office/drawing/2010/main" xmlns="">
+              <a14:hiddenFill xmlns="" xmlns:a14="http://schemas.microsoft.com/office/drawing/2010/main">
                 <a:solidFill>
                   <a:srgbClr val="FFFFFF"/>
                 </a:solidFill>
               </a14:hiddenFill>
             </a:ext>
             <a:ext uri="{91240B29-F687-4f45-9708-019B960494DF}">
-              <a14:hiddenLine xmlns:a14="http://schemas.microsoft.com/office/drawing/2010/main" xmlns="" w="9525" cap="flat">
+              <a14:hiddenLine xmlns="" xmlns:a14="http://schemas.microsoft.com/office/drawing/2010/main" w="9525" cap="flat">
                 <a:solidFill>
                   <a:srgbClr val="000000"/>
                 </a:solidFill>
@@ -12615,7 +12615,7 @@
               </a14:hiddenLine>
             </a:ext>
             <a:ext uri="{AF507438-7753-43e0-B8FC-AC1667EBCBE1}">
-              <a14:hiddenEffects xmlns:a14="http://schemas.microsoft.com/office/drawing/2010/main" xmlns="">
+              <a14:hiddenEffects xmlns="" xmlns:a14="http://schemas.microsoft.com/office/drawing/2010/main">
                 <a:effectLst>
                   <a:outerShdw blurRad="63500" dist="38099" dir="2700000" algn="ctr" rotWithShape="0">
                     <a:srgbClr val="000000">
@@ -12835,14 +12835,14 @@
           <a:effectLst/>
           <a:extLst>
             <a:ext uri="{909E8E84-426E-40dd-AFC4-6F175D3DCCD1}">
-              <a14:hiddenFill xmlns:a14="http://schemas.microsoft.com/office/drawing/2010/main" xmlns="">
+              <a14:hiddenFill xmlns="" xmlns:a14="http://schemas.microsoft.com/office/drawing/2010/main">
                 <a:solidFill>
                   <a:srgbClr val="FFFFFF"/>
                 </a:solidFill>
               </a14:hiddenFill>
             </a:ext>
             <a:ext uri="{91240B29-F687-4f45-9708-019B960494DF}">
-              <a14:hiddenLine xmlns:a14="http://schemas.microsoft.com/office/drawing/2010/main" xmlns="" w="9525" cap="flat">
+              <a14:hiddenLine xmlns="" xmlns:a14="http://schemas.microsoft.com/office/drawing/2010/main" w="9525" cap="flat">
                 <a:solidFill>
                   <a:srgbClr val="000000"/>
                 </a:solidFill>
@@ -12852,7 +12852,7 @@
               </a14:hiddenLine>
             </a:ext>
             <a:ext uri="{AF507438-7753-43e0-B8FC-AC1667EBCBE1}">
-              <a14:hiddenEffects xmlns:a14="http://schemas.microsoft.com/office/drawing/2010/main" xmlns="">
+              <a14:hiddenEffects xmlns="" xmlns:a14="http://schemas.microsoft.com/office/drawing/2010/main">
                 <a:effectLst>
                   <a:outerShdw blurRad="63500" dist="38099" dir="2700000" algn="ctr" rotWithShape="0">
                     <a:srgbClr val="000000">
@@ -13072,14 +13072,14 @@
           <a:effectLst/>
           <a:extLst>
             <a:ext uri="{909E8E84-426E-40dd-AFC4-6F175D3DCCD1}">
-              <a14:hiddenFill xmlns:a14="http://schemas.microsoft.com/office/drawing/2010/main" xmlns="">
+              <a14:hiddenFill xmlns="" xmlns:a14="http://schemas.microsoft.com/office/drawing/2010/main">
                 <a:solidFill>
                   <a:srgbClr val="FFFFFF"/>
                 </a:solidFill>
               </a14:hiddenFill>
             </a:ext>
             <a:ext uri="{91240B29-F687-4f45-9708-019B960494DF}">
-              <a14:hiddenLine xmlns:a14="http://schemas.microsoft.com/office/drawing/2010/main" xmlns="" w="9525" cap="flat">
+              <a14:hiddenLine xmlns="" xmlns:a14="http://schemas.microsoft.com/office/drawing/2010/main" w="9525" cap="flat">
                 <a:solidFill>
                   <a:srgbClr val="000000"/>
                 </a:solidFill>
@@ -13089,7 +13089,7 @@
               </a14:hiddenLine>
             </a:ext>
             <a:ext uri="{AF507438-7753-43e0-B8FC-AC1667EBCBE1}">
-              <a14:hiddenEffects xmlns:a14="http://schemas.microsoft.com/office/drawing/2010/main" xmlns="">
+              <a14:hiddenEffects xmlns="" xmlns:a14="http://schemas.microsoft.com/office/drawing/2010/main">
                 <a:effectLst>
                   <a:outerShdw blurRad="63500" dist="38099" dir="2700000" algn="ctr" rotWithShape="0">
                     <a:srgbClr val="000000">
@@ -13309,14 +13309,14 @@
           <a:effectLst/>
           <a:extLst>
             <a:ext uri="{909E8E84-426E-40dd-AFC4-6F175D3DCCD1}">
-              <a14:hiddenFill xmlns:a14="http://schemas.microsoft.com/office/drawing/2010/main" xmlns="">
+              <a14:hiddenFill xmlns="" xmlns:a14="http://schemas.microsoft.com/office/drawing/2010/main">
                 <a:solidFill>
                   <a:srgbClr val="FFFFFF"/>
                 </a:solidFill>
               </a14:hiddenFill>
             </a:ext>
             <a:ext uri="{91240B29-F687-4f45-9708-019B960494DF}">
-              <a14:hiddenLine xmlns:a14="http://schemas.microsoft.com/office/drawing/2010/main" xmlns="" w="9525" cap="flat">
+              <a14:hiddenLine xmlns="" xmlns:a14="http://schemas.microsoft.com/office/drawing/2010/main" w="9525" cap="flat">
                 <a:solidFill>
                   <a:srgbClr val="000000"/>
                 </a:solidFill>
@@ -13326,7 +13326,7 @@
               </a14:hiddenLine>
             </a:ext>
             <a:ext uri="{AF507438-7753-43e0-B8FC-AC1667EBCBE1}">
-              <a14:hiddenEffects xmlns:a14="http://schemas.microsoft.com/office/drawing/2010/main" xmlns="">
+              <a14:hiddenEffects xmlns="" xmlns:a14="http://schemas.microsoft.com/office/drawing/2010/main">
                 <a:effectLst>
                   <a:outerShdw blurRad="63500" dist="38099" dir="2700000" algn="ctr" rotWithShape="0">
                     <a:srgbClr val="000000">
@@ -13546,14 +13546,14 @@
           <a:effectLst/>
           <a:extLst>
             <a:ext uri="{909E8E84-426E-40dd-AFC4-6F175D3DCCD1}">
-              <a14:hiddenFill xmlns:a14="http://schemas.microsoft.com/office/drawing/2010/main" xmlns="">
+              <a14:hiddenFill xmlns="" xmlns:a14="http://schemas.microsoft.com/office/drawing/2010/main">
                 <a:solidFill>
                   <a:srgbClr val="FFFFFF"/>
                 </a:solidFill>
               </a14:hiddenFill>
             </a:ext>
             <a:ext uri="{91240B29-F687-4f45-9708-019B960494DF}">
-              <a14:hiddenLine xmlns:a14="http://schemas.microsoft.com/office/drawing/2010/main" xmlns="" w="9525" cap="flat">
+              <a14:hiddenLine xmlns="" xmlns:a14="http://schemas.microsoft.com/office/drawing/2010/main" w="9525" cap="flat">
                 <a:solidFill>
                   <a:srgbClr val="000000"/>
                 </a:solidFill>
@@ -13563,7 +13563,7 @@
               </a14:hiddenLine>
             </a:ext>
             <a:ext uri="{AF507438-7753-43e0-B8FC-AC1667EBCBE1}">
-              <a14:hiddenEffects xmlns:a14="http://schemas.microsoft.com/office/drawing/2010/main" xmlns="">
+              <a14:hiddenEffects xmlns="" xmlns:a14="http://schemas.microsoft.com/office/drawing/2010/main">
                 <a:effectLst>
                   <a:outerShdw blurRad="63500" dist="38099" dir="2700000" algn="ctr" rotWithShape="0">
                     <a:srgbClr val="000000">
@@ -13613,14 +13613,14 @@
           <a:effectLst/>
           <a:extLst>
             <a:ext uri="{909E8E84-426E-40dd-AFC4-6F175D3DCCD1}">
-              <a14:hiddenFill xmlns:a14="http://schemas.microsoft.com/office/drawing/2010/main" xmlns="">
+              <a14:hiddenFill xmlns="" xmlns:a14="http://schemas.microsoft.com/office/drawing/2010/main">
                 <a:solidFill>
                   <a:srgbClr val="FFFFFF"/>
                 </a:solidFill>
               </a14:hiddenFill>
             </a:ext>
             <a:ext uri="{91240B29-F687-4f45-9708-019B960494DF}">
-              <a14:hiddenLine xmlns:a14="http://schemas.microsoft.com/office/drawing/2010/main" xmlns="" w="9525" cap="flat">
+              <a14:hiddenLine xmlns="" xmlns:a14="http://schemas.microsoft.com/office/drawing/2010/main" w="9525" cap="flat">
                 <a:solidFill>
                   <a:srgbClr val="000000"/>
                 </a:solidFill>
@@ -13630,7 +13630,7 @@
               </a14:hiddenLine>
             </a:ext>
             <a:ext uri="{AF507438-7753-43e0-B8FC-AC1667EBCBE1}">
-              <a14:hiddenEffects xmlns:a14="http://schemas.microsoft.com/office/drawing/2010/main" xmlns="">
+              <a14:hiddenEffects xmlns="" xmlns:a14="http://schemas.microsoft.com/office/drawing/2010/main">
                 <a:effectLst>
                   <a:outerShdw blurRad="63500" dist="38099" dir="2700000" algn="ctr" rotWithShape="0">
                     <a:srgbClr val="000000">
@@ -13680,14 +13680,14 @@
           <a:effectLst/>
           <a:extLst>
             <a:ext uri="{909E8E84-426E-40dd-AFC4-6F175D3DCCD1}">
-              <a14:hiddenFill xmlns:a14="http://schemas.microsoft.com/office/drawing/2010/main" xmlns="">
+              <a14:hiddenFill xmlns="" xmlns:a14="http://schemas.microsoft.com/office/drawing/2010/main">
                 <a:solidFill>
                   <a:srgbClr val="FFFFFF"/>
                 </a:solidFill>
               </a14:hiddenFill>
             </a:ext>
             <a:ext uri="{91240B29-F687-4f45-9708-019B960494DF}">
-              <a14:hiddenLine xmlns:a14="http://schemas.microsoft.com/office/drawing/2010/main" xmlns="" w="9525" cap="flat">
+              <a14:hiddenLine xmlns="" xmlns:a14="http://schemas.microsoft.com/office/drawing/2010/main" w="9525" cap="flat">
                 <a:solidFill>
                   <a:srgbClr val="000000"/>
                 </a:solidFill>
@@ -13697,7 +13697,7 @@
               </a14:hiddenLine>
             </a:ext>
             <a:ext uri="{AF507438-7753-43e0-B8FC-AC1667EBCBE1}">
-              <a14:hiddenEffects xmlns:a14="http://schemas.microsoft.com/office/drawing/2010/main" xmlns="">
+              <a14:hiddenEffects xmlns="" xmlns:a14="http://schemas.microsoft.com/office/drawing/2010/main">
                 <a:effectLst>
                   <a:outerShdw blurRad="63500" dist="38099" dir="2700000" algn="ctr" rotWithShape="0">
                     <a:srgbClr val="000000">
@@ -13917,14 +13917,14 @@
           <a:effectLst/>
           <a:extLst>
             <a:ext uri="{909E8E84-426E-40dd-AFC4-6F175D3DCCD1}">
-              <a14:hiddenFill xmlns:a14="http://schemas.microsoft.com/office/drawing/2010/main" xmlns="">
+              <a14:hiddenFill xmlns="" xmlns:a14="http://schemas.microsoft.com/office/drawing/2010/main">
                 <a:solidFill>
                   <a:srgbClr val="FFFFFF"/>
                 </a:solidFill>
               </a14:hiddenFill>
             </a:ext>
             <a:ext uri="{91240B29-F687-4f45-9708-019B960494DF}">
-              <a14:hiddenLine xmlns:a14="http://schemas.microsoft.com/office/drawing/2010/main" xmlns="" w="9525" cap="flat">
+              <a14:hiddenLine xmlns="" xmlns:a14="http://schemas.microsoft.com/office/drawing/2010/main" w="9525" cap="flat">
                 <a:solidFill>
                   <a:srgbClr val="000000"/>
                 </a:solidFill>
@@ -13934,7 +13934,7 @@
               </a14:hiddenLine>
             </a:ext>
             <a:ext uri="{AF507438-7753-43e0-B8FC-AC1667EBCBE1}">
-              <a14:hiddenEffects xmlns:a14="http://schemas.microsoft.com/office/drawing/2010/main" xmlns="">
+              <a14:hiddenEffects xmlns="" xmlns:a14="http://schemas.microsoft.com/office/drawing/2010/main">
                 <a:effectLst>
                   <a:outerShdw blurRad="63500" dist="38099" dir="2700000" algn="ctr" rotWithShape="0">
                     <a:srgbClr val="000000">
@@ -13984,14 +13984,14 @@
           <a:effectLst/>
           <a:extLst>
             <a:ext uri="{909E8E84-426E-40dd-AFC4-6F175D3DCCD1}">
-              <a14:hiddenFill xmlns:a14="http://schemas.microsoft.com/office/drawing/2010/main" xmlns="">
+              <a14:hiddenFill xmlns="" xmlns:a14="http://schemas.microsoft.com/office/drawing/2010/main">
                 <a:solidFill>
                   <a:srgbClr val="FFFFFF"/>
                 </a:solidFill>
               </a14:hiddenFill>
             </a:ext>
             <a:ext uri="{91240B29-F687-4f45-9708-019B960494DF}">
-              <a14:hiddenLine xmlns:a14="http://schemas.microsoft.com/office/drawing/2010/main" xmlns="" w="9525" cap="flat">
+              <a14:hiddenLine xmlns="" xmlns:a14="http://schemas.microsoft.com/office/drawing/2010/main" w="9525" cap="flat">
                 <a:solidFill>
                   <a:srgbClr val="000000"/>
                 </a:solidFill>
@@ -14001,7 +14001,7 @@
               </a14:hiddenLine>
             </a:ext>
             <a:ext uri="{AF507438-7753-43e0-B8FC-AC1667EBCBE1}">
-              <a14:hiddenEffects xmlns:a14="http://schemas.microsoft.com/office/drawing/2010/main" xmlns="">
+              <a14:hiddenEffects xmlns="" xmlns:a14="http://schemas.microsoft.com/office/drawing/2010/main">
                 <a:effectLst>
                   <a:outerShdw blurRad="63500" dist="38099" dir="2700000" algn="ctr" rotWithShape="0">
                     <a:srgbClr val="000000">
@@ -14221,14 +14221,14 @@
           <a:effectLst/>
           <a:extLst>
             <a:ext uri="{909E8E84-426E-40dd-AFC4-6F175D3DCCD1}">
-              <a14:hiddenFill xmlns:a14="http://schemas.microsoft.com/office/drawing/2010/main" xmlns="">
+              <a14:hiddenFill xmlns="" xmlns:a14="http://schemas.microsoft.com/office/drawing/2010/main">
                 <a:solidFill>
                   <a:srgbClr val="FFFFFF"/>
                 </a:solidFill>
               </a14:hiddenFill>
             </a:ext>
             <a:ext uri="{91240B29-F687-4f45-9708-019B960494DF}">
-              <a14:hiddenLine xmlns:a14="http://schemas.microsoft.com/office/drawing/2010/main" xmlns="" w="9525" cap="flat">
+              <a14:hiddenLine xmlns="" xmlns:a14="http://schemas.microsoft.com/office/drawing/2010/main" w="9525" cap="flat">
                 <a:solidFill>
                   <a:srgbClr val="000000"/>
                 </a:solidFill>
@@ -14238,7 +14238,7 @@
               </a14:hiddenLine>
             </a:ext>
             <a:ext uri="{AF507438-7753-43e0-B8FC-AC1667EBCBE1}">
-              <a14:hiddenEffects xmlns:a14="http://schemas.microsoft.com/office/drawing/2010/main" xmlns="">
+              <a14:hiddenEffects xmlns="" xmlns:a14="http://schemas.microsoft.com/office/drawing/2010/main">
                 <a:effectLst>
                   <a:outerShdw blurRad="63500" dist="38099" dir="2700000" algn="ctr" rotWithShape="0">
                     <a:srgbClr val="000000">
@@ -14458,14 +14458,14 @@
           <a:effectLst/>
           <a:extLst>
             <a:ext uri="{909E8E84-426E-40dd-AFC4-6F175D3DCCD1}">
-              <a14:hiddenFill xmlns:a14="http://schemas.microsoft.com/office/drawing/2010/main" xmlns="">
+              <a14:hiddenFill xmlns="" xmlns:a14="http://schemas.microsoft.com/office/drawing/2010/main">
                 <a:solidFill>
                   <a:srgbClr val="FFFFFF"/>
                 </a:solidFill>
               </a14:hiddenFill>
             </a:ext>
             <a:ext uri="{91240B29-F687-4f45-9708-019B960494DF}">
-              <a14:hiddenLine xmlns:a14="http://schemas.microsoft.com/office/drawing/2010/main" xmlns="" w="9525" cap="flat">
+              <a14:hiddenLine xmlns="" xmlns:a14="http://schemas.microsoft.com/office/drawing/2010/main" w="9525" cap="flat">
                 <a:solidFill>
                   <a:srgbClr val="000000"/>
                 </a:solidFill>
@@ -14475,7 +14475,7 @@
               </a14:hiddenLine>
             </a:ext>
             <a:ext uri="{AF507438-7753-43e0-B8FC-AC1667EBCBE1}">
-              <a14:hiddenEffects xmlns:a14="http://schemas.microsoft.com/office/drawing/2010/main" xmlns="">
+              <a14:hiddenEffects xmlns="" xmlns:a14="http://schemas.microsoft.com/office/drawing/2010/main">
                 <a:effectLst>
                   <a:outerShdw blurRad="63500" dist="38099" dir="2700000" algn="ctr" rotWithShape="0">
                     <a:srgbClr val="000000">
@@ -14695,14 +14695,14 @@
           <a:effectLst/>
           <a:extLst>
             <a:ext uri="{909E8E84-426E-40dd-AFC4-6F175D3DCCD1}">
-              <a14:hiddenFill xmlns:a14="http://schemas.microsoft.com/office/drawing/2010/main" xmlns="">
+              <a14:hiddenFill xmlns="" xmlns:a14="http://schemas.microsoft.com/office/drawing/2010/main">
                 <a:solidFill>
                   <a:srgbClr val="FFFFFF"/>
                 </a:solidFill>
               </a14:hiddenFill>
             </a:ext>
             <a:ext uri="{91240B29-F687-4f45-9708-019B960494DF}">
-              <a14:hiddenLine xmlns:a14="http://schemas.microsoft.com/office/drawing/2010/main" xmlns="" w="9525" cap="flat">
+              <a14:hiddenLine xmlns="" xmlns:a14="http://schemas.microsoft.com/office/drawing/2010/main" w="9525" cap="flat">
                 <a:solidFill>
                   <a:srgbClr val="000000"/>
                 </a:solidFill>
@@ -14712,7 +14712,7 @@
               </a14:hiddenLine>
             </a:ext>
             <a:ext uri="{AF507438-7753-43e0-B8FC-AC1667EBCBE1}">
-              <a14:hiddenEffects xmlns:a14="http://schemas.microsoft.com/office/drawing/2010/main" xmlns="">
+              <a14:hiddenEffects xmlns="" xmlns:a14="http://schemas.microsoft.com/office/drawing/2010/main">
                 <a:effectLst>
                   <a:outerShdw blurRad="63500" dist="38099" dir="2700000" algn="ctr" rotWithShape="0">
                     <a:srgbClr val="000000">
@@ -14932,14 +14932,14 @@
           <a:effectLst/>
           <a:extLst>
             <a:ext uri="{909E8E84-426E-40dd-AFC4-6F175D3DCCD1}">
-              <a14:hiddenFill xmlns:a14="http://schemas.microsoft.com/office/drawing/2010/main" xmlns="">
+              <a14:hiddenFill xmlns="" xmlns:a14="http://schemas.microsoft.com/office/drawing/2010/main">
                 <a:solidFill>
                   <a:srgbClr val="FFFFFF"/>
                 </a:solidFill>
               </a14:hiddenFill>
             </a:ext>
             <a:ext uri="{91240B29-F687-4f45-9708-019B960494DF}">
-              <a14:hiddenLine xmlns:a14="http://schemas.microsoft.com/office/drawing/2010/main" xmlns="" w="9525" cap="flat">
+              <a14:hiddenLine xmlns="" xmlns:a14="http://schemas.microsoft.com/office/drawing/2010/main" w="9525" cap="flat">
                 <a:solidFill>
                   <a:srgbClr val="000000"/>
                 </a:solidFill>
@@ -14949,7 +14949,7 @@
               </a14:hiddenLine>
             </a:ext>
             <a:ext uri="{AF507438-7753-43e0-B8FC-AC1667EBCBE1}">
-              <a14:hiddenEffects xmlns:a14="http://schemas.microsoft.com/office/drawing/2010/main" xmlns="">
+              <a14:hiddenEffects xmlns="" xmlns:a14="http://schemas.microsoft.com/office/drawing/2010/main">
                 <a:effectLst>
                   <a:outerShdw blurRad="63500" dist="38099" dir="2700000" algn="ctr" rotWithShape="0">
                     <a:srgbClr val="000000">
@@ -14999,14 +14999,14 @@
           <a:effectLst/>
           <a:extLst>
             <a:ext uri="{909E8E84-426E-40dd-AFC4-6F175D3DCCD1}">
-              <a14:hiddenFill xmlns:a14="http://schemas.microsoft.com/office/drawing/2010/main" xmlns="">
+              <a14:hiddenFill xmlns="" xmlns:a14="http://schemas.microsoft.com/office/drawing/2010/main">
                 <a:solidFill>
                   <a:srgbClr val="FFFFFF"/>
                 </a:solidFill>
               </a14:hiddenFill>
             </a:ext>
             <a:ext uri="{91240B29-F687-4f45-9708-019B960494DF}">
-              <a14:hiddenLine xmlns:a14="http://schemas.microsoft.com/office/drawing/2010/main" xmlns="" w="9525" cap="flat">
+              <a14:hiddenLine xmlns="" xmlns:a14="http://schemas.microsoft.com/office/drawing/2010/main" w="9525" cap="flat">
                 <a:solidFill>
                   <a:srgbClr val="000000"/>
                 </a:solidFill>
@@ -15016,7 +15016,7 @@
               </a14:hiddenLine>
             </a:ext>
             <a:ext uri="{AF507438-7753-43e0-B8FC-AC1667EBCBE1}">
-              <a14:hiddenEffects xmlns:a14="http://schemas.microsoft.com/office/drawing/2010/main" xmlns="">
+              <a14:hiddenEffects xmlns="" xmlns:a14="http://schemas.microsoft.com/office/drawing/2010/main">
                 <a:effectLst>
                   <a:outerShdw blurRad="63500" dist="38099" dir="2700000" algn="ctr" rotWithShape="0">
                     <a:srgbClr val="000000">
@@ -15066,14 +15066,14 @@
           <a:effectLst/>
           <a:extLst>
             <a:ext uri="{909E8E84-426E-40dd-AFC4-6F175D3DCCD1}">
-              <a14:hiddenFill xmlns:a14="http://schemas.microsoft.com/office/drawing/2010/main" xmlns="">
+              <a14:hiddenFill xmlns="" xmlns:a14="http://schemas.microsoft.com/office/drawing/2010/main">
                 <a:solidFill>
                   <a:srgbClr val="FFFFFF"/>
                 </a:solidFill>
               </a14:hiddenFill>
             </a:ext>
             <a:ext uri="{91240B29-F687-4f45-9708-019B960494DF}">
-              <a14:hiddenLine xmlns:a14="http://schemas.microsoft.com/office/drawing/2010/main" xmlns="" w="9525" cap="flat">
+              <a14:hiddenLine xmlns="" xmlns:a14="http://schemas.microsoft.com/office/drawing/2010/main" w="9525" cap="flat">
                 <a:solidFill>
                   <a:srgbClr val="000000"/>
                 </a:solidFill>
@@ -15083,7 +15083,7 @@
               </a14:hiddenLine>
             </a:ext>
             <a:ext uri="{AF507438-7753-43e0-B8FC-AC1667EBCBE1}">
-              <a14:hiddenEffects xmlns:a14="http://schemas.microsoft.com/office/drawing/2010/main" xmlns="">
+              <a14:hiddenEffects xmlns="" xmlns:a14="http://schemas.microsoft.com/office/drawing/2010/main">
                 <a:effectLst>
                   <a:outerShdw blurRad="63500" dist="38099" dir="2700000" algn="ctr" rotWithShape="0">
                     <a:srgbClr val="000000">
@@ -15133,14 +15133,14 @@
           <a:effectLst/>
           <a:extLst>
             <a:ext uri="{909E8E84-426E-40dd-AFC4-6F175D3DCCD1}">
-              <a14:hiddenFill xmlns:a14="http://schemas.microsoft.com/office/drawing/2010/main" xmlns="">
+              <a14:hiddenFill xmlns="" xmlns:a14="http://schemas.microsoft.com/office/drawing/2010/main">
                 <a:solidFill>
                   <a:srgbClr val="FFFFFF"/>
                 </a:solidFill>
               </a14:hiddenFill>
             </a:ext>
             <a:ext uri="{91240B29-F687-4f45-9708-019B960494DF}">
-              <a14:hiddenLine xmlns:a14="http://schemas.microsoft.com/office/drawing/2010/main" xmlns="" w="9525" cap="flat">
+              <a14:hiddenLine xmlns="" xmlns:a14="http://schemas.microsoft.com/office/drawing/2010/main" w="9525" cap="flat">
                 <a:solidFill>
                   <a:srgbClr val="000000"/>
                 </a:solidFill>
@@ -15150,7 +15150,7 @@
               </a14:hiddenLine>
             </a:ext>
             <a:ext uri="{AF507438-7753-43e0-B8FC-AC1667EBCBE1}">
-              <a14:hiddenEffects xmlns:a14="http://schemas.microsoft.com/office/drawing/2010/main" xmlns="">
+              <a14:hiddenEffects xmlns="" xmlns:a14="http://schemas.microsoft.com/office/drawing/2010/main">
                 <a:effectLst>
                   <a:outerShdw blurRad="63500" dist="38099" dir="2700000" algn="ctr" rotWithShape="0">
                     <a:srgbClr val="000000">
@@ -15200,14 +15200,14 @@
           <a:effectLst/>
           <a:extLst>
             <a:ext uri="{909E8E84-426E-40dd-AFC4-6F175D3DCCD1}">
-              <a14:hiddenFill xmlns:a14="http://schemas.microsoft.com/office/drawing/2010/main" xmlns="">
+              <a14:hiddenFill xmlns="" xmlns:a14="http://schemas.microsoft.com/office/drawing/2010/main">
                 <a:solidFill>
                   <a:srgbClr val="FFFFFF"/>
                 </a:solidFill>
               </a14:hiddenFill>
             </a:ext>
             <a:ext uri="{91240B29-F687-4f45-9708-019B960494DF}">
-              <a14:hiddenLine xmlns:a14="http://schemas.microsoft.com/office/drawing/2010/main" xmlns="" w="9525" cap="flat">
+              <a14:hiddenLine xmlns="" xmlns:a14="http://schemas.microsoft.com/office/drawing/2010/main" w="9525" cap="flat">
                 <a:solidFill>
                   <a:srgbClr val="000000"/>
                 </a:solidFill>
@@ -15217,7 +15217,7 @@
               </a14:hiddenLine>
             </a:ext>
             <a:ext uri="{AF507438-7753-43e0-B8FC-AC1667EBCBE1}">
-              <a14:hiddenEffects xmlns:a14="http://schemas.microsoft.com/office/drawing/2010/main" xmlns="">
+              <a14:hiddenEffects xmlns="" xmlns:a14="http://schemas.microsoft.com/office/drawing/2010/main">
                 <a:effectLst>
                   <a:outerShdw blurRad="63500" dist="38099" dir="2700000" algn="ctr" rotWithShape="0">
                     <a:srgbClr val="000000">
@@ -15267,14 +15267,14 @@
           <a:effectLst/>
           <a:extLst>
             <a:ext uri="{909E8E84-426E-40dd-AFC4-6F175D3DCCD1}">
-              <a14:hiddenFill xmlns:a14="http://schemas.microsoft.com/office/drawing/2010/main" xmlns="">
+              <a14:hiddenFill xmlns="" xmlns:a14="http://schemas.microsoft.com/office/drawing/2010/main">
                 <a:solidFill>
                   <a:srgbClr val="FFFFFF"/>
                 </a:solidFill>
               </a14:hiddenFill>
             </a:ext>
             <a:ext uri="{91240B29-F687-4f45-9708-019B960494DF}">
-              <a14:hiddenLine xmlns:a14="http://schemas.microsoft.com/office/drawing/2010/main" xmlns="" w="9525" cap="flat">
+              <a14:hiddenLine xmlns="" xmlns:a14="http://schemas.microsoft.com/office/drawing/2010/main" w="9525" cap="flat">
                 <a:solidFill>
                   <a:srgbClr val="000000"/>
                 </a:solidFill>
@@ -15284,7 +15284,7 @@
               </a14:hiddenLine>
             </a:ext>
             <a:ext uri="{AF507438-7753-43e0-B8FC-AC1667EBCBE1}">
-              <a14:hiddenEffects xmlns:a14="http://schemas.microsoft.com/office/drawing/2010/main" xmlns="">
+              <a14:hiddenEffects xmlns="" xmlns:a14="http://schemas.microsoft.com/office/drawing/2010/main">
                 <a:effectLst>
                   <a:outerShdw blurRad="63500" dist="38099" dir="2700000" algn="ctr" rotWithShape="0">
                     <a:srgbClr val="000000">
@@ -15334,14 +15334,14 @@
           <a:effectLst/>
           <a:extLst>
             <a:ext uri="{909E8E84-426E-40dd-AFC4-6F175D3DCCD1}">
-              <a14:hiddenFill xmlns:a14="http://schemas.microsoft.com/office/drawing/2010/main" xmlns="">
+              <a14:hiddenFill xmlns="" xmlns:a14="http://schemas.microsoft.com/office/drawing/2010/main">
                 <a:solidFill>
                   <a:srgbClr val="FFFFFF"/>
                 </a:solidFill>
               </a14:hiddenFill>
             </a:ext>
             <a:ext uri="{91240B29-F687-4f45-9708-019B960494DF}">
-              <a14:hiddenLine xmlns:a14="http://schemas.microsoft.com/office/drawing/2010/main" xmlns="" w="9525" cap="flat">
+              <a14:hiddenLine xmlns="" xmlns:a14="http://schemas.microsoft.com/office/drawing/2010/main" w="9525" cap="flat">
                 <a:solidFill>
                   <a:srgbClr val="000000"/>
                 </a:solidFill>
@@ -15351,7 +15351,7 @@
               </a14:hiddenLine>
             </a:ext>
             <a:ext uri="{AF507438-7753-43e0-B8FC-AC1667EBCBE1}">
-              <a14:hiddenEffects xmlns:a14="http://schemas.microsoft.com/office/drawing/2010/main" xmlns="">
+              <a14:hiddenEffects xmlns="" xmlns:a14="http://schemas.microsoft.com/office/drawing/2010/main">
                 <a:effectLst>
                   <a:outerShdw blurRad="63500" dist="38099" dir="2700000" algn="ctr" rotWithShape="0">
                     <a:srgbClr val="000000">
@@ -15401,14 +15401,14 @@
           <a:effectLst/>
           <a:extLst>
             <a:ext uri="{909E8E84-426E-40dd-AFC4-6F175D3DCCD1}">
-              <a14:hiddenFill xmlns:a14="http://schemas.microsoft.com/office/drawing/2010/main" xmlns="">
+              <a14:hiddenFill xmlns="" xmlns:a14="http://schemas.microsoft.com/office/drawing/2010/main">
                 <a:solidFill>
                   <a:srgbClr val="FFFFFF"/>
                 </a:solidFill>
               </a14:hiddenFill>
             </a:ext>
             <a:ext uri="{91240B29-F687-4f45-9708-019B960494DF}">
-              <a14:hiddenLine xmlns:a14="http://schemas.microsoft.com/office/drawing/2010/main" xmlns="" w="9525" cap="flat">
+              <a14:hiddenLine xmlns="" xmlns:a14="http://schemas.microsoft.com/office/drawing/2010/main" w="9525" cap="flat">
                 <a:solidFill>
                   <a:srgbClr val="000000"/>
                 </a:solidFill>
@@ -15418,7 +15418,7 @@
               </a14:hiddenLine>
             </a:ext>
             <a:ext uri="{AF507438-7753-43e0-B8FC-AC1667EBCBE1}">
-              <a14:hiddenEffects xmlns:a14="http://schemas.microsoft.com/office/drawing/2010/main" xmlns="">
+              <a14:hiddenEffects xmlns="" xmlns:a14="http://schemas.microsoft.com/office/drawing/2010/main">
                 <a:effectLst>
                   <a:outerShdw blurRad="63500" dist="38099" dir="2700000" algn="ctr" rotWithShape="0">
                     <a:srgbClr val="000000">
@@ -15468,14 +15468,14 @@
           <a:effectLst/>
           <a:extLst>
             <a:ext uri="{909E8E84-426E-40dd-AFC4-6F175D3DCCD1}">
-              <a14:hiddenFill xmlns:a14="http://schemas.microsoft.com/office/drawing/2010/main" xmlns="">
+              <a14:hiddenFill xmlns="" xmlns:a14="http://schemas.microsoft.com/office/drawing/2010/main">
                 <a:solidFill>
                   <a:srgbClr val="FFFFFF"/>
                 </a:solidFill>
               </a14:hiddenFill>
             </a:ext>
             <a:ext uri="{91240B29-F687-4f45-9708-019B960494DF}">
-              <a14:hiddenLine xmlns:a14="http://schemas.microsoft.com/office/drawing/2010/main" xmlns="" w="9525" cap="flat">
+              <a14:hiddenLine xmlns="" xmlns:a14="http://schemas.microsoft.com/office/drawing/2010/main" w="9525" cap="flat">
                 <a:solidFill>
                   <a:srgbClr val="000000"/>
                 </a:solidFill>
@@ -15485,7 +15485,7 @@
               </a14:hiddenLine>
             </a:ext>
             <a:ext uri="{AF507438-7753-43e0-B8FC-AC1667EBCBE1}">
-              <a14:hiddenEffects xmlns:a14="http://schemas.microsoft.com/office/drawing/2010/main" xmlns="">
+              <a14:hiddenEffects xmlns="" xmlns:a14="http://schemas.microsoft.com/office/drawing/2010/main">
                 <a:effectLst>
                   <a:outerShdw blurRad="63500" dist="38099" dir="2700000" algn="ctr" rotWithShape="0">
                     <a:srgbClr val="000000">
@@ -15542,7 +15542,7 @@
           <a:effectLst/>
           <a:extLst>
             <a:ext uri="{AF507438-7753-43e0-B8FC-AC1667EBCBE1}">
-              <a14:hiddenEffects xmlns:a14="http://schemas.microsoft.com/office/drawing/2010/main" xmlns="">
+              <a14:hiddenEffects xmlns="" xmlns:a14="http://schemas.microsoft.com/office/drawing/2010/main">
                 <a:effectLst>
                   <a:outerShdw blurRad="63500" dist="38099" dir="2700000" algn="ctr" rotWithShape="0">
                     <a:srgbClr val="000000">
@@ -15585,14 +15585,14 @@
           <a:effectLst/>
           <a:extLst>
             <a:ext uri="{909E8E84-426E-40dd-AFC4-6F175D3DCCD1}">
-              <a14:hiddenFill xmlns:a14="http://schemas.microsoft.com/office/drawing/2010/main" xmlns="">
+              <a14:hiddenFill xmlns="" xmlns:a14="http://schemas.microsoft.com/office/drawing/2010/main">
                 <a:solidFill>
                   <a:srgbClr val="FFFFFF"/>
                 </a:solidFill>
               </a14:hiddenFill>
             </a:ext>
             <a:ext uri="{91240B29-F687-4f45-9708-019B960494DF}">
-              <a14:hiddenLine xmlns:a14="http://schemas.microsoft.com/office/drawing/2010/main" xmlns="" w="9525" cap="flat">
+              <a14:hiddenLine xmlns="" xmlns:a14="http://schemas.microsoft.com/office/drawing/2010/main" w="9525" cap="flat">
                 <a:solidFill>
                   <a:srgbClr val="000000"/>
                 </a:solidFill>
@@ -15602,7 +15602,7 @@
               </a14:hiddenLine>
             </a:ext>
             <a:ext uri="{AF507438-7753-43e0-B8FC-AC1667EBCBE1}">
-              <a14:hiddenEffects xmlns:a14="http://schemas.microsoft.com/office/drawing/2010/main" xmlns="">
+              <a14:hiddenEffects xmlns="" xmlns:a14="http://schemas.microsoft.com/office/drawing/2010/main">
                 <a:effectLst>
                   <a:outerShdw blurRad="63500" dist="38099" dir="2700000" algn="ctr" rotWithShape="0">
                     <a:srgbClr val="000000">
@@ -15659,7 +15659,7 @@
           <a:effectLst/>
           <a:extLst>
             <a:ext uri="{AF507438-7753-43e0-B8FC-AC1667EBCBE1}">
-              <a14:hiddenEffects xmlns:a14="http://schemas.microsoft.com/office/drawing/2010/main" xmlns="">
+              <a14:hiddenEffects xmlns="" xmlns:a14="http://schemas.microsoft.com/office/drawing/2010/main">
                 <a:effectLst>
                   <a:outerShdw blurRad="63500" dist="38099" dir="2700000" algn="ctr" rotWithShape="0">
                     <a:srgbClr val="000000">
@@ -15702,14 +15702,14 @@
           <a:effectLst/>
           <a:extLst>
             <a:ext uri="{909E8E84-426E-40dd-AFC4-6F175D3DCCD1}">
-              <a14:hiddenFill xmlns:a14="http://schemas.microsoft.com/office/drawing/2010/main" xmlns="">
+              <a14:hiddenFill xmlns="" xmlns:a14="http://schemas.microsoft.com/office/drawing/2010/main">
                 <a:solidFill>
                   <a:srgbClr val="FFFFFF"/>
                 </a:solidFill>
               </a14:hiddenFill>
             </a:ext>
             <a:ext uri="{91240B29-F687-4f45-9708-019B960494DF}">
-              <a14:hiddenLine xmlns:a14="http://schemas.microsoft.com/office/drawing/2010/main" xmlns="" w="9525" cap="flat">
+              <a14:hiddenLine xmlns="" xmlns:a14="http://schemas.microsoft.com/office/drawing/2010/main" w="9525" cap="flat">
                 <a:solidFill>
                   <a:srgbClr val="000000"/>
                 </a:solidFill>
@@ -15719,7 +15719,7 @@
               </a14:hiddenLine>
             </a:ext>
             <a:ext uri="{AF507438-7753-43e0-B8FC-AC1667EBCBE1}">
-              <a14:hiddenEffects xmlns:a14="http://schemas.microsoft.com/office/drawing/2010/main" xmlns="">
+              <a14:hiddenEffects xmlns="" xmlns:a14="http://schemas.microsoft.com/office/drawing/2010/main">
                 <a:effectLst>
                   <a:outerShdw blurRad="63500" dist="38099" dir="2700000" algn="ctr" rotWithShape="0">
                     <a:srgbClr val="000000">
@@ -15769,14 +15769,14 @@
           <a:effectLst/>
           <a:extLst>
             <a:ext uri="{909E8E84-426E-40dd-AFC4-6F175D3DCCD1}">
-              <a14:hiddenFill xmlns:a14="http://schemas.microsoft.com/office/drawing/2010/main" xmlns="">
+              <a14:hiddenFill xmlns="" xmlns:a14="http://schemas.microsoft.com/office/drawing/2010/main">
                 <a:solidFill>
                   <a:srgbClr val="FFFFFF"/>
                 </a:solidFill>
               </a14:hiddenFill>
             </a:ext>
             <a:ext uri="{91240B29-F687-4f45-9708-019B960494DF}">
-              <a14:hiddenLine xmlns:a14="http://schemas.microsoft.com/office/drawing/2010/main" xmlns="" w="9525" cap="flat">
+              <a14:hiddenLine xmlns="" xmlns:a14="http://schemas.microsoft.com/office/drawing/2010/main" w="9525" cap="flat">
                 <a:solidFill>
                   <a:srgbClr val="000000"/>
                 </a:solidFill>
@@ -15786,7 +15786,7 @@
               </a14:hiddenLine>
             </a:ext>
             <a:ext uri="{AF507438-7753-43e0-B8FC-AC1667EBCBE1}">
-              <a14:hiddenEffects xmlns:a14="http://schemas.microsoft.com/office/drawing/2010/main" xmlns="">
+              <a14:hiddenEffects xmlns="" xmlns:a14="http://schemas.microsoft.com/office/drawing/2010/main">
                 <a:effectLst>
                   <a:outerShdw blurRad="63500" dist="38099" dir="2700000" algn="ctr" rotWithShape="0">
                     <a:srgbClr val="000000">
@@ -16006,14 +16006,14 @@
           <a:effectLst/>
           <a:extLst>
             <a:ext uri="{909E8E84-426E-40dd-AFC4-6F175D3DCCD1}">
-              <a14:hiddenFill xmlns:a14="http://schemas.microsoft.com/office/drawing/2010/main" xmlns="">
+              <a14:hiddenFill xmlns="" xmlns:a14="http://schemas.microsoft.com/office/drawing/2010/main">
                 <a:solidFill>
                   <a:srgbClr val="FFFFFF"/>
                 </a:solidFill>
               </a14:hiddenFill>
             </a:ext>
             <a:ext uri="{91240B29-F687-4f45-9708-019B960494DF}">
-              <a14:hiddenLine xmlns:a14="http://schemas.microsoft.com/office/drawing/2010/main" xmlns="" w="9525" cap="flat">
+              <a14:hiddenLine xmlns="" xmlns:a14="http://schemas.microsoft.com/office/drawing/2010/main" w="9525" cap="flat">
                 <a:solidFill>
                   <a:srgbClr val="000000"/>
                 </a:solidFill>
@@ -16023,7 +16023,7 @@
               </a14:hiddenLine>
             </a:ext>
             <a:ext uri="{AF507438-7753-43e0-B8FC-AC1667EBCBE1}">
-              <a14:hiddenEffects xmlns:a14="http://schemas.microsoft.com/office/drawing/2010/main" xmlns="">
+              <a14:hiddenEffects xmlns="" xmlns:a14="http://schemas.microsoft.com/office/drawing/2010/main">
                 <a:effectLst>
                   <a:outerShdw blurRad="63500" dist="38099" dir="2700000" algn="ctr" rotWithShape="0">
                     <a:srgbClr val="000000">
@@ -16073,14 +16073,14 @@
           <a:effectLst/>
           <a:extLst>
             <a:ext uri="{909E8E84-426E-40dd-AFC4-6F175D3DCCD1}">
-              <a14:hiddenFill xmlns:a14="http://schemas.microsoft.com/office/drawing/2010/main" xmlns="">
+              <a14:hiddenFill xmlns="" xmlns:a14="http://schemas.microsoft.com/office/drawing/2010/main">
                 <a:solidFill>
                   <a:srgbClr val="FFFFFF"/>
                 </a:solidFill>
               </a14:hiddenFill>
             </a:ext>
             <a:ext uri="{91240B29-F687-4f45-9708-019B960494DF}">
-              <a14:hiddenLine xmlns:a14="http://schemas.microsoft.com/office/drawing/2010/main" xmlns="" w="9525" cap="flat">
+              <a14:hiddenLine xmlns="" xmlns:a14="http://schemas.microsoft.com/office/drawing/2010/main" w="9525" cap="flat">
                 <a:solidFill>
                   <a:srgbClr val="000000"/>
                 </a:solidFill>
@@ -16090,7 +16090,7 @@
               </a14:hiddenLine>
             </a:ext>
             <a:ext uri="{AF507438-7753-43e0-B8FC-AC1667EBCBE1}">
-              <a14:hiddenEffects xmlns:a14="http://schemas.microsoft.com/office/drawing/2010/main" xmlns="">
+              <a14:hiddenEffects xmlns="" xmlns:a14="http://schemas.microsoft.com/office/drawing/2010/main">
                 <a:effectLst>
                   <a:outerShdw blurRad="63500" dist="38099" dir="2700000" algn="ctr" rotWithShape="0">
                     <a:srgbClr val="000000">
@@ -16140,14 +16140,14 @@
           <a:effectLst/>
           <a:extLst>
             <a:ext uri="{909E8E84-426E-40dd-AFC4-6F175D3DCCD1}">
-              <a14:hiddenFill xmlns:a14="http://schemas.microsoft.com/office/drawing/2010/main" xmlns="">
+              <a14:hiddenFill xmlns="" xmlns:a14="http://schemas.microsoft.com/office/drawing/2010/main">
                 <a:solidFill>
                   <a:srgbClr val="FFFFFF"/>
                 </a:solidFill>
               </a14:hiddenFill>
             </a:ext>
             <a:ext uri="{91240B29-F687-4f45-9708-019B960494DF}">
-              <a14:hiddenLine xmlns:a14="http://schemas.microsoft.com/office/drawing/2010/main" xmlns="" w="9525" cap="flat">
+              <a14:hiddenLine xmlns="" xmlns:a14="http://schemas.microsoft.com/office/drawing/2010/main" w="9525" cap="flat">
                 <a:solidFill>
                   <a:srgbClr val="000000"/>
                 </a:solidFill>
@@ -16157,7 +16157,7 @@
               </a14:hiddenLine>
             </a:ext>
             <a:ext uri="{AF507438-7753-43e0-B8FC-AC1667EBCBE1}">
-              <a14:hiddenEffects xmlns:a14="http://schemas.microsoft.com/office/drawing/2010/main" xmlns="">
+              <a14:hiddenEffects xmlns="" xmlns:a14="http://schemas.microsoft.com/office/drawing/2010/main">
                 <a:effectLst>
                   <a:outerShdw blurRad="63500" dist="38099" dir="2700000" algn="ctr" rotWithShape="0">
                     <a:srgbClr val="000000">
@@ -16377,14 +16377,14 @@
           <a:effectLst/>
           <a:extLst>
             <a:ext uri="{909E8E84-426E-40dd-AFC4-6F175D3DCCD1}">
-              <a14:hiddenFill xmlns:a14="http://schemas.microsoft.com/office/drawing/2010/main" xmlns="">
+              <a14:hiddenFill xmlns="" xmlns:a14="http://schemas.microsoft.com/office/drawing/2010/main">
                 <a:solidFill>
                   <a:srgbClr val="FFFFFF"/>
                 </a:solidFill>
               </a14:hiddenFill>
             </a:ext>
             <a:ext uri="{91240B29-F687-4f45-9708-019B960494DF}">
-              <a14:hiddenLine xmlns:a14="http://schemas.microsoft.com/office/drawing/2010/main" xmlns="" w="9525" cap="flat">
+              <a14:hiddenLine xmlns="" xmlns:a14="http://schemas.microsoft.com/office/drawing/2010/main" w="9525" cap="flat">
                 <a:solidFill>
                   <a:srgbClr val="000000"/>
                 </a:solidFill>
@@ -16394,7 +16394,7 @@
               </a14:hiddenLine>
             </a:ext>
             <a:ext uri="{AF507438-7753-43e0-B8FC-AC1667EBCBE1}">
-              <a14:hiddenEffects xmlns:a14="http://schemas.microsoft.com/office/drawing/2010/main" xmlns="">
+              <a14:hiddenEffects xmlns="" xmlns:a14="http://schemas.microsoft.com/office/drawing/2010/main">
                 <a:effectLst>
                   <a:outerShdw blurRad="63500" dist="38099" dir="2700000" algn="ctr" rotWithShape="0">
                     <a:srgbClr val="000000">
@@ -16614,14 +16614,14 @@
           <a:effectLst/>
           <a:extLst>
             <a:ext uri="{909E8E84-426E-40dd-AFC4-6F175D3DCCD1}">
-              <a14:hiddenFill xmlns:a14="http://schemas.microsoft.com/office/drawing/2010/main" xmlns="">
+              <a14:hiddenFill xmlns="" xmlns:a14="http://schemas.microsoft.com/office/drawing/2010/main">
                 <a:solidFill>
                   <a:srgbClr val="FFFFFF"/>
                 </a:solidFill>
               </a14:hiddenFill>
             </a:ext>
             <a:ext uri="{91240B29-F687-4f45-9708-019B960494DF}">
-              <a14:hiddenLine xmlns:a14="http://schemas.microsoft.com/office/drawing/2010/main" xmlns="" w="9525" cap="flat">
+              <a14:hiddenLine xmlns="" xmlns:a14="http://schemas.microsoft.com/office/drawing/2010/main" w="9525" cap="flat">
                 <a:solidFill>
                   <a:srgbClr val="000000"/>
                 </a:solidFill>
@@ -16631,7 +16631,7 @@
               </a14:hiddenLine>
             </a:ext>
             <a:ext uri="{AF507438-7753-43e0-B8FC-AC1667EBCBE1}">
-              <a14:hiddenEffects xmlns:a14="http://schemas.microsoft.com/office/drawing/2010/main" xmlns="">
+              <a14:hiddenEffects xmlns="" xmlns:a14="http://schemas.microsoft.com/office/drawing/2010/main">
                 <a:effectLst>
                   <a:outerShdw blurRad="63500" dist="38099" dir="2700000" algn="ctr" rotWithShape="0">
                     <a:srgbClr val="000000">
@@ -16851,14 +16851,14 @@
           <a:effectLst/>
           <a:extLst>
             <a:ext uri="{909E8E84-426E-40dd-AFC4-6F175D3DCCD1}">
-              <a14:hiddenFill xmlns:a14="http://schemas.microsoft.com/office/drawing/2010/main" xmlns="">
+              <a14:hiddenFill xmlns="" xmlns:a14="http://schemas.microsoft.com/office/drawing/2010/main">
                 <a:solidFill>
                   <a:srgbClr val="FFFFFF"/>
                 </a:solidFill>
               </a14:hiddenFill>
             </a:ext>
             <a:ext uri="{91240B29-F687-4f45-9708-019B960494DF}">
-              <a14:hiddenLine xmlns:a14="http://schemas.microsoft.com/office/drawing/2010/main" xmlns="" w="9525" cap="flat">
+              <a14:hiddenLine xmlns="" xmlns:a14="http://schemas.microsoft.com/office/drawing/2010/main" w="9525" cap="flat">
                 <a:solidFill>
                   <a:srgbClr val="000000"/>
                 </a:solidFill>
@@ -16868,7 +16868,7 @@
               </a14:hiddenLine>
             </a:ext>
             <a:ext uri="{AF507438-7753-43e0-B8FC-AC1667EBCBE1}">
-              <a14:hiddenEffects xmlns:a14="http://schemas.microsoft.com/office/drawing/2010/main" xmlns="">
+              <a14:hiddenEffects xmlns="" xmlns:a14="http://schemas.microsoft.com/office/drawing/2010/main">
                 <a:effectLst>
                   <a:outerShdw blurRad="63500" dist="38099" dir="2700000" algn="ctr" rotWithShape="0">
                     <a:srgbClr val="000000">
@@ -17088,14 +17088,14 @@
           <a:effectLst/>
           <a:extLst>
             <a:ext uri="{909E8E84-426E-40dd-AFC4-6F175D3DCCD1}">
-              <a14:hiddenFill xmlns:a14="http://schemas.microsoft.com/office/drawing/2010/main" xmlns="">
+              <a14:hiddenFill xmlns="" xmlns:a14="http://schemas.microsoft.com/office/drawing/2010/main">
                 <a:solidFill>
                   <a:srgbClr val="FFFFFF"/>
                 </a:solidFill>
               </a14:hiddenFill>
             </a:ext>
             <a:ext uri="{91240B29-F687-4f45-9708-019B960494DF}">
-              <a14:hiddenLine xmlns:a14="http://schemas.microsoft.com/office/drawing/2010/main" xmlns="" w="9525" cap="flat">
+              <a14:hiddenLine xmlns="" xmlns:a14="http://schemas.microsoft.com/office/drawing/2010/main" w="9525" cap="flat">
                 <a:solidFill>
                   <a:srgbClr val="000000"/>
                 </a:solidFill>
@@ -17105,7 +17105,7 @@
               </a14:hiddenLine>
             </a:ext>
             <a:ext uri="{AF507438-7753-43e0-B8FC-AC1667EBCBE1}">
-              <a14:hiddenEffects xmlns:a14="http://schemas.microsoft.com/office/drawing/2010/main" xmlns="">
+              <a14:hiddenEffects xmlns="" xmlns:a14="http://schemas.microsoft.com/office/drawing/2010/main">
                 <a:effectLst>
                   <a:outerShdw blurRad="63500" dist="38099" dir="2700000" algn="ctr" rotWithShape="0">
                     <a:srgbClr val="000000">
@@ -17332,7 +17332,7 @@
           <a:effectLst/>
           <a:extLst>
             <a:ext uri="{AF507438-7753-43e0-B8FC-AC1667EBCBE1}">
-              <a14:hiddenEffects xmlns:a14="http://schemas.microsoft.com/office/drawing/2010/main" xmlns="">
+              <a14:hiddenEffects xmlns="" xmlns:a14="http://schemas.microsoft.com/office/drawing/2010/main">
                 <a:effectLst>
                   <a:outerShdw blurRad="63500" dist="38099" dir="2700000" algn="ctr" rotWithShape="0">
                     <a:srgbClr val="000000">
@@ -17375,14 +17375,14 @@
           <a:effectLst/>
           <a:extLst>
             <a:ext uri="{909E8E84-426E-40dd-AFC4-6F175D3DCCD1}">
-              <a14:hiddenFill xmlns:a14="http://schemas.microsoft.com/office/drawing/2010/main" xmlns="">
+              <a14:hiddenFill xmlns="" xmlns:a14="http://schemas.microsoft.com/office/drawing/2010/main">
                 <a:solidFill>
                   <a:srgbClr val="FFFFFF"/>
                 </a:solidFill>
               </a14:hiddenFill>
             </a:ext>
             <a:ext uri="{91240B29-F687-4f45-9708-019B960494DF}">
-              <a14:hiddenLine xmlns:a14="http://schemas.microsoft.com/office/drawing/2010/main" xmlns="" w="9525" cap="flat">
+              <a14:hiddenLine xmlns="" xmlns:a14="http://schemas.microsoft.com/office/drawing/2010/main" w="9525" cap="flat">
                 <a:solidFill>
                   <a:srgbClr val="000000"/>
                 </a:solidFill>
@@ -17392,7 +17392,7 @@
               </a14:hiddenLine>
             </a:ext>
             <a:ext uri="{AF507438-7753-43e0-B8FC-AC1667EBCBE1}">
-              <a14:hiddenEffects xmlns:a14="http://schemas.microsoft.com/office/drawing/2010/main" xmlns="">
+              <a14:hiddenEffects xmlns="" xmlns:a14="http://schemas.microsoft.com/office/drawing/2010/main">
                 <a:effectLst>
                   <a:outerShdw blurRad="63500" dist="38099" dir="2700000" algn="ctr" rotWithShape="0">
                     <a:srgbClr val="000000">
@@ -17447,12 +17447,12 @@
           <a:effectLst/>
           <a:extLst>
             <a:ext uri="{909E8E84-426E-40dd-AFC4-6F175D3DCCD1}">
-              <a14:hiddenFill xmlns:a14="http://schemas.microsoft.com/office/drawing/2010/main" xmlns="">
+              <a14:hiddenFill xmlns="" xmlns:a14="http://schemas.microsoft.com/office/drawing/2010/main">
                 <a:noFill/>
               </a14:hiddenFill>
             </a:ext>
             <a:ext uri="{AF507438-7753-43e0-B8FC-AC1667EBCBE1}">
-              <a14:hiddenEffects xmlns:a14="http://schemas.microsoft.com/office/drawing/2010/main" xmlns="">
+              <a14:hiddenEffects xmlns="" xmlns:a14="http://schemas.microsoft.com/office/drawing/2010/main">
                 <a:effectLst>
                   <a:outerShdw blurRad="63500" dist="38099" dir="2700000" algn="ctr" rotWithShape="0">
                     <a:srgbClr val="000000">
@@ -17500,12 +17500,12 @@
           <a:effectLst/>
           <a:extLst>
             <a:ext uri="{909E8E84-426E-40dd-AFC4-6F175D3DCCD1}">
-              <a14:hiddenFill xmlns:a14="http://schemas.microsoft.com/office/drawing/2010/main" xmlns="">
+              <a14:hiddenFill xmlns="" xmlns:a14="http://schemas.microsoft.com/office/drawing/2010/main">
                 <a:noFill/>
               </a14:hiddenFill>
             </a:ext>
             <a:ext uri="{AF507438-7753-43e0-B8FC-AC1667EBCBE1}">
-              <a14:hiddenEffects xmlns:a14="http://schemas.microsoft.com/office/drawing/2010/main" xmlns="">
+              <a14:hiddenEffects xmlns="" xmlns:a14="http://schemas.microsoft.com/office/drawing/2010/main">
                 <a:effectLst>
                   <a:outerShdw blurRad="63500" dist="38099" dir="2700000" algn="ctr" rotWithShape="0">
                     <a:srgbClr val="000000">
@@ -17558,7 +17558,7 @@
           <a:effectLst/>
           <a:extLst>
             <a:ext uri="{AF507438-7753-43e0-B8FC-AC1667EBCBE1}">
-              <a14:hiddenEffects xmlns:a14="http://schemas.microsoft.com/office/drawing/2010/main" xmlns="">
+              <a14:hiddenEffects xmlns="" xmlns:a14="http://schemas.microsoft.com/office/drawing/2010/main">
                 <a:effectLst>
                   <a:outerShdw blurRad="63500" dist="38099" dir="2700000" algn="ctr" rotWithShape="0">
                     <a:srgbClr val="000000">
@@ -17601,14 +17601,14 @@
           <a:effectLst/>
           <a:extLst>
             <a:ext uri="{909E8E84-426E-40dd-AFC4-6F175D3DCCD1}">
-              <a14:hiddenFill xmlns:a14="http://schemas.microsoft.com/office/drawing/2010/main" xmlns="">
+              <a14:hiddenFill xmlns="" xmlns:a14="http://schemas.microsoft.com/office/drawing/2010/main">
                 <a:solidFill>
                   <a:srgbClr val="FFFFFF"/>
                 </a:solidFill>
               </a14:hiddenFill>
             </a:ext>
             <a:ext uri="{91240B29-F687-4f45-9708-019B960494DF}">
-              <a14:hiddenLine xmlns:a14="http://schemas.microsoft.com/office/drawing/2010/main" xmlns="" w="9525" cap="flat">
+              <a14:hiddenLine xmlns="" xmlns:a14="http://schemas.microsoft.com/office/drawing/2010/main" w="9525" cap="flat">
                 <a:solidFill>
                   <a:srgbClr val="000000"/>
                 </a:solidFill>
@@ -17618,7 +17618,7 @@
               </a14:hiddenLine>
             </a:ext>
             <a:ext uri="{AF507438-7753-43e0-B8FC-AC1667EBCBE1}">
-              <a14:hiddenEffects xmlns:a14="http://schemas.microsoft.com/office/drawing/2010/main" xmlns="">
+              <a14:hiddenEffects xmlns="" xmlns:a14="http://schemas.microsoft.com/office/drawing/2010/main">
                 <a:effectLst>
                   <a:outerShdw blurRad="63500" dist="38099" dir="2700000" algn="ctr" rotWithShape="0">
                     <a:srgbClr val="000000">
@@ -17875,7 +17875,7 @@
           <a:effectLst/>
           <a:extLst>
             <a:ext uri="{AF507438-7753-43e0-B8FC-AC1667EBCBE1}">
-              <a14:hiddenEffects xmlns:a14="http://schemas.microsoft.com/office/drawing/2010/main" xmlns="">
+              <a14:hiddenEffects xmlns="" xmlns:a14="http://schemas.microsoft.com/office/drawing/2010/main">
                 <a:effectLst>
                   <a:outerShdw blurRad="63500" dist="38099" dir="2700000" algn="ctr" rotWithShape="0">
                     <a:srgbClr val="000000">
@@ -17918,14 +17918,14 @@
           <a:effectLst/>
           <a:extLst>
             <a:ext uri="{909E8E84-426E-40dd-AFC4-6F175D3DCCD1}">
-              <a14:hiddenFill xmlns:a14="http://schemas.microsoft.com/office/drawing/2010/main" xmlns="">
+              <a14:hiddenFill xmlns="" xmlns:a14="http://schemas.microsoft.com/office/drawing/2010/main">
                 <a:solidFill>
                   <a:srgbClr val="FFFFFF"/>
                 </a:solidFill>
               </a14:hiddenFill>
             </a:ext>
             <a:ext uri="{91240B29-F687-4f45-9708-019B960494DF}">
-              <a14:hiddenLine xmlns:a14="http://schemas.microsoft.com/office/drawing/2010/main" xmlns="" w="9525" cap="flat">
+              <a14:hiddenLine xmlns="" xmlns:a14="http://schemas.microsoft.com/office/drawing/2010/main" w="9525" cap="flat">
                 <a:solidFill>
                   <a:srgbClr val="000000"/>
                 </a:solidFill>
@@ -17935,7 +17935,7 @@
               </a14:hiddenLine>
             </a:ext>
             <a:ext uri="{AF507438-7753-43e0-B8FC-AC1667EBCBE1}">
-              <a14:hiddenEffects xmlns:a14="http://schemas.microsoft.com/office/drawing/2010/main" xmlns="">
+              <a14:hiddenEffects xmlns="" xmlns:a14="http://schemas.microsoft.com/office/drawing/2010/main">
                 <a:effectLst>
                   <a:outerShdw blurRad="63500" dist="38099" dir="2700000" algn="ctr" rotWithShape="0">
                     <a:srgbClr val="000000">
@@ -18178,12 +18178,12 @@
           <a:effectLst/>
           <a:extLst>
             <a:ext uri="{909E8E84-426E-40dd-AFC4-6F175D3DCCD1}">
-              <a14:hiddenFill xmlns:a14="http://schemas.microsoft.com/office/drawing/2010/main" xmlns="">
+              <a14:hiddenFill xmlns="" xmlns:a14="http://schemas.microsoft.com/office/drawing/2010/main">
                 <a:noFill/>
               </a14:hiddenFill>
             </a:ext>
             <a:ext uri="{AF507438-7753-43e0-B8FC-AC1667EBCBE1}">
-              <a14:hiddenEffects xmlns:a14="http://schemas.microsoft.com/office/drawing/2010/main" xmlns="">
+              <a14:hiddenEffects xmlns="" xmlns:a14="http://schemas.microsoft.com/office/drawing/2010/main">
                 <a:effectLst>
                   <a:outerShdw blurRad="63500" dist="38099" dir="2700000" algn="ctr" rotWithShape="0">
                     <a:srgbClr val="000000">
@@ -18226,14 +18226,14 @@
           <a:effectLst/>
           <a:extLst>
             <a:ext uri="{909E8E84-426E-40dd-AFC4-6F175D3DCCD1}">
-              <a14:hiddenFill xmlns:a14="http://schemas.microsoft.com/office/drawing/2010/main" xmlns="">
+              <a14:hiddenFill xmlns="" xmlns:a14="http://schemas.microsoft.com/office/drawing/2010/main">
                 <a:solidFill>
                   <a:srgbClr val="FFFFFF"/>
                 </a:solidFill>
               </a14:hiddenFill>
             </a:ext>
             <a:ext uri="{91240B29-F687-4f45-9708-019B960494DF}">
-              <a14:hiddenLine xmlns:a14="http://schemas.microsoft.com/office/drawing/2010/main" xmlns="" w="9525" cap="flat">
+              <a14:hiddenLine xmlns="" xmlns:a14="http://schemas.microsoft.com/office/drawing/2010/main" w="9525" cap="flat">
                 <a:solidFill>
                   <a:srgbClr val="000000"/>
                 </a:solidFill>
@@ -18243,7 +18243,7 @@
               </a14:hiddenLine>
             </a:ext>
             <a:ext uri="{AF507438-7753-43e0-B8FC-AC1667EBCBE1}">
-              <a14:hiddenEffects xmlns:a14="http://schemas.microsoft.com/office/drawing/2010/main" xmlns="">
+              <a14:hiddenEffects xmlns="" xmlns:a14="http://schemas.microsoft.com/office/drawing/2010/main">
                 <a:effectLst>
                   <a:outerShdw blurRad="63500" dist="38099" dir="2700000" algn="ctr" rotWithShape="0">
                     <a:srgbClr val="000000">
@@ -18463,14 +18463,14 @@
           <a:effectLst/>
           <a:extLst>
             <a:ext uri="{909E8E84-426E-40dd-AFC4-6F175D3DCCD1}">
-              <a14:hiddenFill xmlns:a14="http://schemas.microsoft.com/office/drawing/2010/main" xmlns="">
+              <a14:hiddenFill xmlns="" xmlns:a14="http://schemas.microsoft.com/office/drawing/2010/main">
                 <a:solidFill>
                   <a:srgbClr val="FFFFFF"/>
                 </a:solidFill>
               </a14:hiddenFill>
             </a:ext>
             <a:ext uri="{91240B29-F687-4f45-9708-019B960494DF}">
-              <a14:hiddenLine xmlns:a14="http://schemas.microsoft.com/office/drawing/2010/main" xmlns="" w="9525" cap="flat">
+              <a14:hiddenLine xmlns="" xmlns:a14="http://schemas.microsoft.com/office/drawing/2010/main" w="9525" cap="flat">
                 <a:solidFill>
                   <a:srgbClr val="000000"/>
                 </a:solidFill>
@@ -18480,7 +18480,7 @@
               </a14:hiddenLine>
             </a:ext>
             <a:ext uri="{AF507438-7753-43e0-B8FC-AC1667EBCBE1}">
-              <a14:hiddenEffects xmlns:a14="http://schemas.microsoft.com/office/drawing/2010/main" xmlns="">
+              <a14:hiddenEffects xmlns="" xmlns:a14="http://schemas.microsoft.com/office/drawing/2010/main">
                 <a:effectLst>
                   <a:outerShdw blurRad="63500" dist="38099" dir="2700000" algn="ctr" rotWithShape="0">
                     <a:srgbClr val="000000">
@@ -18707,7 +18707,7 @@
           <a:effectLst/>
           <a:extLst>
             <a:ext uri="{AF507438-7753-43e0-B8FC-AC1667EBCBE1}">
-              <a14:hiddenEffects xmlns:a14="http://schemas.microsoft.com/office/drawing/2010/main" xmlns="">
+              <a14:hiddenEffects xmlns="" xmlns:a14="http://schemas.microsoft.com/office/drawing/2010/main">
                 <a:effectLst>
                   <a:outerShdw blurRad="63500" dist="38099" dir="2700000" algn="ctr" rotWithShape="0">
                     <a:srgbClr val="000000">
@@ -18750,14 +18750,14 @@
           <a:effectLst/>
           <a:extLst>
             <a:ext uri="{909E8E84-426E-40dd-AFC4-6F175D3DCCD1}">
-              <a14:hiddenFill xmlns:a14="http://schemas.microsoft.com/office/drawing/2010/main" xmlns="">
+              <a14:hiddenFill xmlns="" xmlns:a14="http://schemas.microsoft.com/office/drawing/2010/main">
                 <a:solidFill>
                   <a:srgbClr val="FFFFFF"/>
                 </a:solidFill>
               </a14:hiddenFill>
             </a:ext>
             <a:ext uri="{91240B29-F687-4f45-9708-019B960494DF}">
-              <a14:hiddenLine xmlns:a14="http://schemas.microsoft.com/office/drawing/2010/main" xmlns="" w="9525" cap="flat">
+              <a14:hiddenLine xmlns="" xmlns:a14="http://schemas.microsoft.com/office/drawing/2010/main" w="9525" cap="flat">
                 <a:solidFill>
                   <a:srgbClr val="000000"/>
                 </a:solidFill>
@@ -18767,7 +18767,7 @@
               </a14:hiddenLine>
             </a:ext>
             <a:ext uri="{AF507438-7753-43e0-B8FC-AC1667EBCBE1}">
-              <a14:hiddenEffects xmlns:a14="http://schemas.microsoft.com/office/drawing/2010/main" xmlns="">
+              <a14:hiddenEffects xmlns="" xmlns:a14="http://schemas.microsoft.com/office/drawing/2010/main">
                 <a:effectLst>
                   <a:outerShdw blurRad="63500" dist="38099" dir="2700000" algn="ctr" rotWithShape="0">
                     <a:srgbClr val="000000">
@@ -18994,7 +18994,7 @@
           <a:effectLst/>
           <a:extLst>
             <a:ext uri="{AF507438-7753-43e0-B8FC-AC1667EBCBE1}">
-              <a14:hiddenEffects xmlns:a14="http://schemas.microsoft.com/office/drawing/2010/main" xmlns="">
+              <a14:hiddenEffects xmlns="" xmlns:a14="http://schemas.microsoft.com/office/drawing/2010/main">
                 <a:effectLst>
                   <a:outerShdw blurRad="63500" dist="38099" dir="2700000" algn="ctr" rotWithShape="0">
                     <a:srgbClr val="000000">
@@ -19037,14 +19037,14 @@
           <a:effectLst/>
           <a:extLst>
             <a:ext uri="{909E8E84-426E-40dd-AFC4-6F175D3DCCD1}">
-              <a14:hiddenFill xmlns:a14="http://schemas.microsoft.com/office/drawing/2010/main" xmlns="">
+              <a14:hiddenFill xmlns="" xmlns:a14="http://schemas.microsoft.com/office/drawing/2010/main">
                 <a:solidFill>
                   <a:srgbClr val="FFFFFF"/>
                 </a:solidFill>
               </a14:hiddenFill>
             </a:ext>
             <a:ext uri="{91240B29-F687-4f45-9708-019B960494DF}">
-              <a14:hiddenLine xmlns:a14="http://schemas.microsoft.com/office/drawing/2010/main" xmlns="" w="9525" cap="flat">
+              <a14:hiddenLine xmlns="" xmlns:a14="http://schemas.microsoft.com/office/drawing/2010/main" w="9525" cap="flat">
                 <a:solidFill>
                   <a:srgbClr val="000000"/>
                 </a:solidFill>
@@ -19054,7 +19054,7 @@
               </a14:hiddenLine>
             </a:ext>
             <a:ext uri="{AF507438-7753-43e0-B8FC-AC1667EBCBE1}">
-              <a14:hiddenEffects xmlns:a14="http://schemas.microsoft.com/office/drawing/2010/main" xmlns="">
+              <a14:hiddenEffects xmlns="" xmlns:a14="http://schemas.microsoft.com/office/drawing/2010/main">
                 <a:effectLst>
                   <a:outerShdw blurRad="63500" dist="38099" dir="2700000" algn="ctr" rotWithShape="0">
                     <a:srgbClr val="000000">
@@ -19281,7 +19281,7 @@
           <a:effectLst/>
           <a:extLst>
             <a:ext uri="{AF507438-7753-43e0-B8FC-AC1667EBCBE1}">
-              <a14:hiddenEffects xmlns:a14="http://schemas.microsoft.com/office/drawing/2010/main" xmlns="">
+              <a14:hiddenEffects xmlns="" xmlns:a14="http://schemas.microsoft.com/office/drawing/2010/main">
                 <a:effectLst>
                   <a:outerShdw blurRad="63500" dist="38099" dir="2700000" algn="ctr" rotWithShape="0">
                     <a:srgbClr val="000000">
@@ -19324,14 +19324,14 @@
           <a:effectLst/>
           <a:extLst>
             <a:ext uri="{909E8E84-426E-40dd-AFC4-6F175D3DCCD1}">
-              <a14:hiddenFill xmlns:a14="http://schemas.microsoft.com/office/drawing/2010/main" xmlns="">
+              <a14:hiddenFill xmlns="" xmlns:a14="http://schemas.microsoft.com/office/drawing/2010/main">
                 <a:solidFill>
                   <a:srgbClr val="FFFFFF"/>
                 </a:solidFill>
               </a14:hiddenFill>
             </a:ext>
             <a:ext uri="{91240B29-F687-4f45-9708-019B960494DF}">
-              <a14:hiddenLine xmlns:a14="http://schemas.microsoft.com/office/drawing/2010/main" xmlns="" w="9525" cap="flat">
+              <a14:hiddenLine xmlns="" xmlns:a14="http://schemas.microsoft.com/office/drawing/2010/main" w="9525" cap="flat">
                 <a:solidFill>
                   <a:srgbClr val="000000"/>
                 </a:solidFill>
@@ -19341,7 +19341,7 @@
               </a14:hiddenLine>
             </a:ext>
             <a:ext uri="{AF507438-7753-43e0-B8FC-AC1667EBCBE1}">
-              <a14:hiddenEffects xmlns:a14="http://schemas.microsoft.com/office/drawing/2010/main" xmlns="">
+              <a14:hiddenEffects xmlns="" xmlns:a14="http://schemas.microsoft.com/office/drawing/2010/main">
                 <a:effectLst>
                   <a:outerShdw blurRad="63500" dist="38099" dir="2700000" algn="ctr" rotWithShape="0">
                     <a:srgbClr val="000000">
@@ -19568,7 +19568,7 @@
           <a:effectLst/>
           <a:extLst>
             <a:ext uri="{AF507438-7753-43e0-B8FC-AC1667EBCBE1}">
-              <a14:hiddenEffects xmlns:a14="http://schemas.microsoft.com/office/drawing/2010/main" xmlns="">
+              <a14:hiddenEffects xmlns="" xmlns:a14="http://schemas.microsoft.com/office/drawing/2010/main">
                 <a:effectLst>
                   <a:outerShdw blurRad="63500" dist="38099" dir="2700000" algn="ctr" rotWithShape="0">
                     <a:srgbClr val="000000">
@@ -19611,14 +19611,14 @@
           <a:effectLst/>
           <a:extLst>
             <a:ext uri="{909E8E84-426E-40dd-AFC4-6F175D3DCCD1}">
-              <a14:hiddenFill xmlns:a14="http://schemas.microsoft.com/office/drawing/2010/main" xmlns="">
+              <a14:hiddenFill xmlns="" xmlns:a14="http://schemas.microsoft.com/office/drawing/2010/main">
                 <a:solidFill>
                   <a:srgbClr val="FFFFFF"/>
                 </a:solidFill>
               </a14:hiddenFill>
             </a:ext>
             <a:ext uri="{91240B29-F687-4f45-9708-019B960494DF}">
-              <a14:hiddenLine xmlns:a14="http://schemas.microsoft.com/office/drawing/2010/main" xmlns="" w="9525" cap="flat">
+              <a14:hiddenLine xmlns="" xmlns:a14="http://schemas.microsoft.com/office/drawing/2010/main" w="9525" cap="flat">
                 <a:solidFill>
                   <a:srgbClr val="000000"/>
                 </a:solidFill>
@@ -19628,7 +19628,7 @@
               </a14:hiddenLine>
             </a:ext>
             <a:ext uri="{AF507438-7753-43e0-B8FC-AC1667EBCBE1}">
-              <a14:hiddenEffects xmlns:a14="http://schemas.microsoft.com/office/drawing/2010/main" xmlns="">
+              <a14:hiddenEffects xmlns="" xmlns:a14="http://schemas.microsoft.com/office/drawing/2010/main">
                 <a:effectLst>
                   <a:outerShdw blurRad="63500" dist="38099" dir="2700000" algn="ctr" rotWithShape="0">
                     <a:srgbClr val="000000">
@@ -19855,7 +19855,7 @@
           <a:effectLst/>
           <a:extLst>
             <a:ext uri="{AF507438-7753-43e0-B8FC-AC1667EBCBE1}">
-              <a14:hiddenEffects xmlns:a14="http://schemas.microsoft.com/office/drawing/2010/main" xmlns="">
+              <a14:hiddenEffects xmlns="" xmlns:a14="http://schemas.microsoft.com/office/drawing/2010/main">
                 <a:effectLst>
                   <a:outerShdw blurRad="63500" dist="38099" dir="2700000" algn="ctr" rotWithShape="0">
                     <a:srgbClr val="000000">
@@ -19898,14 +19898,14 @@
           <a:effectLst/>
           <a:extLst>
             <a:ext uri="{909E8E84-426E-40dd-AFC4-6F175D3DCCD1}">
-              <a14:hiddenFill xmlns:a14="http://schemas.microsoft.com/office/drawing/2010/main" xmlns="">
+              <a14:hiddenFill xmlns="" xmlns:a14="http://schemas.microsoft.com/office/drawing/2010/main">
                 <a:solidFill>
                   <a:srgbClr val="FFFFFF"/>
                 </a:solidFill>
               </a14:hiddenFill>
             </a:ext>
             <a:ext uri="{91240B29-F687-4f45-9708-019B960494DF}">
-              <a14:hiddenLine xmlns:a14="http://schemas.microsoft.com/office/drawing/2010/main" xmlns="" w="9525" cap="flat">
+              <a14:hiddenLine xmlns="" xmlns:a14="http://schemas.microsoft.com/office/drawing/2010/main" w="9525" cap="flat">
                 <a:solidFill>
                   <a:srgbClr val="000000"/>
                 </a:solidFill>
@@ -19915,7 +19915,7 @@
               </a14:hiddenLine>
             </a:ext>
             <a:ext uri="{AF507438-7753-43e0-B8FC-AC1667EBCBE1}">
-              <a14:hiddenEffects xmlns:a14="http://schemas.microsoft.com/office/drawing/2010/main" xmlns="">
+              <a14:hiddenEffects xmlns="" xmlns:a14="http://schemas.microsoft.com/office/drawing/2010/main">
                 <a:effectLst>
                   <a:outerShdw blurRad="63500" dist="38099" dir="2700000" algn="ctr" rotWithShape="0">
                     <a:srgbClr val="000000">
@@ -20142,7 +20142,7 @@
           <a:effectLst/>
           <a:extLst>
             <a:ext uri="{AF507438-7753-43e0-B8FC-AC1667EBCBE1}">
-              <a14:hiddenEffects xmlns:a14="http://schemas.microsoft.com/office/drawing/2010/main" xmlns="">
+              <a14:hiddenEffects xmlns="" xmlns:a14="http://schemas.microsoft.com/office/drawing/2010/main">
                 <a:effectLst>
                   <a:outerShdw blurRad="63500" dist="38099" dir="2700000" algn="ctr" rotWithShape="0">
                     <a:srgbClr val="000000">
@@ -20185,14 +20185,14 @@
           <a:effectLst/>
           <a:extLst>
             <a:ext uri="{909E8E84-426E-40dd-AFC4-6F175D3DCCD1}">
-              <a14:hiddenFill xmlns:a14="http://schemas.microsoft.com/office/drawing/2010/main" xmlns="">
+              <a14:hiddenFill xmlns="" xmlns:a14="http://schemas.microsoft.com/office/drawing/2010/main">
                 <a:solidFill>
                   <a:srgbClr val="FFFFFF"/>
                 </a:solidFill>
               </a14:hiddenFill>
             </a:ext>
             <a:ext uri="{91240B29-F687-4f45-9708-019B960494DF}">
-              <a14:hiddenLine xmlns:a14="http://schemas.microsoft.com/office/drawing/2010/main" xmlns="" w="9525" cap="flat">
+              <a14:hiddenLine xmlns="" xmlns:a14="http://schemas.microsoft.com/office/drawing/2010/main" w="9525" cap="flat">
                 <a:solidFill>
                   <a:srgbClr val="000000"/>
                 </a:solidFill>
@@ -20202,7 +20202,7 @@
               </a14:hiddenLine>
             </a:ext>
             <a:ext uri="{AF507438-7753-43e0-B8FC-AC1667EBCBE1}">
-              <a14:hiddenEffects xmlns:a14="http://schemas.microsoft.com/office/drawing/2010/main" xmlns="">
+              <a14:hiddenEffects xmlns="" xmlns:a14="http://schemas.microsoft.com/office/drawing/2010/main">
                 <a:effectLst>
                   <a:outerShdw blurRad="63500" dist="38099" dir="2700000" algn="ctr" rotWithShape="0">
                     <a:srgbClr val="000000">
@@ -20429,7 +20429,7 @@
           <a:effectLst/>
           <a:extLst>
             <a:ext uri="{AF507438-7753-43e0-B8FC-AC1667EBCBE1}">
-              <a14:hiddenEffects xmlns:a14="http://schemas.microsoft.com/office/drawing/2010/main" xmlns="">
+              <a14:hiddenEffects xmlns="" xmlns:a14="http://schemas.microsoft.com/office/drawing/2010/main">
                 <a:effectLst>
                   <a:outerShdw blurRad="63500" dist="38099" dir="2700000" algn="ctr" rotWithShape="0">
                     <a:srgbClr val="000000">
@@ -20472,14 +20472,14 @@
           <a:effectLst/>
           <a:extLst>
             <a:ext uri="{909E8E84-426E-40dd-AFC4-6F175D3DCCD1}">
-              <a14:hiddenFill xmlns:a14="http://schemas.microsoft.com/office/drawing/2010/main" xmlns="">
+              <a14:hiddenFill xmlns="" xmlns:a14="http://schemas.microsoft.com/office/drawing/2010/main">
                 <a:solidFill>
                   <a:srgbClr val="FFFFFF"/>
                 </a:solidFill>
               </a14:hiddenFill>
             </a:ext>
             <a:ext uri="{91240B29-F687-4f45-9708-019B960494DF}">
-              <a14:hiddenLine xmlns:a14="http://schemas.microsoft.com/office/drawing/2010/main" xmlns="" w="9525" cap="flat">
+              <a14:hiddenLine xmlns="" xmlns:a14="http://schemas.microsoft.com/office/drawing/2010/main" w="9525" cap="flat">
                 <a:solidFill>
                   <a:srgbClr val="000000"/>
                 </a:solidFill>
@@ -20489,7 +20489,7 @@
               </a14:hiddenLine>
             </a:ext>
             <a:ext uri="{AF507438-7753-43e0-B8FC-AC1667EBCBE1}">
-              <a14:hiddenEffects xmlns:a14="http://schemas.microsoft.com/office/drawing/2010/main" xmlns="">
+              <a14:hiddenEffects xmlns="" xmlns:a14="http://schemas.microsoft.com/office/drawing/2010/main">
                 <a:effectLst>
                   <a:outerShdw blurRad="63500" dist="38099" dir="2700000" algn="ctr" rotWithShape="0">
                     <a:srgbClr val="000000">
@@ -20716,7 +20716,7 @@
           <a:effectLst/>
           <a:extLst>
             <a:ext uri="{AF507438-7753-43e0-B8FC-AC1667EBCBE1}">
-              <a14:hiddenEffects xmlns:a14="http://schemas.microsoft.com/office/drawing/2010/main" xmlns="">
+              <a14:hiddenEffects xmlns="" xmlns:a14="http://schemas.microsoft.com/office/drawing/2010/main">
                 <a:effectLst>
                   <a:outerShdw blurRad="63500" dist="38099" dir="2700000" algn="ctr" rotWithShape="0">
                     <a:srgbClr val="000000">
@@ -20759,14 +20759,14 @@
           <a:effectLst/>
           <a:extLst>
             <a:ext uri="{909E8E84-426E-40dd-AFC4-6F175D3DCCD1}">
-              <a14:hiddenFill xmlns:a14="http://schemas.microsoft.com/office/drawing/2010/main" xmlns="">
+              <a14:hiddenFill xmlns="" xmlns:a14="http://schemas.microsoft.com/office/drawing/2010/main">
                 <a:solidFill>
                   <a:srgbClr val="FFFFFF"/>
                 </a:solidFill>
               </a14:hiddenFill>
             </a:ext>
             <a:ext uri="{91240B29-F687-4f45-9708-019B960494DF}">
-              <a14:hiddenLine xmlns:a14="http://schemas.microsoft.com/office/drawing/2010/main" xmlns="" w="9525" cap="flat">
+              <a14:hiddenLine xmlns="" xmlns:a14="http://schemas.microsoft.com/office/drawing/2010/main" w="9525" cap="flat">
                 <a:solidFill>
                   <a:srgbClr val="000000"/>
                 </a:solidFill>
@@ -20776,7 +20776,7 @@
               </a14:hiddenLine>
             </a:ext>
             <a:ext uri="{AF507438-7753-43e0-B8FC-AC1667EBCBE1}">
-              <a14:hiddenEffects xmlns:a14="http://schemas.microsoft.com/office/drawing/2010/main" xmlns="">
+              <a14:hiddenEffects xmlns="" xmlns:a14="http://schemas.microsoft.com/office/drawing/2010/main">
                 <a:effectLst>
                   <a:outerShdw blurRad="63500" dist="38099" dir="2700000" algn="ctr" rotWithShape="0">
                     <a:srgbClr val="000000">
@@ -21003,7 +21003,7 @@
           <a:effectLst/>
           <a:extLst>
             <a:ext uri="{AF507438-7753-43e0-B8FC-AC1667EBCBE1}">
-              <a14:hiddenEffects xmlns:a14="http://schemas.microsoft.com/office/drawing/2010/main" xmlns="">
+              <a14:hiddenEffects xmlns="" xmlns:a14="http://schemas.microsoft.com/office/drawing/2010/main">
                 <a:effectLst>
                   <a:outerShdw blurRad="63500" dist="38099" dir="2700000" algn="ctr" rotWithShape="0">
                     <a:srgbClr val="000000">
@@ -21046,14 +21046,14 @@
           <a:effectLst/>
           <a:extLst>
             <a:ext uri="{909E8E84-426E-40dd-AFC4-6F175D3DCCD1}">
-              <a14:hiddenFill xmlns:a14="http://schemas.microsoft.com/office/drawing/2010/main" xmlns="">
+              <a14:hiddenFill xmlns="" xmlns:a14="http://schemas.microsoft.com/office/drawing/2010/main">
                 <a:solidFill>
                   <a:srgbClr val="FFFFFF"/>
                 </a:solidFill>
               </a14:hiddenFill>
             </a:ext>
             <a:ext uri="{91240B29-F687-4f45-9708-019B960494DF}">
-              <a14:hiddenLine xmlns:a14="http://schemas.microsoft.com/office/drawing/2010/main" xmlns="" w="9525" cap="flat">
+              <a14:hiddenLine xmlns="" xmlns:a14="http://schemas.microsoft.com/office/drawing/2010/main" w="9525" cap="flat">
                 <a:solidFill>
                   <a:srgbClr val="000000"/>
                 </a:solidFill>
@@ -21063,7 +21063,7 @@
               </a14:hiddenLine>
             </a:ext>
             <a:ext uri="{AF507438-7753-43e0-B8FC-AC1667EBCBE1}">
-              <a14:hiddenEffects xmlns:a14="http://schemas.microsoft.com/office/drawing/2010/main" xmlns="">
+              <a14:hiddenEffects xmlns="" xmlns:a14="http://schemas.microsoft.com/office/drawing/2010/main">
                 <a:effectLst>
                   <a:outerShdw blurRad="63500" dist="38099" dir="2700000" algn="ctr" rotWithShape="0">
                     <a:srgbClr val="000000">
@@ -21288,12 +21288,12 @@
           <a:effectLst/>
           <a:extLst>
             <a:ext uri="{909E8E84-426E-40dd-AFC4-6F175D3DCCD1}">
-              <a14:hiddenFill xmlns:a14="http://schemas.microsoft.com/office/drawing/2010/main" xmlns="">
+              <a14:hiddenFill xmlns="" xmlns:a14="http://schemas.microsoft.com/office/drawing/2010/main">
                 <a:noFill/>
               </a14:hiddenFill>
             </a:ext>
             <a:ext uri="{AF507438-7753-43e0-B8FC-AC1667EBCBE1}">
-              <a14:hiddenEffects xmlns:a14="http://schemas.microsoft.com/office/drawing/2010/main" xmlns="">
+              <a14:hiddenEffects xmlns="" xmlns:a14="http://schemas.microsoft.com/office/drawing/2010/main">
                 <a:effectLst>
                   <a:outerShdw blurRad="63500" dist="38099" dir="2700000" algn="ctr" rotWithShape="0">
                     <a:srgbClr val="000000">
@@ -21343,7 +21343,7 @@
           <a:effectLst/>
           <a:extLst>
             <a:ext uri="{AF507438-7753-43e0-B8FC-AC1667EBCBE1}">
-              <a14:hiddenEffects xmlns:a14="http://schemas.microsoft.com/office/drawing/2010/main" xmlns="">
+              <a14:hiddenEffects xmlns="" xmlns:a14="http://schemas.microsoft.com/office/drawing/2010/main">
                 <a:effectLst>
                   <a:outerShdw blurRad="63500" dist="38099" dir="2700000" algn="ctr" rotWithShape="0">
                     <a:srgbClr val="000000">
@@ -21386,14 +21386,14 @@
           <a:effectLst/>
           <a:extLst>
             <a:ext uri="{909E8E84-426E-40dd-AFC4-6F175D3DCCD1}">
-              <a14:hiddenFill xmlns:a14="http://schemas.microsoft.com/office/drawing/2010/main" xmlns="">
+              <a14:hiddenFill xmlns="" xmlns:a14="http://schemas.microsoft.com/office/drawing/2010/main">
                 <a:solidFill>
                   <a:srgbClr val="FFFFFF"/>
                 </a:solidFill>
               </a14:hiddenFill>
             </a:ext>
             <a:ext uri="{91240B29-F687-4f45-9708-019B960494DF}">
-              <a14:hiddenLine xmlns:a14="http://schemas.microsoft.com/office/drawing/2010/main" xmlns="" w="9525" cap="flat">
+              <a14:hiddenLine xmlns="" xmlns:a14="http://schemas.microsoft.com/office/drawing/2010/main" w="9525" cap="flat">
                 <a:solidFill>
                   <a:srgbClr val="000000"/>
                 </a:solidFill>
@@ -21403,7 +21403,7 @@
               </a14:hiddenLine>
             </a:ext>
             <a:ext uri="{AF507438-7753-43e0-B8FC-AC1667EBCBE1}">
-              <a14:hiddenEffects xmlns:a14="http://schemas.microsoft.com/office/drawing/2010/main" xmlns="">
+              <a14:hiddenEffects xmlns="" xmlns:a14="http://schemas.microsoft.com/office/drawing/2010/main">
                 <a:effectLst>
                   <a:outerShdw blurRad="63500" dist="38099" dir="2700000" algn="ctr" rotWithShape="0">
                     <a:srgbClr val="000000">
@@ -21453,14 +21453,14 @@
           <a:effectLst/>
           <a:extLst>
             <a:ext uri="{909E8E84-426E-40dd-AFC4-6F175D3DCCD1}">
-              <a14:hiddenFill xmlns:a14="http://schemas.microsoft.com/office/drawing/2010/main" xmlns="">
+              <a14:hiddenFill xmlns="" xmlns:a14="http://schemas.microsoft.com/office/drawing/2010/main">
                 <a:solidFill>
                   <a:srgbClr val="FFFFFF"/>
                 </a:solidFill>
               </a14:hiddenFill>
             </a:ext>
             <a:ext uri="{91240B29-F687-4f45-9708-019B960494DF}">
-              <a14:hiddenLine xmlns:a14="http://schemas.microsoft.com/office/drawing/2010/main" xmlns="" w="9525" cap="flat">
+              <a14:hiddenLine xmlns="" xmlns:a14="http://schemas.microsoft.com/office/drawing/2010/main" w="9525" cap="flat">
                 <a:solidFill>
                   <a:srgbClr val="000000"/>
                 </a:solidFill>
@@ -21470,7 +21470,7 @@
               </a14:hiddenLine>
             </a:ext>
             <a:ext uri="{AF507438-7753-43e0-B8FC-AC1667EBCBE1}">
-              <a14:hiddenEffects xmlns:a14="http://schemas.microsoft.com/office/drawing/2010/main" xmlns="">
+              <a14:hiddenEffects xmlns="" xmlns:a14="http://schemas.microsoft.com/office/drawing/2010/main">
                 <a:effectLst>
                   <a:outerShdw blurRad="63500" dist="38099" dir="2700000" algn="ctr" rotWithShape="0">
                     <a:srgbClr val="000000">
@@ -21694,14 +21694,14 @@
           <a:effectLst/>
           <a:extLst>
             <a:ext uri="{909E8E84-426E-40dd-AFC4-6F175D3DCCD1}">
-              <a14:hiddenFill xmlns:a14="http://schemas.microsoft.com/office/drawing/2010/main" xmlns="">
+              <a14:hiddenFill xmlns="" xmlns:a14="http://schemas.microsoft.com/office/drawing/2010/main">
                 <a:solidFill>
                   <a:srgbClr val="FFFFFF"/>
                 </a:solidFill>
               </a14:hiddenFill>
             </a:ext>
             <a:ext uri="{91240B29-F687-4f45-9708-019B960494DF}">
-              <a14:hiddenLine xmlns:a14="http://schemas.microsoft.com/office/drawing/2010/main" xmlns="" w="9525" cap="flat">
+              <a14:hiddenLine xmlns="" xmlns:a14="http://schemas.microsoft.com/office/drawing/2010/main" w="9525" cap="flat">
                 <a:solidFill>
                   <a:srgbClr val="000000"/>
                 </a:solidFill>
@@ -21711,7 +21711,7 @@
               </a14:hiddenLine>
             </a:ext>
             <a:ext uri="{AF507438-7753-43e0-B8FC-AC1667EBCBE1}">
-              <a14:hiddenEffects xmlns:a14="http://schemas.microsoft.com/office/drawing/2010/main" xmlns="">
+              <a14:hiddenEffects xmlns="" xmlns:a14="http://schemas.microsoft.com/office/drawing/2010/main">
                 <a:effectLst>
                   <a:outerShdw blurRad="63500" dist="38099" dir="2700000" algn="ctr" rotWithShape="0">
                     <a:srgbClr val="000000">
@@ -21761,14 +21761,14 @@
           <a:effectLst/>
           <a:extLst>
             <a:ext uri="{909E8E84-426E-40dd-AFC4-6F175D3DCCD1}">
-              <a14:hiddenFill xmlns:a14="http://schemas.microsoft.com/office/drawing/2010/main" xmlns="">
+              <a14:hiddenFill xmlns="" xmlns:a14="http://schemas.microsoft.com/office/drawing/2010/main">
                 <a:solidFill>
                   <a:srgbClr val="FFFFFF"/>
                 </a:solidFill>
               </a14:hiddenFill>
             </a:ext>
             <a:ext uri="{91240B29-F687-4f45-9708-019B960494DF}">
-              <a14:hiddenLine xmlns:a14="http://schemas.microsoft.com/office/drawing/2010/main" xmlns="" w="9525" cap="flat">
+              <a14:hiddenLine xmlns="" xmlns:a14="http://schemas.microsoft.com/office/drawing/2010/main" w="9525" cap="flat">
                 <a:solidFill>
                   <a:srgbClr val="000000"/>
                 </a:solidFill>
@@ -21778,7 +21778,7 @@
               </a14:hiddenLine>
             </a:ext>
             <a:ext uri="{AF507438-7753-43e0-B8FC-AC1667EBCBE1}">
-              <a14:hiddenEffects xmlns:a14="http://schemas.microsoft.com/office/drawing/2010/main" xmlns="">
+              <a14:hiddenEffects xmlns="" xmlns:a14="http://schemas.microsoft.com/office/drawing/2010/main">
                 <a:effectLst>
                   <a:outerShdw blurRad="63500" dist="38099" dir="2700000" algn="ctr" rotWithShape="0">
                     <a:srgbClr val="000000">
@@ -21828,14 +21828,14 @@
           <a:effectLst/>
           <a:extLst>
             <a:ext uri="{909E8E84-426E-40dd-AFC4-6F175D3DCCD1}">
-              <a14:hiddenFill xmlns:a14="http://schemas.microsoft.com/office/drawing/2010/main" xmlns="">
+              <a14:hiddenFill xmlns="" xmlns:a14="http://schemas.microsoft.com/office/drawing/2010/main">
                 <a:solidFill>
                   <a:srgbClr val="FFFFFF"/>
                 </a:solidFill>
               </a14:hiddenFill>
             </a:ext>
             <a:ext uri="{91240B29-F687-4f45-9708-019B960494DF}">
-              <a14:hiddenLine xmlns:a14="http://schemas.microsoft.com/office/drawing/2010/main" xmlns="" w="9525" cap="flat">
+              <a14:hiddenLine xmlns="" xmlns:a14="http://schemas.microsoft.com/office/drawing/2010/main" w="9525" cap="flat">
                 <a:solidFill>
                   <a:srgbClr val="000000"/>
                 </a:solidFill>
@@ -21845,7 +21845,7 @@
               </a14:hiddenLine>
             </a:ext>
             <a:ext uri="{AF507438-7753-43e0-B8FC-AC1667EBCBE1}">
-              <a14:hiddenEffects xmlns:a14="http://schemas.microsoft.com/office/drawing/2010/main" xmlns="">
+              <a14:hiddenEffects xmlns="" xmlns:a14="http://schemas.microsoft.com/office/drawing/2010/main">
                 <a:effectLst>
                   <a:outerShdw blurRad="63500" dist="38099" dir="2700000" algn="ctr" rotWithShape="0">
                     <a:srgbClr val="000000">
@@ -21895,14 +21895,14 @@
           <a:effectLst/>
           <a:extLst>
             <a:ext uri="{909E8E84-426E-40dd-AFC4-6F175D3DCCD1}">
-              <a14:hiddenFill xmlns:a14="http://schemas.microsoft.com/office/drawing/2010/main" xmlns="">
+              <a14:hiddenFill xmlns="" xmlns:a14="http://schemas.microsoft.com/office/drawing/2010/main">
                 <a:solidFill>
                   <a:srgbClr val="FFFFFF"/>
                 </a:solidFill>
               </a14:hiddenFill>
             </a:ext>
             <a:ext uri="{91240B29-F687-4f45-9708-019B960494DF}">
-              <a14:hiddenLine xmlns:a14="http://schemas.microsoft.com/office/drawing/2010/main" xmlns="" w="9525" cap="flat">
+              <a14:hiddenLine xmlns="" xmlns:a14="http://schemas.microsoft.com/office/drawing/2010/main" w="9525" cap="flat">
                 <a:solidFill>
                   <a:srgbClr val="000000"/>
                 </a:solidFill>
@@ -21912,7 +21912,7 @@
               </a14:hiddenLine>
             </a:ext>
             <a:ext uri="{AF507438-7753-43e0-B8FC-AC1667EBCBE1}">
-              <a14:hiddenEffects xmlns:a14="http://schemas.microsoft.com/office/drawing/2010/main" xmlns="">
+              <a14:hiddenEffects xmlns="" xmlns:a14="http://schemas.microsoft.com/office/drawing/2010/main">
                 <a:effectLst>
                   <a:outerShdw blurRad="63500" dist="38099" dir="2700000" algn="ctr" rotWithShape="0">
                     <a:srgbClr val="000000">
@@ -21962,14 +21962,14 @@
           <a:effectLst/>
           <a:extLst>
             <a:ext uri="{909E8E84-426E-40dd-AFC4-6F175D3DCCD1}">
-              <a14:hiddenFill xmlns:a14="http://schemas.microsoft.com/office/drawing/2010/main" xmlns="">
+              <a14:hiddenFill xmlns="" xmlns:a14="http://schemas.microsoft.com/office/drawing/2010/main">
                 <a:solidFill>
                   <a:srgbClr val="FFFFFF"/>
                 </a:solidFill>
               </a14:hiddenFill>
             </a:ext>
             <a:ext uri="{91240B29-F687-4f45-9708-019B960494DF}">
-              <a14:hiddenLine xmlns:a14="http://schemas.microsoft.com/office/drawing/2010/main" xmlns="" w="9525" cap="flat">
+              <a14:hiddenLine xmlns="" xmlns:a14="http://schemas.microsoft.com/office/drawing/2010/main" w="9525" cap="flat">
                 <a:solidFill>
                   <a:srgbClr val="000000"/>
                 </a:solidFill>
@@ -21979,7 +21979,7 @@
               </a14:hiddenLine>
             </a:ext>
             <a:ext uri="{AF507438-7753-43e0-B8FC-AC1667EBCBE1}">
-              <a14:hiddenEffects xmlns:a14="http://schemas.microsoft.com/office/drawing/2010/main" xmlns="">
+              <a14:hiddenEffects xmlns="" xmlns:a14="http://schemas.microsoft.com/office/drawing/2010/main">
                 <a:effectLst>
                   <a:outerShdw blurRad="63500" dist="38099" dir="2700000" algn="ctr" rotWithShape="0">
                     <a:srgbClr val="000000">
@@ -22029,14 +22029,14 @@
           <a:effectLst/>
           <a:extLst>
             <a:ext uri="{909E8E84-426E-40dd-AFC4-6F175D3DCCD1}">
-              <a14:hiddenFill xmlns:a14="http://schemas.microsoft.com/office/drawing/2010/main" xmlns="">
+              <a14:hiddenFill xmlns="" xmlns:a14="http://schemas.microsoft.com/office/drawing/2010/main">
                 <a:solidFill>
                   <a:srgbClr val="FFFFFF"/>
                 </a:solidFill>
               </a14:hiddenFill>
             </a:ext>
             <a:ext uri="{91240B29-F687-4f45-9708-019B960494DF}">
-              <a14:hiddenLine xmlns:a14="http://schemas.microsoft.com/office/drawing/2010/main" xmlns="" w="9525" cap="flat">
+              <a14:hiddenLine xmlns="" xmlns:a14="http://schemas.microsoft.com/office/drawing/2010/main" w="9525" cap="flat">
                 <a:solidFill>
                   <a:srgbClr val="000000"/>
                 </a:solidFill>
@@ -22046,7 +22046,7 @@
               </a14:hiddenLine>
             </a:ext>
             <a:ext uri="{AF507438-7753-43e0-B8FC-AC1667EBCBE1}">
-              <a14:hiddenEffects xmlns:a14="http://schemas.microsoft.com/office/drawing/2010/main" xmlns="">
+              <a14:hiddenEffects xmlns="" xmlns:a14="http://schemas.microsoft.com/office/drawing/2010/main">
                 <a:effectLst>
                   <a:outerShdw blurRad="63500" dist="38099" dir="2700000" algn="ctr" rotWithShape="0">
                     <a:srgbClr val="000000">
@@ -22096,14 +22096,14 @@
           <a:effectLst/>
           <a:extLst>
             <a:ext uri="{909E8E84-426E-40dd-AFC4-6F175D3DCCD1}">
-              <a14:hiddenFill xmlns:a14="http://schemas.microsoft.com/office/drawing/2010/main" xmlns="">
+              <a14:hiddenFill xmlns="" xmlns:a14="http://schemas.microsoft.com/office/drawing/2010/main">
                 <a:solidFill>
                   <a:srgbClr val="FFFFFF"/>
                 </a:solidFill>
               </a14:hiddenFill>
             </a:ext>
             <a:ext uri="{91240B29-F687-4f45-9708-019B960494DF}">
-              <a14:hiddenLine xmlns:a14="http://schemas.microsoft.com/office/drawing/2010/main" xmlns="" w="9525" cap="flat">
+              <a14:hiddenLine xmlns="" xmlns:a14="http://schemas.microsoft.com/office/drawing/2010/main" w="9525" cap="flat">
                 <a:solidFill>
                   <a:srgbClr val="000000"/>
                 </a:solidFill>
@@ -22113,7 +22113,7 @@
               </a14:hiddenLine>
             </a:ext>
             <a:ext uri="{AF507438-7753-43e0-B8FC-AC1667EBCBE1}">
-              <a14:hiddenEffects xmlns:a14="http://schemas.microsoft.com/office/drawing/2010/main" xmlns="">
+              <a14:hiddenEffects xmlns="" xmlns:a14="http://schemas.microsoft.com/office/drawing/2010/main">
                 <a:effectLst>
                   <a:outerShdw blurRad="63500" dist="38099" dir="2700000" algn="ctr" rotWithShape="0">
                     <a:srgbClr val="000000">
@@ -22163,14 +22163,14 @@
           <a:effectLst/>
           <a:extLst>
             <a:ext uri="{909E8E84-426E-40dd-AFC4-6F175D3DCCD1}">
-              <a14:hiddenFill xmlns:a14="http://schemas.microsoft.com/office/drawing/2010/main" xmlns="">
+              <a14:hiddenFill xmlns="" xmlns:a14="http://schemas.microsoft.com/office/drawing/2010/main">
                 <a:solidFill>
                   <a:srgbClr val="FFFFFF"/>
                 </a:solidFill>
               </a14:hiddenFill>
             </a:ext>
             <a:ext uri="{91240B29-F687-4f45-9708-019B960494DF}">
-              <a14:hiddenLine xmlns:a14="http://schemas.microsoft.com/office/drawing/2010/main" xmlns="" w="9525" cap="flat">
+              <a14:hiddenLine xmlns="" xmlns:a14="http://schemas.microsoft.com/office/drawing/2010/main" w="9525" cap="flat">
                 <a:solidFill>
                   <a:srgbClr val="000000"/>
                 </a:solidFill>
@@ -22180,7 +22180,7 @@
               </a14:hiddenLine>
             </a:ext>
             <a:ext uri="{AF507438-7753-43e0-B8FC-AC1667EBCBE1}">
-              <a14:hiddenEffects xmlns:a14="http://schemas.microsoft.com/office/drawing/2010/main" xmlns="">
+              <a14:hiddenEffects xmlns="" xmlns:a14="http://schemas.microsoft.com/office/drawing/2010/main">
                 <a:effectLst>
                   <a:outerShdw blurRad="63500" dist="38099" dir="2700000" algn="ctr" rotWithShape="0">
                     <a:srgbClr val="000000">
@@ -22230,14 +22230,14 @@
           <a:effectLst/>
           <a:extLst>
             <a:ext uri="{909E8E84-426E-40dd-AFC4-6F175D3DCCD1}">
-              <a14:hiddenFill xmlns:a14="http://schemas.microsoft.com/office/drawing/2010/main" xmlns="">
+              <a14:hiddenFill xmlns="" xmlns:a14="http://schemas.microsoft.com/office/drawing/2010/main">
                 <a:solidFill>
                   <a:srgbClr val="FFFFFF"/>
                 </a:solidFill>
               </a14:hiddenFill>
             </a:ext>
             <a:ext uri="{91240B29-F687-4f45-9708-019B960494DF}">
-              <a14:hiddenLine xmlns:a14="http://schemas.microsoft.com/office/drawing/2010/main" xmlns="" w="9525" cap="flat">
+              <a14:hiddenLine xmlns="" xmlns:a14="http://schemas.microsoft.com/office/drawing/2010/main" w="9525" cap="flat">
                 <a:solidFill>
                   <a:srgbClr val="000000"/>
                 </a:solidFill>
@@ -22247,7 +22247,7 @@
               </a14:hiddenLine>
             </a:ext>
             <a:ext uri="{AF507438-7753-43e0-B8FC-AC1667EBCBE1}">
-              <a14:hiddenEffects xmlns:a14="http://schemas.microsoft.com/office/drawing/2010/main" xmlns="">
+              <a14:hiddenEffects xmlns="" xmlns:a14="http://schemas.microsoft.com/office/drawing/2010/main">
                 <a:effectLst>
                   <a:outerShdw blurRad="63500" dist="38099" dir="2700000" algn="ctr" rotWithShape="0">
                     <a:srgbClr val="000000">
@@ -22297,14 +22297,14 @@
           <a:effectLst/>
           <a:extLst>
             <a:ext uri="{909E8E84-426E-40dd-AFC4-6F175D3DCCD1}">
-              <a14:hiddenFill xmlns:a14="http://schemas.microsoft.com/office/drawing/2010/main" xmlns="">
+              <a14:hiddenFill xmlns="" xmlns:a14="http://schemas.microsoft.com/office/drawing/2010/main">
                 <a:solidFill>
                   <a:srgbClr val="FFFFFF"/>
                 </a:solidFill>
               </a14:hiddenFill>
             </a:ext>
             <a:ext uri="{91240B29-F687-4f45-9708-019B960494DF}">
-              <a14:hiddenLine xmlns:a14="http://schemas.microsoft.com/office/drawing/2010/main" xmlns="" w="9525" cap="flat">
+              <a14:hiddenLine xmlns="" xmlns:a14="http://schemas.microsoft.com/office/drawing/2010/main" w="9525" cap="flat">
                 <a:solidFill>
                   <a:srgbClr val="000000"/>
                 </a:solidFill>
@@ -22314,7 +22314,7 @@
               </a14:hiddenLine>
             </a:ext>
             <a:ext uri="{AF507438-7753-43e0-B8FC-AC1667EBCBE1}">
-              <a14:hiddenEffects xmlns:a14="http://schemas.microsoft.com/office/drawing/2010/main" xmlns="">
+              <a14:hiddenEffects xmlns="" xmlns:a14="http://schemas.microsoft.com/office/drawing/2010/main">
                 <a:effectLst>
                   <a:outerShdw blurRad="63500" dist="38099" dir="2700000" algn="ctr" rotWithShape="0">
                     <a:srgbClr val="000000">
@@ -22364,14 +22364,14 @@
           <a:effectLst/>
           <a:extLst>
             <a:ext uri="{909E8E84-426E-40dd-AFC4-6F175D3DCCD1}">
-              <a14:hiddenFill xmlns:a14="http://schemas.microsoft.com/office/drawing/2010/main" xmlns="">
+              <a14:hiddenFill xmlns="" xmlns:a14="http://schemas.microsoft.com/office/drawing/2010/main">
                 <a:solidFill>
                   <a:srgbClr val="FFFFFF"/>
                 </a:solidFill>
               </a14:hiddenFill>
             </a:ext>
             <a:ext uri="{91240B29-F687-4f45-9708-019B960494DF}">
-              <a14:hiddenLine xmlns:a14="http://schemas.microsoft.com/office/drawing/2010/main" xmlns="" w="9525" cap="flat">
+              <a14:hiddenLine xmlns="" xmlns:a14="http://schemas.microsoft.com/office/drawing/2010/main" w="9525" cap="flat">
                 <a:solidFill>
                   <a:srgbClr val="000000"/>
                 </a:solidFill>
@@ -22381,7 +22381,7 @@
               </a14:hiddenLine>
             </a:ext>
             <a:ext uri="{AF507438-7753-43e0-B8FC-AC1667EBCBE1}">
-              <a14:hiddenEffects xmlns:a14="http://schemas.microsoft.com/office/drawing/2010/main" xmlns="">
+              <a14:hiddenEffects xmlns="" xmlns:a14="http://schemas.microsoft.com/office/drawing/2010/main">
                 <a:effectLst>
                   <a:outerShdw blurRad="63500" dist="38099" dir="2700000" algn="ctr" rotWithShape="0">
                     <a:srgbClr val="000000">
@@ -22431,14 +22431,14 @@
           <a:effectLst/>
           <a:extLst>
             <a:ext uri="{909E8E84-426E-40dd-AFC4-6F175D3DCCD1}">
-              <a14:hiddenFill xmlns:a14="http://schemas.microsoft.com/office/drawing/2010/main" xmlns="">
+              <a14:hiddenFill xmlns="" xmlns:a14="http://schemas.microsoft.com/office/drawing/2010/main">
                 <a:solidFill>
                   <a:srgbClr val="FFFFFF"/>
                 </a:solidFill>
               </a14:hiddenFill>
             </a:ext>
             <a:ext uri="{91240B29-F687-4f45-9708-019B960494DF}">
-              <a14:hiddenLine xmlns:a14="http://schemas.microsoft.com/office/drawing/2010/main" xmlns="" w="9525" cap="flat">
+              <a14:hiddenLine xmlns="" xmlns:a14="http://schemas.microsoft.com/office/drawing/2010/main" w="9525" cap="flat">
                 <a:solidFill>
                   <a:srgbClr val="000000"/>
                 </a:solidFill>
@@ -22448,7 +22448,7 @@
               </a14:hiddenLine>
             </a:ext>
             <a:ext uri="{AF507438-7753-43e0-B8FC-AC1667EBCBE1}">
-              <a14:hiddenEffects xmlns:a14="http://schemas.microsoft.com/office/drawing/2010/main" xmlns="">
+              <a14:hiddenEffects xmlns="" xmlns:a14="http://schemas.microsoft.com/office/drawing/2010/main">
                 <a:effectLst>
                   <a:outerShdw blurRad="63500" dist="38099" dir="2700000" algn="ctr" rotWithShape="0">
                     <a:srgbClr val="000000">
@@ -22498,14 +22498,14 @@
           <a:effectLst/>
           <a:extLst>
             <a:ext uri="{909E8E84-426E-40dd-AFC4-6F175D3DCCD1}">
-              <a14:hiddenFill xmlns:a14="http://schemas.microsoft.com/office/drawing/2010/main" xmlns="">
+              <a14:hiddenFill xmlns="" xmlns:a14="http://schemas.microsoft.com/office/drawing/2010/main">
                 <a:solidFill>
                   <a:srgbClr val="FFFFFF"/>
                 </a:solidFill>
               </a14:hiddenFill>
             </a:ext>
             <a:ext uri="{91240B29-F687-4f45-9708-019B960494DF}">
-              <a14:hiddenLine xmlns:a14="http://schemas.microsoft.com/office/drawing/2010/main" xmlns="" w="9525" cap="flat">
+              <a14:hiddenLine xmlns="" xmlns:a14="http://schemas.microsoft.com/office/drawing/2010/main" w="9525" cap="flat">
                 <a:solidFill>
                   <a:srgbClr val="000000"/>
                 </a:solidFill>
@@ -22515,7 +22515,7 @@
               </a14:hiddenLine>
             </a:ext>
             <a:ext uri="{AF507438-7753-43e0-B8FC-AC1667EBCBE1}">
-              <a14:hiddenEffects xmlns:a14="http://schemas.microsoft.com/office/drawing/2010/main" xmlns="">
+              <a14:hiddenEffects xmlns="" xmlns:a14="http://schemas.microsoft.com/office/drawing/2010/main">
                 <a:effectLst>
                   <a:outerShdw blurRad="63500" dist="38099" dir="2700000" algn="ctr" rotWithShape="0">
                     <a:srgbClr val="000000">
@@ -22565,14 +22565,14 @@
           <a:effectLst/>
           <a:extLst>
             <a:ext uri="{909E8E84-426E-40dd-AFC4-6F175D3DCCD1}">
-              <a14:hiddenFill xmlns:a14="http://schemas.microsoft.com/office/drawing/2010/main" xmlns="">
+              <a14:hiddenFill xmlns="" xmlns:a14="http://schemas.microsoft.com/office/drawing/2010/main">
                 <a:solidFill>
                   <a:srgbClr val="FFFFFF"/>
                 </a:solidFill>
               </a14:hiddenFill>
             </a:ext>
             <a:ext uri="{91240B29-F687-4f45-9708-019B960494DF}">
-              <a14:hiddenLine xmlns:a14="http://schemas.microsoft.com/office/drawing/2010/main" xmlns="" w="9525" cap="flat">
+              <a14:hiddenLine xmlns="" xmlns:a14="http://schemas.microsoft.com/office/drawing/2010/main" w="9525" cap="flat">
                 <a:solidFill>
                   <a:srgbClr val="000000"/>
                 </a:solidFill>
@@ -22582,7 +22582,7 @@
               </a14:hiddenLine>
             </a:ext>
             <a:ext uri="{AF507438-7753-43e0-B8FC-AC1667EBCBE1}">
-              <a14:hiddenEffects xmlns:a14="http://schemas.microsoft.com/office/drawing/2010/main" xmlns="">
+              <a14:hiddenEffects xmlns="" xmlns:a14="http://schemas.microsoft.com/office/drawing/2010/main">
                 <a:effectLst>
                   <a:outerShdw blurRad="63500" dist="38099" dir="2700000" algn="ctr" rotWithShape="0">
                     <a:srgbClr val="000000">
@@ -22632,14 +22632,14 @@
           <a:effectLst/>
           <a:extLst>
             <a:ext uri="{909E8E84-426E-40dd-AFC4-6F175D3DCCD1}">
-              <a14:hiddenFill xmlns:a14="http://schemas.microsoft.com/office/drawing/2010/main" xmlns="">
+              <a14:hiddenFill xmlns="" xmlns:a14="http://schemas.microsoft.com/office/drawing/2010/main">
                 <a:solidFill>
                   <a:srgbClr val="FFFFFF"/>
                 </a:solidFill>
               </a14:hiddenFill>
             </a:ext>
             <a:ext uri="{91240B29-F687-4f45-9708-019B960494DF}">
-              <a14:hiddenLine xmlns:a14="http://schemas.microsoft.com/office/drawing/2010/main" xmlns="" w="9525" cap="flat">
+              <a14:hiddenLine xmlns="" xmlns:a14="http://schemas.microsoft.com/office/drawing/2010/main" w="9525" cap="flat">
                 <a:solidFill>
                   <a:srgbClr val="000000"/>
                 </a:solidFill>
@@ -22649,7 +22649,7 @@
               </a14:hiddenLine>
             </a:ext>
             <a:ext uri="{AF507438-7753-43e0-B8FC-AC1667EBCBE1}">
-              <a14:hiddenEffects xmlns:a14="http://schemas.microsoft.com/office/drawing/2010/main" xmlns="">
+              <a14:hiddenEffects xmlns="" xmlns:a14="http://schemas.microsoft.com/office/drawing/2010/main">
                 <a:effectLst>
                   <a:outerShdw blurRad="63500" dist="38099" dir="2700000" algn="ctr" rotWithShape="0">
                     <a:srgbClr val="000000">
@@ -22699,14 +22699,14 @@
           <a:effectLst/>
           <a:extLst>
             <a:ext uri="{909E8E84-426E-40dd-AFC4-6F175D3DCCD1}">
-              <a14:hiddenFill xmlns:a14="http://schemas.microsoft.com/office/drawing/2010/main" xmlns="">
+              <a14:hiddenFill xmlns="" xmlns:a14="http://schemas.microsoft.com/office/drawing/2010/main">
                 <a:solidFill>
                   <a:srgbClr val="FFFFFF"/>
                 </a:solidFill>
               </a14:hiddenFill>
             </a:ext>
             <a:ext uri="{91240B29-F687-4f45-9708-019B960494DF}">
-              <a14:hiddenLine xmlns:a14="http://schemas.microsoft.com/office/drawing/2010/main" xmlns="" w="9525" cap="flat">
+              <a14:hiddenLine xmlns="" xmlns:a14="http://schemas.microsoft.com/office/drawing/2010/main" w="9525" cap="flat">
                 <a:solidFill>
                   <a:srgbClr val="000000"/>
                 </a:solidFill>
@@ -22716,7 +22716,7 @@
               </a14:hiddenLine>
             </a:ext>
             <a:ext uri="{AF507438-7753-43e0-B8FC-AC1667EBCBE1}">
-              <a14:hiddenEffects xmlns:a14="http://schemas.microsoft.com/office/drawing/2010/main" xmlns="">
+              <a14:hiddenEffects xmlns="" xmlns:a14="http://schemas.microsoft.com/office/drawing/2010/main">
                 <a:effectLst>
                   <a:outerShdw blurRad="63500" dist="38099" dir="2700000" algn="ctr" rotWithShape="0">
                     <a:srgbClr val="000000">
@@ -22766,14 +22766,14 @@
           <a:effectLst/>
           <a:extLst>
             <a:ext uri="{909E8E84-426E-40dd-AFC4-6F175D3DCCD1}">
-              <a14:hiddenFill xmlns:a14="http://schemas.microsoft.com/office/drawing/2010/main" xmlns="">
+              <a14:hiddenFill xmlns="" xmlns:a14="http://schemas.microsoft.com/office/drawing/2010/main">
                 <a:solidFill>
                   <a:srgbClr val="FFFFFF"/>
                 </a:solidFill>
               </a14:hiddenFill>
             </a:ext>
             <a:ext uri="{91240B29-F687-4f45-9708-019B960494DF}">
-              <a14:hiddenLine xmlns:a14="http://schemas.microsoft.com/office/drawing/2010/main" xmlns="" w="9525" cap="flat">
+              <a14:hiddenLine xmlns="" xmlns:a14="http://schemas.microsoft.com/office/drawing/2010/main" w="9525" cap="flat">
                 <a:solidFill>
                   <a:srgbClr val="000000"/>
                 </a:solidFill>
@@ -22783,7 +22783,7 @@
               </a14:hiddenLine>
             </a:ext>
             <a:ext uri="{AF507438-7753-43e0-B8FC-AC1667EBCBE1}">
-              <a14:hiddenEffects xmlns:a14="http://schemas.microsoft.com/office/drawing/2010/main" xmlns="">
+              <a14:hiddenEffects xmlns="" xmlns:a14="http://schemas.microsoft.com/office/drawing/2010/main">
                 <a:effectLst>
                   <a:outerShdw blurRad="63500" dist="38099" dir="2700000" algn="ctr" rotWithShape="0">
                     <a:srgbClr val="000000">
@@ -22833,14 +22833,14 @@
           <a:effectLst/>
           <a:extLst>
             <a:ext uri="{909E8E84-426E-40dd-AFC4-6F175D3DCCD1}">
-              <a14:hiddenFill xmlns:a14="http://schemas.microsoft.com/office/drawing/2010/main" xmlns="">
+              <a14:hiddenFill xmlns="" xmlns:a14="http://schemas.microsoft.com/office/drawing/2010/main">
                 <a:solidFill>
                   <a:srgbClr val="FFFFFF"/>
                 </a:solidFill>
               </a14:hiddenFill>
             </a:ext>
             <a:ext uri="{91240B29-F687-4f45-9708-019B960494DF}">
-              <a14:hiddenLine xmlns:a14="http://schemas.microsoft.com/office/drawing/2010/main" xmlns="" w="9525" cap="flat">
+              <a14:hiddenLine xmlns="" xmlns:a14="http://schemas.microsoft.com/office/drawing/2010/main" w="9525" cap="flat">
                 <a:solidFill>
                   <a:srgbClr val="000000"/>
                 </a:solidFill>
@@ -22850,7 +22850,7 @@
               </a14:hiddenLine>
             </a:ext>
             <a:ext uri="{AF507438-7753-43e0-B8FC-AC1667EBCBE1}">
-              <a14:hiddenEffects xmlns:a14="http://schemas.microsoft.com/office/drawing/2010/main" xmlns="">
+              <a14:hiddenEffects xmlns="" xmlns:a14="http://schemas.microsoft.com/office/drawing/2010/main">
                 <a:effectLst>
                   <a:outerShdw blurRad="63500" dist="38099" dir="2700000" algn="ctr" rotWithShape="0">
                     <a:srgbClr val="000000">
@@ -23095,7 +23095,7 @@
           <a:effectLst/>
           <a:extLst>
             <a:ext uri="{AF507438-7753-43e0-B8FC-AC1667EBCBE1}">
-              <a14:hiddenEffects xmlns:a14="http://schemas.microsoft.com/office/drawing/2010/main" xmlns="">
+              <a14:hiddenEffects xmlns="" xmlns:a14="http://schemas.microsoft.com/office/drawing/2010/main">
                 <a:effectLst>
                   <a:outerShdw blurRad="63500" dist="38099" dir="2700000" algn="ctr" rotWithShape="0">
                     <a:srgbClr val="000000">
@@ -23145,7 +23145,7 @@
           <a:effectLst/>
           <a:extLst>
             <a:ext uri="{AF507438-7753-43e0-B8FC-AC1667EBCBE1}">
-              <a14:hiddenEffects xmlns:a14="http://schemas.microsoft.com/office/drawing/2010/main" xmlns="">
+              <a14:hiddenEffects xmlns="" xmlns:a14="http://schemas.microsoft.com/office/drawing/2010/main">
                 <a:effectLst>
                   <a:outerShdw blurRad="63500" dist="38099" dir="2700000" algn="ctr" rotWithShape="0">
                     <a:srgbClr val="000000">
@@ -23195,7 +23195,7 @@
           <a:effectLst/>
           <a:extLst>
             <a:ext uri="{AF507438-7753-43e0-B8FC-AC1667EBCBE1}">
-              <a14:hiddenEffects xmlns:a14="http://schemas.microsoft.com/office/drawing/2010/main" xmlns="">
+              <a14:hiddenEffects xmlns="" xmlns:a14="http://schemas.microsoft.com/office/drawing/2010/main">
                 <a:effectLst>
                   <a:outerShdw blurRad="63500" dist="38099" dir="2700000" algn="ctr" rotWithShape="0">
                     <a:srgbClr val="000000">
@@ -23245,7 +23245,7 @@
           <a:effectLst/>
           <a:extLst>
             <a:ext uri="{AF507438-7753-43e0-B8FC-AC1667EBCBE1}">
-              <a14:hiddenEffects xmlns:a14="http://schemas.microsoft.com/office/drawing/2010/main" xmlns="">
+              <a14:hiddenEffects xmlns="" xmlns:a14="http://schemas.microsoft.com/office/drawing/2010/main">
                 <a:effectLst>
                   <a:outerShdw blurRad="63500" dist="38099" dir="2700000" algn="ctr" rotWithShape="0">
                     <a:srgbClr val="000000">
@@ -23295,7 +23295,7 @@
           <a:effectLst/>
           <a:extLst>
             <a:ext uri="{AF507438-7753-43e0-B8FC-AC1667EBCBE1}">
-              <a14:hiddenEffects xmlns:a14="http://schemas.microsoft.com/office/drawing/2010/main" xmlns="">
+              <a14:hiddenEffects xmlns="" xmlns:a14="http://schemas.microsoft.com/office/drawing/2010/main">
                 <a:effectLst>
                   <a:outerShdw blurRad="63500" dist="38099" dir="2700000" algn="ctr" rotWithShape="0">
                     <a:srgbClr val="000000">
@@ -23345,7 +23345,7 @@
           <a:effectLst/>
           <a:extLst>
             <a:ext uri="{AF507438-7753-43e0-B8FC-AC1667EBCBE1}">
-              <a14:hiddenEffects xmlns:a14="http://schemas.microsoft.com/office/drawing/2010/main" xmlns="">
+              <a14:hiddenEffects xmlns="" xmlns:a14="http://schemas.microsoft.com/office/drawing/2010/main">
                 <a:effectLst>
                   <a:outerShdw blurRad="63500" dist="38099" dir="2700000" algn="ctr" rotWithShape="0">
                     <a:srgbClr val="000000">
@@ -23395,7 +23395,7 @@
           <a:effectLst/>
           <a:extLst>
             <a:ext uri="{AF507438-7753-43e0-B8FC-AC1667EBCBE1}">
-              <a14:hiddenEffects xmlns:a14="http://schemas.microsoft.com/office/drawing/2010/main" xmlns="">
+              <a14:hiddenEffects xmlns="" xmlns:a14="http://schemas.microsoft.com/office/drawing/2010/main">
                 <a:effectLst>
                   <a:outerShdw blurRad="63500" dist="38099" dir="2700000" algn="ctr" rotWithShape="0">
                     <a:srgbClr val="000000">
@@ -23445,7 +23445,7 @@
           <a:effectLst/>
           <a:extLst>
             <a:ext uri="{AF507438-7753-43e0-B8FC-AC1667EBCBE1}">
-              <a14:hiddenEffects xmlns:a14="http://schemas.microsoft.com/office/drawing/2010/main" xmlns="">
+              <a14:hiddenEffects xmlns="" xmlns:a14="http://schemas.microsoft.com/office/drawing/2010/main">
                 <a:effectLst>
                   <a:outerShdw blurRad="63500" dist="38099" dir="2700000" algn="ctr" rotWithShape="0">
                     <a:srgbClr val="000000">
@@ -23495,7 +23495,7 @@
           <a:effectLst/>
           <a:extLst>
             <a:ext uri="{AF507438-7753-43e0-B8FC-AC1667EBCBE1}">
-              <a14:hiddenEffects xmlns:a14="http://schemas.microsoft.com/office/drawing/2010/main" xmlns="">
+              <a14:hiddenEffects xmlns="" xmlns:a14="http://schemas.microsoft.com/office/drawing/2010/main">
                 <a:effectLst>
                   <a:outerShdw blurRad="63500" dist="38099" dir="2700000" algn="ctr" rotWithShape="0">
                     <a:srgbClr val="000000">
@@ -23545,7 +23545,7 @@
           <a:effectLst/>
           <a:extLst>
             <a:ext uri="{AF507438-7753-43e0-B8FC-AC1667EBCBE1}">
-              <a14:hiddenEffects xmlns:a14="http://schemas.microsoft.com/office/drawing/2010/main" xmlns="">
+              <a14:hiddenEffects xmlns="" xmlns:a14="http://schemas.microsoft.com/office/drawing/2010/main">
                 <a:effectLst>
                   <a:outerShdw blurRad="63500" dist="38099" dir="2700000" algn="ctr" rotWithShape="0">
                     <a:srgbClr val="000000">
@@ -23595,7 +23595,7 @@
           <a:effectLst/>
           <a:extLst>
             <a:ext uri="{AF507438-7753-43e0-B8FC-AC1667EBCBE1}">
-              <a14:hiddenEffects xmlns:a14="http://schemas.microsoft.com/office/drawing/2010/main" xmlns="">
+              <a14:hiddenEffects xmlns="" xmlns:a14="http://schemas.microsoft.com/office/drawing/2010/main">
                 <a:effectLst>
                   <a:outerShdw blurRad="63500" dist="38099" dir="2700000" algn="ctr" rotWithShape="0">
                     <a:srgbClr val="000000">
@@ -23645,7 +23645,7 @@
           <a:effectLst/>
           <a:extLst>
             <a:ext uri="{AF507438-7753-43e0-B8FC-AC1667EBCBE1}">
-              <a14:hiddenEffects xmlns:a14="http://schemas.microsoft.com/office/drawing/2010/main" xmlns="">
+              <a14:hiddenEffects xmlns="" xmlns:a14="http://schemas.microsoft.com/office/drawing/2010/main">
                 <a:effectLst>
                   <a:outerShdw blurRad="63500" dist="38099" dir="2700000" algn="ctr" rotWithShape="0">
                     <a:srgbClr val="000000">
@@ -23695,7 +23695,7 @@
           <a:effectLst/>
           <a:extLst>
             <a:ext uri="{AF507438-7753-43e0-B8FC-AC1667EBCBE1}">
-              <a14:hiddenEffects xmlns:a14="http://schemas.microsoft.com/office/drawing/2010/main" xmlns="">
+              <a14:hiddenEffects xmlns="" xmlns:a14="http://schemas.microsoft.com/office/drawing/2010/main">
                 <a:effectLst>
                   <a:outerShdw blurRad="63500" dist="38099" dir="2700000" algn="ctr" rotWithShape="0">
                     <a:srgbClr val="000000">
@@ -23848,7 +23848,7 @@
           <a:effectLst/>
           <a:extLst>
             <a:ext uri="{AF507438-7753-43e0-B8FC-AC1667EBCBE1}">
-              <a14:hiddenEffects xmlns:a14="http://schemas.microsoft.com/office/drawing/2010/main" xmlns="">
+              <a14:hiddenEffects xmlns="" xmlns:a14="http://schemas.microsoft.com/office/drawing/2010/main">
                 <a:effectLst>
                   <a:outerShdw blurRad="63500" dist="38099" dir="2700000" algn="ctr" rotWithShape="0">
                     <a:srgbClr val="000000">
@@ -23898,7 +23898,7 @@
           <a:effectLst/>
           <a:extLst>
             <a:ext uri="{AF507438-7753-43e0-B8FC-AC1667EBCBE1}">
-              <a14:hiddenEffects xmlns:a14="http://schemas.microsoft.com/office/drawing/2010/main" xmlns="">
+              <a14:hiddenEffects xmlns="" xmlns:a14="http://schemas.microsoft.com/office/drawing/2010/main">
                 <a:effectLst>
                   <a:outerShdw blurRad="63500" dist="38099" dir="2700000" algn="ctr" rotWithShape="0">
                     <a:srgbClr val="000000">
@@ -23941,14 +23941,14 @@
           <a:effectLst/>
           <a:extLst>
             <a:ext uri="{909E8E84-426E-40dd-AFC4-6F175D3DCCD1}">
-              <a14:hiddenFill xmlns:a14="http://schemas.microsoft.com/office/drawing/2010/main" xmlns="">
+              <a14:hiddenFill xmlns="" xmlns:a14="http://schemas.microsoft.com/office/drawing/2010/main">
                 <a:solidFill>
                   <a:srgbClr val="FFFFFF"/>
                 </a:solidFill>
               </a14:hiddenFill>
             </a:ext>
             <a:ext uri="{91240B29-F687-4f45-9708-019B960494DF}">
-              <a14:hiddenLine xmlns:a14="http://schemas.microsoft.com/office/drawing/2010/main" xmlns="" w="9525" cap="flat">
+              <a14:hiddenLine xmlns="" xmlns:a14="http://schemas.microsoft.com/office/drawing/2010/main" w="9525" cap="flat">
                 <a:solidFill>
                   <a:srgbClr val="000000"/>
                 </a:solidFill>
@@ -23958,7 +23958,7 @@
               </a14:hiddenLine>
             </a:ext>
             <a:ext uri="{AF507438-7753-43e0-B8FC-AC1667EBCBE1}">
-              <a14:hiddenEffects xmlns:a14="http://schemas.microsoft.com/office/drawing/2010/main" xmlns="">
+              <a14:hiddenEffects xmlns="" xmlns:a14="http://schemas.microsoft.com/office/drawing/2010/main">
                 <a:effectLst>
                   <a:outerShdw blurRad="63500" dist="38099" dir="2700000" algn="ctr" rotWithShape="0">
                     <a:srgbClr val="000000">
@@ -24015,7 +24015,7 @@
           <a:effectLst/>
           <a:extLst>
             <a:ext uri="{AF507438-7753-43e0-B8FC-AC1667EBCBE1}">
-              <a14:hiddenEffects xmlns:a14="http://schemas.microsoft.com/office/drawing/2010/main" xmlns="">
+              <a14:hiddenEffects xmlns="" xmlns:a14="http://schemas.microsoft.com/office/drawing/2010/main">
                 <a:effectLst>
                   <a:outerShdw blurRad="63500" dist="38099" dir="2700000" algn="ctr" rotWithShape="0">
                     <a:srgbClr val="000000">
@@ -24058,14 +24058,14 @@
           <a:effectLst/>
           <a:extLst>
             <a:ext uri="{909E8E84-426E-40dd-AFC4-6F175D3DCCD1}">
-              <a14:hiddenFill xmlns:a14="http://schemas.microsoft.com/office/drawing/2010/main" xmlns="">
+              <a14:hiddenFill xmlns="" xmlns:a14="http://schemas.microsoft.com/office/drawing/2010/main">
                 <a:solidFill>
                   <a:srgbClr val="FFFFFF"/>
                 </a:solidFill>
               </a14:hiddenFill>
             </a:ext>
             <a:ext uri="{91240B29-F687-4f45-9708-019B960494DF}">
-              <a14:hiddenLine xmlns:a14="http://schemas.microsoft.com/office/drawing/2010/main" xmlns="" w="9525" cap="flat">
+              <a14:hiddenLine xmlns="" xmlns:a14="http://schemas.microsoft.com/office/drawing/2010/main" w="9525" cap="flat">
                 <a:solidFill>
                   <a:srgbClr val="000000"/>
                 </a:solidFill>
@@ -24075,7 +24075,7 @@
               </a14:hiddenLine>
             </a:ext>
             <a:ext uri="{AF507438-7753-43e0-B8FC-AC1667EBCBE1}">
-              <a14:hiddenEffects xmlns:a14="http://schemas.microsoft.com/office/drawing/2010/main" xmlns="">
+              <a14:hiddenEffects xmlns="" xmlns:a14="http://schemas.microsoft.com/office/drawing/2010/main">
                 <a:effectLst>
                   <a:outerShdw blurRad="63500" dist="38099" dir="2700000" algn="ctr" rotWithShape="0">
                     <a:srgbClr val="000000">
@@ -24134,7 +24134,7 @@
           <a:effectLst/>
           <a:extLst>
             <a:ext uri="{AF507438-7753-43e0-B8FC-AC1667EBCBE1}">
-              <a14:hiddenEffects xmlns:a14="http://schemas.microsoft.com/office/drawing/2010/main" xmlns="">
+              <a14:hiddenEffects xmlns="" xmlns:a14="http://schemas.microsoft.com/office/drawing/2010/main">
                 <a:effectLst>
                   <a:outerShdw blurRad="63500" dist="38099" dir="2700000" algn="ctr" rotWithShape="0">
                     <a:srgbClr val="000000">
@@ -24186,7 +24186,7 @@
           <a:effectLst/>
           <a:extLst>
             <a:ext uri="{AF507438-7753-43e0-B8FC-AC1667EBCBE1}">
-              <a14:hiddenEffects xmlns:a14="http://schemas.microsoft.com/office/drawing/2010/main" xmlns="">
+              <a14:hiddenEffects xmlns="" xmlns:a14="http://schemas.microsoft.com/office/drawing/2010/main">
                 <a:effectLst>
                   <a:outerShdw blurRad="63500" dist="38099" dir="2700000" algn="ctr" rotWithShape="0">
                     <a:srgbClr val="000000">
@@ -24236,14 +24236,14 @@
           <a:effectLst/>
           <a:extLst>
             <a:ext uri="{909E8E84-426E-40dd-AFC4-6F175D3DCCD1}">
-              <a14:hiddenFill xmlns:a14="http://schemas.microsoft.com/office/drawing/2010/main" xmlns="">
+              <a14:hiddenFill xmlns="" xmlns:a14="http://schemas.microsoft.com/office/drawing/2010/main">
                 <a:solidFill>
                   <a:srgbClr val="FFFFFF"/>
                 </a:solidFill>
               </a14:hiddenFill>
             </a:ext>
             <a:ext uri="{AF507438-7753-43e0-B8FC-AC1667EBCBE1}">
-              <a14:hiddenEffects xmlns:a14="http://schemas.microsoft.com/office/drawing/2010/main" xmlns="">
+              <a14:hiddenEffects xmlns="" xmlns:a14="http://schemas.microsoft.com/office/drawing/2010/main">
                 <a:effectLst>
                   <a:outerShdw blurRad="63500" dist="38099" dir="2700000" algn="ctr" rotWithShape="0">
                     <a:srgbClr val="000000">
@@ -24295,7 +24295,7 @@
           <a:effectLst/>
           <a:extLst>
             <a:ext uri="{AF507438-7753-43e0-B8FC-AC1667EBCBE1}">
-              <a14:hiddenEffects xmlns:a14="http://schemas.microsoft.com/office/drawing/2010/main" xmlns="">
+              <a14:hiddenEffects xmlns="" xmlns:a14="http://schemas.microsoft.com/office/drawing/2010/main">
                 <a:effectLst>
                   <a:outerShdw blurRad="63500" dist="38099" dir="2700000" algn="ctr" rotWithShape="0">
                     <a:srgbClr val="000000">
@@ -24338,14 +24338,14 @@
           <a:effectLst/>
           <a:extLst>
             <a:ext uri="{909E8E84-426E-40dd-AFC4-6F175D3DCCD1}">
-              <a14:hiddenFill xmlns:a14="http://schemas.microsoft.com/office/drawing/2010/main" xmlns="">
+              <a14:hiddenFill xmlns="" xmlns:a14="http://schemas.microsoft.com/office/drawing/2010/main">
                 <a:solidFill>
                   <a:srgbClr val="FFFFFF"/>
                 </a:solidFill>
               </a14:hiddenFill>
             </a:ext>
             <a:ext uri="{91240B29-F687-4f45-9708-019B960494DF}">
-              <a14:hiddenLine xmlns:a14="http://schemas.microsoft.com/office/drawing/2010/main" xmlns="" w="9525" cap="flat">
+              <a14:hiddenLine xmlns="" xmlns:a14="http://schemas.microsoft.com/office/drawing/2010/main" w="9525" cap="flat">
                 <a:solidFill>
                   <a:srgbClr val="000000"/>
                 </a:solidFill>
@@ -24355,7 +24355,7 @@
               </a14:hiddenLine>
             </a:ext>
             <a:ext uri="{AF507438-7753-43e0-B8FC-AC1667EBCBE1}">
-              <a14:hiddenEffects xmlns:a14="http://schemas.microsoft.com/office/drawing/2010/main" xmlns="">
+              <a14:hiddenEffects xmlns="" xmlns:a14="http://schemas.microsoft.com/office/drawing/2010/main">
                 <a:effectLst>
                   <a:outerShdw blurRad="63500" dist="38099" dir="2700000" algn="ctr" rotWithShape="0">
                     <a:srgbClr val="000000">
@@ -24584,7 +24584,7 @@
           <a:effectLst/>
           <a:extLst>
             <a:ext uri="{AF507438-7753-43e0-B8FC-AC1667EBCBE1}">
-              <a14:hiddenEffects xmlns:a14="http://schemas.microsoft.com/office/drawing/2010/main" xmlns="">
+              <a14:hiddenEffects xmlns="" xmlns:a14="http://schemas.microsoft.com/office/drawing/2010/main">
                 <a:effectLst>
                   <a:outerShdw blurRad="63500" dist="38099" dir="2700000" algn="ctr" rotWithShape="0">
                     <a:srgbClr val="000000">
@@ -24634,7 +24634,7 @@
           <a:effectLst/>
           <a:extLst>
             <a:ext uri="{AF507438-7753-43e0-B8FC-AC1667EBCBE1}">
-              <a14:hiddenEffects xmlns:a14="http://schemas.microsoft.com/office/drawing/2010/main" xmlns="">
+              <a14:hiddenEffects xmlns="" xmlns:a14="http://schemas.microsoft.com/office/drawing/2010/main">
                 <a:effectLst>
                   <a:outerShdw blurRad="63500" dist="38099" dir="2700000" algn="ctr" rotWithShape="0">
                     <a:srgbClr val="000000">
@@ -24677,14 +24677,14 @@
           <a:effectLst/>
           <a:extLst>
             <a:ext uri="{909E8E84-426E-40dd-AFC4-6F175D3DCCD1}">
-              <a14:hiddenFill xmlns:a14="http://schemas.microsoft.com/office/drawing/2010/main" xmlns="">
+              <a14:hiddenFill xmlns="" xmlns:a14="http://schemas.microsoft.com/office/drawing/2010/main">
                 <a:solidFill>
                   <a:srgbClr val="FFFFFF"/>
                 </a:solidFill>
               </a14:hiddenFill>
             </a:ext>
             <a:ext uri="{91240B29-F687-4f45-9708-019B960494DF}">
-              <a14:hiddenLine xmlns:a14="http://schemas.microsoft.com/office/drawing/2010/main" xmlns="" w="9525" cap="flat">
+              <a14:hiddenLine xmlns="" xmlns:a14="http://schemas.microsoft.com/office/drawing/2010/main" w="9525" cap="flat">
                 <a:solidFill>
                   <a:srgbClr val="000000"/>
                 </a:solidFill>
@@ -24694,7 +24694,7 @@
               </a14:hiddenLine>
             </a:ext>
             <a:ext uri="{AF507438-7753-43e0-B8FC-AC1667EBCBE1}">
-              <a14:hiddenEffects xmlns:a14="http://schemas.microsoft.com/office/drawing/2010/main" xmlns="">
+              <a14:hiddenEffects xmlns="" xmlns:a14="http://schemas.microsoft.com/office/drawing/2010/main">
                 <a:effectLst>
                   <a:outerShdw blurRad="63500" dist="38099" dir="2700000" algn="ctr" rotWithShape="0">
                     <a:srgbClr val="000000">
@@ -24928,12 +24928,12 @@
           <a:effectLst/>
           <a:extLst>
             <a:ext uri="{909E8E84-426E-40dd-AFC4-6F175D3DCCD1}">
-              <a14:hiddenFill xmlns:a14="http://schemas.microsoft.com/office/drawing/2010/main" xmlns="">
+              <a14:hiddenFill xmlns="" xmlns:a14="http://schemas.microsoft.com/office/drawing/2010/main">
                 <a:noFill/>
               </a14:hiddenFill>
             </a:ext>
             <a:ext uri="{AF507438-7753-43e0-B8FC-AC1667EBCBE1}">
-              <a14:hiddenEffects xmlns:a14="http://schemas.microsoft.com/office/drawing/2010/main" xmlns="">
+              <a14:hiddenEffects xmlns="" xmlns:a14="http://schemas.microsoft.com/office/drawing/2010/main">
                 <a:effectLst>
                   <a:outerShdw blurRad="63500" dist="38099" dir="2700000" algn="ctr" rotWithShape="0">
                     <a:srgbClr val="000000">
@@ -24976,14 +24976,14 @@
           <a:effectLst/>
           <a:extLst>
             <a:ext uri="{909E8E84-426E-40dd-AFC4-6F175D3DCCD1}">
-              <a14:hiddenFill xmlns:a14="http://schemas.microsoft.com/office/drawing/2010/main" xmlns="">
+              <a14:hiddenFill xmlns="" xmlns:a14="http://schemas.microsoft.com/office/drawing/2010/main">
                 <a:solidFill>
                   <a:srgbClr val="FFFFFF"/>
                 </a:solidFill>
               </a14:hiddenFill>
             </a:ext>
             <a:ext uri="{91240B29-F687-4f45-9708-019B960494DF}">
-              <a14:hiddenLine xmlns:a14="http://schemas.microsoft.com/office/drawing/2010/main" xmlns="" w="9525" cap="flat">
+              <a14:hiddenLine xmlns="" xmlns:a14="http://schemas.microsoft.com/office/drawing/2010/main" w="9525" cap="flat">
                 <a:solidFill>
                   <a:srgbClr val="000000"/>
                 </a:solidFill>
@@ -24993,7 +24993,7 @@
               </a14:hiddenLine>
             </a:ext>
             <a:ext uri="{AF507438-7753-43e0-B8FC-AC1667EBCBE1}">
-              <a14:hiddenEffects xmlns:a14="http://schemas.microsoft.com/office/drawing/2010/main" xmlns="">
+              <a14:hiddenEffects xmlns="" xmlns:a14="http://schemas.microsoft.com/office/drawing/2010/main">
                 <a:effectLst>
                   <a:outerShdw blurRad="63500" dist="38099" dir="2700000" algn="ctr" rotWithShape="0">
                     <a:srgbClr val="000000">
@@ -25220,7 +25220,7 @@
           <a:effectLst/>
           <a:extLst>
             <a:ext uri="{AF507438-7753-43e0-B8FC-AC1667EBCBE1}">
-              <a14:hiddenEffects xmlns:a14="http://schemas.microsoft.com/office/drawing/2010/main" xmlns="">
+              <a14:hiddenEffects xmlns="" xmlns:a14="http://schemas.microsoft.com/office/drawing/2010/main">
                 <a:effectLst>
                   <a:outerShdw blurRad="63500" dist="38099" dir="2700000" algn="ctr" rotWithShape="0">
                     <a:srgbClr val="000000">
@@ -25270,7 +25270,7 @@
           <a:effectLst/>
           <a:extLst>
             <a:ext uri="{AF507438-7753-43e0-B8FC-AC1667EBCBE1}">
-              <a14:hiddenEffects xmlns:a14="http://schemas.microsoft.com/office/drawing/2010/main" xmlns="">
+              <a14:hiddenEffects xmlns="" xmlns:a14="http://schemas.microsoft.com/office/drawing/2010/main">
                 <a:effectLst>
                   <a:outerShdw blurRad="63500" dist="38099" dir="2700000" algn="ctr" rotWithShape="0">
                     <a:srgbClr val="000000">
@@ -25313,14 +25313,14 @@
           <a:effectLst/>
           <a:extLst>
             <a:ext uri="{909E8E84-426E-40dd-AFC4-6F175D3DCCD1}">
-              <a14:hiddenFill xmlns:a14="http://schemas.microsoft.com/office/drawing/2010/main" xmlns="">
+              <a14:hiddenFill xmlns="" xmlns:a14="http://schemas.microsoft.com/office/drawing/2010/main">
                 <a:solidFill>
                   <a:srgbClr val="FFFFFF"/>
                 </a:solidFill>
               </a14:hiddenFill>
             </a:ext>
             <a:ext uri="{91240B29-F687-4f45-9708-019B960494DF}">
-              <a14:hiddenLine xmlns:a14="http://schemas.microsoft.com/office/drawing/2010/main" xmlns="" w="9525" cap="flat">
+              <a14:hiddenLine xmlns="" xmlns:a14="http://schemas.microsoft.com/office/drawing/2010/main" w="9525" cap="flat">
                 <a:solidFill>
                   <a:srgbClr val="000000"/>
                 </a:solidFill>
@@ -25330,7 +25330,7 @@
               </a14:hiddenLine>
             </a:ext>
             <a:ext uri="{AF507438-7753-43e0-B8FC-AC1667EBCBE1}">
-              <a14:hiddenEffects xmlns:a14="http://schemas.microsoft.com/office/drawing/2010/main" xmlns="">
+              <a14:hiddenEffects xmlns="" xmlns:a14="http://schemas.microsoft.com/office/drawing/2010/main">
                 <a:effectLst>
                   <a:outerShdw blurRad="63500" dist="38099" dir="2700000" algn="ctr" rotWithShape="0">
                     <a:srgbClr val="000000">
@@ -25559,7 +25559,7 @@
           <a:effectLst/>
           <a:extLst>
             <a:ext uri="{AF507438-7753-43e0-B8FC-AC1667EBCBE1}">
-              <a14:hiddenEffects xmlns:a14="http://schemas.microsoft.com/office/drawing/2010/main" xmlns="">
+              <a14:hiddenEffects xmlns="" xmlns:a14="http://schemas.microsoft.com/office/drawing/2010/main">
                 <a:effectLst>
                   <a:outerShdw blurRad="63500" dist="38099" dir="2700000" algn="ctr" rotWithShape="0">
                     <a:srgbClr val="000000">
@@ -25611,7 +25611,7 @@
           <a:effectLst/>
           <a:extLst>
             <a:ext uri="{AF507438-7753-43e0-B8FC-AC1667EBCBE1}">
-              <a14:hiddenEffects xmlns:a14="http://schemas.microsoft.com/office/drawing/2010/main" xmlns="">
+              <a14:hiddenEffects xmlns="" xmlns:a14="http://schemas.microsoft.com/office/drawing/2010/main">
                 <a:effectLst>
                   <a:outerShdw blurRad="63500" dist="38099" dir="2700000" algn="ctr" rotWithShape="0">
                     <a:srgbClr val="000000">
@@ -25654,14 +25654,14 @@
           <a:effectLst/>
           <a:extLst>
             <a:ext uri="{909E8E84-426E-40dd-AFC4-6F175D3DCCD1}">
-              <a14:hiddenFill xmlns:a14="http://schemas.microsoft.com/office/drawing/2010/main" xmlns="">
+              <a14:hiddenFill xmlns="" xmlns:a14="http://schemas.microsoft.com/office/drawing/2010/main">
                 <a:solidFill>
                   <a:srgbClr val="FFFFFF"/>
                 </a:solidFill>
               </a14:hiddenFill>
             </a:ext>
             <a:ext uri="{91240B29-F687-4f45-9708-019B960494DF}">
-              <a14:hiddenLine xmlns:a14="http://schemas.microsoft.com/office/drawing/2010/main" xmlns="" w="9525" cap="flat">
+              <a14:hiddenLine xmlns="" xmlns:a14="http://schemas.microsoft.com/office/drawing/2010/main" w="9525" cap="flat">
                 <a:solidFill>
                   <a:srgbClr val="000000"/>
                 </a:solidFill>
@@ -25671,7 +25671,7 @@
               </a14:hiddenLine>
             </a:ext>
             <a:ext uri="{AF507438-7753-43e0-B8FC-AC1667EBCBE1}">
-              <a14:hiddenEffects xmlns:a14="http://schemas.microsoft.com/office/drawing/2010/main" xmlns="">
+              <a14:hiddenEffects xmlns="" xmlns:a14="http://schemas.microsoft.com/office/drawing/2010/main">
                 <a:effectLst>
                   <a:outerShdw blurRad="63500" dist="38099" dir="2700000" algn="ctr" rotWithShape="0">
                     <a:srgbClr val="000000">
@@ -25721,14 +25721,14 @@
           <a:effectLst/>
           <a:extLst>
             <a:ext uri="{909E8E84-426E-40dd-AFC4-6F175D3DCCD1}">
-              <a14:hiddenFill xmlns:a14="http://schemas.microsoft.com/office/drawing/2010/main" xmlns="">
+              <a14:hiddenFill xmlns="" xmlns:a14="http://schemas.microsoft.com/office/drawing/2010/main">
                 <a:solidFill>
                   <a:srgbClr val="FFFFFF"/>
                 </a:solidFill>
               </a14:hiddenFill>
             </a:ext>
             <a:ext uri="{91240B29-F687-4f45-9708-019B960494DF}">
-              <a14:hiddenLine xmlns:a14="http://schemas.microsoft.com/office/drawing/2010/main" xmlns="" w="9525" cap="flat">
+              <a14:hiddenLine xmlns="" xmlns:a14="http://schemas.microsoft.com/office/drawing/2010/main" w="9525" cap="flat">
                 <a:solidFill>
                   <a:srgbClr val="000000"/>
                 </a:solidFill>
@@ -25738,7 +25738,7 @@
               </a14:hiddenLine>
             </a:ext>
             <a:ext uri="{AF507438-7753-43e0-B8FC-AC1667EBCBE1}">
-              <a14:hiddenEffects xmlns:a14="http://schemas.microsoft.com/office/drawing/2010/main" xmlns="">
+              <a14:hiddenEffects xmlns="" xmlns:a14="http://schemas.microsoft.com/office/drawing/2010/main">
                 <a:effectLst>
                   <a:outerShdw blurRad="63500" dist="38099" dir="2700000" algn="ctr" rotWithShape="0">
                     <a:srgbClr val="000000">
@@ -25793,12 +25793,12 @@
           <a:effectLst/>
           <a:extLst>
             <a:ext uri="{909E8E84-426E-40dd-AFC4-6F175D3DCCD1}">
-              <a14:hiddenFill xmlns:a14="http://schemas.microsoft.com/office/drawing/2010/main" xmlns="">
+              <a14:hiddenFill xmlns="" xmlns:a14="http://schemas.microsoft.com/office/drawing/2010/main">
                 <a:noFill/>
               </a14:hiddenFill>
             </a:ext>
             <a:ext uri="{AF507438-7753-43e0-B8FC-AC1667EBCBE1}">
-              <a14:hiddenEffects xmlns:a14="http://schemas.microsoft.com/office/drawing/2010/main" xmlns="">
+              <a14:hiddenEffects xmlns="" xmlns:a14="http://schemas.microsoft.com/office/drawing/2010/main">
                 <a:effectLst>
                   <a:outerShdw blurRad="63500" dist="38099" dir="2700000" algn="ctr" rotWithShape="0">
                     <a:srgbClr val="000000">
@@ -25841,14 +25841,14 @@
           <a:effectLst/>
           <a:extLst>
             <a:ext uri="{909E8E84-426E-40dd-AFC4-6F175D3DCCD1}">
-              <a14:hiddenFill xmlns:a14="http://schemas.microsoft.com/office/drawing/2010/main" xmlns="">
+              <a14:hiddenFill xmlns="" xmlns:a14="http://schemas.microsoft.com/office/drawing/2010/main">
                 <a:solidFill>
                   <a:srgbClr val="FFFFFF"/>
                 </a:solidFill>
               </a14:hiddenFill>
             </a:ext>
             <a:ext uri="{91240B29-F687-4f45-9708-019B960494DF}">
-              <a14:hiddenLine xmlns:a14="http://schemas.microsoft.com/office/drawing/2010/main" xmlns="" w="9525" cap="flat">
+              <a14:hiddenLine xmlns="" xmlns:a14="http://schemas.microsoft.com/office/drawing/2010/main" w="9525" cap="flat">
                 <a:solidFill>
                   <a:srgbClr val="000000"/>
                 </a:solidFill>
@@ -25858,7 +25858,7 @@
               </a14:hiddenLine>
             </a:ext>
             <a:ext uri="{AF507438-7753-43e0-B8FC-AC1667EBCBE1}">
-              <a14:hiddenEffects xmlns:a14="http://schemas.microsoft.com/office/drawing/2010/main" xmlns="">
+              <a14:hiddenEffects xmlns="" xmlns:a14="http://schemas.microsoft.com/office/drawing/2010/main">
                 <a:effectLst>
                   <a:outerShdw blurRad="63500" dist="38099" dir="2700000" algn="ctr" rotWithShape="0">
                     <a:srgbClr val="000000">
@@ -25917,7 +25917,7 @@
           <a:effectLst/>
           <a:extLst>
             <a:ext uri="{AF507438-7753-43e0-B8FC-AC1667EBCBE1}">
-              <a14:hiddenEffects xmlns:a14="http://schemas.microsoft.com/office/drawing/2010/main" xmlns="">
+              <a14:hiddenEffects xmlns="" xmlns:a14="http://schemas.microsoft.com/office/drawing/2010/main">
                 <a:effectLst>
                   <a:outerShdw blurRad="63500" dist="38099" dir="2700000" algn="ctr" rotWithShape="0">
                     <a:srgbClr val="000000">
@@ -25960,14 +25960,14 @@
           <a:effectLst/>
           <a:extLst>
             <a:ext uri="{909E8E84-426E-40dd-AFC4-6F175D3DCCD1}">
-              <a14:hiddenFill xmlns:a14="http://schemas.microsoft.com/office/drawing/2010/main" xmlns="">
+              <a14:hiddenFill xmlns="" xmlns:a14="http://schemas.microsoft.com/office/drawing/2010/main">
                 <a:solidFill>
                   <a:srgbClr val="FFFFFF"/>
                 </a:solidFill>
               </a14:hiddenFill>
             </a:ext>
             <a:ext uri="{91240B29-F687-4f45-9708-019B960494DF}">
-              <a14:hiddenLine xmlns:a14="http://schemas.microsoft.com/office/drawing/2010/main" xmlns="" w="9525" cap="flat">
+              <a14:hiddenLine xmlns="" xmlns:a14="http://schemas.microsoft.com/office/drawing/2010/main" w="9525" cap="flat">
                 <a:solidFill>
                   <a:srgbClr val="000000"/>
                 </a:solidFill>
@@ -25977,7 +25977,7 @@
               </a14:hiddenLine>
             </a:ext>
             <a:ext uri="{AF507438-7753-43e0-B8FC-AC1667EBCBE1}">
-              <a14:hiddenEffects xmlns:a14="http://schemas.microsoft.com/office/drawing/2010/main" xmlns="">
+              <a14:hiddenEffects xmlns="" xmlns:a14="http://schemas.microsoft.com/office/drawing/2010/main">
                 <a:effectLst>
                   <a:outerShdw blurRad="63500" dist="38099" dir="2700000" algn="ctr" rotWithShape="0">
                     <a:srgbClr val="000000">
@@ -26213,7 +26213,7 @@
           <a:effectLst/>
           <a:extLst>
             <a:ext uri="{AF507438-7753-43e0-B8FC-AC1667EBCBE1}">
-              <a14:hiddenEffects xmlns:a14="http://schemas.microsoft.com/office/drawing/2010/main" xmlns="">
+              <a14:hiddenEffects xmlns="" xmlns:a14="http://schemas.microsoft.com/office/drawing/2010/main">
                 <a:effectLst>
                   <a:outerShdw blurRad="63500" dist="38099" dir="2700000" algn="ctr" rotWithShape="0">
                     <a:srgbClr val="000000">
@@ -26261,12 +26261,12 @@
           <a:effectLst/>
           <a:extLst>
             <a:ext uri="{909E8E84-426E-40dd-AFC4-6F175D3DCCD1}">
-              <a14:hiddenFill xmlns:a14="http://schemas.microsoft.com/office/drawing/2010/main" xmlns="">
+              <a14:hiddenFill xmlns="" xmlns:a14="http://schemas.microsoft.com/office/drawing/2010/main">
                 <a:noFill/>
               </a14:hiddenFill>
             </a:ext>
             <a:ext uri="{AF507438-7753-43e0-B8FC-AC1667EBCBE1}">
-              <a14:hiddenEffects xmlns:a14="http://schemas.microsoft.com/office/drawing/2010/main" xmlns="">
+              <a14:hiddenEffects xmlns="" xmlns:a14="http://schemas.microsoft.com/office/drawing/2010/main">
                 <a:effectLst>
                   <a:outerShdw blurRad="63500" dist="38099" dir="2700000" algn="ctr" rotWithShape="0">
                     <a:srgbClr val="000000">
@@ -26318,7 +26318,7 @@
           <a:effectLst/>
           <a:extLst>
             <a:ext uri="{AF507438-7753-43e0-B8FC-AC1667EBCBE1}">
-              <a14:hiddenEffects xmlns:a14="http://schemas.microsoft.com/office/drawing/2010/main" xmlns="">
+              <a14:hiddenEffects xmlns="" xmlns:a14="http://schemas.microsoft.com/office/drawing/2010/main">
                 <a:effectLst>
                   <a:outerShdw blurRad="63500" dist="38099" dir="2700000" algn="ctr" rotWithShape="0">
                     <a:srgbClr val="000000">
@@ -26366,12 +26366,12 @@
           <a:effectLst/>
           <a:extLst>
             <a:ext uri="{909E8E84-426E-40dd-AFC4-6F175D3DCCD1}">
-              <a14:hiddenFill xmlns:a14="http://schemas.microsoft.com/office/drawing/2010/main" xmlns="">
+              <a14:hiddenFill xmlns="" xmlns:a14="http://schemas.microsoft.com/office/drawing/2010/main">
                 <a:noFill/>
               </a14:hiddenFill>
             </a:ext>
             <a:ext uri="{AF507438-7753-43e0-B8FC-AC1667EBCBE1}">
-              <a14:hiddenEffects xmlns:a14="http://schemas.microsoft.com/office/drawing/2010/main" xmlns="">
+              <a14:hiddenEffects xmlns="" xmlns:a14="http://schemas.microsoft.com/office/drawing/2010/main">
                 <a:effectLst>
                   <a:outerShdw blurRad="63500" dist="38099" dir="2700000" algn="ctr" rotWithShape="0">
                     <a:srgbClr val="000000">
@@ -26423,7 +26423,7 @@
           <a:effectLst/>
           <a:extLst>
             <a:ext uri="{AF507438-7753-43e0-B8FC-AC1667EBCBE1}">
-              <a14:hiddenEffects xmlns:a14="http://schemas.microsoft.com/office/drawing/2010/main" xmlns="">
+              <a14:hiddenEffects xmlns="" xmlns:a14="http://schemas.microsoft.com/office/drawing/2010/main">
                 <a:effectLst>
                   <a:outerShdw blurRad="63500" dist="38099" dir="2700000" algn="ctr" rotWithShape="0">
                     <a:srgbClr val="000000">
@@ -26466,14 +26466,14 @@
           <a:effectLst/>
           <a:extLst>
             <a:ext uri="{909E8E84-426E-40dd-AFC4-6F175D3DCCD1}">
-              <a14:hiddenFill xmlns:a14="http://schemas.microsoft.com/office/drawing/2010/main" xmlns="">
+              <a14:hiddenFill xmlns="" xmlns:a14="http://schemas.microsoft.com/office/drawing/2010/main">
                 <a:solidFill>
                   <a:srgbClr val="FFFFFF"/>
                 </a:solidFill>
               </a14:hiddenFill>
             </a:ext>
             <a:ext uri="{91240B29-F687-4f45-9708-019B960494DF}">
-              <a14:hiddenLine xmlns:a14="http://schemas.microsoft.com/office/drawing/2010/main" xmlns="" w="9525" cap="flat">
+              <a14:hiddenLine xmlns="" xmlns:a14="http://schemas.microsoft.com/office/drawing/2010/main" w="9525" cap="flat">
                 <a:solidFill>
                   <a:srgbClr val="000000"/>
                 </a:solidFill>
@@ -26483,7 +26483,7 @@
               </a14:hiddenLine>
             </a:ext>
             <a:ext uri="{AF507438-7753-43e0-B8FC-AC1667EBCBE1}">
-              <a14:hiddenEffects xmlns:a14="http://schemas.microsoft.com/office/drawing/2010/main" xmlns="">
+              <a14:hiddenEffects xmlns="" xmlns:a14="http://schemas.microsoft.com/office/drawing/2010/main">
                 <a:effectLst>
                   <a:outerShdw blurRad="63500" dist="38099" dir="2700000" algn="ctr" rotWithShape="0">
                     <a:srgbClr val="000000">
@@ -26717,12 +26717,12 @@
           <a:effectLst/>
           <a:extLst>
             <a:ext uri="{909E8E84-426E-40dd-AFC4-6F175D3DCCD1}">
-              <a14:hiddenFill xmlns:a14="http://schemas.microsoft.com/office/drawing/2010/main" xmlns="">
+              <a14:hiddenFill xmlns="" xmlns:a14="http://schemas.microsoft.com/office/drawing/2010/main">
                 <a:noFill/>
               </a14:hiddenFill>
             </a:ext>
             <a:ext uri="{AF507438-7753-43e0-B8FC-AC1667EBCBE1}">
-              <a14:hiddenEffects xmlns:a14="http://schemas.microsoft.com/office/drawing/2010/main" xmlns="">
+              <a14:hiddenEffects xmlns="" xmlns:a14="http://schemas.microsoft.com/office/drawing/2010/main">
                 <a:effectLst>
                   <a:outerShdw blurRad="63500" dist="38099" dir="2700000" algn="ctr" rotWithShape="0">
                     <a:srgbClr val="000000">
@@ -26772,7 +26772,7 @@
           <a:effectLst/>
           <a:extLst>
             <a:ext uri="{AF507438-7753-43e0-B8FC-AC1667EBCBE1}">
-              <a14:hiddenEffects xmlns:a14="http://schemas.microsoft.com/office/drawing/2010/main" xmlns="">
+              <a14:hiddenEffects xmlns="" xmlns:a14="http://schemas.microsoft.com/office/drawing/2010/main">
                 <a:effectLst>
                   <a:outerShdw blurRad="63500" dist="38099" dir="2700000" algn="ctr" rotWithShape="0">
                     <a:srgbClr val="000000">
@@ -26822,7 +26822,7 @@
           <a:effectLst/>
           <a:extLst>
             <a:ext uri="{AF507438-7753-43e0-B8FC-AC1667EBCBE1}">
-              <a14:hiddenEffects xmlns:a14="http://schemas.microsoft.com/office/drawing/2010/main" xmlns="">
+              <a14:hiddenEffects xmlns="" xmlns:a14="http://schemas.microsoft.com/office/drawing/2010/main">
                 <a:effectLst>
                   <a:outerShdw blurRad="63500" dist="38099" dir="2700000" algn="ctr" rotWithShape="0">
                     <a:srgbClr val="000000">
@@ -26872,7 +26872,7 @@
           <a:effectLst/>
           <a:extLst>
             <a:ext uri="{AF507438-7753-43e0-B8FC-AC1667EBCBE1}">
-              <a14:hiddenEffects xmlns:a14="http://schemas.microsoft.com/office/drawing/2010/main" xmlns="">
+              <a14:hiddenEffects xmlns="" xmlns:a14="http://schemas.microsoft.com/office/drawing/2010/main">
                 <a:effectLst>
                   <a:outerShdw blurRad="63500" dist="38099" dir="2700000" algn="ctr" rotWithShape="0">
                     <a:srgbClr val="000000">
@@ -26915,14 +26915,14 @@
           <a:effectLst/>
           <a:extLst>
             <a:ext uri="{909E8E84-426E-40dd-AFC4-6F175D3DCCD1}">
-              <a14:hiddenFill xmlns:a14="http://schemas.microsoft.com/office/drawing/2010/main" xmlns="">
+              <a14:hiddenFill xmlns="" xmlns:a14="http://schemas.microsoft.com/office/drawing/2010/main">
                 <a:solidFill>
                   <a:srgbClr val="FFFFFF"/>
                 </a:solidFill>
               </a14:hiddenFill>
             </a:ext>
             <a:ext uri="{91240B29-F687-4f45-9708-019B960494DF}">
-              <a14:hiddenLine xmlns:a14="http://schemas.microsoft.com/office/drawing/2010/main" xmlns="" w="9525" cap="flat">
+              <a14:hiddenLine xmlns="" xmlns:a14="http://schemas.microsoft.com/office/drawing/2010/main" w="9525" cap="flat">
                 <a:solidFill>
                   <a:srgbClr val="000000"/>
                 </a:solidFill>
@@ -26932,7 +26932,7 @@
               </a14:hiddenLine>
             </a:ext>
             <a:ext uri="{AF507438-7753-43e0-B8FC-AC1667EBCBE1}">
-              <a14:hiddenEffects xmlns:a14="http://schemas.microsoft.com/office/drawing/2010/main" xmlns="">
+              <a14:hiddenEffects xmlns="" xmlns:a14="http://schemas.microsoft.com/office/drawing/2010/main">
                 <a:effectLst>
                   <a:outerShdw blurRad="63500" dist="38099" dir="2700000" algn="ctr" rotWithShape="0">
                     <a:srgbClr val="000000">
@@ -26982,14 +26982,14 @@
           <a:effectLst/>
           <a:extLst>
             <a:ext uri="{909E8E84-426E-40dd-AFC4-6F175D3DCCD1}">
-              <a14:hiddenFill xmlns:a14="http://schemas.microsoft.com/office/drawing/2010/main" xmlns="">
+              <a14:hiddenFill xmlns="" xmlns:a14="http://schemas.microsoft.com/office/drawing/2010/main">
                 <a:solidFill>
                   <a:srgbClr val="FFFFFF"/>
                 </a:solidFill>
               </a14:hiddenFill>
             </a:ext>
             <a:ext uri="{91240B29-F687-4f45-9708-019B960494DF}">
-              <a14:hiddenLine xmlns:a14="http://schemas.microsoft.com/office/drawing/2010/main" xmlns="" w="9525" cap="flat">
+              <a14:hiddenLine xmlns="" xmlns:a14="http://schemas.microsoft.com/office/drawing/2010/main" w="9525" cap="flat">
                 <a:solidFill>
                   <a:srgbClr val="000000"/>
                 </a:solidFill>
@@ -26999,7 +26999,7 @@
               </a14:hiddenLine>
             </a:ext>
             <a:ext uri="{AF507438-7753-43e0-B8FC-AC1667EBCBE1}">
-              <a14:hiddenEffects xmlns:a14="http://schemas.microsoft.com/office/drawing/2010/main" xmlns="">
+              <a14:hiddenEffects xmlns="" xmlns:a14="http://schemas.microsoft.com/office/drawing/2010/main">
                 <a:effectLst>
                   <a:outerShdw blurRad="63500" dist="38099" dir="2700000" algn="ctr" rotWithShape="0">
                     <a:srgbClr val="000000">
@@ -27056,7 +27056,7 @@
           <a:effectLst/>
           <a:extLst>
             <a:ext uri="{AF507438-7753-43e0-B8FC-AC1667EBCBE1}">
-              <a14:hiddenEffects xmlns:a14="http://schemas.microsoft.com/office/drawing/2010/main" xmlns="">
+              <a14:hiddenEffects xmlns="" xmlns:a14="http://schemas.microsoft.com/office/drawing/2010/main">
                 <a:effectLst>
                   <a:outerShdw blurRad="63500" dist="38099" dir="2700000" algn="ctr" rotWithShape="0">
                     <a:srgbClr val="000000">
@@ -27099,14 +27099,14 @@
           <a:effectLst/>
           <a:extLst>
             <a:ext uri="{909E8E84-426E-40dd-AFC4-6F175D3DCCD1}">
-              <a14:hiddenFill xmlns:a14="http://schemas.microsoft.com/office/drawing/2010/main" xmlns="">
+              <a14:hiddenFill xmlns="" xmlns:a14="http://schemas.microsoft.com/office/drawing/2010/main">
                 <a:solidFill>
                   <a:srgbClr val="FFFFFF"/>
                 </a:solidFill>
               </a14:hiddenFill>
             </a:ext>
             <a:ext uri="{91240B29-F687-4f45-9708-019B960494DF}">
-              <a14:hiddenLine xmlns:a14="http://schemas.microsoft.com/office/drawing/2010/main" xmlns="" w="9525" cap="flat">
+              <a14:hiddenLine xmlns="" xmlns:a14="http://schemas.microsoft.com/office/drawing/2010/main" w="9525" cap="flat">
                 <a:solidFill>
                   <a:srgbClr val="000000"/>
                 </a:solidFill>
@@ -27116,7 +27116,7 @@
               </a14:hiddenLine>
             </a:ext>
             <a:ext uri="{AF507438-7753-43e0-B8FC-AC1667EBCBE1}">
-              <a14:hiddenEffects xmlns:a14="http://schemas.microsoft.com/office/drawing/2010/main" xmlns="">
+              <a14:hiddenEffects xmlns="" xmlns:a14="http://schemas.microsoft.com/office/drawing/2010/main">
                 <a:effectLst>
                   <a:outerShdw blurRad="63500" dist="38099" dir="2700000" algn="ctr" rotWithShape="0">
                     <a:srgbClr val="000000">
@@ -27166,14 +27166,14 @@
           <a:effectLst/>
           <a:extLst>
             <a:ext uri="{909E8E84-426E-40dd-AFC4-6F175D3DCCD1}">
-              <a14:hiddenFill xmlns:a14="http://schemas.microsoft.com/office/drawing/2010/main" xmlns="">
+              <a14:hiddenFill xmlns="" xmlns:a14="http://schemas.microsoft.com/office/drawing/2010/main">
                 <a:solidFill>
                   <a:srgbClr val="FFFFFF"/>
                 </a:solidFill>
               </a14:hiddenFill>
             </a:ext>
             <a:ext uri="{91240B29-F687-4f45-9708-019B960494DF}">
-              <a14:hiddenLine xmlns:a14="http://schemas.microsoft.com/office/drawing/2010/main" xmlns="" w="9525" cap="flat">
+              <a14:hiddenLine xmlns="" xmlns:a14="http://schemas.microsoft.com/office/drawing/2010/main" w="9525" cap="flat">
                 <a:solidFill>
                   <a:srgbClr val="000000"/>
                 </a:solidFill>
@@ -27183,7 +27183,7 @@
               </a14:hiddenLine>
             </a:ext>
             <a:ext uri="{AF507438-7753-43e0-B8FC-AC1667EBCBE1}">
-              <a14:hiddenEffects xmlns:a14="http://schemas.microsoft.com/office/drawing/2010/main" xmlns="">
+              <a14:hiddenEffects xmlns="" xmlns:a14="http://schemas.microsoft.com/office/drawing/2010/main">
                 <a:effectLst>
                   <a:outerShdw blurRad="63500" dist="38099" dir="2700000" algn="ctr" rotWithShape="0">
                     <a:srgbClr val="000000">
@@ -27233,14 +27233,14 @@
           <a:effectLst/>
           <a:extLst>
             <a:ext uri="{909E8E84-426E-40dd-AFC4-6F175D3DCCD1}">
-              <a14:hiddenFill xmlns:a14="http://schemas.microsoft.com/office/drawing/2010/main" xmlns="">
+              <a14:hiddenFill xmlns="" xmlns:a14="http://schemas.microsoft.com/office/drawing/2010/main">
                 <a:solidFill>
                   <a:srgbClr val="FFFFFF"/>
                 </a:solidFill>
               </a14:hiddenFill>
             </a:ext>
             <a:ext uri="{91240B29-F687-4f45-9708-019B960494DF}">
-              <a14:hiddenLine xmlns:a14="http://schemas.microsoft.com/office/drawing/2010/main" xmlns="" w="9525" cap="flat">
+              <a14:hiddenLine xmlns="" xmlns:a14="http://schemas.microsoft.com/office/drawing/2010/main" w="9525" cap="flat">
                 <a:solidFill>
                   <a:srgbClr val="000000"/>
                 </a:solidFill>
@@ -27250,7 +27250,7 @@
               </a14:hiddenLine>
             </a:ext>
             <a:ext uri="{AF507438-7753-43e0-B8FC-AC1667EBCBE1}">
-              <a14:hiddenEffects xmlns:a14="http://schemas.microsoft.com/office/drawing/2010/main" xmlns="">
+              <a14:hiddenEffects xmlns="" xmlns:a14="http://schemas.microsoft.com/office/drawing/2010/main">
                 <a:effectLst>
                   <a:outerShdw blurRad="63500" dist="38099" dir="2700000" algn="ctr" rotWithShape="0">
                     <a:srgbClr val="000000">
@@ -27300,14 +27300,14 @@
           <a:effectLst/>
           <a:extLst>
             <a:ext uri="{909E8E84-426E-40dd-AFC4-6F175D3DCCD1}">
-              <a14:hiddenFill xmlns:a14="http://schemas.microsoft.com/office/drawing/2010/main" xmlns="">
+              <a14:hiddenFill xmlns="" xmlns:a14="http://schemas.microsoft.com/office/drawing/2010/main">
                 <a:solidFill>
                   <a:srgbClr val="FFFFFF"/>
                 </a:solidFill>
               </a14:hiddenFill>
             </a:ext>
             <a:ext uri="{91240B29-F687-4f45-9708-019B960494DF}">
-              <a14:hiddenLine xmlns:a14="http://schemas.microsoft.com/office/drawing/2010/main" xmlns="" w="9525" cap="flat">
+              <a14:hiddenLine xmlns="" xmlns:a14="http://schemas.microsoft.com/office/drawing/2010/main" w="9525" cap="flat">
                 <a:solidFill>
                   <a:srgbClr val="000000"/>
                 </a:solidFill>
@@ -27317,7 +27317,7 @@
               </a14:hiddenLine>
             </a:ext>
             <a:ext uri="{AF507438-7753-43e0-B8FC-AC1667EBCBE1}">
-              <a14:hiddenEffects xmlns:a14="http://schemas.microsoft.com/office/drawing/2010/main" xmlns="">
+              <a14:hiddenEffects xmlns="" xmlns:a14="http://schemas.microsoft.com/office/drawing/2010/main">
                 <a:effectLst>
                   <a:outerShdw blurRad="63500" dist="38099" dir="2700000" algn="ctr" rotWithShape="0">
                     <a:srgbClr val="000000">
@@ -27367,14 +27367,14 @@
           <a:effectLst/>
           <a:extLst>
             <a:ext uri="{909E8E84-426E-40dd-AFC4-6F175D3DCCD1}">
-              <a14:hiddenFill xmlns:a14="http://schemas.microsoft.com/office/drawing/2010/main" xmlns="">
+              <a14:hiddenFill xmlns="" xmlns:a14="http://schemas.microsoft.com/office/drawing/2010/main">
                 <a:solidFill>
                   <a:srgbClr val="FFFFFF"/>
                 </a:solidFill>
               </a14:hiddenFill>
             </a:ext>
             <a:ext uri="{91240B29-F687-4f45-9708-019B960494DF}">
-              <a14:hiddenLine xmlns:a14="http://schemas.microsoft.com/office/drawing/2010/main" xmlns="" w="9525" cap="flat">
+              <a14:hiddenLine xmlns="" xmlns:a14="http://schemas.microsoft.com/office/drawing/2010/main" w="9525" cap="flat">
                 <a:solidFill>
                   <a:srgbClr val="000000"/>
                 </a:solidFill>
@@ -27384,7 +27384,7 @@
               </a14:hiddenLine>
             </a:ext>
             <a:ext uri="{AF507438-7753-43e0-B8FC-AC1667EBCBE1}">
-              <a14:hiddenEffects xmlns:a14="http://schemas.microsoft.com/office/drawing/2010/main" xmlns="">
+              <a14:hiddenEffects xmlns="" xmlns:a14="http://schemas.microsoft.com/office/drawing/2010/main">
                 <a:effectLst>
                   <a:outerShdw blurRad="63500" dist="38099" dir="2700000" algn="ctr" rotWithShape="0">
                     <a:srgbClr val="000000">
@@ -27434,14 +27434,14 @@
           <a:effectLst/>
           <a:extLst>
             <a:ext uri="{909E8E84-426E-40dd-AFC4-6F175D3DCCD1}">
-              <a14:hiddenFill xmlns:a14="http://schemas.microsoft.com/office/drawing/2010/main" xmlns="">
+              <a14:hiddenFill xmlns="" xmlns:a14="http://schemas.microsoft.com/office/drawing/2010/main">
                 <a:solidFill>
                   <a:srgbClr val="FFFFFF"/>
                 </a:solidFill>
               </a14:hiddenFill>
             </a:ext>
             <a:ext uri="{91240B29-F687-4f45-9708-019B960494DF}">
-              <a14:hiddenLine xmlns:a14="http://schemas.microsoft.com/office/drawing/2010/main" xmlns="" w="9525" cap="flat">
+              <a14:hiddenLine xmlns="" xmlns:a14="http://schemas.microsoft.com/office/drawing/2010/main" w="9525" cap="flat">
                 <a:solidFill>
                   <a:srgbClr val="000000"/>
                 </a:solidFill>
@@ -27451,7 +27451,7 @@
               </a14:hiddenLine>
             </a:ext>
             <a:ext uri="{AF507438-7753-43e0-B8FC-AC1667EBCBE1}">
-              <a14:hiddenEffects xmlns:a14="http://schemas.microsoft.com/office/drawing/2010/main" xmlns="">
+              <a14:hiddenEffects xmlns="" xmlns:a14="http://schemas.microsoft.com/office/drawing/2010/main">
                 <a:effectLst>
                   <a:outerShdw blurRad="63500" dist="38099" dir="2700000" algn="ctr" rotWithShape="0">
                     <a:srgbClr val="000000">
@@ -27501,14 +27501,14 @@
           <a:effectLst/>
           <a:extLst>
             <a:ext uri="{909E8E84-426E-40dd-AFC4-6F175D3DCCD1}">
-              <a14:hiddenFill xmlns:a14="http://schemas.microsoft.com/office/drawing/2010/main" xmlns="">
+              <a14:hiddenFill xmlns="" xmlns:a14="http://schemas.microsoft.com/office/drawing/2010/main">
                 <a:solidFill>
                   <a:srgbClr val="FFFFFF"/>
                 </a:solidFill>
               </a14:hiddenFill>
             </a:ext>
             <a:ext uri="{91240B29-F687-4f45-9708-019B960494DF}">
-              <a14:hiddenLine xmlns:a14="http://schemas.microsoft.com/office/drawing/2010/main" xmlns="" w="9525" cap="flat">
+              <a14:hiddenLine xmlns="" xmlns:a14="http://schemas.microsoft.com/office/drawing/2010/main" w="9525" cap="flat">
                 <a:solidFill>
                   <a:srgbClr val="000000"/>
                 </a:solidFill>
@@ -27518,7 +27518,7 @@
               </a14:hiddenLine>
             </a:ext>
             <a:ext uri="{AF507438-7753-43e0-B8FC-AC1667EBCBE1}">
-              <a14:hiddenEffects xmlns:a14="http://schemas.microsoft.com/office/drawing/2010/main" xmlns="">
+              <a14:hiddenEffects xmlns="" xmlns:a14="http://schemas.microsoft.com/office/drawing/2010/main">
                 <a:effectLst>
                   <a:outerShdw blurRad="63500" dist="38099" dir="2700000" algn="ctr" rotWithShape="0">
                     <a:srgbClr val="000000">
@@ -27575,7 +27575,7 @@
           <a:effectLst/>
           <a:extLst>
             <a:ext uri="{AF507438-7753-43e0-B8FC-AC1667EBCBE1}">
-              <a14:hiddenEffects xmlns:a14="http://schemas.microsoft.com/office/drawing/2010/main" xmlns="">
+              <a14:hiddenEffects xmlns="" xmlns:a14="http://schemas.microsoft.com/office/drawing/2010/main">
                 <a:effectLst>
                   <a:outerShdw blurRad="63500" dist="38099" dir="2700000" algn="ctr" rotWithShape="0">
                     <a:srgbClr val="000000">
@@ -27618,14 +27618,14 @@
           <a:effectLst/>
           <a:extLst>
             <a:ext uri="{909E8E84-426E-40dd-AFC4-6F175D3DCCD1}">
-              <a14:hiddenFill xmlns:a14="http://schemas.microsoft.com/office/drawing/2010/main" xmlns="">
+              <a14:hiddenFill xmlns="" xmlns:a14="http://schemas.microsoft.com/office/drawing/2010/main">
                 <a:solidFill>
                   <a:srgbClr val="FFFFFF"/>
                 </a:solidFill>
               </a14:hiddenFill>
             </a:ext>
             <a:ext uri="{91240B29-F687-4f45-9708-019B960494DF}">
-              <a14:hiddenLine xmlns:a14="http://schemas.microsoft.com/office/drawing/2010/main" xmlns="" w="9525" cap="flat">
+              <a14:hiddenLine xmlns="" xmlns:a14="http://schemas.microsoft.com/office/drawing/2010/main" w="9525" cap="flat">
                 <a:solidFill>
                   <a:srgbClr val="000000"/>
                 </a:solidFill>
@@ -27635,7 +27635,7 @@
               </a14:hiddenLine>
             </a:ext>
             <a:ext uri="{AF507438-7753-43e0-B8FC-AC1667EBCBE1}">
-              <a14:hiddenEffects xmlns:a14="http://schemas.microsoft.com/office/drawing/2010/main" xmlns="">
+              <a14:hiddenEffects xmlns="" xmlns:a14="http://schemas.microsoft.com/office/drawing/2010/main">
                 <a:effectLst>
                   <a:outerShdw blurRad="63500" dist="38099" dir="2700000" algn="ctr" rotWithShape="0">
                     <a:srgbClr val="000000">
@@ -27692,7 +27692,7 @@
           <a:effectLst/>
           <a:extLst>
             <a:ext uri="{AF507438-7753-43e0-B8FC-AC1667EBCBE1}">
-              <a14:hiddenEffects xmlns:a14="http://schemas.microsoft.com/office/drawing/2010/main" xmlns="">
+              <a14:hiddenEffects xmlns="" xmlns:a14="http://schemas.microsoft.com/office/drawing/2010/main">
                 <a:effectLst>
                   <a:outerShdw blurRad="63500" dist="38099" dir="2700000" algn="ctr" rotWithShape="0">
                     <a:srgbClr val="000000">
@@ -27742,7 +27742,7 @@
           <a:effectLst/>
           <a:extLst>
             <a:ext uri="{AF507438-7753-43e0-B8FC-AC1667EBCBE1}">
-              <a14:hiddenEffects xmlns:a14="http://schemas.microsoft.com/office/drawing/2010/main" xmlns="">
+              <a14:hiddenEffects xmlns="" xmlns:a14="http://schemas.microsoft.com/office/drawing/2010/main">
                 <a:effectLst>
                   <a:outerShdw blurRad="63500" dist="38099" dir="2700000" algn="ctr" rotWithShape="0">
                     <a:srgbClr val="000000">
@@ -27785,14 +27785,14 @@
           <a:effectLst/>
           <a:extLst>
             <a:ext uri="{909E8E84-426E-40dd-AFC4-6F175D3DCCD1}">
-              <a14:hiddenFill xmlns:a14="http://schemas.microsoft.com/office/drawing/2010/main" xmlns="">
+              <a14:hiddenFill xmlns="" xmlns:a14="http://schemas.microsoft.com/office/drawing/2010/main">
                 <a:solidFill>
                   <a:srgbClr val="FFFFFF"/>
                 </a:solidFill>
               </a14:hiddenFill>
             </a:ext>
             <a:ext uri="{91240B29-F687-4f45-9708-019B960494DF}">
-              <a14:hiddenLine xmlns:a14="http://schemas.microsoft.com/office/drawing/2010/main" xmlns="" w="9525" cap="flat">
+              <a14:hiddenLine xmlns="" xmlns:a14="http://schemas.microsoft.com/office/drawing/2010/main" w="9525" cap="flat">
                 <a:solidFill>
                   <a:srgbClr val="000000"/>
                 </a:solidFill>
@@ -27802,7 +27802,7 @@
               </a14:hiddenLine>
             </a:ext>
             <a:ext uri="{AF507438-7753-43e0-B8FC-AC1667EBCBE1}">
-              <a14:hiddenEffects xmlns:a14="http://schemas.microsoft.com/office/drawing/2010/main" xmlns="">
+              <a14:hiddenEffects xmlns="" xmlns:a14="http://schemas.microsoft.com/office/drawing/2010/main">
                 <a:effectLst>
                   <a:outerShdw blurRad="63500" dist="38099" dir="2700000" algn="ctr" rotWithShape="0">
                     <a:srgbClr val="000000">
@@ -27859,7 +27859,7 @@
           <a:effectLst/>
           <a:extLst>
             <a:ext uri="{AF507438-7753-43e0-B8FC-AC1667EBCBE1}">
-              <a14:hiddenEffects xmlns:a14="http://schemas.microsoft.com/office/drawing/2010/main" xmlns="">
+              <a14:hiddenEffects xmlns="" xmlns:a14="http://schemas.microsoft.com/office/drawing/2010/main">
                 <a:effectLst>
                   <a:outerShdw blurRad="63500" dist="38099" dir="2700000" algn="ctr" rotWithShape="0">
                     <a:srgbClr val="000000">
@@ -27909,7 +27909,7 @@
           <a:effectLst/>
           <a:extLst>
             <a:ext uri="{AF507438-7753-43e0-B8FC-AC1667EBCBE1}">
-              <a14:hiddenEffects xmlns:a14="http://schemas.microsoft.com/office/drawing/2010/main" xmlns="">
+              <a14:hiddenEffects xmlns="" xmlns:a14="http://schemas.microsoft.com/office/drawing/2010/main">
                 <a:effectLst>
                   <a:outerShdw blurRad="63500" dist="38099" dir="2700000" algn="ctr" rotWithShape="0">
                     <a:srgbClr val="000000">
@@ -27952,14 +27952,14 @@
           <a:effectLst/>
           <a:extLst>
             <a:ext uri="{909E8E84-426E-40dd-AFC4-6F175D3DCCD1}">
-              <a14:hiddenFill xmlns:a14="http://schemas.microsoft.com/office/drawing/2010/main" xmlns="">
+              <a14:hiddenFill xmlns="" xmlns:a14="http://schemas.microsoft.com/office/drawing/2010/main">
                 <a:solidFill>
                   <a:srgbClr val="FFFFFF"/>
                 </a:solidFill>
               </a14:hiddenFill>
             </a:ext>
             <a:ext uri="{91240B29-F687-4f45-9708-019B960494DF}">
-              <a14:hiddenLine xmlns:a14="http://schemas.microsoft.com/office/drawing/2010/main" xmlns="" w="9525" cap="flat">
+              <a14:hiddenLine xmlns="" xmlns:a14="http://schemas.microsoft.com/office/drawing/2010/main" w="9525" cap="flat">
                 <a:solidFill>
                   <a:srgbClr val="000000"/>
                 </a:solidFill>
@@ -27969,7 +27969,7 @@
               </a14:hiddenLine>
             </a:ext>
             <a:ext uri="{AF507438-7753-43e0-B8FC-AC1667EBCBE1}">
-              <a14:hiddenEffects xmlns:a14="http://schemas.microsoft.com/office/drawing/2010/main" xmlns="">
+              <a14:hiddenEffects xmlns="" xmlns:a14="http://schemas.microsoft.com/office/drawing/2010/main">
                 <a:effectLst>
                   <a:outerShdw blurRad="63500" dist="38099" dir="2700000" algn="ctr" rotWithShape="0">
                     <a:srgbClr val="000000">
@@ -28026,7 +28026,7 @@
           <a:effectLst/>
           <a:extLst>
             <a:ext uri="{AF507438-7753-43e0-B8FC-AC1667EBCBE1}">
-              <a14:hiddenEffects xmlns:a14="http://schemas.microsoft.com/office/drawing/2010/main" xmlns="">
+              <a14:hiddenEffects xmlns="" xmlns:a14="http://schemas.microsoft.com/office/drawing/2010/main">
                 <a:effectLst>
                   <a:outerShdw blurRad="63500" dist="38099" dir="2700000" algn="ctr" rotWithShape="0">
                     <a:srgbClr val="000000">
@@ -28069,14 +28069,14 @@
           <a:effectLst/>
           <a:extLst>
             <a:ext uri="{909E8E84-426E-40dd-AFC4-6F175D3DCCD1}">
-              <a14:hiddenFill xmlns:a14="http://schemas.microsoft.com/office/drawing/2010/main" xmlns="">
+              <a14:hiddenFill xmlns="" xmlns:a14="http://schemas.microsoft.com/office/drawing/2010/main">
                 <a:solidFill>
                   <a:srgbClr val="FFFFFF"/>
                 </a:solidFill>
               </a14:hiddenFill>
             </a:ext>
             <a:ext uri="{91240B29-F687-4f45-9708-019B960494DF}">
-              <a14:hiddenLine xmlns:a14="http://schemas.microsoft.com/office/drawing/2010/main" xmlns="" w="9525" cap="flat">
+              <a14:hiddenLine xmlns="" xmlns:a14="http://schemas.microsoft.com/office/drawing/2010/main" w="9525" cap="flat">
                 <a:solidFill>
                   <a:srgbClr val="000000"/>
                 </a:solidFill>
@@ -28086,7 +28086,7 @@
               </a14:hiddenLine>
             </a:ext>
             <a:ext uri="{AF507438-7753-43e0-B8FC-AC1667EBCBE1}">
-              <a14:hiddenEffects xmlns:a14="http://schemas.microsoft.com/office/drawing/2010/main" xmlns="">
+              <a14:hiddenEffects xmlns="" xmlns:a14="http://schemas.microsoft.com/office/drawing/2010/main">
                 <a:effectLst>
                   <a:outerShdw blurRad="63500" dist="38099" dir="2700000" algn="ctr" rotWithShape="0">
                     <a:srgbClr val="000000">
@@ -28306,14 +28306,14 @@
           <a:effectLst/>
           <a:extLst>
             <a:ext uri="{909E8E84-426E-40dd-AFC4-6F175D3DCCD1}">
-              <a14:hiddenFill xmlns:a14="http://schemas.microsoft.com/office/drawing/2010/main" xmlns="">
+              <a14:hiddenFill xmlns="" xmlns:a14="http://schemas.microsoft.com/office/drawing/2010/main">
                 <a:solidFill>
                   <a:srgbClr val="FFFFFF"/>
                 </a:solidFill>
               </a14:hiddenFill>
             </a:ext>
             <a:ext uri="{91240B29-F687-4f45-9708-019B960494DF}">
-              <a14:hiddenLine xmlns:a14="http://schemas.microsoft.com/office/drawing/2010/main" xmlns="" w="9525" cap="flat">
+              <a14:hiddenLine xmlns="" xmlns:a14="http://schemas.microsoft.com/office/drawing/2010/main" w="9525" cap="flat">
                 <a:solidFill>
                   <a:srgbClr val="000000"/>
                 </a:solidFill>
@@ -28323,7 +28323,7 @@
               </a14:hiddenLine>
             </a:ext>
             <a:ext uri="{AF507438-7753-43e0-B8FC-AC1667EBCBE1}">
-              <a14:hiddenEffects xmlns:a14="http://schemas.microsoft.com/office/drawing/2010/main" xmlns="">
+              <a14:hiddenEffects xmlns="" xmlns:a14="http://schemas.microsoft.com/office/drawing/2010/main">
                 <a:effectLst>
                   <a:outerShdw blurRad="63500" dist="38099" dir="2700000" algn="ctr" rotWithShape="0">
                     <a:srgbClr val="000000">
@@ -28561,14 +28561,14 @@
           <a:effectLst/>
           <a:extLst>
             <a:ext uri="{909E8E84-426E-40dd-AFC4-6F175D3DCCD1}">
-              <a14:hiddenFill xmlns:a14="http://schemas.microsoft.com/office/drawing/2010/main" xmlns="">
+              <a14:hiddenFill xmlns="" xmlns:a14="http://schemas.microsoft.com/office/drawing/2010/main">
                 <a:solidFill>
                   <a:srgbClr val="FFFFFF"/>
                 </a:solidFill>
               </a14:hiddenFill>
             </a:ext>
             <a:ext uri="{91240B29-F687-4f45-9708-019B960494DF}">
-              <a14:hiddenLine xmlns:a14="http://schemas.microsoft.com/office/drawing/2010/main" xmlns="" w="9525" cap="flat">
+              <a14:hiddenLine xmlns="" xmlns:a14="http://schemas.microsoft.com/office/drawing/2010/main" w="9525" cap="flat">
                 <a:solidFill>
                   <a:srgbClr val="808080"/>
                 </a:solidFill>
@@ -28578,7 +28578,7 @@
               </a14:hiddenLine>
             </a:ext>
             <a:ext uri="{AF507438-7753-43e0-B8FC-AC1667EBCBE1}">
-              <a14:hiddenEffects xmlns:a14="http://schemas.microsoft.com/office/drawing/2010/main" xmlns="">
+              <a14:hiddenEffects xmlns="" xmlns:a14="http://schemas.microsoft.com/office/drawing/2010/main">
                 <a:effectLst>
                   <a:outerShdw blurRad="63500" dist="38099" dir="2700000" algn="ctr" rotWithShape="0">
                     <a:srgbClr val="000000">
@@ -28819,7 +28819,7 @@
           <a:effectLst/>
           <a:extLst>
             <a:ext uri="{AF507438-7753-43e0-B8FC-AC1667EBCBE1}">
-              <a14:hiddenEffects xmlns:a14="http://schemas.microsoft.com/office/drawing/2010/main" xmlns="">
+              <a14:hiddenEffects xmlns="" xmlns:a14="http://schemas.microsoft.com/office/drawing/2010/main">
                 <a:effectLst>
                   <a:outerShdw blurRad="63500" dist="38099" dir="2700000" algn="ctr" rotWithShape="0">
                     <a:srgbClr val="000000">
@@ -28869,7 +28869,7 @@
           <a:effectLst/>
           <a:extLst>
             <a:ext uri="{AF507438-7753-43e0-B8FC-AC1667EBCBE1}">
-              <a14:hiddenEffects xmlns:a14="http://schemas.microsoft.com/office/drawing/2010/main" xmlns="">
+              <a14:hiddenEffects xmlns="" xmlns:a14="http://schemas.microsoft.com/office/drawing/2010/main">
                 <a:effectLst>
                   <a:outerShdw blurRad="63500" dist="38099" dir="2700000" algn="ctr" rotWithShape="0">
                     <a:srgbClr val="000000">
@@ -28919,7 +28919,7 @@
           <a:effectLst/>
           <a:extLst>
             <a:ext uri="{AF507438-7753-43e0-B8FC-AC1667EBCBE1}">
-              <a14:hiddenEffects xmlns:a14="http://schemas.microsoft.com/office/drawing/2010/main" xmlns="">
+              <a14:hiddenEffects xmlns="" xmlns:a14="http://schemas.microsoft.com/office/drawing/2010/main">
                 <a:effectLst>
                   <a:outerShdw blurRad="63500" dist="38099" dir="2700000" algn="ctr" rotWithShape="0">
                     <a:srgbClr val="000000">
@@ -28969,7 +28969,7 @@
           <a:effectLst/>
           <a:extLst>
             <a:ext uri="{AF507438-7753-43e0-B8FC-AC1667EBCBE1}">
-              <a14:hiddenEffects xmlns:a14="http://schemas.microsoft.com/office/drawing/2010/main" xmlns="">
+              <a14:hiddenEffects xmlns="" xmlns:a14="http://schemas.microsoft.com/office/drawing/2010/main">
                 <a:effectLst>
                   <a:outerShdw blurRad="63500" dist="38099" dir="2700000" algn="ctr" rotWithShape="0">
                     <a:srgbClr val="000000">
@@ -29012,14 +29012,14 @@
           <a:effectLst/>
           <a:extLst>
             <a:ext uri="{909E8E84-426E-40dd-AFC4-6F175D3DCCD1}">
-              <a14:hiddenFill xmlns:a14="http://schemas.microsoft.com/office/drawing/2010/main" xmlns="">
+              <a14:hiddenFill xmlns="" xmlns:a14="http://schemas.microsoft.com/office/drawing/2010/main">
                 <a:solidFill>
                   <a:srgbClr val="FFFFFF"/>
                 </a:solidFill>
               </a14:hiddenFill>
             </a:ext>
             <a:ext uri="{91240B29-F687-4f45-9708-019B960494DF}">
-              <a14:hiddenLine xmlns:a14="http://schemas.microsoft.com/office/drawing/2010/main" xmlns="" w="9525" cap="flat">
+              <a14:hiddenLine xmlns="" xmlns:a14="http://schemas.microsoft.com/office/drawing/2010/main" w="9525" cap="flat">
                 <a:solidFill>
                   <a:srgbClr val="000000"/>
                 </a:solidFill>
@@ -29029,7 +29029,7 @@
               </a14:hiddenLine>
             </a:ext>
             <a:ext uri="{AF507438-7753-43e0-B8FC-AC1667EBCBE1}">
-              <a14:hiddenEffects xmlns:a14="http://schemas.microsoft.com/office/drawing/2010/main" xmlns="">
+              <a14:hiddenEffects xmlns="" xmlns:a14="http://schemas.microsoft.com/office/drawing/2010/main">
                 <a:effectLst>
                   <a:outerShdw blurRad="63500" dist="38099" dir="2700000" algn="ctr" rotWithShape="0">
                     <a:srgbClr val="000000">
@@ -29079,14 +29079,14 @@
           <a:effectLst/>
           <a:extLst>
             <a:ext uri="{909E8E84-426E-40dd-AFC4-6F175D3DCCD1}">
-              <a14:hiddenFill xmlns:a14="http://schemas.microsoft.com/office/drawing/2010/main" xmlns="">
+              <a14:hiddenFill xmlns="" xmlns:a14="http://schemas.microsoft.com/office/drawing/2010/main">
                 <a:solidFill>
                   <a:srgbClr val="FFFFFF"/>
                 </a:solidFill>
               </a14:hiddenFill>
             </a:ext>
             <a:ext uri="{91240B29-F687-4f45-9708-019B960494DF}">
-              <a14:hiddenLine xmlns:a14="http://schemas.microsoft.com/office/drawing/2010/main" xmlns="" w="9525" cap="flat">
+              <a14:hiddenLine xmlns="" xmlns:a14="http://schemas.microsoft.com/office/drawing/2010/main" w="9525" cap="flat">
                 <a:solidFill>
                   <a:srgbClr val="000000"/>
                 </a:solidFill>
@@ -29096,7 +29096,7 @@
               </a14:hiddenLine>
             </a:ext>
             <a:ext uri="{AF507438-7753-43e0-B8FC-AC1667EBCBE1}">
-              <a14:hiddenEffects xmlns:a14="http://schemas.microsoft.com/office/drawing/2010/main" xmlns="">
+              <a14:hiddenEffects xmlns="" xmlns:a14="http://schemas.microsoft.com/office/drawing/2010/main">
                 <a:effectLst>
                   <a:outerShdw blurRad="63500" dist="38099" dir="2700000" algn="ctr" rotWithShape="0">
                     <a:srgbClr val="000000">
@@ -29146,14 +29146,14 @@
           <a:effectLst/>
           <a:extLst>
             <a:ext uri="{909E8E84-426E-40dd-AFC4-6F175D3DCCD1}">
-              <a14:hiddenFill xmlns:a14="http://schemas.microsoft.com/office/drawing/2010/main" xmlns="">
+              <a14:hiddenFill xmlns="" xmlns:a14="http://schemas.microsoft.com/office/drawing/2010/main">
                 <a:solidFill>
                   <a:srgbClr val="FFFFFF"/>
                 </a:solidFill>
               </a14:hiddenFill>
             </a:ext>
             <a:ext uri="{91240B29-F687-4f45-9708-019B960494DF}">
-              <a14:hiddenLine xmlns:a14="http://schemas.microsoft.com/office/drawing/2010/main" xmlns="" w="9525" cap="flat">
+              <a14:hiddenLine xmlns="" xmlns:a14="http://schemas.microsoft.com/office/drawing/2010/main" w="9525" cap="flat">
                 <a:solidFill>
                   <a:srgbClr val="000000"/>
                 </a:solidFill>
@@ -29163,7 +29163,7 @@
               </a14:hiddenLine>
             </a:ext>
             <a:ext uri="{AF507438-7753-43e0-B8FC-AC1667EBCBE1}">
-              <a14:hiddenEffects xmlns:a14="http://schemas.microsoft.com/office/drawing/2010/main" xmlns="">
+              <a14:hiddenEffects xmlns="" xmlns:a14="http://schemas.microsoft.com/office/drawing/2010/main">
                 <a:effectLst>
                   <a:outerShdw blurRad="63500" dist="38099" dir="2700000" algn="ctr" rotWithShape="0">
                     <a:srgbClr val="000000">
@@ -29213,14 +29213,14 @@
           <a:effectLst/>
           <a:extLst>
             <a:ext uri="{909E8E84-426E-40dd-AFC4-6F175D3DCCD1}">
-              <a14:hiddenFill xmlns:a14="http://schemas.microsoft.com/office/drawing/2010/main" xmlns="">
+              <a14:hiddenFill xmlns="" xmlns:a14="http://schemas.microsoft.com/office/drawing/2010/main">
                 <a:solidFill>
                   <a:srgbClr val="FFFFFF"/>
                 </a:solidFill>
               </a14:hiddenFill>
             </a:ext>
             <a:ext uri="{91240B29-F687-4f45-9708-019B960494DF}">
-              <a14:hiddenLine xmlns:a14="http://schemas.microsoft.com/office/drawing/2010/main" xmlns="" w="9525" cap="flat">
+              <a14:hiddenLine xmlns="" xmlns:a14="http://schemas.microsoft.com/office/drawing/2010/main" w="9525" cap="flat">
                 <a:solidFill>
                   <a:srgbClr val="000000"/>
                 </a:solidFill>
@@ -29230,7 +29230,7 @@
               </a14:hiddenLine>
             </a:ext>
             <a:ext uri="{AF507438-7753-43e0-B8FC-AC1667EBCBE1}">
-              <a14:hiddenEffects xmlns:a14="http://schemas.microsoft.com/office/drawing/2010/main" xmlns="">
+              <a14:hiddenEffects xmlns="" xmlns:a14="http://schemas.microsoft.com/office/drawing/2010/main">
                 <a:effectLst>
                   <a:outerShdw blurRad="63500" dist="38099" dir="2700000" algn="ctr" rotWithShape="0">
                     <a:srgbClr val="000000">
@@ -29280,14 +29280,14 @@
           <a:effectLst/>
           <a:extLst>
             <a:ext uri="{909E8E84-426E-40dd-AFC4-6F175D3DCCD1}">
-              <a14:hiddenFill xmlns:a14="http://schemas.microsoft.com/office/drawing/2010/main" xmlns="">
+              <a14:hiddenFill xmlns="" xmlns:a14="http://schemas.microsoft.com/office/drawing/2010/main">
                 <a:solidFill>
                   <a:srgbClr val="FFFFFF"/>
                 </a:solidFill>
               </a14:hiddenFill>
             </a:ext>
             <a:ext uri="{91240B29-F687-4f45-9708-019B960494DF}">
-              <a14:hiddenLine xmlns:a14="http://schemas.microsoft.com/office/drawing/2010/main" xmlns="" w="9525" cap="flat">
+              <a14:hiddenLine xmlns="" xmlns:a14="http://schemas.microsoft.com/office/drawing/2010/main" w="9525" cap="flat">
                 <a:solidFill>
                   <a:srgbClr val="000000"/>
                 </a:solidFill>
@@ -29297,7 +29297,7 @@
               </a14:hiddenLine>
             </a:ext>
             <a:ext uri="{AF507438-7753-43e0-B8FC-AC1667EBCBE1}">
-              <a14:hiddenEffects xmlns:a14="http://schemas.microsoft.com/office/drawing/2010/main" xmlns="">
+              <a14:hiddenEffects xmlns="" xmlns:a14="http://schemas.microsoft.com/office/drawing/2010/main">
                 <a:effectLst>
                   <a:outerShdw blurRad="63500" dist="38099" dir="2700000" algn="ctr" rotWithShape="0">
                     <a:srgbClr val="000000">
@@ -29347,14 +29347,14 @@
           <a:effectLst/>
           <a:extLst>
             <a:ext uri="{909E8E84-426E-40dd-AFC4-6F175D3DCCD1}">
-              <a14:hiddenFill xmlns:a14="http://schemas.microsoft.com/office/drawing/2010/main" xmlns="">
+              <a14:hiddenFill xmlns="" xmlns:a14="http://schemas.microsoft.com/office/drawing/2010/main">
                 <a:solidFill>
                   <a:srgbClr val="FFFFFF"/>
                 </a:solidFill>
               </a14:hiddenFill>
             </a:ext>
             <a:ext uri="{91240B29-F687-4f45-9708-019B960494DF}">
-              <a14:hiddenLine xmlns:a14="http://schemas.microsoft.com/office/drawing/2010/main" xmlns="" w="9525" cap="flat">
+              <a14:hiddenLine xmlns="" xmlns:a14="http://schemas.microsoft.com/office/drawing/2010/main" w="9525" cap="flat">
                 <a:solidFill>
                   <a:srgbClr val="000000"/>
                 </a:solidFill>
@@ -29364,7 +29364,7 @@
               </a14:hiddenLine>
             </a:ext>
             <a:ext uri="{AF507438-7753-43e0-B8FC-AC1667EBCBE1}">
-              <a14:hiddenEffects xmlns:a14="http://schemas.microsoft.com/office/drawing/2010/main" xmlns="">
+              <a14:hiddenEffects xmlns="" xmlns:a14="http://schemas.microsoft.com/office/drawing/2010/main">
                 <a:effectLst>
                   <a:outerShdw blurRad="63500" dist="38099" dir="2700000" algn="ctr" rotWithShape="0">
                     <a:srgbClr val="000000">
@@ -29584,14 +29584,14 @@
           <a:effectLst/>
           <a:extLst>
             <a:ext uri="{909E8E84-426E-40dd-AFC4-6F175D3DCCD1}">
-              <a14:hiddenFill xmlns:a14="http://schemas.microsoft.com/office/drawing/2010/main" xmlns="">
+              <a14:hiddenFill xmlns="" xmlns:a14="http://schemas.microsoft.com/office/drawing/2010/main">
                 <a:solidFill>
                   <a:srgbClr val="FFFFFF"/>
                 </a:solidFill>
               </a14:hiddenFill>
             </a:ext>
             <a:ext uri="{91240B29-F687-4f45-9708-019B960494DF}">
-              <a14:hiddenLine xmlns:a14="http://schemas.microsoft.com/office/drawing/2010/main" xmlns="" w="9525" cap="flat">
+              <a14:hiddenLine xmlns="" xmlns:a14="http://schemas.microsoft.com/office/drawing/2010/main" w="9525" cap="flat">
                 <a:solidFill>
                   <a:srgbClr val="000000"/>
                 </a:solidFill>
@@ -29601,7 +29601,7 @@
               </a14:hiddenLine>
             </a:ext>
             <a:ext uri="{AF507438-7753-43e0-B8FC-AC1667EBCBE1}">
-              <a14:hiddenEffects xmlns:a14="http://schemas.microsoft.com/office/drawing/2010/main" xmlns="">
+              <a14:hiddenEffects xmlns="" xmlns:a14="http://schemas.microsoft.com/office/drawing/2010/main">
                 <a:effectLst>
                   <a:outerShdw blurRad="63500" dist="38099" dir="2700000" algn="ctr" rotWithShape="0">
                     <a:srgbClr val="000000">
@@ -29651,14 +29651,14 @@
           <a:effectLst/>
           <a:extLst>
             <a:ext uri="{909E8E84-426E-40dd-AFC4-6F175D3DCCD1}">
-              <a14:hiddenFill xmlns:a14="http://schemas.microsoft.com/office/drawing/2010/main" xmlns="">
+              <a14:hiddenFill xmlns="" xmlns:a14="http://schemas.microsoft.com/office/drawing/2010/main">
                 <a:solidFill>
                   <a:srgbClr val="FFFFFF"/>
                 </a:solidFill>
               </a14:hiddenFill>
             </a:ext>
             <a:ext uri="{91240B29-F687-4f45-9708-019B960494DF}">
-              <a14:hiddenLine xmlns:a14="http://schemas.microsoft.com/office/drawing/2010/main" xmlns="" w="9525" cap="flat">
+              <a14:hiddenLine xmlns="" xmlns:a14="http://schemas.microsoft.com/office/drawing/2010/main" w="9525" cap="flat">
                 <a:solidFill>
                   <a:srgbClr val="000000"/>
                 </a:solidFill>
@@ -29668,7 +29668,7 @@
               </a14:hiddenLine>
             </a:ext>
             <a:ext uri="{AF507438-7753-43e0-B8FC-AC1667EBCBE1}">
-              <a14:hiddenEffects xmlns:a14="http://schemas.microsoft.com/office/drawing/2010/main" xmlns="">
+              <a14:hiddenEffects xmlns="" xmlns:a14="http://schemas.microsoft.com/office/drawing/2010/main">
                 <a:effectLst>
                   <a:outerShdw blurRad="63500" dist="38099" dir="2700000" algn="ctr" rotWithShape="0">
                     <a:srgbClr val="000000">
@@ -29718,14 +29718,14 @@
           <a:effectLst/>
           <a:extLst>
             <a:ext uri="{909E8E84-426E-40dd-AFC4-6F175D3DCCD1}">
-              <a14:hiddenFill xmlns:a14="http://schemas.microsoft.com/office/drawing/2010/main" xmlns="">
+              <a14:hiddenFill xmlns="" xmlns:a14="http://schemas.microsoft.com/office/drawing/2010/main">
                 <a:solidFill>
                   <a:srgbClr val="FFFFFF"/>
                 </a:solidFill>
               </a14:hiddenFill>
             </a:ext>
             <a:ext uri="{91240B29-F687-4f45-9708-019B960494DF}">
-              <a14:hiddenLine xmlns:a14="http://schemas.microsoft.com/office/drawing/2010/main" xmlns="" w="9525" cap="flat">
+              <a14:hiddenLine xmlns="" xmlns:a14="http://schemas.microsoft.com/office/drawing/2010/main" w="9525" cap="flat">
                 <a:solidFill>
                   <a:srgbClr val="000000"/>
                 </a:solidFill>
@@ -29735,7 +29735,7 @@
               </a14:hiddenLine>
             </a:ext>
             <a:ext uri="{AF507438-7753-43e0-B8FC-AC1667EBCBE1}">
-              <a14:hiddenEffects xmlns:a14="http://schemas.microsoft.com/office/drawing/2010/main" xmlns="">
+              <a14:hiddenEffects xmlns="" xmlns:a14="http://schemas.microsoft.com/office/drawing/2010/main">
                 <a:effectLst>
                   <a:outerShdw blurRad="63500" dist="38099" dir="2700000" algn="ctr" rotWithShape="0">
                     <a:srgbClr val="000000">
@@ -29785,14 +29785,14 @@
           <a:effectLst/>
           <a:extLst>
             <a:ext uri="{909E8E84-426E-40dd-AFC4-6F175D3DCCD1}">
-              <a14:hiddenFill xmlns:a14="http://schemas.microsoft.com/office/drawing/2010/main" xmlns="">
+              <a14:hiddenFill xmlns="" xmlns:a14="http://schemas.microsoft.com/office/drawing/2010/main">
                 <a:solidFill>
                   <a:srgbClr val="FFFFFF"/>
                 </a:solidFill>
               </a14:hiddenFill>
             </a:ext>
             <a:ext uri="{91240B29-F687-4f45-9708-019B960494DF}">
-              <a14:hiddenLine xmlns:a14="http://schemas.microsoft.com/office/drawing/2010/main" xmlns="" w="9525" cap="flat">
+              <a14:hiddenLine xmlns="" xmlns:a14="http://schemas.microsoft.com/office/drawing/2010/main" w="9525" cap="flat">
                 <a:solidFill>
                   <a:srgbClr val="000000"/>
                 </a:solidFill>
@@ -29802,7 +29802,7 @@
               </a14:hiddenLine>
             </a:ext>
             <a:ext uri="{AF507438-7753-43e0-B8FC-AC1667EBCBE1}">
-              <a14:hiddenEffects xmlns:a14="http://schemas.microsoft.com/office/drawing/2010/main" xmlns="">
+              <a14:hiddenEffects xmlns="" xmlns:a14="http://schemas.microsoft.com/office/drawing/2010/main">
                 <a:effectLst>
                   <a:outerShdw blurRad="63500" dist="38099" dir="2700000" algn="ctr" rotWithShape="0">
                     <a:srgbClr val="000000">
@@ -29852,14 +29852,14 @@
           <a:effectLst/>
           <a:extLst>
             <a:ext uri="{909E8E84-426E-40dd-AFC4-6F175D3DCCD1}">
-              <a14:hiddenFill xmlns:a14="http://schemas.microsoft.com/office/drawing/2010/main" xmlns="">
+              <a14:hiddenFill xmlns="" xmlns:a14="http://schemas.microsoft.com/office/drawing/2010/main">
                 <a:solidFill>
                   <a:srgbClr val="FFFFFF"/>
                 </a:solidFill>
               </a14:hiddenFill>
             </a:ext>
             <a:ext uri="{91240B29-F687-4f45-9708-019B960494DF}">
-              <a14:hiddenLine xmlns:a14="http://schemas.microsoft.com/office/drawing/2010/main" xmlns="" w="9525" cap="flat">
+              <a14:hiddenLine xmlns="" xmlns:a14="http://schemas.microsoft.com/office/drawing/2010/main" w="9525" cap="flat">
                 <a:solidFill>
                   <a:srgbClr val="000000"/>
                 </a:solidFill>
@@ -29869,7 +29869,7 @@
               </a14:hiddenLine>
             </a:ext>
             <a:ext uri="{AF507438-7753-43e0-B8FC-AC1667EBCBE1}">
-              <a14:hiddenEffects xmlns:a14="http://schemas.microsoft.com/office/drawing/2010/main" xmlns="">
+              <a14:hiddenEffects xmlns="" xmlns:a14="http://schemas.microsoft.com/office/drawing/2010/main">
                 <a:effectLst>
                   <a:outerShdw blurRad="63500" dist="38099" dir="2700000" algn="ctr" rotWithShape="0">
                     <a:srgbClr val="000000">
@@ -29919,14 +29919,14 @@
           <a:effectLst/>
           <a:extLst>
             <a:ext uri="{909E8E84-426E-40dd-AFC4-6F175D3DCCD1}">
-              <a14:hiddenFill xmlns:a14="http://schemas.microsoft.com/office/drawing/2010/main" xmlns="">
+              <a14:hiddenFill xmlns="" xmlns:a14="http://schemas.microsoft.com/office/drawing/2010/main">
                 <a:solidFill>
                   <a:srgbClr val="FFFFFF"/>
                 </a:solidFill>
               </a14:hiddenFill>
             </a:ext>
             <a:ext uri="{91240B29-F687-4f45-9708-019B960494DF}">
-              <a14:hiddenLine xmlns:a14="http://schemas.microsoft.com/office/drawing/2010/main" xmlns="" w="9525" cap="flat">
+              <a14:hiddenLine xmlns="" xmlns:a14="http://schemas.microsoft.com/office/drawing/2010/main" w="9525" cap="flat">
                 <a:solidFill>
                   <a:srgbClr val="FF6600"/>
                 </a:solidFill>
@@ -29936,7 +29936,7 @@
               </a14:hiddenLine>
             </a:ext>
             <a:ext uri="{AF507438-7753-43e0-B8FC-AC1667EBCBE1}">
-              <a14:hiddenEffects xmlns:a14="http://schemas.microsoft.com/office/drawing/2010/main" xmlns="">
+              <a14:hiddenEffects xmlns="" xmlns:a14="http://schemas.microsoft.com/office/drawing/2010/main">
                 <a:effectLst>
                   <a:outerShdw blurRad="63500" dist="38099" dir="2700000" algn="ctr" rotWithShape="0">
                     <a:srgbClr val="000000">
@@ -29986,14 +29986,14 @@
           <a:effectLst/>
           <a:extLst>
             <a:ext uri="{909E8E84-426E-40dd-AFC4-6F175D3DCCD1}">
-              <a14:hiddenFill xmlns:a14="http://schemas.microsoft.com/office/drawing/2010/main" xmlns="">
+              <a14:hiddenFill xmlns="" xmlns:a14="http://schemas.microsoft.com/office/drawing/2010/main">
                 <a:solidFill>
                   <a:srgbClr val="FFFFFF"/>
                 </a:solidFill>
               </a14:hiddenFill>
             </a:ext>
             <a:ext uri="{91240B29-F687-4f45-9708-019B960494DF}">
-              <a14:hiddenLine xmlns:a14="http://schemas.microsoft.com/office/drawing/2010/main" xmlns="" w="9525" cap="flat">
+              <a14:hiddenLine xmlns="" xmlns:a14="http://schemas.microsoft.com/office/drawing/2010/main" w="9525" cap="flat">
                 <a:solidFill>
                   <a:srgbClr val="FF6600"/>
                 </a:solidFill>
@@ -30003,7 +30003,7 @@
               </a14:hiddenLine>
             </a:ext>
             <a:ext uri="{AF507438-7753-43e0-B8FC-AC1667EBCBE1}">
-              <a14:hiddenEffects xmlns:a14="http://schemas.microsoft.com/office/drawing/2010/main" xmlns="">
+              <a14:hiddenEffects xmlns="" xmlns:a14="http://schemas.microsoft.com/office/drawing/2010/main">
                 <a:effectLst>
                   <a:outerShdw blurRad="63500" dist="38099" dir="2700000" algn="ctr" rotWithShape="0">
                     <a:srgbClr val="000000">
@@ -30053,14 +30053,14 @@
           <a:effectLst/>
           <a:extLst>
             <a:ext uri="{909E8E84-426E-40dd-AFC4-6F175D3DCCD1}">
-              <a14:hiddenFill xmlns:a14="http://schemas.microsoft.com/office/drawing/2010/main" xmlns="">
+              <a14:hiddenFill xmlns="" xmlns:a14="http://schemas.microsoft.com/office/drawing/2010/main">
                 <a:solidFill>
                   <a:srgbClr val="FFFFFF"/>
                 </a:solidFill>
               </a14:hiddenFill>
             </a:ext>
             <a:ext uri="{91240B29-F687-4f45-9708-019B960494DF}">
-              <a14:hiddenLine xmlns:a14="http://schemas.microsoft.com/office/drawing/2010/main" xmlns="" w="9525" cap="flat">
+              <a14:hiddenLine xmlns="" xmlns:a14="http://schemas.microsoft.com/office/drawing/2010/main" w="9525" cap="flat">
                 <a:solidFill>
                   <a:srgbClr val="FF6600"/>
                 </a:solidFill>
@@ -30070,7 +30070,7 @@
               </a14:hiddenLine>
             </a:ext>
             <a:ext uri="{AF507438-7753-43e0-B8FC-AC1667EBCBE1}">
-              <a14:hiddenEffects xmlns:a14="http://schemas.microsoft.com/office/drawing/2010/main" xmlns="">
+              <a14:hiddenEffects xmlns="" xmlns:a14="http://schemas.microsoft.com/office/drawing/2010/main">
                 <a:effectLst>
                   <a:outerShdw blurRad="63500" dist="38099" dir="2700000" algn="ctr" rotWithShape="0">
                     <a:srgbClr val="000000">
@@ -30120,14 +30120,14 @@
           <a:effectLst/>
           <a:extLst>
             <a:ext uri="{909E8E84-426E-40dd-AFC4-6F175D3DCCD1}">
-              <a14:hiddenFill xmlns:a14="http://schemas.microsoft.com/office/drawing/2010/main" xmlns="">
+              <a14:hiddenFill xmlns="" xmlns:a14="http://schemas.microsoft.com/office/drawing/2010/main">
                 <a:solidFill>
                   <a:srgbClr val="FFFFFF"/>
                 </a:solidFill>
               </a14:hiddenFill>
             </a:ext>
             <a:ext uri="{91240B29-F687-4f45-9708-019B960494DF}">
-              <a14:hiddenLine xmlns:a14="http://schemas.microsoft.com/office/drawing/2010/main" xmlns="" w="9525" cap="flat">
+              <a14:hiddenLine xmlns="" xmlns:a14="http://schemas.microsoft.com/office/drawing/2010/main" w="9525" cap="flat">
                 <a:solidFill>
                   <a:srgbClr val="FF6600"/>
                 </a:solidFill>
@@ -30137,7 +30137,7 @@
               </a14:hiddenLine>
             </a:ext>
             <a:ext uri="{AF507438-7753-43e0-B8FC-AC1667EBCBE1}">
-              <a14:hiddenEffects xmlns:a14="http://schemas.microsoft.com/office/drawing/2010/main" xmlns="">
+              <a14:hiddenEffects xmlns="" xmlns:a14="http://schemas.microsoft.com/office/drawing/2010/main">
                 <a:effectLst>
                   <a:outerShdw blurRad="63500" dist="38099" dir="2700000" algn="ctr" rotWithShape="0">
                     <a:srgbClr val="000000">
@@ -30187,14 +30187,14 @@
           <a:effectLst/>
           <a:extLst>
             <a:ext uri="{909E8E84-426E-40dd-AFC4-6F175D3DCCD1}">
-              <a14:hiddenFill xmlns:a14="http://schemas.microsoft.com/office/drawing/2010/main" xmlns="">
+              <a14:hiddenFill xmlns="" xmlns:a14="http://schemas.microsoft.com/office/drawing/2010/main">
                 <a:solidFill>
                   <a:srgbClr val="FFFFFF"/>
                 </a:solidFill>
               </a14:hiddenFill>
             </a:ext>
             <a:ext uri="{91240B29-F687-4f45-9708-019B960494DF}">
-              <a14:hiddenLine xmlns:a14="http://schemas.microsoft.com/office/drawing/2010/main" xmlns="" w="9525" cap="flat">
+              <a14:hiddenLine xmlns="" xmlns:a14="http://schemas.microsoft.com/office/drawing/2010/main" w="9525" cap="flat">
                 <a:solidFill>
                   <a:srgbClr val="000000"/>
                 </a:solidFill>
@@ -30204,7 +30204,7 @@
               </a14:hiddenLine>
             </a:ext>
             <a:ext uri="{AF507438-7753-43e0-B8FC-AC1667EBCBE1}">
-              <a14:hiddenEffects xmlns:a14="http://schemas.microsoft.com/office/drawing/2010/main" xmlns="">
+              <a14:hiddenEffects xmlns="" xmlns:a14="http://schemas.microsoft.com/office/drawing/2010/main">
                 <a:effectLst>
                   <a:outerShdw blurRad="63500" dist="38099" dir="2700000" algn="ctr" rotWithShape="0">
                     <a:srgbClr val="000000">
@@ -30477,14 +30477,14 @@
           <a:effectLst/>
           <a:extLst>
             <a:ext uri="{909E8E84-426E-40dd-AFC4-6F175D3DCCD1}">
-              <a14:hiddenFill xmlns:a14="http://schemas.microsoft.com/office/drawing/2010/main" xmlns="">
+              <a14:hiddenFill xmlns="" xmlns:a14="http://schemas.microsoft.com/office/drawing/2010/main">
                 <a:solidFill>
                   <a:srgbClr val="FFFFFF"/>
                 </a:solidFill>
               </a14:hiddenFill>
             </a:ext>
             <a:ext uri="{91240B29-F687-4f45-9708-019B960494DF}">
-              <a14:hiddenLine xmlns:a14="http://schemas.microsoft.com/office/drawing/2010/main" xmlns="" w="9525" cap="flat">
+              <a14:hiddenLine xmlns="" xmlns:a14="http://schemas.microsoft.com/office/drawing/2010/main" w="9525" cap="flat">
                 <a:solidFill>
                   <a:srgbClr val="000000"/>
                 </a:solidFill>
@@ -30494,7 +30494,7 @@
               </a14:hiddenLine>
             </a:ext>
             <a:ext uri="{AF507438-7753-43e0-B8FC-AC1667EBCBE1}">
-              <a14:hiddenEffects xmlns:a14="http://schemas.microsoft.com/office/drawing/2010/main" xmlns="">
+              <a14:hiddenEffects xmlns="" xmlns:a14="http://schemas.microsoft.com/office/drawing/2010/main">
                 <a:effectLst>
                   <a:outerShdw blurRad="63500" dist="38099" dir="2700000" algn="ctr" rotWithShape="0">
                     <a:srgbClr val="000000">
@@ -30768,7 +30768,7 @@
             <a:effectLst/>
             <a:extLst>
               <a:ext uri="{909E8E84-426E-40dd-AFC4-6F175D3DCCD1}">
-                <a14:hiddenFill xmlns:a14="http://schemas.microsoft.com/office/drawing/2010/main" xmlns="">
+                <a14:hiddenFill xmlns="" xmlns:a14="http://schemas.microsoft.com/office/drawing/2010/main">
                   <a:blipFill dpi="0" rotWithShape="0">
                     <a:blip/>
                     <a:srcRect/>
@@ -30779,7 +30779,7 @@
                 </a14:hiddenFill>
               </a:ext>
               <a:ext uri="{91240B29-F687-4f45-9708-019B960494DF}">
-                <a14:hiddenLine xmlns:a14="http://schemas.microsoft.com/office/drawing/2010/main" xmlns="" w="9525" cap="flat">
+                <a14:hiddenLine xmlns="" xmlns:a14="http://schemas.microsoft.com/office/drawing/2010/main" w="9525" cap="flat">
                   <a:solidFill>
                     <a:srgbClr val="808080"/>
                   </a:solidFill>
@@ -30789,7 +30789,7 @@
                 </a14:hiddenLine>
               </a:ext>
               <a:ext uri="{AF507438-7753-43e0-B8FC-AC1667EBCBE1}">
-                <a14:hiddenEffects xmlns:a14="http://schemas.microsoft.com/office/drawing/2010/main" xmlns="">
+                <a14:hiddenEffects xmlns="" xmlns:a14="http://schemas.microsoft.com/office/drawing/2010/main">
                   <a:effectLst>
                     <a:outerShdw blurRad="63500" dist="38099" dir="2700000" algn="ctr" rotWithShape="0">
                       <a:srgbClr val="000000">
@@ -30838,7 +30838,7 @@
             <a:effectLst/>
             <a:extLst>
               <a:ext uri="{909E8E84-426E-40dd-AFC4-6F175D3DCCD1}">
-                <a14:hiddenFill xmlns:a14="http://schemas.microsoft.com/office/drawing/2010/main" xmlns="">
+                <a14:hiddenFill xmlns="" xmlns:a14="http://schemas.microsoft.com/office/drawing/2010/main">
                   <a:blipFill dpi="0" rotWithShape="0">
                     <a:blip/>
                     <a:srcRect/>
@@ -30849,7 +30849,7 @@
                 </a14:hiddenFill>
               </a:ext>
               <a:ext uri="{91240B29-F687-4f45-9708-019B960494DF}">
-                <a14:hiddenLine xmlns:a14="http://schemas.microsoft.com/office/drawing/2010/main" xmlns="" w="9525" cap="flat">
+                <a14:hiddenLine xmlns="" xmlns:a14="http://schemas.microsoft.com/office/drawing/2010/main" w="9525" cap="flat">
                   <a:solidFill>
                     <a:srgbClr val="808080"/>
                   </a:solidFill>
@@ -30859,7 +30859,7 @@
                 </a14:hiddenLine>
               </a:ext>
               <a:ext uri="{AF507438-7753-43e0-B8FC-AC1667EBCBE1}">
-                <a14:hiddenEffects xmlns:a14="http://schemas.microsoft.com/office/drawing/2010/main" xmlns="">
+                <a14:hiddenEffects xmlns="" xmlns:a14="http://schemas.microsoft.com/office/drawing/2010/main">
                   <a:effectLst>
                     <a:outerShdw blurRad="63500" dist="38099" dir="2700000" algn="ctr" rotWithShape="0">
                       <a:srgbClr val="000000">
@@ -30895,14 +30895,14 @@
             <a:effectLst/>
             <a:extLst>
               <a:ext uri="{909E8E84-426E-40dd-AFC4-6F175D3DCCD1}">
-                <a14:hiddenFill xmlns:a14="http://schemas.microsoft.com/office/drawing/2010/main" xmlns="">
+                <a14:hiddenFill xmlns="" xmlns:a14="http://schemas.microsoft.com/office/drawing/2010/main">
                   <a:solidFill>
                     <a:srgbClr val="FFFFFF"/>
                   </a:solidFill>
                 </a14:hiddenFill>
               </a:ext>
               <a:ext uri="{91240B29-F687-4f45-9708-019B960494DF}">
-                <a14:hiddenLine xmlns:a14="http://schemas.microsoft.com/office/drawing/2010/main" xmlns="" w="9525" cap="flat">
+                <a14:hiddenLine xmlns="" xmlns:a14="http://schemas.microsoft.com/office/drawing/2010/main" w="9525" cap="flat">
                   <a:solidFill>
                     <a:srgbClr val="000000"/>
                   </a:solidFill>
@@ -30912,7 +30912,7 @@
                 </a14:hiddenLine>
               </a:ext>
               <a:ext uri="{AF507438-7753-43e0-B8FC-AC1667EBCBE1}">
-                <a14:hiddenEffects xmlns:a14="http://schemas.microsoft.com/office/drawing/2010/main" xmlns="">
+                <a14:hiddenEffects xmlns="" xmlns:a14="http://schemas.microsoft.com/office/drawing/2010/main">
                   <a:effectLst>
                     <a:outerShdw blurRad="63500" dist="38099" dir="2700000" algn="ctr" rotWithShape="0">
                       <a:srgbClr val="000000">
@@ -31203,7 +31203,7 @@
             <a:effectLst/>
             <a:extLst>
               <a:ext uri="{91240B29-F687-4f45-9708-019B960494DF}">
-                <a14:hiddenLine xmlns:a14="http://schemas.microsoft.com/office/drawing/2010/main" xmlns="" w="9525" cap="flat">
+                <a14:hiddenLine xmlns="" xmlns:a14="http://schemas.microsoft.com/office/drawing/2010/main" w="9525" cap="flat">
                   <a:solidFill>
                     <a:srgbClr val="FFFFFF"/>
                   </a:solidFill>
@@ -31213,7 +31213,7 @@
                 </a14:hiddenLine>
               </a:ext>
               <a:ext uri="{AF507438-7753-43e0-B8FC-AC1667EBCBE1}">
-                <a14:hiddenEffects xmlns:a14="http://schemas.microsoft.com/office/drawing/2010/main" xmlns="">
+                <a14:hiddenEffects xmlns="" xmlns:a14="http://schemas.microsoft.com/office/drawing/2010/main">
                   <a:effectLst>
                     <a:outerShdw blurRad="63500" dist="38099" dir="2700000" algn="ctr" rotWithShape="0">
                       <a:srgbClr val="000000">
@@ -31491,14 +31491,14 @@
           <a:effectLst/>
           <a:extLst>
             <a:ext uri="{909E8E84-426E-40dd-AFC4-6F175D3DCCD1}">
-              <a14:hiddenFill xmlns:a14="http://schemas.microsoft.com/office/drawing/2010/main" xmlns="">
+              <a14:hiddenFill xmlns="" xmlns:a14="http://schemas.microsoft.com/office/drawing/2010/main">
                 <a:solidFill>
                   <a:srgbClr val="FFFFFF"/>
                 </a:solidFill>
               </a14:hiddenFill>
             </a:ext>
             <a:ext uri="{91240B29-F687-4f45-9708-019B960494DF}">
-              <a14:hiddenLine xmlns:a14="http://schemas.microsoft.com/office/drawing/2010/main" xmlns="" w="9525" cap="flat">
+              <a14:hiddenLine xmlns="" xmlns:a14="http://schemas.microsoft.com/office/drawing/2010/main" w="9525" cap="flat">
                 <a:solidFill>
                   <a:srgbClr val="808080"/>
                 </a:solidFill>
@@ -31508,7 +31508,7 @@
               </a14:hiddenLine>
             </a:ext>
             <a:ext uri="{AF507438-7753-43e0-B8FC-AC1667EBCBE1}">
-              <a14:hiddenEffects xmlns:a14="http://schemas.microsoft.com/office/drawing/2010/main" xmlns="">
+              <a14:hiddenEffects xmlns="" xmlns:a14="http://schemas.microsoft.com/office/drawing/2010/main">
                 <a:effectLst>
                   <a:outerShdw blurRad="63500" dist="38099" dir="2700000" algn="ctr" rotWithShape="0">
                     <a:srgbClr val="000000">
@@ -31746,14 +31746,14 @@
           <a:effectLst/>
           <a:extLst>
             <a:ext uri="{909E8E84-426E-40dd-AFC4-6F175D3DCCD1}">
-              <a14:hiddenFill xmlns:a14="http://schemas.microsoft.com/office/drawing/2010/main" xmlns="">
+              <a14:hiddenFill xmlns="" xmlns:a14="http://schemas.microsoft.com/office/drawing/2010/main">
                 <a:solidFill>
                   <a:srgbClr val="FFFFFF"/>
                 </a:solidFill>
               </a14:hiddenFill>
             </a:ext>
             <a:ext uri="{91240B29-F687-4f45-9708-019B960494DF}">
-              <a14:hiddenLine xmlns:a14="http://schemas.microsoft.com/office/drawing/2010/main" xmlns="" w="9525" cap="flat">
+              <a14:hiddenLine xmlns="" xmlns:a14="http://schemas.microsoft.com/office/drawing/2010/main" w="9525" cap="flat">
                 <a:solidFill>
                   <a:srgbClr val="000000"/>
                 </a:solidFill>
@@ -31763,7 +31763,7 @@
               </a14:hiddenLine>
             </a:ext>
             <a:ext uri="{AF507438-7753-43e0-B8FC-AC1667EBCBE1}">
-              <a14:hiddenEffects xmlns:a14="http://schemas.microsoft.com/office/drawing/2010/main" xmlns="">
+              <a14:hiddenEffects xmlns="" xmlns:a14="http://schemas.microsoft.com/office/drawing/2010/main">
                 <a:effectLst>
                   <a:outerShdw blurRad="63500" dist="38099" dir="2700000" algn="ctr" rotWithShape="0">
                     <a:srgbClr val="000000">
@@ -32146,7 +32146,7 @@
           <a:effectLst/>
           <a:extLst>
             <a:ext uri="{909E8E84-426E-40dd-AFC4-6F175D3DCCD1}">
-              <a14:hiddenFill xmlns:a14="http://schemas.microsoft.com/office/drawing/2010/main" xmlns="">
+              <a14:hiddenFill xmlns="" xmlns:a14="http://schemas.microsoft.com/office/drawing/2010/main">
                 <a:blipFill dpi="0" rotWithShape="0">
                   <a:blip/>
                   <a:srcRect/>
@@ -32157,7 +32157,7 @@
               </a14:hiddenFill>
             </a:ext>
             <a:ext uri="{91240B29-F687-4f45-9708-019B960494DF}">
-              <a14:hiddenLine xmlns:a14="http://schemas.microsoft.com/office/drawing/2010/main" xmlns="" w="9525" cap="flat">
+              <a14:hiddenLine xmlns="" xmlns:a14="http://schemas.microsoft.com/office/drawing/2010/main" w="9525" cap="flat">
                 <a:solidFill>
                   <a:srgbClr val="808080"/>
                 </a:solidFill>
@@ -32167,7 +32167,7 @@
               </a14:hiddenLine>
             </a:ext>
             <a:ext uri="{AF507438-7753-43e0-B8FC-AC1667EBCBE1}">
-              <a14:hiddenEffects xmlns:a14="http://schemas.microsoft.com/office/drawing/2010/main" xmlns="">
+              <a14:hiddenEffects xmlns="" xmlns:a14="http://schemas.microsoft.com/office/drawing/2010/main">
                 <a:effectLst>
                   <a:outerShdw blurRad="63500" dist="38099" dir="2700000" algn="ctr" rotWithShape="0">
                     <a:srgbClr val="000000">
@@ -32203,14 +32203,14 @@
           <a:effectLst/>
           <a:extLst>
             <a:ext uri="{909E8E84-426E-40dd-AFC4-6F175D3DCCD1}">
-              <a14:hiddenFill xmlns:a14="http://schemas.microsoft.com/office/drawing/2010/main" xmlns="">
+              <a14:hiddenFill xmlns="" xmlns:a14="http://schemas.microsoft.com/office/drawing/2010/main">
                 <a:solidFill>
                   <a:srgbClr val="FFFFFF"/>
                 </a:solidFill>
               </a14:hiddenFill>
             </a:ext>
             <a:ext uri="{91240B29-F687-4f45-9708-019B960494DF}">
-              <a14:hiddenLine xmlns:a14="http://schemas.microsoft.com/office/drawing/2010/main" xmlns="" w="9525" cap="flat">
+              <a14:hiddenLine xmlns="" xmlns:a14="http://schemas.microsoft.com/office/drawing/2010/main" w="9525" cap="flat">
                 <a:solidFill>
                   <a:srgbClr val="808080"/>
                 </a:solidFill>
@@ -32220,7 +32220,7 @@
               </a14:hiddenLine>
             </a:ext>
             <a:ext uri="{AF507438-7753-43e0-B8FC-AC1667EBCBE1}">
-              <a14:hiddenEffects xmlns:a14="http://schemas.microsoft.com/office/drawing/2010/main" xmlns="">
+              <a14:hiddenEffects xmlns="" xmlns:a14="http://schemas.microsoft.com/office/drawing/2010/main">
                 <a:effectLst>
                   <a:outerShdw blurRad="63500" dist="38099" dir="2700000" algn="ctr" rotWithShape="0">
                     <a:srgbClr val="000000">
@@ -32576,7 +32576,7 @@
           <a:effectLst/>
           <a:extLst>
             <a:ext uri="{909E8E84-426E-40dd-AFC4-6F175D3DCCD1}">
-              <a14:hiddenFill xmlns:a14="http://schemas.microsoft.com/office/drawing/2010/main" xmlns="">
+              <a14:hiddenFill xmlns="" xmlns:a14="http://schemas.microsoft.com/office/drawing/2010/main">
                 <a:blipFill dpi="0" rotWithShape="0">
                   <a:blip/>
                   <a:srcRect l="14014" t="4515" r="7593" b="32079"/>
@@ -32587,7 +32587,7 @@
               </a14:hiddenFill>
             </a:ext>
             <a:ext uri="{91240B29-F687-4f45-9708-019B960494DF}">
-              <a14:hiddenLine xmlns:a14="http://schemas.microsoft.com/office/drawing/2010/main" xmlns="" w="9525" cap="flat">
+              <a14:hiddenLine xmlns="" xmlns:a14="http://schemas.microsoft.com/office/drawing/2010/main" w="9525" cap="flat">
                 <a:solidFill>
                   <a:srgbClr val="808080"/>
                 </a:solidFill>
@@ -32597,7 +32597,7 @@
               </a14:hiddenLine>
             </a:ext>
             <a:ext uri="{AF507438-7753-43e0-B8FC-AC1667EBCBE1}">
-              <a14:hiddenEffects xmlns:a14="http://schemas.microsoft.com/office/drawing/2010/main" xmlns="">
+              <a14:hiddenEffects xmlns="" xmlns:a14="http://schemas.microsoft.com/office/drawing/2010/main">
                 <a:effectLst>
                   <a:outerShdw blurRad="63500" dist="38099" dir="2700000" algn="ctr" rotWithShape="0">
                     <a:srgbClr val="000000">
@@ -32633,14 +32633,14 @@
           <a:effectLst/>
           <a:extLst>
             <a:ext uri="{909E8E84-426E-40dd-AFC4-6F175D3DCCD1}">
-              <a14:hiddenFill xmlns:a14="http://schemas.microsoft.com/office/drawing/2010/main" xmlns="">
+              <a14:hiddenFill xmlns="" xmlns:a14="http://schemas.microsoft.com/office/drawing/2010/main">
                 <a:solidFill>
                   <a:srgbClr val="FFFFFF"/>
                 </a:solidFill>
               </a14:hiddenFill>
             </a:ext>
             <a:ext uri="{91240B29-F687-4f45-9708-019B960494DF}">
-              <a14:hiddenLine xmlns:a14="http://schemas.microsoft.com/office/drawing/2010/main" xmlns="" w="9525" cap="flat">
+              <a14:hiddenLine xmlns="" xmlns:a14="http://schemas.microsoft.com/office/drawing/2010/main" w="9525" cap="flat">
                 <a:solidFill>
                   <a:srgbClr val="808080"/>
                 </a:solidFill>
@@ -32650,7 +32650,7 @@
               </a14:hiddenLine>
             </a:ext>
             <a:ext uri="{AF507438-7753-43e0-B8FC-AC1667EBCBE1}">
-              <a14:hiddenEffects xmlns:a14="http://schemas.microsoft.com/office/drawing/2010/main" xmlns="">
+              <a14:hiddenEffects xmlns="" xmlns:a14="http://schemas.microsoft.com/office/drawing/2010/main">
                 <a:effectLst>
                   <a:outerShdw blurRad="63500" dist="38099" dir="2700000" algn="ctr" rotWithShape="0">
                     <a:srgbClr val="000000">
@@ -33255,7 +33255,7 @@
         <a:effectLst/>
         <a:extLst>
           <a:ext uri="{AF507438-7753-43e0-B8FC-AC1667EBCBE1}">
-            <a14:hiddenEffects xmlns:a14="http://schemas.microsoft.com/office/drawing/2010/main" xmlns="">
+            <a14:hiddenEffects xmlns="" xmlns:a14="http://schemas.microsoft.com/office/drawing/2010/main">
               <a:effectLst>
                 <a:outerShdw blurRad="63500" dist="38099" dir="2700000" algn="ctr" rotWithShape="0">
                   <a:schemeClr val="bg2">
@@ -33331,7 +33331,7 @@
         <a:effectLst/>
         <a:extLst>
           <a:ext uri="{AF507438-7753-43e0-B8FC-AC1667EBCBE1}">
-            <a14:hiddenEffects xmlns:a14="http://schemas.microsoft.com/office/drawing/2010/main" xmlns="">
+            <a14:hiddenEffects xmlns="" xmlns:a14="http://schemas.microsoft.com/office/drawing/2010/main">
               <a:effectLst>
                 <a:outerShdw blurRad="63500" dist="38099" dir="2700000" algn="ctr" rotWithShape="0">
                   <a:schemeClr val="bg2">

--- a/docs/res/media/CyberBatiment.pptx
+++ b/docs/res/media/CyberBatiment.pptx
@@ -7394,7 +7394,7 @@
           </a:lstStyle>
           <a:p>
             <a:r>
-              <a:rPr lang="fr-FR" sz="1200" smtClean="0"/>
+              <a:rPr lang="fr-FR" sz="1200" dirty="0" smtClean="0"/>
               <a:t>Restaurant</a:t>
             </a:r>
             <a:endParaRPr lang="fr-FR" sz="1200" dirty="0"/>
@@ -31132,7 +31132,7 @@
                   </a:solidFill>
                   <a:latin typeface="Meiryo UI" charset="0"/>
                 </a:rPr>
-                <a:t>London</a:t>
+                <a:t>Doha</a:t>
               </a:r>
               <a:r>
                 <a:rPr lang="fr-FR" sz="2800" b="1" i="1" dirty="0">
@@ -31167,7 +31167,7 @@
                   </a:solidFill>
                   <a:latin typeface="Meiryo UI" charset="0"/>
                 </a:rPr>
-                <a:t>2017</a:t>
+                <a:t>2019</a:t>
               </a:r>
               <a:endParaRPr lang="fr-FR" sz="1500" b="1" i="1" dirty="0">
                 <a:solidFill>
@@ -31448,7 +31448,7 @@
             <a:p>
               <a:r>
                 <a:rPr lang="fr-FR" sz="800" smtClean="0"/>
-                <a:t>2017-08-16 </a:t>
+                <a:t>2019-10-16 </a:t>
               </a:r>
               <a:r>
                 <a:rPr lang="fr-FR" sz="800" dirty="0"/>

--- a/docs/res/media/CyberBatiment.pptx
+++ b/docs/res/media/CyberBatiment.pptx
@@ -262,17 +262,17 @@
           <a:effectLst/>
           <a:extLst>
             <a:ext uri="{FAA26D3D-D897-4be2-8F04-BA451C77F1D7}">
-              <ma14:placeholderFlag xmlns:ma14="http://schemas.microsoft.com/office/mac/drawingml/2011/main" val="1"/>
+              <ma14:placeholderFlag xmlns:ma14="http://schemas.microsoft.com/office/mac/drawingml/2011/main" xmlns="" val="1"/>
             </a:ext>
             <a:ext uri="{909E8E84-426E-40dd-AFC4-6F175D3DCCD1}">
-              <a14:hiddenFill xmlns="" xmlns:a14="http://schemas.microsoft.com/office/drawing/2010/main">
+              <a14:hiddenFill xmlns:a14="http://schemas.microsoft.com/office/drawing/2010/main" xmlns="">
                 <a:solidFill>
                   <a:srgbClr val="FFFFFF"/>
                 </a:solidFill>
               </a14:hiddenFill>
             </a:ext>
             <a:ext uri="{91240B29-F687-4f45-9708-019B960494DF}">
-              <a14:hiddenLine xmlns="" xmlns:a14="http://schemas.microsoft.com/office/drawing/2010/main" w="9525" cap="flat">
+              <a14:hiddenLine xmlns:a14="http://schemas.microsoft.com/office/drawing/2010/main" xmlns="" w="9525" cap="flat">
                 <a:solidFill>
                   <a:srgbClr val="000000"/>
                 </a:solidFill>
@@ -282,7 +282,7 @@
               </a14:hiddenLine>
             </a:ext>
             <a:ext uri="{AF507438-7753-43e0-B8FC-AC1667EBCBE1}">
-              <a14:hiddenEffects xmlns="" xmlns:a14="http://schemas.microsoft.com/office/drawing/2010/main">
+              <a14:hiddenEffects xmlns:a14="http://schemas.microsoft.com/office/drawing/2010/main" xmlns="">
                 <a:effectLst>
                   <a:outerShdw blurRad="63500" dist="38099" dir="2700000" algn="ctr" rotWithShape="0">
                     <a:schemeClr val="bg2">
@@ -320,17 +320,17 @@
           <a:effectLst/>
           <a:extLst>
             <a:ext uri="{FAA26D3D-D897-4be2-8F04-BA451C77F1D7}">
-              <ma14:placeholderFlag xmlns:ma14="http://schemas.microsoft.com/office/mac/drawingml/2011/main" val="1"/>
+              <ma14:placeholderFlag xmlns:ma14="http://schemas.microsoft.com/office/mac/drawingml/2011/main" xmlns="" val="1"/>
             </a:ext>
             <a:ext uri="{909E8E84-426E-40dd-AFC4-6F175D3DCCD1}">
-              <a14:hiddenFill xmlns="" xmlns:a14="http://schemas.microsoft.com/office/drawing/2010/main">
+              <a14:hiddenFill xmlns:a14="http://schemas.microsoft.com/office/drawing/2010/main" xmlns="">
                 <a:solidFill>
                   <a:srgbClr val="FFFFFF"/>
                 </a:solidFill>
               </a14:hiddenFill>
             </a:ext>
             <a:ext uri="{91240B29-F687-4f45-9708-019B960494DF}">
-              <a14:hiddenLine xmlns="" xmlns:a14="http://schemas.microsoft.com/office/drawing/2010/main" w="9525" cap="flat">
+              <a14:hiddenLine xmlns:a14="http://schemas.microsoft.com/office/drawing/2010/main" xmlns="" w="9525" cap="flat">
                 <a:solidFill>
                   <a:srgbClr val="000000"/>
                 </a:solidFill>
@@ -340,7 +340,7 @@
               </a14:hiddenLine>
             </a:ext>
             <a:ext uri="{AF507438-7753-43e0-B8FC-AC1667EBCBE1}">
-              <a14:hiddenEffects xmlns="" xmlns:a14="http://schemas.microsoft.com/office/drawing/2010/main">
+              <a14:hiddenEffects xmlns:a14="http://schemas.microsoft.com/office/drawing/2010/main" xmlns="">
                 <a:effectLst>
                   <a:outerShdw blurRad="63500" dist="38099" dir="2700000" algn="ctr" rotWithShape="0">
                     <a:schemeClr val="bg2">
@@ -390,17 +390,17 @@
           <a:effectLst/>
           <a:extLst>
             <a:ext uri="{FAA26D3D-D897-4be2-8F04-BA451C77F1D7}">
-              <ma14:placeholderFlag xmlns:ma14="http://schemas.microsoft.com/office/mac/drawingml/2011/main" val="1"/>
+              <ma14:placeholderFlag xmlns:ma14="http://schemas.microsoft.com/office/mac/drawingml/2011/main" xmlns="" val="1"/>
             </a:ext>
             <a:ext uri="{909E8E84-426E-40dd-AFC4-6F175D3DCCD1}">
-              <a14:hiddenFill xmlns="" xmlns:a14="http://schemas.microsoft.com/office/drawing/2010/main">
+              <a14:hiddenFill xmlns:a14="http://schemas.microsoft.com/office/drawing/2010/main" xmlns="">
                 <a:solidFill>
                   <a:srgbClr val="FFFFFF"/>
                 </a:solidFill>
               </a14:hiddenFill>
             </a:ext>
             <a:ext uri="{91240B29-F687-4f45-9708-019B960494DF}">
-              <a14:hiddenLine xmlns="" xmlns:a14="http://schemas.microsoft.com/office/drawing/2010/main" w="9525" cap="flat">
+              <a14:hiddenLine xmlns:a14="http://schemas.microsoft.com/office/drawing/2010/main" xmlns="" w="9525" cap="flat">
                 <a:solidFill>
                   <a:srgbClr val="000000"/>
                 </a:solidFill>
@@ -410,7 +410,7 @@
               </a14:hiddenLine>
             </a:ext>
             <a:ext uri="{AF507438-7753-43e0-B8FC-AC1667EBCBE1}">
-              <a14:hiddenEffects xmlns="" xmlns:a14="http://schemas.microsoft.com/office/drawing/2010/main">
+              <a14:hiddenEffects xmlns:a14="http://schemas.microsoft.com/office/drawing/2010/main" xmlns="">
                 <a:effectLst>
                   <a:outerShdw blurRad="63500" dist="38099" dir="2700000" algn="ctr" rotWithShape="0">
                     <a:schemeClr val="bg2">
@@ -481,17 +481,17 @@
           <a:effectLst/>
           <a:extLst>
             <a:ext uri="{FAA26D3D-D897-4be2-8F04-BA451C77F1D7}">
-              <ma14:placeholderFlag xmlns:ma14="http://schemas.microsoft.com/office/mac/drawingml/2011/main" val="1"/>
+              <ma14:placeholderFlag xmlns:ma14="http://schemas.microsoft.com/office/mac/drawingml/2011/main" xmlns="" val="1"/>
             </a:ext>
             <a:ext uri="{909E8E84-426E-40dd-AFC4-6F175D3DCCD1}">
-              <a14:hiddenFill xmlns="" xmlns:a14="http://schemas.microsoft.com/office/drawing/2010/main">
+              <a14:hiddenFill xmlns:a14="http://schemas.microsoft.com/office/drawing/2010/main" xmlns="">
                 <a:solidFill>
                   <a:srgbClr val="FFFFFF"/>
                 </a:solidFill>
               </a14:hiddenFill>
             </a:ext>
             <a:ext uri="{91240B29-F687-4f45-9708-019B960494DF}">
-              <a14:hiddenLine xmlns="" xmlns:a14="http://schemas.microsoft.com/office/drawing/2010/main" w="9525" cap="flat">
+              <a14:hiddenLine xmlns:a14="http://schemas.microsoft.com/office/drawing/2010/main" xmlns="" w="9525" cap="flat">
                 <a:solidFill>
                   <a:srgbClr val="000000"/>
                 </a:solidFill>
@@ -501,7 +501,7 @@
               </a14:hiddenLine>
             </a:ext>
             <a:ext uri="{AF507438-7753-43e0-B8FC-AC1667EBCBE1}">
-              <a14:hiddenEffects xmlns="" xmlns:a14="http://schemas.microsoft.com/office/drawing/2010/main">
+              <a14:hiddenEffects xmlns:a14="http://schemas.microsoft.com/office/drawing/2010/main" xmlns="">
                 <a:effectLst>
                   <a:outerShdw blurRad="63500" dist="38099" dir="2700000" algn="ctr" rotWithShape="0">
                     <a:schemeClr val="bg2">
@@ -572,17 +572,17 @@
           <a:effectLst/>
           <a:extLst>
             <a:ext uri="{FAA26D3D-D897-4be2-8F04-BA451C77F1D7}">
-              <ma14:placeholderFlag xmlns:ma14="http://schemas.microsoft.com/office/mac/drawingml/2011/main" val="1"/>
+              <ma14:placeholderFlag xmlns:ma14="http://schemas.microsoft.com/office/mac/drawingml/2011/main" xmlns="" val="1"/>
             </a:ext>
             <a:ext uri="{909E8E84-426E-40dd-AFC4-6F175D3DCCD1}">
-              <a14:hiddenFill xmlns="" xmlns:a14="http://schemas.microsoft.com/office/drawing/2010/main">
+              <a14:hiddenFill xmlns:a14="http://schemas.microsoft.com/office/drawing/2010/main" xmlns="">
                 <a:solidFill>
                   <a:srgbClr val="FFFFFF"/>
                 </a:solidFill>
               </a14:hiddenFill>
             </a:ext>
             <a:ext uri="{91240B29-F687-4f45-9708-019B960494DF}">
-              <a14:hiddenLine xmlns="" xmlns:a14="http://schemas.microsoft.com/office/drawing/2010/main" w="9525" cap="flat">
+              <a14:hiddenLine xmlns:a14="http://schemas.microsoft.com/office/drawing/2010/main" xmlns="" w="9525" cap="flat">
                 <a:solidFill>
                   <a:srgbClr val="000000"/>
                 </a:solidFill>
@@ -592,7 +592,7 @@
               </a14:hiddenLine>
             </a:ext>
             <a:ext uri="{AF507438-7753-43e0-B8FC-AC1667EBCBE1}">
-              <a14:hiddenEffects xmlns="" xmlns:a14="http://schemas.microsoft.com/office/drawing/2010/main">
+              <a14:hiddenEffects xmlns:a14="http://schemas.microsoft.com/office/drawing/2010/main" xmlns="">
                 <a:effectLst>
                   <a:outerShdw blurRad="63500" dist="38099" dir="2700000" algn="ctr" rotWithShape="0">
                     <a:schemeClr val="bg2">
@@ -663,17 +663,17 @@
           <a:effectLst/>
           <a:extLst>
             <a:ext uri="{FAA26D3D-D897-4be2-8F04-BA451C77F1D7}">
-              <ma14:placeholderFlag xmlns:ma14="http://schemas.microsoft.com/office/mac/drawingml/2011/main" val="1"/>
+              <ma14:placeholderFlag xmlns:ma14="http://schemas.microsoft.com/office/mac/drawingml/2011/main" xmlns="" val="1"/>
             </a:ext>
             <a:ext uri="{909E8E84-426E-40dd-AFC4-6F175D3DCCD1}">
-              <a14:hiddenFill xmlns="" xmlns:a14="http://schemas.microsoft.com/office/drawing/2010/main">
+              <a14:hiddenFill xmlns:a14="http://schemas.microsoft.com/office/drawing/2010/main" xmlns="">
                 <a:solidFill>
                   <a:srgbClr val="FFFFFF"/>
                 </a:solidFill>
               </a14:hiddenFill>
             </a:ext>
             <a:ext uri="{91240B29-F687-4f45-9708-019B960494DF}">
-              <a14:hiddenLine xmlns="" xmlns:a14="http://schemas.microsoft.com/office/drawing/2010/main" w="9525" cap="flat">
+              <a14:hiddenLine xmlns:a14="http://schemas.microsoft.com/office/drawing/2010/main" xmlns="" w="9525" cap="flat">
                 <a:solidFill>
                   <a:srgbClr val="000000"/>
                 </a:solidFill>
@@ -683,7 +683,7 @@
               </a14:hiddenLine>
             </a:ext>
             <a:ext uri="{AF507438-7753-43e0-B8FC-AC1667EBCBE1}">
-              <a14:hiddenEffects xmlns="" xmlns:a14="http://schemas.microsoft.com/office/drawing/2010/main">
+              <a14:hiddenEffects xmlns:a14="http://schemas.microsoft.com/office/drawing/2010/main" xmlns="">
                 <a:effectLst>
                   <a:outerShdw blurRad="63500" dist="38099" dir="2700000" algn="ctr" rotWithShape="0">
                     <a:schemeClr val="bg2">
@@ -728,7 +728,7 @@
             <a:fld id="{1F3DD76E-5EE5-B14B-918E-C841A9A0DDB8}" type="slidenum">
               <a:rPr lang="fr-FR"/>
               <a:pPr/>
-              <a:t>‹#›</a:t>
+              <a:t>‹N°›</a:t>
             </a:fld>
             <a:endParaRPr lang="fr-FR"/>
           </a:p>
@@ -974,7 +974,7 @@
           </a:ln>
           <a:extLst>
             <a:ext uri="{AF507438-7753-43e0-B8FC-AC1667EBCBE1}">
-              <a14:hiddenEffects xmlns="" xmlns:a14="http://schemas.microsoft.com/office/drawing/2010/main">
+              <a14:hiddenEffects xmlns:a14="http://schemas.microsoft.com/office/drawing/2010/main" xmlns="">
                 <a:effectLst>
                   <a:outerShdw blurRad="63500" dist="38099" dir="2700000" algn="ctr" rotWithShape="0">
                     <a:srgbClr val="000000">
@@ -1009,14 +1009,14 @@
           <a:ln/>
           <a:extLst>
             <a:ext uri="{909E8E84-426E-40dd-AFC4-6F175D3DCCD1}">
-              <a14:hiddenFill xmlns="" xmlns:a14="http://schemas.microsoft.com/office/drawing/2010/main">
+              <a14:hiddenFill xmlns:a14="http://schemas.microsoft.com/office/drawing/2010/main" xmlns="">
                 <a:solidFill>
                   <a:srgbClr val="FFFFFF"/>
                 </a:solidFill>
               </a14:hiddenFill>
             </a:ext>
             <a:ext uri="{91240B29-F687-4f45-9708-019B960494DF}">
-              <a14:hiddenLine xmlns="" xmlns:a14="http://schemas.microsoft.com/office/drawing/2010/main" w="9525" cap="flat">
+              <a14:hiddenLine xmlns:a14="http://schemas.microsoft.com/office/drawing/2010/main" xmlns="" w="9525" cap="flat">
                 <a:solidFill>
                   <a:srgbClr val="000000"/>
                 </a:solidFill>
@@ -1026,7 +1026,7 @@
               </a14:hiddenLine>
             </a:ext>
             <a:ext uri="{AF507438-7753-43e0-B8FC-AC1667EBCBE1}">
-              <a14:hiddenEffects xmlns="" xmlns:a14="http://schemas.microsoft.com/office/drawing/2010/main">
+              <a14:hiddenEffects xmlns:a14="http://schemas.microsoft.com/office/drawing/2010/main" xmlns="">
                 <a:effectLst>
                   <a:outerShdw blurRad="63500" dist="38099" dir="2700000" algn="ctr" rotWithShape="0">
                     <a:srgbClr val="000000">
@@ -1136,7 +1136,7 @@
           </a:ln>
           <a:extLst>
             <a:ext uri="{AF507438-7753-43e0-B8FC-AC1667EBCBE1}">
-              <a14:hiddenEffects xmlns="" xmlns:a14="http://schemas.microsoft.com/office/drawing/2010/main">
+              <a14:hiddenEffects xmlns:a14="http://schemas.microsoft.com/office/drawing/2010/main" xmlns="">
                 <a:effectLst>
                   <a:outerShdw blurRad="63500" dist="38099" dir="2700000" algn="ctr" rotWithShape="0">
                     <a:srgbClr val="000000">
@@ -1171,14 +1171,14 @@
           <a:ln/>
           <a:extLst>
             <a:ext uri="{909E8E84-426E-40dd-AFC4-6F175D3DCCD1}">
-              <a14:hiddenFill xmlns="" xmlns:a14="http://schemas.microsoft.com/office/drawing/2010/main">
+              <a14:hiddenFill xmlns:a14="http://schemas.microsoft.com/office/drawing/2010/main" xmlns="">
                 <a:solidFill>
                   <a:srgbClr val="FFFFFF"/>
                 </a:solidFill>
               </a14:hiddenFill>
             </a:ext>
             <a:ext uri="{91240B29-F687-4f45-9708-019B960494DF}">
-              <a14:hiddenLine xmlns="" xmlns:a14="http://schemas.microsoft.com/office/drawing/2010/main" w="9525" cap="flat">
+              <a14:hiddenLine xmlns:a14="http://schemas.microsoft.com/office/drawing/2010/main" xmlns="" w="9525" cap="flat">
                 <a:solidFill>
                   <a:srgbClr val="000000"/>
                 </a:solidFill>
@@ -1188,7 +1188,7 @@
               </a14:hiddenLine>
             </a:ext>
             <a:ext uri="{AF507438-7753-43e0-B8FC-AC1667EBCBE1}">
-              <a14:hiddenEffects xmlns="" xmlns:a14="http://schemas.microsoft.com/office/drawing/2010/main">
+              <a14:hiddenEffects xmlns:a14="http://schemas.microsoft.com/office/drawing/2010/main" xmlns="">
                 <a:effectLst>
                   <a:outerShdw blurRad="63500" dist="38099" dir="2700000" algn="ctr" rotWithShape="0">
                     <a:srgbClr val="000000">
@@ -1298,7 +1298,7 @@
           </a:ln>
           <a:extLst>
             <a:ext uri="{AF507438-7753-43e0-B8FC-AC1667EBCBE1}">
-              <a14:hiddenEffects xmlns="" xmlns:a14="http://schemas.microsoft.com/office/drawing/2010/main">
+              <a14:hiddenEffects xmlns:a14="http://schemas.microsoft.com/office/drawing/2010/main" xmlns="">
                 <a:effectLst>
                   <a:outerShdw blurRad="63500" dist="38099" dir="2700000" algn="ctr" rotWithShape="0">
                     <a:srgbClr val="000000">
@@ -1333,14 +1333,14 @@
           <a:ln/>
           <a:extLst>
             <a:ext uri="{909E8E84-426E-40dd-AFC4-6F175D3DCCD1}">
-              <a14:hiddenFill xmlns="" xmlns:a14="http://schemas.microsoft.com/office/drawing/2010/main">
+              <a14:hiddenFill xmlns:a14="http://schemas.microsoft.com/office/drawing/2010/main" xmlns="">
                 <a:solidFill>
                   <a:srgbClr val="FFFFFF"/>
                 </a:solidFill>
               </a14:hiddenFill>
             </a:ext>
             <a:ext uri="{91240B29-F687-4f45-9708-019B960494DF}">
-              <a14:hiddenLine xmlns="" xmlns:a14="http://schemas.microsoft.com/office/drawing/2010/main" w="9525" cap="flat">
+              <a14:hiddenLine xmlns:a14="http://schemas.microsoft.com/office/drawing/2010/main" xmlns="" w="9525" cap="flat">
                 <a:solidFill>
                   <a:srgbClr val="000000"/>
                 </a:solidFill>
@@ -1350,7 +1350,7 @@
               </a14:hiddenLine>
             </a:ext>
             <a:ext uri="{AF507438-7753-43e0-B8FC-AC1667EBCBE1}">
-              <a14:hiddenEffects xmlns="" xmlns:a14="http://schemas.microsoft.com/office/drawing/2010/main">
+              <a14:hiddenEffects xmlns:a14="http://schemas.microsoft.com/office/drawing/2010/main" xmlns="">
                 <a:effectLst>
                   <a:outerShdw blurRad="63500" dist="38099" dir="2700000" algn="ctr" rotWithShape="0">
                     <a:srgbClr val="000000">
@@ -1416,10 +1416,9 @@
           <a:lstStyle/>
           <a:p>
             <a:r>
-              <a:rPr lang="fr-FR" smtClean="0"/>
+              <a:rPr lang="fr-FR"/>
               <a:t>Cliquez et modifiez le titre</a:t>
             </a:r>
-            <a:endParaRPr lang="fr-FR"/>
           </a:p>
         </p:txBody>
       </p:sp>
@@ -1481,10 +1480,9 @@
           </a:lstStyle>
           <a:p>
             <a:r>
-              <a:rPr lang="fr-FR" smtClean="0"/>
+              <a:rPr lang="fr-FR"/>
               <a:t>Cliquez pour modifier le style des sous-titres du masque</a:t>
             </a:r>
-            <a:endParaRPr lang="fr-FR"/>
           </a:p>
         </p:txBody>
       </p:sp>
@@ -1556,7 +1554,7 @@
             <a:fld id="{F825243E-C849-BD4A-ABA8-B583F2C00A2C}" type="slidenum">
               <a:rPr lang="fr-FR"/>
               <a:pPr/>
-              <a:t>‹#›</a:t>
+              <a:t>‹N°›</a:t>
             </a:fld>
             <a:endParaRPr lang="fr-FR"/>
           </a:p>
@@ -1608,10 +1606,9 @@
           <a:lstStyle/>
           <a:p>
             <a:r>
-              <a:rPr lang="fr-FR" smtClean="0"/>
+              <a:rPr lang="fr-FR"/>
               <a:t>Cliquez et modifiez le titre</a:t>
             </a:r>
-            <a:endParaRPr lang="fr-FR"/>
           </a:p>
         </p:txBody>
       </p:sp>
@@ -1632,38 +1629,37 @@
           <a:p>
             <a:pPr lvl="0"/>
             <a:r>
-              <a:rPr lang="fr-FR" smtClean="0"/>
+              <a:rPr lang="fr-FR"/>
               <a:t>Cliquez pour modifier les styles du texte du masque</a:t>
             </a:r>
           </a:p>
           <a:p>
             <a:pPr lvl="1"/>
             <a:r>
-              <a:rPr lang="fr-FR" smtClean="0"/>
+              <a:rPr lang="fr-FR"/>
               <a:t>Deuxième niveau</a:t>
             </a:r>
           </a:p>
           <a:p>
             <a:pPr lvl="2"/>
             <a:r>
-              <a:rPr lang="fr-FR" smtClean="0"/>
+              <a:rPr lang="fr-FR"/>
               <a:t>Troisième niveau</a:t>
             </a:r>
           </a:p>
           <a:p>
             <a:pPr lvl="3"/>
             <a:r>
-              <a:rPr lang="fr-FR" smtClean="0"/>
+              <a:rPr lang="fr-FR"/>
               <a:t>Quatrième niveau</a:t>
             </a:r>
           </a:p>
           <a:p>
             <a:pPr lvl="4"/>
             <a:r>
-              <a:rPr lang="fr-FR" smtClean="0"/>
+              <a:rPr lang="fr-FR"/>
               <a:t>Cinquième niveau</a:t>
             </a:r>
-            <a:endParaRPr lang="fr-FR"/>
           </a:p>
         </p:txBody>
       </p:sp>
@@ -1735,7 +1731,7 @@
             <a:fld id="{8F9DE9A9-CAAB-7C43-81D7-621A96C12653}" type="slidenum">
               <a:rPr lang="fr-FR"/>
               <a:pPr/>
-              <a:t>‹#›</a:t>
+              <a:t>‹N°›</a:t>
             </a:fld>
             <a:endParaRPr lang="fr-FR"/>
           </a:p>
@@ -1792,10 +1788,9 @@
           <a:lstStyle/>
           <a:p>
             <a:r>
-              <a:rPr lang="fr-FR" smtClean="0"/>
+              <a:rPr lang="fr-FR"/>
               <a:t>Cliquez et modifiez le titre</a:t>
             </a:r>
-            <a:endParaRPr lang="fr-FR"/>
           </a:p>
         </p:txBody>
       </p:sp>
@@ -1821,38 +1816,37 @@
           <a:p>
             <a:pPr lvl="0"/>
             <a:r>
-              <a:rPr lang="fr-FR" smtClean="0"/>
+              <a:rPr lang="fr-FR"/>
               <a:t>Cliquez pour modifier les styles du texte du masque</a:t>
             </a:r>
           </a:p>
           <a:p>
             <a:pPr lvl="1"/>
             <a:r>
-              <a:rPr lang="fr-FR" smtClean="0"/>
+              <a:rPr lang="fr-FR"/>
               <a:t>Deuxième niveau</a:t>
             </a:r>
           </a:p>
           <a:p>
             <a:pPr lvl="2"/>
             <a:r>
-              <a:rPr lang="fr-FR" smtClean="0"/>
+              <a:rPr lang="fr-FR"/>
               <a:t>Troisième niveau</a:t>
             </a:r>
           </a:p>
           <a:p>
             <a:pPr lvl="3"/>
             <a:r>
-              <a:rPr lang="fr-FR" smtClean="0"/>
+              <a:rPr lang="fr-FR"/>
               <a:t>Quatrième niveau</a:t>
             </a:r>
           </a:p>
           <a:p>
             <a:pPr lvl="4"/>
             <a:r>
-              <a:rPr lang="fr-FR" smtClean="0"/>
+              <a:rPr lang="fr-FR"/>
               <a:t>Cinquième niveau</a:t>
             </a:r>
-            <a:endParaRPr lang="fr-FR"/>
           </a:p>
         </p:txBody>
       </p:sp>
@@ -1924,7 +1918,7 @@
             <a:fld id="{D5A228AE-D82D-734D-B613-1ECB7A953A9B}" type="slidenum">
               <a:rPr lang="fr-FR"/>
               <a:pPr/>
-              <a:t>‹#›</a:t>
+              <a:t>‹N°›</a:t>
             </a:fld>
             <a:endParaRPr lang="fr-FR"/>
           </a:p>
@@ -1981,10 +1975,9 @@
           <a:lstStyle/>
           <a:p>
             <a:r>
-              <a:rPr lang="fr-FR" smtClean="0"/>
+              <a:rPr lang="fr-FR"/>
               <a:t>Cliquez et modifiez le titre</a:t>
             </a:r>
-            <a:endParaRPr lang="fr-FR"/>
           </a:p>
         </p:txBody>
       </p:sp>
@@ -2071,7 +2064,7 @@
             <a:fld id="{49CDBF49-8006-B945-89C7-041D6B8D1974}" type="slidenum">
               <a:rPr lang="fr-FR"/>
               <a:pPr/>
-              <a:t>‹#›</a:t>
+              <a:t>‹N°›</a:t>
             </a:fld>
             <a:endParaRPr lang="fr-FR"/>
           </a:p>
@@ -2123,10 +2116,9 @@
           <a:lstStyle/>
           <a:p>
             <a:r>
-              <a:rPr lang="fr-FR" smtClean="0"/>
+              <a:rPr lang="fr-FR"/>
               <a:t>Cliquez et modifiez le titre</a:t>
             </a:r>
-            <a:endParaRPr lang="fr-FR"/>
           </a:p>
         </p:txBody>
       </p:sp>
@@ -2147,38 +2139,37 @@
           <a:p>
             <a:pPr lvl="0"/>
             <a:r>
-              <a:rPr lang="fr-FR" smtClean="0"/>
+              <a:rPr lang="fr-FR"/>
               <a:t>Cliquez pour modifier les styles du texte du masque</a:t>
             </a:r>
           </a:p>
           <a:p>
             <a:pPr lvl="1"/>
             <a:r>
-              <a:rPr lang="fr-FR" smtClean="0"/>
+              <a:rPr lang="fr-FR"/>
               <a:t>Deuxième niveau</a:t>
             </a:r>
           </a:p>
           <a:p>
             <a:pPr lvl="2"/>
             <a:r>
-              <a:rPr lang="fr-FR" smtClean="0"/>
+              <a:rPr lang="fr-FR"/>
               <a:t>Troisième niveau</a:t>
             </a:r>
           </a:p>
           <a:p>
             <a:pPr lvl="3"/>
             <a:r>
-              <a:rPr lang="fr-FR" smtClean="0"/>
+              <a:rPr lang="fr-FR"/>
               <a:t>Quatrième niveau</a:t>
             </a:r>
           </a:p>
           <a:p>
             <a:pPr lvl="4"/>
             <a:r>
-              <a:rPr lang="fr-FR" smtClean="0"/>
+              <a:rPr lang="fr-FR"/>
               <a:t>Cinquième niveau</a:t>
             </a:r>
-            <a:endParaRPr lang="fr-FR"/>
           </a:p>
         </p:txBody>
       </p:sp>
@@ -2250,7 +2241,7 @@
             <a:fld id="{EC5EE1A5-F6F7-7D48-8FE7-30CC8A9F1068}" type="slidenum">
               <a:rPr lang="fr-FR"/>
               <a:pPr/>
-              <a:t>‹#›</a:t>
+              <a:t>‹N°›</a:t>
             </a:fld>
             <a:endParaRPr lang="fr-FR"/>
           </a:p>
@@ -2311,10 +2302,9 @@
           </a:lstStyle>
           <a:p>
             <a:r>
-              <a:rPr lang="fr-FR" smtClean="0"/>
+              <a:rPr lang="fr-FR"/>
               <a:t>Cliquez et modifiez le titre</a:t>
             </a:r>
-            <a:endParaRPr lang="fr-FR"/>
           </a:p>
         </p:txBody>
       </p:sp>
@@ -2377,7 +2367,7 @@
           <a:p>
             <a:pPr lvl="0"/>
             <a:r>
-              <a:rPr lang="fr-FR" smtClean="0"/>
+              <a:rPr lang="fr-FR"/>
               <a:t>Cliquez pour modifier les styles du texte du masque</a:t>
             </a:r>
           </a:p>
@@ -2451,7 +2441,7 @@
             <a:fld id="{9F7D419C-8613-604F-B9AB-4EC7D2DEBB9D}" type="slidenum">
               <a:rPr lang="fr-FR"/>
               <a:pPr/>
-              <a:t>‹#›</a:t>
+              <a:t>‹N°›</a:t>
             </a:fld>
             <a:endParaRPr lang="fr-FR"/>
           </a:p>
@@ -2503,10 +2493,9 @@
           <a:lstStyle/>
           <a:p>
             <a:r>
-              <a:rPr lang="fr-FR" smtClean="0"/>
+              <a:rPr lang="fr-FR"/>
               <a:t>Cliquez et modifiez le titre</a:t>
             </a:r>
-            <a:endParaRPr lang="fr-FR"/>
           </a:p>
         </p:txBody>
       </p:sp>
@@ -2560,38 +2549,37 @@
           <a:p>
             <a:pPr lvl="0"/>
             <a:r>
-              <a:rPr lang="fr-FR" smtClean="0"/>
+              <a:rPr lang="fr-FR"/>
               <a:t>Cliquez pour modifier les styles du texte du masque</a:t>
             </a:r>
           </a:p>
           <a:p>
             <a:pPr lvl="1"/>
             <a:r>
-              <a:rPr lang="fr-FR" smtClean="0"/>
+              <a:rPr lang="fr-FR"/>
               <a:t>Deuxième niveau</a:t>
             </a:r>
           </a:p>
           <a:p>
             <a:pPr lvl="2"/>
             <a:r>
-              <a:rPr lang="fr-FR" smtClean="0"/>
+              <a:rPr lang="fr-FR"/>
               <a:t>Troisième niveau</a:t>
             </a:r>
           </a:p>
           <a:p>
             <a:pPr lvl="3"/>
             <a:r>
-              <a:rPr lang="fr-FR" smtClean="0"/>
+              <a:rPr lang="fr-FR"/>
               <a:t>Quatrième niveau</a:t>
             </a:r>
           </a:p>
           <a:p>
             <a:pPr lvl="4"/>
             <a:r>
-              <a:rPr lang="fr-FR" smtClean="0"/>
+              <a:rPr lang="fr-FR"/>
               <a:t>Cinquième niveau</a:t>
             </a:r>
-            <a:endParaRPr lang="fr-FR"/>
           </a:p>
         </p:txBody>
       </p:sp>
@@ -2645,38 +2633,37 @@
           <a:p>
             <a:pPr lvl="0"/>
             <a:r>
-              <a:rPr lang="fr-FR" smtClean="0"/>
+              <a:rPr lang="fr-FR"/>
               <a:t>Cliquez pour modifier les styles du texte du masque</a:t>
             </a:r>
           </a:p>
           <a:p>
             <a:pPr lvl="1"/>
             <a:r>
-              <a:rPr lang="fr-FR" smtClean="0"/>
+              <a:rPr lang="fr-FR"/>
               <a:t>Deuxième niveau</a:t>
             </a:r>
           </a:p>
           <a:p>
             <a:pPr lvl="2"/>
             <a:r>
-              <a:rPr lang="fr-FR" smtClean="0"/>
+              <a:rPr lang="fr-FR"/>
               <a:t>Troisième niveau</a:t>
             </a:r>
           </a:p>
           <a:p>
             <a:pPr lvl="3"/>
             <a:r>
-              <a:rPr lang="fr-FR" smtClean="0"/>
+              <a:rPr lang="fr-FR"/>
               <a:t>Quatrième niveau</a:t>
             </a:r>
           </a:p>
           <a:p>
             <a:pPr lvl="4"/>
             <a:r>
-              <a:rPr lang="fr-FR" smtClean="0"/>
+              <a:rPr lang="fr-FR"/>
               <a:t>Cinquième niveau</a:t>
             </a:r>
-            <a:endParaRPr lang="fr-FR"/>
           </a:p>
         </p:txBody>
       </p:sp>
@@ -2748,7 +2735,7 @@
             <a:fld id="{22672B69-9559-934B-B3BA-1D475C011B40}" type="slidenum">
               <a:rPr lang="fr-FR"/>
               <a:pPr/>
-              <a:t>‹#›</a:t>
+              <a:t>‹N°›</a:t>
             </a:fld>
             <a:endParaRPr lang="fr-FR"/>
           </a:p>
@@ -2809,10 +2796,9 @@
           </a:lstStyle>
           <a:p>
             <a:r>
-              <a:rPr lang="fr-FR" smtClean="0"/>
+              <a:rPr lang="fr-FR"/>
               <a:t>Cliquez et modifiez le titre</a:t>
             </a:r>
-            <a:endParaRPr lang="fr-FR"/>
           </a:p>
         </p:txBody>
       </p:sp>
@@ -2875,7 +2861,7 @@
           <a:p>
             <a:pPr lvl="0"/>
             <a:r>
-              <a:rPr lang="fr-FR" smtClean="0"/>
+              <a:rPr lang="fr-FR"/>
               <a:t>Cliquez pour modifier les styles du texte du masque</a:t>
             </a:r>
           </a:p>
@@ -2931,38 +2917,37 @@
           <a:p>
             <a:pPr lvl="0"/>
             <a:r>
-              <a:rPr lang="fr-FR" smtClean="0"/>
+              <a:rPr lang="fr-FR"/>
               <a:t>Cliquez pour modifier les styles du texte du masque</a:t>
             </a:r>
           </a:p>
           <a:p>
             <a:pPr lvl="1"/>
             <a:r>
-              <a:rPr lang="fr-FR" smtClean="0"/>
+              <a:rPr lang="fr-FR"/>
               <a:t>Deuxième niveau</a:t>
             </a:r>
           </a:p>
           <a:p>
             <a:pPr lvl="2"/>
             <a:r>
-              <a:rPr lang="fr-FR" smtClean="0"/>
+              <a:rPr lang="fr-FR"/>
               <a:t>Troisième niveau</a:t>
             </a:r>
           </a:p>
           <a:p>
             <a:pPr lvl="3"/>
             <a:r>
-              <a:rPr lang="fr-FR" smtClean="0"/>
+              <a:rPr lang="fr-FR"/>
               <a:t>Quatrième niveau</a:t>
             </a:r>
           </a:p>
           <a:p>
             <a:pPr lvl="4"/>
             <a:r>
-              <a:rPr lang="fr-FR" smtClean="0"/>
+              <a:rPr lang="fr-FR"/>
               <a:t>Cinquième niveau</a:t>
             </a:r>
-            <a:endParaRPr lang="fr-FR"/>
           </a:p>
         </p:txBody>
       </p:sp>
@@ -3025,7 +3010,7 @@
           <a:p>
             <a:pPr lvl="0"/>
             <a:r>
-              <a:rPr lang="fr-FR" smtClean="0"/>
+              <a:rPr lang="fr-FR"/>
               <a:t>Cliquez pour modifier les styles du texte du masque</a:t>
             </a:r>
           </a:p>
@@ -3081,38 +3066,37 @@
           <a:p>
             <a:pPr lvl="0"/>
             <a:r>
-              <a:rPr lang="fr-FR" smtClean="0"/>
+              <a:rPr lang="fr-FR"/>
               <a:t>Cliquez pour modifier les styles du texte du masque</a:t>
             </a:r>
           </a:p>
           <a:p>
             <a:pPr lvl="1"/>
             <a:r>
-              <a:rPr lang="fr-FR" smtClean="0"/>
+              <a:rPr lang="fr-FR"/>
               <a:t>Deuxième niveau</a:t>
             </a:r>
           </a:p>
           <a:p>
             <a:pPr lvl="2"/>
             <a:r>
-              <a:rPr lang="fr-FR" smtClean="0"/>
+              <a:rPr lang="fr-FR"/>
               <a:t>Troisième niveau</a:t>
             </a:r>
           </a:p>
           <a:p>
             <a:pPr lvl="3"/>
             <a:r>
-              <a:rPr lang="fr-FR" smtClean="0"/>
+              <a:rPr lang="fr-FR"/>
               <a:t>Quatrième niveau</a:t>
             </a:r>
           </a:p>
           <a:p>
             <a:pPr lvl="4"/>
             <a:r>
-              <a:rPr lang="fr-FR" smtClean="0"/>
+              <a:rPr lang="fr-FR"/>
               <a:t>Cinquième niveau</a:t>
             </a:r>
-            <a:endParaRPr lang="fr-FR"/>
           </a:p>
         </p:txBody>
       </p:sp>
@@ -3184,7 +3168,7 @@
             <a:fld id="{E00C7CA2-2D53-0945-A93E-3DD4517AF5FE}" type="slidenum">
               <a:rPr lang="fr-FR"/>
               <a:pPr/>
-              <a:t>‹#›</a:t>
+              <a:t>‹N°›</a:t>
             </a:fld>
             <a:endParaRPr lang="fr-FR"/>
           </a:p>
@@ -3236,10 +3220,9 @@
           <a:lstStyle/>
           <a:p>
             <a:r>
-              <a:rPr lang="fr-FR" smtClean="0"/>
+              <a:rPr lang="fr-FR"/>
               <a:t>Cliquez et modifiez le titre</a:t>
             </a:r>
-            <a:endParaRPr lang="fr-FR"/>
           </a:p>
         </p:txBody>
       </p:sp>
@@ -3311,7 +3294,7 @@
             <a:fld id="{CC7300D1-FD28-B34D-BF47-197FBF1C7589}" type="slidenum">
               <a:rPr lang="fr-FR"/>
               <a:pPr/>
-              <a:t>‹#›</a:t>
+              <a:t>‹N°›</a:t>
             </a:fld>
             <a:endParaRPr lang="fr-FR"/>
           </a:p>
@@ -3415,7 +3398,7 @@
             <a:fld id="{6174C1F0-928D-7948-BC3A-DE0DBBEBB221}" type="slidenum">
               <a:rPr lang="fr-FR"/>
               <a:pPr/>
-              <a:t>‹#›</a:t>
+              <a:t>‹N°›</a:t>
             </a:fld>
             <a:endParaRPr lang="fr-FR"/>
           </a:p>
@@ -3476,10 +3459,9 @@
           </a:lstStyle>
           <a:p>
             <a:r>
-              <a:rPr lang="fr-FR" smtClean="0"/>
+              <a:rPr lang="fr-FR"/>
               <a:t>Cliquez et modifiez le titre</a:t>
             </a:r>
-            <a:endParaRPr lang="fr-FR"/>
           </a:p>
         </p:txBody>
       </p:sp>
@@ -3533,38 +3515,37 @@
           <a:p>
             <a:pPr lvl="0"/>
             <a:r>
-              <a:rPr lang="fr-FR" smtClean="0"/>
+              <a:rPr lang="fr-FR"/>
               <a:t>Cliquez pour modifier les styles du texte du masque</a:t>
             </a:r>
           </a:p>
           <a:p>
             <a:pPr lvl="1"/>
             <a:r>
-              <a:rPr lang="fr-FR" smtClean="0"/>
+              <a:rPr lang="fr-FR"/>
               <a:t>Deuxième niveau</a:t>
             </a:r>
           </a:p>
           <a:p>
             <a:pPr lvl="2"/>
             <a:r>
-              <a:rPr lang="fr-FR" smtClean="0"/>
+              <a:rPr lang="fr-FR"/>
               <a:t>Troisième niveau</a:t>
             </a:r>
           </a:p>
           <a:p>
             <a:pPr lvl="3"/>
             <a:r>
-              <a:rPr lang="fr-FR" smtClean="0"/>
+              <a:rPr lang="fr-FR"/>
               <a:t>Quatrième niveau</a:t>
             </a:r>
           </a:p>
           <a:p>
             <a:pPr lvl="4"/>
             <a:r>
-              <a:rPr lang="fr-FR" smtClean="0"/>
+              <a:rPr lang="fr-FR"/>
               <a:t>Cinquième niveau</a:t>
             </a:r>
-            <a:endParaRPr lang="fr-FR"/>
           </a:p>
         </p:txBody>
       </p:sp>
@@ -3627,7 +3608,7 @@
           <a:p>
             <a:pPr lvl="0"/>
             <a:r>
-              <a:rPr lang="fr-FR" smtClean="0"/>
+              <a:rPr lang="fr-FR"/>
               <a:t>Cliquez pour modifier les styles du texte du masque</a:t>
             </a:r>
           </a:p>
@@ -3701,7 +3682,7 @@
             <a:fld id="{8D5AEB4D-4273-8147-8D11-F048701C30F0}" type="slidenum">
               <a:rPr lang="fr-FR"/>
               <a:pPr/>
-              <a:t>‹#›</a:t>
+              <a:t>‹N°›</a:t>
             </a:fld>
             <a:endParaRPr lang="fr-FR"/>
           </a:p>
@@ -3762,10 +3743,9 @@
           </a:lstStyle>
           <a:p>
             <a:r>
-              <a:rPr lang="fr-FR" smtClean="0"/>
+              <a:rPr lang="fr-FR"/>
               <a:t>Cliquez et modifiez le titre</a:t>
             </a:r>
-            <a:endParaRPr lang="fr-FR"/>
           </a:p>
         </p:txBody>
       </p:sp>
@@ -3827,10 +3807,9 @@
           </a:lstStyle>
           <a:p>
             <a:r>
-              <a:rPr lang="fr-FR" smtClean="0"/>
+              <a:rPr lang="fr-FR"/>
               <a:t>Faire glisser l'image vers l'espace réservé ou cliquer sur l'icône pour l'ajouter</a:t>
             </a:r>
-            <a:endParaRPr lang="fr-FR"/>
           </a:p>
         </p:txBody>
       </p:sp>
@@ -3893,7 +3872,7 @@
           <a:p>
             <a:pPr lvl="0"/>
             <a:r>
-              <a:rPr lang="fr-FR" smtClean="0"/>
+              <a:rPr lang="fr-FR"/>
               <a:t>Cliquez pour modifier les styles du texte du masque</a:t>
             </a:r>
           </a:p>
@@ -3967,7 +3946,7 @@
             <a:fld id="{FF461557-08DD-144C-8362-37452B3FE8EB}" type="slidenum">
               <a:rPr lang="fr-FR"/>
               <a:pPr/>
-              <a:t>‹#›</a:t>
+              <a:t>‹N°›</a:t>
             </a:fld>
             <a:endParaRPr lang="fr-FR"/>
           </a:p>
@@ -4036,17 +4015,17 @@
           <a:effectLst/>
           <a:extLst>
             <a:ext uri="{FAA26D3D-D897-4be2-8F04-BA451C77F1D7}">
-              <ma14:placeholderFlag xmlns:ma14="http://schemas.microsoft.com/office/mac/drawingml/2011/main" val="1"/>
+              <ma14:placeholderFlag xmlns:ma14="http://schemas.microsoft.com/office/mac/drawingml/2011/main" xmlns="" val="1"/>
             </a:ext>
             <a:ext uri="{909E8E84-426E-40dd-AFC4-6F175D3DCCD1}">
-              <a14:hiddenFill xmlns="" xmlns:a14="http://schemas.microsoft.com/office/drawing/2010/main">
+              <a14:hiddenFill xmlns:a14="http://schemas.microsoft.com/office/drawing/2010/main" xmlns="">
                 <a:solidFill>
                   <a:srgbClr val="FFFFFF"/>
                 </a:solidFill>
               </a14:hiddenFill>
             </a:ext>
             <a:ext uri="{91240B29-F687-4f45-9708-019B960494DF}">
-              <a14:hiddenLine xmlns="" xmlns:a14="http://schemas.microsoft.com/office/drawing/2010/main" w="9525" cap="flat">
+              <a14:hiddenLine xmlns:a14="http://schemas.microsoft.com/office/drawing/2010/main" xmlns="" w="9525" cap="flat">
                 <a:solidFill>
                   <a:srgbClr val="000000"/>
                 </a:solidFill>
@@ -4056,7 +4035,7 @@
               </a14:hiddenLine>
             </a:ext>
             <a:ext uri="{AF507438-7753-43e0-B8FC-AC1667EBCBE1}">
-              <a14:hiddenEffects xmlns="" xmlns:a14="http://schemas.microsoft.com/office/drawing/2010/main">
+              <a14:hiddenEffects xmlns:a14="http://schemas.microsoft.com/office/drawing/2010/main" xmlns="">
                 <a:effectLst>
                   <a:outerShdw blurRad="63500" dist="38099" dir="2700000" algn="ctr" rotWithShape="0">
                     <a:schemeClr val="bg2">
@@ -4109,17 +4088,17 @@
           <a:effectLst/>
           <a:extLst>
             <a:ext uri="{FAA26D3D-D897-4be2-8F04-BA451C77F1D7}">
-              <ma14:placeholderFlag xmlns:ma14="http://schemas.microsoft.com/office/mac/drawingml/2011/main" val="1"/>
+              <ma14:placeholderFlag xmlns:ma14="http://schemas.microsoft.com/office/mac/drawingml/2011/main" xmlns="" val="1"/>
             </a:ext>
             <a:ext uri="{909E8E84-426E-40dd-AFC4-6F175D3DCCD1}">
-              <a14:hiddenFill xmlns="" xmlns:a14="http://schemas.microsoft.com/office/drawing/2010/main">
+              <a14:hiddenFill xmlns:a14="http://schemas.microsoft.com/office/drawing/2010/main" xmlns="">
                 <a:solidFill>
                   <a:srgbClr val="FFFFFF"/>
                 </a:solidFill>
               </a14:hiddenFill>
             </a:ext>
             <a:ext uri="{91240B29-F687-4f45-9708-019B960494DF}">
-              <a14:hiddenLine xmlns="" xmlns:a14="http://schemas.microsoft.com/office/drawing/2010/main" w="9525" cap="flat">
+              <a14:hiddenLine xmlns:a14="http://schemas.microsoft.com/office/drawing/2010/main" xmlns="" w="9525" cap="flat">
                 <a:solidFill>
                   <a:srgbClr val="000000"/>
                 </a:solidFill>
@@ -4129,7 +4108,7 @@
               </a14:hiddenLine>
             </a:ext>
             <a:ext uri="{AF507438-7753-43e0-B8FC-AC1667EBCBE1}">
-              <a14:hiddenEffects xmlns="" xmlns:a14="http://schemas.microsoft.com/office/drawing/2010/main">
+              <a14:hiddenEffects xmlns:a14="http://schemas.microsoft.com/office/drawing/2010/main" xmlns="">
                 <a:effectLst>
                   <a:outerShdw blurRad="63500" dist="38099" dir="2700000" algn="ctr" rotWithShape="0">
                     <a:schemeClr val="bg2">
@@ -4224,17 +4203,17 @@
           <a:effectLst/>
           <a:extLst>
             <a:ext uri="{FAA26D3D-D897-4be2-8F04-BA451C77F1D7}">
-              <ma14:placeholderFlag xmlns:ma14="http://schemas.microsoft.com/office/mac/drawingml/2011/main" val="1"/>
+              <ma14:placeholderFlag xmlns:ma14="http://schemas.microsoft.com/office/mac/drawingml/2011/main" xmlns="" val="1"/>
             </a:ext>
             <a:ext uri="{909E8E84-426E-40dd-AFC4-6F175D3DCCD1}">
-              <a14:hiddenFill xmlns="" xmlns:a14="http://schemas.microsoft.com/office/drawing/2010/main">
+              <a14:hiddenFill xmlns:a14="http://schemas.microsoft.com/office/drawing/2010/main" xmlns="">
                 <a:solidFill>
                   <a:srgbClr val="FFFFFF"/>
                 </a:solidFill>
               </a14:hiddenFill>
             </a:ext>
             <a:ext uri="{91240B29-F687-4f45-9708-019B960494DF}">
-              <a14:hiddenLine xmlns="" xmlns:a14="http://schemas.microsoft.com/office/drawing/2010/main" w="9525" cap="flat">
+              <a14:hiddenLine xmlns:a14="http://schemas.microsoft.com/office/drawing/2010/main" xmlns="" w="9525" cap="flat">
                 <a:solidFill>
                   <a:srgbClr val="000000"/>
                 </a:solidFill>
@@ -4244,7 +4223,7 @@
               </a14:hiddenLine>
             </a:ext>
             <a:ext uri="{AF507438-7753-43e0-B8FC-AC1667EBCBE1}">
-              <a14:hiddenEffects xmlns="" xmlns:a14="http://schemas.microsoft.com/office/drawing/2010/main">
+              <a14:hiddenEffects xmlns:a14="http://schemas.microsoft.com/office/drawing/2010/main" xmlns="">
                 <a:effectLst>
                   <a:outerShdw blurRad="63500" dist="38099" dir="2700000" algn="ctr" rotWithShape="0">
                     <a:schemeClr val="bg2">
@@ -4313,17 +4292,17 @@
           <a:effectLst/>
           <a:extLst>
             <a:ext uri="{FAA26D3D-D897-4be2-8F04-BA451C77F1D7}">
-              <ma14:placeholderFlag xmlns:ma14="http://schemas.microsoft.com/office/mac/drawingml/2011/main" val="1"/>
+              <ma14:placeholderFlag xmlns:ma14="http://schemas.microsoft.com/office/mac/drawingml/2011/main" xmlns="" val="1"/>
             </a:ext>
             <a:ext uri="{909E8E84-426E-40dd-AFC4-6F175D3DCCD1}">
-              <a14:hiddenFill xmlns="" xmlns:a14="http://schemas.microsoft.com/office/drawing/2010/main">
+              <a14:hiddenFill xmlns:a14="http://schemas.microsoft.com/office/drawing/2010/main" xmlns="">
                 <a:solidFill>
                   <a:srgbClr val="FFFFFF"/>
                 </a:solidFill>
               </a14:hiddenFill>
             </a:ext>
             <a:ext uri="{91240B29-F687-4f45-9708-019B960494DF}">
-              <a14:hiddenLine xmlns="" xmlns:a14="http://schemas.microsoft.com/office/drawing/2010/main" w="9525" cap="flat">
+              <a14:hiddenLine xmlns:a14="http://schemas.microsoft.com/office/drawing/2010/main" xmlns="" w="9525" cap="flat">
                 <a:solidFill>
                   <a:srgbClr val="000000"/>
                 </a:solidFill>
@@ -4333,7 +4312,7 @@
               </a14:hiddenLine>
             </a:ext>
             <a:ext uri="{AF507438-7753-43e0-B8FC-AC1667EBCBE1}">
-              <a14:hiddenEffects xmlns="" xmlns:a14="http://schemas.microsoft.com/office/drawing/2010/main">
+              <a14:hiddenEffects xmlns:a14="http://schemas.microsoft.com/office/drawing/2010/main" xmlns="">
                 <a:effectLst>
                   <a:outerShdw blurRad="63500" dist="38099" dir="2700000" algn="ctr" rotWithShape="0">
                     <a:schemeClr val="bg2">
@@ -4404,17 +4383,17 @@
           <a:effectLst/>
           <a:extLst>
             <a:ext uri="{FAA26D3D-D897-4be2-8F04-BA451C77F1D7}">
-              <ma14:placeholderFlag xmlns:ma14="http://schemas.microsoft.com/office/mac/drawingml/2011/main" val="1"/>
+              <ma14:placeholderFlag xmlns:ma14="http://schemas.microsoft.com/office/mac/drawingml/2011/main" xmlns="" val="1"/>
             </a:ext>
             <a:ext uri="{909E8E84-426E-40dd-AFC4-6F175D3DCCD1}">
-              <a14:hiddenFill xmlns="" xmlns:a14="http://schemas.microsoft.com/office/drawing/2010/main">
+              <a14:hiddenFill xmlns:a14="http://schemas.microsoft.com/office/drawing/2010/main" xmlns="">
                 <a:solidFill>
                   <a:srgbClr val="FFFFFF"/>
                 </a:solidFill>
               </a14:hiddenFill>
             </a:ext>
             <a:ext uri="{91240B29-F687-4f45-9708-019B960494DF}">
-              <a14:hiddenLine xmlns="" xmlns:a14="http://schemas.microsoft.com/office/drawing/2010/main" w="9525" cap="flat">
+              <a14:hiddenLine xmlns:a14="http://schemas.microsoft.com/office/drawing/2010/main" xmlns="" w="9525" cap="flat">
                 <a:solidFill>
                   <a:srgbClr val="000000"/>
                 </a:solidFill>
@@ -4424,7 +4403,7 @@
               </a14:hiddenLine>
             </a:ext>
             <a:ext uri="{AF507438-7753-43e0-B8FC-AC1667EBCBE1}">
-              <a14:hiddenEffects xmlns="" xmlns:a14="http://schemas.microsoft.com/office/drawing/2010/main">
+              <a14:hiddenEffects xmlns:a14="http://schemas.microsoft.com/office/drawing/2010/main" xmlns="">
                 <a:effectLst>
                   <a:outerShdw blurRad="63500" dist="38099" dir="2700000" algn="ctr" rotWithShape="0">
                     <a:schemeClr val="bg2">
@@ -4467,7 +4446,7 @@
             <a:fld id="{30EC8730-DEC3-C64D-9566-F7C738AAF5B3}" type="slidenum">
               <a:rPr lang="fr-FR"/>
               <a:pPr/>
-              <a:t>‹#›</a:t>
+              <a:t>‹N°›</a:t>
             </a:fld>
             <a:endParaRPr lang="fr-FR"/>
           </a:p>
@@ -5075,7 +5054,7 @@
           <a:effectLst/>
           <a:extLst>
             <a:ext uri="{AF507438-7753-43e0-B8FC-AC1667EBCBE1}">
-              <a14:hiddenEffects xmlns="" xmlns:a14="http://schemas.microsoft.com/office/drawing/2010/main">
+              <a14:hiddenEffects xmlns:a14="http://schemas.microsoft.com/office/drawing/2010/main" xmlns="">
                 <a:effectLst>
                   <a:outerShdw blurRad="63500" dist="38099" dir="2700000" algn="ctr" rotWithShape="0">
                     <a:srgbClr val="000000">
@@ -5127,7 +5106,7 @@
           <a:effectLst/>
           <a:extLst>
             <a:ext uri="{AF507438-7753-43e0-B8FC-AC1667EBCBE1}">
-              <a14:hiddenEffects xmlns="" xmlns:a14="http://schemas.microsoft.com/office/drawing/2010/main">
+              <a14:hiddenEffects xmlns:a14="http://schemas.microsoft.com/office/drawing/2010/main" xmlns="">
                 <a:effectLst>
                   <a:outerShdw blurRad="63500" dist="38099" dir="2700000" algn="ctr" rotWithShape="0">
                     <a:srgbClr val="000000">
@@ -5179,7 +5158,7 @@
           <a:effectLst/>
           <a:extLst>
             <a:ext uri="{AF507438-7753-43e0-B8FC-AC1667EBCBE1}">
-              <a14:hiddenEffects xmlns="" xmlns:a14="http://schemas.microsoft.com/office/drawing/2010/main">
+              <a14:hiddenEffects xmlns:a14="http://schemas.microsoft.com/office/drawing/2010/main" xmlns="">
                 <a:effectLst>
                   <a:outerShdw blurRad="63500" dist="38099" dir="2700000" algn="ctr" rotWithShape="0">
                     <a:srgbClr val="000000">
@@ -5231,7 +5210,7 @@
           <a:effectLst/>
           <a:extLst>
             <a:ext uri="{AF507438-7753-43e0-B8FC-AC1667EBCBE1}">
-              <a14:hiddenEffects xmlns="" xmlns:a14="http://schemas.microsoft.com/office/drawing/2010/main">
+              <a14:hiddenEffects xmlns:a14="http://schemas.microsoft.com/office/drawing/2010/main" xmlns="">
                 <a:effectLst>
                   <a:outerShdw blurRad="63500" dist="38099" dir="2700000" algn="ctr" rotWithShape="0">
                     <a:srgbClr val="000000">
@@ -5281,7 +5260,7 @@
           <a:effectLst/>
           <a:extLst>
             <a:ext uri="{AF507438-7753-43e0-B8FC-AC1667EBCBE1}">
-              <a14:hiddenEffects xmlns="" xmlns:a14="http://schemas.microsoft.com/office/drawing/2010/main">
+              <a14:hiddenEffects xmlns:a14="http://schemas.microsoft.com/office/drawing/2010/main" xmlns="">
                 <a:effectLst>
                   <a:outerShdw blurRad="63500" dist="38099" dir="2700000" algn="ctr" rotWithShape="0">
                     <a:srgbClr val="000000">
@@ -5333,7 +5312,7 @@
           <a:effectLst/>
           <a:extLst>
             <a:ext uri="{AF507438-7753-43e0-B8FC-AC1667EBCBE1}">
-              <a14:hiddenEffects xmlns="" xmlns:a14="http://schemas.microsoft.com/office/drawing/2010/main">
+              <a14:hiddenEffects xmlns:a14="http://schemas.microsoft.com/office/drawing/2010/main" xmlns="">
                 <a:effectLst>
                   <a:outerShdw blurRad="63500" dist="38099" dir="2700000" algn="ctr" rotWithShape="0">
                     <a:srgbClr val="000000">
@@ -5385,7 +5364,7 @@
           <a:effectLst/>
           <a:extLst>
             <a:ext uri="{AF507438-7753-43e0-B8FC-AC1667EBCBE1}">
-              <a14:hiddenEffects xmlns="" xmlns:a14="http://schemas.microsoft.com/office/drawing/2010/main">
+              <a14:hiddenEffects xmlns:a14="http://schemas.microsoft.com/office/drawing/2010/main" xmlns="">
                 <a:effectLst>
                   <a:outerShdw blurRad="63500" dist="38099" dir="2700000" algn="ctr" rotWithShape="0">
                     <a:srgbClr val="000000">
@@ -5437,7 +5416,7 @@
           <a:effectLst/>
           <a:extLst>
             <a:ext uri="{AF507438-7753-43e0-B8FC-AC1667EBCBE1}">
-              <a14:hiddenEffects xmlns="" xmlns:a14="http://schemas.microsoft.com/office/drawing/2010/main">
+              <a14:hiddenEffects xmlns:a14="http://schemas.microsoft.com/office/drawing/2010/main" xmlns="">
                 <a:effectLst>
                   <a:outerShdw blurRad="63500" dist="38099" dir="2700000" algn="ctr" rotWithShape="0">
                     <a:srgbClr val="000000">
@@ -5489,7 +5468,7 @@
           <a:effectLst/>
           <a:extLst>
             <a:ext uri="{AF507438-7753-43e0-B8FC-AC1667EBCBE1}">
-              <a14:hiddenEffects xmlns="" xmlns:a14="http://schemas.microsoft.com/office/drawing/2010/main">
+              <a14:hiddenEffects xmlns:a14="http://schemas.microsoft.com/office/drawing/2010/main" xmlns="">
                 <a:effectLst>
                   <a:outerShdw blurRad="63500" dist="38099" dir="2700000" algn="ctr" rotWithShape="0">
                     <a:srgbClr val="000000">
@@ -5541,7 +5520,7 @@
           <a:effectLst/>
           <a:extLst>
             <a:ext uri="{AF507438-7753-43e0-B8FC-AC1667EBCBE1}">
-              <a14:hiddenEffects xmlns="" xmlns:a14="http://schemas.microsoft.com/office/drawing/2010/main">
+              <a14:hiddenEffects xmlns:a14="http://schemas.microsoft.com/office/drawing/2010/main" xmlns="">
                 <a:effectLst>
                   <a:outerShdw blurRad="63500" dist="38099" dir="2700000" algn="ctr" rotWithShape="0">
                     <a:srgbClr val="000000">
@@ -5594,7 +5573,7 @@
           <a:effectLst/>
           <a:extLst>
             <a:ext uri="{AF507438-7753-43e0-B8FC-AC1667EBCBE1}">
-              <a14:hiddenEffects xmlns="" xmlns:a14="http://schemas.microsoft.com/office/drawing/2010/main">
+              <a14:hiddenEffects xmlns:a14="http://schemas.microsoft.com/office/drawing/2010/main" xmlns="">
                 <a:effectLst>
                   <a:outerShdw blurRad="63500" dist="38099" dir="2700000" algn="ctr" rotWithShape="0">
                     <a:srgbClr val="000000">
@@ -5644,7 +5623,7 @@
           <a:effectLst/>
           <a:extLst>
             <a:ext uri="{AF507438-7753-43e0-B8FC-AC1667EBCBE1}">
-              <a14:hiddenEffects xmlns="" xmlns:a14="http://schemas.microsoft.com/office/drawing/2010/main">
+              <a14:hiddenEffects xmlns:a14="http://schemas.microsoft.com/office/drawing/2010/main" xmlns="">
                 <a:effectLst>
                   <a:outerShdw blurRad="63500" dist="38099" dir="2700000" algn="ctr" rotWithShape="0">
                     <a:srgbClr val="000000">
@@ -5694,7 +5673,7 @@
           <a:effectLst/>
           <a:extLst>
             <a:ext uri="{AF507438-7753-43e0-B8FC-AC1667EBCBE1}">
-              <a14:hiddenEffects xmlns="" xmlns:a14="http://schemas.microsoft.com/office/drawing/2010/main">
+              <a14:hiddenEffects xmlns:a14="http://schemas.microsoft.com/office/drawing/2010/main" xmlns="">
                 <a:effectLst>
                   <a:outerShdw blurRad="63500" dist="38099" dir="2700000" algn="ctr" rotWithShape="0">
                     <a:srgbClr val="000000">
@@ -5744,7 +5723,7 @@
           <a:effectLst/>
           <a:extLst>
             <a:ext uri="{AF507438-7753-43e0-B8FC-AC1667EBCBE1}">
-              <a14:hiddenEffects xmlns="" xmlns:a14="http://schemas.microsoft.com/office/drawing/2010/main">
+              <a14:hiddenEffects xmlns:a14="http://schemas.microsoft.com/office/drawing/2010/main" xmlns="">
                 <a:effectLst>
                   <a:outerShdw blurRad="63500" dist="38099" dir="2700000" algn="ctr" rotWithShape="0">
                     <a:srgbClr val="000000">
@@ -5794,7 +5773,7 @@
           <a:effectLst/>
           <a:extLst>
             <a:ext uri="{AF507438-7753-43e0-B8FC-AC1667EBCBE1}">
-              <a14:hiddenEffects xmlns="" xmlns:a14="http://schemas.microsoft.com/office/drawing/2010/main">
+              <a14:hiddenEffects xmlns:a14="http://schemas.microsoft.com/office/drawing/2010/main" xmlns="">
                 <a:effectLst>
                   <a:outerShdw blurRad="63500" dist="38099" dir="2700000" algn="ctr" rotWithShape="0">
                     <a:srgbClr val="000000">
@@ -5844,7 +5823,7 @@
           <a:effectLst/>
           <a:extLst>
             <a:ext uri="{AF507438-7753-43e0-B8FC-AC1667EBCBE1}">
-              <a14:hiddenEffects xmlns="" xmlns:a14="http://schemas.microsoft.com/office/drawing/2010/main">
+              <a14:hiddenEffects xmlns:a14="http://schemas.microsoft.com/office/drawing/2010/main" xmlns="">
                 <a:effectLst>
                   <a:outerShdw blurRad="63500" dist="38099" dir="2700000" algn="ctr" rotWithShape="0">
                     <a:srgbClr val="000000">
@@ -5894,7 +5873,7 @@
           <a:effectLst/>
           <a:extLst>
             <a:ext uri="{AF507438-7753-43e0-B8FC-AC1667EBCBE1}">
-              <a14:hiddenEffects xmlns="" xmlns:a14="http://schemas.microsoft.com/office/drawing/2010/main">
+              <a14:hiddenEffects xmlns:a14="http://schemas.microsoft.com/office/drawing/2010/main" xmlns="">
                 <a:effectLst>
                   <a:outerShdw blurRad="63500" dist="38099" dir="2700000" algn="ctr" rotWithShape="0">
                     <a:srgbClr val="000000">
@@ -5942,12 +5921,12 @@
           <a:effectLst/>
           <a:extLst>
             <a:ext uri="{909E8E84-426E-40dd-AFC4-6F175D3DCCD1}">
-              <a14:hiddenFill xmlns="" xmlns:a14="http://schemas.microsoft.com/office/drawing/2010/main">
+              <a14:hiddenFill xmlns:a14="http://schemas.microsoft.com/office/drawing/2010/main" xmlns="">
                 <a:noFill/>
               </a14:hiddenFill>
             </a:ext>
             <a:ext uri="{AF507438-7753-43e0-B8FC-AC1667EBCBE1}">
-              <a14:hiddenEffects xmlns="" xmlns:a14="http://schemas.microsoft.com/office/drawing/2010/main">
+              <a14:hiddenEffects xmlns:a14="http://schemas.microsoft.com/office/drawing/2010/main" xmlns="">
                 <a:effectLst>
                   <a:outerShdw blurRad="63500" dist="38099" dir="2700000" algn="ctr" rotWithShape="0">
                     <a:srgbClr val="000000">
@@ -5995,12 +5974,12 @@
           <a:effectLst/>
           <a:extLst>
             <a:ext uri="{909E8E84-426E-40dd-AFC4-6F175D3DCCD1}">
-              <a14:hiddenFill xmlns="" xmlns:a14="http://schemas.microsoft.com/office/drawing/2010/main">
+              <a14:hiddenFill xmlns:a14="http://schemas.microsoft.com/office/drawing/2010/main" xmlns="">
                 <a:noFill/>
               </a14:hiddenFill>
             </a:ext>
             <a:ext uri="{AF507438-7753-43e0-B8FC-AC1667EBCBE1}">
-              <a14:hiddenEffects xmlns="" xmlns:a14="http://schemas.microsoft.com/office/drawing/2010/main">
+              <a14:hiddenEffects xmlns:a14="http://schemas.microsoft.com/office/drawing/2010/main" xmlns="">
                 <a:effectLst>
                   <a:outerShdw blurRad="63500" dist="38099" dir="2700000" algn="ctr" rotWithShape="0">
                     <a:srgbClr val="000000">
@@ -6048,12 +6027,12 @@
           <a:effectLst/>
           <a:extLst>
             <a:ext uri="{909E8E84-426E-40dd-AFC4-6F175D3DCCD1}">
-              <a14:hiddenFill xmlns="" xmlns:a14="http://schemas.microsoft.com/office/drawing/2010/main">
+              <a14:hiddenFill xmlns:a14="http://schemas.microsoft.com/office/drawing/2010/main" xmlns="">
                 <a:noFill/>
               </a14:hiddenFill>
             </a:ext>
             <a:ext uri="{AF507438-7753-43e0-B8FC-AC1667EBCBE1}">
-              <a14:hiddenEffects xmlns="" xmlns:a14="http://schemas.microsoft.com/office/drawing/2010/main">
+              <a14:hiddenEffects xmlns:a14="http://schemas.microsoft.com/office/drawing/2010/main" xmlns="">
                 <a:effectLst>
                   <a:outerShdw blurRad="63500" dist="38099" dir="2700000" algn="ctr" rotWithShape="0">
                     <a:srgbClr val="000000">
@@ -6101,12 +6080,12 @@
           <a:effectLst/>
           <a:extLst>
             <a:ext uri="{909E8E84-426E-40dd-AFC4-6F175D3DCCD1}">
-              <a14:hiddenFill xmlns="" xmlns:a14="http://schemas.microsoft.com/office/drawing/2010/main">
+              <a14:hiddenFill xmlns:a14="http://schemas.microsoft.com/office/drawing/2010/main" xmlns="">
                 <a:noFill/>
               </a14:hiddenFill>
             </a:ext>
             <a:ext uri="{AF507438-7753-43e0-B8FC-AC1667EBCBE1}">
-              <a14:hiddenEffects xmlns="" xmlns:a14="http://schemas.microsoft.com/office/drawing/2010/main">
+              <a14:hiddenEffects xmlns:a14="http://schemas.microsoft.com/office/drawing/2010/main" xmlns="">
                 <a:effectLst>
                   <a:outerShdw blurRad="63500" dist="38099" dir="2700000" algn="ctr" rotWithShape="0">
                     <a:srgbClr val="000000">
@@ -6154,12 +6133,12 @@
           <a:effectLst/>
           <a:extLst>
             <a:ext uri="{909E8E84-426E-40dd-AFC4-6F175D3DCCD1}">
-              <a14:hiddenFill xmlns="" xmlns:a14="http://schemas.microsoft.com/office/drawing/2010/main">
+              <a14:hiddenFill xmlns:a14="http://schemas.microsoft.com/office/drawing/2010/main" xmlns="">
                 <a:noFill/>
               </a14:hiddenFill>
             </a:ext>
             <a:ext uri="{AF507438-7753-43e0-B8FC-AC1667EBCBE1}">
-              <a14:hiddenEffects xmlns="" xmlns:a14="http://schemas.microsoft.com/office/drawing/2010/main">
+              <a14:hiddenEffects xmlns:a14="http://schemas.microsoft.com/office/drawing/2010/main" xmlns="">
                 <a:effectLst>
                   <a:outerShdw blurRad="63500" dist="38099" dir="2700000" algn="ctr" rotWithShape="0">
                     <a:srgbClr val="000000">
@@ -6209,7 +6188,7 @@
           <a:effectLst/>
           <a:extLst>
             <a:ext uri="{AF507438-7753-43e0-B8FC-AC1667EBCBE1}">
-              <a14:hiddenEffects xmlns="" xmlns:a14="http://schemas.microsoft.com/office/drawing/2010/main">
+              <a14:hiddenEffects xmlns:a14="http://schemas.microsoft.com/office/drawing/2010/main" xmlns="">
                 <a:effectLst>
                   <a:outerShdw blurRad="63500" dist="38099" dir="2700000" algn="ctr" rotWithShape="0">
                     <a:srgbClr val="000000">
@@ -6259,7 +6238,7 @@
           <a:effectLst/>
           <a:extLst>
             <a:ext uri="{AF507438-7753-43e0-B8FC-AC1667EBCBE1}">
-              <a14:hiddenEffects xmlns="" xmlns:a14="http://schemas.microsoft.com/office/drawing/2010/main">
+              <a14:hiddenEffects xmlns:a14="http://schemas.microsoft.com/office/drawing/2010/main" xmlns="">
                 <a:effectLst>
                   <a:outerShdw blurRad="63500" dist="38099" dir="2700000" algn="ctr" rotWithShape="0">
                     <a:srgbClr val="000000">
@@ -6307,12 +6286,12 @@
           <a:effectLst/>
           <a:extLst>
             <a:ext uri="{909E8E84-426E-40dd-AFC4-6F175D3DCCD1}">
-              <a14:hiddenFill xmlns="" xmlns:a14="http://schemas.microsoft.com/office/drawing/2010/main">
+              <a14:hiddenFill xmlns:a14="http://schemas.microsoft.com/office/drawing/2010/main" xmlns="">
                 <a:noFill/>
               </a14:hiddenFill>
             </a:ext>
             <a:ext uri="{AF507438-7753-43e0-B8FC-AC1667EBCBE1}">
-              <a14:hiddenEffects xmlns="" xmlns:a14="http://schemas.microsoft.com/office/drawing/2010/main">
+              <a14:hiddenEffects xmlns:a14="http://schemas.microsoft.com/office/drawing/2010/main" xmlns="">
                 <a:effectLst>
                   <a:outerShdw blurRad="63500" dist="38099" dir="2700000" algn="ctr" rotWithShape="0">
                     <a:srgbClr val="000000">
@@ -6360,12 +6339,12 @@
           <a:effectLst/>
           <a:extLst>
             <a:ext uri="{909E8E84-426E-40dd-AFC4-6F175D3DCCD1}">
-              <a14:hiddenFill xmlns="" xmlns:a14="http://schemas.microsoft.com/office/drawing/2010/main">
+              <a14:hiddenFill xmlns:a14="http://schemas.microsoft.com/office/drawing/2010/main" xmlns="">
                 <a:noFill/>
               </a14:hiddenFill>
             </a:ext>
             <a:ext uri="{AF507438-7753-43e0-B8FC-AC1667EBCBE1}">
-              <a14:hiddenEffects xmlns="" xmlns:a14="http://schemas.microsoft.com/office/drawing/2010/main">
+              <a14:hiddenEffects xmlns:a14="http://schemas.microsoft.com/office/drawing/2010/main" xmlns="">
                 <a:effectLst>
                   <a:outerShdw blurRad="63500" dist="38099" dir="2700000" algn="ctr" rotWithShape="0">
                     <a:srgbClr val="000000">
@@ -6413,12 +6392,12 @@
           <a:effectLst/>
           <a:extLst>
             <a:ext uri="{909E8E84-426E-40dd-AFC4-6F175D3DCCD1}">
-              <a14:hiddenFill xmlns="" xmlns:a14="http://schemas.microsoft.com/office/drawing/2010/main">
+              <a14:hiddenFill xmlns:a14="http://schemas.microsoft.com/office/drawing/2010/main" xmlns="">
                 <a:noFill/>
               </a14:hiddenFill>
             </a:ext>
             <a:ext uri="{AF507438-7753-43e0-B8FC-AC1667EBCBE1}">
-              <a14:hiddenEffects xmlns="" xmlns:a14="http://schemas.microsoft.com/office/drawing/2010/main">
+              <a14:hiddenEffects xmlns:a14="http://schemas.microsoft.com/office/drawing/2010/main" xmlns="">
                 <a:effectLst>
                   <a:outerShdw blurRad="63500" dist="38099" dir="2700000" algn="ctr" rotWithShape="0">
                     <a:srgbClr val="000000">
@@ -6470,7 +6449,7 @@
           <a:effectLst/>
           <a:extLst>
             <a:ext uri="{AF507438-7753-43e0-B8FC-AC1667EBCBE1}">
-              <a14:hiddenEffects xmlns="" xmlns:a14="http://schemas.microsoft.com/office/drawing/2010/main">
+              <a14:hiddenEffects xmlns:a14="http://schemas.microsoft.com/office/drawing/2010/main" xmlns="">
                 <a:effectLst>
                   <a:outerShdw blurRad="63500" dist="38099" dir="2700000" algn="ctr" rotWithShape="0">
                     <a:srgbClr val="000000">
@@ -6520,7 +6499,7 @@
           <a:effectLst/>
           <a:extLst>
             <a:ext uri="{AF507438-7753-43e0-B8FC-AC1667EBCBE1}">
-              <a14:hiddenEffects xmlns="" xmlns:a14="http://schemas.microsoft.com/office/drawing/2010/main">
+              <a14:hiddenEffects xmlns:a14="http://schemas.microsoft.com/office/drawing/2010/main" xmlns="">
                 <a:effectLst>
                   <a:outerShdw blurRad="63500" dist="38099" dir="2700000" algn="ctr" rotWithShape="0">
                     <a:srgbClr val="000000">
@@ -6570,7 +6549,7 @@
           <a:effectLst/>
           <a:extLst>
             <a:ext uri="{AF507438-7753-43e0-B8FC-AC1667EBCBE1}">
-              <a14:hiddenEffects xmlns="" xmlns:a14="http://schemas.microsoft.com/office/drawing/2010/main">
+              <a14:hiddenEffects xmlns:a14="http://schemas.microsoft.com/office/drawing/2010/main" xmlns="">
                 <a:effectLst>
                   <a:outerShdw blurRad="63500" dist="38099" dir="2700000" algn="ctr" rotWithShape="0">
                     <a:srgbClr val="000000">
@@ -6620,7 +6599,7 @@
           <a:effectLst/>
           <a:extLst>
             <a:ext uri="{AF507438-7753-43e0-B8FC-AC1667EBCBE1}">
-              <a14:hiddenEffects xmlns="" xmlns:a14="http://schemas.microsoft.com/office/drawing/2010/main">
+              <a14:hiddenEffects xmlns:a14="http://schemas.microsoft.com/office/drawing/2010/main" xmlns="">
                 <a:effectLst>
                   <a:outerShdw blurRad="63500" dist="38099" dir="2700000" algn="ctr" rotWithShape="0">
                     <a:srgbClr val="000000">
@@ -6670,7 +6649,7 @@
           <a:effectLst/>
           <a:extLst>
             <a:ext uri="{AF507438-7753-43e0-B8FC-AC1667EBCBE1}">
-              <a14:hiddenEffects xmlns="" xmlns:a14="http://schemas.microsoft.com/office/drawing/2010/main">
+              <a14:hiddenEffects xmlns:a14="http://schemas.microsoft.com/office/drawing/2010/main" xmlns="">
                 <a:effectLst>
                   <a:outerShdw blurRad="63500" dist="38099" dir="2700000" algn="ctr" rotWithShape="0">
                     <a:srgbClr val="000000">
@@ -6720,7 +6699,7 @@
           <a:effectLst/>
           <a:extLst>
             <a:ext uri="{AF507438-7753-43e0-B8FC-AC1667EBCBE1}">
-              <a14:hiddenEffects xmlns="" xmlns:a14="http://schemas.microsoft.com/office/drawing/2010/main">
+              <a14:hiddenEffects xmlns:a14="http://schemas.microsoft.com/office/drawing/2010/main" xmlns="">
                 <a:effectLst>
                   <a:outerShdw blurRad="63500" dist="38099" dir="2700000" algn="ctr" rotWithShape="0">
                     <a:srgbClr val="000000">
@@ -6772,7 +6751,7 @@
           <a:effectLst/>
           <a:extLst>
             <a:ext uri="{AF507438-7753-43e0-B8FC-AC1667EBCBE1}">
-              <a14:hiddenEffects xmlns="" xmlns:a14="http://schemas.microsoft.com/office/drawing/2010/main">
+              <a14:hiddenEffects xmlns:a14="http://schemas.microsoft.com/office/drawing/2010/main" xmlns="">
                 <a:effectLst>
                   <a:outerShdw blurRad="63500" dist="38099" dir="2700000" algn="ctr" rotWithShape="0">
                     <a:srgbClr val="000000">
@@ -6815,14 +6794,14 @@
           <a:effectLst/>
           <a:extLst>
             <a:ext uri="{909E8E84-426E-40dd-AFC4-6F175D3DCCD1}">
-              <a14:hiddenFill xmlns="" xmlns:a14="http://schemas.microsoft.com/office/drawing/2010/main">
+              <a14:hiddenFill xmlns:a14="http://schemas.microsoft.com/office/drawing/2010/main" xmlns="">
                 <a:solidFill>
                   <a:srgbClr val="FFFFFF"/>
                 </a:solidFill>
               </a14:hiddenFill>
             </a:ext>
             <a:ext uri="{91240B29-F687-4f45-9708-019B960494DF}">
-              <a14:hiddenLine xmlns="" xmlns:a14="http://schemas.microsoft.com/office/drawing/2010/main" w="9525" cap="flat">
+              <a14:hiddenLine xmlns:a14="http://schemas.microsoft.com/office/drawing/2010/main" xmlns="" w="9525" cap="flat">
                 <a:solidFill>
                   <a:srgbClr val="000000"/>
                 </a:solidFill>
@@ -6832,7 +6811,7 @@
               </a14:hiddenLine>
             </a:ext>
             <a:ext uri="{AF507438-7753-43e0-B8FC-AC1667EBCBE1}">
-              <a14:hiddenEffects xmlns="" xmlns:a14="http://schemas.microsoft.com/office/drawing/2010/main">
+              <a14:hiddenEffects xmlns:a14="http://schemas.microsoft.com/office/drawing/2010/main" xmlns="">
                 <a:effectLst>
                   <a:outerShdw blurRad="63500" dist="38099" dir="2700000" algn="ctr" rotWithShape="0">
                     <a:srgbClr val="000000">
@@ -7032,10 +7011,9 @@
           </a:lstStyle>
           <a:p>
             <a:r>
-              <a:rPr lang="fr-FR" sz="1200" dirty="0" smtClean="0"/>
+              <a:rPr lang="fr-FR" sz="1200" dirty="0"/>
               <a:t>Salle de presse</a:t>
             </a:r>
-            <a:endParaRPr lang="fr-FR" sz="1200" dirty="0"/>
           </a:p>
         </p:txBody>
       </p:sp>
@@ -7067,12 +7045,12 @@
           <a:effectLst/>
           <a:extLst>
             <a:ext uri="{909E8E84-426E-40dd-AFC4-6F175D3DCCD1}">
-              <a14:hiddenFill xmlns="" xmlns:a14="http://schemas.microsoft.com/office/drawing/2010/main">
+              <a14:hiddenFill xmlns:a14="http://schemas.microsoft.com/office/drawing/2010/main" xmlns="">
                 <a:noFill/>
               </a14:hiddenFill>
             </a:ext>
             <a:ext uri="{AF507438-7753-43e0-B8FC-AC1667EBCBE1}">
-              <a14:hiddenEffects xmlns="" xmlns:a14="http://schemas.microsoft.com/office/drawing/2010/main">
+              <a14:hiddenEffects xmlns:a14="http://schemas.microsoft.com/office/drawing/2010/main" xmlns="">
                 <a:effectLst>
                   <a:outerShdw blurRad="63500" dist="38099" dir="2700000" algn="ctr" rotWithShape="0">
                     <a:srgbClr val="000000">
@@ -7120,12 +7098,12 @@
           <a:effectLst/>
           <a:extLst>
             <a:ext uri="{909E8E84-426E-40dd-AFC4-6F175D3DCCD1}">
-              <a14:hiddenFill xmlns="" xmlns:a14="http://schemas.microsoft.com/office/drawing/2010/main">
+              <a14:hiddenFill xmlns:a14="http://schemas.microsoft.com/office/drawing/2010/main" xmlns="">
                 <a:noFill/>
               </a14:hiddenFill>
             </a:ext>
             <a:ext uri="{AF507438-7753-43e0-B8FC-AC1667EBCBE1}">
-              <a14:hiddenEffects xmlns="" xmlns:a14="http://schemas.microsoft.com/office/drawing/2010/main">
+              <a14:hiddenEffects xmlns:a14="http://schemas.microsoft.com/office/drawing/2010/main" xmlns="">
                 <a:effectLst>
                   <a:outerShdw blurRad="63500" dist="38099" dir="2700000" algn="ctr" rotWithShape="0">
                     <a:srgbClr val="000000">
@@ -7168,14 +7146,14 @@
           <a:effectLst/>
           <a:extLst>
             <a:ext uri="{909E8E84-426E-40dd-AFC4-6F175D3DCCD1}">
-              <a14:hiddenFill xmlns="" xmlns:a14="http://schemas.microsoft.com/office/drawing/2010/main">
+              <a14:hiddenFill xmlns:a14="http://schemas.microsoft.com/office/drawing/2010/main" xmlns="">
                 <a:solidFill>
                   <a:srgbClr val="FFFFFF"/>
                 </a:solidFill>
               </a14:hiddenFill>
             </a:ext>
             <a:ext uri="{91240B29-F687-4f45-9708-019B960494DF}">
-              <a14:hiddenLine xmlns="" xmlns:a14="http://schemas.microsoft.com/office/drawing/2010/main" w="9525" cap="flat">
+              <a14:hiddenLine xmlns:a14="http://schemas.microsoft.com/office/drawing/2010/main" xmlns="" w="9525" cap="flat">
                 <a:solidFill>
                   <a:srgbClr val="000000"/>
                 </a:solidFill>
@@ -7185,7 +7163,7 @@
               </a14:hiddenLine>
             </a:ext>
             <a:ext uri="{AF507438-7753-43e0-B8FC-AC1667EBCBE1}">
-              <a14:hiddenEffects xmlns="" xmlns:a14="http://schemas.microsoft.com/office/drawing/2010/main">
+              <a14:hiddenEffects xmlns:a14="http://schemas.microsoft.com/office/drawing/2010/main" xmlns="">
                 <a:effectLst>
                   <a:outerShdw blurRad="63500" dist="38099" dir="2700000" algn="ctr" rotWithShape="0">
                     <a:srgbClr val="000000">
@@ -7394,10 +7372,9 @@
           </a:lstStyle>
           <a:p>
             <a:r>
-              <a:rPr lang="fr-FR" sz="1200" dirty="0" smtClean="0"/>
+              <a:rPr lang="fr-FR" sz="1200" dirty="0"/>
               <a:t>Restaurant</a:t>
             </a:r>
-            <a:endParaRPr lang="fr-FR" sz="1200" dirty="0"/>
           </a:p>
         </p:txBody>
       </p:sp>
@@ -7424,14 +7401,14 @@
           <a:effectLst/>
           <a:extLst>
             <a:ext uri="{909E8E84-426E-40dd-AFC4-6F175D3DCCD1}">
-              <a14:hiddenFill xmlns="" xmlns:a14="http://schemas.microsoft.com/office/drawing/2010/main">
+              <a14:hiddenFill xmlns:a14="http://schemas.microsoft.com/office/drawing/2010/main" xmlns="">
                 <a:solidFill>
                   <a:srgbClr val="FFFFFF"/>
                 </a:solidFill>
               </a14:hiddenFill>
             </a:ext>
             <a:ext uri="{91240B29-F687-4f45-9708-019B960494DF}">
-              <a14:hiddenLine xmlns="" xmlns:a14="http://schemas.microsoft.com/office/drawing/2010/main" w="9525" cap="flat">
+              <a14:hiddenLine xmlns:a14="http://schemas.microsoft.com/office/drawing/2010/main" xmlns="" w="9525" cap="flat">
                 <a:solidFill>
                   <a:srgbClr val="000000"/>
                 </a:solidFill>
@@ -7441,7 +7418,7 @@
               </a14:hiddenLine>
             </a:ext>
             <a:ext uri="{AF507438-7753-43e0-B8FC-AC1667EBCBE1}">
-              <a14:hiddenEffects xmlns="" xmlns:a14="http://schemas.microsoft.com/office/drawing/2010/main">
+              <a14:hiddenEffects xmlns:a14="http://schemas.microsoft.com/office/drawing/2010/main" xmlns="">
                 <a:effectLst>
                   <a:outerShdw blurRad="63500" dist="38099" dir="2700000" algn="ctr" rotWithShape="0">
                     <a:srgbClr val="000000">
@@ -7661,14 +7638,14 @@
           <a:effectLst/>
           <a:extLst>
             <a:ext uri="{909E8E84-426E-40dd-AFC4-6F175D3DCCD1}">
-              <a14:hiddenFill xmlns="" xmlns:a14="http://schemas.microsoft.com/office/drawing/2010/main">
+              <a14:hiddenFill xmlns:a14="http://schemas.microsoft.com/office/drawing/2010/main" xmlns="">
                 <a:solidFill>
                   <a:srgbClr val="FFFFFF"/>
                 </a:solidFill>
               </a14:hiddenFill>
             </a:ext>
             <a:ext uri="{91240B29-F687-4f45-9708-019B960494DF}">
-              <a14:hiddenLine xmlns="" xmlns:a14="http://schemas.microsoft.com/office/drawing/2010/main" w="9525" cap="flat">
+              <a14:hiddenLine xmlns:a14="http://schemas.microsoft.com/office/drawing/2010/main" xmlns="" w="9525" cap="flat">
                 <a:solidFill>
                   <a:srgbClr val="000000"/>
                 </a:solidFill>
@@ -7678,7 +7655,7 @@
               </a14:hiddenLine>
             </a:ext>
             <a:ext uri="{AF507438-7753-43e0-B8FC-AC1667EBCBE1}">
-              <a14:hiddenEffects xmlns="" xmlns:a14="http://schemas.microsoft.com/office/drawing/2010/main">
+              <a14:hiddenEffects xmlns:a14="http://schemas.microsoft.com/office/drawing/2010/main" xmlns="">
                 <a:effectLst>
                   <a:outerShdw blurRad="63500" dist="38099" dir="2700000" algn="ctr" rotWithShape="0">
                     <a:srgbClr val="000000">
@@ -7878,14 +7855,9 @@
           </a:lstStyle>
           <a:p>
             <a:r>
-              <a:rPr lang="fr-FR" sz="1200" dirty="0" smtClean="0"/>
-              <a:t>Village </a:t>
+              <a:rPr lang="fr-FR" sz="1200" dirty="0"/>
+              <a:t>Village des athlètes</a:t>
             </a:r>
-            <a:r>
-              <a:rPr lang="fr-FR" sz="1200" dirty="0" smtClean="0"/>
-              <a:t>des athlètes</a:t>
-            </a:r>
-            <a:endParaRPr lang="fr-FR" sz="1200" dirty="0"/>
           </a:p>
         </p:txBody>
       </p:sp>
@@ -7912,14 +7884,14 @@
           <a:effectLst/>
           <a:extLst>
             <a:ext uri="{909E8E84-426E-40dd-AFC4-6F175D3DCCD1}">
-              <a14:hiddenFill xmlns="" xmlns:a14="http://schemas.microsoft.com/office/drawing/2010/main">
+              <a14:hiddenFill xmlns:a14="http://schemas.microsoft.com/office/drawing/2010/main" xmlns="">
                 <a:solidFill>
                   <a:srgbClr val="FFFFFF"/>
                 </a:solidFill>
               </a14:hiddenFill>
             </a:ext>
             <a:ext uri="{91240B29-F687-4f45-9708-019B960494DF}">
-              <a14:hiddenLine xmlns="" xmlns:a14="http://schemas.microsoft.com/office/drawing/2010/main" w="9525" cap="flat">
+              <a14:hiddenLine xmlns:a14="http://schemas.microsoft.com/office/drawing/2010/main" xmlns="" w="9525" cap="flat">
                 <a:solidFill>
                   <a:srgbClr val="000000"/>
                 </a:solidFill>
@@ -7929,7 +7901,7 @@
               </a14:hiddenLine>
             </a:ext>
             <a:ext uri="{AF507438-7753-43e0-B8FC-AC1667EBCBE1}">
-              <a14:hiddenEffects xmlns="" xmlns:a14="http://schemas.microsoft.com/office/drawing/2010/main">
+              <a14:hiddenEffects xmlns:a14="http://schemas.microsoft.com/office/drawing/2010/main" xmlns="">
                 <a:effectLst>
                   <a:outerShdw blurRad="63500" dist="38099" dir="2700000" algn="ctr" rotWithShape="0">
                     <a:srgbClr val="000000">
@@ -8129,7 +8101,7 @@
           </a:lstStyle>
           <a:p>
             <a:r>
-              <a:rPr lang="fr-FR" sz="1200" dirty="0" smtClean="0"/>
+              <a:rPr lang="fr-FR" sz="1200" dirty="0"/>
               <a:t>Zone stade</a:t>
             </a:r>
           </a:p>
@@ -8158,14 +8130,14 @@
           <a:effectLst/>
           <a:extLst>
             <a:ext uri="{909E8E84-426E-40dd-AFC4-6F175D3DCCD1}">
-              <a14:hiddenFill xmlns="" xmlns:a14="http://schemas.microsoft.com/office/drawing/2010/main">
+              <a14:hiddenFill xmlns:a14="http://schemas.microsoft.com/office/drawing/2010/main" xmlns="">
                 <a:solidFill>
                   <a:srgbClr val="FFFFFF"/>
                 </a:solidFill>
               </a14:hiddenFill>
             </a:ext>
             <a:ext uri="{91240B29-F687-4f45-9708-019B960494DF}">
-              <a14:hiddenLine xmlns="" xmlns:a14="http://schemas.microsoft.com/office/drawing/2010/main" w="9525" cap="flat">
+              <a14:hiddenLine xmlns:a14="http://schemas.microsoft.com/office/drawing/2010/main" xmlns="" w="9525" cap="flat">
                 <a:solidFill>
                   <a:srgbClr val="000000"/>
                 </a:solidFill>
@@ -8175,7 +8147,7 @@
               </a14:hiddenLine>
             </a:ext>
             <a:ext uri="{AF507438-7753-43e0-B8FC-AC1667EBCBE1}">
-              <a14:hiddenEffects xmlns="" xmlns:a14="http://schemas.microsoft.com/office/drawing/2010/main">
+              <a14:hiddenEffects xmlns:a14="http://schemas.microsoft.com/office/drawing/2010/main" xmlns="">
                 <a:effectLst>
                   <a:outerShdw blurRad="63500" dist="38099" dir="2700000" algn="ctr" rotWithShape="0">
                     <a:srgbClr val="000000">
@@ -8401,14 +8373,14 @@
           <a:effectLst/>
           <a:extLst>
             <a:ext uri="{909E8E84-426E-40dd-AFC4-6F175D3DCCD1}">
-              <a14:hiddenFill xmlns="" xmlns:a14="http://schemas.microsoft.com/office/drawing/2010/main">
+              <a14:hiddenFill xmlns:a14="http://schemas.microsoft.com/office/drawing/2010/main" xmlns="">
                 <a:solidFill>
                   <a:srgbClr val="FFFFFF"/>
                 </a:solidFill>
               </a14:hiddenFill>
             </a:ext>
             <a:ext uri="{91240B29-F687-4f45-9708-019B960494DF}">
-              <a14:hiddenLine xmlns="" xmlns:a14="http://schemas.microsoft.com/office/drawing/2010/main" w="9525" cap="flat">
+              <a14:hiddenLine xmlns:a14="http://schemas.microsoft.com/office/drawing/2010/main" xmlns="" w="9525" cap="flat">
                 <a:solidFill>
                   <a:srgbClr val="000000"/>
                 </a:solidFill>
@@ -8418,7 +8390,7 @@
               </a14:hiddenLine>
             </a:ext>
             <a:ext uri="{AF507438-7753-43e0-B8FC-AC1667EBCBE1}">
-              <a14:hiddenEffects xmlns="" xmlns:a14="http://schemas.microsoft.com/office/drawing/2010/main">
+              <a14:hiddenEffects xmlns:a14="http://schemas.microsoft.com/office/drawing/2010/main" xmlns="">
                 <a:effectLst>
                   <a:outerShdw blurRad="63500" dist="38099" dir="2700000" algn="ctr" rotWithShape="0">
                     <a:srgbClr val="000000">
@@ -8609,25 +8581,16 @@
           </a:lstStyle>
           <a:p>
             <a:r>
-              <a:rPr lang="fr-FR" sz="1000" dirty="0" smtClean="0"/>
+              <a:rPr lang="fr-FR" sz="1000" dirty="0"/>
               <a:t>Salle de</a:t>
-            </a:r>
-            <a:r>
-              <a:rPr lang="fr-FR" sz="1000" dirty="0"/>
-              <a:t/>
             </a:r>
             <a:br>
               <a:rPr lang="fr-FR" sz="1000" dirty="0"/>
             </a:br>
             <a:r>
               <a:rPr lang="fr-FR" sz="1000" dirty="0"/>
-              <a:t>c</a:t>
+              <a:t>contrôle</a:t>
             </a:r>
-            <a:r>
-              <a:rPr lang="fr-FR" sz="1000" dirty="0" smtClean="0"/>
-              <a:t>ontrôle</a:t>
-            </a:r>
-            <a:endParaRPr lang="fr-FR" sz="1000" dirty="0"/>
           </a:p>
         </p:txBody>
       </p:sp>
@@ -8654,14 +8617,14 @@
           <a:effectLst/>
           <a:extLst>
             <a:ext uri="{909E8E84-426E-40dd-AFC4-6F175D3DCCD1}">
-              <a14:hiddenFill xmlns="" xmlns:a14="http://schemas.microsoft.com/office/drawing/2010/main">
+              <a14:hiddenFill xmlns:a14="http://schemas.microsoft.com/office/drawing/2010/main" xmlns="">
                 <a:solidFill>
                   <a:srgbClr val="FFFFFF"/>
                 </a:solidFill>
               </a14:hiddenFill>
             </a:ext>
             <a:ext uri="{91240B29-F687-4f45-9708-019B960494DF}">
-              <a14:hiddenLine xmlns="" xmlns:a14="http://schemas.microsoft.com/office/drawing/2010/main" w="9525" cap="flat">
+              <a14:hiddenLine xmlns:a14="http://schemas.microsoft.com/office/drawing/2010/main" xmlns="" w="9525" cap="flat">
                 <a:solidFill>
                   <a:srgbClr val="000000"/>
                 </a:solidFill>
@@ -8671,7 +8634,7 @@
               </a14:hiddenLine>
             </a:ext>
             <a:ext uri="{AF507438-7753-43e0-B8FC-AC1667EBCBE1}">
-              <a14:hiddenEffects xmlns="" xmlns:a14="http://schemas.microsoft.com/office/drawing/2010/main">
+              <a14:hiddenEffects xmlns:a14="http://schemas.microsoft.com/office/drawing/2010/main" xmlns="">
                 <a:effectLst>
                   <a:outerShdw blurRad="63500" dist="38099" dir="2700000" algn="ctr" rotWithShape="0">
                     <a:srgbClr val="000000">
@@ -8871,10 +8834,9 @@
           </a:lstStyle>
           <a:p>
             <a:r>
-              <a:rPr lang="fr-FR" sz="1200" dirty="0" smtClean="0"/>
+              <a:rPr lang="fr-FR" sz="1200" dirty="0"/>
               <a:t>Tribune Ouest</a:t>
             </a:r>
-            <a:endParaRPr lang="fr-FR" sz="1200" dirty="0"/>
           </a:p>
         </p:txBody>
       </p:sp>
@@ -8901,14 +8863,14 @@
           <a:effectLst/>
           <a:extLst>
             <a:ext uri="{909E8E84-426E-40dd-AFC4-6F175D3DCCD1}">
-              <a14:hiddenFill xmlns="" xmlns:a14="http://schemas.microsoft.com/office/drawing/2010/main">
+              <a14:hiddenFill xmlns:a14="http://schemas.microsoft.com/office/drawing/2010/main" xmlns="">
                 <a:solidFill>
                   <a:srgbClr val="FFFFFF"/>
                 </a:solidFill>
               </a14:hiddenFill>
             </a:ext>
             <a:ext uri="{91240B29-F687-4f45-9708-019B960494DF}">
-              <a14:hiddenLine xmlns="" xmlns:a14="http://schemas.microsoft.com/office/drawing/2010/main" w="9525" cap="flat">
+              <a14:hiddenLine xmlns:a14="http://schemas.microsoft.com/office/drawing/2010/main" xmlns="" w="9525" cap="flat">
                 <a:solidFill>
                   <a:srgbClr val="000000"/>
                 </a:solidFill>
@@ -8918,7 +8880,7 @@
               </a14:hiddenLine>
             </a:ext>
             <a:ext uri="{AF507438-7753-43e0-B8FC-AC1667EBCBE1}">
-              <a14:hiddenEffects xmlns="" xmlns:a14="http://schemas.microsoft.com/office/drawing/2010/main">
+              <a14:hiddenEffects xmlns:a14="http://schemas.microsoft.com/office/drawing/2010/main" xmlns="">
                 <a:effectLst>
                   <a:outerShdw blurRad="63500" dist="38099" dir="2700000" algn="ctr" rotWithShape="0">
                     <a:srgbClr val="000000">
@@ -9118,10 +9080,9 @@
           </a:lstStyle>
           <a:p>
             <a:r>
-              <a:rPr lang="fr-FR" sz="1200" dirty="0" smtClean="0"/>
+              <a:rPr lang="fr-FR" sz="1200" dirty="0"/>
               <a:t>Tribune Est</a:t>
             </a:r>
-            <a:endParaRPr lang="fr-FR" sz="1200" dirty="0"/>
           </a:p>
         </p:txBody>
       </p:sp>
@@ -9157,7 +9118,7 @@
           <a:effectLst/>
           <a:extLst>
             <a:ext uri="{AF507438-7753-43e0-B8FC-AC1667EBCBE1}">
-              <a14:hiddenEffects xmlns="" xmlns:a14="http://schemas.microsoft.com/office/drawing/2010/main">
+              <a14:hiddenEffects xmlns:a14="http://schemas.microsoft.com/office/drawing/2010/main" xmlns="">
                 <a:effectLst>
                   <a:outerShdw blurRad="63500" dist="38099" dir="2700000" algn="ctr" rotWithShape="0">
                     <a:srgbClr val="000000">
@@ -9207,7 +9168,7 @@
           <a:effectLst/>
           <a:extLst>
             <a:ext uri="{AF507438-7753-43e0-B8FC-AC1667EBCBE1}">
-              <a14:hiddenEffects xmlns="" xmlns:a14="http://schemas.microsoft.com/office/drawing/2010/main">
+              <a14:hiddenEffects xmlns:a14="http://schemas.microsoft.com/office/drawing/2010/main" xmlns="">
                 <a:effectLst>
                   <a:outerShdw blurRad="63500" dist="38099" dir="2700000" algn="ctr" rotWithShape="0">
                     <a:srgbClr val="000000">
@@ -9250,14 +9211,14 @@
           <a:effectLst/>
           <a:extLst>
             <a:ext uri="{909E8E84-426E-40dd-AFC4-6F175D3DCCD1}">
-              <a14:hiddenFill xmlns="" xmlns:a14="http://schemas.microsoft.com/office/drawing/2010/main">
+              <a14:hiddenFill xmlns:a14="http://schemas.microsoft.com/office/drawing/2010/main" xmlns="">
                 <a:solidFill>
                   <a:srgbClr val="FFFFFF"/>
                 </a:solidFill>
               </a14:hiddenFill>
             </a:ext>
             <a:ext uri="{91240B29-F687-4f45-9708-019B960494DF}">
-              <a14:hiddenLine xmlns="" xmlns:a14="http://schemas.microsoft.com/office/drawing/2010/main" w="9525" cap="flat">
+              <a14:hiddenLine xmlns:a14="http://schemas.microsoft.com/office/drawing/2010/main" xmlns="" w="9525" cap="flat">
                 <a:solidFill>
                   <a:srgbClr val="000000"/>
                 </a:solidFill>
@@ -9267,7 +9228,7 @@
               </a14:hiddenLine>
             </a:ext>
             <a:ext uri="{AF507438-7753-43e0-B8FC-AC1667EBCBE1}">
-              <a14:hiddenEffects xmlns="" xmlns:a14="http://schemas.microsoft.com/office/drawing/2010/main">
+              <a14:hiddenEffects xmlns:a14="http://schemas.microsoft.com/office/drawing/2010/main" xmlns="">
                 <a:effectLst>
                   <a:outerShdw blurRad="63500" dist="38099" dir="2700000" algn="ctr" rotWithShape="0">
                     <a:srgbClr val="000000">
@@ -9467,10 +9428,9 @@
           </a:lstStyle>
           <a:p>
             <a:r>
-              <a:rPr lang="fr-FR" sz="1200" dirty="0" smtClean="0"/>
+              <a:rPr lang="fr-FR" sz="1200" dirty="0"/>
               <a:t>Restaurant</a:t>
             </a:r>
-            <a:endParaRPr lang="fr-FR" sz="1200" dirty="0"/>
           </a:p>
         </p:txBody>
       </p:sp>
@@ -9504,7 +9464,7 @@
           <a:effectLst/>
           <a:extLst>
             <a:ext uri="{AF507438-7753-43e0-B8FC-AC1667EBCBE1}">
-              <a14:hiddenEffects xmlns="" xmlns:a14="http://schemas.microsoft.com/office/drawing/2010/main">
+              <a14:hiddenEffects xmlns:a14="http://schemas.microsoft.com/office/drawing/2010/main" xmlns="">
                 <a:effectLst>
                   <a:outerShdw blurRad="63500" dist="38099" dir="2700000" algn="ctr" rotWithShape="0">
                     <a:srgbClr val="000000">
@@ -9554,7 +9514,7 @@
           <a:effectLst/>
           <a:extLst>
             <a:ext uri="{AF507438-7753-43e0-B8FC-AC1667EBCBE1}">
-              <a14:hiddenEffects xmlns="" xmlns:a14="http://schemas.microsoft.com/office/drawing/2010/main">
+              <a14:hiddenEffects xmlns:a14="http://schemas.microsoft.com/office/drawing/2010/main" xmlns="">
                 <a:effectLst>
                   <a:outerShdw blurRad="63500" dist="38099" dir="2700000" algn="ctr" rotWithShape="0">
                     <a:srgbClr val="000000">
@@ -9604,7 +9564,7 @@
           <a:effectLst/>
           <a:extLst>
             <a:ext uri="{AF507438-7753-43e0-B8FC-AC1667EBCBE1}">
-              <a14:hiddenEffects xmlns="" xmlns:a14="http://schemas.microsoft.com/office/drawing/2010/main">
+              <a14:hiddenEffects xmlns:a14="http://schemas.microsoft.com/office/drawing/2010/main" xmlns="">
                 <a:effectLst>
                   <a:outerShdw blurRad="63500" dist="38099" dir="2700000" algn="ctr" rotWithShape="0">
                     <a:srgbClr val="000000">
@@ -9654,7 +9614,7 @@
           <a:effectLst/>
           <a:extLst>
             <a:ext uri="{AF507438-7753-43e0-B8FC-AC1667EBCBE1}">
-              <a14:hiddenEffects xmlns="" xmlns:a14="http://schemas.microsoft.com/office/drawing/2010/main">
+              <a14:hiddenEffects xmlns:a14="http://schemas.microsoft.com/office/drawing/2010/main" xmlns="">
                 <a:effectLst>
                   <a:outerShdw blurRad="63500" dist="38099" dir="2700000" algn="ctr" rotWithShape="0">
                     <a:srgbClr val="000000">
@@ -9704,7 +9664,7 @@
           <a:effectLst/>
           <a:extLst>
             <a:ext uri="{AF507438-7753-43e0-B8FC-AC1667EBCBE1}">
-              <a14:hiddenEffects xmlns="" xmlns:a14="http://schemas.microsoft.com/office/drawing/2010/main">
+              <a14:hiddenEffects xmlns:a14="http://schemas.microsoft.com/office/drawing/2010/main" xmlns="">
                 <a:effectLst>
                   <a:outerShdw blurRad="63500" dist="38099" dir="2700000" algn="ctr" rotWithShape="0">
                     <a:srgbClr val="000000">
@@ -9754,7 +9714,7 @@
           <a:effectLst/>
           <a:extLst>
             <a:ext uri="{AF507438-7753-43e0-B8FC-AC1667EBCBE1}">
-              <a14:hiddenEffects xmlns="" xmlns:a14="http://schemas.microsoft.com/office/drawing/2010/main">
+              <a14:hiddenEffects xmlns:a14="http://schemas.microsoft.com/office/drawing/2010/main" xmlns="">
                 <a:effectLst>
                   <a:outerShdw blurRad="63500" dist="38099" dir="2700000" algn="ctr" rotWithShape="0">
                     <a:srgbClr val="000000">
@@ -9804,7 +9764,7 @@
           <a:effectLst/>
           <a:extLst>
             <a:ext uri="{AF507438-7753-43e0-B8FC-AC1667EBCBE1}">
-              <a14:hiddenEffects xmlns="" xmlns:a14="http://schemas.microsoft.com/office/drawing/2010/main">
+              <a14:hiddenEffects xmlns:a14="http://schemas.microsoft.com/office/drawing/2010/main" xmlns="">
                 <a:effectLst>
                   <a:outerShdw blurRad="63500" dist="38099" dir="2700000" algn="ctr" rotWithShape="0">
                     <a:srgbClr val="000000">
@@ -9854,7 +9814,7 @@
           <a:effectLst/>
           <a:extLst>
             <a:ext uri="{AF507438-7753-43e0-B8FC-AC1667EBCBE1}">
-              <a14:hiddenEffects xmlns="" xmlns:a14="http://schemas.microsoft.com/office/drawing/2010/main">
+              <a14:hiddenEffects xmlns:a14="http://schemas.microsoft.com/office/drawing/2010/main" xmlns="">
                 <a:effectLst>
                   <a:outerShdw blurRad="63500" dist="38099" dir="2700000" algn="ctr" rotWithShape="0">
                     <a:srgbClr val="000000">
@@ -9904,7 +9864,7 @@
           <a:effectLst/>
           <a:extLst>
             <a:ext uri="{AF507438-7753-43e0-B8FC-AC1667EBCBE1}">
-              <a14:hiddenEffects xmlns="" xmlns:a14="http://schemas.microsoft.com/office/drawing/2010/main">
+              <a14:hiddenEffects xmlns:a14="http://schemas.microsoft.com/office/drawing/2010/main" xmlns="">
                 <a:effectLst>
                   <a:outerShdw blurRad="63500" dist="38099" dir="2700000" algn="ctr" rotWithShape="0">
                     <a:srgbClr val="000000">
@@ -9954,7 +9914,7 @@
           <a:effectLst/>
           <a:extLst>
             <a:ext uri="{AF507438-7753-43e0-B8FC-AC1667EBCBE1}">
-              <a14:hiddenEffects xmlns="" xmlns:a14="http://schemas.microsoft.com/office/drawing/2010/main">
+              <a14:hiddenEffects xmlns:a14="http://schemas.microsoft.com/office/drawing/2010/main" xmlns="">
                 <a:effectLst>
                   <a:outerShdw blurRad="63500" dist="38099" dir="2700000" algn="ctr" rotWithShape="0">
                     <a:srgbClr val="000000">
@@ -10004,7 +9964,7 @@
           <a:effectLst/>
           <a:extLst>
             <a:ext uri="{AF507438-7753-43e0-B8FC-AC1667EBCBE1}">
-              <a14:hiddenEffects xmlns="" xmlns:a14="http://schemas.microsoft.com/office/drawing/2010/main">
+              <a14:hiddenEffects xmlns:a14="http://schemas.microsoft.com/office/drawing/2010/main" xmlns="">
                 <a:effectLst>
                   <a:outerShdw blurRad="63500" dist="38099" dir="2700000" algn="ctr" rotWithShape="0">
                     <a:srgbClr val="000000">
@@ -10052,12 +10012,12 @@
           <a:effectLst/>
           <a:extLst>
             <a:ext uri="{909E8E84-426E-40dd-AFC4-6F175D3DCCD1}">
-              <a14:hiddenFill xmlns="" xmlns:a14="http://schemas.microsoft.com/office/drawing/2010/main">
+              <a14:hiddenFill xmlns:a14="http://schemas.microsoft.com/office/drawing/2010/main" xmlns="">
                 <a:noFill/>
               </a14:hiddenFill>
             </a:ext>
             <a:ext uri="{AF507438-7753-43e0-B8FC-AC1667EBCBE1}">
-              <a14:hiddenEffects xmlns="" xmlns:a14="http://schemas.microsoft.com/office/drawing/2010/main">
+              <a14:hiddenEffects xmlns:a14="http://schemas.microsoft.com/office/drawing/2010/main" xmlns="">
                 <a:effectLst>
                   <a:outerShdw blurRad="63500" dist="38099" dir="2700000" algn="ctr" rotWithShape="0">
                     <a:srgbClr val="000000">
@@ -10100,14 +10060,14 @@
           <a:effectLst/>
           <a:extLst>
             <a:ext uri="{909E8E84-426E-40dd-AFC4-6F175D3DCCD1}">
-              <a14:hiddenFill xmlns="" xmlns:a14="http://schemas.microsoft.com/office/drawing/2010/main">
+              <a14:hiddenFill xmlns:a14="http://schemas.microsoft.com/office/drawing/2010/main" xmlns="">
                 <a:solidFill>
                   <a:srgbClr val="FFFFFF"/>
                 </a:solidFill>
               </a14:hiddenFill>
             </a:ext>
             <a:ext uri="{91240B29-F687-4f45-9708-019B960494DF}">
-              <a14:hiddenLine xmlns="" xmlns:a14="http://schemas.microsoft.com/office/drawing/2010/main" w="9525" cap="flat">
+              <a14:hiddenLine xmlns:a14="http://schemas.microsoft.com/office/drawing/2010/main" xmlns="" w="9525" cap="flat">
                 <a:solidFill>
                   <a:srgbClr val="000000"/>
                 </a:solidFill>
@@ -10117,7 +10077,7 @@
               </a14:hiddenLine>
             </a:ext>
             <a:ext uri="{AF507438-7753-43e0-B8FC-AC1667EBCBE1}">
-              <a14:hiddenEffects xmlns="" xmlns:a14="http://schemas.microsoft.com/office/drawing/2010/main">
+              <a14:hiddenEffects xmlns:a14="http://schemas.microsoft.com/office/drawing/2010/main" xmlns="">
                 <a:effectLst>
                   <a:outerShdw blurRad="63500" dist="38099" dir="2700000" algn="ctr" rotWithShape="0">
                     <a:srgbClr val="000000">
@@ -10317,10 +10277,9 @@
           </a:lstStyle>
           <a:p>
             <a:r>
-              <a:rPr lang="fr-FR" sz="1200" dirty="0" smtClean="0"/>
+              <a:rPr lang="fr-FR" sz="1200" dirty="0"/>
               <a:t>Tribunes VIP</a:t>
             </a:r>
-            <a:endParaRPr lang="fr-FR" sz="1200" dirty="0"/>
           </a:p>
         </p:txBody>
       </p:sp>
@@ -10352,12 +10311,12 @@
           <a:effectLst/>
           <a:extLst>
             <a:ext uri="{909E8E84-426E-40dd-AFC4-6F175D3DCCD1}">
-              <a14:hiddenFill xmlns="" xmlns:a14="http://schemas.microsoft.com/office/drawing/2010/main">
+              <a14:hiddenFill xmlns:a14="http://schemas.microsoft.com/office/drawing/2010/main" xmlns="">
                 <a:noFill/>
               </a14:hiddenFill>
             </a:ext>
             <a:ext uri="{AF507438-7753-43e0-B8FC-AC1667EBCBE1}">
-              <a14:hiddenEffects xmlns="" xmlns:a14="http://schemas.microsoft.com/office/drawing/2010/main">
+              <a14:hiddenEffects xmlns:a14="http://schemas.microsoft.com/office/drawing/2010/main" xmlns="">
                 <a:effectLst>
                   <a:outerShdw blurRad="63500" dist="38099" dir="2700000" algn="ctr" rotWithShape="0">
                     <a:srgbClr val="000000">
@@ -10405,12 +10364,12 @@
           <a:effectLst/>
           <a:extLst>
             <a:ext uri="{909E8E84-426E-40dd-AFC4-6F175D3DCCD1}">
-              <a14:hiddenFill xmlns="" xmlns:a14="http://schemas.microsoft.com/office/drawing/2010/main">
+              <a14:hiddenFill xmlns:a14="http://schemas.microsoft.com/office/drawing/2010/main" xmlns="">
                 <a:noFill/>
               </a14:hiddenFill>
             </a:ext>
             <a:ext uri="{AF507438-7753-43e0-B8FC-AC1667EBCBE1}">
-              <a14:hiddenEffects xmlns="" xmlns:a14="http://schemas.microsoft.com/office/drawing/2010/main">
+              <a14:hiddenEffects xmlns:a14="http://schemas.microsoft.com/office/drawing/2010/main" xmlns="">
                 <a:effectLst>
                   <a:outerShdw blurRad="63500" dist="38099" dir="2700000" algn="ctr" rotWithShape="0">
                     <a:srgbClr val="000000">
@@ -10453,14 +10412,14 @@
           <a:effectLst/>
           <a:extLst>
             <a:ext uri="{909E8E84-426E-40dd-AFC4-6F175D3DCCD1}">
-              <a14:hiddenFill xmlns="" xmlns:a14="http://schemas.microsoft.com/office/drawing/2010/main">
+              <a14:hiddenFill xmlns:a14="http://schemas.microsoft.com/office/drawing/2010/main" xmlns="">
                 <a:solidFill>
                   <a:srgbClr val="FFFFFF"/>
                 </a:solidFill>
               </a14:hiddenFill>
             </a:ext>
             <a:ext uri="{91240B29-F687-4f45-9708-019B960494DF}">
-              <a14:hiddenLine xmlns="" xmlns:a14="http://schemas.microsoft.com/office/drawing/2010/main" w="9525" cap="flat">
+              <a14:hiddenLine xmlns:a14="http://schemas.microsoft.com/office/drawing/2010/main" xmlns="" w="9525" cap="flat">
                 <a:solidFill>
                   <a:srgbClr val="000000"/>
                 </a:solidFill>
@@ -10470,7 +10429,7 @@
               </a14:hiddenLine>
             </a:ext>
             <a:ext uri="{AF507438-7753-43e0-B8FC-AC1667EBCBE1}">
-              <a14:hiddenEffects xmlns="" xmlns:a14="http://schemas.microsoft.com/office/drawing/2010/main">
+              <a14:hiddenEffects xmlns:a14="http://schemas.microsoft.com/office/drawing/2010/main" xmlns="">
                 <a:effectLst>
                   <a:outerShdw blurRad="63500" dist="38099" dir="2700000" algn="ctr" rotWithShape="0">
                     <a:srgbClr val="000000">
@@ -10679,10 +10638,9 @@
           </a:lstStyle>
           <a:p>
             <a:r>
-              <a:rPr lang="fr-FR" sz="1200" dirty="0" smtClean="0"/>
+              <a:rPr lang="fr-FR" sz="1200" dirty="0"/>
               <a:t>Tribune Prestige</a:t>
             </a:r>
-            <a:endParaRPr lang="fr-FR" sz="1200" dirty="0"/>
           </a:p>
         </p:txBody>
       </p:sp>
@@ -10709,14 +10667,14 @@
           <a:effectLst/>
           <a:extLst>
             <a:ext uri="{909E8E84-426E-40dd-AFC4-6F175D3DCCD1}">
-              <a14:hiddenFill xmlns="" xmlns:a14="http://schemas.microsoft.com/office/drawing/2010/main">
+              <a14:hiddenFill xmlns:a14="http://schemas.microsoft.com/office/drawing/2010/main" xmlns="">
                 <a:solidFill>
                   <a:srgbClr val="FFFFFF"/>
                 </a:solidFill>
               </a14:hiddenFill>
             </a:ext>
             <a:ext uri="{91240B29-F687-4f45-9708-019B960494DF}">
-              <a14:hiddenLine xmlns="" xmlns:a14="http://schemas.microsoft.com/office/drawing/2010/main" w="9525" cap="flat">
+              <a14:hiddenLine xmlns:a14="http://schemas.microsoft.com/office/drawing/2010/main" xmlns="" w="9525" cap="flat">
                 <a:solidFill>
                   <a:srgbClr val="000000"/>
                 </a:solidFill>
@@ -10726,7 +10684,7 @@
               </a14:hiddenLine>
             </a:ext>
             <a:ext uri="{AF507438-7753-43e0-B8FC-AC1667EBCBE1}">
-              <a14:hiddenEffects xmlns="" xmlns:a14="http://schemas.microsoft.com/office/drawing/2010/main">
+              <a14:hiddenEffects xmlns:a14="http://schemas.microsoft.com/office/drawing/2010/main" xmlns="">
                 <a:effectLst>
                   <a:outerShdw blurRad="63500" dist="38099" dir="2700000" algn="ctr" rotWithShape="0">
                     <a:srgbClr val="000000">
@@ -10926,7 +10884,7 @@
           </a:lstStyle>
           <a:p>
             <a:r>
-              <a:rPr lang="fr-FR" sz="1200" dirty="0" smtClean="0"/>
+              <a:rPr lang="fr-FR" sz="1200" dirty="0"/>
               <a:t>Sous-sol athlètes</a:t>
             </a:r>
           </a:p>
@@ -10958,14 +10916,14 @@
           <a:effectLst/>
           <a:extLst>
             <a:ext uri="{909E8E84-426E-40dd-AFC4-6F175D3DCCD1}">
-              <a14:hiddenFill xmlns="" xmlns:a14="http://schemas.microsoft.com/office/drawing/2010/main">
+              <a14:hiddenFill xmlns:a14="http://schemas.microsoft.com/office/drawing/2010/main" xmlns="">
                 <a:solidFill>
                   <a:srgbClr val="FFFFFF"/>
                 </a:solidFill>
               </a14:hiddenFill>
             </a:ext>
             <a:ext uri="{91240B29-F687-4f45-9708-019B960494DF}">
-              <a14:hiddenLine xmlns="" xmlns:a14="http://schemas.microsoft.com/office/drawing/2010/main" w="9525" cap="flat">
+              <a14:hiddenLine xmlns:a14="http://schemas.microsoft.com/office/drawing/2010/main" xmlns="" w="9525" cap="flat">
                 <a:solidFill>
                   <a:srgbClr val="000000"/>
                 </a:solidFill>
@@ -10975,7 +10933,7 @@
               </a14:hiddenLine>
             </a:ext>
             <a:ext uri="{AF507438-7753-43e0-B8FC-AC1667EBCBE1}">
-              <a14:hiddenEffects xmlns="" xmlns:a14="http://schemas.microsoft.com/office/drawing/2010/main">
+              <a14:hiddenEffects xmlns:a14="http://schemas.microsoft.com/office/drawing/2010/main" xmlns="">
                 <a:effectLst>
                   <a:outerShdw blurRad="63500" dist="38099" dir="2700000" algn="ctr" rotWithShape="0">
                     <a:srgbClr val="000000">
@@ -11200,12 +11158,12 @@
           <a:effectLst/>
           <a:extLst>
             <a:ext uri="{909E8E84-426E-40dd-AFC4-6F175D3DCCD1}">
-              <a14:hiddenFill xmlns="" xmlns:a14="http://schemas.microsoft.com/office/drawing/2010/main">
+              <a14:hiddenFill xmlns:a14="http://schemas.microsoft.com/office/drawing/2010/main" xmlns="">
                 <a:noFill/>
               </a14:hiddenFill>
             </a:ext>
             <a:ext uri="{AF507438-7753-43e0-B8FC-AC1667EBCBE1}">
-              <a14:hiddenEffects xmlns="" xmlns:a14="http://schemas.microsoft.com/office/drawing/2010/main">
+              <a14:hiddenEffects xmlns:a14="http://schemas.microsoft.com/office/drawing/2010/main" xmlns="">
                 <a:effectLst>
                   <a:outerShdw blurRad="63500" dist="38099" dir="2700000" algn="ctr" rotWithShape="0">
                     <a:srgbClr val="000000">
@@ -11248,14 +11206,14 @@
           <a:effectLst/>
           <a:extLst>
             <a:ext uri="{909E8E84-426E-40dd-AFC4-6F175D3DCCD1}">
-              <a14:hiddenFill xmlns="" xmlns:a14="http://schemas.microsoft.com/office/drawing/2010/main">
+              <a14:hiddenFill xmlns:a14="http://schemas.microsoft.com/office/drawing/2010/main" xmlns="">
                 <a:solidFill>
                   <a:srgbClr val="FFFFFF"/>
                 </a:solidFill>
               </a14:hiddenFill>
             </a:ext>
             <a:ext uri="{91240B29-F687-4f45-9708-019B960494DF}">
-              <a14:hiddenLine xmlns="" xmlns:a14="http://schemas.microsoft.com/office/drawing/2010/main" w="9525" cap="flat">
+              <a14:hiddenLine xmlns:a14="http://schemas.microsoft.com/office/drawing/2010/main" xmlns="" w="9525" cap="flat">
                 <a:solidFill>
                   <a:srgbClr val="000000"/>
                 </a:solidFill>
@@ -11265,7 +11223,7 @@
               </a14:hiddenLine>
             </a:ext>
             <a:ext uri="{AF507438-7753-43e0-B8FC-AC1667EBCBE1}">
-              <a14:hiddenEffects xmlns="" xmlns:a14="http://schemas.microsoft.com/office/drawing/2010/main">
+              <a14:hiddenEffects xmlns:a14="http://schemas.microsoft.com/office/drawing/2010/main" xmlns="">
                 <a:effectLst>
                   <a:outerShdw blurRad="63500" dist="38099" dir="2700000" algn="ctr" rotWithShape="0">
                     <a:srgbClr val="000000">
@@ -11315,14 +11273,14 @@
           <a:effectLst/>
           <a:extLst>
             <a:ext uri="{909E8E84-426E-40dd-AFC4-6F175D3DCCD1}">
-              <a14:hiddenFill xmlns="" xmlns:a14="http://schemas.microsoft.com/office/drawing/2010/main">
+              <a14:hiddenFill xmlns:a14="http://schemas.microsoft.com/office/drawing/2010/main" xmlns="">
                 <a:solidFill>
                   <a:srgbClr val="FFFFFF"/>
                 </a:solidFill>
               </a14:hiddenFill>
             </a:ext>
             <a:ext uri="{91240B29-F687-4f45-9708-019B960494DF}">
-              <a14:hiddenLine xmlns="" xmlns:a14="http://schemas.microsoft.com/office/drawing/2010/main" w="9525" cap="flat">
+              <a14:hiddenLine xmlns:a14="http://schemas.microsoft.com/office/drawing/2010/main" xmlns="" w="9525" cap="flat">
                 <a:solidFill>
                   <a:srgbClr val="000000"/>
                 </a:solidFill>
@@ -11332,7 +11290,7 @@
               </a14:hiddenLine>
             </a:ext>
             <a:ext uri="{AF507438-7753-43e0-B8FC-AC1667EBCBE1}">
-              <a14:hiddenEffects xmlns="" xmlns:a14="http://schemas.microsoft.com/office/drawing/2010/main">
+              <a14:hiddenEffects xmlns:a14="http://schemas.microsoft.com/office/drawing/2010/main" xmlns="">
                 <a:effectLst>
                   <a:outerShdw blurRad="63500" dist="38099" dir="2700000" algn="ctr" rotWithShape="0">
                     <a:srgbClr val="000000">
@@ -11552,14 +11510,14 @@
           <a:effectLst/>
           <a:extLst>
             <a:ext uri="{909E8E84-426E-40dd-AFC4-6F175D3DCCD1}">
-              <a14:hiddenFill xmlns="" xmlns:a14="http://schemas.microsoft.com/office/drawing/2010/main">
+              <a14:hiddenFill xmlns:a14="http://schemas.microsoft.com/office/drawing/2010/main" xmlns="">
                 <a:solidFill>
                   <a:srgbClr val="FFFFFF"/>
                 </a:solidFill>
               </a14:hiddenFill>
             </a:ext>
             <a:ext uri="{91240B29-F687-4f45-9708-019B960494DF}">
-              <a14:hiddenLine xmlns="" xmlns:a14="http://schemas.microsoft.com/office/drawing/2010/main" w="9525" cap="flat">
+              <a14:hiddenLine xmlns:a14="http://schemas.microsoft.com/office/drawing/2010/main" xmlns="" w="9525" cap="flat">
                 <a:solidFill>
                   <a:srgbClr val="000000"/>
                 </a:solidFill>
@@ -11569,7 +11527,7 @@
               </a14:hiddenLine>
             </a:ext>
             <a:ext uri="{AF507438-7753-43e0-B8FC-AC1667EBCBE1}">
-              <a14:hiddenEffects xmlns="" xmlns:a14="http://schemas.microsoft.com/office/drawing/2010/main">
+              <a14:hiddenEffects xmlns:a14="http://schemas.microsoft.com/office/drawing/2010/main" xmlns="">
                 <a:effectLst>
                   <a:outerShdw blurRad="63500" dist="38099" dir="2700000" algn="ctr" rotWithShape="0">
                     <a:srgbClr val="000000">
@@ -11789,14 +11747,14 @@
           <a:effectLst/>
           <a:extLst>
             <a:ext uri="{909E8E84-426E-40dd-AFC4-6F175D3DCCD1}">
-              <a14:hiddenFill xmlns="" xmlns:a14="http://schemas.microsoft.com/office/drawing/2010/main">
+              <a14:hiddenFill xmlns:a14="http://schemas.microsoft.com/office/drawing/2010/main" xmlns="">
                 <a:solidFill>
                   <a:srgbClr val="FFFFFF"/>
                 </a:solidFill>
               </a14:hiddenFill>
             </a:ext>
             <a:ext uri="{91240B29-F687-4f45-9708-019B960494DF}">
-              <a14:hiddenLine xmlns="" xmlns:a14="http://schemas.microsoft.com/office/drawing/2010/main" w="9525" cap="flat">
+              <a14:hiddenLine xmlns:a14="http://schemas.microsoft.com/office/drawing/2010/main" xmlns="" w="9525" cap="flat">
                 <a:solidFill>
                   <a:srgbClr val="000000"/>
                 </a:solidFill>
@@ -11806,7 +11764,7 @@
               </a14:hiddenLine>
             </a:ext>
             <a:ext uri="{AF507438-7753-43e0-B8FC-AC1667EBCBE1}">
-              <a14:hiddenEffects xmlns="" xmlns:a14="http://schemas.microsoft.com/office/drawing/2010/main">
+              <a14:hiddenEffects xmlns:a14="http://schemas.microsoft.com/office/drawing/2010/main" xmlns="">
                 <a:effectLst>
                   <a:outerShdw blurRad="63500" dist="38099" dir="2700000" algn="ctr" rotWithShape="0">
                     <a:srgbClr val="000000">
@@ -11856,14 +11814,14 @@
           <a:effectLst/>
           <a:extLst>
             <a:ext uri="{909E8E84-426E-40dd-AFC4-6F175D3DCCD1}">
-              <a14:hiddenFill xmlns="" xmlns:a14="http://schemas.microsoft.com/office/drawing/2010/main">
+              <a14:hiddenFill xmlns:a14="http://schemas.microsoft.com/office/drawing/2010/main" xmlns="">
                 <a:solidFill>
                   <a:srgbClr val="FFFFFF"/>
                 </a:solidFill>
               </a14:hiddenFill>
             </a:ext>
             <a:ext uri="{91240B29-F687-4f45-9708-019B960494DF}">
-              <a14:hiddenLine xmlns="" xmlns:a14="http://schemas.microsoft.com/office/drawing/2010/main" w="9525" cap="flat">
+              <a14:hiddenLine xmlns:a14="http://schemas.microsoft.com/office/drawing/2010/main" xmlns="" w="9525" cap="flat">
                 <a:solidFill>
                   <a:srgbClr val="000000"/>
                 </a:solidFill>
@@ -11873,7 +11831,7 @@
               </a14:hiddenLine>
             </a:ext>
             <a:ext uri="{AF507438-7753-43e0-B8FC-AC1667EBCBE1}">
-              <a14:hiddenEffects xmlns="" xmlns:a14="http://schemas.microsoft.com/office/drawing/2010/main">
+              <a14:hiddenEffects xmlns:a14="http://schemas.microsoft.com/office/drawing/2010/main" xmlns="">
                 <a:effectLst>
                   <a:outerShdw blurRad="63500" dist="38099" dir="2700000" algn="ctr" rotWithShape="0">
                     <a:srgbClr val="000000">
@@ -11923,14 +11881,14 @@
           <a:effectLst/>
           <a:extLst>
             <a:ext uri="{909E8E84-426E-40dd-AFC4-6F175D3DCCD1}">
-              <a14:hiddenFill xmlns="" xmlns:a14="http://schemas.microsoft.com/office/drawing/2010/main">
+              <a14:hiddenFill xmlns:a14="http://schemas.microsoft.com/office/drawing/2010/main" xmlns="">
                 <a:solidFill>
                   <a:srgbClr val="FFFFFF"/>
                 </a:solidFill>
               </a14:hiddenFill>
             </a:ext>
             <a:ext uri="{91240B29-F687-4f45-9708-019B960494DF}">
-              <a14:hiddenLine xmlns="" xmlns:a14="http://schemas.microsoft.com/office/drawing/2010/main" w="9525" cap="flat">
+              <a14:hiddenLine xmlns:a14="http://schemas.microsoft.com/office/drawing/2010/main" xmlns="" w="9525" cap="flat">
                 <a:solidFill>
                   <a:srgbClr val="000000"/>
                 </a:solidFill>
@@ -11940,7 +11898,7 @@
               </a14:hiddenLine>
             </a:ext>
             <a:ext uri="{AF507438-7753-43e0-B8FC-AC1667EBCBE1}">
-              <a14:hiddenEffects xmlns="" xmlns:a14="http://schemas.microsoft.com/office/drawing/2010/main">
+              <a14:hiddenEffects xmlns:a14="http://schemas.microsoft.com/office/drawing/2010/main" xmlns="">
                 <a:effectLst>
                   <a:outerShdw blurRad="63500" dist="38099" dir="2700000" algn="ctr" rotWithShape="0">
                     <a:srgbClr val="000000">
@@ -11990,14 +11948,14 @@
           <a:effectLst/>
           <a:extLst>
             <a:ext uri="{909E8E84-426E-40dd-AFC4-6F175D3DCCD1}">
-              <a14:hiddenFill xmlns="" xmlns:a14="http://schemas.microsoft.com/office/drawing/2010/main">
+              <a14:hiddenFill xmlns:a14="http://schemas.microsoft.com/office/drawing/2010/main" xmlns="">
                 <a:solidFill>
                   <a:srgbClr val="FFFFFF"/>
                 </a:solidFill>
               </a14:hiddenFill>
             </a:ext>
             <a:ext uri="{91240B29-F687-4f45-9708-019B960494DF}">
-              <a14:hiddenLine xmlns="" xmlns:a14="http://schemas.microsoft.com/office/drawing/2010/main" w="9525" cap="flat">
+              <a14:hiddenLine xmlns:a14="http://schemas.microsoft.com/office/drawing/2010/main" xmlns="" w="9525" cap="flat">
                 <a:solidFill>
                   <a:srgbClr val="000000"/>
                 </a:solidFill>
@@ -12007,7 +11965,7 @@
               </a14:hiddenLine>
             </a:ext>
             <a:ext uri="{AF507438-7753-43e0-B8FC-AC1667EBCBE1}">
-              <a14:hiddenEffects xmlns="" xmlns:a14="http://schemas.microsoft.com/office/drawing/2010/main">
+              <a14:hiddenEffects xmlns:a14="http://schemas.microsoft.com/office/drawing/2010/main" xmlns="">
                 <a:effectLst>
                   <a:outerShdw blurRad="63500" dist="38099" dir="2700000" algn="ctr" rotWithShape="0">
                     <a:srgbClr val="000000">
@@ -12057,14 +12015,14 @@
           <a:effectLst/>
           <a:extLst>
             <a:ext uri="{909E8E84-426E-40dd-AFC4-6F175D3DCCD1}">
-              <a14:hiddenFill xmlns="" xmlns:a14="http://schemas.microsoft.com/office/drawing/2010/main">
+              <a14:hiddenFill xmlns:a14="http://schemas.microsoft.com/office/drawing/2010/main" xmlns="">
                 <a:solidFill>
                   <a:srgbClr val="FFFFFF"/>
                 </a:solidFill>
               </a14:hiddenFill>
             </a:ext>
             <a:ext uri="{91240B29-F687-4f45-9708-019B960494DF}">
-              <a14:hiddenLine xmlns="" xmlns:a14="http://schemas.microsoft.com/office/drawing/2010/main" w="9525" cap="flat">
+              <a14:hiddenLine xmlns:a14="http://schemas.microsoft.com/office/drawing/2010/main" xmlns="" w="9525" cap="flat">
                 <a:solidFill>
                   <a:srgbClr val="000000"/>
                 </a:solidFill>
@@ -12074,7 +12032,7 @@
               </a14:hiddenLine>
             </a:ext>
             <a:ext uri="{AF507438-7753-43e0-B8FC-AC1667EBCBE1}">
-              <a14:hiddenEffects xmlns="" xmlns:a14="http://schemas.microsoft.com/office/drawing/2010/main">
+              <a14:hiddenEffects xmlns:a14="http://schemas.microsoft.com/office/drawing/2010/main" xmlns="">
                 <a:effectLst>
                   <a:outerShdw blurRad="63500" dist="38099" dir="2700000" algn="ctr" rotWithShape="0">
                     <a:srgbClr val="000000">
@@ -12294,14 +12252,14 @@
           <a:effectLst/>
           <a:extLst>
             <a:ext uri="{909E8E84-426E-40dd-AFC4-6F175D3DCCD1}">
-              <a14:hiddenFill xmlns="" xmlns:a14="http://schemas.microsoft.com/office/drawing/2010/main">
+              <a14:hiddenFill xmlns:a14="http://schemas.microsoft.com/office/drawing/2010/main" xmlns="">
                 <a:solidFill>
                   <a:srgbClr val="FFFFFF"/>
                 </a:solidFill>
               </a14:hiddenFill>
             </a:ext>
             <a:ext uri="{91240B29-F687-4f45-9708-019B960494DF}">
-              <a14:hiddenLine xmlns="" xmlns:a14="http://schemas.microsoft.com/office/drawing/2010/main" w="9525" cap="flat">
+              <a14:hiddenLine xmlns:a14="http://schemas.microsoft.com/office/drawing/2010/main" xmlns="" w="9525" cap="flat">
                 <a:solidFill>
                   <a:srgbClr val="000000"/>
                 </a:solidFill>
@@ -12311,7 +12269,7 @@
               </a14:hiddenLine>
             </a:ext>
             <a:ext uri="{AF507438-7753-43e0-B8FC-AC1667EBCBE1}">
-              <a14:hiddenEffects xmlns="" xmlns:a14="http://schemas.microsoft.com/office/drawing/2010/main">
+              <a14:hiddenEffects xmlns:a14="http://schemas.microsoft.com/office/drawing/2010/main" xmlns="">
                 <a:effectLst>
                   <a:outerShdw blurRad="63500" dist="38099" dir="2700000" algn="ctr" rotWithShape="0">
                     <a:srgbClr val="000000">
@@ -12361,14 +12319,14 @@
           <a:effectLst/>
           <a:extLst>
             <a:ext uri="{909E8E84-426E-40dd-AFC4-6F175D3DCCD1}">
-              <a14:hiddenFill xmlns="" xmlns:a14="http://schemas.microsoft.com/office/drawing/2010/main">
+              <a14:hiddenFill xmlns:a14="http://schemas.microsoft.com/office/drawing/2010/main" xmlns="">
                 <a:solidFill>
                   <a:srgbClr val="FFFFFF"/>
                 </a:solidFill>
               </a14:hiddenFill>
             </a:ext>
             <a:ext uri="{91240B29-F687-4f45-9708-019B960494DF}">
-              <a14:hiddenLine xmlns="" xmlns:a14="http://schemas.microsoft.com/office/drawing/2010/main" w="9525" cap="flat">
+              <a14:hiddenLine xmlns:a14="http://schemas.microsoft.com/office/drawing/2010/main" xmlns="" w="9525" cap="flat">
                 <a:solidFill>
                   <a:srgbClr val="000000"/>
                 </a:solidFill>
@@ -12378,7 +12336,7 @@
               </a14:hiddenLine>
             </a:ext>
             <a:ext uri="{AF507438-7753-43e0-B8FC-AC1667EBCBE1}">
-              <a14:hiddenEffects xmlns="" xmlns:a14="http://schemas.microsoft.com/office/drawing/2010/main">
+              <a14:hiddenEffects xmlns:a14="http://schemas.microsoft.com/office/drawing/2010/main" xmlns="">
                 <a:effectLst>
                   <a:outerShdw blurRad="63500" dist="38099" dir="2700000" algn="ctr" rotWithShape="0">
                     <a:srgbClr val="000000">
@@ -12598,14 +12556,14 @@
           <a:effectLst/>
           <a:extLst>
             <a:ext uri="{909E8E84-426E-40dd-AFC4-6F175D3DCCD1}">
-              <a14:hiddenFill xmlns="" xmlns:a14="http://schemas.microsoft.com/office/drawing/2010/main">
+              <a14:hiddenFill xmlns:a14="http://schemas.microsoft.com/office/drawing/2010/main" xmlns="">
                 <a:solidFill>
                   <a:srgbClr val="FFFFFF"/>
                 </a:solidFill>
               </a14:hiddenFill>
             </a:ext>
             <a:ext uri="{91240B29-F687-4f45-9708-019B960494DF}">
-              <a14:hiddenLine xmlns="" xmlns:a14="http://schemas.microsoft.com/office/drawing/2010/main" w="9525" cap="flat">
+              <a14:hiddenLine xmlns:a14="http://schemas.microsoft.com/office/drawing/2010/main" xmlns="" w="9525" cap="flat">
                 <a:solidFill>
                   <a:srgbClr val="000000"/>
                 </a:solidFill>
@@ -12615,7 +12573,7 @@
               </a14:hiddenLine>
             </a:ext>
             <a:ext uri="{AF507438-7753-43e0-B8FC-AC1667EBCBE1}">
-              <a14:hiddenEffects xmlns="" xmlns:a14="http://schemas.microsoft.com/office/drawing/2010/main">
+              <a14:hiddenEffects xmlns:a14="http://schemas.microsoft.com/office/drawing/2010/main" xmlns="">
                 <a:effectLst>
                   <a:outerShdw blurRad="63500" dist="38099" dir="2700000" algn="ctr" rotWithShape="0">
                     <a:srgbClr val="000000">
@@ -12835,14 +12793,14 @@
           <a:effectLst/>
           <a:extLst>
             <a:ext uri="{909E8E84-426E-40dd-AFC4-6F175D3DCCD1}">
-              <a14:hiddenFill xmlns="" xmlns:a14="http://schemas.microsoft.com/office/drawing/2010/main">
+              <a14:hiddenFill xmlns:a14="http://schemas.microsoft.com/office/drawing/2010/main" xmlns="">
                 <a:solidFill>
                   <a:srgbClr val="FFFFFF"/>
                 </a:solidFill>
               </a14:hiddenFill>
             </a:ext>
             <a:ext uri="{91240B29-F687-4f45-9708-019B960494DF}">
-              <a14:hiddenLine xmlns="" xmlns:a14="http://schemas.microsoft.com/office/drawing/2010/main" w="9525" cap="flat">
+              <a14:hiddenLine xmlns:a14="http://schemas.microsoft.com/office/drawing/2010/main" xmlns="" w="9525" cap="flat">
                 <a:solidFill>
                   <a:srgbClr val="000000"/>
                 </a:solidFill>
@@ -12852,7 +12810,7 @@
               </a14:hiddenLine>
             </a:ext>
             <a:ext uri="{AF507438-7753-43e0-B8FC-AC1667EBCBE1}">
-              <a14:hiddenEffects xmlns="" xmlns:a14="http://schemas.microsoft.com/office/drawing/2010/main">
+              <a14:hiddenEffects xmlns:a14="http://schemas.microsoft.com/office/drawing/2010/main" xmlns="">
                 <a:effectLst>
                   <a:outerShdw blurRad="63500" dist="38099" dir="2700000" algn="ctr" rotWithShape="0">
                     <a:srgbClr val="000000">
@@ -13072,14 +13030,14 @@
           <a:effectLst/>
           <a:extLst>
             <a:ext uri="{909E8E84-426E-40dd-AFC4-6F175D3DCCD1}">
-              <a14:hiddenFill xmlns="" xmlns:a14="http://schemas.microsoft.com/office/drawing/2010/main">
+              <a14:hiddenFill xmlns:a14="http://schemas.microsoft.com/office/drawing/2010/main" xmlns="">
                 <a:solidFill>
                   <a:srgbClr val="FFFFFF"/>
                 </a:solidFill>
               </a14:hiddenFill>
             </a:ext>
             <a:ext uri="{91240B29-F687-4f45-9708-019B960494DF}">
-              <a14:hiddenLine xmlns="" xmlns:a14="http://schemas.microsoft.com/office/drawing/2010/main" w="9525" cap="flat">
+              <a14:hiddenLine xmlns:a14="http://schemas.microsoft.com/office/drawing/2010/main" xmlns="" w="9525" cap="flat">
                 <a:solidFill>
                   <a:srgbClr val="000000"/>
                 </a:solidFill>
@@ -13089,7 +13047,7 @@
               </a14:hiddenLine>
             </a:ext>
             <a:ext uri="{AF507438-7753-43e0-B8FC-AC1667EBCBE1}">
-              <a14:hiddenEffects xmlns="" xmlns:a14="http://schemas.microsoft.com/office/drawing/2010/main">
+              <a14:hiddenEffects xmlns:a14="http://schemas.microsoft.com/office/drawing/2010/main" xmlns="">
                 <a:effectLst>
                   <a:outerShdw blurRad="63500" dist="38099" dir="2700000" algn="ctr" rotWithShape="0">
                     <a:srgbClr val="000000">
@@ -13309,14 +13267,14 @@
           <a:effectLst/>
           <a:extLst>
             <a:ext uri="{909E8E84-426E-40dd-AFC4-6F175D3DCCD1}">
-              <a14:hiddenFill xmlns="" xmlns:a14="http://schemas.microsoft.com/office/drawing/2010/main">
+              <a14:hiddenFill xmlns:a14="http://schemas.microsoft.com/office/drawing/2010/main" xmlns="">
                 <a:solidFill>
                   <a:srgbClr val="FFFFFF"/>
                 </a:solidFill>
               </a14:hiddenFill>
             </a:ext>
             <a:ext uri="{91240B29-F687-4f45-9708-019B960494DF}">
-              <a14:hiddenLine xmlns="" xmlns:a14="http://schemas.microsoft.com/office/drawing/2010/main" w="9525" cap="flat">
+              <a14:hiddenLine xmlns:a14="http://schemas.microsoft.com/office/drawing/2010/main" xmlns="" w="9525" cap="flat">
                 <a:solidFill>
                   <a:srgbClr val="000000"/>
                 </a:solidFill>
@@ -13326,7 +13284,7 @@
               </a14:hiddenLine>
             </a:ext>
             <a:ext uri="{AF507438-7753-43e0-B8FC-AC1667EBCBE1}">
-              <a14:hiddenEffects xmlns="" xmlns:a14="http://schemas.microsoft.com/office/drawing/2010/main">
+              <a14:hiddenEffects xmlns:a14="http://schemas.microsoft.com/office/drawing/2010/main" xmlns="">
                 <a:effectLst>
                   <a:outerShdw blurRad="63500" dist="38099" dir="2700000" algn="ctr" rotWithShape="0">
                     <a:srgbClr val="000000">
@@ -13546,14 +13504,14 @@
           <a:effectLst/>
           <a:extLst>
             <a:ext uri="{909E8E84-426E-40dd-AFC4-6F175D3DCCD1}">
-              <a14:hiddenFill xmlns="" xmlns:a14="http://schemas.microsoft.com/office/drawing/2010/main">
+              <a14:hiddenFill xmlns:a14="http://schemas.microsoft.com/office/drawing/2010/main" xmlns="">
                 <a:solidFill>
                   <a:srgbClr val="FFFFFF"/>
                 </a:solidFill>
               </a14:hiddenFill>
             </a:ext>
             <a:ext uri="{91240B29-F687-4f45-9708-019B960494DF}">
-              <a14:hiddenLine xmlns="" xmlns:a14="http://schemas.microsoft.com/office/drawing/2010/main" w="9525" cap="flat">
+              <a14:hiddenLine xmlns:a14="http://schemas.microsoft.com/office/drawing/2010/main" xmlns="" w="9525" cap="flat">
                 <a:solidFill>
                   <a:srgbClr val="000000"/>
                 </a:solidFill>
@@ -13563,7 +13521,7 @@
               </a14:hiddenLine>
             </a:ext>
             <a:ext uri="{AF507438-7753-43e0-B8FC-AC1667EBCBE1}">
-              <a14:hiddenEffects xmlns="" xmlns:a14="http://schemas.microsoft.com/office/drawing/2010/main">
+              <a14:hiddenEffects xmlns:a14="http://schemas.microsoft.com/office/drawing/2010/main" xmlns="">
                 <a:effectLst>
                   <a:outerShdw blurRad="63500" dist="38099" dir="2700000" algn="ctr" rotWithShape="0">
                     <a:srgbClr val="000000">
@@ -13613,14 +13571,14 @@
           <a:effectLst/>
           <a:extLst>
             <a:ext uri="{909E8E84-426E-40dd-AFC4-6F175D3DCCD1}">
-              <a14:hiddenFill xmlns="" xmlns:a14="http://schemas.microsoft.com/office/drawing/2010/main">
+              <a14:hiddenFill xmlns:a14="http://schemas.microsoft.com/office/drawing/2010/main" xmlns="">
                 <a:solidFill>
                   <a:srgbClr val="FFFFFF"/>
                 </a:solidFill>
               </a14:hiddenFill>
             </a:ext>
             <a:ext uri="{91240B29-F687-4f45-9708-019B960494DF}">
-              <a14:hiddenLine xmlns="" xmlns:a14="http://schemas.microsoft.com/office/drawing/2010/main" w="9525" cap="flat">
+              <a14:hiddenLine xmlns:a14="http://schemas.microsoft.com/office/drawing/2010/main" xmlns="" w="9525" cap="flat">
                 <a:solidFill>
                   <a:srgbClr val="000000"/>
                 </a:solidFill>
@@ -13630,7 +13588,7 @@
               </a14:hiddenLine>
             </a:ext>
             <a:ext uri="{AF507438-7753-43e0-B8FC-AC1667EBCBE1}">
-              <a14:hiddenEffects xmlns="" xmlns:a14="http://schemas.microsoft.com/office/drawing/2010/main">
+              <a14:hiddenEffects xmlns:a14="http://schemas.microsoft.com/office/drawing/2010/main" xmlns="">
                 <a:effectLst>
                   <a:outerShdw blurRad="63500" dist="38099" dir="2700000" algn="ctr" rotWithShape="0">
                     <a:srgbClr val="000000">
@@ -13680,14 +13638,14 @@
           <a:effectLst/>
           <a:extLst>
             <a:ext uri="{909E8E84-426E-40dd-AFC4-6F175D3DCCD1}">
-              <a14:hiddenFill xmlns="" xmlns:a14="http://schemas.microsoft.com/office/drawing/2010/main">
+              <a14:hiddenFill xmlns:a14="http://schemas.microsoft.com/office/drawing/2010/main" xmlns="">
                 <a:solidFill>
                   <a:srgbClr val="FFFFFF"/>
                 </a:solidFill>
               </a14:hiddenFill>
             </a:ext>
             <a:ext uri="{91240B29-F687-4f45-9708-019B960494DF}">
-              <a14:hiddenLine xmlns="" xmlns:a14="http://schemas.microsoft.com/office/drawing/2010/main" w="9525" cap="flat">
+              <a14:hiddenLine xmlns:a14="http://schemas.microsoft.com/office/drawing/2010/main" xmlns="" w="9525" cap="flat">
                 <a:solidFill>
                   <a:srgbClr val="000000"/>
                 </a:solidFill>
@@ -13697,7 +13655,7 @@
               </a14:hiddenLine>
             </a:ext>
             <a:ext uri="{AF507438-7753-43e0-B8FC-AC1667EBCBE1}">
-              <a14:hiddenEffects xmlns="" xmlns:a14="http://schemas.microsoft.com/office/drawing/2010/main">
+              <a14:hiddenEffects xmlns:a14="http://schemas.microsoft.com/office/drawing/2010/main" xmlns="">
                 <a:effectLst>
                   <a:outerShdw blurRad="63500" dist="38099" dir="2700000" algn="ctr" rotWithShape="0">
                     <a:srgbClr val="000000">
@@ -13917,14 +13875,14 @@
           <a:effectLst/>
           <a:extLst>
             <a:ext uri="{909E8E84-426E-40dd-AFC4-6F175D3DCCD1}">
-              <a14:hiddenFill xmlns="" xmlns:a14="http://schemas.microsoft.com/office/drawing/2010/main">
+              <a14:hiddenFill xmlns:a14="http://schemas.microsoft.com/office/drawing/2010/main" xmlns="">
                 <a:solidFill>
                   <a:srgbClr val="FFFFFF"/>
                 </a:solidFill>
               </a14:hiddenFill>
             </a:ext>
             <a:ext uri="{91240B29-F687-4f45-9708-019B960494DF}">
-              <a14:hiddenLine xmlns="" xmlns:a14="http://schemas.microsoft.com/office/drawing/2010/main" w="9525" cap="flat">
+              <a14:hiddenLine xmlns:a14="http://schemas.microsoft.com/office/drawing/2010/main" xmlns="" w="9525" cap="flat">
                 <a:solidFill>
                   <a:srgbClr val="000000"/>
                 </a:solidFill>
@@ -13934,7 +13892,7 @@
               </a14:hiddenLine>
             </a:ext>
             <a:ext uri="{AF507438-7753-43e0-B8FC-AC1667EBCBE1}">
-              <a14:hiddenEffects xmlns="" xmlns:a14="http://schemas.microsoft.com/office/drawing/2010/main">
+              <a14:hiddenEffects xmlns:a14="http://schemas.microsoft.com/office/drawing/2010/main" xmlns="">
                 <a:effectLst>
                   <a:outerShdw blurRad="63500" dist="38099" dir="2700000" algn="ctr" rotWithShape="0">
                     <a:srgbClr val="000000">
@@ -13984,14 +13942,14 @@
           <a:effectLst/>
           <a:extLst>
             <a:ext uri="{909E8E84-426E-40dd-AFC4-6F175D3DCCD1}">
-              <a14:hiddenFill xmlns="" xmlns:a14="http://schemas.microsoft.com/office/drawing/2010/main">
+              <a14:hiddenFill xmlns:a14="http://schemas.microsoft.com/office/drawing/2010/main" xmlns="">
                 <a:solidFill>
                   <a:srgbClr val="FFFFFF"/>
                 </a:solidFill>
               </a14:hiddenFill>
             </a:ext>
             <a:ext uri="{91240B29-F687-4f45-9708-019B960494DF}">
-              <a14:hiddenLine xmlns="" xmlns:a14="http://schemas.microsoft.com/office/drawing/2010/main" w="9525" cap="flat">
+              <a14:hiddenLine xmlns:a14="http://schemas.microsoft.com/office/drawing/2010/main" xmlns="" w="9525" cap="flat">
                 <a:solidFill>
                   <a:srgbClr val="000000"/>
                 </a:solidFill>
@@ -14001,7 +13959,7 @@
               </a14:hiddenLine>
             </a:ext>
             <a:ext uri="{AF507438-7753-43e0-B8FC-AC1667EBCBE1}">
-              <a14:hiddenEffects xmlns="" xmlns:a14="http://schemas.microsoft.com/office/drawing/2010/main">
+              <a14:hiddenEffects xmlns:a14="http://schemas.microsoft.com/office/drawing/2010/main" xmlns="">
                 <a:effectLst>
                   <a:outerShdw blurRad="63500" dist="38099" dir="2700000" algn="ctr" rotWithShape="0">
                     <a:srgbClr val="000000">
@@ -14221,14 +14179,14 @@
           <a:effectLst/>
           <a:extLst>
             <a:ext uri="{909E8E84-426E-40dd-AFC4-6F175D3DCCD1}">
-              <a14:hiddenFill xmlns="" xmlns:a14="http://schemas.microsoft.com/office/drawing/2010/main">
+              <a14:hiddenFill xmlns:a14="http://schemas.microsoft.com/office/drawing/2010/main" xmlns="">
                 <a:solidFill>
                   <a:srgbClr val="FFFFFF"/>
                 </a:solidFill>
               </a14:hiddenFill>
             </a:ext>
             <a:ext uri="{91240B29-F687-4f45-9708-019B960494DF}">
-              <a14:hiddenLine xmlns="" xmlns:a14="http://schemas.microsoft.com/office/drawing/2010/main" w="9525" cap="flat">
+              <a14:hiddenLine xmlns:a14="http://schemas.microsoft.com/office/drawing/2010/main" xmlns="" w="9525" cap="flat">
                 <a:solidFill>
                   <a:srgbClr val="000000"/>
                 </a:solidFill>
@@ -14238,7 +14196,7 @@
               </a14:hiddenLine>
             </a:ext>
             <a:ext uri="{AF507438-7753-43e0-B8FC-AC1667EBCBE1}">
-              <a14:hiddenEffects xmlns="" xmlns:a14="http://schemas.microsoft.com/office/drawing/2010/main">
+              <a14:hiddenEffects xmlns:a14="http://schemas.microsoft.com/office/drawing/2010/main" xmlns="">
                 <a:effectLst>
                   <a:outerShdw blurRad="63500" dist="38099" dir="2700000" algn="ctr" rotWithShape="0">
                     <a:srgbClr val="000000">
@@ -14458,14 +14416,14 @@
           <a:effectLst/>
           <a:extLst>
             <a:ext uri="{909E8E84-426E-40dd-AFC4-6F175D3DCCD1}">
-              <a14:hiddenFill xmlns="" xmlns:a14="http://schemas.microsoft.com/office/drawing/2010/main">
+              <a14:hiddenFill xmlns:a14="http://schemas.microsoft.com/office/drawing/2010/main" xmlns="">
                 <a:solidFill>
                   <a:srgbClr val="FFFFFF"/>
                 </a:solidFill>
               </a14:hiddenFill>
             </a:ext>
             <a:ext uri="{91240B29-F687-4f45-9708-019B960494DF}">
-              <a14:hiddenLine xmlns="" xmlns:a14="http://schemas.microsoft.com/office/drawing/2010/main" w="9525" cap="flat">
+              <a14:hiddenLine xmlns:a14="http://schemas.microsoft.com/office/drawing/2010/main" xmlns="" w="9525" cap="flat">
                 <a:solidFill>
                   <a:srgbClr val="000000"/>
                 </a:solidFill>
@@ -14475,7 +14433,7 @@
               </a14:hiddenLine>
             </a:ext>
             <a:ext uri="{AF507438-7753-43e0-B8FC-AC1667EBCBE1}">
-              <a14:hiddenEffects xmlns="" xmlns:a14="http://schemas.microsoft.com/office/drawing/2010/main">
+              <a14:hiddenEffects xmlns:a14="http://schemas.microsoft.com/office/drawing/2010/main" xmlns="">
                 <a:effectLst>
                   <a:outerShdw blurRad="63500" dist="38099" dir="2700000" algn="ctr" rotWithShape="0">
                     <a:srgbClr val="000000">
@@ -14695,14 +14653,14 @@
           <a:effectLst/>
           <a:extLst>
             <a:ext uri="{909E8E84-426E-40dd-AFC4-6F175D3DCCD1}">
-              <a14:hiddenFill xmlns="" xmlns:a14="http://schemas.microsoft.com/office/drawing/2010/main">
+              <a14:hiddenFill xmlns:a14="http://schemas.microsoft.com/office/drawing/2010/main" xmlns="">
                 <a:solidFill>
                   <a:srgbClr val="FFFFFF"/>
                 </a:solidFill>
               </a14:hiddenFill>
             </a:ext>
             <a:ext uri="{91240B29-F687-4f45-9708-019B960494DF}">
-              <a14:hiddenLine xmlns="" xmlns:a14="http://schemas.microsoft.com/office/drawing/2010/main" w="9525" cap="flat">
+              <a14:hiddenLine xmlns:a14="http://schemas.microsoft.com/office/drawing/2010/main" xmlns="" w="9525" cap="flat">
                 <a:solidFill>
                   <a:srgbClr val="000000"/>
                 </a:solidFill>
@@ -14712,7 +14670,7 @@
               </a14:hiddenLine>
             </a:ext>
             <a:ext uri="{AF507438-7753-43e0-B8FC-AC1667EBCBE1}">
-              <a14:hiddenEffects xmlns="" xmlns:a14="http://schemas.microsoft.com/office/drawing/2010/main">
+              <a14:hiddenEffects xmlns:a14="http://schemas.microsoft.com/office/drawing/2010/main" xmlns="">
                 <a:effectLst>
                   <a:outerShdw blurRad="63500" dist="38099" dir="2700000" algn="ctr" rotWithShape="0">
                     <a:srgbClr val="000000">
@@ -14932,14 +14890,14 @@
           <a:effectLst/>
           <a:extLst>
             <a:ext uri="{909E8E84-426E-40dd-AFC4-6F175D3DCCD1}">
-              <a14:hiddenFill xmlns="" xmlns:a14="http://schemas.microsoft.com/office/drawing/2010/main">
+              <a14:hiddenFill xmlns:a14="http://schemas.microsoft.com/office/drawing/2010/main" xmlns="">
                 <a:solidFill>
                   <a:srgbClr val="FFFFFF"/>
                 </a:solidFill>
               </a14:hiddenFill>
             </a:ext>
             <a:ext uri="{91240B29-F687-4f45-9708-019B960494DF}">
-              <a14:hiddenLine xmlns="" xmlns:a14="http://schemas.microsoft.com/office/drawing/2010/main" w="9525" cap="flat">
+              <a14:hiddenLine xmlns:a14="http://schemas.microsoft.com/office/drawing/2010/main" xmlns="" w="9525" cap="flat">
                 <a:solidFill>
                   <a:srgbClr val="000000"/>
                 </a:solidFill>
@@ -14949,7 +14907,7 @@
               </a14:hiddenLine>
             </a:ext>
             <a:ext uri="{AF507438-7753-43e0-B8FC-AC1667EBCBE1}">
-              <a14:hiddenEffects xmlns="" xmlns:a14="http://schemas.microsoft.com/office/drawing/2010/main">
+              <a14:hiddenEffects xmlns:a14="http://schemas.microsoft.com/office/drawing/2010/main" xmlns="">
                 <a:effectLst>
                   <a:outerShdw blurRad="63500" dist="38099" dir="2700000" algn="ctr" rotWithShape="0">
                     <a:srgbClr val="000000">
@@ -14999,14 +14957,14 @@
           <a:effectLst/>
           <a:extLst>
             <a:ext uri="{909E8E84-426E-40dd-AFC4-6F175D3DCCD1}">
-              <a14:hiddenFill xmlns="" xmlns:a14="http://schemas.microsoft.com/office/drawing/2010/main">
+              <a14:hiddenFill xmlns:a14="http://schemas.microsoft.com/office/drawing/2010/main" xmlns="">
                 <a:solidFill>
                   <a:srgbClr val="FFFFFF"/>
                 </a:solidFill>
               </a14:hiddenFill>
             </a:ext>
             <a:ext uri="{91240B29-F687-4f45-9708-019B960494DF}">
-              <a14:hiddenLine xmlns="" xmlns:a14="http://schemas.microsoft.com/office/drawing/2010/main" w="9525" cap="flat">
+              <a14:hiddenLine xmlns:a14="http://schemas.microsoft.com/office/drawing/2010/main" xmlns="" w="9525" cap="flat">
                 <a:solidFill>
                   <a:srgbClr val="000000"/>
                 </a:solidFill>
@@ -15016,7 +14974,7 @@
               </a14:hiddenLine>
             </a:ext>
             <a:ext uri="{AF507438-7753-43e0-B8FC-AC1667EBCBE1}">
-              <a14:hiddenEffects xmlns="" xmlns:a14="http://schemas.microsoft.com/office/drawing/2010/main">
+              <a14:hiddenEffects xmlns:a14="http://schemas.microsoft.com/office/drawing/2010/main" xmlns="">
                 <a:effectLst>
                   <a:outerShdw blurRad="63500" dist="38099" dir="2700000" algn="ctr" rotWithShape="0">
                     <a:srgbClr val="000000">
@@ -15066,14 +15024,14 @@
           <a:effectLst/>
           <a:extLst>
             <a:ext uri="{909E8E84-426E-40dd-AFC4-6F175D3DCCD1}">
-              <a14:hiddenFill xmlns="" xmlns:a14="http://schemas.microsoft.com/office/drawing/2010/main">
+              <a14:hiddenFill xmlns:a14="http://schemas.microsoft.com/office/drawing/2010/main" xmlns="">
                 <a:solidFill>
                   <a:srgbClr val="FFFFFF"/>
                 </a:solidFill>
               </a14:hiddenFill>
             </a:ext>
             <a:ext uri="{91240B29-F687-4f45-9708-019B960494DF}">
-              <a14:hiddenLine xmlns="" xmlns:a14="http://schemas.microsoft.com/office/drawing/2010/main" w="9525" cap="flat">
+              <a14:hiddenLine xmlns:a14="http://schemas.microsoft.com/office/drawing/2010/main" xmlns="" w="9525" cap="flat">
                 <a:solidFill>
                   <a:srgbClr val="000000"/>
                 </a:solidFill>
@@ -15083,7 +15041,7 @@
               </a14:hiddenLine>
             </a:ext>
             <a:ext uri="{AF507438-7753-43e0-B8FC-AC1667EBCBE1}">
-              <a14:hiddenEffects xmlns="" xmlns:a14="http://schemas.microsoft.com/office/drawing/2010/main">
+              <a14:hiddenEffects xmlns:a14="http://schemas.microsoft.com/office/drawing/2010/main" xmlns="">
                 <a:effectLst>
                   <a:outerShdw blurRad="63500" dist="38099" dir="2700000" algn="ctr" rotWithShape="0">
                     <a:srgbClr val="000000">
@@ -15133,14 +15091,14 @@
           <a:effectLst/>
           <a:extLst>
             <a:ext uri="{909E8E84-426E-40dd-AFC4-6F175D3DCCD1}">
-              <a14:hiddenFill xmlns="" xmlns:a14="http://schemas.microsoft.com/office/drawing/2010/main">
+              <a14:hiddenFill xmlns:a14="http://schemas.microsoft.com/office/drawing/2010/main" xmlns="">
                 <a:solidFill>
                   <a:srgbClr val="FFFFFF"/>
                 </a:solidFill>
               </a14:hiddenFill>
             </a:ext>
             <a:ext uri="{91240B29-F687-4f45-9708-019B960494DF}">
-              <a14:hiddenLine xmlns="" xmlns:a14="http://schemas.microsoft.com/office/drawing/2010/main" w="9525" cap="flat">
+              <a14:hiddenLine xmlns:a14="http://schemas.microsoft.com/office/drawing/2010/main" xmlns="" w="9525" cap="flat">
                 <a:solidFill>
                   <a:srgbClr val="000000"/>
                 </a:solidFill>
@@ -15150,7 +15108,7 @@
               </a14:hiddenLine>
             </a:ext>
             <a:ext uri="{AF507438-7753-43e0-B8FC-AC1667EBCBE1}">
-              <a14:hiddenEffects xmlns="" xmlns:a14="http://schemas.microsoft.com/office/drawing/2010/main">
+              <a14:hiddenEffects xmlns:a14="http://schemas.microsoft.com/office/drawing/2010/main" xmlns="">
                 <a:effectLst>
                   <a:outerShdw blurRad="63500" dist="38099" dir="2700000" algn="ctr" rotWithShape="0">
                     <a:srgbClr val="000000">
@@ -15200,14 +15158,14 @@
           <a:effectLst/>
           <a:extLst>
             <a:ext uri="{909E8E84-426E-40dd-AFC4-6F175D3DCCD1}">
-              <a14:hiddenFill xmlns="" xmlns:a14="http://schemas.microsoft.com/office/drawing/2010/main">
+              <a14:hiddenFill xmlns:a14="http://schemas.microsoft.com/office/drawing/2010/main" xmlns="">
                 <a:solidFill>
                   <a:srgbClr val="FFFFFF"/>
                 </a:solidFill>
               </a14:hiddenFill>
             </a:ext>
             <a:ext uri="{91240B29-F687-4f45-9708-019B960494DF}">
-              <a14:hiddenLine xmlns="" xmlns:a14="http://schemas.microsoft.com/office/drawing/2010/main" w="9525" cap="flat">
+              <a14:hiddenLine xmlns:a14="http://schemas.microsoft.com/office/drawing/2010/main" xmlns="" w="9525" cap="flat">
                 <a:solidFill>
                   <a:srgbClr val="000000"/>
                 </a:solidFill>
@@ -15217,7 +15175,7 @@
               </a14:hiddenLine>
             </a:ext>
             <a:ext uri="{AF507438-7753-43e0-B8FC-AC1667EBCBE1}">
-              <a14:hiddenEffects xmlns="" xmlns:a14="http://schemas.microsoft.com/office/drawing/2010/main">
+              <a14:hiddenEffects xmlns:a14="http://schemas.microsoft.com/office/drawing/2010/main" xmlns="">
                 <a:effectLst>
                   <a:outerShdw blurRad="63500" dist="38099" dir="2700000" algn="ctr" rotWithShape="0">
                     <a:srgbClr val="000000">
@@ -15267,14 +15225,14 @@
           <a:effectLst/>
           <a:extLst>
             <a:ext uri="{909E8E84-426E-40dd-AFC4-6F175D3DCCD1}">
-              <a14:hiddenFill xmlns="" xmlns:a14="http://schemas.microsoft.com/office/drawing/2010/main">
+              <a14:hiddenFill xmlns:a14="http://schemas.microsoft.com/office/drawing/2010/main" xmlns="">
                 <a:solidFill>
                   <a:srgbClr val="FFFFFF"/>
                 </a:solidFill>
               </a14:hiddenFill>
             </a:ext>
             <a:ext uri="{91240B29-F687-4f45-9708-019B960494DF}">
-              <a14:hiddenLine xmlns="" xmlns:a14="http://schemas.microsoft.com/office/drawing/2010/main" w="9525" cap="flat">
+              <a14:hiddenLine xmlns:a14="http://schemas.microsoft.com/office/drawing/2010/main" xmlns="" w="9525" cap="flat">
                 <a:solidFill>
                   <a:srgbClr val="000000"/>
                 </a:solidFill>
@@ -15284,7 +15242,7 @@
               </a14:hiddenLine>
             </a:ext>
             <a:ext uri="{AF507438-7753-43e0-B8FC-AC1667EBCBE1}">
-              <a14:hiddenEffects xmlns="" xmlns:a14="http://schemas.microsoft.com/office/drawing/2010/main">
+              <a14:hiddenEffects xmlns:a14="http://schemas.microsoft.com/office/drawing/2010/main" xmlns="">
                 <a:effectLst>
                   <a:outerShdw blurRad="63500" dist="38099" dir="2700000" algn="ctr" rotWithShape="0">
                     <a:srgbClr val="000000">
@@ -15334,14 +15292,14 @@
           <a:effectLst/>
           <a:extLst>
             <a:ext uri="{909E8E84-426E-40dd-AFC4-6F175D3DCCD1}">
-              <a14:hiddenFill xmlns="" xmlns:a14="http://schemas.microsoft.com/office/drawing/2010/main">
+              <a14:hiddenFill xmlns:a14="http://schemas.microsoft.com/office/drawing/2010/main" xmlns="">
                 <a:solidFill>
                   <a:srgbClr val="FFFFFF"/>
                 </a:solidFill>
               </a14:hiddenFill>
             </a:ext>
             <a:ext uri="{91240B29-F687-4f45-9708-019B960494DF}">
-              <a14:hiddenLine xmlns="" xmlns:a14="http://schemas.microsoft.com/office/drawing/2010/main" w="9525" cap="flat">
+              <a14:hiddenLine xmlns:a14="http://schemas.microsoft.com/office/drawing/2010/main" xmlns="" w="9525" cap="flat">
                 <a:solidFill>
                   <a:srgbClr val="000000"/>
                 </a:solidFill>
@@ -15351,7 +15309,7 @@
               </a14:hiddenLine>
             </a:ext>
             <a:ext uri="{AF507438-7753-43e0-B8FC-AC1667EBCBE1}">
-              <a14:hiddenEffects xmlns="" xmlns:a14="http://schemas.microsoft.com/office/drawing/2010/main">
+              <a14:hiddenEffects xmlns:a14="http://schemas.microsoft.com/office/drawing/2010/main" xmlns="">
                 <a:effectLst>
                   <a:outerShdw blurRad="63500" dist="38099" dir="2700000" algn="ctr" rotWithShape="0">
                     <a:srgbClr val="000000">
@@ -15401,14 +15359,14 @@
           <a:effectLst/>
           <a:extLst>
             <a:ext uri="{909E8E84-426E-40dd-AFC4-6F175D3DCCD1}">
-              <a14:hiddenFill xmlns="" xmlns:a14="http://schemas.microsoft.com/office/drawing/2010/main">
+              <a14:hiddenFill xmlns:a14="http://schemas.microsoft.com/office/drawing/2010/main" xmlns="">
                 <a:solidFill>
                   <a:srgbClr val="FFFFFF"/>
                 </a:solidFill>
               </a14:hiddenFill>
             </a:ext>
             <a:ext uri="{91240B29-F687-4f45-9708-019B960494DF}">
-              <a14:hiddenLine xmlns="" xmlns:a14="http://schemas.microsoft.com/office/drawing/2010/main" w="9525" cap="flat">
+              <a14:hiddenLine xmlns:a14="http://schemas.microsoft.com/office/drawing/2010/main" xmlns="" w="9525" cap="flat">
                 <a:solidFill>
                   <a:srgbClr val="000000"/>
                 </a:solidFill>
@@ -15418,7 +15376,7 @@
               </a14:hiddenLine>
             </a:ext>
             <a:ext uri="{AF507438-7753-43e0-B8FC-AC1667EBCBE1}">
-              <a14:hiddenEffects xmlns="" xmlns:a14="http://schemas.microsoft.com/office/drawing/2010/main">
+              <a14:hiddenEffects xmlns:a14="http://schemas.microsoft.com/office/drawing/2010/main" xmlns="">
                 <a:effectLst>
                   <a:outerShdw blurRad="63500" dist="38099" dir="2700000" algn="ctr" rotWithShape="0">
                     <a:srgbClr val="000000">
@@ -15468,14 +15426,14 @@
           <a:effectLst/>
           <a:extLst>
             <a:ext uri="{909E8E84-426E-40dd-AFC4-6F175D3DCCD1}">
-              <a14:hiddenFill xmlns="" xmlns:a14="http://schemas.microsoft.com/office/drawing/2010/main">
+              <a14:hiddenFill xmlns:a14="http://schemas.microsoft.com/office/drawing/2010/main" xmlns="">
                 <a:solidFill>
                   <a:srgbClr val="FFFFFF"/>
                 </a:solidFill>
               </a14:hiddenFill>
             </a:ext>
             <a:ext uri="{91240B29-F687-4f45-9708-019B960494DF}">
-              <a14:hiddenLine xmlns="" xmlns:a14="http://schemas.microsoft.com/office/drawing/2010/main" w="9525" cap="flat">
+              <a14:hiddenLine xmlns:a14="http://schemas.microsoft.com/office/drawing/2010/main" xmlns="" w="9525" cap="flat">
                 <a:solidFill>
                   <a:srgbClr val="000000"/>
                 </a:solidFill>
@@ -15485,7 +15443,7 @@
               </a14:hiddenLine>
             </a:ext>
             <a:ext uri="{AF507438-7753-43e0-B8FC-AC1667EBCBE1}">
-              <a14:hiddenEffects xmlns="" xmlns:a14="http://schemas.microsoft.com/office/drawing/2010/main">
+              <a14:hiddenEffects xmlns:a14="http://schemas.microsoft.com/office/drawing/2010/main" xmlns="">
                 <a:effectLst>
                   <a:outerShdw blurRad="63500" dist="38099" dir="2700000" algn="ctr" rotWithShape="0">
                     <a:srgbClr val="000000">
@@ -15542,7 +15500,7 @@
           <a:effectLst/>
           <a:extLst>
             <a:ext uri="{AF507438-7753-43e0-B8FC-AC1667EBCBE1}">
-              <a14:hiddenEffects xmlns="" xmlns:a14="http://schemas.microsoft.com/office/drawing/2010/main">
+              <a14:hiddenEffects xmlns:a14="http://schemas.microsoft.com/office/drawing/2010/main" xmlns="">
                 <a:effectLst>
                   <a:outerShdw blurRad="63500" dist="38099" dir="2700000" algn="ctr" rotWithShape="0">
                     <a:srgbClr val="000000">
@@ -15585,14 +15543,14 @@
           <a:effectLst/>
           <a:extLst>
             <a:ext uri="{909E8E84-426E-40dd-AFC4-6F175D3DCCD1}">
-              <a14:hiddenFill xmlns="" xmlns:a14="http://schemas.microsoft.com/office/drawing/2010/main">
+              <a14:hiddenFill xmlns:a14="http://schemas.microsoft.com/office/drawing/2010/main" xmlns="">
                 <a:solidFill>
                   <a:srgbClr val="FFFFFF"/>
                 </a:solidFill>
               </a14:hiddenFill>
             </a:ext>
             <a:ext uri="{91240B29-F687-4f45-9708-019B960494DF}">
-              <a14:hiddenLine xmlns="" xmlns:a14="http://schemas.microsoft.com/office/drawing/2010/main" w="9525" cap="flat">
+              <a14:hiddenLine xmlns:a14="http://schemas.microsoft.com/office/drawing/2010/main" xmlns="" w="9525" cap="flat">
                 <a:solidFill>
                   <a:srgbClr val="000000"/>
                 </a:solidFill>
@@ -15602,7 +15560,7 @@
               </a14:hiddenLine>
             </a:ext>
             <a:ext uri="{AF507438-7753-43e0-B8FC-AC1667EBCBE1}">
-              <a14:hiddenEffects xmlns="" xmlns:a14="http://schemas.microsoft.com/office/drawing/2010/main">
+              <a14:hiddenEffects xmlns:a14="http://schemas.microsoft.com/office/drawing/2010/main" xmlns="">
                 <a:effectLst>
                   <a:outerShdw blurRad="63500" dist="38099" dir="2700000" algn="ctr" rotWithShape="0">
                     <a:srgbClr val="000000">
@@ -15659,7 +15617,7 @@
           <a:effectLst/>
           <a:extLst>
             <a:ext uri="{AF507438-7753-43e0-B8FC-AC1667EBCBE1}">
-              <a14:hiddenEffects xmlns="" xmlns:a14="http://schemas.microsoft.com/office/drawing/2010/main">
+              <a14:hiddenEffects xmlns:a14="http://schemas.microsoft.com/office/drawing/2010/main" xmlns="">
                 <a:effectLst>
                   <a:outerShdw blurRad="63500" dist="38099" dir="2700000" algn="ctr" rotWithShape="0">
                     <a:srgbClr val="000000">
@@ -15702,14 +15660,14 @@
           <a:effectLst/>
           <a:extLst>
             <a:ext uri="{909E8E84-426E-40dd-AFC4-6F175D3DCCD1}">
-              <a14:hiddenFill xmlns="" xmlns:a14="http://schemas.microsoft.com/office/drawing/2010/main">
+              <a14:hiddenFill xmlns:a14="http://schemas.microsoft.com/office/drawing/2010/main" xmlns="">
                 <a:solidFill>
                   <a:srgbClr val="FFFFFF"/>
                 </a:solidFill>
               </a14:hiddenFill>
             </a:ext>
             <a:ext uri="{91240B29-F687-4f45-9708-019B960494DF}">
-              <a14:hiddenLine xmlns="" xmlns:a14="http://schemas.microsoft.com/office/drawing/2010/main" w="9525" cap="flat">
+              <a14:hiddenLine xmlns:a14="http://schemas.microsoft.com/office/drawing/2010/main" xmlns="" w="9525" cap="flat">
                 <a:solidFill>
                   <a:srgbClr val="000000"/>
                 </a:solidFill>
@@ -15719,7 +15677,7 @@
               </a14:hiddenLine>
             </a:ext>
             <a:ext uri="{AF507438-7753-43e0-B8FC-AC1667EBCBE1}">
-              <a14:hiddenEffects xmlns="" xmlns:a14="http://schemas.microsoft.com/office/drawing/2010/main">
+              <a14:hiddenEffects xmlns:a14="http://schemas.microsoft.com/office/drawing/2010/main" xmlns="">
                 <a:effectLst>
                   <a:outerShdw blurRad="63500" dist="38099" dir="2700000" algn="ctr" rotWithShape="0">
                     <a:srgbClr val="000000">
@@ -15769,14 +15727,14 @@
           <a:effectLst/>
           <a:extLst>
             <a:ext uri="{909E8E84-426E-40dd-AFC4-6F175D3DCCD1}">
-              <a14:hiddenFill xmlns="" xmlns:a14="http://schemas.microsoft.com/office/drawing/2010/main">
+              <a14:hiddenFill xmlns:a14="http://schemas.microsoft.com/office/drawing/2010/main" xmlns="">
                 <a:solidFill>
                   <a:srgbClr val="FFFFFF"/>
                 </a:solidFill>
               </a14:hiddenFill>
             </a:ext>
             <a:ext uri="{91240B29-F687-4f45-9708-019B960494DF}">
-              <a14:hiddenLine xmlns="" xmlns:a14="http://schemas.microsoft.com/office/drawing/2010/main" w="9525" cap="flat">
+              <a14:hiddenLine xmlns:a14="http://schemas.microsoft.com/office/drawing/2010/main" xmlns="" w="9525" cap="flat">
                 <a:solidFill>
                   <a:srgbClr val="000000"/>
                 </a:solidFill>
@@ -15786,7 +15744,7 @@
               </a14:hiddenLine>
             </a:ext>
             <a:ext uri="{AF507438-7753-43e0-B8FC-AC1667EBCBE1}">
-              <a14:hiddenEffects xmlns="" xmlns:a14="http://schemas.microsoft.com/office/drawing/2010/main">
+              <a14:hiddenEffects xmlns:a14="http://schemas.microsoft.com/office/drawing/2010/main" xmlns="">
                 <a:effectLst>
                   <a:outerShdw blurRad="63500" dist="38099" dir="2700000" algn="ctr" rotWithShape="0">
                     <a:srgbClr val="000000">
@@ -16006,14 +15964,14 @@
           <a:effectLst/>
           <a:extLst>
             <a:ext uri="{909E8E84-426E-40dd-AFC4-6F175D3DCCD1}">
-              <a14:hiddenFill xmlns="" xmlns:a14="http://schemas.microsoft.com/office/drawing/2010/main">
+              <a14:hiddenFill xmlns:a14="http://schemas.microsoft.com/office/drawing/2010/main" xmlns="">
                 <a:solidFill>
                   <a:srgbClr val="FFFFFF"/>
                 </a:solidFill>
               </a14:hiddenFill>
             </a:ext>
             <a:ext uri="{91240B29-F687-4f45-9708-019B960494DF}">
-              <a14:hiddenLine xmlns="" xmlns:a14="http://schemas.microsoft.com/office/drawing/2010/main" w="9525" cap="flat">
+              <a14:hiddenLine xmlns:a14="http://schemas.microsoft.com/office/drawing/2010/main" xmlns="" w="9525" cap="flat">
                 <a:solidFill>
                   <a:srgbClr val="000000"/>
                 </a:solidFill>
@@ -16023,7 +15981,7 @@
               </a14:hiddenLine>
             </a:ext>
             <a:ext uri="{AF507438-7753-43e0-B8FC-AC1667EBCBE1}">
-              <a14:hiddenEffects xmlns="" xmlns:a14="http://schemas.microsoft.com/office/drawing/2010/main">
+              <a14:hiddenEffects xmlns:a14="http://schemas.microsoft.com/office/drawing/2010/main" xmlns="">
                 <a:effectLst>
                   <a:outerShdw blurRad="63500" dist="38099" dir="2700000" algn="ctr" rotWithShape="0">
                     <a:srgbClr val="000000">
@@ -16073,14 +16031,14 @@
           <a:effectLst/>
           <a:extLst>
             <a:ext uri="{909E8E84-426E-40dd-AFC4-6F175D3DCCD1}">
-              <a14:hiddenFill xmlns="" xmlns:a14="http://schemas.microsoft.com/office/drawing/2010/main">
+              <a14:hiddenFill xmlns:a14="http://schemas.microsoft.com/office/drawing/2010/main" xmlns="">
                 <a:solidFill>
                   <a:srgbClr val="FFFFFF"/>
                 </a:solidFill>
               </a14:hiddenFill>
             </a:ext>
             <a:ext uri="{91240B29-F687-4f45-9708-019B960494DF}">
-              <a14:hiddenLine xmlns="" xmlns:a14="http://schemas.microsoft.com/office/drawing/2010/main" w="9525" cap="flat">
+              <a14:hiddenLine xmlns:a14="http://schemas.microsoft.com/office/drawing/2010/main" xmlns="" w="9525" cap="flat">
                 <a:solidFill>
                   <a:srgbClr val="000000"/>
                 </a:solidFill>
@@ -16090,7 +16048,7 @@
               </a14:hiddenLine>
             </a:ext>
             <a:ext uri="{AF507438-7753-43e0-B8FC-AC1667EBCBE1}">
-              <a14:hiddenEffects xmlns="" xmlns:a14="http://schemas.microsoft.com/office/drawing/2010/main">
+              <a14:hiddenEffects xmlns:a14="http://schemas.microsoft.com/office/drawing/2010/main" xmlns="">
                 <a:effectLst>
                   <a:outerShdw blurRad="63500" dist="38099" dir="2700000" algn="ctr" rotWithShape="0">
                     <a:srgbClr val="000000">
@@ -16140,14 +16098,14 @@
           <a:effectLst/>
           <a:extLst>
             <a:ext uri="{909E8E84-426E-40dd-AFC4-6F175D3DCCD1}">
-              <a14:hiddenFill xmlns="" xmlns:a14="http://schemas.microsoft.com/office/drawing/2010/main">
+              <a14:hiddenFill xmlns:a14="http://schemas.microsoft.com/office/drawing/2010/main" xmlns="">
                 <a:solidFill>
                   <a:srgbClr val="FFFFFF"/>
                 </a:solidFill>
               </a14:hiddenFill>
             </a:ext>
             <a:ext uri="{91240B29-F687-4f45-9708-019B960494DF}">
-              <a14:hiddenLine xmlns="" xmlns:a14="http://schemas.microsoft.com/office/drawing/2010/main" w="9525" cap="flat">
+              <a14:hiddenLine xmlns:a14="http://schemas.microsoft.com/office/drawing/2010/main" xmlns="" w="9525" cap="flat">
                 <a:solidFill>
                   <a:srgbClr val="000000"/>
                 </a:solidFill>
@@ -16157,7 +16115,7 @@
               </a14:hiddenLine>
             </a:ext>
             <a:ext uri="{AF507438-7753-43e0-B8FC-AC1667EBCBE1}">
-              <a14:hiddenEffects xmlns="" xmlns:a14="http://schemas.microsoft.com/office/drawing/2010/main">
+              <a14:hiddenEffects xmlns:a14="http://schemas.microsoft.com/office/drawing/2010/main" xmlns="">
                 <a:effectLst>
                   <a:outerShdw blurRad="63500" dist="38099" dir="2700000" algn="ctr" rotWithShape="0">
                     <a:srgbClr val="000000">
@@ -16377,14 +16335,14 @@
           <a:effectLst/>
           <a:extLst>
             <a:ext uri="{909E8E84-426E-40dd-AFC4-6F175D3DCCD1}">
-              <a14:hiddenFill xmlns="" xmlns:a14="http://schemas.microsoft.com/office/drawing/2010/main">
+              <a14:hiddenFill xmlns:a14="http://schemas.microsoft.com/office/drawing/2010/main" xmlns="">
                 <a:solidFill>
                   <a:srgbClr val="FFFFFF"/>
                 </a:solidFill>
               </a14:hiddenFill>
             </a:ext>
             <a:ext uri="{91240B29-F687-4f45-9708-019B960494DF}">
-              <a14:hiddenLine xmlns="" xmlns:a14="http://schemas.microsoft.com/office/drawing/2010/main" w="9525" cap="flat">
+              <a14:hiddenLine xmlns:a14="http://schemas.microsoft.com/office/drawing/2010/main" xmlns="" w="9525" cap="flat">
                 <a:solidFill>
                   <a:srgbClr val="000000"/>
                 </a:solidFill>
@@ -16394,7 +16352,7 @@
               </a14:hiddenLine>
             </a:ext>
             <a:ext uri="{AF507438-7753-43e0-B8FC-AC1667EBCBE1}">
-              <a14:hiddenEffects xmlns="" xmlns:a14="http://schemas.microsoft.com/office/drawing/2010/main">
+              <a14:hiddenEffects xmlns:a14="http://schemas.microsoft.com/office/drawing/2010/main" xmlns="">
                 <a:effectLst>
                   <a:outerShdw blurRad="63500" dist="38099" dir="2700000" algn="ctr" rotWithShape="0">
                     <a:srgbClr val="000000">
@@ -16614,14 +16572,14 @@
           <a:effectLst/>
           <a:extLst>
             <a:ext uri="{909E8E84-426E-40dd-AFC4-6F175D3DCCD1}">
-              <a14:hiddenFill xmlns="" xmlns:a14="http://schemas.microsoft.com/office/drawing/2010/main">
+              <a14:hiddenFill xmlns:a14="http://schemas.microsoft.com/office/drawing/2010/main" xmlns="">
                 <a:solidFill>
                   <a:srgbClr val="FFFFFF"/>
                 </a:solidFill>
               </a14:hiddenFill>
             </a:ext>
             <a:ext uri="{91240B29-F687-4f45-9708-019B960494DF}">
-              <a14:hiddenLine xmlns="" xmlns:a14="http://schemas.microsoft.com/office/drawing/2010/main" w="9525" cap="flat">
+              <a14:hiddenLine xmlns:a14="http://schemas.microsoft.com/office/drawing/2010/main" xmlns="" w="9525" cap="flat">
                 <a:solidFill>
                   <a:srgbClr val="000000"/>
                 </a:solidFill>
@@ -16631,7 +16589,7 @@
               </a14:hiddenLine>
             </a:ext>
             <a:ext uri="{AF507438-7753-43e0-B8FC-AC1667EBCBE1}">
-              <a14:hiddenEffects xmlns="" xmlns:a14="http://schemas.microsoft.com/office/drawing/2010/main">
+              <a14:hiddenEffects xmlns:a14="http://schemas.microsoft.com/office/drawing/2010/main" xmlns="">
                 <a:effectLst>
                   <a:outerShdw blurRad="63500" dist="38099" dir="2700000" algn="ctr" rotWithShape="0">
                     <a:srgbClr val="000000">
@@ -16851,14 +16809,14 @@
           <a:effectLst/>
           <a:extLst>
             <a:ext uri="{909E8E84-426E-40dd-AFC4-6F175D3DCCD1}">
-              <a14:hiddenFill xmlns="" xmlns:a14="http://schemas.microsoft.com/office/drawing/2010/main">
+              <a14:hiddenFill xmlns:a14="http://schemas.microsoft.com/office/drawing/2010/main" xmlns="">
                 <a:solidFill>
                   <a:srgbClr val="FFFFFF"/>
                 </a:solidFill>
               </a14:hiddenFill>
             </a:ext>
             <a:ext uri="{91240B29-F687-4f45-9708-019B960494DF}">
-              <a14:hiddenLine xmlns="" xmlns:a14="http://schemas.microsoft.com/office/drawing/2010/main" w="9525" cap="flat">
+              <a14:hiddenLine xmlns:a14="http://schemas.microsoft.com/office/drawing/2010/main" xmlns="" w="9525" cap="flat">
                 <a:solidFill>
                   <a:srgbClr val="000000"/>
                 </a:solidFill>
@@ -16868,7 +16826,7 @@
               </a14:hiddenLine>
             </a:ext>
             <a:ext uri="{AF507438-7753-43e0-B8FC-AC1667EBCBE1}">
-              <a14:hiddenEffects xmlns="" xmlns:a14="http://schemas.microsoft.com/office/drawing/2010/main">
+              <a14:hiddenEffects xmlns:a14="http://schemas.microsoft.com/office/drawing/2010/main" xmlns="">
                 <a:effectLst>
                   <a:outerShdw blurRad="63500" dist="38099" dir="2700000" algn="ctr" rotWithShape="0">
                     <a:srgbClr val="000000">
@@ -17088,14 +17046,14 @@
           <a:effectLst/>
           <a:extLst>
             <a:ext uri="{909E8E84-426E-40dd-AFC4-6F175D3DCCD1}">
-              <a14:hiddenFill xmlns="" xmlns:a14="http://schemas.microsoft.com/office/drawing/2010/main">
+              <a14:hiddenFill xmlns:a14="http://schemas.microsoft.com/office/drawing/2010/main" xmlns="">
                 <a:solidFill>
                   <a:srgbClr val="FFFFFF"/>
                 </a:solidFill>
               </a14:hiddenFill>
             </a:ext>
             <a:ext uri="{91240B29-F687-4f45-9708-019B960494DF}">
-              <a14:hiddenLine xmlns="" xmlns:a14="http://schemas.microsoft.com/office/drawing/2010/main" w="9525" cap="flat">
+              <a14:hiddenLine xmlns:a14="http://schemas.microsoft.com/office/drawing/2010/main" xmlns="" w="9525" cap="flat">
                 <a:solidFill>
                   <a:srgbClr val="000000"/>
                 </a:solidFill>
@@ -17105,7 +17063,7 @@
               </a14:hiddenLine>
             </a:ext>
             <a:ext uri="{AF507438-7753-43e0-B8FC-AC1667EBCBE1}">
-              <a14:hiddenEffects xmlns="" xmlns:a14="http://schemas.microsoft.com/office/drawing/2010/main">
+              <a14:hiddenEffects xmlns:a14="http://schemas.microsoft.com/office/drawing/2010/main" xmlns="">
                 <a:effectLst>
                   <a:outerShdw blurRad="63500" dist="38099" dir="2700000" algn="ctr" rotWithShape="0">
                     <a:srgbClr val="000000">
@@ -17332,7 +17290,7 @@
           <a:effectLst/>
           <a:extLst>
             <a:ext uri="{AF507438-7753-43e0-B8FC-AC1667EBCBE1}">
-              <a14:hiddenEffects xmlns="" xmlns:a14="http://schemas.microsoft.com/office/drawing/2010/main">
+              <a14:hiddenEffects xmlns:a14="http://schemas.microsoft.com/office/drawing/2010/main" xmlns="">
                 <a:effectLst>
                   <a:outerShdw blurRad="63500" dist="38099" dir="2700000" algn="ctr" rotWithShape="0">
                     <a:srgbClr val="000000">
@@ -17375,14 +17333,14 @@
           <a:effectLst/>
           <a:extLst>
             <a:ext uri="{909E8E84-426E-40dd-AFC4-6F175D3DCCD1}">
-              <a14:hiddenFill xmlns="" xmlns:a14="http://schemas.microsoft.com/office/drawing/2010/main">
+              <a14:hiddenFill xmlns:a14="http://schemas.microsoft.com/office/drawing/2010/main" xmlns="">
                 <a:solidFill>
                   <a:srgbClr val="FFFFFF"/>
                 </a:solidFill>
               </a14:hiddenFill>
             </a:ext>
             <a:ext uri="{91240B29-F687-4f45-9708-019B960494DF}">
-              <a14:hiddenLine xmlns="" xmlns:a14="http://schemas.microsoft.com/office/drawing/2010/main" w="9525" cap="flat">
+              <a14:hiddenLine xmlns:a14="http://schemas.microsoft.com/office/drawing/2010/main" xmlns="" w="9525" cap="flat">
                 <a:solidFill>
                   <a:srgbClr val="000000"/>
                 </a:solidFill>
@@ -17392,7 +17350,7 @@
               </a14:hiddenLine>
             </a:ext>
             <a:ext uri="{AF507438-7753-43e0-B8FC-AC1667EBCBE1}">
-              <a14:hiddenEffects xmlns="" xmlns:a14="http://schemas.microsoft.com/office/drawing/2010/main">
+              <a14:hiddenEffects xmlns:a14="http://schemas.microsoft.com/office/drawing/2010/main" xmlns="">
                 <a:effectLst>
                   <a:outerShdw blurRad="63500" dist="38099" dir="2700000" algn="ctr" rotWithShape="0">
                     <a:srgbClr val="000000">
@@ -17447,12 +17405,12 @@
           <a:effectLst/>
           <a:extLst>
             <a:ext uri="{909E8E84-426E-40dd-AFC4-6F175D3DCCD1}">
-              <a14:hiddenFill xmlns="" xmlns:a14="http://schemas.microsoft.com/office/drawing/2010/main">
+              <a14:hiddenFill xmlns:a14="http://schemas.microsoft.com/office/drawing/2010/main" xmlns="">
                 <a:noFill/>
               </a14:hiddenFill>
             </a:ext>
             <a:ext uri="{AF507438-7753-43e0-B8FC-AC1667EBCBE1}">
-              <a14:hiddenEffects xmlns="" xmlns:a14="http://schemas.microsoft.com/office/drawing/2010/main">
+              <a14:hiddenEffects xmlns:a14="http://schemas.microsoft.com/office/drawing/2010/main" xmlns="">
                 <a:effectLst>
                   <a:outerShdw blurRad="63500" dist="38099" dir="2700000" algn="ctr" rotWithShape="0">
                     <a:srgbClr val="000000">
@@ -17500,12 +17458,12 @@
           <a:effectLst/>
           <a:extLst>
             <a:ext uri="{909E8E84-426E-40dd-AFC4-6F175D3DCCD1}">
-              <a14:hiddenFill xmlns="" xmlns:a14="http://schemas.microsoft.com/office/drawing/2010/main">
+              <a14:hiddenFill xmlns:a14="http://schemas.microsoft.com/office/drawing/2010/main" xmlns="">
                 <a:noFill/>
               </a14:hiddenFill>
             </a:ext>
             <a:ext uri="{AF507438-7753-43e0-B8FC-AC1667EBCBE1}">
-              <a14:hiddenEffects xmlns="" xmlns:a14="http://schemas.microsoft.com/office/drawing/2010/main">
+              <a14:hiddenEffects xmlns:a14="http://schemas.microsoft.com/office/drawing/2010/main" xmlns="">
                 <a:effectLst>
                   <a:outerShdw blurRad="63500" dist="38099" dir="2700000" algn="ctr" rotWithShape="0">
                     <a:srgbClr val="000000">
@@ -17558,7 +17516,7 @@
           <a:effectLst/>
           <a:extLst>
             <a:ext uri="{AF507438-7753-43e0-B8FC-AC1667EBCBE1}">
-              <a14:hiddenEffects xmlns="" xmlns:a14="http://schemas.microsoft.com/office/drawing/2010/main">
+              <a14:hiddenEffects xmlns:a14="http://schemas.microsoft.com/office/drawing/2010/main" xmlns="">
                 <a:effectLst>
                   <a:outerShdw blurRad="63500" dist="38099" dir="2700000" algn="ctr" rotWithShape="0">
                     <a:srgbClr val="000000">
@@ -17601,14 +17559,14 @@
           <a:effectLst/>
           <a:extLst>
             <a:ext uri="{909E8E84-426E-40dd-AFC4-6F175D3DCCD1}">
-              <a14:hiddenFill xmlns="" xmlns:a14="http://schemas.microsoft.com/office/drawing/2010/main">
+              <a14:hiddenFill xmlns:a14="http://schemas.microsoft.com/office/drawing/2010/main" xmlns="">
                 <a:solidFill>
                   <a:srgbClr val="FFFFFF"/>
                 </a:solidFill>
               </a14:hiddenFill>
             </a:ext>
             <a:ext uri="{91240B29-F687-4f45-9708-019B960494DF}">
-              <a14:hiddenLine xmlns="" xmlns:a14="http://schemas.microsoft.com/office/drawing/2010/main" w="9525" cap="flat">
+              <a14:hiddenLine xmlns:a14="http://schemas.microsoft.com/office/drawing/2010/main" xmlns="" w="9525" cap="flat">
                 <a:solidFill>
                   <a:srgbClr val="000000"/>
                 </a:solidFill>
@@ -17618,7 +17576,7 @@
               </a14:hiddenLine>
             </a:ext>
             <a:ext uri="{AF507438-7753-43e0-B8FC-AC1667EBCBE1}">
-              <a14:hiddenEffects xmlns="" xmlns:a14="http://schemas.microsoft.com/office/drawing/2010/main">
+              <a14:hiddenEffects xmlns:a14="http://schemas.microsoft.com/office/drawing/2010/main" xmlns="">
                 <a:effectLst>
                   <a:outerShdw blurRad="63500" dist="38099" dir="2700000" algn="ctr" rotWithShape="0">
                     <a:srgbClr val="000000">
@@ -17875,7 +17833,7 @@
           <a:effectLst/>
           <a:extLst>
             <a:ext uri="{AF507438-7753-43e0-B8FC-AC1667EBCBE1}">
-              <a14:hiddenEffects xmlns="" xmlns:a14="http://schemas.microsoft.com/office/drawing/2010/main">
+              <a14:hiddenEffects xmlns:a14="http://schemas.microsoft.com/office/drawing/2010/main" xmlns="">
                 <a:effectLst>
                   <a:outerShdw blurRad="63500" dist="38099" dir="2700000" algn="ctr" rotWithShape="0">
                     <a:srgbClr val="000000">
@@ -17918,14 +17876,14 @@
           <a:effectLst/>
           <a:extLst>
             <a:ext uri="{909E8E84-426E-40dd-AFC4-6F175D3DCCD1}">
-              <a14:hiddenFill xmlns="" xmlns:a14="http://schemas.microsoft.com/office/drawing/2010/main">
+              <a14:hiddenFill xmlns:a14="http://schemas.microsoft.com/office/drawing/2010/main" xmlns="">
                 <a:solidFill>
                   <a:srgbClr val="FFFFFF"/>
                 </a:solidFill>
               </a14:hiddenFill>
             </a:ext>
             <a:ext uri="{91240B29-F687-4f45-9708-019B960494DF}">
-              <a14:hiddenLine xmlns="" xmlns:a14="http://schemas.microsoft.com/office/drawing/2010/main" w="9525" cap="flat">
+              <a14:hiddenLine xmlns:a14="http://schemas.microsoft.com/office/drawing/2010/main" xmlns="" w="9525" cap="flat">
                 <a:solidFill>
                   <a:srgbClr val="000000"/>
                 </a:solidFill>
@@ -17935,7 +17893,7 @@
               </a14:hiddenLine>
             </a:ext>
             <a:ext uri="{AF507438-7753-43e0-B8FC-AC1667EBCBE1}">
-              <a14:hiddenEffects xmlns="" xmlns:a14="http://schemas.microsoft.com/office/drawing/2010/main">
+              <a14:hiddenEffects xmlns:a14="http://schemas.microsoft.com/office/drawing/2010/main" xmlns="">
                 <a:effectLst>
                   <a:outerShdw blurRad="63500" dist="38099" dir="2700000" algn="ctr" rotWithShape="0">
                     <a:srgbClr val="000000">
@@ -18178,12 +18136,12 @@
           <a:effectLst/>
           <a:extLst>
             <a:ext uri="{909E8E84-426E-40dd-AFC4-6F175D3DCCD1}">
-              <a14:hiddenFill xmlns="" xmlns:a14="http://schemas.microsoft.com/office/drawing/2010/main">
+              <a14:hiddenFill xmlns:a14="http://schemas.microsoft.com/office/drawing/2010/main" xmlns="">
                 <a:noFill/>
               </a14:hiddenFill>
             </a:ext>
             <a:ext uri="{AF507438-7753-43e0-B8FC-AC1667EBCBE1}">
-              <a14:hiddenEffects xmlns="" xmlns:a14="http://schemas.microsoft.com/office/drawing/2010/main">
+              <a14:hiddenEffects xmlns:a14="http://schemas.microsoft.com/office/drawing/2010/main" xmlns="">
                 <a:effectLst>
                   <a:outerShdw blurRad="63500" dist="38099" dir="2700000" algn="ctr" rotWithShape="0">
                     <a:srgbClr val="000000">
@@ -18226,14 +18184,14 @@
           <a:effectLst/>
           <a:extLst>
             <a:ext uri="{909E8E84-426E-40dd-AFC4-6F175D3DCCD1}">
-              <a14:hiddenFill xmlns="" xmlns:a14="http://schemas.microsoft.com/office/drawing/2010/main">
+              <a14:hiddenFill xmlns:a14="http://schemas.microsoft.com/office/drawing/2010/main" xmlns="">
                 <a:solidFill>
                   <a:srgbClr val="FFFFFF"/>
                 </a:solidFill>
               </a14:hiddenFill>
             </a:ext>
             <a:ext uri="{91240B29-F687-4f45-9708-019B960494DF}">
-              <a14:hiddenLine xmlns="" xmlns:a14="http://schemas.microsoft.com/office/drawing/2010/main" w="9525" cap="flat">
+              <a14:hiddenLine xmlns:a14="http://schemas.microsoft.com/office/drawing/2010/main" xmlns="" w="9525" cap="flat">
                 <a:solidFill>
                   <a:srgbClr val="000000"/>
                 </a:solidFill>
@@ -18243,7 +18201,7 @@
               </a14:hiddenLine>
             </a:ext>
             <a:ext uri="{AF507438-7753-43e0-B8FC-AC1667EBCBE1}">
-              <a14:hiddenEffects xmlns="" xmlns:a14="http://schemas.microsoft.com/office/drawing/2010/main">
+              <a14:hiddenEffects xmlns:a14="http://schemas.microsoft.com/office/drawing/2010/main" xmlns="">
                 <a:effectLst>
                   <a:outerShdw blurRad="63500" dist="38099" dir="2700000" algn="ctr" rotWithShape="0">
                     <a:srgbClr val="000000">
@@ -18463,14 +18421,14 @@
           <a:effectLst/>
           <a:extLst>
             <a:ext uri="{909E8E84-426E-40dd-AFC4-6F175D3DCCD1}">
-              <a14:hiddenFill xmlns="" xmlns:a14="http://schemas.microsoft.com/office/drawing/2010/main">
+              <a14:hiddenFill xmlns:a14="http://schemas.microsoft.com/office/drawing/2010/main" xmlns="">
                 <a:solidFill>
                   <a:srgbClr val="FFFFFF"/>
                 </a:solidFill>
               </a14:hiddenFill>
             </a:ext>
             <a:ext uri="{91240B29-F687-4f45-9708-019B960494DF}">
-              <a14:hiddenLine xmlns="" xmlns:a14="http://schemas.microsoft.com/office/drawing/2010/main" w="9525" cap="flat">
+              <a14:hiddenLine xmlns:a14="http://schemas.microsoft.com/office/drawing/2010/main" xmlns="" w="9525" cap="flat">
                 <a:solidFill>
                   <a:srgbClr val="000000"/>
                 </a:solidFill>
@@ -18480,7 +18438,7 @@
               </a14:hiddenLine>
             </a:ext>
             <a:ext uri="{AF507438-7753-43e0-B8FC-AC1667EBCBE1}">
-              <a14:hiddenEffects xmlns="" xmlns:a14="http://schemas.microsoft.com/office/drawing/2010/main">
+              <a14:hiddenEffects xmlns:a14="http://schemas.microsoft.com/office/drawing/2010/main" xmlns="">
                 <a:effectLst>
                   <a:outerShdw blurRad="63500" dist="38099" dir="2700000" algn="ctr" rotWithShape="0">
                     <a:srgbClr val="000000">
@@ -18707,7 +18665,7 @@
           <a:effectLst/>
           <a:extLst>
             <a:ext uri="{AF507438-7753-43e0-B8FC-AC1667EBCBE1}">
-              <a14:hiddenEffects xmlns="" xmlns:a14="http://schemas.microsoft.com/office/drawing/2010/main">
+              <a14:hiddenEffects xmlns:a14="http://schemas.microsoft.com/office/drawing/2010/main" xmlns="">
                 <a:effectLst>
                   <a:outerShdw blurRad="63500" dist="38099" dir="2700000" algn="ctr" rotWithShape="0">
                     <a:srgbClr val="000000">
@@ -18750,14 +18708,14 @@
           <a:effectLst/>
           <a:extLst>
             <a:ext uri="{909E8E84-426E-40dd-AFC4-6F175D3DCCD1}">
-              <a14:hiddenFill xmlns="" xmlns:a14="http://schemas.microsoft.com/office/drawing/2010/main">
+              <a14:hiddenFill xmlns:a14="http://schemas.microsoft.com/office/drawing/2010/main" xmlns="">
                 <a:solidFill>
                   <a:srgbClr val="FFFFFF"/>
                 </a:solidFill>
               </a14:hiddenFill>
             </a:ext>
             <a:ext uri="{91240B29-F687-4f45-9708-019B960494DF}">
-              <a14:hiddenLine xmlns="" xmlns:a14="http://schemas.microsoft.com/office/drawing/2010/main" w="9525" cap="flat">
+              <a14:hiddenLine xmlns:a14="http://schemas.microsoft.com/office/drawing/2010/main" xmlns="" w="9525" cap="flat">
                 <a:solidFill>
                   <a:srgbClr val="000000"/>
                 </a:solidFill>
@@ -18767,7 +18725,7 @@
               </a14:hiddenLine>
             </a:ext>
             <a:ext uri="{AF507438-7753-43e0-B8FC-AC1667EBCBE1}">
-              <a14:hiddenEffects xmlns="" xmlns:a14="http://schemas.microsoft.com/office/drawing/2010/main">
+              <a14:hiddenEffects xmlns:a14="http://schemas.microsoft.com/office/drawing/2010/main" xmlns="">
                 <a:effectLst>
                   <a:outerShdw blurRad="63500" dist="38099" dir="2700000" algn="ctr" rotWithShape="0">
                     <a:srgbClr val="000000">
@@ -18994,7 +18952,7 @@
           <a:effectLst/>
           <a:extLst>
             <a:ext uri="{AF507438-7753-43e0-B8FC-AC1667EBCBE1}">
-              <a14:hiddenEffects xmlns="" xmlns:a14="http://schemas.microsoft.com/office/drawing/2010/main">
+              <a14:hiddenEffects xmlns:a14="http://schemas.microsoft.com/office/drawing/2010/main" xmlns="">
                 <a:effectLst>
                   <a:outerShdw blurRad="63500" dist="38099" dir="2700000" algn="ctr" rotWithShape="0">
                     <a:srgbClr val="000000">
@@ -19037,14 +18995,14 @@
           <a:effectLst/>
           <a:extLst>
             <a:ext uri="{909E8E84-426E-40dd-AFC4-6F175D3DCCD1}">
-              <a14:hiddenFill xmlns="" xmlns:a14="http://schemas.microsoft.com/office/drawing/2010/main">
+              <a14:hiddenFill xmlns:a14="http://schemas.microsoft.com/office/drawing/2010/main" xmlns="">
                 <a:solidFill>
                   <a:srgbClr val="FFFFFF"/>
                 </a:solidFill>
               </a14:hiddenFill>
             </a:ext>
             <a:ext uri="{91240B29-F687-4f45-9708-019B960494DF}">
-              <a14:hiddenLine xmlns="" xmlns:a14="http://schemas.microsoft.com/office/drawing/2010/main" w="9525" cap="flat">
+              <a14:hiddenLine xmlns:a14="http://schemas.microsoft.com/office/drawing/2010/main" xmlns="" w="9525" cap="flat">
                 <a:solidFill>
                   <a:srgbClr val="000000"/>
                 </a:solidFill>
@@ -19054,7 +19012,7 @@
               </a14:hiddenLine>
             </a:ext>
             <a:ext uri="{AF507438-7753-43e0-B8FC-AC1667EBCBE1}">
-              <a14:hiddenEffects xmlns="" xmlns:a14="http://schemas.microsoft.com/office/drawing/2010/main">
+              <a14:hiddenEffects xmlns:a14="http://schemas.microsoft.com/office/drawing/2010/main" xmlns="">
                 <a:effectLst>
                   <a:outerShdw blurRad="63500" dist="38099" dir="2700000" algn="ctr" rotWithShape="0">
                     <a:srgbClr val="000000">
@@ -19281,7 +19239,7 @@
           <a:effectLst/>
           <a:extLst>
             <a:ext uri="{AF507438-7753-43e0-B8FC-AC1667EBCBE1}">
-              <a14:hiddenEffects xmlns="" xmlns:a14="http://schemas.microsoft.com/office/drawing/2010/main">
+              <a14:hiddenEffects xmlns:a14="http://schemas.microsoft.com/office/drawing/2010/main" xmlns="">
                 <a:effectLst>
                   <a:outerShdw blurRad="63500" dist="38099" dir="2700000" algn="ctr" rotWithShape="0">
                     <a:srgbClr val="000000">
@@ -19324,14 +19282,14 @@
           <a:effectLst/>
           <a:extLst>
             <a:ext uri="{909E8E84-426E-40dd-AFC4-6F175D3DCCD1}">
-              <a14:hiddenFill xmlns="" xmlns:a14="http://schemas.microsoft.com/office/drawing/2010/main">
+              <a14:hiddenFill xmlns:a14="http://schemas.microsoft.com/office/drawing/2010/main" xmlns="">
                 <a:solidFill>
                   <a:srgbClr val="FFFFFF"/>
                 </a:solidFill>
               </a14:hiddenFill>
             </a:ext>
             <a:ext uri="{91240B29-F687-4f45-9708-019B960494DF}">
-              <a14:hiddenLine xmlns="" xmlns:a14="http://schemas.microsoft.com/office/drawing/2010/main" w="9525" cap="flat">
+              <a14:hiddenLine xmlns:a14="http://schemas.microsoft.com/office/drawing/2010/main" xmlns="" w="9525" cap="flat">
                 <a:solidFill>
                   <a:srgbClr val="000000"/>
                 </a:solidFill>
@@ -19341,7 +19299,7 @@
               </a14:hiddenLine>
             </a:ext>
             <a:ext uri="{AF507438-7753-43e0-B8FC-AC1667EBCBE1}">
-              <a14:hiddenEffects xmlns="" xmlns:a14="http://schemas.microsoft.com/office/drawing/2010/main">
+              <a14:hiddenEffects xmlns:a14="http://schemas.microsoft.com/office/drawing/2010/main" xmlns="">
                 <a:effectLst>
                   <a:outerShdw blurRad="63500" dist="38099" dir="2700000" algn="ctr" rotWithShape="0">
                     <a:srgbClr val="000000">
@@ -19568,7 +19526,7 @@
           <a:effectLst/>
           <a:extLst>
             <a:ext uri="{AF507438-7753-43e0-B8FC-AC1667EBCBE1}">
-              <a14:hiddenEffects xmlns="" xmlns:a14="http://schemas.microsoft.com/office/drawing/2010/main">
+              <a14:hiddenEffects xmlns:a14="http://schemas.microsoft.com/office/drawing/2010/main" xmlns="">
                 <a:effectLst>
                   <a:outerShdw blurRad="63500" dist="38099" dir="2700000" algn="ctr" rotWithShape="0">
                     <a:srgbClr val="000000">
@@ -19611,14 +19569,14 @@
           <a:effectLst/>
           <a:extLst>
             <a:ext uri="{909E8E84-426E-40dd-AFC4-6F175D3DCCD1}">
-              <a14:hiddenFill xmlns="" xmlns:a14="http://schemas.microsoft.com/office/drawing/2010/main">
+              <a14:hiddenFill xmlns:a14="http://schemas.microsoft.com/office/drawing/2010/main" xmlns="">
                 <a:solidFill>
                   <a:srgbClr val="FFFFFF"/>
                 </a:solidFill>
               </a14:hiddenFill>
             </a:ext>
             <a:ext uri="{91240B29-F687-4f45-9708-019B960494DF}">
-              <a14:hiddenLine xmlns="" xmlns:a14="http://schemas.microsoft.com/office/drawing/2010/main" w="9525" cap="flat">
+              <a14:hiddenLine xmlns:a14="http://schemas.microsoft.com/office/drawing/2010/main" xmlns="" w="9525" cap="flat">
                 <a:solidFill>
                   <a:srgbClr val="000000"/>
                 </a:solidFill>
@@ -19628,7 +19586,7 @@
               </a14:hiddenLine>
             </a:ext>
             <a:ext uri="{AF507438-7753-43e0-B8FC-AC1667EBCBE1}">
-              <a14:hiddenEffects xmlns="" xmlns:a14="http://schemas.microsoft.com/office/drawing/2010/main">
+              <a14:hiddenEffects xmlns:a14="http://schemas.microsoft.com/office/drawing/2010/main" xmlns="">
                 <a:effectLst>
                   <a:outerShdw blurRad="63500" dist="38099" dir="2700000" algn="ctr" rotWithShape="0">
                     <a:srgbClr val="000000">
@@ -19855,7 +19813,7 @@
           <a:effectLst/>
           <a:extLst>
             <a:ext uri="{AF507438-7753-43e0-B8FC-AC1667EBCBE1}">
-              <a14:hiddenEffects xmlns="" xmlns:a14="http://schemas.microsoft.com/office/drawing/2010/main">
+              <a14:hiddenEffects xmlns:a14="http://schemas.microsoft.com/office/drawing/2010/main" xmlns="">
                 <a:effectLst>
                   <a:outerShdw blurRad="63500" dist="38099" dir="2700000" algn="ctr" rotWithShape="0">
                     <a:srgbClr val="000000">
@@ -19898,14 +19856,14 @@
           <a:effectLst/>
           <a:extLst>
             <a:ext uri="{909E8E84-426E-40dd-AFC4-6F175D3DCCD1}">
-              <a14:hiddenFill xmlns="" xmlns:a14="http://schemas.microsoft.com/office/drawing/2010/main">
+              <a14:hiddenFill xmlns:a14="http://schemas.microsoft.com/office/drawing/2010/main" xmlns="">
                 <a:solidFill>
                   <a:srgbClr val="FFFFFF"/>
                 </a:solidFill>
               </a14:hiddenFill>
             </a:ext>
             <a:ext uri="{91240B29-F687-4f45-9708-019B960494DF}">
-              <a14:hiddenLine xmlns="" xmlns:a14="http://schemas.microsoft.com/office/drawing/2010/main" w="9525" cap="flat">
+              <a14:hiddenLine xmlns:a14="http://schemas.microsoft.com/office/drawing/2010/main" xmlns="" w="9525" cap="flat">
                 <a:solidFill>
                   <a:srgbClr val="000000"/>
                 </a:solidFill>
@@ -19915,7 +19873,7 @@
               </a14:hiddenLine>
             </a:ext>
             <a:ext uri="{AF507438-7753-43e0-B8FC-AC1667EBCBE1}">
-              <a14:hiddenEffects xmlns="" xmlns:a14="http://schemas.microsoft.com/office/drawing/2010/main">
+              <a14:hiddenEffects xmlns:a14="http://schemas.microsoft.com/office/drawing/2010/main" xmlns="">
                 <a:effectLst>
                   <a:outerShdw blurRad="63500" dist="38099" dir="2700000" algn="ctr" rotWithShape="0">
                     <a:srgbClr val="000000">
@@ -20142,7 +20100,7 @@
           <a:effectLst/>
           <a:extLst>
             <a:ext uri="{AF507438-7753-43e0-B8FC-AC1667EBCBE1}">
-              <a14:hiddenEffects xmlns="" xmlns:a14="http://schemas.microsoft.com/office/drawing/2010/main">
+              <a14:hiddenEffects xmlns:a14="http://schemas.microsoft.com/office/drawing/2010/main" xmlns="">
                 <a:effectLst>
                   <a:outerShdw blurRad="63500" dist="38099" dir="2700000" algn="ctr" rotWithShape="0">
                     <a:srgbClr val="000000">
@@ -20185,14 +20143,14 @@
           <a:effectLst/>
           <a:extLst>
             <a:ext uri="{909E8E84-426E-40dd-AFC4-6F175D3DCCD1}">
-              <a14:hiddenFill xmlns="" xmlns:a14="http://schemas.microsoft.com/office/drawing/2010/main">
+              <a14:hiddenFill xmlns:a14="http://schemas.microsoft.com/office/drawing/2010/main" xmlns="">
                 <a:solidFill>
                   <a:srgbClr val="FFFFFF"/>
                 </a:solidFill>
               </a14:hiddenFill>
             </a:ext>
             <a:ext uri="{91240B29-F687-4f45-9708-019B960494DF}">
-              <a14:hiddenLine xmlns="" xmlns:a14="http://schemas.microsoft.com/office/drawing/2010/main" w="9525" cap="flat">
+              <a14:hiddenLine xmlns:a14="http://schemas.microsoft.com/office/drawing/2010/main" xmlns="" w="9525" cap="flat">
                 <a:solidFill>
                   <a:srgbClr val="000000"/>
                 </a:solidFill>
@@ -20202,7 +20160,7 @@
               </a14:hiddenLine>
             </a:ext>
             <a:ext uri="{AF507438-7753-43e0-B8FC-AC1667EBCBE1}">
-              <a14:hiddenEffects xmlns="" xmlns:a14="http://schemas.microsoft.com/office/drawing/2010/main">
+              <a14:hiddenEffects xmlns:a14="http://schemas.microsoft.com/office/drawing/2010/main" xmlns="">
                 <a:effectLst>
                   <a:outerShdw blurRad="63500" dist="38099" dir="2700000" algn="ctr" rotWithShape="0">
                     <a:srgbClr val="000000">
@@ -20429,7 +20387,7 @@
           <a:effectLst/>
           <a:extLst>
             <a:ext uri="{AF507438-7753-43e0-B8FC-AC1667EBCBE1}">
-              <a14:hiddenEffects xmlns="" xmlns:a14="http://schemas.microsoft.com/office/drawing/2010/main">
+              <a14:hiddenEffects xmlns:a14="http://schemas.microsoft.com/office/drawing/2010/main" xmlns="">
                 <a:effectLst>
                   <a:outerShdw blurRad="63500" dist="38099" dir="2700000" algn="ctr" rotWithShape="0">
                     <a:srgbClr val="000000">
@@ -20472,14 +20430,14 @@
           <a:effectLst/>
           <a:extLst>
             <a:ext uri="{909E8E84-426E-40dd-AFC4-6F175D3DCCD1}">
-              <a14:hiddenFill xmlns="" xmlns:a14="http://schemas.microsoft.com/office/drawing/2010/main">
+              <a14:hiddenFill xmlns:a14="http://schemas.microsoft.com/office/drawing/2010/main" xmlns="">
                 <a:solidFill>
                   <a:srgbClr val="FFFFFF"/>
                 </a:solidFill>
               </a14:hiddenFill>
             </a:ext>
             <a:ext uri="{91240B29-F687-4f45-9708-019B960494DF}">
-              <a14:hiddenLine xmlns="" xmlns:a14="http://schemas.microsoft.com/office/drawing/2010/main" w="9525" cap="flat">
+              <a14:hiddenLine xmlns:a14="http://schemas.microsoft.com/office/drawing/2010/main" xmlns="" w="9525" cap="flat">
                 <a:solidFill>
                   <a:srgbClr val="000000"/>
                 </a:solidFill>
@@ -20489,7 +20447,7 @@
               </a14:hiddenLine>
             </a:ext>
             <a:ext uri="{AF507438-7753-43e0-B8FC-AC1667EBCBE1}">
-              <a14:hiddenEffects xmlns="" xmlns:a14="http://schemas.microsoft.com/office/drawing/2010/main">
+              <a14:hiddenEffects xmlns:a14="http://schemas.microsoft.com/office/drawing/2010/main" xmlns="">
                 <a:effectLst>
                   <a:outerShdw blurRad="63500" dist="38099" dir="2700000" algn="ctr" rotWithShape="0">
                     <a:srgbClr val="000000">
@@ -20716,7 +20674,7 @@
           <a:effectLst/>
           <a:extLst>
             <a:ext uri="{AF507438-7753-43e0-B8FC-AC1667EBCBE1}">
-              <a14:hiddenEffects xmlns="" xmlns:a14="http://schemas.microsoft.com/office/drawing/2010/main">
+              <a14:hiddenEffects xmlns:a14="http://schemas.microsoft.com/office/drawing/2010/main" xmlns="">
                 <a:effectLst>
                   <a:outerShdw blurRad="63500" dist="38099" dir="2700000" algn="ctr" rotWithShape="0">
                     <a:srgbClr val="000000">
@@ -20759,14 +20717,14 @@
           <a:effectLst/>
           <a:extLst>
             <a:ext uri="{909E8E84-426E-40dd-AFC4-6F175D3DCCD1}">
-              <a14:hiddenFill xmlns="" xmlns:a14="http://schemas.microsoft.com/office/drawing/2010/main">
+              <a14:hiddenFill xmlns:a14="http://schemas.microsoft.com/office/drawing/2010/main" xmlns="">
                 <a:solidFill>
                   <a:srgbClr val="FFFFFF"/>
                 </a:solidFill>
               </a14:hiddenFill>
             </a:ext>
             <a:ext uri="{91240B29-F687-4f45-9708-019B960494DF}">
-              <a14:hiddenLine xmlns="" xmlns:a14="http://schemas.microsoft.com/office/drawing/2010/main" w="9525" cap="flat">
+              <a14:hiddenLine xmlns:a14="http://schemas.microsoft.com/office/drawing/2010/main" xmlns="" w="9525" cap="flat">
                 <a:solidFill>
                   <a:srgbClr val="000000"/>
                 </a:solidFill>
@@ -20776,7 +20734,7 @@
               </a14:hiddenLine>
             </a:ext>
             <a:ext uri="{AF507438-7753-43e0-B8FC-AC1667EBCBE1}">
-              <a14:hiddenEffects xmlns="" xmlns:a14="http://schemas.microsoft.com/office/drawing/2010/main">
+              <a14:hiddenEffects xmlns:a14="http://schemas.microsoft.com/office/drawing/2010/main" xmlns="">
                 <a:effectLst>
                   <a:outerShdw blurRad="63500" dist="38099" dir="2700000" algn="ctr" rotWithShape="0">
                     <a:srgbClr val="000000">
@@ -21003,7 +20961,7 @@
           <a:effectLst/>
           <a:extLst>
             <a:ext uri="{AF507438-7753-43e0-B8FC-AC1667EBCBE1}">
-              <a14:hiddenEffects xmlns="" xmlns:a14="http://schemas.microsoft.com/office/drawing/2010/main">
+              <a14:hiddenEffects xmlns:a14="http://schemas.microsoft.com/office/drawing/2010/main" xmlns="">
                 <a:effectLst>
                   <a:outerShdw blurRad="63500" dist="38099" dir="2700000" algn="ctr" rotWithShape="0">
                     <a:srgbClr val="000000">
@@ -21046,14 +21004,14 @@
           <a:effectLst/>
           <a:extLst>
             <a:ext uri="{909E8E84-426E-40dd-AFC4-6F175D3DCCD1}">
-              <a14:hiddenFill xmlns="" xmlns:a14="http://schemas.microsoft.com/office/drawing/2010/main">
+              <a14:hiddenFill xmlns:a14="http://schemas.microsoft.com/office/drawing/2010/main" xmlns="">
                 <a:solidFill>
                   <a:srgbClr val="FFFFFF"/>
                 </a:solidFill>
               </a14:hiddenFill>
             </a:ext>
             <a:ext uri="{91240B29-F687-4f45-9708-019B960494DF}">
-              <a14:hiddenLine xmlns="" xmlns:a14="http://schemas.microsoft.com/office/drawing/2010/main" w="9525" cap="flat">
+              <a14:hiddenLine xmlns:a14="http://schemas.microsoft.com/office/drawing/2010/main" xmlns="" w="9525" cap="flat">
                 <a:solidFill>
                   <a:srgbClr val="000000"/>
                 </a:solidFill>
@@ -21063,7 +21021,7 @@
               </a14:hiddenLine>
             </a:ext>
             <a:ext uri="{AF507438-7753-43e0-B8FC-AC1667EBCBE1}">
-              <a14:hiddenEffects xmlns="" xmlns:a14="http://schemas.microsoft.com/office/drawing/2010/main">
+              <a14:hiddenEffects xmlns:a14="http://schemas.microsoft.com/office/drawing/2010/main" xmlns="">
                 <a:effectLst>
                   <a:outerShdw blurRad="63500" dist="38099" dir="2700000" algn="ctr" rotWithShape="0">
                     <a:srgbClr val="000000">
@@ -21288,12 +21246,12 @@
           <a:effectLst/>
           <a:extLst>
             <a:ext uri="{909E8E84-426E-40dd-AFC4-6F175D3DCCD1}">
-              <a14:hiddenFill xmlns="" xmlns:a14="http://schemas.microsoft.com/office/drawing/2010/main">
+              <a14:hiddenFill xmlns:a14="http://schemas.microsoft.com/office/drawing/2010/main" xmlns="">
                 <a:noFill/>
               </a14:hiddenFill>
             </a:ext>
             <a:ext uri="{AF507438-7753-43e0-B8FC-AC1667EBCBE1}">
-              <a14:hiddenEffects xmlns="" xmlns:a14="http://schemas.microsoft.com/office/drawing/2010/main">
+              <a14:hiddenEffects xmlns:a14="http://schemas.microsoft.com/office/drawing/2010/main" xmlns="">
                 <a:effectLst>
                   <a:outerShdw blurRad="63500" dist="38099" dir="2700000" algn="ctr" rotWithShape="0">
                     <a:srgbClr val="000000">
@@ -21343,7 +21301,7 @@
           <a:effectLst/>
           <a:extLst>
             <a:ext uri="{AF507438-7753-43e0-B8FC-AC1667EBCBE1}">
-              <a14:hiddenEffects xmlns="" xmlns:a14="http://schemas.microsoft.com/office/drawing/2010/main">
+              <a14:hiddenEffects xmlns:a14="http://schemas.microsoft.com/office/drawing/2010/main" xmlns="">
                 <a:effectLst>
                   <a:outerShdw blurRad="63500" dist="38099" dir="2700000" algn="ctr" rotWithShape="0">
                     <a:srgbClr val="000000">
@@ -21386,14 +21344,14 @@
           <a:effectLst/>
           <a:extLst>
             <a:ext uri="{909E8E84-426E-40dd-AFC4-6F175D3DCCD1}">
-              <a14:hiddenFill xmlns="" xmlns:a14="http://schemas.microsoft.com/office/drawing/2010/main">
+              <a14:hiddenFill xmlns:a14="http://schemas.microsoft.com/office/drawing/2010/main" xmlns="">
                 <a:solidFill>
                   <a:srgbClr val="FFFFFF"/>
                 </a:solidFill>
               </a14:hiddenFill>
             </a:ext>
             <a:ext uri="{91240B29-F687-4f45-9708-019B960494DF}">
-              <a14:hiddenLine xmlns="" xmlns:a14="http://schemas.microsoft.com/office/drawing/2010/main" w="9525" cap="flat">
+              <a14:hiddenLine xmlns:a14="http://schemas.microsoft.com/office/drawing/2010/main" xmlns="" w="9525" cap="flat">
                 <a:solidFill>
                   <a:srgbClr val="000000"/>
                 </a:solidFill>
@@ -21403,7 +21361,7 @@
               </a14:hiddenLine>
             </a:ext>
             <a:ext uri="{AF507438-7753-43e0-B8FC-AC1667EBCBE1}">
-              <a14:hiddenEffects xmlns="" xmlns:a14="http://schemas.microsoft.com/office/drawing/2010/main">
+              <a14:hiddenEffects xmlns:a14="http://schemas.microsoft.com/office/drawing/2010/main" xmlns="">
                 <a:effectLst>
                   <a:outerShdw blurRad="63500" dist="38099" dir="2700000" algn="ctr" rotWithShape="0">
                     <a:srgbClr val="000000">
@@ -21453,14 +21411,14 @@
           <a:effectLst/>
           <a:extLst>
             <a:ext uri="{909E8E84-426E-40dd-AFC4-6F175D3DCCD1}">
-              <a14:hiddenFill xmlns="" xmlns:a14="http://schemas.microsoft.com/office/drawing/2010/main">
+              <a14:hiddenFill xmlns:a14="http://schemas.microsoft.com/office/drawing/2010/main" xmlns="">
                 <a:solidFill>
                   <a:srgbClr val="FFFFFF"/>
                 </a:solidFill>
               </a14:hiddenFill>
             </a:ext>
             <a:ext uri="{91240B29-F687-4f45-9708-019B960494DF}">
-              <a14:hiddenLine xmlns="" xmlns:a14="http://schemas.microsoft.com/office/drawing/2010/main" w="9525" cap="flat">
+              <a14:hiddenLine xmlns:a14="http://schemas.microsoft.com/office/drawing/2010/main" xmlns="" w="9525" cap="flat">
                 <a:solidFill>
                   <a:srgbClr val="000000"/>
                 </a:solidFill>
@@ -21470,7 +21428,7 @@
               </a14:hiddenLine>
             </a:ext>
             <a:ext uri="{AF507438-7753-43e0-B8FC-AC1667EBCBE1}">
-              <a14:hiddenEffects xmlns="" xmlns:a14="http://schemas.microsoft.com/office/drawing/2010/main">
+              <a14:hiddenEffects xmlns:a14="http://schemas.microsoft.com/office/drawing/2010/main" xmlns="">
                 <a:effectLst>
                   <a:outerShdw blurRad="63500" dist="38099" dir="2700000" algn="ctr" rotWithShape="0">
                     <a:srgbClr val="000000">
@@ -21694,14 +21652,14 @@
           <a:effectLst/>
           <a:extLst>
             <a:ext uri="{909E8E84-426E-40dd-AFC4-6F175D3DCCD1}">
-              <a14:hiddenFill xmlns="" xmlns:a14="http://schemas.microsoft.com/office/drawing/2010/main">
+              <a14:hiddenFill xmlns:a14="http://schemas.microsoft.com/office/drawing/2010/main" xmlns="">
                 <a:solidFill>
                   <a:srgbClr val="FFFFFF"/>
                 </a:solidFill>
               </a14:hiddenFill>
             </a:ext>
             <a:ext uri="{91240B29-F687-4f45-9708-019B960494DF}">
-              <a14:hiddenLine xmlns="" xmlns:a14="http://schemas.microsoft.com/office/drawing/2010/main" w="9525" cap="flat">
+              <a14:hiddenLine xmlns:a14="http://schemas.microsoft.com/office/drawing/2010/main" xmlns="" w="9525" cap="flat">
                 <a:solidFill>
                   <a:srgbClr val="000000"/>
                 </a:solidFill>
@@ -21711,7 +21669,7 @@
               </a14:hiddenLine>
             </a:ext>
             <a:ext uri="{AF507438-7753-43e0-B8FC-AC1667EBCBE1}">
-              <a14:hiddenEffects xmlns="" xmlns:a14="http://schemas.microsoft.com/office/drawing/2010/main">
+              <a14:hiddenEffects xmlns:a14="http://schemas.microsoft.com/office/drawing/2010/main" xmlns="">
                 <a:effectLst>
                   <a:outerShdw blurRad="63500" dist="38099" dir="2700000" algn="ctr" rotWithShape="0">
                     <a:srgbClr val="000000">
@@ -21761,14 +21719,14 @@
           <a:effectLst/>
           <a:extLst>
             <a:ext uri="{909E8E84-426E-40dd-AFC4-6F175D3DCCD1}">
-              <a14:hiddenFill xmlns="" xmlns:a14="http://schemas.microsoft.com/office/drawing/2010/main">
+              <a14:hiddenFill xmlns:a14="http://schemas.microsoft.com/office/drawing/2010/main" xmlns="">
                 <a:solidFill>
                   <a:srgbClr val="FFFFFF"/>
                 </a:solidFill>
               </a14:hiddenFill>
             </a:ext>
             <a:ext uri="{91240B29-F687-4f45-9708-019B960494DF}">
-              <a14:hiddenLine xmlns="" xmlns:a14="http://schemas.microsoft.com/office/drawing/2010/main" w="9525" cap="flat">
+              <a14:hiddenLine xmlns:a14="http://schemas.microsoft.com/office/drawing/2010/main" xmlns="" w="9525" cap="flat">
                 <a:solidFill>
                   <a:srgbClr val="000000"/>
                 </a:solidFill>
@@ -21778,7 +21736,7 @@
               </a14:hiddenLine>
             </a:ext>
             <a:ext uri="{AF507438-7753-43e0-B8FC-AC1667EBCBE1}">
-              <a14:hiddenEffects xmlns="" xmlns:a14="http://schemas.microsoft.com/office/drawing/2010/main">
+              <a14:hiddenEffects xmlns:a14="http://schemas.microsoft.com/office/drawing/2010/main" xmlns="">
                 <a:effectLst>
                   <a:outerShdw blurRad="63500" dist="38099" dir="2700000" algn="ctr" rotWithShape="0">
                     <a:srgbClr val="000000">
@@ -21828,14 +21786,14 @@
           <a:effectLst/>
           <a:extLst>
             <a:ext uri="{909E8E84-426E-40dd-AFC4-6F175D3DCCD1}">
-              <a14:hiddenFill xmlns="" xmlns:a14="http://schemas.microsoft.com/office/drawing/2010/main">
+              <a14:hiddenFill xmlns:a14="http://schemas.microsoft.com/office/drawing/2010/main" xmlns="">
                 <a:solidFill>
                   <a:srgbClr val="FFFFFF"/>
                 </a:solidFill>
               </a14:hiddenFill>
             </a:ext>
             <a:ext uri="{91240B29-F687-4f45-9708-019B960494DF}">
-              <a14:hiddenLine xmlns="" xmlns:a14="http://schemas.microsoft.com/office/drawing/2010/main" w="9525" cap="flat">
+              <a14:hiddenLine xmlns:a14="http://schemas.microsoft.com/office/drawing/2010/main" xmlns="" w="9525" cap="flat">
                 <a:solidFill>
                   <a:srgbClr val="000000"/>
                 </a:solidFill>
@@ -21845,7 +21803,7 @@
               </a14:hiddenLine>
             </a:ext>
             <a:ext uri="{AF507438-7753-43e0-B8FC-AC1667EBCBE1}">
-              <a14:hiddenEffects xmlns="" xmlns:a14="http://schemas.microsoft.com/office/drawing/2010/main">
+              <a14:hiddenEffects xmlns:a14="http://schemas.microsoft.com/office/drawing/2010/main" xmlns="">
                 <a:effectLst>
                   <a:outerShdw blurRad="63500" dist="38099" dir="2700000" algn="ctr" rotWithShape="0">
                     <a:srgbClr val="000000">
@@ -21895,14 +21853,14 @@
           <a:effectLst/>
           <a:extLst>
             <a:ext uri="{909E8E84-426E-40dd-AFC4-6F175D3DCCD1}">
-              <a14:hiddenFill xmlns="" xmlns:a14="http://schemas.microsoft.com/office/drawing/2010/main">
+              <a14:hiddenFill xmlns:a14="http://schemas.microsoft.com/office/drawing/2010/main" xmlns="">
                 <a:solidFill>
                   <a:srgbClr val="FFFFFF"/>
                 </a:solidFill>
               </a14:hiddenFill>
             </a:ext>
             <a:ext uri="{91240B29-F687-4f45-9708-019B960494DF}">
-              <a14:hiddenLine xmlns="" xmlns:a14="http://schemas.microsoft.com/office/drawing/2010/main" w="9525" cap="flat">
+              <a14:hiddenLine xmlns:a14="http://schemas.microsoft.com/office/drawing/2010/main" xmlns="" w="9525" cap="flat">
                 <a:solidFill>
                   <a:srgbClr val="000000"/>
                 </a:solidFill>
@@ -21912,7 +21870,7 @@
               </a14:hiddenLine>
             </a:ext>
             <a:ext uri="{AF507438-7753-43e0-B8FC-AC1667EBCBE1}">
-              <a14:hiddenEffects xmlns="" xmlns:a14="http://schemas.microsoft.com/office/drawing/2010/main">
+              <a14:hiddenEffects xmlns:a14="http://schemas.microsoft.com/office/drawing/2010/main" xmlns="">
                 <a:effectLst>
                   <a:outerShdw blurRad="63500" dist="38099" dir="2700000" algn="ctr" rotWithShape="0">
                     <a:srgbClr val="000000">
@@ -21962,14 +21920,14 @@
           <a:effectLst/>
           <a:extLst>
             <a:ext uri="{909E8E84-426E-40dd-AFC4-6F175D3DCCD1}">
-              <a14:hiddenFill xmlns="" xmlns:a14="http://schemas.microsoft.com/office/drawing/2010/main">
+              <a14:hiddenFill xmlns:a14="http://schemas.microsoft.com/office/drawing/2010/main" xmlns="">
                 <a:solidFill>
                   <a:srgbClr val="FFFFFF"/>
                 </a:solidFill>
               </a14:hiddenFill>
             </a:ext>
             <a:ext uri="{91240B29-F687-4f45-9708-019B960494DF}">
-              <a14:hiddenLine xmlns="" xmlns:a14="http://schemas.microsoft.com/office/drawing/2010/main" w="9525" cap="flat">
+              <a14:hiddenLine xmlns:a14="http://schemas.microsoft.com/office/drawing/2010/main" xmlns="" w="9525" cap="flat">
                 <a:solidFill>
                   <a:srgbClr val="000000"/>
                 </a:solidFill>
@@ -21979,7 +21937,7 @@
               </a14:hiddenLine>
             </a:ext>
             <a:ext uri="{AF507438-7753-43e0-B8FC-AC1667EBCBE1}">
-              <a14:hiddenEffects xmlns="" xmlns:a14="http://schemas.microsoft.com/office/drawing/2010/main">
+              <a14:hiddenEffects xmlns:a14="http://schemas.microsoft.com/office/drawing/2010/main" xmlns="">
                 <a:effectLst>
                   <a:outerShdw blurRad="63500" dist="38099" dir="2700000" algn="ctr" rotWithShape="0">
                     <a:srgbClr val="000000">
@@ -22029,14 +21987,14 @@
           <a:effectLst/>
           <a:extLst>
             <a:ext uri="{909E8E84-426E-40dd-AFC4-6F175D3DCCD1}">
-              <a14:hiddenFill xmlns="" xmlns:a14="http://schemas.microsoft.com/office/drawing/2010/main">
+              <a14:hiddenFill xmlns:a14="http://schemas.microsoft.com/office/drawing/2010/main" xmlns="">
                 <a:solidFill>
                   <a:srgbClr val="FFFFFF"/>
                 </a:solidFill>
               </a14:hiddenFill>
             </a:ext>
             <a:ext uri="{91240B29-F687-4f45-9708-019B960494DF}">
-              <a14:hiddenLine xmlns="" xmlns:a14="http://schemas.microsoft.com/office/drawing/2010/main" w="9525" cap="flat">
+              <a14:hiddenLine xmlns:a14="http://schemas.microsoft.com/office/drawing/2010/main" xmlns="" w="9525" cap="flat">
                 <a:solidFill>
                   <a:srgbClr val="000000"/>
                 </a:solidFill>
@@ -22046,7 +22004,7 @@
               </a14:hiddenLine>
             </a:ext>
             <a:ext uri="{AF507438-7753-43e0-B8FC-AC1667EBCBE1}">
-              <a14:hiddenEffects xmlns="" xmlns:a14="http://schemas.microsoft.com/office/drawing/2010/main">
+              <a14:hiddenEffects xmlns:a14="http://schemas.microsoft.com/office/drawing/2010/main" xmlns="">
                 <a:effectLst>
                   <a:outerShdw blurRad="63500" dist="38099" dir="2700000" algn="ctr" rotWithShape="0">
                     <a:srgbClr val="000000">
@@ -22096,14 +22054,14 @@
           <a:effectLst/>
           <a:extLst>
             <a:ext uri="{909E8E84-426E-40dd-AFC4-6F175D3DCCD1}">
-              <a14:hiddenFill xmlns="" xmlns:a14="http://schemas.microsoft.com/office/drawing/2010/main">
+              <a14:hiddenFill xmlns:a14="http://schemas.microsoft.com/office/drawing/2010/main" xmlns="">
                 <a:solidFill>
                   <a:srgbClr val="FFFFFF"/>
                 </a:solidFill>
               </a14:hiddenFill>
             </a:ext>
             <a:ext uri="{91240B29-F687-4f45-9708-019B960494DF}">
-              <a14:hiddenLine xmlns="" xmlns:a14="http://schemas.microsoft.com/office/drawing/2010/main" w="9525" cap="flat">
+              <a14:hiddenLine xmlns:a14="http://schemas.microsoft.com/office/drawing/2010/main" xmlns="" w="9525" cap="flat">
                 <a:solidFill>
                   <a:srgbClr val="000000"/>
                 </a:solidFill>
@@ -22113,7 +22071,7 @@
               </a14:hiddenLine>
             </a:ext>
             <a:ext uri="{AF507438-7753-43e0-B8FC-AC1667EBCBE1}">
-              <a14:hiddenEffects xmlns="" xmlns:a14="http://schemas.microsoft.com/office/drawing/2010/main">
+              <a14:hiddenEffects xmlns:a14="http://schemas.microsoft.com/office/drawing/2010/main" xmlns="">
                 <a:effectLst>
                   <a:outerShdw blurRad="63500" dist="38099" dir="2700000" algn="ctr" rotWithShape="0">
                     <a:srgbClr val="000000">
@@ -22163,14 +22121,14 @@
           <a:effectLst/>
           <a:extLst>
             <a:ext uri="{909E8E84-426E-40dd-AFC4-6F175D3DCCD1}">
-              <a14:hiddenFill xmlns="" xmlns:a14="http://schemas.microsoft.com/office/drawing/2010/main">
+              <a14:hiddenFill xmlns:a14="http://schemas.microsoft.com/office/drawing/2010/main" xmlns="">
                 <a:solidFill>
                   <a:srgbClr val="FFFFFF"/>
                 </a:solidFill>
               </a14:hiddenFill>
             </a:ext>
             <a:ext uri="{91240B29-F687-4f45-9708-019B960494DF}">
-              <a14:hiddenLine xmlns="" xmlns:a14="http://schemas.microsoft.com/office/drawing/2010/main" w="9525" cap="flat">
+              <a14:hiddenLine xmlns:a14="http://schemas.microsoft.com/office/drawing/2010/main" xmlns="" w="9525" cap="flat">
                 <a:solidFill>
                   <a:srgbClr val="000000"/>
                 </a:solidFill>
@@ -22180,7 +22138,7 @@
               </a14:hiddenLine>
             </a:ext>
             <a:ext uri="{AF507438-7753-43e0-B8FC-AC1667EBCBE1}">
-              <a14:hiddenEffects xmlns="" xmlns:a14="http://schemas.microsoft.com/office/drawing/2010/main">
+              <a14:hiddenEffects xmlns:a14="http://schemas.microsoft.com/office/drawing/2010/main" xmlns="">
                 <a:effectLst>
                   <a:outerShdw blurRad="63500" dist="38099" dir="2700000" algn="ctr" rotWithShape="0">
                     <a:srgbClr val="000000">
@@ -22230,14 +22188,14 @@
           <a:effectLst/>
           <a:extLst>
             <a:ext uri="{909E8E84-426E-40dd-AFC4-6F175D3DCCD1}">
-              <a14:hiddenFill xmlns="" xmlns:a14="http://schemas.microsoft.com/office/drawing/2010/main">
+              <a14:hiddenFill xmlns:a14="http://schemas.microsoft.com/office/drawing/2010/main" xmlns="">
                 <a:solidFill>
                   <a:srgbClr val="FFFFFF"/>
                 </a:solidFill>
               </a14:hiddenFill>
             </a:ext>
             <a:ext uri="{91240B29-F687-4f45-9708-019B960494DF}">
-              <a14:hiddenLine xmlns="" xmlns:a14="http://schemas.microsoft.com/office/drawing/2010/main" w="9525" cap="flat">
+              <a14:hiddenLine xmlns:a14="http://schemas.microsoft.com/office/drawing/2010/main" xmlns="" w="9525" cap="flat">
                 <a:solidFill>
                   <a:srgbClr val="000000"/>
                 </a:solidFill>
@@ -22247,7 +22205,7 @@
               </a14:hiddenLine>
             </a:ext>
             <a:ext uri="{AF507438-7753-43e0-B8FC-AC1667EBCBE1}">
-              <a14:hiddenEffects xmlns="" xmlns:a14="http://schemas.microsoft.com/office/drawing/2010/main">
+              <a14:hiddenEffects xmlns:a14="http://schemas.microsoft.com/office/drawing/2010/main" xmlns="">
                 <a:effectLst>
                   <a:outerShdw blurRad="63500" dist="38099" dir="2700000" algn="ctr" rotWithShape="0">
                     <a:srgbClr val="000000">
@@ -22297,14 +22255,14 @@
           <a:effectLst/>
           <a:extLst>
             <a:ext uri="{909E8E84-426E-40dd-AFC4-6F175D3DCCD1}">
-              <a14:hiddenFill xmlns="" xmlns:a14="http://schemas.microsoft.com/office/drawing/2010/main">
+              <a14:hiddenFill xmlns:a14="http://schemas.microsoft.com/office/drawing/2010/main" xmlns="">
                 <a:solidFill>
                   <a:srgbClr val="FFFFFF"/>
                 </a:solidFill>
               </a14:hiddenFill>
             </a:ext>
             <a:ext uri="{91240B29-F687-4f45-9708-019B960494DF}">
-              <a14:hiddenLine xmlns="" xmlns:a14="http://schemas.microsoft.com/office/drawing/2010/main" w="9525" cap="flat">
+              <a14:hiddenLine xmlns:a14="http://schemas.microsoft.com/office/drawing/2010/main" xmlns="" w="9525" cap="flat">
                 <a:solidFill>
                   <a:srgbClr val="000000"/>
                 </a:solidFill>
@@ -22314,7 +22272,7 @@
               </a14:hiddenLine>
             </a:ext>
             <a:ext uri="{AF507438-7753-43e0-B8FC-AC1667EBCBE1}">
-              <a14:hiddenEffects xmlns="" xmlns:a14="http://schemas.microsoft.com/office/drawing/2010/main">
+              <a14:hiddenEffects xmlns:a14="http://schemas.microsoft.com/office/drawing/2010/main" xmlns="">
                 <a:effectLst>
                   <a:outerShdw blurRad="63500" dist="38099" dir="2700000" algn="ctr" rotWithShape="0">
                     <a:srgbClr val="000000">
@@ -22364,14 +22322,14 @@
           <a:effectLst/>
           <a:extLst>
             <a:ext uri="{909E8E84-426E-40dd-AFC4-6F175D3DCCD1}">
-              <a14:hiddenFill xmlns="" xmlns:a14="http://schemas.microsoft.com/office/drawing/2010/main">
+              <a14:hiddenFill xmlns:a14="http://schemas.microsoft.com/office/drawing/2010/main" xmlns="">
                 <a:solidFill>
                   <a:srgbClr val="FFFFFF"/>
                 </a:solidFill>
               </a14:hiddenFill>
             </a:ext>
             <a:ext uri="{91240B29-F687-4f45-9708-019B960494DF}">
-              <a14:hiddenLine xmlns="" xmlns:a14="http://schemas.microsoft.com/office/drawing/2010/main" w="9525" cap="flat">
+              <a14:hiddenLine xmlns:a14="http://schemas.microsoft.com/office/drawing/2010/main" xmlns="" w="9525" cap="flat">
                 <a:solidFill>
                   <a:srgbClr val="000000"/>
                 </a:solidFill>
@@ -22381,7 +22339,7 @@
               </a14:hiddenLine>
             </a:ext>
             <a:ext uri="{AF507438-7753-43e0-B8FC-AC1667EBCBE1}">
-              <a14:hiddenEffects xmlns="" xmlns:a14="http://schemas.microsoft.com/office/drawing/2010/main">
+              <a14:hiddenEffects xmlns:a14="http://schemas.microsoft.com/office/drawing/2010/main" xmlns="">
                 <a:effectLst>
                   <a:outerShdw blurRad="63500" dist="38099" dir="2700000" algn="ctr" rotWithShape="0">
                     <a:srgbClr val="000000">
@@ -22431,14 +22389,14 @@
           <a:effectLst/>
           <a:extLst>
             <a:ext uri="{909E8E84-426E-40dd-AFC4-6F175D3DCCD1}">
-              <a14:hiddenFill xmlns="" xmlns:a14="http://schemas.microsoft.com/office/drawing/2010/main">
+              <a14:hiddenFill xmlns:a14="http://schemas.microsoft.com/office/drawing/2010/main" xmlns="">
                 <a:solidFill>
                   <a:srgbClr val="FFFFFF"/>
                 </a:solidFill>
               </a14:hiddenFill>
             </a:ext>
             <a:ext uri="{91240B29-F687-4f45-9708-019B960494DF}">
-              <a14:hiddenLine xmlns="" xmlns:a14="http://schemas.microsoft.com/office/drawing/2010/main" w="9525" cap="flat">
+              <a14:hiddenLine xmlns:a14="http://schemas.microsoft.com/office/drawing/2010/main" xmlns="" w="9525" cap="flat">
                 <a:solidFill>
                   <a:srgbClr val="000000"/>
                 </a:solidFill>
@@ -22448,7 +22406,7 @@
               </a14:hiddenLine>
             </a:ext>
             <a:ext uri="{AF507438-7753-43e0-B8FC-AC1667EBCBE1}">
-              <a14:hiddenEffects xmlns="" xmlns:a14="http://schemas.microsoft.com/office/drawing/2010/main">
+              <a14:hiddenEffects xmlns:a14="http://schemas.microsoft.com/office/drawing/2010/main" xmlns="">
                 <a:effectLst>
                   <a:outerShdw blurRad="63500" dist="38099" dir="2700000" algn="ctr" rotWithShape="0">
                     <a:srgbClr val="000000">
@@ -22498,14 +22456,14 @@
           <a:effectLst/>
           <a:extLst>
             <a:ext uri="{909E8E84-426E-40dd-AFC4-6F175D3DCCD1}">
-              <a14:hiddenFill xmlns="" xmlns:a14="http://schemas.microsoft.com/office/drawing/2010/main">
+              <a14:hiddenFill xmlns:a14="http://schemas.microsoft.com/office/drawing/2010/main" xmlns="">
                 <a:solidFill>
                   <a:srgbClr val="FFFFFF"/>
                 </a:solidFill>
               </a14:hiddenFill>
             </a:ext>
             <a:ext uri="{91240B29-F687-4f45-9708-019B960494DF}">
-              <a14:hiddenLine xmlns="" xmlns:a14="http://schemas.microsoft.com/office/drawing/2010/main" w="9525" cap="flat">
+              <a14:hiddenLine xmlns:a14="http://schemas.microsoft.com/office/drawing/2010/main" xmlns="" w="9525" cap="flat">
                 <a:solidFill>
                   <a:srgbClr val="000000"/>
                 </a:solidFill>
@@ -22515,7 +22473,7 @@
               </a14:hiddenLine>
             </a:ext>
             <a:ext uri="{AF507438-7753-43e0-B8FC-AC1667EBCBE1}">
-              <a14:hiddenEffects xmlns="" xmlns:a14="http://schemas.microsoft.com/office/drawing/2010/main">
+              <a14:hiddenEffects xmlns:a14="http://schemas.microsoft.com/office/drawing/2010/main" xmlns="">
                 <a:effectLst>
                   <a:outerShdw blurRad="63500" dist="38099" dir="2700000" algn="ctr" rotWithShape="0">
                     <a:srgbClr val="000000">
@@ -22565,14 +22523,14 @@
           <a:effectLst/>
           <a:extLst>
             <a:ext uri="{909E8E84-426E-40dd-AFC4-6F175D3DCCD1}">
-              <a14:hiddenFill xmlns="" xmlns:a14="http://schemas.microsoft.com/office/drawing/2010/main">
+              <a14:hiddenFill xmlns:a14="http://schemas.microsoft.com/office/drawing/2010/main" xmlns="">
                 <a:solidFill>
                   <a:srgbClr val="FFFFFF"/>
                 </a:solidFill>
               </a14:hiddenFill>
             </a:ext>
             <a:ext uri="{91240B29-F687-4f45-9708-019B960494DF}">
-              <a14:hiddenLine xmlns="" xmlns:a14="http://schemas.microsoft.com/office/drawing/2010/main" w="9525" cap="flat">
+              <a14:hiddenLine xmlns:a14="http://schemas.microsoft.com/office/drawing/2010/main" xmlns="" w="9525" cap="flat">
                 <a:solidFill>
                   <a:srgbClr val="000000"/>
                 </a:solidFill>
@@ -22582,7 +22540,7 @@
               </a14:hiddenLine>
             </a:ext>
             <a:ext uri="{AF507438-7753-43e0-B8FC-AC1667EBCBE1}">
-              <a14:hiddenEffects xmlns="" xmlns:a14="http://schemas.microsoft.com/office/drawing/2010/main">
+              <a14:hiddenEffects xmlns:a14="http://schemas.microsoft.com/office/drawing/2010/main" xmlns="">
                 <a:effectLst>
                   <a:outerShdw blurRad="63500" dist="38099" dir="2700000" algn="ctr" rotWithShape="0">
                     <a:srgbClr val="000000">
@@ -22632,14 +22590,14 @@
           <a:effectLst/>
           <a:extLst>
             <a:ext uri="{909E8E84-426E-40dd-AFC4-6F175D3DCCD1}">
-              <a14:hiddenFill xmlns="" xmlns:a14="http://schemas.microsoft.com/office/drawing/2010/main">
+              <a14:hiddenFill xmlns:a14="http://schemas.microsoft.com/office/drawing/2010/main" xmlns="">
                 <a:solidFill>
                   <a:srgbClr val="FFFFFF"/>
                 </a:solidFill>
               </a14:hiddenFill>
             </a:ext>
             <a:ext uri="{91240B29-F687-4f45-9708-019B960494DF}">
-              <a14:hiddenLine xmlns="" xmlns:a14="http://schemas.microsoft.com/office/drawing/2010/main" w="9525" cap="flat">
+              <a14:hiddenLine xmlns:a14="http://schemas.microsoft.com/office/drawing/2010/main" xmlns="" w="9525" cap="flat">
                 <a:solidFill>
                   <a:srgbClr val="000000"/>
                 </a:solidFill>
@@ -22649,7 +22607,7 @@
               </a14:hiddenLine>
             </a:ext>
             <a:ext uri="{AF507438-7753-43e0-B8FC-AC1667EBCBE1}">
-              <a14:hiddenEffects xmlns="" xmlns:a14="http://schemas.microsoft.com/office/drawing/2010/main">
+              <a14:hiddenEffects xmlns:a14="http://schemas.microsoft.com/office/drawing/2010/main" xmlns="">
                 <a:effectLst>
                   <a:outerShdw blurRad="63500" dist="38099" dir="2700000" algn="ctr" rotWithShape="0">
                     <a:srgbClr val="000000">
@@ -22699,14 +22657,14 @@
           <a:effectLst/>
           <a:extLst>
             <a:ext uri="{909E8E84-426E-40dd-AFC4-6F175D3DCCD1}">
-              <a14:hiddenFill xmlns="" xmlns:a14="http://schemas.microsoft.com/office/drawing/2010/main">
+              <a14:hiddenFill xmlns:a14="http://schemas.microsoft.com/office/drawing/2010/main" xmlns="">
                 <a:solidFill>
                   <a:srgbClr val="FFFFFF"/>
                 </a:solidFill>
               </a14:hiddenFill>
             </a:ext>
             <a:ext uri="{91240B29-F687-4f45-9708-019B960494DF}">
-              <a14:hiddenLine xmlns="" xmlns:a14="http://schemas.microsoft.com/office/drawing/2010/main" w="9525" cap="flat">
+              <a14:hiddenLine xmlns:a14="http://schemas.microsoft.com/office/drawing/2010/main" xmlns="" w="9525" cap="flat">
                 <a:solidFill>
                   <a:srgbClr val="000000"/>
                 </a:solidFill>
@@ -22716,7 +22674,7 @@
               </a14:hiddenLine>
             </a:ext>
             <a:ext uri="{AF507438-7753-43e0-B8FC-AC1667EBCBE1}">
-              <a14:hiddenEffects xmlns="" xmlns:a14="http://schemas.microsoft.com/office/drawing/2010/main">
+              <a14:hiddenEffects xmlns:a14="http://schemas.microsoft.com/office/drawing/2010/main" xmlns="">
                 <a:effectLst>
                   <a:outerShdw blurRad="63500" dist="38099" dir="2700000" algn="ctr" rotWithShape="0">
                     <a:srgbClr val="000000">
@@ -22766,14 +22724,14 @@
           <a:effectLst/>
           <a:extLst>
             <a:ext uri="{909E8E84-426E-40dd-AFC4-6F175D3DCCD1}">
-              <a14:hiddenFill xmlns="" xmlns:a14="http://schemas.microsoft.com/office/drawing/2010/main">
+              <a14:hiddenFill xmlns:a14="http://schemas.microsoft.com/office/drawing/2010/main" xmlns="">
                 <a:solidFill>
                   <a:srgbClr val="FFFFFF"/>
                 </a:solidFill>
               </a14:hiddenFill>
             </a:ext>
             <a:ext uri="{91240B29-F687-4f45-9708-019B960494DF}">
-              <a14:hiddenLine xmlns="" xmlns:a14="http://schemas.microsoft.com/office/drawing/2010/main" w="9525" cap="flat">
+              <a14:hiddenLine xmlns:a14="http://schemas.microsoft.com/office/drawing/2010/main" xmlns="" w="9525" cap="flat">
                 <a:solidFill>
                   <a:srgbClr val="000000"/>
                 </a:solidFill>
@@ -22783,7 +22741,7 @@
               </a14:hiddenLine>
             </a:ext>
             <a:ext uri="{AF507438-7753-43e0-B8FC-AC1667EBCBE1}">
-              <a14:hiddenEffects xmlns="" xmlns:a14="http://schemas.microsoft.com/office/drawing/2010/main">
+              <a14:hiddenEffects xmlns:a14="http://schemas.microsoft.com/office/drawing/2010/main" xmlns="">
                 <a:effectLst>
                   <a:outerShdw blurRad="63500" dist="38099" dir="2700000" algn="ctr" rotWithShape="0">
                     <a:srgbClr val="000000">
@@ -22833,14 +22791,14 @@
           <a:effectLst/>
           <a:extLst>
             <a:ext uri="{909E8E84-426E-40dd-AFC4-6F175D3DCCD1}">
-              <a14:hiddenFill xmlns="" xmlns:a14="http://schemas.microsoft.com/office/drawing/2010/main">
+              <a14:hiddenFill xmlns:a14="http://schemas.microsoft.com/office/drawing/2010/main" xmlns="">
                 <a:solidFill>
                   <a:srgbClr val="FFFFFF"/>
                 </a:solidFill>
               </a14:hiddenFill>
             </a:ext>
             <a:ext uri="{91240B29-F687-4f45-9708-019B960494DF}">
-              <a14:hiddenLine xmlns="" xmlns:a14="http://schemas.microsoft.com/office/drawing/2010/main" w="9525" cap="flat">
+              <a14:hiddenLine xmlns:a14="http://schemas.microsoft.com/office/drawing/2010/main" xmlns="" w="9525" cap="flat">
                 <a:solidFill>
                   <a:srgbClr val="000000"/>
                 </a:solidFill>
@@ -22850,7 +22808,7 @@
               </a14:hiddenLine>
             </a:ext>
             <a:ext uri="{AF507438-7753-43e0-B8FC-AC1667EBCBE1}">
-              <a14:hiddenEffects xmlns="" xmlns:a14="http://schemas.microsoft.com/office/drawing/2010/main">
+              <a14:hiddenEffects xmlns:a14="http://schemas.microsoft.com/office/drawing/2010/main" xmlns="">
                 <a:effectLst>
                   <a:outerShdw blurRad="63500" dist="38099" dir="2700000" algn="ctr" rotWithShape="0">
                     <a:srgbClr val="000000">
@@ -23095,7 +23053,7 @@
           <a:effectLst/>
           <a:extLst>
             <a:ext uri="{AF507438-7753-43e0-B8FC-AC1667EBCBE1}">
-              <a14:hiddenEffects xmlns="" xmlns:a14="http://schemas.microsoft.com/office/drawing/2010/main">
+              <a14:hiddenEffects xmlns:a14="http://schemas.microsoft.com/office/drawing/2010/main" xmlns="">
                 <a:effectLst>
                   <a:outerShdw blurRad="63500" dist="38099" dir="2700000" algn="ctr" rotWithShape="0">
                     <a:srgbClr val="000000">
@@ -23145,7 +23103,7 @@
           <a:effectLst/>
           <a:extLst>
             <a:ext uri="{AF507438-7753-43e0-B8FC-AC1667EBCBE1}">
-              <a14:hiddenEffects xmlns="" xmlns:a14="http://schemas.microsoft.com/office/drawing/2010/main">
+              <a14:hiddenEffects xmlns:a14="http://schemas.microsoft.com/office/drawing/2010/main" xmlns="">
                 <a:effectLst>
                   <a:outerShdw blurRad="63500" dist="38099" dir="2700000" algn="ctr" rotWithShape="0">
                     <a:srgbClr val="000000">
@@ -23195,7 +23153,7 @@
           <a:effectLst/>
           <a:extLst>
             <a:ext uri="{AF507438-7753-43e0-B8FC-AC1667EBCBE1}">
-              <a14:hiddenEffects xmlns="" xmlns:a14="http://schemas.microsoft.com/office/drawing/2010/main">
+              <a14:hiddenEffects xmlns:a14="http://schemas.microsoft.com/office/drawing/2010/main" xmlns="">
                 <a:effectLst>
                   <a:outerShdw blurRad="63500" dist="38099" dir="2700000" algn="ctr" rotWithShape="0">
                     <a:srgbClr val="000000">
@@ -23245,7 +23203,7 @@
           <a:effectLst/>
           <a:extLst>
             <a:ext uri="{AF507438-7753-43e0-B8FC-AC1667EBCBE1}">
-              <a14:hiddenEffects xmlns="" xmlns:a14="http://schemas.microsoft.com/office/drawing/2010/main">
+              <a14:hiddenEffects xmlns:a14="http://schemas.microsoft.com/office/drawing/2010/main" xmlns="">
                 <a:effectLst>
                   <a:outerShdw blurRad="63500" dist="38099" dir="2700000" algn="ctr" rotWithShape="0">
                     <a:srgbClr val="000000">
@@ -23295,7 +23253,7 @@
           <a:effectLst/>
           <a:extLst>
             <a:ext uri="{AF507438-7753-43e0-B8FC-AC1667EBCBE1}">
-              <a14:hiddenEffects xmlns="" xmlns:a14="http://schemas.microsoft.com/office/drawing/2010/main">
+              <a14:hiddenEffects xmlns:a14="http://schemas.microsoft.com/office/drawing/2010/main" xmlns="">
                 <a:effectLst>
                   <a:outerShdw blurRad="63500" dist="38099" dir="2700000" algn="ctr" rotWithShape="0">
                     <a:srgbClr val="000000">
@@ -23345,7 +23303,7 @@
           <a:effectLst/>
           <a:extLst>
             <a:ext uri="{AF507438-7753-43e0-B8FC-AC1667EBCBE1}">
-              <a14:hiddenEffects xmlns="" xmlns:a14="http://schemas.microsoft.com/office/drawing/2010/main">
+              <a14:hiddenEffects xmlns:a14="http://schemas.microsoft.com/office/drawing/2010/main" xmlns="">
                 <a:effectLst>
                   <a:outerShdw blurRad="63500" dist="38099" dir="2700000" algn="ctr" rotWithShape="0">
                     <a:srgbClr val="000000">
@@ -23395,7 +23353,7 @@
           <a:effectLst/>
           <a:extLst>
             <a:ext uri="{AF507438-7753-43e0-B8FC-AC1667EBCBE1}">
-              <a14:hiddenEffects xmlns="" xmlns:a14="http://schemas.microsoft.com/office/drawing/2010/main">
+              <a14:hiddenEffects xmlns:a14="http://schemas.microsoft.com/office/drawing/2010/main" xmlns="">
                 <a:effectLst>
                   <a:outerShdw blurRad="63500" dist="38099" dir="2700000" algn="ctr" rotWithShape="0">
                     <a:srgbClr val="000000">
@@ -23445,7 +23403,7 @@
           <a:effectLst/>
           <a:extLst>
             <a:ext uri="{AF507438-7753-43e0-B8FC-AC1667EBCBE1}">
-              <a14:hiddenEffects xmlns="" xmlns:a14="http://schemas.microsoft.com/office/drawing/2010/main">
+              <a14:hiddenEffects xmlns:a14="http://schemas.microsoft.com/office/drawing/2010/main" xmlns="">
                 <a:effectLst>
                   <a:outerShdw blurRad="63500" dist="38099" dir="2700000" algn="ctr" rotWithShape="0">
                     <a:srgbClr val="000000">
@@ -23495,7 +23453,7 @@
           <a:effectLst/>
           <a:extLst>
             <a:ext uri="{AF507438-7753-43e0-B8FC-AC1667EBCBE1}">
-              <a14:hiddenEffects xmlns="" xmlns:a14="http://schemas.microsoft.com/office/drawing/2010/main">
+              <a14:hiddenEffects xmlns:a14="http://schemas.microsoft.com/office/drawing/2010/main" xmlns="">
                 <a:effectLst>
                   <a:outerShdw blurRad="63500" dist="38099" dir="2700000" algn="ctr" rotWithShape="0">
                     <a:srgbClr val="000000">
@@ -23545,7 +23503,7 @@
           <a:effectLst/>
           <a:extLst>
             <a:ext uri="{AF507438-7753-43e0-B8FC-AC1667EBCBE1}">
-              <a14:hiddenEffects xmlns="" xmlns:a14="http://schemas.microsoft.com/office/drawing/2010/main">
+              <a14:hiddenEffects xmlns:a14="http://schemas.microsoft.com/office/drawing/2010/main" xmlns="">
                 <a:effectLst>
                   <a:outerShdw blurRad="63500" dist="38099" dir="2700000" algn="ctr" rotWithShape="0">
                     <a:srgbClr val="000000">
@@ -23595,7 +23553,7 @@
           <a:effectLst/>
           <a:extLst>
             <a:ext uri="{AF507438-7753-43e0-B8FC-AC1667EBCBE1}">
-              <a14:hiddenEffects xmlns="" xmlns:a14="http://schemas.microsoft.com/office/drawing/2010/main">
+              <a14:hiddenEffects xmlns:a14="http://schemas.microsoft.com/office/drawing/2010/main" xmlns="">
                 <a:effectLst>
                   <a:outerShdw blurRad="63500" dist="38099" dir="2700000" algn="ctr" rotWithShape="0">
                     <a:srgbClr val="000000">
@@ -23645,7 +23603,7 @@
           <a:effectLst/>
           <a:extLst>
             <a:ext uri="{AF507438-7753-43e0-B8FC-AC1667EBCBE1}">
-              <a14:hiddenEffects xmlns="" xmlns:a14="http://schemas.microsoft.com/office/drawing/2010/main">
+              <a14:hiddenEffects xmlns:a14="http://schemas.microsoft.com/office/drawing/2010/main" xmlns="">
                 <a:effectLst>
                   <a:outerShdw blurRad="63500" dist="38099" dir="2700000" algn="ctr" rotWithShape="0">
                     <a:srgbClr val="000000">
@@ -23695,7 +23653,7 @@
           <a:effectLst/>
           <a:extLst>
             <a:ext uri="{AF507438-7753-43e0-B8FC-AC1667EBCBE1}">
-              <a14:hiddenEffects xmlns="" xmlns:a14="http://schemas.microsoft.com/office/drawing/2010/main">
+              <a14:hiddenEffects xmlns:a14="http://schemas.microsoft.com/office/drawing/2010/main" xmlns="">
                 <a:effectLst>
                   <a:outerShdw blurRad="63500" dist="38099" dir="2700000" algn="ctr" rotWithShape="0">
                     <a:srgbClr val="000000">
@@ -23739,29 +23697,24 @@
           <a:p>
             <a:pPr algn="ctr"/>
             <a:r>
-              <a:rPr lang="fr-FR" dirty="0" smtClean="0"/>
+              <a:rPr lang="fr-FR" dirty="0"/>
               <a:t>Stade </a:t>
             </a:r>
             <a:r>
-              <a:rPr lang="fr-FR" dirty="0" err="1" smtClean="0"/>
+              <a:rPr lang="fr-FR" dirty="0" err="1"/>
               <a:t>Nilton</a:t>
             </a:r>
             <a:r>
               <a:rPr lang="fr-FR" dirty="0"/>
-              <a:t>-</a:t>
-            </a:r>
-            <a:r>
-              <a:rPr lang="fr-FR" dirty="0" smtClean="0"/>
-              <a:t>Santos</a:t>
+              <a:t>-Santos</a:t>
             </a:r>
             <a:br>
-              <a:rPr lang="fr-FR" dirty="0" smtClean="0"/>
+              <a:rPr lang="fr-FR" dirty="0"/>
             </a:br>
             <a:r>
-              <a:rPr lang="fr-FR" dirty="0" smtClean="0"/>
+              <a:rPr lang="fr-FR" dirty="0"/>
               <a:t>Rio de Janeiro</a:t>
             </a:r>
-            <a:endParaRPr lang="fr-FR" dirty="0"/>
           </a:p>
         </p:txBody>
       </p:sp>
@@ -23848,7 +23801,7 @@
           <a:effectLst/>
           <a:extLst>
             <a:ext uri="{AF507438-7753-43e0-B8FC-AC1667EBCBE1}">
-              <a14:hiddenEffects xmlns="" xmlns:a14="http://schemas.microsoft.com/office/drawing/2010/main">
+              <a14:hiddenEffects xmlns:a14="http://schemas.microsoft.com/office/drawing/2010/main" xmlns="">
                 <a:effectLst>
                   <a:outerShdw blurRad="63500" dist="38099" dir="2700000" algn="ctr" rotWithShape="0">
                     <a:srgbClr val="000000">
@@ -23898,7 +23851,7 @@
           <a:effectLst/>
           <a:extLst>
             <a:ext uri="{AF507438-7753-43e0-B8FC-AC1667EBCBE1}">
-              <a14:hiddenEffects xmlns="" xmlns:a14="http://schemas.microsoft.com/office/drawing/2010/main">
+              <a14:hiddenEffects xmlns:a14="http://schemas.microsoft.com/office/drawing/2010/main" xmlns="">
                 <a:effectLst>
                   <a:outerShdw blurRad="63500" dist="38099" dir="2700000" algn="ctr" rotWithShape="0">
                     <a:srgbClr val="000000">
@@ -23941,14 +23894,14 @@
           <a:effectLst/>
           <a:extLst>
             <a:ext uri="{909E8E84-426E-40dd-AFC4-6F175D3DCCD1}">
-              <a14:hiddenFill xmlns="" xmlns:a14="http://schemas.microsoft.com/office/drawing/2010/main">
+              <a14:hiddenFill xmlns:a14="http://schemas.microsoft.com/office/drawing/2010/main" xmlns="">
                 <a:solidFill>
                   <a:srgbClr val="FFFFFF"/>
                 </a:solidFill>
               </a14:hiddenFill>
             </a:ext>
             <a:ext uri="{91240B29-F687-4f45-9708-019B960494DF}">
-              <a14:hiddenLine xmlns="" xmlns:a14="http://schemas.microsoft.com/office/drawing/2010/main" w="9525" cap="flat">
+              <a14:hiddenLine xmlns:a14="http://schemas.microsoft.com/office/drawing/2010/main" xmlns="" w="9525" cap="flat">
                 <a:solidFill>
                   <a:srgbClr val="000000"/>
                 </a:solidFill>
@@ -23958,7 +23911,7 @@
               </a14:hiddenLine>
             </a:ext>
             <a:ext uri="{AF507438-7753-43e0-B8FC-AC1667EBCBE1}">
-              <a14:hiddenEffects xmlns="" xmlns:a14="http://schemas.microsoft.com/office/drawing/2010/main">
+              <a14:hiddenEffects xmlns:a14="http://schemas.microsoft.com/office/drawing/2010/main" xmlns="">
                 <a:effectLst>
                   <a:outerShdw blurRad="63500" dist="38099" dir="2700000" algn="ctr" rotWithShape="0">
                     <a:srgbClr val="000000">
@@ -24015,7 +23968,7 @@
           <a:effectLst/>
           <a:extLst>
             <a:ext uri="{AF507438-7753-43e0-B8FC-AC1667EBCBE1}">
-              <a14:hiddenEffects xmlns="" xmlns:a14="http://schemas.microsoft.com/office/drawing/2010/main">
+              <a14:hiddenEffects xmlns:a14="http://schemas.microsoft.com/office/drawing/2010/main" xmlns="">
                 <a:effectLst>
                   <a:outerShdw blurRad="63500" dist="38099" dir="2700000" algn="ctr" rotWithShape="0">
                     <a:srgbClr val="000000">
@@ -24058,14 +24011,14 @@
           <a:effectLst/>
           <a:extLst>
             <a:ext uri="{909E8E84-426E-40dd-AFC4-6F175D3DCCD1}">
-              <a14:hiddenFill xmlns="" xmlns:a14="http://schemas.microsoft.com/office/drawing/2010/main">
+              <a14:hiddenFill xmlns:a14="http://schemas.microsoft.com/office/drawing/2010/main" xmlns="">
                 <a:solidFill>
                   <a:srgbClr val="FFFFFF"/>
                 </a:solidFill>
               </a14:hiddenFill>
             </a:ext>
             <a:ext uri="{91240B29-F687-4f45-9708-019B960494DF}">
-              <a14:hiddenLine xmlns="" xmlns:a14="http://schemas.microsoft.com/office/drawing/2010/main" w="9525" cap="flat">
+              <a14:hiddenLine xmlns:a14="http://schemas.microsoft.com/office/drawing/2010/main" xmlns="" w="9525" cap="flat">
                 <a:solidFill>
                   <a:srgbClr val="000000"/>
                 </a:solidFill>
@@ -24075,7 +24028,7 @@
               </a14:hiddenLine>
             </a:ext>
             <a:ext uri="{AF507438-7753-43e0-B8FC-AC1667EBCBE1}">
-              <a14:hiddenEffects xmlns="" xmlns:a14="http://schemas.microsoft.com/office/drawing/2010/main">
+              <a14:hiddenEffects xmlns:a14="http://schemas.microsoft.com/office/drawing/2010/main" xmlns="">
                 <a:effectLst>
                   <a:outerShdw blurRad="63500" dist="38099" dir="2700000" algn="ctr" rotWithShape="0">
                     <a:srgbClr val="000000">
@@ -24134,7 +24087,7 @@
           <a:effectLst/>
           <a:extLst>
             <a:ext uri="{AF507438-7753-43e0-B8FC-AC1667EBCBE1}">
-              <a14:hiddenEffects xmlns="" xmlns:a14="http://schemas.microsoft.com/office/drawing/2010/main">
+              <a14:hiddenEffects xmlns:a14="http://schemas.microsoft.com/office/drawing/2010/main" xmlns="">
                 <a:effectLst>
                   <a:outerShdw blurRad="63500" dist="38099" dir="2700000" algn="ctr" rotWithShape="0">
                     <a:srgbClr val="000000">
@@ -24186,7 +24139,7 @@
           <a:effectLst/>
           <a:extLst>
             <a:ext uri="{AF507438-7753-43e0-B8FC-AC1667EBCBE1}">
-              <a14:hiddenEffects xmlns="" xmlns:a14="http://schemas.microsoft.com/office/drawing/2010/main">
+              <a14:hiddenEffects xmlns:a14="http://schemas.microsoft.com/office/drawing/2010/main" xmlns="">
                 <a:effectLst>
                   <a:outerShdw blurRad="63500" dist="38099" dir="2700000" algn="ctr" rotWithShape="0">
                     <a:srgbClr val="000000">
@@ -24236,14 +24189,14 @@
           <a:effectLst/>
           <a:extLst>
             <a:ext uri="{909E8E84-426E-40dd-AFC4-6F175D3DCCD1}">
-              <a14:hiddenFill xmlns="" xmlns:a14="http://schemas.microsoft.com/office/drawing/2010/main">
+              <a14:hiddenFill xmlns:a14="http://schemas.microsoft.com/office/drawing/2010/main" xmlns="">
                 <a:solidFill>
                   <a:srgbClr val="FFFFFF"/>
                 </a:solidFill>
               </a14:hiddenFill>
             </a:ext>
             <a:ext uri="{AF507438-7753-43e0-B8FC-AC1667EBCBE1}">
-              <a14:hiddenEffects xmlns="" xmlns:a14="http://schemas.microsoft.com/office/drawing/2010/main">
+              <a14:hiddenEffects xmlns:a14="http://schemas.microsoft.com/office/drawing/2010/main" xmlns="">
                 <a:effectLst>
                   <a:outerShdw blurRad="63500" dist="38099" dir="2700000" algn="ctr" rotWithShape="0">
                     <a:srgbClr val="000000">
@@ -24295,7 +24248,7 @@
           <a:effectLst/>
           <a:extLst>
             <a:ext uri="{AF507438-7753-43e0-B8FC-AC1667EBCBE1}">
-              <a14:hiddenEffects xmlns="" xmlns:a14="http://schemas.microsoft.com/office/drawing/2010/main">
+              <a14:hiddenEffects xmlns:a14="http://schemas.microsoft.com/office/drawing/2010/main" xmlns="">
                 <a:effectLst>
                   <a:outerShdw blurRad="63500" dist="38099" dir="2700000" algn="ctr" rotWithShape="0">
                     <a:srgbClr val="000000">
@@ -24338,14 +24291,14 @@
           <a:effectLst/>
           <a:extLst>
             <a:ext uri="{909E8E84-426E-40dd-AFC4-6F175D3DCCD1}">
-              <a14:hiddenFill xmlns="" xmlns:a14="http://schemas.microsoft.com/office/drawing/2010/main">
+              <a14:hiddenFill xmlns:a14="http://schemas.microsoft.com/office/drawing/2010/main" xmlns="">
                 <a:solidFill>
                   <a:srgbClr val="FFFFFF"/>
                 </a:solidFill>
               </a14:hiddenFill>
             </a:ext>
             <a:ext uri="{91240B29-F687-4f45-9708-019B960494DF}">
-              <a14:hiddenLine xmlns="" xmlns:a14="http://schemas.microsoft.com/office/drawing/2010/main" w="9525" cap="flat">
+              <a14:hiddenLine xmlns:a14="http://schemas.microsoft.com/office/drawing/2010/main" xmlns="" w="9525" cap="flat">
                 <a:solidFill>
                   <a:srgbClr val="000000"/>
                 </a:solidFill>
@@ -24355,7 +24308,7 @@
               </a14:hiddenLine>
             </a:ext>
             <a:ext uri="{AF507438-7753-43e0-B8FC-AC1667EBCBE1}">
-              <a14:hiddenEffects xmlns="" xmlns:a14="http://schemas.microsoft.com/office/drawing/2010/main">
+              <a14:hiddenEffects xmlns:a14="http://schemas.microsoft.com/office/drawing/2010/main" xmlns="">
                 <a:effectLst>
                   <a:outerShdw blurRad="63500" dist="38099" dir="2700000" algn="ctr" rotWithShape="0">
                     <a:srgbClr val="000000">
@@ -24584,7 +24537,7 @@
           <a:effectLst/>
           <a:extLst>
             <a:ext uri="{AF507438-7753-43e0-B8FC-AC1667EBCBE1}">
-              <a14:hiddenEffects xmlns="" xmlns:a14="http://schemas.microsoft.com/office/drawing/2010/main">
+              <a14:hiddenEffects xmlns:a14="http://schemas.microsoft.com/office/drawing/2010/main" xmlns="">
                 <a:effectLst>
                   <a:outerShdw blurRad="63500" dist="38099" dir="2700000" algn="ctr" rotWithShape="0">
                     <a:srgbClr val="000000">
@@ -24634,7 +24587,7 @@
           <a:effectLst/>
           <a:extLst>
             <a:ext uri="{AF507438-7753-43e0-B8FC-AC1667EBCBE1}">
-              <a14:hiddenEffects xmlns="" xmlns:a14="http://schemas.microsoft.com/office/drawing/2010/main">
+              <a14:hiddenEffects xmlns:a14="http://schemas.microsoft.com/office/drawing/2010/main" xmlns="">
                 <a:effectLst>
                   <a:outerShdw blurRad="63500" dist="38099" dir="2700000" algn="ctr" rotWithShape="0">
                     <a:srgbClr val="000000">
@@ -24677,14 +24630,14 @@
           <a:effectLst/>
           <a:extLst>
             <a:ext uri="{909E8E84-426E-40dd-AFC4-6F175D3DCCD1}">
-              <a14:hiddenFill xmlns="" xmlns:a14="http://schemas.microsoft.com/office/drawing/2010/main">
+              <a14:hiddenFill xmlns:a14="http://schemas.microsoft.com/office/drawing/2010/main" xmlns="">
                 <a:solidFill>
                   <a:srgbClr val="FFFFFF"/>
                 </a:solidFill>
               </a14:hiddenFill>
             </a:ext>
             <a:ext uri="{91240B29-F687-4f45-9708-019B960494DF}">
-              <a14:hiddenLine xmlns="" xmlns:a14="http://schemas.microsoft.com/office/drawing/2010/main" w="9525" cap="flat">
+              <a14:hiddenLine xmlns:a14="http://schemas.microsoft.com/office/drawing/2010/main" xmlns="" w="9525" cap="flat">
                 <a:solidFill>
                   <a:srgbClr val="000000"/>
                 </a:solidFill>
@@ -24694,7 +24647,7 @@
               </a14:hiddenLine>
             </a:ext>
             <a:ext uri="{AF507438-7753-43e0-B8FC-AC1667EBCBE1}">
-              <a14:hiddenEffects xmlns="" xmlns:a14="http://schemas.microsoft.com/office/drawing/2010/main">
+              <a14:hiddenEffects xmlns:a14="http://schemas.microsoft.com/office/drawing/2010/main" xmlns="">
                 <a:effectLst>
                   <a:outerShdw blurRad="63500" dist="38099" dir="2700000" algn="ctr" rotWithShape="0">
                     <a:srgbClr val="000000">
@@ -24928,12 +24881,12 @@
           <a:effectLst/>
           <a:extLst>
             <a:ext uri="{909E8E84-426E-40dd-AFC4-6F175D3DCCD1}">
-              <a14:hiddenFill xmlns="" xmlns:a14="http://schemas.microsoft.com/office/drawing/2010/main">
+              <a14:hiddenFill xmlns:a14="http://schemas.microsoft.com/office/drawing/2010/main" xmlns="">
                 <a:noFill/>
               </a14:hiddenFill>
             </a:ext>
             <a:ext uri="{AF507438-7753-43e0-B8FC-AC1667EBCBE1}">
-              <a14:hiddenEffects xmlns="" xmlns:a14="http://schemas.microsoft.com/office/drawing/2010/main">
+              <a14:hiddenEffects xmlns:a14="http://schemas.microsoft.com/office/drawing/2010/main" xmlns="">
                 <a:effectLst>
                   <a:outerShdw blurRad="63500" dist="38099" dir="2700000" algn="ctr" rotWithShape="0">
                     <a:srgbClr val="000000">
@@ -24976,14 +24929,14 @@
           <a:effectLst/>
           <a:extLst>
             <a:ext uri="{909E8E84-426E-40dd-AFC4-6F175D3DCCD1}">
-              <a14:hiddenFill xmlns="" xmlns:a14="http://schemas.microsoft.com/office/drawing/2010/main">
+              <a14:hiddenFill xmlns:a14="http://schemas.microsoft.com/office/drawing/2010/main" xmlns="">
                 <a:solidFill>
                   <a:srgbClr val="FFFFFF"/>
                 </a:solidFill>
               </a14:hiddenFill>
             </a:ext>
             <a:ext uri="{91240B29-F687-4f45-9708-019B960494DF}">
-              <a14:hiddenLine xmlns="" xmlns:a14="http://schemas.microsoft.com/office/drawing/2010/main" w="9525" cap="flat">
+              <a14:hiddenLine xmlns:a14="http://schemas.microsoft.com/office/drawing/2010/main" xmlns="" w="9525" cap="flat">
                 <a:solidFill>
                   <a:srgbClr val="000000"/>
                 </a:solidFill>
@@ -24993,7 +24946,7 @@
               </a14:hiddenLine>
             </a:ext>
             <a:ext uri="{AF507438-7753-43e0-B8FC-AC1667EBCBE1}">
-              <a14:hiddenEffects xmlns="" xmlns:a14="http://schemas.microsoft.com/office/drawing/2010/main">
+              <a14:hiddenEffects xmlns:a14="http://schemas.microsoft.com/office/drawing/2010/main" xmlns="">
                 <a:effectLst>
                   <a:outerShdw blurRad="63500" dist="38099" dir="2700000" algn="ctr" rotWithShape="0">
                     <a:srgbClr val="000000">
@@ -25220,7 +25173,7 @@
           <a:effectLst/>
           <a:extLst>
             <a:ext uri="{AF507438-7753-43e0-B8FC-AC1667EBCBE1}">
-              <a14:hiddenEffects xmlns="" xmlns:a14="http://schemas.microsoft.com/office/drawing/2010/main">
+              <a14:hiddenEffects xmlns:a14="http://schemas.microsoft.com/office/drawing/2010/main" xmlns="">
                 <a:effectLst>
                   <a:outerShdw blurRad="63500" dist="38099" dir="2700000" algn="ctr" rotWithShape="0">
                     <a:srgbClr val="000000">
@@ -25270,7 +25223,7 @@
           <a:effectLst/>
           <a:extLst>
             <a:ext uri="{AF507438-7753-43e0-B8FC-AC1667EBCBE1}">
-              <a14:hiddenEffects xmlns="" xmlns:a14="http://schemas.microsoft.com/office/drawing/2010/main">
+              <a14:hiddenEffects xmlns:a14="http://schemas.microsoft.com/office/drawing/2010/main" xmlns="">
                 <a:effectLst>
                   <a:outerShdw blurRad="63500" dist="38099" dir="2700000" algn="ctr" rotWithShape="0">
                     <a:srgbClr val="000000">
@@ -25313,14 +25266,14 @@
           <a:effectLst/>
           <a:extLst>
             <a:ext uri="{909E8E84-426E-40dd-AFC4-6F175D3DCCD1}">
-              <a14:hiddenFill xmlns="" xmlns:a14="http://schemas.microsoft.com/office/drawing/2010/main">
+              <a14:hiddenFill xmlns:a14="http://schemas.microsoft.com/office/drawing/2010/main" xmlns="">
                 <a:solidFill>
                   <a:srgbClr val="FFFFFF"/>
                 </a:solidFill>
               </a14:hiddenFill>
             </a:ext>
             <a:ext uri="{91240B29-F687-4f45-9708-019B960494DF}">
-              <a14:hiddenLine xmlns="" xmlns:a14="http://schemas.microsoft.com/office/drawing/2010/main" w="9525" cap="flat">
+              <a14:hiddenLine xmlns:a14="http://schemas.microsoft.com/office/drawing/2010/main" xmlns="" w="9525" cap="flat">
                 <a:solidFill>
                   <a:srgbClr val="000000"/>
                 </a:solidFill>
@@ -25330,7 +25283,7 @@
               </a14:hiddenLine>
             </a:ext>
             <a:ext uri="{AF507438-7753-43e0-B8FC-AC1667EBCBE1}">
-              <a14:hiddenEffects xmlns="" xmlns:a14="http://schemas.microsoft.com/office/drawing/2010/main">
+              <a14:hiddenEffects xmlns:a14="http://schemas.microsoft.com/office/drawing/2010/main" xmlns="">
                 <a:effectLst>
                   <a:outerShdw blurRad="63500" dist="38099" dir="2700000" algn="ctr" rotWithShape="0">
                     <a:srgbClr val="000000">
@@ -25559,7 +25512,7 @@
           <a:effectLst/>
           <a:extLst>
             <a:ext uri="{AF507438-7753-43e0-B8FC-AC1667EBCBE1}">
-              <a14:hiddenEffects xmlns="" xmlns:a14="http://schemas.microsoft.com/office/drawing/2010/main">
+              <a14:hiddenEffects xmlns:a14="http://schemas.microsoft.com/office/drawing/2010/main" xmlns="">
                 <a:effectLst>
                   <a:outerShdw blurRad="63500" dist="38099" dir="2700000" algn="ctr" rotWithShape="0">
                     <a:srgbClr val="000000">
@@ -25611,7 +25564,7 @@
           <a:effectLst/>
           <a:extLst>
             <a:ext uri="{AF507438-7753-43e0-B8FC-AC1667EBCBE1}">
-              <a14:hiddenEffects xmlns="" xmlns:a14="http://schemas.microsoft.com/office/drawing/2010/main">
+              <a14:hiddenEffects xmlns:a14="http://schemas.microsoft.com/office/drawing/2010/main" xmlns="">
                 <a:effectLst>
                   <a:outerShdw blurRad="63500" dist="38099" dir="2700000" algn="ctr" rotWithShape="0">
                     <a:srgbClr val="000000">
@@ -25654,14 +25607,14 @@
           <a:effectLst/>
           <a:extLst>
             <a:ext uri="{909E8E84-426E-40dd-AFC4-6F175D3DCCD1}">
-              <a14:hiddenFill xmlns="" xmlns:a14="http://schemas.microsoft.com/office/drawing/2010/main">
+              <a14:hiddenFill xmlns:a14="http://schemas.microsoft.com/office/drawing/2010/main" xmlns="">
                 <a:solidFill>
                   <a:srgbClr val="FFFFFF"/>
                 </a:solidFill>
               </a14:hiddenFill>
             </a:ext>
             <a:ext uri="{91240B29-F687-4f45-9708-019B960494DF}">
-              <a14:hiddenLine xmlns="" xmlns:a14="http://schemas.microsoft.com/office/drawing/2010/main" w="9525" cap="flat">
+              <a14:hiddenLine xmlns:a14="http://schemas.microsoft.com/office/drawing/2010/main" xmlns="" w="9525" cap="flat">
                 <a:solidFill>
                   <a:srgbClr val="000000"/>
                 </a:solidFill>
@@ -25671,7 +25624,7 @@
               </a14:hiddenLine>
             </a:ext>
             <a:ext uri="{AF507438-7753-43e0-B8FC-AC1667EBCBE1}">
-              <a14:hiddenEffects xmlns="" xmlns:a14="http://schemas.microsoft.com/office/drawing/2010/main">
+              <a14:hiddenEffects xmlns:a14="http://schemas.microsoft.com/office/drawing/2010/main" xmlns="">
                 <a:effectLst>
                   <a:outerShdw blurRad="63500" dist="38099" dir="2700000" algn="ctr" rotWithShape="0">
                     <a:srgbClr val="000000">
@@ -25721,14 +25674,14 @@
           <a:effectLst/>
           <a:extLst>
             <a:ext uri="{909E8E84-426E-40dd-AFC4-6F175D3DCCD1}">
-              <a14:hiddenFill xmlns="" xmlns:a14="http://schemas.microsoft.com/office/drawing/2010/main">
+              <a14:hiddenFill xmlns:a14="http://schemas.microsoft.com/office/drawing/2010/main" xmlns="">
                 <a:solidFill>
                   <a:srgbClr val="FFFFFF"/>
                 </a:solidFill>
               </a14:hiddenFill>
             </a:ext>
             <a:ext uri="{91240B29-F687-4f45-9708-019B960494DF}">
-              <a14:hiddenLine xmlns="" xmlns:a14="http://schemas.microsoft.com/office/drawing/2010/main" w="9525" cap="flat">
+              <a14:hiddenLine xmlns:a14="http://schemas.microsoft.com/office/drawing/2010/main" xmlns="" w="9525" cap="flat">
                 <a:solidFill>
                   <a:srgbClr val="000000"/>
                 </a:solidFill>
@@ -25738,7 +25691,7 @@
               </a14:hiddenLine>
             </a:ext>
             <a:ext uri="{AF507438-7753-43e0-B8FC-AC1667EBCBE1}">
-              <a14:hiddenEffects xmlns="" xmlns:a14="http://schemas.microsoft.com/office/drawing/2010/main">
+              <a14:hiddenEffects xmlns:a14="http://schemas.microsoft.com/office/drawing/2010/main" xmlns="">
                 <a:effectLst>
                   <a:outerShdw blurRad="63500" dist="38099" dir="2700000" algn="ctr" rotWithShape="0">
                     <a:srgbClr val="000000">
@@ -25793,12 +25746,12 @@
           <a:effectLst/>
           <a:extLst>
             <a:ext uri="{909E8E84-426E-40dd-AFC4-6F175D3DCCD1}">
-              <a14:hiddenFill xmlns="" xmlns:a14="http://schemas.microsoft.com/office/drawing/2010/main">
+              <a14:hiddenFill xmlns:a14="http://schemas.microsoft.com/office/drawing/2010/main" xmlns="">
                 <a:noFill/>
               </a14:hiddenFill>
             </a:ext>
             <a:ext uri="{AF507438-7753-43e0-B8FC-AC1667EBCBE1}">
-              <a14:hiddenEffects xmlns="" xmlns:a14="http://schemas.microsoft.com/office/drawing/2010/main">
+              <a14:hiddenEffects xmlns:a14="http://schemas.microsoft.com/office/drawing/2010/main" xmlns="">
                 <a:effectLst>
                   <a:outerShdw blurRad="63500" dist="38099" dir="2700000" algn="ctr" rotWithShape="0">
                     <a:srgbClr val="000000">
@@ -25841,14 +25794,14 @@
           <a:effectLst/>
           <a:extLst>
             <a:ext uri="{909E8E84-426E-40dd-AFC4-6F175D3DCCD1}">
-              <a14:hiddenFill xmlns="" xmlns:a14="http://schemas.microsoft.com/office/drawing/2010/main">
+              <a14:hiddenFill xmlns:a14="http://schemas.microsoft.com/office/drawing/2010/main" xmlns="">
                 <a:solidFill>
                   <a:srgbClr val="FFFFFF"/>
                 </a:solidFill>
               </a14:hiddenFill>
             </a:ext>
             <a:ext uri="{91240B29-F687-4f45-9708-019B960494DF}">
-              <a14:hiddenLine xmlns="" xmlns:a14="http://schemas.microsoft.com/office/drawing/2010/main" w="9525" cap="flat">
+              <a14:hiddenLine xmlns:a14="http://schemas.microsoft.com/office/drawing/2010/main" xmlns="" w="9525" cap="flat">
                 <a:solidFill>
                   <a:srgbClr val="000000"/>
                 </a:solidFill>
@@ -25858,7 +25811,7 @@
               </a14:hiddenLine>
             </a:ext>
             <a:ext uri="{AF507438-7753-43e0-B8FC-AC1667EBCBE1}">
-              <a14:hiddenEffects xmlns="" xmlns:a14="http://schemas.microsoft.com/office/drawing/2010/main">
+              <a14:hiddenEffects xmlns:a14="http://schemas.microsoft.com/office/drawing/2010/main" xmlns="">
                 <a:effectLst>
                   <a:outerShdw blurRad="63500" dist="38099" dir="2700000" algn="ctr" rotWithShape="0">
                     <a:srgbClr val="000000">
@@ -25917,7 +25870,7 @@
           <a:effectLst/>
           <a:extLst>
             <a:ext uri="{AF507438-7753-43e0-B8FC-AC1667EBCBE1}">
-              <a14:hiddenEffects xmlns="" xmlns:a14="http://schemas.microsoft.com/office/drawing/2010/main">
+              <a14:hiddenEffects xmlns:a14="http://schemas.microsoft.com/office/drawing/2010/main" xmlns="">
                 <a:effectLst>
                   <a:outerShdw blurRad="63500" dist="38099" dir="2700000" algn="ctr" rotWithShape="0">
                     <a:srgbClr val="000000">
@@ -25960,14 +25913,14 @@
           <a:effectLst/>
           <a:extLst>
             <a:ext uri="{909E8E84-426E-40dd-AFC4-6F175D3DCCD1}">
-              <a14:hiddenFill xmlns="" xmlns:a14="http://schemas.microsoft.com/office/drawing/2010/main">
+              <a14:hiddenFill xmlns:a14="http://schemas.microsoft.com/office/drawing/2010/main" xmlns="">
                 <a:solidFill>
                   <a:srgbClr val="FFFFFF"/>
                 </a:solidFill>
               </a14:hiddenFill>
             </a:ext>
             <a:ext uri="{91240B29-F687-4f45-9708-019B960494DF}">
-              <a14:hiddenLine xmlns="" xmlns:a14="http://schemas.microsoft.com/office/drawing/2010/main" w="9525" cap="flat">
+              <a14:hiddenLine xmlns:a14="http://schemas.microsoft.com/office/drawing/2010/main" xmlns="" w="9525" cap="flat">
                 <a:solidFill>
                   <a:srgbClr val="000000"/>
                 </a:solidFill>
@@ -25977,7 +25930,7 @@
               </a14:hiddenLine>
             </a:ext>
             <a:ext uri="{AF507438-7753-43e0-B8FC-AC1667EBCBE1}">
-              <a14:hiddenEffects xmlns="" xmlns:a14="http://schemas.microsoft.com/office/drawing/2010/main">
+              <a14:hiddenEffects xmlns:a14="http://schemas.microsoft.com/office/drawing/2010/main" xmlns="">
                 <a:effectLst>
                   <a:outerShdw blurRad="63500" dist="38099" dir="2700000" algn="ctr" rotWithShape="0">
                     <a:srgbClr val="000000">
@@ -26213,7 +26166,7 @@
           <a:effectLst/>
           <a:extLst>
             <a:ext uri="{AF507438-7753-43e0-B8FC-AC1667EBCBE1}">
-              <a14:hiddenEffects xmlns="" xmlns:a14="http://schemas.microsoft.com/office/drawing/2010/main">
+              <a14:hiddenEffects xmlns:a14="http://schemas.microsoft.com/office/drawing/2010/main" xmlns="">
                 <a:effectLst>
                   <a:outerShdw blurRad="63500" dist="38099" dir="2700000" algn="ctr" rotWithShape="0">
                     <a:srgbClr val="000000">
@@ -26261,12 +26214,12 @@
           <a:effectLst/>
           <a:extLst>
             <a:ext uri="{909E8E84-426E-40dd-AFC4-6F175D3DCCD1}">
-              <a14:hiddenFill xmlns="" xmlns:a14="http://schemas.microsoft.com/office/drawing/2010/main">
+              <a14:hiddenFill xmlns:a14="http://schemas.microsoft.com/office/drawing/2010/main" xmlns="">
                 <a:noFill/>
               </a14:hiddenFill>
             </a:ext>
             <a:ext uri="{AF507438-7753-43e0-B8FC-AC1667EBCBE1}">
-              <a14:hiddenEffects xmlns="" xmlns:a14="http://schemas.microsoft.com/office/drawing/2010/main">
+              <a14:hiddenEffects xmlns:a14="http://schemas.microsoft.com/office/drawing/2010/main" xmlns="">
                 <a:effectLst>
                   <a:outerShdw blurRad="63500" dist="38099" dir="2700000" algn="ctr" rotWithShape="0">
                     <a:srgbClr val="000000">
@@ -26318,7 +26271,7 @@
           <a:effectLst/>
           <a:extLst>
             <a:ext uri="{AF507438-7753-43e0-B8FC-AC1667EBCBE1}">
-              <a14:hiddenEffects xmlns="" xmlns:a14="http://schemas.microsoft.com/office/drawing/2010/main">
+              <a14:hiddenEffects xmlns:a14="http://schemas.microsoft.com/office/drawing/2010/main" xmlns="">
                 <a:effectLst>
                   <a:outerShdw blurRad="63500" dist="38099" dir="2700000" algn="ctr" rotWithShape="0">
                     <a:srgbClr val="000000">
@@ -26366,12 +26319,12 @@
           <a:effectLst/>
           <a:extLst>
             <a:ext uri="{909E8E84-426E-40dd-AFC4-6F175D3DCCD1}">
-              <a14:hiddenFill xmlns="" xmlns:a14="http://schemas.microsoft.com/office/drawing/2010/main">
+              <a14:hiddenFill xmlns:a14="http://schemas.microsoft.com/office/drawing/2010/main" xmlns="">
                 <a:noFill/>
               </a14:hiddenFill>
             </a:ext>
             <a:ext uri="{AF507438-7753-43e0-B8FC-AC1667EBCBE1}">
-              <a14:hiddenEffects xmlns="" xmlns:a14="http://schemas.microsoft.com/office/drawing/2010/main">
+              <a14:hiddenEffects xmlns:a14="http://schemas.microsoft.com/office/drawing/2010/main" xmlns="">
                 <a:effectLst>
                   <a:outerShdw blurRad="63500" dist="38099" dir="2700000" algn="ctr" rotWithShape="0">
                     <a:srgbClr val="000000">
@@ -26423,7 +26376,7 @@
           <a:effectLst/>
           <a:extLst>
             <a:ext uri="{AF507438-7753-43e0-B8FC-AC1667EBCBE1}">
-              <a14:hiddenEffects xmlns="" xmlns:a14="http://schemas.microsoft.com/office/drawing/2010/main">
+              <a14:hiddenEffects xmlns:a14="http://schemas.microsoft.com/office/drawing/2010/main" xmlns="">
                 <a:effectLst>
                   <a:outerShdw blurRad="63500" dist="38099" dir="2700000" algn="ctr" rotWithShape="0">
                     <a:srgbClr val="000000">
@@ -26466,14 +26419,14 @@
           <a:effectLst/>
           <a:extLst>
             <a:ext uri="{909E8E84-426E-40dd-AFC4-6F175D3DCCD1}">
-              <a14:hiddenFill xmlns="" xmlns:a14="http://schemas.microsoft.com/office/drawing/2010/main">
+              <a14:hiddenFill xmlns:a14="http://schemas.microsoft.com/office/drawing/2010/main" xmlns="">
                 <a:solidFill>
                   <a:srgbClr val="FFFFFF"/>
                 </a:solidFill>
               </a14:hiddenFill>
             </a:ext>
             <a:ext uri="{91240B29-F687-4f45-9708-019B960494DF}">
-              <a14:hiddenLine xmlns="" xmlns:a14="http://schemas.microsoft.com/office/drawing/2010/main" w="9525" cap="flat">
+              <a14:hiddenLine xmlns:a14="http://schemas.microsoft.com/office/drawing/2010/main" xmlns="" w="9525" cap="flat">
                 <a:solidFill>
                   <a:srgbClr val="000000"/>
                 </a:solidFill>
@@ -26483,7 +26436,7 @@
               </a14:hiddenLine>
             </a:ext>
             <a:ext uri="{AF507438-7753-43e0-B8FC-AC1667EBCBE1}">
-              <a14:hiddenEffects xmlns="" xmlns:a14="http://schemas.microsoft.com/office/drawing/2010/main">
+              <a14:hiddenEffects xmlns:a14="http://schemas.microsoft.com/office/drawing/2010/main" xmlns="">
                 <a:effectLst>
                   <a:outerShdw blurRad="63500" dist="38099" dir="2700000" algn="ctr" rotWithShape="0">
                     <a:srgbClr val="000000">
@@ -26717,12 +26670,12 @@
           <a:effectLst/>
           <a:extLst>
             <a:ext uri="{909E8E84-426E-40dd-AFC4-6F175D3DCCD1}">
-              <a14:hiddenFill xmlns="" xmlns:a14="http://schemas.microsoft.com/office/drawing/2010/main">
+              <a14:hiddenFill xmlns:a14="http://schemas.microsoft.com/office/drawing/2010/main" xmlns="">
                 <a:noFill/>
               </a14:hiddenFill>
             </a:ext>
             <a:ext uri="{AF507438-7753-43e0-B8FC-AC1667EBCBE1}">
-              <a14:hiddenEffects xmlns="" xmlns:a14="http://schemas.microsoft.com/office/drawing/2010/main">
+              <a14:hiddenEffects xmlns:a14="http://schemas.microsoft.com/office/drawing/2010/main" xmlns="">
                 <a:effectLst>
                   <a:outerShdw blurRad="63500" dist="38099" dir="2700000" algn="ctr" rotWithShape="0">
                     <a:srgbClr val="000000">
@@ -26772,7 +26725,7 @@
           <a:effectLst/>
           <a:extLst>
             <a:ext uri="{AF507438-7753-43e0-B8FC-AC1667EBCBE1}">
-              <a14:hiddenEffects xmlns="" xmlns:a14="http://schemas.microsoft.com/office/drawing/2010/main">
+              <a14:hiddenEffects xmlns:a14="http://schemas.microsoft.com/office/drawing/2010/main" xmlns="">
                 <a:effectLst>
                   <a:outerShdw blurRad="63500" dist="38099" dir="2700000" algn="ctr" rotWithShape="0">
                     <a:srgbClr val="000000">
@@ -26822,7 +26775,7 @@
           <a:effectLst/>
           <a:extLst>
             <a:ext uri="{AF507438-7753-43e0-B8FC-AC1667EBCBE1}">
-              <a14:hiddenEffects xmlns="" xmlns:a14="http://schemas.microsoft.com/office/drawing/2010/main">
+              <a14:hiddenEffects xmlns:a14="http://schemas.microsoft.com/office/drawing/2010/main" xmlns="">
                 <a:effectLst>
                   <a:outerShdw blurRad="63500" dist="38099" dir="2700000" algn="ctr" rotWithShape="0">
                     <a:srgbClr val="000000">
@@ -26872,7 +26825,7 @@
           <a:effectLst/>
           <a:extLst>
             <a:ext uri="{AF507438-7753-43e0-B8FC-AC1667EBCBE1}">
-              <a14:hiddenEffects xmlns="" xmlns:a14="http://schemas.microsoft.com/office/drawing/2010/main">
+              <a14:hiddenEffects xmlns:a14="http://schemas.microsoft.com/office/drawing/2010/main" xmlns="">
                 <a:effectLst>
                   <a:outerShdw blurRad="63500" dist="38099" dir="2700000" algn="ctr" rotWithShape="0">
                     <a:srgbClr val="000000">
@@ -26915,14 +26868,14 @@
           <a:effectLst/>
           <a:extLst>
             <a:ext uri="{909E8E84-426E-40dd-AFC4-6F175D3DCCD1}">
-              <a14:hiddenFill xmlns="" xmlns:a14="http://schemas.microsoft.com/office/drawing/2010/main">
+              <a14:hiddenFill xmlns:a14="http://schemas.microsoft.com/office/drawing/2010/main" xmlns="">
                 <a:solidFill>
                   <a:srgbClr val="FFFFFF"/>
                 </a:solidFill>
               </a14:hiddenFill>
             </a:ext>
             <a:ext uri="{91240B29-F687-4f45-9708-019B960494DF}">
-              <a14:hiddenLine xmlns="" xmlns:a14="http://schemas.microsoft.com/office/drawing/2010/main" w="9525" cap="flat">
+              <a14:hiddenLine xmlns:a14="http://schemas.microsoft.com/office/drawing/2010/main" xmlns="" w="9525" cap="flat">
                 <a:solidFill>
                   <a:srgbClr val="000000"/>
                 </a:solidFill>
@@ -26932,7 +26885,7 @@
               </a14:hiddenLine>
             </a:ext>
             <a:ext uri="{AF507438-7753-43e0-B8FC-AC1667EBCBE1}">
-              <a14:hiddenEffects xmlns="" xmlns:a14="http://schemas.microsoft.com/office/drawing/2010/main">
+              <a14:hiddenEffects xmlns:a14="http://schemas.microsoft.com/office/drawing/2010/main" xmlns="">
                 <a:effectLst>
                   <a:outerShdw blurRad="63500" dist="38099" dir="2700000" algn="ctr" rotWithShape="0">
                     <a:srgbClr val="000000">
@@ -26982,14 +26935,14 @@
           <a:effectLst/>
           <a:extLst>
             <a:ext uri="{909E8E84-426E-40dd-AFC4-6F175D3DCCD1}">
-              <a14:hiddenFill xmlns="" xmlns:a14="http://schemas.microsoft.com/office/drawing/2010/main">
+              <a14:hiddenFill xmlns:a14="http://schemas.microsoft.com/office/drawing/2010/main" xmlns="">
                 <a:solidFill>
                   <a:srgbClr val="FFFFFF"/>
                 </a:solidFill>
               </a14:hiddenFill>
             </a:ext>
             <a:ext uri="{91240B29-F687-4f45-9708-019B960494DF}">
-              <a14:hiddenLine xmlns="" xmlns:a14="http://schemas.microsoft.com/office/drawing/2010/main" w="9525" cap="flat">
+              <a14:hiddenLine xmlns:a14="http://schemas.microsoft.com/office/drawing/2010/main" xmlns="" w="9525" cap="flat">
                 <a:solidFill>
                   <a:srgbClr val="000000"/>
                 </a:solidFill>
@@ -26999,7 +26952,7 @@
               </a14:hiddenLine>
             </a:ext>
             <a:ext uri="{AF507438-7753-43e0-B8FC-AC1667EBCBE1}">
-              <a14:hiddenEffects xmlns="" xmlns:a14="http://schemas.microsoft.com/office/drawing/2010/main">
+              <a14:hiddenEffects xmlns:a14="http://schemas.microsoft.com/office/drawing/2010/main" xmlns="">
                 <a:effectLst>
                   <a:outerShdw blurRad="63500" dist="38099" dir="2700000" algn="ctr" rotWithShape="0">
                     <a:srgbClr val="000000">
@@ -27056,7 +27009,7 @@
           <a:effectLst/>
           <a:extLst>
             <a:ext uri="{AF507438-7753-43e0-B8FC-AC1667EBCBE1}">
-              <a14:hiddenEffects xmlns="" xmlns:a14="http://schemas.microsoft.com/office/drawing/2010/main">
+              <a14:hiddenEffects xmlns:a14="http://schemas.microsoft.com/office/drawing/2010/main" xmlns="">
                 <a:effectLst>
                   <a:outerShdw blurRad="63500" dist="38099" dir="2700000" algn="ctr" rotWithShape="0">
                     <a:srgbClr val="000000">
@@ -27099,14 +27052,14 @@
           <a:effectLst/>
           <a:extLst>
             <a:ext uri="{909E8E84-426E-40dd-AFC4-6F175D3DCCD1}">
-              <a14:hiddenFill xmlns="" xmlns:a14="http://schemas.microsoft.com/office/drawing/2010/main">
+              <a14:hiddenFill xmlns:a14="http://schemas.microsoft.com/office/drawing/2010/main" xmlns="">
                 <a:solidFill>
                   <a:srgbClr val="FFFFFF"/>
                 </a:solidFill>
               </a14:hiddenFill>
             </a:ext>
             <a:ext uri="{91240B29-F687-4f45-9708-019B960494DF}">
-              <a14:hiddenLine xmlns="" xmlns:a14="http://schemas.microsoft.com/office/drawing/2010/main" w="9525" cap="flat">
+              <a14:hiddenLine xmlns:a14="http://schemas.microsoft.com/office/drawing/2010/main" xmlns="" w="9525" cap="flat">
                 <a:solidFill>
                   <a:srgbClr val="000000"/>
                 </a:solidFill>
@@ -27116,7 +27069,7 @@
               </a14:hiddenLine>
             </a:ext>
             <a:ext uri="{AF507438-7753-43e0-B8FC-AC1667EBCBE1}">
-              <a14:hiddenEffects xmlns="" xmlns:a14="http://schemas.microsoft.com/office/drawing/2010/main">
+              <a14:hiddenEffects xmlns:a14="http://schemas.microsoft.com/office/drawing/2010/main" xmlns="">
                 <a:effectLst>
                   <a:outerShdw blurRad="63500" dist="38099" dir="2700000" algn="ctr" rotWithShape="0">
                     <a:srgbClr val="000000">
@@ -27166,14 +27119,14 @@
           <a:effectLst/>
           <a:extLst>
             <a:ext uri="{909E8E84-426E-40dd-AFC4-6F175D3DCCD1}">
-              <a14:hiddenFill xmlns="" xmlns:a14="http://schemas.microsoft.com/office/drawing/2010/main">
+              <a14:hiddenFill xmlns:a14="http://schemas.microsoft.com/office/drawing/2010/main" xmlns="">
                 <a:solidFill>
                   <a:srgbClr val="FFFFFF"/>
                 </a:solidFill>
               </a14:hiddenFill>
             </a:ext>
             <a:ext uri="{91240B29-F687-4f45-9708-019B960494DF}">
-              <a14:hiddenLine xmlns="" xmlns:a14="http://schemas.microsoft.com/office/drawing/2010/main" w="9525" cap="flat">
+              <a14:hiddenLine xmlns:a14="http://schemas.microsoft.com/office/drawing/2010/main" xmlns="" w="9525" cap="flat">
                 <a:solidFill>
                   <a:srgbClr val="000000"/>
                 </a:solidFill>
@@ -27183,7 +27136,7 @@
               </a14:hiddenLine>
             </a:ext>
             <a:ext uri="{AF507438-7753-43e0-B8FC-AC1667EBCBE1}">
-              <a14:hiddenEffects xmlns="" xmlns:a14="http://schemas.microsoft.com/office/drawing/2010/main">
+              <a14:hiddenEffects xmlns:a14="http://schemas.microsoft.com/office/drawing/2010/main" xmlns="">
                 <a:effectLst>
                   <a:outerShdw blurRad="63500" dist="38099" dir="2700000" algn="ctr" rotWithShape="0">
                     <a:srgbClr val="000000">
@@ -27233,14 +27186,14 @@
           <a:effectLst/>
           <a:extLst>
             <a:ext uri="{909E8E84-426E-40dd-AFC4-6F175D3DCCD1}">
-              <a14:hiddenFill xmlns="" xmlns:a14="http://schemas.microsoft.com/office/drawing/2010/main">
+              <a14:hiddenFill xmlns:a14="http://schemas.microsoft.com/office/drawing/2010/main" xmlns="">
                 <a:solidFill>
                   <a:srgbClr val="FFFFFF"/>
                 </a:solidFill>
               </a14:hiddenFill>
             </a:ext>
             <a:ext uri="{91240B29-F687-4f45-9708-019B960494DF}">
-              <a14:hiddenLine xmlns="" xmlns:a14="http://schemas.microsoft.com/office/drawing/2010/main" w="9525" cap="flat">
+              <a14:hiddenLine xmlns:a14="http://schemas.microsoft.com/office/drawing/2010/main" xmlns="" w="9525" cap="flat">
                 <a:solidFill>
                   <a:srgbClr val="000000"/>
                 </a:solidFill>
@@ -27250,7 +27203,7 @@
               </a14:hiddenLine>
             </a:ext>
             <a:ext uri="{AF507438-7753-43e0-B8FC-AC1667EBCBE1}">
-              <a14:hiddenEffects xmlns="" xmlns:a14="http://schemas.microsoft.com/office/drawing/2010/main">
+              <a14:hiddenEffects xmlns:a14="http://schemas.microsoft.com/office/drawing/2010/main" xmlns="">
                 <a:effectLst>
                   <a:outerShdw blurRad="63500" dist="38099" dir="2700000" algn="ctr" rotWithShape="0">
                     <a:srgbClr val="000000">
@@ -27300,14 +27253,14 @@
           <a:effectLst/>
           <a:extLst>
             <a:ext uri="{909E8E84-426E-40dd-AFC4-6F175D3DCCD1}">
-              <a14:hiddenFill xmlns="" xmlns:a14="http://schemas.microsoft.com/office/drawing/2010/main">
+              <a14:hiddenFill xmlns:a14="http://schemas.microsoft.com/office/drawing/2010/main" xmlns="">
                 <a:solidFill>
                   <a:srgbClr val="FFFFFF"/>
                 </a:solidFill>
               </a14:hiddenFill>
             </a:ext>
             <a:ext uri="{91240B29-F687-4f45-9708-019B960494DF}">
-              <a14:hiddenLine xmlns="" xmlns:a14="http://schemas.microsoft.com/office/drawing/2010/main" w="9525" cap="flat">
+              <a14:hiddenLine xmlns:a14="http://schemas.microsoft.com/office/drawing/2010/main" xmlns="" w="9525" cap="flat">
                 <a:solidFill>
                   <a:srgbClr val="000000"/>
                 </a:solidFill>
@@ -27317,7 +27270,7 @@
               </a14:hiddenLine>
             </a:ext>
             <a:ext uri="{AF507438-7753-43e0-B8FC-AC1667EBCBE1}">
-              <a14:hiddenEffects xmlns="" xmlns:a14="http://schemas.microsoft.com/office/drawing/2010/main">
+              <a14:hiddenEffects xmlns:a14="http://schemas.microsoft.com/office/drawing/2010/main" xmlns="">
                 <a:effectLst>
                   <a:outerShdw blurRad="63500" dist="38099" dir="2700000" algn="ctr" rotWithShape="0">
                     <a:srgbClr val="000000">
@@ -27367,14 +27320,14 @@
           <a:effectLst/>
           <a:extLst>
             <a:ext uri="{909E8E84-426E-40dd-AFC4-6F175D3DCCD1}">
-              <a14:hiddenFill xmlns="" xmlns:a14="http://schemas.microsoft.com/office/drawing/2010/main">
+              <a14:hiddenFill xmlns:a14="http://schemas.microsoft.com/office/drawing/2010/main" xmlns="">
                 <a:solidFill>
                   <a:srgbClr val="FFFFFF"/>
                 </a:solidFill>
               </a14:hiddenFill>
             </a:ext>
             <a:ext uri="{91240B29-F687-4f45-9708-019B960494DF}">
-              <a14:hiddenLine xmlns="" xmlns:a14="http://schemas.microsoft.com/office/drawing/2010/main" w="9525" cap="flat">
+              <a14:hiddenLine xmlns:a14="http://schemas.microsoft.com/office/drawing/2010/main" xmlns="" w="9525" cap="flat">
                 <a:solidFill>
                   <a:srgbClr val="000000"/>
                 </a:solidFill>
@@ -27384,7 +27337,7 @@
               </a14:hiddenLine>
             </a:ext>
             <a:ext uri="{AF507438-7753-43e0-B8FC-AC1667EBCBE1}">
-              <a14:hiddenEffects xmlns="" xmlns:a14="http://schemas.microsoft.com/office/drawing/2010/main">
+              <a14:hiddenEffects xmlns:a14="http://schemas.microsoft.com/office/drawing/2010/main" xmlns="">
                 <a:effectLst>
                   <a:outerShdw blurRad="63500" dist="38099" dir="2700000" algn="ctr" rotWithShape="0">
                     <a:srgbClr val="000000">
@@ -27434,14 +27387,14 @@
           <a:effectLst/>
           <a:extLst>
             <a:ext uri="{909E8E84-426E-40dd-AFC4-6F175D3DCCD1}">
-              <a14:hiddenFill xmlns="" xmlns:a14="http://schemas.microsoft.com/office/drawing/2010/main">
+              <a14:hiddenFill xmlns:a14="http://schemas.microsoft.com/office/drawing/2010/main" xmlns="">
                 <a:solidFill>
                   <a:srgbClr val="FFFFFF"/>
                 </a:solidFill>
               </a14:hiddenFill>
             </a:ext>
             <a:ext uri="{91240B29-F687-4f45-9708-019B960494DF}">
-              <a14:hiddenLine xmlns="" xmlns:a14="http://schemas.microsoft.com/office/drawing/2010/main" w="9525" cap="flat">
+              <a14:hiddenLine xmlns:a14="http://schemas.microsoft.com/office/drawing/2010/main" xmlns="" w="9525" cap="flat">
                 <a:solidFill>
                   <a:srgbClr val="000000"/>
                 </a:solidFill>
@@ -27451,7 +27404,7 @@
               </a14:hiddenLine>
             </a:ext>
             <a:ext uri="{AF507438-7753-43e0-B8FC-AC1667EBCBE1}">
-              <a14:hiddenEffects xmlns="" xmlns:a14="http://schemas.microsoft.com/office/drawing/2010/main">
+              <a14:hiddenEffects xmlns:a14="http://schemas.microsoft.com/office/drawing/2010/main" xmlns="">
                 <a:effectLst>
                   <a:outerShdw blurRad="63500" dist="38099" dir="2700000" algn="ctr" rotWithShape="0">
                     <a:srgbClr val="000000">
@@ -27501,14 +27454,14 @@
           <a:effectLst/>
           <a:extLst>
             <a:ext uri="{909E8E84-426E-40dd-AFC4-6F175D3DCCD1}">
-              <a14:hiddenFill xmlns="" xmlns:a14="http://schemas.microsoft.com/office/drawing/2010/main">
+              <a14:hiddenFill xmlns:a14="http://schemas.microsoft.com/office/drawing/2010/main" xmlns="">
                 <a:solidFill>
                   <a:srgbClr val="FFFFFF"/>
                 </a:solidFill>
               </a14:hiddenFill>
             </a:ext>
             <a:ext uri="{91240B29-F687-4f45-9708-019B960494DF}">
-              <a14:hiddenLine xmlns="" xmlns:a14="http://schemas.microsoft.com/office/drawing/2010/main" w="9525" cap="flat">
+              <a14:hiddenLine xmlns:a14="http://schemas.microsoft.com/office/drawing/2010/main" xmlns="" w="9525" cap="flat">
                 <a:solidFill>
                   <a:srgbClr val="000000"/>
                 </a:solidFill>
@@ -27518,7 +27471,7 @@
               </a14:hiddenLine>
             </a:ext>
             <a:ext uri="{AF507438-7753-43e0-B8FC-AC1667EBCBE1}">
-              <a14:hiddenEffects xmlns="" xmlns:a14="http://schemas.microsoft.com/office/drawing/2010/main">
+              <a14:hiddenEffects xmlns:a14="http://schemas.microsoft.com/office/drawing/2010/main" xmlns="">
                 <a:effectLst>
                   <a:outerShdw blurRad="63500" dist="38099" dir="2700000" algn="ctr" rotWithShape="0">
                     <a:srgbClr val="000000">
@@ -27575,7 +27528,7 @@
           <a:effectLst/>
           <a:extLst>
             <a:ext uri="{AF507438-7753-43e0-B8FC-AC1667EBCBE1}">
-              <a14:hiddenEffects xmlns="" xmlns:a14="http://schemas.microsoft.com/office/drawing/2010/main">
+              <a14:hiddenEffects xmlns:a14="http://schemas.microsoft.com/office/drawing/2010/main" xmlns="">
                 <a:effectLst>
                   <a:outerShdw blurRad="63500" dist="38099" dir="2700000" algn="ctr" rotWithShape="0">
                     <a:srgbClr val="000000">
@@ -27618,14 +27571,14 @@
           <a:effectLst/>
           <a:extLst>
             <a:ext uri="{909E8E84-426E-40dd-AFC4-6F175D3DCCD1}">
-              <a14:hiddenFill xmlns="" xmlns:a14="http://schemas.microsoft.com/office/drawing/2010/main">
+              <a14:hiddenFill xmlns:a14="http://schemas.microsoft.com/office/drawing/2010/main" xmlns="">
                 <a:solidFill>
                   <a:srgbClr val="FFFFFF"/>
                 </a:solidFill>
               </a14:hiddenFill>
             </a:ext>
             <a:ext uri="{91240B29-F687-4f45-9708-019B960494DF}">
-              <a14:hiddenLine xmlns="" xmlns:a14="http://schemas.microsoft.com/office/drawing/2010/main" w="9525" cap="flat">
+              <a14:hiddenLine xmlns:a14="http://schemas.microsoft.com/office/drawing/2010/main" xmlns="" w="9525" cap="flat">
                 <a:solidFill>
                   <a:srgbClr val="000000"/>
                 </a:solidFill>
@@ -27635,7 +27588,7 @@
               </a14:hiddenLine>
             </a:ext>
             <a:ext uri="{AF507438-7753-43e0-B8FC-AC1667EBCBE1}">
-              <a14:hiddenEffects xmlns="" xmlns:a14="http://schemas.microsoft.com/office/drawing/2010/main">
+              <a14:hiddenEffects xmlns:a14="http://schemas.microsoft.com/office/drawing/2010/main" xmlns="">
                 <a:effectLst>
                   <a:outerShdw blurRad="63500" dist="38099" dir="2700000" algn="ctr" rotWithShape="0">
                     <a:srgbClr val="000000">
@@ -27692,7 +27645,7 @@
           <a:effectLst/>
           <a:extLst>
             <a:ext uri="{AF507438-7753-43e0-B8FC-AC1667EBCBE1}">
-              <a14:hiddenEffects xmlns="" xmlns:a14="http://schemas.microsoft.com/office/drawing/2010/main">
+              <a14:hiddenEffects xmlns:a14="http://schemas.microsoft.com/office/drawing/2010/main" xmlns="">
                 <a:effectLst>
                   <a:outerShdw blurRad="63500" dist="38099" dir="2700000" algn="ctr" rotWithShape="0">
                     <a:srgbClr val="000000">
@@ -27742,7 +27695,7 @@
           <a:effectLst/>
           <a:extLst>
             <a:ext uri="{AF507438-7753-43e0-B8FC-AC1667EBCBE1}">
-              <a14:hiddenEffects xmlns="" xmlns:a14="http://schemas.microsoft.com/office/drawing/2010/main">
+              <a14:hiddenEffects xmlns:a14="http://schemas.microsoft.com/office/drawing/2010/main" xmlns="">
                 <a:effectLst>
                   <a:outerShdw blurRad="63500" dist="38099" dir="2700000" algn="ctr" rotWithShape="0">
                     <a:srgbClr val="000000">
@@ -27785,14 +27738,14 @@
           <a:effectLst/>
           <a:extLst>
             <a:ext uri="{909E8E84-426E-40dd-AFC4-6F175D3DCCD1}">
-              <a14:hiddenFill xmlns="" xmlns:a14="http://schemas.microsoft.com/office/drawing/2010/main">
+              <a14:hiddenFill xmlns:a14="http://schemas.microsoft.com/office/drawing/2010/main" xmlns="">
                 <a:solidFill>
                   <a:srgbClr val="FFFFFF"/>
                 </a:solidFill>
               </a14:hiddenFill>
             </a:ext>
             <a:ext uri="{91240B29-F687-4f45-9708-019B960494DF}">
-              <a14:hiddenLine xmlns="" xmlns:a14="http://schemas.microsoft.com/office/drawing/2010/main" w="9525" cap="flat">
+              <a14:hiddenLine xmlns:a14="http://schemas.microsoft.com/office/drawing/2010/main" xmlns="" w="9525" cap="flat">
                 <a:solidFill>
                   <a:srgbClr val="000000"/>
                 </a:solidFill>
@@ -27802,7 +27755,7 @@
               </a14:hiddenLine>
             </a:ext>
             <a:ext uri="{AF507438-7753-43e0-B8FC-AC1667EBCBE1}">
-              <a14:hiddenEffects xmlns="" xmlns:a14="http://schemas.microsoft.com/office/drawing/2010/main">
+              <a14:hiddenEffects xmlns:a14="http://schemas.microsoft.com/office/drawing/2010/main" xmlns="">
                 <a:effectLst>
                   <a:outerShdw blurRad="63500" dist="38099" dir="2700000" algn="ctr" rotWithShape="0">
                     <a:srgbClr val="000000">
@@ -27859,7 +27812,7 @@
           <a:effectLst/>
           <a:extLst>
             <a:ext uri="{AF507438-7753-43e0-B8FC-AC1667EBCBE1}">
-              <a14:hiddenEffects xmlns="" xmlns:a14="http://schemas.microsoft.com/office/drawing/2010/main">
+              <a14:hiddenEffects xmlns:a14="http://schemas.microsoft.com/office/drawing/2010/main" xmlns="">
                 <a:effectLst>
                   <a:outerShdw blurRad="63500" dist="38099" dir="2700000" algn="ctr" rotWithShape="0">
                     <a:srgbClr val="000000">
@@ -27909,7 +27862,7 @@
           <a:effectLst/>
           <a:extLst>
             <a:ext uri="{AF507438-7753-43e0-B8FC-AC1667EBCBE1}">
-              <a14:hiddenEffects xmlns="" xmlns:a14="http://schemas.microsoft.com/office/drawing/2010/main">
+              <a14:hiddenEffects xmlns:a14="http://schemas.microsoft.com/office/drawing/2010/main" xmlns="">
                 <a:effectLst>
                   <a:outerShdw blurRad="63500" dist="38099" dir="2700000" algn="ctr" rotWithShape="0">
                     <a:srgbClr val="000000">
@@ -27952,14 +27905,14 @@
           <a:effectLst/>
           <a:extLst>
             <a:ext uri="{909E8E84-426E-40dd-AFC4-6F175D3DCCD1}">
-              <a14:hiddenFill xmlns="" xmlns:a14="http://schemas.microsoft.com/office/drawing/2010/main">
+              <a14:hiddenFill xmlns:a14="http://schemas.microsoft.com/office/drawing/2010/main" xmlns="">
                 <a:solidFill>
                   <a:srgbClr val="FFFFFF"/>
                 </a:solidFill>
               </a14:hiddenFill>
             </a:ext>
             <a:ext uri="{91240B29-F687-4f45-9708-019B960494DF}">
-              <a14:hiddenLine xmlns="" xmlns:a14="http://schemas.microsoft.com/office/drawing/2010/main" w="9525" cap="flat">
+              <a14:hiddenLine xmlns:a14="http://schemas.microsoft.com/office/drawing/2010/main" xmlns="" w="9525" cap="flat">
                 <a:solidFill>
                   <a:srgbClr val="000000"/>
                 </a:solidFill>
@@ -27969,7 +27922,7 @@
               </a14:hiddenLine>
             </a:ext>
             <a:ext uri="{AF507438-7753-43e0-B8FC-AC1667EBCBE1}">
-              <a14:hiddenEffects xmlns="" xmlns:a14="http://schemas.microsoft.com/office/drawing/2010/main">
+              <a14:hiddenEffects xmlns:a14="http://schemas.microsoft.com/office/drawing/2010/main" xmlns="">
                 <a:effectLst>
                   <a:outerShdw blurRad="63500" dist="38099" dir="2700000" algn="ctr" rotWithShape="0">
                     <a:srgbClr val="000000">
@@ -28026,7 +27979,7 @@
           <a:effectLst/>
           <a:extLst>
             <a:ext uri="{AF507438-7753-43e0-B8FC-AC1667EBCBE1}">
-              <a14:hiddenEffects xmlns="" xmlns:a14="http://schemas.microsoft.com/office/drawing/2010/main">
+              <a14:hiddenEffects xmlns:a14="http://schemas.microsoft.com/office/drawing/2010/main" xmlns="">
                 <a:effectLst>
                   <a:outerShdw blurRad="63500" dist="38099" dir="2700000" algn="ctr" rotWithShape="0">
                     <a:srgbClr val="000000">
@@ -28069,14 +28022,14 @@
           <a:effectLst/>
           <a:extLst>
             <a:ext uri="{909E8E84-426E-40dd-AFC4-6F175D3DCCD1}">
-              <a14:hiddenFill xmlns="" xmlns:a14="http://schemas.microsoft.com/office/drawing/2010/main">
+              <a14:hiddenFill xmlns:a14="http://schemas.microsoft.com/office/drawing/2010/main" xmlns="">
                 <a:solidFill>
                   <a:srgbClr val="FFFFFF"/>
                 </a:solidFill>
               </a14:hiddenFill>
             </a:ext>
             <a:ext uri="{91240B29-F687-4f45-9708-019B960494DF}">
-              <a14:hiddenLine xmlns="" xmlns:a14="http://schemas.microsoft.com/office/drawing/2010/main" w="9525" cap="flat">
+              <a14:hiddenLine xmlns:a14="http://schemas.microsoft.com/office/drawing/2010/main" xmlns="" w="9525" cap="flat">
                 <a:solidFill>
                   <a:srgbClr val="000000"/>
                 </a:solidFill>
@@ -28086,7 +28039,7 @@
               </a14:hiddenLine>
             </a:ext>
             <a:ext uri="{AF507438-7753-43e0-B8FC-AC1667EBCBE1}">
-              <a14:hiddenEffects xmlns="" xmlns:a14="http://schemas.microsoft.com/office/drawing/2010/main">
+              <a14:hiddenEffects xmlns:a14="http://schemas.microsoft.com/office/drawing/2010/main" xmlns="">
                 <a:effectLst>
                   <a:outerShdw blurRad="63500" dist="38099" dir="2700000" algn="ctr" rotWithShape="0">
                     <a:srgbClr val="000000">
@@ -28306,14 +28259,14 @@
           <a:effectLst/>
           <a:extLst>
             <a:ext uri="{909E8E84-426E-40dd-AFC4-6F175D3DCCD1}">
-              <a14:hiddenFill xmlns="" xmlns:a14="http://schemas.microsoft.com/office/drawing/2010/main">
+              <a14:hiddenFill xmlns:a14="http://schemas.microsoft.com/office/drawing/2010/main" xmlns="">
                 <a:solidFill>
                   <a:srgbClr val="FFFFFF"/>
                 </a:solidFill>
               </a14:hiddenFill>
             </a:ext>
             <a:ext uri="{91240B29-F687-4f45-9708-019B960494DF}">
-              <a14:hiddenLine xmlns="" xmlns:a14="http://schemas.microsoft.com/office/drawing/2010/main" w="9525" cap="flat">
+              <a14:hiddenLine xmlns:a14="http://schemas.microsoft.com/office/drawing/2010/main" xmlns="" w="9525" cap="flat">
                 <a:solidFill>
                   <a:srgbClr val="000000"/>
                 </a:solidFill>
@@ -28323,7 +28276,7 @@
               </a14:hiddenLine>
             </a:ext>
             <a:ext uri="{AF507438-7753-43e0-B8FC-AC1667EBCBE1}">
-              <a14:hiddenEffects xmlns="" xmlns:a14="http://schemas.microsoft.com/office/drawing/2010/main">
+              <a14:hiddenEffects xmlns:a14="http://schemas.microsoft.com/office/drawing/2010/main" xmlns="">
                 <a:effectLst>
                   <a:outerShdw blurRad="63500" dist="38099" dir="2700000" algn="ctr" rotWithShape="0">
                     <a:srgbClr val="000000">
@@ -28561,14 +28514,14 @@
           <a:effectLst/>
           <a:extLst>
             <a:ext uri="{909E8E84-426E-40dd-AFC4-6F175D3DCCD1}">
-              <a14:hiddenFill xmlns="" xmlns:a14="http://schemas.microsoft.com/office/drawing/2010/main">
+              <a14:hiddenFill xmlns:a14="http://schemas.microsoft.com/office/drawing/2010/main" xmlns="">
                 <a:solidFill>
                   <a:srgbClr val="FFFFFF"/>
                 </a:solidFill>
               </a14:hiddenFill>
             </a:ext>
             <a:ext uri="{91240B29-F687-4f45-9708-019B960494DF}">
-              <a14:hiddenLine xmlns="" xmlns:a14="http://schemas.microsoft.com/office/drawing/2010/main" w="9525" cap="flat">
+              <a14:hiddenLine xmlns:a14="http://schemas.microsoft.com/office/drawing/2010/main" xmlns="" w="9525" cap="flat">
                 <a:solidFill>
                   <a:srgbClr val="808080"/>
                 </a:solidFill>
@@ -28578,7 +28531,7 @@
               </a14:hiddenLine>
             </a:ext>
             <a:ext uri="{AF507438-7753-43e0-B8FC-AC1667EBCBE1}">
-              <a14:hiddenEffects xmlns="" xmlns:a14="http://schemas.microsoft.com/office/drawing/2010/main">
+              <a14:hiddenEffects xmlns:a14="http://schemas.microsoft.com/office/drawing/2010/main" xmlns="">
                 <a:effectLst>
                   <a:outerShdw blurRad="63500" dist="38099" dir="2700000" algn="ctr" rotWithShape="0">
                     <a:srgbClr val="000000">
@@ -28779,11 +28732,7 @@
           <a:p>
             <a:r>
               <a:rPr lang="fr-FR" dirty="0" err="1"/>
-              <a:t>M</a:t>
-            </a:r>
-            <a:r>
-              <a:rPr lang="fr-FR" dirty="0" err="1" smtClean="0"/>
-              <a:t>orrocoy</a:t>
+              <a:t>Morrocoy</a:t>
             </a:r>
             <a:endParaRPr lang="fr-FR" dirty="0"/>
           </a:p>
@@ -28819,7 +28768,7 @@
           <a:effectLst/>
           <a:extLst>
             <a:ext uri="{AF507438-7753-43e0-B8FC-AC1667EBCBE1}">
-              <a14:hiddenEffects xmlns="" xmlns:a14="http://schemas.microsoft.com/office/drawing/2010/main">
+              <a14:hiddenEffects xmlns:a14="http://schemas.microsoft.com/office/drawing/2010/main" xmlns="">
                 <a:effectLst>
                   <a:outerShdw blurRad="63500" dist="38099" dir="2700000" algn="ctr" rotWithShape="0">
                     <a:srgbClr val="000000">
@@ -28869,7 +28818,7 @@
           <a:effectLst/>
           <a:extLst>
             <a:ext uri="{AF507438-7753-43e0-B8FC-AC1667EBCBE1}">
-              <a14:hiddenEffects xmlns="" xmlns:a14="http://schemas.microsoft.com/office/drawing/2010/main">
+              <a14:hiddenEffects xmlns:a14="http://schemas.microsoft.com/office/drawing/2010/main" xmlns="">
                 <a:effectLst>
                   <a:outerShdw blurRad="63500" dist="38099" dir="2700000" algn="ctr" rotWithShape="0">
                     <a:srgbClr val="000000">
@@ -28919,7 +28868,7 @@
           <a:effectLst/>
           <a:extLst>
             <a:ext uri="{AF507438-7753-43e0-B8FC-AC1667EBCBE1}">
-              <a14:hiddenEffects xmlns="" xmlns:a14="http://schemas.microsoft.com/office/drawing/2010/main">
+              <a14:hiddenEffects xmlns:a14="http://schemas.microsoft.com/office/drawing/2010/main" xmlns="">
                 <a:effectLst>
                   <a:outerShdw blurRad="63500" dist="38099" dir="2700000" algn="ctr" rotWithShape="0">
                     <a:srgbClr val="000000">
@@ -28969,7 +28918,7 @@
           <a:effectLst/>
           <a:extLst>
             <a:ext uri="{AF507438-7753-43e0-B8FC-AC1667EBCBE1}">
-              <a14:hiddenEffects xmlns="" xmlns:a14="http://schemas.microsoft.com/office/drawing/2010/main">
+              <a14:hiddenEffects xmlns:a14="http://schemas.microsoft.com/office/drawing/2010/main" xmlns="">
                 <a:effectLst>
                   <a:outerShdw blurRad="63500" dist="38099" dir="2700000" algn="ctr" rotWithShape="0">
                     <a:srgbClr val="000000">
@@ -29012,14 +28961,14 @@
           <a:effectLst/>
           <a:extLst>
             <a:ext uri="{909E8E84-426E-40dd-AFC4-6F175D3DCCD1}">
-              <a14:hiddenFill xmlns="" xmlns:a14="http://schemas.microsoft.com/office/drawing/2010/main">
+              <a14:hiddenFill xmlns:a14="http://schemas.microsoft.com/office/drawing/2010/main" xmlns="">
                 <a:solidFill>
                   <a:srgbClr val="FFFFFF"/>
                 </a:solidFill>
               </a14:hiddenFill>
             </a:ext>
             <a:ext uri="{91240B29-F687-4f45-9708-019B960494DF}">
-              <a14:hiddenLine xmlns="" xmlns:a14="http://schemas.microsoft.com/office/drawing/2010/main" w="9525" cap="flat">
+              <a14:hiddenLine xmlns:a14="http://schemas.microsoft.com/office/drawing/2010/main" xmlns="" w="9525" cap="flat">
                 <a:solidFill>
                   <a:srgbClr val="000000"/>
                 </a:solidFill>
@@ -29029,7 +28978,7 @@
               </a14:hiddenLine>
             </a:ext>
             <a:ext uri="{AF507438-7753-43e0-B8FC-AC1667EBCBE1}">
-              <a14:hiddenEffects xmlns="" xmlns:a14="http://schemas.microsoft.com/office/drawing/2010/main">
+              <a14:hiddenEffects xmlns:a14="http://schemas.microsoft.com/office/drawing/2010/main" xmlns="">
                 <a:effectLst>
                   <a:outerShdw blurRad="63500" dist="38099" dir="2700000" algn="ctr" rotWithShape="0">
                     <a:srgbClr val="000000">
@@ -29079,14 +29028,14 @@
           <a:effectLst/>
           <a:extLst>
             <a:ext uri="{909E8E84-426E-40dd-AFC4-6F175D3DCCD1}">
-              <a14:hiddenFill xmlns="" xmlns:a14="http://schemas.microsoft.com/office/drawing/2010/main">
+              <a14:hiddenFill xmlns:a14="http://schemas.microsoft.com/office/drawing/2010/main" xmlns="">
                 <a:solidFill>
                   <a:srgbClr val="FFFFFF"/>
                 </a:solidFill>
               </a14:hiddenFill>
             </a:ext>
             <a:ext uri="{91240B29-F687-4f45-9708-019B960494DF}">
-              <a14:hiddenLine xmlns="" xmlns:a14="http://schemas.microsoft.com/office/drawing/2010/main" w="9525" cap="flat">
+              <a14:hiddenLine xmlns:a14="http://schemas.microsoft.com/office/drawing/2010/main" xmlns="" w="9525" cap="flat">
                 <a:solidFill>
                   <a:srgbClr val="000000"/>
                 </a:solidFill>
@@ -29096,7 +29045,7 @@
               </a14:hiddenLine>
             </a:ext>
             <a:ext uri="{AF507438-7753-43e0-B8FC-AC1667EBCBE1}">
-              <a14:hiddenEffects xmlns="" xmlns:a14="http://schemas.microsoft.com/office/drawing/2010/main">
+              <a14:hiddenEffects xmlns:a14="http://schemas.microsoft.com/office/drawing/2010/main" xmlns="">
                 <a:effectLst>
                   <a:outerShdw blurRad="63500" dist="38099" dir="2700000" algn="ctr" rotWithShape="0">
                     <a:srgbClr val="000000">
@@ -29146,14 +29095,14 @@
           <a:effectLst/>
           <a:extLst>
             <a:ext uri="{909E8E84-426E-40dd-AFC4-6F175D3DCCD1}">
-              <a14:hiddenFill xmlns="" xmlns:a14="http://schemas.microsoft.com/office/drawing/2010/main">
+              <a14:hiddenFill xmlns:a14="http://schemas.microsoft.com/office/drawing/2010/main" xmlns="">
                 <a:solidFill>
                   <a:srgbClr val="FFFFFF"/>
                 </a:solidFill>
               </a14:hiddenFill>
             </a:ext>
             <a:ext uri="{91240B29-F687-4f45-9708-019B960494DF}">
-              <a14:hiddenLine xmlns="" xmlns:a14="http://schemas.microsoft.com/office/drawing/2010/main" w="9525" cap="flat">
+              <a14:hiddenLine xmlns:a14="http://schemas.microsoft.com/office/drawing/2010/main" xmlns="" w="9525" cap="flat">
                 <a:solidFill>
                   <a:srgbClr val="000000"/>
                 </a:solidFill>
@@ -29163,7 +29112,7 @@
               </a14:hiddenLine>
             </a:ext>
             <a:ext uri="{AF507438-7753-43e0-B8FC-AC1667EBCBE1}">
-              <a14:hiddenEffects xmlns="" xmlns:a14="http://schemas.microsoft.com/office/drawing/2010/main">
+              <a14:hiddenEffects xmlns:a14="http://schemas.microsoft.com/office/drawing/2010/main" xmlns="">
                 <a:effectLst>
                   <a:outerShdw blurRad="63500" dist="38099" dir="2700000" algn="ctr" rotWithShape="0">
                     <a:srgbClr val="000000">
@@ -29213,14 +29162,14 @@
           <a:effectLst/>
           <a:extLst>
             <a:ext uri="{909E8E84-426E-40dd-AFC4-6F175D3DCCD1}">
-              <a14:hiddenFill xmlns="" xmlns:a14="http://schemas.microsoft.com/office/drawing/2010/main">
+              <a14:hiddenFill xmlns:a14="http://schemas.microsoft.com/office/drawing/2010/main" xmlns="">
                 <a:solidFill>
                   <a:srgbClr val="FFFFFF"/>
                 </a:solidFill>
               </a14:hiddenFill>
             </a:ext>
             <a:ext uri="{91240B29-F687-4f45-9708-019B960494DF}">
-              <a14:hiddenLine xmlns="" xmlns:a14="http://schemas.microsoft.com/office/drawing/2010/main" w="9525" cap="flat">
+              <a14:hiddenLine xmlns:a14="http://schemas.microsoft.com/office/drawing/2010/main" xmlns="" w="9525" cap="flat">
                 <a:solidFill>
                   <a:srgbClr val="000000"/>
                 </a:solidFill>
@@ -29230,7 +29179,7 @@
               </a14:hiddenLine>
             </a:ext>
             <a:ext uri="{AF507438-7753-43e0-B8FC-AC1667EBCBE1}">
-              <a14:hiddenEffects xmlns="" xmlns:a14="http://schemas.microsoft.com/office/drawing/2010/main">
+              <a14:hiddenEffects xmlns:a14="http://schemas.microsoft.com/office/drawing/2010/main" xmlns="">
                 <a:effectLst>
                   <a:outerShdw blurRad="63500" dist="38099" dir="2700000" algn="ctr" rotWithShape="0">
                     <a:srgbClr val="000000">
@@ -29280,14 +29229,14 @@
           <a:effectLst/>
           <a:extLst>
             <a:ext uri="{909E8E84-426E-40dd-AFC4-6F175D3DCCD1}">
-              <a14:hiddenFill xmlns="" xmlns:a14="http://schemas.microsoft.com/office/drawing/2010/main">
+              <a14:hiddenFill xmlns:a14="http://schemas.microsoft.com/office/drawing/2010/main" xmlns="">
                 <a:solidFill>
                   <a:srgbClr val="FFFFFF"/>
                 </a:solidFill>
               </a14:hiddenFill>
             </a:ext>
             <a:ext uri="{91240B29-F687-4f45-9708-019B960494DF}">
-              <a14:hiddenLine xmlns="" xmlns:a14="http://schemas.microsoft.com/office/drawing/2010/main" w="9525" cap="flat">
+              <a14:hiddenLine xmlns:a14="http://schemas.microsoft.com/office/drawing/2010/main" xmlns="" w="9525" cap="flat">
                 <a:solidFill>
                   <a:srgbClr val="000000"/>
                 </a:solidFill>
@@ -29297,7 +29246,7 @@
               </a14:hiddenLine>
             </a:ext>
             <a:ext uri="{AF507438-7753-43e0-B8FC-AC1667EBCBE1}">
-              <a14:hiddenEffects xmlns="" xmlns:a14="http://schemas.microsoft.com/office/drawing/2010/main">
+              <a14:hiddenEffects xmlns:a14="http://schemas.microsoft.com/office/drawing/2010/main" xmlns="">
                 <a:effectLst>
                   <a:outerShdw blurRad="63500" dist="38099" dir="2700000" algn="ctr" rotWithShape="0">
                     <a:srgbClr val="000000">
@@ -29347,14 +29296,14 @@
           <a:effectLst/>
           <a:extLst>
             <a:ext uri="{909E8E84-426E-40dd-AFC4-6F175D3DCCD1}">
-              <a14:hiddenFill xmlns="" xmlns:a14="http://schemas.microsoft.com/office/drawing/2010/main">
+              <a14:hiddenFill xmlns:a14="http://schemas.microsoft.com/office/drawing/2010/main" xmlns="">
                 <a:solidFill>
                   <a:srgbClr val="FFFFFF"/>
                 </a:solidFill>
               </a14:hiddenFill>
             </a:ext>
             <a:ext uri="{91240B29-F687-4f45-9708-019B960494DF}">
-              <a14:hiddenLine xmlns="" xmlns:a14="http://schemas.microsoft.com/office/drawing/2010/main" w="9525" cap="flat">
+              <a14:hiddenLine xmlns:a14="http://schemas.microsoft.com/office/drawing/2010/main" xmlns="" w="9525" cap="flat">
                 <a:solidFill>
                   <a:srgbClr val="000000"/>
                 </a:solidFill>
@@ -29364,7 +29313,7 @@
               </a14:hiddenLine>
             </a:ext>
             <a:ext uri="{AF507438-7753-43e0-B8FC-AC1667EBCBE1}">
-              <a14:hiddenEffects xmlns="" xmlns:a14="http://schemas.microsoft.com/office/drawing/2010/main">
+              <a14:hiddenEffects xmlns:a14="http://schemas.microsoft.com/office/drawing/2010/main" xmlns="">
                 <a:effectLst>
                   <a:outerShdw blurRad="63500" dist="38099" dir="2700000" algn="ctr" rotWithShape="0">
                     <a:srgbClr val="000000">
@@ -29584,14 +29533,14 @@
           <a:effectLst/>
           <a:extLst>
             <a:ext uri="{909E8E84-426E-40dd-AFC4-6F175D3DCCD1}">
-              <a14:hiddenFill xmlns="" xmlns:a14="http://schemas.microsoft.com/office/drawing/2010/main">
+              <a14:hiddenFill xmlns:a14="http://schemas.microsoft.com/office/drawing/2010/main" xmlns="">
                 <a:solidFill>
                   <a:srgbClr val="FFFFFF"/>
                 </a:solidFill>
               </a14:hiddenFill>
             </a:ext>
             <a:ext uri="{91240B29-F687-4f45-9708-019B960494DF}">
-              <a14:hiddenLine xmlns="" xmlns:a14="http://schemas.microsoft.com/office/drawing/2010/main" w="9525" cap="flat">
+              <a14:hiddenLine xmlns:a14="http://schemas.microsoft.com/office/drawing/2010/main" xmlns="" w="9525" cap="flat">
                 <a:solidFill>
                   <a:srgbClr val="000000"/>
                 </a:solidFill>
@@ -29601,7 +29550,7 @@
               </a14:hiddenLine>
             </a:ext>
             <a:ext uri="{AF507438-7753-43e0-B8FC-AC1667EBCBE1}">
-              <a14:hiddenEffects xmlns="" xmlns:a14="http://schemas.microsoft.com/office/drawing/2010/main">
+              <a14:hiddenEffects xmlns:a14="http://schemas.microsoft.com/office/drawing/2010/main" xmlns="">
                 <a:effectLst>
                   <a:outerShdw blurRad="63500" dist="38099" dir="2700000" algn="ctr" rotWithShape="0">
                     <a:srgbClr val="000000">
@@ -29651,14 +29600,14 @@
           <a:effectLst/>
           <a:extLst>
             <a:ext uri="{909E8E84-426E-40dd-AFC4-6F175D3DCCD1}">
-              <a14:hiddenFill xmlns="" xmlns:a14="http://schemas.microsoft.com/office/drawing/2010/main">
+              <a14:hiddenFill xmlns:a14="http://schemas.microsoft.com/office/drawing/2010/main" xmlns="">
                 <a:solidFill>
                   <a:srgbClr val="FFFFFF"/>
                 </a:solidFill>
               </a14:hiddenFill>
             </a:ext>
             <a:ext uri="{91240B29-F687-4f45-9708-019B960494DF}">
-              <a14:hiddenLine xmlns="" xmlns:a14="http://schemas.microsoft.com/office/drawing/2010/main" w="9525" cap="flat">
+              <a14:hiddenLine xmlns:a14="http://schemas.microsoft.com/office/drawing/2010/main" xmlns="" w="9525" cap="flat">
                 <a:solidFill>
                   <a:srgbClr val="000000"/>
                 </a:solidFill>
@@ -29668,7 +29617,7 @@
               </a14:hiddenLine>
             </a:ext>
             <a:ext uri="{AF507438-7753-43e0-B8FC-AC1667EBCBE1}">
-              <a14:hiddenEffects xmlns="" xmlns:a14="http://schemas.microsoft.com/office/drawing/2010/main">
+              <a14:hiddenEffects xmlns:a14="http://schemas.microsoft.com/office/drawing/2010/main" xmlns="">
                 <a:effectLst>
                   <a:outerShdw blurRad="63500" dist="38099" dir="2700000" algn="ctr" rotWithShape="0">
                     <a:srgbClr val="000000">
@@ -29718,14 +29667,14 @@
           <a:effectLst/>
           <a:extLst>
             <a:ext uri="{909E8E84-426E-40dd-AFC4-6F175D3DCCD1}">
-              <a14:hiddenFill xmlns="" xmlns:a14="http://schemas.microsoft.com/office/drawing/2010/main">
+              <a14:hiddenFill xmlns:a14="http://schemas.microsoft.com/office/drawing/2010/main" xmlns="">
                 <a:solidFill>
                   <a:srgbClr val="FFFFFF"/>
                 </a:solidFill>
               </a14:hiddenFill>
             </a:ext>
             <a:ext uri="{91240B29-F687-4f45-9708-019B960494DF}">
-              <a14:hiddenLine xmlns="" xmlns:a14="http://schemas.microsoft.com/office/drawing/2010/main" w="9525" cap="flat">
+              <a14:hiddenLine xmlns:a14="http://schemas.microsoft.com/office/drawing/2010/main" xmlns="" w="9525" cap="flat">
                 <a:solidFill>
                   <a:srgbClr val="000000"/>
                 </a:solidFill>
@@ -29735,7 +29684,7 @@
               </a14:hiddenLine>
             </a:ext>
             <a:ext uri="{AF507438-7753-43e0-B8FC-AC1667EBCBE1}">
-              <a14:hiddenEffects xmlns="" xmlns:a14="http://schemas.microsoft.com/office/drawing/2010/main">
+              <a14:hiddenEffects xmlns:a14="http://schemas.microsoft.com/office/drawing/2010/main" xmlns="">
                 <a:effectLst>
                   <a:outerShdw blurRad="63500" dist="38099" dir="2700000" algn="ctr" rotWithShape="0">
                     <a:srgbClr val="000000">
@@ -29785,14 +29734,14 @@
           <a:effectLst/>
           <a:extLst>
             <a:ext uri="{909E8E84-426E-40dd-AFC4-6F175D3DCCD1}">
-              <a14:hiddenFill xmlns="" xmlns:a14="http://schemas.microsoft.com/office/drawing/2010/main">
+              <a14:hiddenFill xmlns:a14="http://schemas.microsoft.com/office/drawing/2010/main" xmlns="">
                 <a:solidFill>
                   <a:srgbClr val="FFFFFF"/>
                 </a:solidFill>
               </a14:hiddenFill>
             </a:ext>
             <a:ext uri="{91240B29-F687-4f45-9708-019B960494DF}">
-              <a14:hiddenLine xmlns="" xmlns:a14="http://schemas.microsoft.com/office/drawing/2010/main" w="9525" cap="flat">
+              <a14:hiddenLine xmlns:a14="http://schemas.microsoft.com/office/drawing/2010/main" xmlns="" w="9525" cap="flat">
                 <a:solidFill>
                   <a:srgbClr val="000000"/>
                 </a:solidFill>
@@ -29802,7 +29751,7 @@
               </a14:hiddenLine>
             </a:ext>
             <a:ext uri="{AF507438-7753-43e0-B8FC-AC1667EBCBE1}">
-              <a14:hiddenEffects xmlns="" xmlns:a14="http://schemas.microsoft.com/office/drawing/2010/main">
+              <a14:hiddenEffects xmlns:a14="http://schemas.microsoft.com/office/drawing/2010/main" xmlns="">
                 <a:effectLst>
                   <a:outerShdw blurRad="63500" dist="38099" dir="2700000" algn="ctr" rotWithShape="0">
                     <a:srgbClr val="000000">
@@ -29852,14 +29801,14 @@
           <a:effectLst/>
           <a:extLst>
             <a:ext uri="{909E8E84-426E-40dd-AFC4-6F175D3DCCD1}">
-              <a14:hiddenFill xmlns="" xmlns:a14="http://schemas.microsoft.com/office/drawing/2010/main">
+              <a14:hiddenFill xmlns:a14="http://schemas.microsoft.com/office/drawing/2010/main" xmlns="">
                 <a:solidFill>
                   <a:srgbClr val="FFFFFF"/>
                 </a:solidFill>
               </a14:hiddenFill>
             </a:ext>
             <a:ext uri="{91240B29-F687-4f45-9708-019B960494DF}">
-              <a14:hiddenLine xmlns="" xmlns:a14="http://schemas.microsoft.com/office/drawing/2010/main" w="9525" cap="flat">
+              <a14:hiddenLine xmlns:a14="http://schemas.microsoft.com/office/drawing/2010/main" xmlns="" w="9525" cap="flat">
                 <a:solidFill>
                   <a:srgbClr val="000000"/>
                 </a:solidFill>
@@ -29869,7 +29818,7 @@
               </a14:hiddenLine>
             </a:ext>
             <a:ext uri="{AF507438-7753-43e0-B8FC-AC1667EBCBE1}">
-              <a14:hiddenEffects xmlns="" xmlns:a14="http://schemas.microsoft.com/office/drawing/2010/main">
+              <a14:hiddenEffects xmlns:a14="http://schemas.microsoft.com/office/drawing/2010/main" xmlns="">
                 <a:effectLst>
                   <a:outerShdw blurRad="63500" dist="38099" dir="2700000" algn="ctr" rotWithShape="0">
                     <a:srgbClr val="000000">
@@ -29919,14 +29868,14 @@
           <a:effectLst/>
           <a:extLst>
             <a:ext uri="{909E8E84-426E-40dd-AFC4-6F175D3DCCD1}">
-              <a14:hiddenFill xmlns="" xmlns:a14="http://schemas.microsoft.com/office/drawing/2010/main">
+              <a14:hiddenFill xmlns:a14="http://schemas.microsoft.com/office/drawing/2010/main" xmlns="">
                 <a:solidFill>
                   <a:srgbClr val="FFFFFF"/>
                 </a:solidFill>
               </a14:hiddenFill>
             </a:ext>
             <a:ext uri="{91240B29-F687-4f45-9708-019B960494DF}">
-              <a14:hiddenLine xmlns="" xmlns:a14="http://schemas.microsoft.com/office/drawing/2010/main" w="9525" cap="flat">
+              <a14:hiddenLine xmlns:a14="http://schemas.microsoft.com/office/drawing/2010/main" xmlns="" w="9525" cap="flat">
                 <a:solidFill>
                   <a:srgbClr val="FF6600"/>
                 </a:solidFill>
@@ -29936,7 +29885,7 @@
               </a14:hiddenLine>
             </a:ext>
             <a:ext uri="{AF507438-7753-43e0-B8FC-AC1667EBCBE1}">
-              <a14:hiddenEffects xmlns="" xmlns:a14="http://schemas.microsoft.com/office/drawing/2010/main">
+              <a14:hiddenEffects xmlns:a14="http://schemas.microsoft.com/office/drawing/2010/main" xmlns="">
                 <a:effectLst>
                   <a:outerShdw blurRad="63500" dist="38099" dir="2700000" algn="ctr" rotWithShape="0">
                     <a:srgbClr val="000000">
@@ -29986,14 +29935,14 @@
           <a:effectLst/>
           <a:extLst>
             <a:ext uri="{909E8E84-426E-40dd-AFC4-6F175D3DCCD1}">
-              <a14:hiddenFill xmlns="" xmlns:a14="http://schemas.microsoft.com/office/drawing/2010/main">
+              <a14:hiddenFill xmlns:a14="http://schemas.microsoft.com/office/drawing/2010/main" xmlns="">
                 <a:solidFill>
                   <a:srgbClr val="FFFFFF"/>
                 </a:solidFill>
               </a14:hiddenFill>
             </a:ext>
             <a:ext uri="{91240B29-F687-4f45-9708-019B960494DF}">
-              <a14:hiddenLine xmlns="" xmlns:a14="http://schemas.microsoft.com/office/drawing/2010/main" w="9525" cap="flat">
+              <a14:hiddenLine xmlns:a14="http://schemas.microsoft.com/office/drawing/2010/main" xmlns="" w="9525" cap="flat">
                 <a:solidFill>
                   <a:srgbClr val="FF6600"/>
                 </a:solidFill>
@@ -30003,7 +29952,7 @@
               </a14:hiddenLine>
             </a:ext>
             <a:ext uri="{AF507438-7753-43e0-B8FC-AC1667EBCBE1}">
-              <a14:hiddenEffects xmlns="" xmlns:a14="http://schemas.microsoft.com/office/drawing/2010/main">
+              <a14:hiddenEffects xmlns:a14="http://schemas.microsoft.com/office/drawing/2010/main" xmlns="">
                 <a:effectLst>
                   <a:outerShdw blurRad="63500" dist="38099" dir="2700000" algn="ctr" rotWithShape="0">
                     <a:srgbClr val="000000">
@@ -30053,14 +30002,14 @@
           <a:effectLst/>
           <a:extLst>
             <a:ext uri="{909E8E84-426E-40dd-AFC4-6F175D3DCCD1}">
-              <a14:hiddenFill xmlns="" xmlns:a14="http://schemas.microsoft.com/office/drawing/2010/main">
+              <a14:hiddenFill xmlns:a14="http://schemas.microsoft.com/office/drawing/2010/main" xmlns="">
                 <a:solidFill>
                   <a:srgbClr val="FFFFFF"/>
                 </a:solidFill>
               </a14:hiddenFill>
             </a:ext>
             <a:ext uri="{91240B29-F687-4f45-9708-019B960494DF}">
-              <a14:hiddenLine xmlns="" xmlns:a14="http://schemas.microsoft.com/office/drawing/2010/main" w="9525" cap="flat">
+              <a14:hiddenLine xmlns:a14="http://schemas.microsoft.com/office/drawing/2010/main" xmlns="" w="9525" cap="flat">
                 <a:solidFill>
                   <a:srgbClr val="FF6600"/>
                 </a:solidFill>
@@ -30070,7 +30019,7 @@
               </a14:hiddenLine>
             </a:ext>
             <a:ext uri="{AF507438-7753-43e0-B8FC-AC1667EBCBE1}">
-              <a14:hiddenEffects xmlns="" xmlns:a14="http://schemas.microsoft.com/office/drawing/2010/main">
+              <a14:hiddenEffects xmlns:a14="http://schemas.microsoft.com/office/drawing/2010/main" xmlns="">
                 <a:effectLst>
                   <a:outerShdw blurRad="63500" dist="38099" dir="2700000" algn="ctr" rotWithShape="0">
                     <a:srgbClr val="000000">
@@ -30120,14 +30069,14 @@
           <a:effectLst/>
           <a:extLst>
             <a:ext uri="{909E8E84-426E-40dd-AFC4-6F175D3DCCD1}">
-              <a14:hiddenFill xmlns="" xmlns:a14="http://schemas.microsoft.com/office/drawing/2010/main">
+              <a14:hiddenFill xmlns:a14="http://schemas.microsoft.com/office/drawing/2010/main" xmlns="">
                 <a:solidFill>
                   <a:srgbClr val="FFFFFF"/>
                 </a:solidFill>
               </a14:hiddenFill>
             </a:ext>
             <a:ext uri="{91240B29-F687-4f45-9708-019B960494DF}">
-              <a14:hiddenLine xmlns="" xmlns:a14="http://schemas.microsoft.com/office/drawing/2010/main" w="9525" cap="flat">
+              <a14:hiddenLine xmlns:a14="http://schemas.microsoft.com/office/drawing/2010/main" xmlns="" w="9525" cap="flat">
                 <a:solidFill>
                   <a:srgbClr val="FF6600"/>
                 </a:solidFill>
@@ -30137,7 +30086,7 @@
               </a14:hiddenLine>
             </a:ext>
             <a:ext uri="{AF507438-7753-43e0-B8FC-AC1667EBCBE1}">
-              <a14:hiddenEffects xmlns="" xmlns:a14="http://schemas.microsoft.com/office/drawing/2010/main">
+              <a14:hiddenEffects xmlns:a14="http://schemas.microsoft.com/office/drawing/2010/main" xmlns="">
                 <a:effectLst>
                   <a:outerShdw blurRad="63500" dist="38099" dir="2700000" algn="ctr" rotWithShape="0">
                     <a:srgbClr val="000000">
@@ -30187,14 +30136,14 @@
           <a:effectLst/>
           <a:extLst>
             <a:ext uri="{909E8E84-426E-40dd-AFC4-6F175D3DCCD1}">
-              <a14:hiddenFill xmlns="" xmlns:a14="http://schemas.microsoft.com/office/drawing/2010/main">
+              <a14:hiddenFill xmlns:a14="http://schemas.microsoft.com/office/drawing/2010/main" xmlns="">
                 <a:solidFill>
                   <a:srgbClr val="FFFFFF"/>
                 </a:solidFill>
               </a14:hiddenFill>
             </a:ext>
             <a:ext uri="{91240B29-F687-4f45-9708-019B960494DF}">
-              <a14:hiddenLine xmlns="" xmlns:a14="http://schemas.microsoft.com/office/drawing/2010/main" w="9525" cap="flat">
+              <a14:hiddenLine xmlns:a14="http://schemas.microsoft.com/office/drawing/2010/main" xmlns="" w="9525" cap="flat">
                 <a:solidFill>
                   <a:srgbClr val="000000"/>
                 </a:solidFill>
@@ -30204,7 +30153,7 @@
               </a14:hiddenLine>
             </a:ext>
             <a:ext uri="{AF507438-7753-43e0-B8FC-AC1667EBCBE1}">
-              <a14:hiddenEffects xmlns="" xmlns:a14="http://schemas.microsoft.com/office/drawing/2010/main">
+              <a14:hiddenEffects xmlns:a14="http://schemas.microsoft.com/office/drawing/2010/main" xmlns="">
                 <a:effectLst>
                   <a:outerShdw blurRad="63500" dist="38099" dir="2700000" algn="ctr" rotWithShape="0">
                     <a:srgbClr val="000000">
@@ -30477,14 +30426,14 @@
           <a:effectLst/>
           <a:extLst>
             <a:ext uri="{909E8E84-426E-40dd-AFC4-6F175D3DCCD1}">
-              <a14:hiddenFill xmlns="" xmlns:a14="http://schemas.microsoft.com/office/drawing/2010/main">
+              <a14:hiddenFill xmlns:a14="http://schemas.microsoft.com/office/drawing/2010/main" xmlns="">
                 <a:solidFill>
                   <a:srgbClr val="FFFFFF"/>
                 </a:solidFill>
               </a14:hiddenFill>
             </a:ext>
             <a:ext uri="{91240B29-F687-4f45-9708-019B960494DF}">
-              <a14:hiddenLine xmlns="" xmlns:a14="http://schemas.microsoft.com/office/drawing/2010/main" w="9525" cap="flat">
+              <a14:hiddenLine xmlns:a14="http://schemas.microsoft.com/office/drawing/2010/main" xmlns="" w="9525" cap="flat">
                 <a:solidFill>
                   <a:srgbClr val="000000"/>
                 </a:solidFill>
@@ -30494,7 +30443,7 @@
               </a14:hiddenLine>
             </a:ext>
             <a:ext uri="{AF507438-7753-43e0-B8FC-AC1667EBCBE1}">
-              <a14:hiddenEffects xmlns="" xmlns:a14="http://schemas.microsoft.com/office/drawing/2010/main">
+              <a14:hiddenEffects xmlns:a14="http://schemas.microsoft.com/office/drawing/2010/main" xmlns="">
                 <a:effectLst>
                   <a:outerShdw blurRad="63500" dist="38099" dir="2700000" algn="ctr" rotWithShape="0">
                     <a:srgbClr val="000000">
@@ -30768,7 +30717,7 @@
             <a:effectLst/>
             <a:extLst>
               <a:ext uri="{909E8E84-426E-40dd-AFC4-6F175D3DCCD1}">
-                <a14:hiddenFill xmlns="" xmlns:a14="http://schemas.microsoft.com/office/drawing/2010/main">
+                <a14:hiddenFill xmlns:a14="http://schemas.microsoft.com/office/drawing/2010/main" xmlns="">
                   <a:blipFill dpi="0" rotWithShape="0">
                     <a:blip/>
                     <a:srcRect/>
@@ -30779,7 +30728,7 @@
                 </a14:hiddenFill>
               </a:ext>
               <a:ext uri="{91240B29-F687-4f45-9708-019B960494DF}">
-                <a14:hiddenLine xmlns="" xmlns:a14="http://schemas.microsoft.com/office/drawing/2010/main" w="9525" cap="flat">
+                <a14:hiddenLine xmlns:a14="http://schemas.microsoft.com/office/drawing/2010/main" xmlns="" w="9525" cap="flat">
                   <a:solidFill>
                     <a:srgbClr val="808080"/>
                   </a:solidFill>
@@ -30789,7 +30738,7 @@
                 </a14:hiddenLine>
               </a:ext>
               <a:ext uri="{AF507438-7753-43e0-B8FC-AC1667EBCBE1}">
-                <a14:hiddenEffects xmlns="" xmlns:a14="http://schemas.microsoft.com/office/drawing/2010/main">
+                <a14:hiddenEffects xmlns:a14="http://schemas.microsoft.com/office/drawing/2010/main" xmlns="">
                   <a:effectLst>
                     <a:outerShdw blurRad="63500" dist="38099" dir="2700000" algn="ctr" rotWithShape="0">
                       <a:srgbClr val="000000">
@@ -30838,7 +30787,7 @@
             <a:effectLst/>
             <a:extLst>
               <a:ext uri="{909E8E84-426E-40dd-AFC4-6F175D3DCCD1}">
-                <a14:hiddenFill xmlns="" xmlns:a14="http://schemas.microsoft.com/office/drawing/2010/main">
+                <a14:hiddenFill xmlns:a14="http://schemas.microsoft.com/office/drawing/2010/main" xmlns="">
                   <a:blipFill dpi="0" rotWithShape="0">
                     <a:blip/>
                     <a:srcRect/>
@@ -30849,7 +30798,7 @@
                 </a14:hiddenFill>
               </a:ext>
               <a:ext uri="{91240B29-F687-4f45-9708-019B960494DF}">
-                <a14:hiddenLine xmlns="" xmlns:a14="http://schemas.microsoft.com/office/drawing/2010/main" w="9525" cap="flat">
+                <a14:hiddenLine xmlns:a14="http://schemas.microsoft.com/office/drawing/2010/main" xmlns="" w="9525" cap="flat">
                   <a:solidFill>
                     <a:srgbClr val="808080"/>
                   </a:solidFill>
@@ -30859,7 +30808,7 @@
                 </a14:hiddenLine>
               </a:ext>
               <a:ext uri="{AF507438-7753-43e0-B8FC-AC1667EBCBE1}">
-                <a14:hiddenEffects xmlns="" xmlns:a14="http://schemas.microsoft.com/office/drawing/2010/main">
+                <a14:hiddenEffects xmlns:a14="http://schemas.microsoft.com/office/drawing/2010/main" xmlns="">
                   <a:effectLst>
                     <a:outerShdw blurRad="63500" dist="38099" dir="2700000" algn="ctr" rotWithShape="0">
                       <a:srgbClr val="000000">
@@ -30895,14 +30844,14 @@
             <a:effectLst/>
             <a:extLst>
               <a:ext uri="{909E8E84-426E-40dd-AFC4-6F175D3DCCD1}">
-                <a14:hiddenFill xmlns="" xmlns:a14="http://schemas.microsoft.com/office/drawing/2010/main">
+                <a14:hiddenFill xmlns:a14="http://schemas.microsoft.com/office/drawing/2010/main" xmlns="">
                   <a:solidFill>
                     <a:srgbClr val="FFFFFF"/>
                   </a:solidFill>
                 </a14:hiddenFill>
               </a:ext>
               <a:ext uri="{91240B29-F687-4f45-9708-019B960494DF}">
-                <a14:hiddenLine xmlns="" xmlns:a14="http://schemas.microsoft.com/office/drawing/2010/main" w="9525" cap="flat">
+                <a14:hiddenLine xmlns:a14="http://schemas.microsoft.com/office/drawing/2010/main" xmlns="" w="9525" cap="flat">
                   <a:solidFill>
                     <a:srgbClr val="000000"/>
                   </a:solidFill>
@@ -30912,7 +30861,7 @@
                 </a14:hiddenLine>
               </a:ext>
               <a:ext uri="{AF507438-7753-43e0-B8FC-AC1667EBCBE1}">
-                <a14:hiddenEffects xmlns="" xmlns:a14="http://schemas.microsoft.com/office/drawing/2010/main">
+                <a14:hiddenEffects xmlns:a14="http://schemas.microsoft.com/office/drawing/2010/main" xmlns="">
                   <a:effectLst>
                     <a:outerShdw blurRad="63500" dist="38099" dir="2700000" algn="ctr" rotWithShape="0">
                       <a:srgbClr val="000000">
@@ -31126,22 +31075,13 @@
                 </a:lnSpc>
               </a:pPr>
               <a:r>
-                <a:rPr lang="fr-FR" sz="3600" b="1" i="1" dirty="0" smtClean="0">
+                <a:rPr lang="fr-FR" sz="3600" b="1" i="1" dirty="0">
                   <a:solidFill>
                     <a:srgbClr val="E6E6FF"/>
                   </a:solidFill>
                   <a:latin typeface="Meiryo UI" charset="0"/>
                 </a:rPr>
-                <a:t>Doha</a:t>
-              </a:r>
-              <a:r>
-                <a:rPr lang="fr-FR" sz="2800" b="1" i="1" dirty="0">
-                  <a:solidFill>
-                    <a:srgbClr val="E6E6FF"/>
-                  </a:solidFill>
-                  <a:latin typeface="Meiryo UI" charset="0"/>
-                </a:rPr>
-                <a:t/>
+                <a:t>Tokyo</a:t>
               </a:r>
               <a:br>
                 <a:rPr lang="fr-FR" sz="2800" b="1" i="1" dirty="0">
@@ -31158,23 +31098,8 @@
                   </a:solidFill>
                   <a:latin typeface="Meiryo UI" charset="0"/>
                 </a:rPr>
-                <a:t> </a:t>
+                <a:t> 2020</a:t>
               </a:r>
-              <a:r>
-                <a:rPr lang="fr-FR" sz="1500" b="1" i="1" dirty="0" smtClean="0">
-                  <a:solidFill>
-                    <a:srgbClr val="E6E6FF"/>
-                  </a:solidFill>
-                  <a:latin typeface="Meiryo UI" charset="0"/>
-                </a:rPr>
-                <a:t>2019</a:t>
-              </a:r>
-              <a:endParaRPr lang="fr-FR" sz="1500" b="1" i="1" dirty="0">
-                <a:solidFill>
-                  <a:srgbClr val="E6E6FF"/>
-                </a:solidFill>
-                <a:latin typeface="Meiryo UI" charset="0"/>
-              </a:endParaRPr>
             </a:p>
           </p:txBody>
         </p:sp>
@@ -31203,7 +31128,7 @@
             <a:effectLst/>
             <a:extLst>
               <a:ext uri="{91240B29-F687-4f45-9708-019B960494DF}">
-                <a14:hiddenLine xmlns="" xmlns:a14="http://schemas.microsoft.com/office/drawing/2010/main" w="9525" cap="flat">
+                <a14:hiddenLine xmlns:a14="http://schemas.microsoft.com/office/drawing/2010/main" xmlns="" w="9525" cap="flat">
                   <a:solidFill>
                     <a:srgbClr val="FFFFFF"/>
                   </a:solidFill>
@@ -31213,7 +31138,7 @@
                 </a14:hiddenLine>
               </a:ext>
               <a:ext uri="{AF507438-7753-43e0-B8FC-AC1667EBCBE1}">
-                <a14:hiddenEffects xmlns="" xmlns:a14="http://schemas.microsoft.com/office/drawing/2010/main">
+                <a14:hiddenEffects xmlns:a14="http://schemas.microsoft.com/office/drawing/2010/main" xmlns="">
                   <a:effectLst>
                     <a:outerShdw blurRad="63500" dist="38099" dir="2700000" algn="ctr" rotWithShape="0">
                       <a:srgbClr val="000000">
@@ -31437,18 +31362,14 @@
             </a:p>
             <a:p>
               <a:r>
-                <a:rPr lang="fr-FR" sz="800" dirty="0" smtClean="0"/>
-                <a:t>TRIPLEJUMP-</a:t>
-              </a:r>
-              <a:r>
                 <a:rPr lang="fr-FR" sz="800" dirty="0"/>
-                <a:t>B12---------------------------------------</a:t>
+                <a:t>TRIPLEJUMP-B12---------------------------------------</a:t>
               </a:r>
             </a:p>
             <a:p>
               <a:r>
-                <a:rPr lang="fr-FR" sz="800" smtClean="0"/>
-                <a:t>2019-10-16 </a:t>
+                <a:rPr lang="fr-FR" sz="800"/>
+                <a:t>2020-07-30 </a:t>
               </a:r>
               <a:r>
                 <a:rPr lang="fr-FR" sz="800" dirty="0"/>
@@ -31457,12 +31378,8 @@
             </a:p>
             <a:p>
               <a:r>
-                <a:rPr lang="fr-FR" sz="800" dirty="0" smtClean="0"/>
-                <a:t>WEST-F23-</a:t>
-              </a:r>
-              <a:r>
                 <a:rPr lang="fr-FR" sz="800" dirty="0"/>
-                <a:t>-----</a:t>
+                <a:t>WEST-F23------</a:t>
               </a:r>
             </a:p>
           </p:txBody>
@@ -31491,14 +31408,14 @@
           <a:effectLst/>
           <a:extLst>
             <a:ext uri="{909E8E84-426E-40dd-AFC4-6F175D3DCCD1}">
-              <a14:hiddenFill xmlns="" xmlns:a14="http://schemas.microsoft.com/office/drawing/2010/main">
+              <a14:hiddenFill xmlns:a14="http://schemas.microsoft.com/office/drawing/2010/main" xmlns="">
                 <a:solidFill>
                   <a:srgbClr val="FFFFFF"/>
                 </a:solidFill>
               </a14:hiddenFill>
             </a:ext>
             <a:ext uri="{91240B29-F687-4f45-9708-019B960494DF}">
-              <a14:hiddenLine xmlns="" xmlns:a14="http://schemas.microsoft.com/office/drawing/2010/main" w="9525" cap="flat">
+              <a14:hiddenLine xmlns:a14="http://schemas.microsoft.com/office/drawing/2010/main" xmlns="" w="9525" cap="flat">
                 <a:solidFill>
                   <a:srgbClr val="808080"/>
                 </a:solidFill>
@@ -31508,7 +31425,7 @@
               </a14:hiddenLine>
             </a:ext>
             <a:ext uri="{AF507438-7753-43e0-B8FC-AC1667EBCBE1}">
-              <a14:hiddenEffects xmlns="" xmlns:a14="http://schemas.microsoft.com/office/drawing/2010/main">
+              <a14:hiddenEffects xmlns:a14="http://schemas.microsoft.com/office/drawing/2010/main" xmlns="">
                 <a:effectLst>
                   <a:outerShdw blurRad="63500" dist="38099" dir="2700000" algn="ctr" rotWithShape="0">
                     <a:srgbClr val="000000">
@@ -31746,14 +31663,14 @@
           <a:effectLst/>
           <a:extLst>
             <a:ext uri="{909E8E84-426E-40dd-AFC4-6F175D3DCCD1}">
-              <a14:hiddenFill xmlns="" xmlns:a14="http://schemas.microsoft.com/office/drawing/2010/main">
+              <a14:hiddenFill xmlns:a14="http://schemas.microsoft.com/office/drawing/2010/main" xmlns="">
                 <a:solidFill>
                   <a:srgbClr val="FFFFFF"/>
                 </a:solidFill>
               </a14:hiddenFill>
             </a:ext>
             <a:ext uri="{91240B29-F687-4f45-9708-019B960494DF}">
-              <a14:hiddenLine xmlns="" xmlns:a14="http://schemas.microsoft.com/office/drawing/2010/main" w="9525" cap="flat">
+              <a14:hiddenLine xmlns:a14="http://schemas.microsoft.com/office/drawing/2010/main" xmlns="" w="9525" cap="flat">
                 <a:solidFill>
                   <a:srgbClr val="000000"/>
                 </a:solidFill>
@@ -31763,7 +31680,7 @@
               </a14:hiddenLine>
             </a:ext>
             <a:ext uri="{AF507438-7753-43e0-B8FC-AC1667EBCBE1}">
-              <a14:hiddenEffects xmlns="" xmlns:a14="http://schemas.microsoft.com/office/drawing/2010/main">
+              <a14:hiddenEffects xmlns:a14="http://schemas.microsoft.com/office/drawing/2010/main" xmlns="">
                 <a:effectLst>
                   <a:outerShdw blurRad="63500" dist="38099" dir="2700000" algn="ctr" rotWithShape="0">
                     <a:srgbClr val="000000">
@@ -32026,85 +31943,229 @@
           </a:lstStyle>
           <a:p>
             <a:r>
-              <a:rPr lang="fr-FR" sz="800"/>
+              <a:rPr lang="fr-FR" sz="800" dirty="0"/>
               <a:t>&lt;sales transaction="8JH8HHDNKHJA7887787"  items="145" date="20141226"&gt;</a:t>
             </a:r>
           </a:p>
           <a:p>
             <a:r>
-              <a:rPr lang="fr-FR" sz="800"/>
+              <a:rPr lang="fr-FR" sz="800" dirty="0"/>
               <a:t>  &lt;sale&gt;</a:t>
             </a:r>
           </a:p>
           <a:p>
             <a:r>
-              <a:rPr lang="fr-FR" sz="800"/>
-              <a:t>    &lt;firstName&gt;Virginie&lt;/firstName&gt;</a:t>
+              <a:rPr lang="fr-FR" sz="800" dirty="0"/>
+              <a:t>    &lt;</a:t>
             </a:r>
-          </a:p>
-          <a:p>
             <a:r>
-              <a:rPr lang="fr-FR" sz="800"/>
-              <a:t>    &lt;lastName&gt;Maris&lt;/lastName&gt;</a:t>
+              <a:rPr lang="fr-FR" sz="800" dirty="0" err="1"/>
+              <a:t>firstName</a:t>
             </a:r>
-          </a:p>
-          <a:p>
             <a:r>
-              <a:rPr lang="fr-FR" sz="800"/>
-              <a:t>    &lt;nationalId&gt;P283728746&lt;/nationalId&gt;</a:t>
+              <a:rPr lang="fr-FR" sz="800" dirty="0"/>
+              <a:t>&gt;Virginie&lt;/</a:t>
             </a:r>
-          </a:p>
-          <a:p>
             <a:r>
-              <a:rPr lang="fr-FR" sz="800"/>
-              <a:t>    &lt;tickets type='internet' vendor='ticket4all.com' vendorid='4528'&gt;</a:t>
+              <a:rPr lang="fr-FR" sz="800" dirty="0" err="1"/>
+              <a:t>firstName</a:t>
             </a:r>
-          </a:p>
-          <a:p>
             <a:r>
-              <a:rPr lang="fr-FR" sz="800"/>
+              <a:rPr lang="fr-FR" sz="800" dirty="0"/>
+              <a:t>&gt;</a:t>
+            </a:r>
+          </a:p>
+          <a:p>
+            <a:r>
+              <a:rPr lang="fr-FR" sz="800" dirty="0"/>
+              <a:t>    &lt;</a:t>
+            </a:r>
+            <a:r>
+              <a:rPr lang="fr-FR" sz="800" dirty="0" err="1"/>
+              <a:t>lastName</a:t>
+            </a:r>
+            <a:r>
+              <a:rPr lang="fr-FR" sz="800" dirty="0"/>
+              <a:t>&gt;Maris&lt;/</a:t>
+            </a:r>
+            <a:r>
+              <a:rPr lang="fr-FR" sz="800" dirty="0" err="1"/>
+              <a:t>lastName</a:t>
+            </a:r>
+            <a:r>
+              <a:rPr lang="fr-FR" sz="800" dirty="0"/>
+              <a:t>&gt;</a:t>
+            </a:r>
+          </a:p>
+          <a:p>
+            <a:r>
+              <a:rPr lang="fr-FR" sz="800" dirty="0"/>
+              <a:t>    &lt;</a:t>
+            </a:r>
+            <a:r>
+              <a:rPr lang="fr-FR" sz="800" dirty="0" err="1"/>
+              <a:t>nationalId</a:t>
+            </a:r>
+            <a:r>
+              <a:rPr lang="fr-FR" sz="800" dirty="0"/>
+              <a:t>&gt;P283728746&lt;/</a:t>
+            </a:r>
+            <a:r>
+              <a:rPr lang="fr-FR" sz="800" dirty="0" err="1"/>
+              <a:t>nationalId</a:t>
+            </a:r>
+            <a:r>
+              <a:rPr lang="fr-FR" sz="800" dirty="0"/>
+              <a:t>&gt;</a:t>
+            </a:r>
+          </a:p>
+          <a:p>
+            <a:r>
+              <a:rPr lang="fr-FR" sz="800" dirty="0"/>
+              <a:t>    &lt;tickets type='internet' </a:t>
+            </a:r>
+            <a:r>
+              <a:rPr lang="fr-FR" sz="800" dirty="0" err="1"/>
+              <a:t>vendor</a:t>
+            </a:r>
+            <a:r>
+              <a:rPr lang="fr-FR" sz="800" dirty="0"/>
+              <a:t>='ticket4all.com' </a:t>
+            </a:r>
+            <a:r>
+              <a:rPr lang="fr-FR" sz="800" dirty="0" err="1"/>
+              <a:t>vendorid</a:t>
+            </a:r>
+            <a:r>
+              <a:rPr lang="fr-FR" sz="800" dirty="0"/>
+              <a:t>='4528'&gt;</a:t>
+            </a:r>
+          </a:p>
+          <a:p>
+            <a:r>
+              <a:rPr lang="fr-FR" sz="800" dirty="0"/>
               <a:t>        &lt;ticket id='879277246472''&gt;</a:t>
             </a:r>
           </a:p>
           <a:p>
             <a:r>
-              <a:rPr lang="fr-FR" sz="800"/>
-              <a:t>            &lt;product&gt;Hockey B12&lt;/product&gt;</a:t>
+              <a:rPr lang="fr-FR" sz="800" dirty="0"/>
+              <a:t>            &lt;</a:t>
             </a:r>
-          </a:p>
-          <a:p>
             <a:r>
-              <a:rPr lang="fr-FR" sz="800"/>
-              <a:t>            &lt;period start='20150116T1100-0430' end='20150116T1800-0430/&gt;</a:t>
+              <a:rPr lang="fr-FR" sz="800" dirty="0" err="1"/>
+              <a:t>product</a:t>
             </a:r>
-          </a:p>
-          <a:p>
             <a:r>
-              <a:rPr lang="fr-FR" sz="800"/>
-              <a:t>            &lt;qrcode&gt;UDH2846DHSQJ3JF ... GS73Z84DFHDFGSHSDG3657D&lt;/qrcode&gt;</a:t>
+              <a:rPr lang="fr-FR" sz="800" dirty="0"/>
+              <a:t>&gt;Hockey B12&lt;/</a:t>
             </a:r>
-          </a:p>
-          <a:p>
             <a:r>
-              <a:rPr lang="fr-FR" sz="800"/>
-              <a:t>            &lt;price amount="28" money="EUR"/&gt;</a:t>
+              <a:rPr lang="fr-FR" sz="800" dirty="0" err="1"/>
+              <a:t>product</a:t>
             </a:r>
-          </a:p>
-          <a:p>
             <a:r>
-              <a:rPr lang="fr-FR" sz="800"/>
-              <a:t>            &lt;seat&gt;T23&lt;/seat&gt;</a:t>
+              <a:rPr lang="fr-FR" sz="800" dirty="0"/>
+              <a:t>&gt;</a:t>
             </a:r>
           </a:p>
           <a:p>
             <a:r>
-              <a:rPr lang="fr-FR" sz="800"/>
+              <a:rPr lang="fr-FR" sz="800" dirty="0"/>
+              <a:t>            &lt;</a:t>
+            </a:r>
+            <a:r>
+              <a:rPr lang="fr-FR" sz="800" dirty="0" err="1"/>
+              <a:t>period</a:t>
+            </a:r>
+            <a:r>
+              <a:rPr lang="fr-FR" sz="800" dirty="0"/>
+              <a:t> </a:t>
+            </a:r>
+            <a:r>
+              <a:rPr lang="fr-FR" sz="800" dirty="0" err="1"/>
+              <a:t>start</a:t>
+            </a:r>
+            <a:r>
+              <a:rPr lang="fr-FR" sz="800" dirty="0"/>
+              <a:t>='20150116T1100-0430' end='20150116T1800-0430/&gt;</a:t>
+            </a:r>
+          </a:p>
+          <a:p>
+            <a:r>
+              <a:rPr lang="fr-FR" sz="800" dirty="0"/>
+              <a:t>            &lt;</a:t>
+            </a:r>
+            <a:r>
+              <a:rPr lang="fr-FR" sz="800" dirty="0" err="1"/>
+              <a:t>qrcode</a:t>
+            </a:r>
+            <a:r>
+              <a:rPr lang="fr-FR" sz="800" dirty="0"/>
+              <a:t>&gt;UDH2846DHSQJ3JF ... GS73Z84DFHDFGSHSDG3657D&lt;/</a:t>
+            </a:r>
+            <a:r>
+              <a:rPr lang="fr-FR" sz="800" dirty="0" err="1"/>
+              <a:t>qrcode</a:t>
+            </a:r>
+            <a:r>
+              <a:rPr lang="fr-FR" sz="800" dirty="0"/>
+              <a:t>&gt;</a:t>
+            </a:r>
+          </a:p>
+          <a:p>
+            <a:r>
+              <a:rPr lang="fr-FR" sz="800" dirty="0"/>
+              <a:t>            &lt;</a:t>
+            </a:r>
+            <a:r>
+              <a:rPr lang="fr-FR" sz="800" dirty="0" err="1"/>
+              <a:t>price</a:t>
+            </a:r>
+            <a:r>
+              <a:rPr lang="fr-FR" sz="800" dirty="0"/>
+              <a:t> </a:t>
+            </a:r>
+            <a:r>
+              <a:rPr lang="fr-FR" sz="800" dirty="0" err="1"/>
+              <a:t>amount</a:t>
+            </a:r>
+            <a:r>
+              <a:rPr lang="fr-FR" sz="800" dirty="0"/>
+              <a:t>="28" money="EUR"/&gt;</a:t>
+            </a:r>
+          </a:p>
+          <a:p>
+            <a:r>
+              <a:rPr lang="fr-FR" sz="800" dirty="0"/>
+              <a:t>            &lt;</a:t>
+            </a:r>
+            <a:r>
+              <a:rPr lang="fr-FR" sz="800" dirty="0" err="1"/>
+              <a:t>seat</a:t>
+            </a:r>
+            <a:r>
+              <a:rPr lang="fr-FR" sz="800" dirty="0"/>
+              <a:t>&gt;T23&lt;/</a:t>
+            </a:r>
+            <a:r>
+              <a:rPr lang="fr-FR" sz="800" dirty="0" err="1"/>
+              <a:t>seat</a:t>
+            </a:r>
+            <a:r>
+              <a:rPr lang="fr-FR" sz="800" dirty="0"/>
+              <a:t>&gt;</a:t>
+            </a:r>
+          </a:p>
+          <a:p>
+            <a:r>
+              <a:rPr lang="fr-FR" sz="800" dirty="0"/>
               <a:t>            ...</a:t>
             </a:r>
           </a:p>
           <a:p>
             <a:r>
-              <a:rPr lang="fr-FR" sz="800"/>
+              <a:rPr lang="fr-FR" sz="800" dirty="0"/>
               <a:t>  ...     </a:t>
             </a:r>
           </a:p>
@@ -32146,7 +32207,7 @@
           <a:effectLst/>
           <a:extLst>
             <a:ext uri="{909E8E84-426E-40dd-AFC4-6F175D3DCCD1}">
-              <a14:hiddenFill xmlns="" xmlns:a14="http://schemas.microsoft.com/office/drawing/2010/main">
+              <a14:hiddenFill xmlns:a14="http://schemas.microsoft.com/office/drawing/2010/main" xmlns="">
                 <a:blipFill dpi="0" rotWithShape="0">
                   <a:blip/>
                   <a:srcRect/>
@@ -32157,7 +32218,7 @@
               </a14:hiddenFill>
             </a:ext>
             <a:ext uri="{91240B29-F687-4f45-9708-019B960494DF}">
-              <a14:hiddenLine xmlns="" xmlns:a14="http://schemas.microsoft.com/office/drawing/2010/main" w="9525" cap="flat">
+              <a14:hiddenLine xmlns:a14="http://schemas.microsoft.com/office/drawing/2010/main" xmlns="" w="9525" cap="flat">
                 <a:solidFill>
                   <a:srgbClr val="808080"/>
                 </a:solidFill>
@@ -32167,7 +32228,7 @@
               </a14:hiddenLine>
             </a:ext>
             <a:ext uri="{AF507438-7753-43e0-B8FC-AC1667EBCBE1}">
-              <a14:hiddenEffects xmlns="" xmlns:a14="http://schemas.microsoft.com/office/drawing/2010/main">
+              <a14:hiddenEffects xmlns:a14="http://schemas.microsoft.com/office/drawing/2010/main" xmlns="">
                 <a:effectLst>
                   <a:outerShdw blurRad="63500" dist="38099" dir="2700000" algn="ctr" rotWithShape="0">
                     <a:srgbClr val="000000">
@@ -32203,14 +32264,14 @@
           <a:effectLst/>
           <a:extLst>
             <a:ext uri="{909E8E84-426E-40dd-AFC4-6F175D3DCCD1}">
-              <a14:hiddenFill xmlns="" xmlns:a14="http://schemas.microsoft.com/office/drawing/2010/main">
+              <a14:hiddenFill xmlns:a14="http://schemas.microsoft.com/office/drawing/2010/main" xmlns="">
                 <a:solidFill>
                   <a:srgbClr val="FFFFFF"/>
                 </a:solidFill>
               </a14:hiddenFill>
             </a:ext>
             <a:ext uri="{91240B29-F687-4f45-9708-019B960494DF}">
-              <a14:hiddenLine xmlns="" xmlns:a14="http://schemas.microsoft.com/office/drawing/2010/main" w="9525" cap="flat">
+              <a14:hiddenLine xmlns:a14="http://schemas.microsoft.com/office/drawing/2010/main" xmlns="" w="9525" cap="flat">
                 <a:solidFill>
                   <a:srgbClr val="808080"/>
                 </a:solidFill>
@@ -32220,7 +32281,7 @@
               </a14:hiddenLine>
             </a:ext>
             <a:ext uri="{AF507438-7753-43e0-B8FC-AC1667EBCBE1}">
-              <a14:hiddenEffects xmlns="" xmlns:a14="http://schemas.microsoft.com/office/drawing/2010/main">
+              <a14:hiddenEffects xmlns:a14="http://schemas.microsoft.com/office/drawing/2010/main" xmlns="">
                 <a:effectLst>
                   <a:outerShdw blurRad="63500" dist="38099" dir="2700000" algn="ctr" rotWithShape="0">
                     <a:srgbClr val="000000">
@@ -32576,7 +32637,7 @@
           <a:effectLst/>
           <a:extLst>
             <a:ext uri="{909E8E84-426E-40dd-AFC4-6F175D3DCCD1}">
-              <a14:hiddenFill xmlns="" xmlns:a14="http://schemas.microsoft.com/office/drawing/2010/main">
+              <a14:hiddenFill xmlns:a14="http://schemas.microsoft.com/office/drawing/2010/main" xmlns="">
                 <a:blipFill dpi="0" rotWithShape="0">
                   <a:blip/>
                   <a:srcRect l="14014" t="4515" r="7593" b="32079"/>
@@ -32587,7 +32648,7 @@
               </a14:hiddenFill>
             </a:ext>
             <a:ext uri="{91240B29-F687-4f45-9708-019B960494DF}">
-              <a14:hiddenLine xmlns="" xmlns:a14="http://schemas.microsoft.com/office/drawing/2010/main" w="9525" cap="flat">
+              <a14:hiddenLine xmlns:a14="http://schemas.microsoft.com/office/drawing/2010/main" xmlns="" w="9525" cap="flat">
                 <a:solidFill>
                   <a:srgbClr val="808080"/>
                 </a:solidFill>
@@ -32597,7 +32658,7 @@
               </a14:hiddenLine>
             </a:ext>
             <a:ext uri="{AF507438-7753-43e0-B8FC-AC1667EBCBE1}">
-              <a14:hiddenEffects xmlns="" xmlns:a14="http://schemas.microsoft.com/office/drawing/2010/main">
+              <a14:hiddenEffects xmlns:a14="http://schemas.microsoft.com/office/drawing/2010/main" xmlns="">
                 <a:effectLst>
                   <a:outerShdw blurRad="63500" dist="38099" dir="2700000" algn="ctr" rotWithShape="0">
                     <a:srgbClr val="000000">
@@ -32633,14 +32694,14 @@
           <a:effectLst/>
           <a:extLst>
             <a:ext uri="{909E8E84-426E-40dd-AFC4-6F175D3DCCD1}">
-              <a14:hiddenFill xmlns="" xmlns:a14="http://schemas.microsoft.com/office/drawing/2010/main">
+              <a14:hiddenFill xmlns:a14="http://schemas.microsoft.com/office/drawing/2010/main" xmlns="">
                 <a:solidFill>
                   <a:srgbClr val="FFFFFF"/>
                 </a:solidFill>
               </a14:hiddenFill>
             </a:ext>
             <a:ext uri="{91240B29-F687-4f45-9708-019B960494DF}">
-              <a14:hiddenLine xmlns="" xmlns:a14="http://schemas.microsoft.com/office/drawing/2010/main" w="9525" cap="flat">
+              <a14:hiddenLine xmlns:a14="http://schemas.microsoft.com/office/drawing/2010/main" xmlns="" w="9525" cap="flat">
                 <a:solidFill>
                   <a:srgbClr val="808080"/>
                 </a:solidFill>
@@ -32650,7 +32711,7 @@
               </a14:hiddenLine>
             </a:ext>
             <a:ext uri="{AF507438-7753-43e0-B8FC-AC1667EBCBE1}">
-              <a14:hiddenEffects xmlns="" xmlns:a14="http://schemas.microsoft.com/office/drawing/2010/main">
+              <a14:hiddenEffects xmlns:a14="http://schemas.microsoft.com/office/drawing/2010/main" xmlns="">
                 <a:effectLst>
                   <a:outerShdw blurRad="63500" dist="38099" dir="2700000" algn="ctr" rotWithShape="0">
                     <a:srgbClr val="000000">
@@ -33255,7 +33316,7 @@
         <a:effectLst/>
         <a:extLst>
           <a:ext uri="{AF507438-7753-43e0-B8FC-AC1667EBCBE1}">
-            <a14:hiddenEffects xmlns="" xmlns:a14="http://schemas.microsoft.com/office/drawing/2010/main">
+            <a14:hiddenEffects xmlns:a14="http://schemas.microsoft.com/office/drawing/2010/main" xmlns="">
               <a:effectLst>
                 <a:outerShdw blurRad="63500" dist="38099" dir="2700000" algn="ctr" rotWithShape="0">
                   <a:schemeClr val="bg2">
@@ -33331,7 +33392,7 @@
         <a:effectLst/>
         <a:extLst>
           <a:ext uri="{AF507438-7753-43e0-B8FC-AC1667EBCBE1}">
-            <a14:hiddenEffects xmlns="" xmlns:a14="http://schemas.microsoft.com/office/drawing/2010/main">
+            <a14:hiddenEffects xmlns:a14="http://schemas.microsoft.com/office/drawing/2010/main" xmlns="">
               <a:effectLst>
                 <a:outerShdw blurRad="63500" dist="38099" dir="2700000" algn="ctr" rotWithShape="0">
                   <a:schemeClr val="bg2">

--- a/docs/res/media/CyberBatiment.pptx
+++ b/docs/res/media/CyberBatiment.pptx
@@ -30675,10 +30675,10 @@
         </p:nvGrpSpPr>
         <p:grpSpPr>
           <a:xfrm>
-            <a:off x="131763" y="119063"/>
-            <a:ext cx="4310062" cy="2262187"/>
-            <a:chOff x="131763" y="119063"/>
-            <a:chExt cx="4310062" cy="2262187"/>
+            <a:off x="131763" y="261938"/>
+            <a:ext cx="4310062" cy="2119312"/>
+            <a:chOff x="131763" y="261938"/>
+            <a:chExt cx="4310062" cy="2119312"/>
           </a:xfrm>
         </p:grpSpPr>
         <p:pic>
@@ -30831,8 +30831,8 @@
           </p:nvSpPr>
           <p:spPr bwMode="auto">
             <a:xfrm>
-              <a:off x="131763" y="119063"/>
-              <a:ext cx="1366837" cy="912812"/>
+              <a:off x="131763" y="261938"/>
+              <a:ext cx="1508125" cy="709588"/>
             </a:xfrm>
             <a:prstGeom prst="rect">
               <a:avLst/>
@@ -31368,12 +31368,8 @@
             </a:p>
             <a:p>
               <a:r>
-                <a:rPr lang="fr-FR" sz="800"/>
-                <a:t>2020-07-30 </a:t>
-              </a:r>
-              <a:r>
                 <a:rPr lang="fr-FR" sz="800" dirty="0"/>
-                <a:t>---11:00-18:00-----------------------</a:t>
+                <a:t>2020-07-30 ---11:00-18:00-----------------------</a:t>
               </a:r>
             </a:p>
             <a:p>

--- a/docs/res/media/CyberBatiment.pptx
+++ b/docs/res/media/CyberBatiment.pptx
@@ -262,17 +262,17 @@
           <a:effectLst/>
           <a:extLst>
             <a:ext uri="{FAA26D3D-D897-4be2-8F04-BA451C77F1D7}">
-              <ma14:placeholderFlag xmlns:ma14="http://schemas.microsoft.com/office/mac/drawingml/2011/main" xmlns="" val="1"/>
+              <ma14:placeholderFlag xmlns="" xmlns:ma14="http://schemas.microsoft.com/office/mac/drawingml/2011/main" val="1"/>
             </a:ext>
             <a:ext uri="{909E8E84-426E-40dd-AFC4-6F175D3DCCD1}">
-              <a14:hiddenFill xmlns:a14="http://schemas.microsoft.com/office/drawing/2010/main" xmlns="">
+              <a14:hiddenFill xmlns="" xmlns:a14="http://schemas.microsoft.com/office/drawing/2010/main">
                 <a:solidFill>
                   <a:srgbClr val="FFFFFF"/>
                 </a:solidFill>
               </a14:hiddenFill>
             </a:ext>
             <a:ext uri="{91240B29-F687-4f45-9708-019B960494DF}">
-              <a14:hiddenLine xmlns:a14="http://schemas.microsoft.com/office/drawing/2010/main" xmlns="" w="9525" cap="flat">
+              <a14:hiddenLine xmlns="" xmlns:a14="http://schemas.microsoft.com/office/drawing/2010/main" w="9525" cap="flat">
                 <a:solidFill>
                   <a:srgbClr val="000000"/>
                 </a:solidFill>
@@ -282,7 +282,7 @@
               </a14:hiddenLine>
             </a:ext>
             <a:ext uri="{AF507438-7753-43e0-B8FC-AC1667EBCBE1}">
-              <a14:hiddenEffects xmlns:a14="http://schemas.microsoft.com/office/drawing/2010/main" xmlns="">
+              <a14:hiddenEffects xmlns="" xmlns:a14="http://schemas.microsoft.com/office/drawing/2010/main">
                 <a:effectLst>
                   <a:outerShdw blurRad="63500" dist="38099" dir="2700000" algn="ctr" rotWithShape="0">
                     <a:schemeClr val="bg2">
@@ -320,17 +320,17 @@
           <a:effectLst/>
           <a:extLst>
             <a:ext uri="{FAA26D3D-D897-4be2-8F04-BA451C77F1D7}">
-              <ma14:placeholderFlag xmlns:ma14="http://schemas.microsoft.com/office/mac/drawingml/2011/main" xmlns="" val="1"/>
+              <ma14:placeholderFlag xmlns="" xmlns:ma14="http://schemas.microsoft.com/office/mac/drawingml/2011/main" val="1"/>
             </a:ext>
             <a:ext uri="{909E8E84-426E-40dd-AFC4-6F175D3DCCD1}">
-              <a14:hiddenFill xmlns:a14="http://schemas.microsoft.com/office/drawing/2010/main" xmlns="">
+              <a14:hiddenFill xmlns="" xmlns:a14="http://schemas.microsoft.com/office/drawing/2010/main">
                 <a:solidFill>
                   <a:srgbClr val="FFFFFF"/>
                 </a:solidFill>
               </a14:hiddenFill>
             </a:ext>
             <a:ext uri="{91240B29-F687-4f45-9708-019B960494DF}">
-              <a14:hiddenLine xmlns:a14="http://schemas.microsoft.com/office/drawing/2010/main" xmlns="" w="9525" cap="flat">
+              <a14:hiddenLine xmlns="" xmlns:a14="http://schemas.microsoft.com/office/drawing/2010/main" w="9525" cap="flat">
                 <a:solidFill>
                   <a:srgbClr val="000000"/>
                 </a:solidFill>
@@ -340,7 +340,7 @@
               </a14:hiddenLine>
             </a:ext>
             <a:ext uri="{AF507438-7753-43e0-B8FC-AC1667EBCBE1}">
-              <a14:hiddenEffects xmlns:a14="http://schemas.microsoft.com/office/drawing/2010/main" xmlns="">
+              <a14:hiddenEffects xmlns="" xmlns:a14="http://schemas.microsoft.com/office/drawing/2010/main">
                 <a:effectLst>
                   <a:outerShdw blurRad="63500" dist="38099" dir="2700000" algn="ctr" rotWithShape="0">
                     <a:schemeClr val="bg2">
@@ -390,17 +390,17 @@
           <a:effectLst/>
           <a:extLst>
             <a:ext uri="{FAA26D3D-D897-4be2-8F04-BA451C77F1D7}">
-              <ma14:placeholderFlag xmlns:ma14="http://schemas.microsoft.com/office/mac/drawingml/2011/main" xmlns="" val="1"/>
+              <ma14:placeholderFlag xmlns="" xmlns:ma14="http://schemas.microsoft.com/office/mac/drawingml/2011/main" val="1"/>
             </a:ext>
             <a:ext uri="{909E8E84-426E-40dd-AFC4-6F175D3DCCD1}">
-              <a14:hiddenFill xmlns:a14="http://schemas.microsoft.com/office/drawing/2010/main" xmlns="">
+              <a14:hiddenFill xmlns="" xmlns:a14="http://schemas.microsoft.com/office/drawing/2010/main">
                 <a:solidFill>
                   <a:srgbClr val="FFFFFF"/>
                 </a:solidFill>
               </a14:hiddenFill>
             </a:ext>
             <a:ext uri="{91240B29-F687-4f45-9708-019B960494DF}">
-              <a14:hiddenLine xmlns:a14="http://schemas.microsoft.com/office/drawing/2010/main" xmlns="" w="9525" cap="flat">
+              <a14:hiddenLine xmlns="" xmlns:a14="http://schemas.microsoft.com/office/drawing/2010/main" w="9525" cap="flat">
                 <a:solidFill>
                   <a:srgbClr val="000000"/>
                 </a:solidFill>
@@ -410,7 +410,7 @@
               </a14:hiddenLine>
             </a:ext>
             <a:ext uri="{AF507438-7753-43e0-B8FC-AC1667EBCBE1}">
-              <a14:hiddenEffects xmlns:a14="http://schemas.microsoft.com/office/drawing/2010/main" xmlns="">
+              <a14:hiddenEffects xmlns="" xmlns:a14="http://schemas.microsoft.com/office/drawing/2010/main">
                 <a:effectLst>
                   <a:outerShdw blurRad="63500" dist="38099" dir="2700000" algn="ctr" rotWithShape="0">
                     <a:schemeClr val="bg2">
@@ -481,17 +481,17 @@
           <a:effectLst/>
           <a:extLst>
             <a:ext uri="{FAA26D3D-D897-4be2-8F04-BA451C77F1D7}">
-              <ma14:placeholderFlag xmlns:ma14="http://schemas.microsoft.com/office/mac/drawingml/2011/main" xmlns="" val="1"/>
+              <ma14:placeholderFlag xmlns="" xmlns:ma14="http://schemas.microsoft.com/office/mac/drawingml/2011/main" val="1"/>
             </a:ext>
             <a:ext uri="{909E8E84-426E-40dd-AFC4-6F175D3DCCD1}">
-              <a14:hiddenFill xmlns:a14="http://schemas.microsoft.com/office/drawing/2010/main" xmlns="">
+              <a14:hiddenFill xmlns="" xmlns:a14="http://schemas.microsoft.com/office/drawing/2010/main">
                 <a:solidFill>
                   <a:srgbClr val="FFFFFF"/>
                 </a:solidFill>
               </a14:hiddenFill>
             </a:ext>
             <a:ext uri="{91240B29-F687-4f45-9708-019B960494DF}">
-              <a14:hiddenLine xmlns:a14="http://schemas.microsoft.com/office/drawing/2010/main" xmlns="" w="9525" cap="flat">
+              <a14:hiddenLine xmlns="" xmlns:a14="http://schemas.microsoft.com/office/drawing/2010/main" w="9525" cap="flat">
                 <a:solidFill>
                   <a:srgbClr val="000000"/>
                 </a:solidFill>
@@ -501,7 +501,7 @@
               </a14:hiddenLine>
             </a:ext>
             <a:ext uri="{AF507438-7753-43e0-B8FC-AC1667EBCBE1}">
-              <a14:hiddenEffects xmlns:a14="http://schemas.microsoft.com/office/drawing/2010/main" xmlns="">
+              <a14:hiddenEffects xmlns="" xmlns:a14="http://schemas.microsoft.com/office/drawing/2010/main">
                 <a:effectLst>
                   <a:outerShdw blurRad="63500" dist="38099" dir="2700000" algn="ctr" rotWithShape="0">
                     <a:schemeClr val="bg2">
@@ -572,17 +572,17 @@
           <a:effectLst/>
           <a:extLst>
             <a:ext uri="{FAA26D3D-D897-4be2-8F04-BA451C77F1D7}">
-              <ma14:placeholderFlag xmlns:ma14="http://schemas.microsoft.com/office/mac/drawingml/2011/main" xmlns="" val="1"/>
+              <ma14:placeholderFlag xmlns="" xmlns:ma14="http://schemas.microsoft.com/office/mac/drawingml/2011/main" val="1"/>
             </a:ext>
             <a:ext uri="{909E8E84-426E-40dd-AFC4-6F175D3DCCD1}">
-              <a14:hiddenFill xmlns:a14="http://schemas.microsoft.com/office/drawing/2010/main" xmlns="">
+              <a14:hiddenFill xmlns="" xmlns:a14="http://schemas.microsoft.com/office/drawing/2010/main">
                 <a:solidFill>
                   <a:srgbClr val="FFFFFF"/>
                 </a:solidFill>
               </a14:hiddenFill>
             </a:ext>
             <a:ext uri="{91240B29-F687-4f45-9708-019B960494DF}">
-              <a14:hiddenLine xmlns:a14="http://schemas.microsoft.com/office/drawing/2010/main" xmlns="" w="9525" cap="flat">
+              <a14:hiddenLine xmlns="" xmlns:a14="http://schemas.microsoft.com/office/drawing/2010/main" w="9525" cap="flat">
                 <a:solidFill>
                   <a:srgbClr val="000000"/>
                 </a:solidFill>
@@ -592,7 +592,7 @@
               </a14:hiddenLine>
             </a:ext>
             <a:ext uri="{AF507438-7753-43e0-B8FC-AC1667EBCBE1}">
-              <a14:hiddenEffects xmlns:a14="http://schemas.microsoft.com/office/drawing/2010/main" xmlns="">
+              <a14:hiddenEffects xmlns="" xmlns:a14="http://schemas.microsoft.com/office/drawing/2010/main">
                 <a:effectLst>
                   <a:outerShdw blurRad="63500" dist="38099" dir="2700000" algn="ctr" rotWithShape="0">
                     <a:schemeClr val="bg2">
@@ -663,17 +663,17 @@
           <a:effectLst/>
           <a:extLst>
             <a:ext uri="{FAA26D3D-D897-4be2-8F04-BA451C77F1D7}">
-              <ma14:placeholderFlag xmlns:ma14="http://schemas.microsoft.com/office/mac/drawingml/2011/main" xmlns="" val="1"/>
+              <ma14:placeholderFlag xmlns="" xmlns:ma14="http://schemas.microsoft.com/office/mac/drawingml/2011/main" val="1"/>
             </a:ext>
             <a:ext uri="{909E8E84-426E-40dd-AFC4-6F175D3DCCD1}">
-              <a14:hiddenFill xmlns:a14="http://schemas.microsoft.com/office/drawing/2010/main" xmlns="">
+              <a14:hiddenFill xmlns="" xmlns:a14="http://schemas.microsoft.com/office/drawing/2010/main">
                 <a:solidFill>
                   <a:srgbClr val="FFFFFF"/>
                 </a:solidFill>
               </a14:hiddenFill>
             </a:ext>
             <a:ext uri="{91240B29-F687-4f45-9708-019B960494DF}">
-              <a14:hiddenLine xmlns:a14="http://schemas.microsoft.com/office/drawing/2010/main" xmlns="" w="9525" cap="flat">
+              <a14:hiddenLine xmlns="" xmlns:a14="http://schemas.microsoft.com/office/drawing/2010/main" w="9525" cap="flat">
                 <a:solidFill>
                   <a:srgbClr val="000000"/>
                 </a:solidFill>
@@ -683,7 +683,7 @@
               </a14:hiddenLine>
             </a:ext>
             <a:ext uri="{AF507438-7753-43e0-B8FC-AC1667EBCBE1}">
-              <a14:hiddenEffects xmlns:a14="http://schemas.microsoft.com/office/drawing/2010/main" xmlns="">
+              <a14:hiddenEffects xmlns="" xmlns:a14="http://schemas.microsoft.com/office/drawing/2010/main">
                 <a:effectLst>
                   <a:outerShdw blurRad="63500" dist="38099" dir="2700000" algn="ctr" rotWithShape="0">
                     <a:schemeClr val="bg2">
@@ -974,7 +974,7 @@
           </a:ln>
           <a:extLst>
             <a:ext uri="{AF507438-7753-43e0-B8FC-AC1667EBCBE1}">
-              <a14:hiddenEffects xmlns:a14="http://schemas.microsoft.com/office/drawing/2010/main" xmlns="">
+              <a14:hiddenEffects xmlns="" xmlns:a14="http://schemas.microsoft.com/office/drawing/2010/main">
                 <a:effectLst>
                   <a:outerShdw blurRad="63500" dist="38099" dir="2700000" algn="ctr" rotWithShape="0">
                     <a:srgbClr val="000000">
@@ -1009,14 +1009,14 @@
           <a:ln/>
           <a:extLst>
             <a:ext uri="{909E8E84-426E-40dd-AFC4-6F175D3DCCD1}">
-              <a14:hiddenFill xmlns:a14="http://schemas.microsoft.com/office/drawing/2010/main" xmlns="">
+              <a14:hiddenFill xmlns="" xmlns:a14="http://schemas.microsoft.com/office/drawing/2010/main">
                 <a:solidFill>
                   <a:srgbClr val="FFFFFF"/>
                 </a:solidFill>
               </a14:hiddenFill>
             </a:ext>
             <a:ext uri="{91240B29-F687-4f45-9708-019B960494DF}">
-              <a14:hiddenLine xmlns:a14="http://schemas.microsoft.com/office/drawing/2010/main" xmlns="" w="9525" cap="flat">
+              <a14:hiddenLine xmlns="" xmlns:a14="http://schemas.microsoft.com/office/drawing/2010/main" w="9525" cap="flat">
                 <a:solidFill>
                   <a:srgbClr val="000000"/>
                 </a:solidFill>
@@ -1026,7 +1026,7 @@
               </a14:hiddenLine>
             </a:ext>
             <a:ext uri="{AF507438-7753-43e0-B8FC-AC1667EBCBE1}">
-              <a14:hiddenEffects xmlns:a14="http://schemas.microsoft.com/office/drawing/2010/main" xmlns="">
+              <a14:hiddenEffects xmlns="" xmlns:a14="http://schemas.microsoft.com/office/drawing/2010/main">
                 <a:effectLst>
                   <a:outerShdw blurRad="63500" dist="38099" dir="2700000" algn="ctr" rotWithShape="0">
                     <a:srgbClr val="000000">
@@ -1136,7 +1136,7 @@
           </a:ln>
           <a:extLst>
             <a:ext uri="{AF507438-7753-43e0-B8FC-AC1667EBCBE1}">
-              <a14:hiddenEffects xmlns:a14="http://schemas.microsoft.com/office/drawing/2010/main" xmlns="">
+              <a14:hiddenEffects xmlns="" xmlns:a14="http://schemas.microsoft.com/office/drawing/2010/main">
                 <a:effectLst>
                   <a:outerShdw blurRad="63500" dist="38099" dir="2700000" algn="ctr" rotWithShape="0">
                     <a:srgbClr val="000000">
@@ -1171,14 +1171,14 @@
           <a:ln/>
           <a:extLst>
             <a:ext uri="{909E8E84-426E-40dd-AFC4-6F175D3DCCD1}">
-              <a14:hiddenFill xmlns:a14="http://schemas.microsoft.com/office/drawing/2010/main" xmlns="">
+              <a14:hiddenFill xmlns="" xmlns:a14="http://schemas.microsoft.com/office/drawing/2010/main">
                 <a:solidFill>
                   <a:srgbClr val="FFFFFF"/>
                 </a:solidFill>
               </a14:hiddenFill>
             </a:ext>
             <a:ext uri="{91240B29-F687-4f45-9708-019B960494DF}">
-              <a14:hiddenLine xmlns:a14="http://schemas.microsoft.com/office/drawing/2010/main" xmlns="" w="9525" cap="flat">
+              <a14:hiddenLine xmlns="" xmlns:a14="http://schemas.microsoft.com/office/drawing/2010/main" w="9525" cap="flat">
                 <a:solidFill>
                   <a:srgbClr val="000000"/>
                 </a:solidFill>
@@ -1188,7 +1188,7 @@
               </a14:hiddenLine>
             </a:ext>
             <a:ext uri="{AF507438-7753-43e0-B8FC-AC1667EBCBE1}">
-              <a14:hiddenEffects xmlns:a14="http://schemas.microsoft.com/office/drawing/2010/main" xmlns="">
+              <a14:hiddenEffects xmlns="" xmlns:a14="http://schemas.microsoft.com/office/drawing/2010/main">
                 <a:effectLst>
                   <a:outerShdw blurRad="63500" dist="38099" dir="2700000" algn="ctr" rotWithShape="0">
                     <a:srgbClr val="000000">
@@ -1298,7 +1298,7 @@
           </a:ln>
           <a:extLst>
             <a:ext uri="{AF507438-7753-43e0-B8FC-AC1667EBCBE1}">
-              <a14:hiddenEffects xmlns:a14="http://schemas.microsoft.com/office/drawing/2010/main" xmlns="">
+              <a14:hiddenEffects xmlns="" xmlns:a14="http://schemas.microsoft.com/office/drawing/2010/main">
                 <a:effectLst>
                   <a:outerShdw blurRad="63500" dist="38099" dir="2700000" algn="ctr" rotWithShape="0">
                     <a:srgbClr val="000000">
@@ -1333,14 +1333,14 @@
           <a:ln/>
           <a:extLst>
             <a:ext uri="{909E8E84-426E-40dd-AFC4-6F175D3DCCD1}">
-              <a14:hiddenFill xmlns:a14="http://schemas.microsoft.com/office/drawing/2010/main" xmlns="">
+              <a14:hiddenFill xmlns="" xmlns:a14="http://schemas.microsoft.com/office/drawing/2010/main">
                 <a:solidFill>
                   <a:srgbClr val="FFFFFF"/>
                 </a:solidFill>
               </a14:hiddenFill>
             </a:ext>
             <a:ext uri="{91240B29-F687-4f45-9708-019B960494DF}">
-              <a14:hiddenLine xmlns:a14="http://schemas.microsoft.com/office/drawing/2010/main" xmlns="" w="9525" cap="flat">
+              <a14:hiddenLine xmlns="" xmlns:a14="http://schemas.microsoft.com/office/drawing/2010/main" w="9525" cap="flat">
                 <a:solidFill>
                   <a:srgbClr val="000000"/>
                 </a:solidFill>
@@ -1350,7 +1350,7 @@
               </a14:hiddenLine>
             </a:ext>
             <a:ext uri="{AF507438-7753-43e0-B8FC-AC1667EBCBE1}">
-              <a14:hiddenEffects xmlns:a14="http://schemas.microsoft.com/office/drawing/2010/main" xmlns="">
+              <a14:hiddenEffects xmlns="" xmlns:a14="http://schemas.microsoft.com/office/drawing/2010/main">
                 <a:effectLst>
                   <a:outerShdw blurRad="63500" dist="38099" dir="2700000" algn="ctr" rotWithShape="0">
                     <a:srgbClr val="000000">
@@ -4015,17 +4015,17 @@
           <a:effectLst/>
           <a:extLst>
             <a:ext uri="{FAA26D3D-D897-4be2-8F04-BA451C77F1D7}">
-              <ma14:placeholderFlag xmlns:ma14="http://schemas.microsoft.com/office/mac/drawingml/2011/main" xmlns="" val="1"/>
+              <ma14:placeholderFlag xmlns="" xmlns:ma14="http://schemas.microsoft.com/office/mac/drawingml/2011/main" val="1"/>
             </a:ext>
             <a:ext uri="{909E8E84-426E-40dd-AFC4-6F175D3DCCD1}">
-              <a14:hiddenFill xmlns:a14="http://schemas.microsoft.com/office/drawing/2010/main" xmlns="">
+              <a14:hiddenFill xmlns="" xmlns:a14="http://schemas.microsoft.com/office/drawing/2010/main">
                 <a:solidFill>
                   <a:srgbClr val="FFFFFF"/>
                 </a:solidFill>
               </a14:hiddenFill>
             </a:ext>
             <a:ext uri="{91240B29-F687-4f45-9708-019B960494DF}">
-              <a14:hiddenLine xmlns:a14="http://schemas.microsoft.com/office/drawing/2010/main" xmlns="" w="9525" cap="flat">
+              <a14:hiddenLine xmlns="" xmlns:a14="http://schemas.microsoft.com/office/drawing/2010/main" w="9525" cap="flat">
                 <a:solidFill>
                   <a:srgbClr val="000000"/>
                 </a:solidFill>
@@ -4035,7 +4035,7 @@
               </a14:hiddenLine>
             </a:ext>
             <a:ext uri="{AF507438-7753-43e0-B8FC-AC1667EBCBE1}">
-              <a14:hiddenEffects xmlns:a14="http://schemas.microsoft.com/office/drawing/2010/main" xmlns="">
+              <a14:hiddenEffects xmlns="" xmlns:a14="http://schemas.microsoft.com/office/drawing/2010/main">
                 <a:effectLst>
                   <a:outerShdw blurRad="63500" dist="38099" dir="2700000" algn="ctr" rotWithShape="0">
                     <a:schemeClr val="bg2">
@@ -4088,17 +4088,17 @@
           <a:effectLst/>
           <a:extLst>
             <a:ext uri="{FAA26D3D-D897-4be2-8F04-BA451C77F1D7}">
-              <ma14:placeholderFlag xmlns:ma14="http://schemas.microsoft.com/office/mac/drawingml/2011/main" xmlns="" val="1"/>
+              <ma14:placeholderFlag xmlns="" xmlns:ma14="http://schemas.microsoft.com/office/mac/drawingml/2011/main" val="1"/>
             </a:ext>
             <a:ext uri="{909E8E84-426E-40dd-AFC4-6F175D3DCCD1}">
-              <a14:hiddenFill xmlns:a14="http://schemas.microsoft.com/office/drawing/2010/main" xmlns="">
+              <a14:hiddenFill xmlns="" xmlns:a14="http://schemas.microsoft.com/office/drawing/2010/main">
                 <a:solidFill>
                   <a:srgbClr val="FFFFFF"/>
                 </a:solidFill>
               </a14:hiddenFill>
             </a:ext>
             <a:ext uri="{91240B29-F687-4f45-9708-019B960494DF}">
-              <a14:hiddenLine xmlns:a14="http://schemas.microsoft.com/office/drawing/2010/main" xmlns="" w="9525" cap="flat">
+              <a14:hiddenLine xmlns="" xmlns:a14="http://schemas.microsoft.com/office/drawing/2010/main" w="9525" cap="flat">
                 <a:solidFill>
                   <a:srgbClr val="000000"/>
                 </a:solidFill>
@@ -4108,7 +4108,7 @@
               </a14:hiddenLine>
             </a:ext>
             <a:ext uri="{AF507438-7753-43e0-B8FC-AC1667EBCBE1}">
-              <a14:hiddenEffects xmlns:a14="http://schemas.microsoft.com/office/drawing/2010/main" xmlns="">
+              <a14:hiddenEffects xmlns="" xmlns:a14="http://schemas.microsoft.com/office/drawing/2010/main">
                 <a:effectLst>
                   <a:outerShdw blurRad="63500" dist="38099" dir="2700000" algn="ctr" rotWithShape="0">
                     <a:schemeClr val="bg2">
@@ -4203,17 +4203,17 @@
           <a:effectLst/>
           <a:extLst>
             <a:ext uri="{FAA26D3D-D897-4be2-8F04-BA451C77F1D7}">
-              <ma14:placeholderFlag xmlns:ma14="http://schemas.microsoft.com/office/mac/drawingml/2011/main" xmlns="" val="1"/>
+              <ma14:placeholderFlag xmlns="" xmlns:ma14="http://schemas.microsoft.com/office/mac/drawingml/2011/main" val="1"/>
             </a:ext>
             <a:ext uri="{909E8E84-426E-40dd-AFC4-6F175D3DCCD1}">
-              <a14:hiddenFill xmlns:a14="http://schemas.microsoft.com/office/drawing/2010/main" xmlns="">
+              <a14:hiddenFill xmlns="" xmlns:a14="http://schemas.microsoft.com/office/drawing/2010/main">
                 <a:solidFill>
                   <a:srgbClr val="FFFFFF"/>
                 </a:solidFill>
               </a14:hiddenFill>
             </a:ext>
             <a:ext uri="{91240B29-F687-4f45-9708-019B960494DF}">
-              <a14:hiddenLine xmlns:a14="http://schemas.microsoft.com/office/drawing/2010/main" xmlns="" w="9525" cap="flat">
+              <a14:hiddenLine xmlns="" xmlns:a14="http://schemas.microsoft.com/office/drawing/2010/main" w="9525" cap="flat">
                 <a:solidFill>
                   <a:srgbClr val="000000"/>
                 </a:solidFill>
@@ -4223,7 +4223,7 @@
               </a14:hiddenLine>
             </a:ext>
             <a:ext uri="{AF507438-7753-43e0-B8FC-AC1667EBCBE1}">
-              <a14:hiddenEffects xmlns:a14="http://schemas.microsoft.com/office/drawing/2010/main" xmlns="">
+              <a14:hiddenEffects xmlns="" xmlns:a14="http://schemas.microsoft.com/office/drawing/2010/main">
                 <a:effectLst>
                   <a:outerShdw blurRad="63500" dist="38099" dir="2700000" algn="ctr" rotWithShape="0">
                     <a:schemeClr val="bg2">
@@ -4292,17 +4292,17 @@
           <a:effectLst/>
           <a:extLst>
             <a:ext uri="{FAA26D3D-D897-4be2-8F04-BA451C77F1D7}">
-              <ma14:placeholderFlag xmlns:ma14="http://schemas.microsoft.com/office/mac/drawingml/2011/main" xmlns="" val="1"/>
+              <ma14:placeholderFlag xmlns="" xmlns:ma14="http://schemas.microsoft.com/office/mac/drawingml/2011/main" val="1"/>
             </a:ext>
             <a:ext uri="{909E8E84-426E-40dd-AFC4-6F175D3DCCD1}">
-              <a14:hiddenFill xmlns:a14="http://schemas.microsoft.com/office/drawing/2010/main" xmlns="">
+              <a14:hiddenFill xmlns="" xmlns:a14="http://schemas.microsoft.com/office/drawing/2010/main">
                 <a:solidFill>
                   <a:srgbClr val="FFFFFF"/>
                 </a:solidFill>
               </a14:hiddenFill>
             </a:ext>
             <a:ext uri="{91240B29-F687-4f45-9708-019B960494DF}">
-              <a14:hiddenLine xmlns:a14="http://schemas.microsoft.com/office/drawing/2010/main" xmlns="" w="9525" cap="flat">
+              <a14:hiddenLine xmlns="" xmlns:a14="http://schemas.microsoft.com/office/drawing/2010/main" w="9525" cap="flat">
                 <a:solidFill>
                   <a:srgbClr val="000000"/>
                 </a:solidFill>
@@ -4312,7 +4312,7 @@
               </a14:hiddenLine>
             </a:ext>
             <a:ext uri="{AF507438-7753-43e0-B8FC-AC1667EBCBE1}">
-              <a14:hiddenEffects xmlns:a14="http://schemas.microsoft.com/office/drawing/2010/main" xmlns="">
+              <a14:hiddenEffects xmlns="" xmlns:a14="http://schemas.microsoft.com/office/drawing/2010/main">
                 <a:effectLst>
                   <a:outerShdw blurRad="63500" dist="38099" dir="2700000" algn="ctr" rotWithShape="0">
                     <a:schemeClr val="bg2">
@@ -4383,17 +4383,17 @@
           <a:effectLst/>
           <a:extLst>
             <a:ext uri="{FAA26D3D-D897-4be2-8F04-BA451C77F1D7}">
-              <ma14:placeholderFlag xmlns:ma14="http://schemas.microsoft.com/office/mac/drawingml/2011/main" xmlns="" val="1"/>
+              <ma14:placeholderFlag xmlns="" xmlns:ma14="http://schemas.microsoft.com/office/mac/drawingml/2011/main" val="1"/>
             </a:ext>
             <a:ext uri="{909E8E84-426E-40dd-AFC4-6F175D3DCCD1}">
-              <a14:hiddenFill xmlns:a14="http://schemas.microsoft.com/office/drawing/2010/main" xmlns="">
+              <a14:hiddenFill xmlns="" xmlns:a14="http://schemas.microsoft.com/office/drawing/2010/main">
                 <a:solidFill>
                   <a:srgbClr val="FFFFFF"/>
                 </a:solidFill>
               </a14:hiddenFill>
             </a:ext>
             <a:ext uri="{91240B29-F687-4f45-9708-019B960494DF}">
-              <a14:hiddenLine xmlns:a14="http://schemas.microsoft.com/office/drawing/2010/main" xmlns="" w="9525" cap="flat">
+              <a14:hiddenLine xmlns="" xmlns:a14="http://schemas.microsoft.com/office/drawing/2010/main" w="9525" cap="flat">
                 <a:solidFill>
                   <a:srgbClr val="000000"/>
                 </a:solidFill>
@@ -4403,7 +4403,7 @@
               </a14:hiddenLine>
             </a:ext>
             <a:ext uri="{AF507438-7753-43e0-B8FC-AC1667EBCBE1}">
-              <a14:hiddenEffects xmlns:a14="http://schemas.microsoft.com/office/drawing/2010/main" xmlns="">
+              <a14:hiddenEffects xmlns="" xmlns:a14="http://schemas.microsoft.com/office/drawing/2010/main">
                 <a:effectLst>
                   <a:outerShdw blurRad="63500" dist="38099" dir="2700000" algn="ctr" rotWithShape="0">
                     <a:schemeClr val="bg2">
@@ -5054,7 +5054,7 @@
           <a:effectLst/>
           <a:extLst>
             <a:ext uri="{AF507438-7753-43e0-B8FC-AC1667EBCBE1}">
-              <a14:hiddenEffects xmlns:a14="http://schemas.microsoft.com/office/drawing/2010/main" xmlns="">
+              <a14:hiddenEffects xmlns="" xmlns:a14="http://schemas.microsoft.com/office/drawing/2010/main">
                 <a:effectLst>
                   <a:outerShdw blurRad="63500" dist="38099" dir="2700000" algn="ctr" rotWithShape="0">
                     <a:srgbClr val="000000">
@@ -5106,7 +5106,7 @@
           <a:effectLst/>
           <a:extLst>
             <a:ext uri="{AF507438-7753-43e0-B8FC-AC1667EBCBE1}">
-              <a14:hiddenEffects xmlns:a14="http://schemas.microsoft.com/office/drawing/2010/main" xmlns="">
+              <a14:hiddenEffects xmlns="" xmlns:a14="http://schemas.microsoft.com/office/drawing/2010/main">
                 <a:effectLst>
                   <a:outerShdw blurRad="63500" dist="38099" dir="2700000" algn="ctr" rotWithShape="0">
                     <a:srgbClr val="000000">
@@ -5158,7 +5158,7 @@
           <a:effectLst/>
           <a:extLst>
             <a:ext uri="{AF507438-7753-43e0-B8FC-AC1667EBCBE1}">
-              <a14:hiddenEffects xmlns:a14="http://schemas.microsoft.com/office/drawing/2010/main" xmlns="">
+              <a14:hiddenEffects xmlns="" xmlns:a14="http://schemas.microsoft.com/office/drawing/2010/main">
                 <a:effectLst>
                   <a:outerShdw blurRad="63500" dist="38099" dir="2700000" algn="ctr" rotWithShape="0">
                     <a:srgbClr val="000000">
@@ -5210,7 +5210,7 @@
           <a:effectLst/>
           <a:extLst>
             <a:ext uri="{AF507438-7753-43e0-B8FC-AC1667EBCBE1}">
-              <a14:hiddenEffects xmlns:a14="http://schemas.microsoft.com/office/drawing/2010/main" xmlns="">
+              <a14:hiddenEffects xmlns="" xmlns:a14="http://schemas.microsoft.com/office/drawing/2010/main">
                 <a:effectLst>
                   <a:outerShdw blurRad="63500" dist="38099" dir="2700000" algn="ctr" rotWithShape="0">
                     <a:srgbClr val="000000">
@@ -5260,7 +5260,7 @@
           <a:effectLst/>
           <a:extLst>
             <a:ext uri="{AF507438-7753-43e0-B8FC-AC1667EBCBE1}">
-              <a14:hiddenEffects xmlns:a14="http://schemas.microsoft.com/office/drawing/2010/main" xmlns="">
+              <a14:hiddenEffects xmlns="" xmlns:a14="http://schemas.microsoft.com/office/drawing/2010/main">
                 <a:effectLst>
                   <a:outerShdw blurRad="63500" dist="38099" dir="2700000" algn="ctr" rotWithShape="0">
                     <a:srgbClr val="000000">
@@ -5312,7 +5312,7 @@
           <a:effectLst/>
           <a:extLst>
             <a:ext uri="{AF507438-7753-43e0-B8FC-AC1667EBCBE1}">
-              <a14:hiddenEffects xmlns:a14="http://schemas.microsoft.com/office/drawing/2010/main" xmlns="">
+              <a14:hiddenEffects xmlns="" xmlns:a14="http://schemas.microsoft.com/office/drawing/2010/main">
                 <a:effectLst>
                   <a:outerShdw blurRad="63500" dist="38099" dir="2700000" algn="ctr" rotWithShape="0">
                     <a:srgbClr val="000000">
@@ -5364,7 +5364,7 @@
           <a:effectLst/>
           <a:extLst>
             <a:ext uri="{AF507438-7753-43e0-B8FC-AC1667EBCBE1}">
-              <a14:hiddenEffects xmlns:a14="http://schemas.microsoft.com/office/drawing/2010/main" xmlns="">
+              <a14:hiddenEffects xmlns="" xmlns:a14="http://schemas.microsoft.com/office/drawing/2010/main">
                 <a:effectLst>
                   <a:outerShdw blurRad="63500" dist="38099" dir="2700000" algn="ctr" rotWithShape="0">
                     <a:srgbClr val="000000">
@@ -5416,7 +5416,7 @@
           <a:effectLst/>
           <a:extLst>
             <a:ext uri="{AF507438-7753-43e0-B8FC-AC1667EBCBE1}">
-              <a14:hiddenEffects xmlns:a14="http://schemas.microsoft.com/office/drawing/2010/main" xmlns="">
+              <a14:hiddenEffects xmlns="" xmlns:a14="http://schemas.microsoft.com/office/drawing/2010/main">
                 <a:effectLst>
                   <a:outerShdw blurRad="63500" dist="38099" dir="2700000" algn="ctr" rotWithShape="0">
                     <a:srgbClr val="000000">
@@ -5468,7 +5468,7 @@
           <a:effectLst/>
           <a:extLst>
             <a:ext uri="{AF507438-7753-43e0-B8FC-AC1667EBCBE1}">
-              <a14:hiddenEffects xmlns:a14="http://schemas.microsoft.com/office/drawing/2010/main" xmlns="">
+              <a14:hiddenEffects xmlns="" xmlns:a14="http://schemas.microsoft.com/office/drawing/2010/main">
                 <a:effectLst>
                   <a:outerShdw blurRad="63500" dist="38099" dir="2700000" algn="ctr" rotWithShape="0">
                     <a:srgbClr val="000000">
@@ -5520,7 +5520,7 @@
           <a:effectLst/>
           <a:extLst>
             <a:ext uri="{AF507438-7753-43e0-B8FC-AC1667EBCBE1}">
-              <a14:hiddenEffects xmlns:a14="http://schemas.microsoft.com/office/drawing/2010/main" xmlns="">
+              <a14:hiddenEffects xmlns="" xmlns:a14="http://schemas.microsoft.com/office/drawing/2010/main">
                 <a:effectLst>
                   <a:outerShdw blurRad="63500" dist="38099" dir="2700000" algn="ctr" rotWithShape="0">
                     <a:srgbClr val="000000">
@@ -5573,7 +5573,7 @@
           <a:effectLst/>
           <a:extLst>
             <a:ext uri="{AF507438-7753-43e0-B8FC-AC1667EBCBE1}">
-              <a14:hiddenEffects xmlns:a14="http://schemas.microsoft.com/office/drawing/2010/main" xmlns="">
+              <a14:hiddenEffects xmlns="" xmlns:a14="http://schemas.microsoft.com/office/drawing/2010/main">
                 <a:effectLst>
                   <a:outerShdw blurRad="63500" dist="38099" dir="2700000" algn="ctr" rotWithShape="0">
                     <a:srgbClr val="000000">
@@ -5623,7 +5623,7 @@
           <a:effectLst/>
           <a:extLst>
             <a:ext uri="{AF507438-7753-43e0-B8FC-AC1667EBCBE1}">
-              <a14:hiddenEffects xmlns:a14="http://schemas.microsoft.com/office/drawing/2010/main" xmlns="">
+              <a14:hiddenEffects xmlns="" xmlns:a14="http://schemas.microsoft.com/office/drawing/2010/main">
                 <a:effectLst>
                   <a:outerShdw blurRad="63500" dist="38099" dir="2700000" algn="ctr" rotWithShape="0">
                     <a:srgbClr val="000000">
@@ -5673,7 +5673,7 @@
           <a:effectLst/>
           <a:extLst>
             <a:ext uri="{AF507438-7753-43e0-B8FC-AC1667EBCBE1}">
-              <a14:hiddenEffects xmlns:a14="http://schemas.microsoft.com/office/drawing/2010/main" xmlns="">
+              <a14:hiddenEffects xmlns="" xmlns:a14="http://schemas.microsoft.com/office/drawing/2010/main">
                 <a:effectLst>
                   <a:outerShdw blurRad="63500" dist="38099" dir="2700000" algn="ctr" rotWithShape="0">
                     <a:srgbClr val="000000">
@@ -5723,7 +5723,7 @@
           <a:effectLst/>
           <a:extLst>
             <a:ext uri="{AF507438-7753-43e0-B8FC-AC1667EBCBE1}">
-              <a14:hiddenEffects xmlns:a14="http://schemas.microsoft.com/office/drawing/2010/main" xmlns="">
+              <a14:hiddenEffects xmlns="" xmlns:a14="http://schemas.microsoft.com/office/drawing/2010/main">
                 <a:effectLst>
                   <a:outerShdw blurRad="63500" dist="38099" dir="2700000" algn="ctr" rotWithShape="0">
                     <a:srgbClr val="000000">
@@ -5773,7 +5773,7 @@
           <a:effectLst/>
           <a:extLst>
             <a:ext uri="{AF507438-7753-43e0-B8FC-AC1667EBCBE1}">
-              <a14:hiddenEffects xmlns:a14="http://schemas.microsoft.com/office/drawing/2010/main" xmlns="">
+              <a14:hiddenEffects xmlns="" xmlns:a14="http://schemas.microsoft.com/office/drawing/2010/main">
                 <a:effectLst>
                   <a:outerShdw blurRad="63500" dist="38099" dir="2700000" algn="ctr" rotWithShape="0">
                     <a:srgbClr val="000000">
@@ -5823,7 +5823,7 @@
           <a:effectLst/>
           <a:extLst>
             <a:ext uri="{AF507438-7753-43e0-B8FC-AC1667EBCBE1}">
-              <a14:hiddenEffects xmlns:a14="http://schemas.microsoft.com/office/drawing/2010/main" xmlns="">
+              <a14:hiddenEffects xmlns="" xmlns:a14="http://schemas.microsoft.com/office/drawing/2010/main">
                 <a:effectLst>
                   <a:outerShdw blurRad="63500" dist="38099" dir="2700000" algn="ctr" rotWithShape="0">
                     <a:srgbClr val="000000">
@@ -5873,7 +5873,7 @@
           <a:effectLst/>
           <a:extLst>
             <a:ext uri="{AF507438-7753-43e0-B8FC-AC1667EBCBE1}">
-              <a14:hiddenEffects xmlns:a14="http://schemas.microsoft.com/office/drawing/2010/main" xmlns="">
+              <a14:hiddenEffects xmlns="" xmlns:a14="http://schemas.microsoft.com/office/drawing/2010/main">
                 <a:effectLst>
                   <a:outerShdw blurRad="63500" dist="38099" dir="2700000" algn="ctr" rotWithShape="0">
                     <a:srgbClr val="000000">
@@ -5921,12 +5921,12 @@
           <a:effectLst/>
           <a:extLst>
             <a:ext uri="{909E8E84-426E-40dd-AFC4-6F175D3DCCD1}">
-              <a14:hiddenFill xmlns:a14="http://schemas.microsoft.com/office/drawing/2010/main" xmlns="">
+              <a14:hiddenFill xmlns="" xmlns:a14="http://schemas.microsoft.com/office/drawing/2010/main">
                 <a:noFill/>
               </a14:hiddenFill>
             </a:ext>
             <a:ext uri="{AF507438-7753-43e0-B8FC-AC1667EBCBE1}">
-              <a14:hiddenEffects xmlns:a14="http://schemas.microsoft.com/office/drawing/2010/main" xmlns="">
+              <a14:hiddenEffects xmlns="" xmlns:a14="http://schemas.microsoft.com/office/drawing/2010/main">
                 <a:effectLst>
                   <a:outerShdw blurRad="63500" dist="38099" dir="2700000" algn="ctr" rotWithShape="0">
                     <a:srgbClr val="000000">
@@ -5974,12 +5974,12 @@
           <a:effectLst/>
           <a:extLst>
             <a:ext uri="{909E8E84-426E-40dd-AFC4-6F175D3DCCD1}">
-              <a14:hiddenFill xmlns:a14="http://schemas.microsoft.com/office/drawing/2010/main" xmlns="">
+              <a14:hiddenFill xmlns="" xmlns:a14="http://schemas.microsoft.com/office/drawing/2010/main">
                 <a:noFill/>
               </a14:hiddenFill>
             </a:ext>
             <a:ext uri="{AF507438-7753-43e0-B8FC-AC1667EBCBE1}">
-              <a14:hiddenEffects xmlns:a14="http://schemas.microsoft.com/office/drawing/2010/main" xmlns="">
+              <a14:hiddenEffects xmlns="" xmlns:a14="http://schemas.microsoft.com/office/drawing/2010/main">
                 <a:effectLst>
                   <a:outerShdw blurRad="63500" dist="38099" dir="2700000" algn="ctr" rotWithShape="0">
                     <a:srgbClr val="000000">
@@ -6027,12 +6027,12 @@
           <a:effectLst/>
           <a:extLst>
             <a:ext uri="{909E8E84-426E-40dd-AFC4-6F175D3DCCD1}">
-              <a14:hiddenFill xmlns:a14="http://schemas.microsoft.com/office/drawing/2010/main" xmlns="">
+              <a14:hiddenFill xmlns="" xmlns:a14="http://schemas.microsoft.com/office/drawing/2010/main">
                 <a:noFill/>
               </a14:hiddenFill>
             </a:ext>
             <a:ext uri="{AF507438-7753-43e0-B8FC-AC1667EBCBE1}">
-              <a14:hiddenEffects xmlns:a14="http://schemas.microsoft.com/office/drawing/2010/main" xmlns="">
+              <a14:hiddenEffects xmlns="" xmlns:a14="http://schemas.microsoft.com/office/drawing/2010/main">
                 <a:effectLst>
                   <a:outerShdw blurRad="63500" dist="38099" dir="2700000" algn="ctr" rotWithShape="0">
                     <a:srgbClr val="000000">
@@ -6080,12 +6080,12 @@
           <a:effectLst/>
           <a:extLst>
             <a:ext uri="{909E8E84-426E-40dd-AFC4-6F175D3DCCD1}">
-              <a14:hiddenFill xmlns:a14="http://schemas.microsoft.com/office/drawing/2010/main" xmlns="">
+              <a14:hiddenFill xmlns="" xmlns:a14="http://schemas.microsoft.com/office/drawing/2010/main">
                 <a:noFill/>
               </a14:hiddenFill>
             </a:ext>
             <a:ext uri="{AF507438-7753-43e0-B8FC-AC1667EBCBE1}">
-              <a14:hiddenEffects xmlns:a14="http://schemas.microsoft.com/office/drawing/2010/main" xmlns="">
+              <a14:hiddenEffects xmlns="" xmlns:a14="http://schemas.microsoft.com/office/drawing/2010/main">
                 <a:effectLst>
                   <a:outerShdw blurRad="63500" dist="38099" dir="2700000" algn="ctr" rotWithShape="0">
                     <a:srgbClr val="000000">
@@ -6133,12 +6133,12 @@
           <a:effectLst/>
           <a:extLst>
             <a:ext uri="{909E8E84-426E-40dd-AFC4-6F175D3DCCD1}">
-              <a14:hiddenFill xmlns:a14="http://schemas.microsoft.com/office/drawing/2010/main" xmlns="">
+              <a14:hiddenFill xmlns="" xmlns:a14="http://schemas.microsoft.com/office/drawing/2010/main">
                 <a:noFill/>
               </a14:hiddenFill>
             </a:ext>
             <a:ext uri="{AF507438-7753-43e0-B8FC-AC1667EBCBE1}">
-              <a14:hiddenEffects xmlns:a14="http://schemas.microsoft.com/office/drawing/2010/main" xmlns="">
+              <a14:hiddenEffects xmlns="" xmlns:a14="http://schemas.microsoft.com/office/drawing/2010/main">
                 <a:effectLst>
                   <a:outerShdw blurRad="63500" dist="38099" dir="2700000" algn="ctr" rotWithShape="0">
                     <a:srgbClr val="000000">
@@ -6188,7 +6188,7 @@
           <a:effectLst/>
           <a:extLst>
             <a:ext uri="{AF507438-7753-43e0-B8FC-AC1667EBCBE1}">
-              <a14:hiddenEffects xmlns:a14="http://schemas.microsoft.com/office/drawing/2010/main" xmlns="">
+              <a14:hiddenEffects xmlns="" xmlns:a14="http://schemas.microsoft.com/office/drawing/2010/main">
                 <a:effectLst>
                   <a:outerShdw blurRad="63500" dist="38099" dir="2700000" algn="ctr" rotWithShape="0">
                     <a:srgbClr val="000000">
@@ -6238,7 +6238,7 @@
           <a:effectLst/>
           <a:extLst>
             <a:ext uri="{AF507438-7753-43e0-B8FC-AC1667EBCBE1}">
-              <a14:hiddenEffects xmlns:a14="http://schemas.microsoft.com/office/drawing/2010/main" xmlns="">
+              <a14:hiddenEffects xmlns="" xmlns:a14="http://schemas.microsoft.com/office/drawing/2010/main">
                 <a:effectLst>
                   <a:outerShdw blurRad="63500" dist="38099" dir="2700000" algn="ctr" rotWithShape="0">
                     <a:srgbClr val="000000">
@@ -6286,12 +6286,12 @@
           <a:effectLst/>
           <a:extLst>
             <a:ext uri="{909E8E84-426E-40dd-AFC4-6F175D3DCCD1}">
-              <a14:hiddenFill xmlns:a14="http://schemas.microsoft.com/office/drawing/2010/main" xmlns="">
+              <a14:hiddenFill xmlns="" xmlns:a14="http://schemas.microsoft.com/office/drawing/2010/main">
                 <a:noFill/>
               </a14:hiddenFill>
             </a:ext>
             <a:ext uri="{AF507438-7753-43e0-B8FC-AC1667EBCBE1}">
-              <a14:hiddenEffects xmlns:a14="http://schemas.microsoft.com/office/drawing/2010/main" xmlns="">
+              <a14:hiddenEffects xmlns="" xmlns:a14="http://schemas.microsoft.com/office/drawing/2010/main">
                 <a:effectLst>
                   <a:outerShdw blurRad="63500" dist="38099" dir="2700000" algn="ctr" rotWithShape="0">
                     <a:srgbClr val="000000">
@@ -6339,12 +6339,12 @@
           <a:effectLst/>
           <a:extLst>
             <a:ext uri="{909E8E84-426E-40dd-AFC4-6F175D3DCCD1}">
-              <a14:hiddenFill xmlns:a14="http://schemas.microsoft.com/office/drawing/2010/main" xmlns="">
+              <a14:hiddenFill xmlns="" xmlns:a14="http://schemas.microsoft.com/office/drawing/2010/main">
                 <a:noFill/>
               </a14:hiddenFill>
             </a:ext>
             <a:ext uri="{AF507438-7753-43e0-B8FC-AC1667EBCBE1}">
-              <a14:hiddenEffects xmlns:a14="http://schemas.microsoft.com/office/drawing/2010/main" xmlns="">
+              <a14:hiddenEffects xmlns="" xmlns:a14="http://schemas.microsoft.com/office/drawing/2010/main">
                 <a:effectLst>
                   <a:outerShdw blurRad="63500" dist="38099" dir="2700000" algn="ctr" rotWithShape="0">
                     <a:srgbClr val="000000">
@@ -6392,12 +6392,12 @@
           <a:effectLst/>
           <a:extLst>
             <a:ext uri="{909E8E84-426E-40dd-AFC4-6F175D3DCCD1}">
-              <a14:hiddenFill xmlns:a14="http://schemas.microsoft.com/office/drawing/2010/main" xmlns="">
+              <a14:hiddenFill xmlns="" xmlns:a14="http://schemas.microsoft.com/office/drawing/2010/main">
                 <a:noFill/>
               </a14:hiddenFill>
             </a:ext>
             <a:ext uri="{AF507438-7753-43e0-B8FC-AC1667EBCBE1}">
-              <a14:hiddenEffects xmlns:a14="http://schemas.microsoft.com/office/drawing/2010/main" xmlns="">
+              <a14:hiddenEffects xmlns="" xmlns:a14="http://schemas.microsoft.com/office/drawing/2010/main">
                 <a:effectLst>
                   <a:outerShdw blurRad="63500" dist="38099" dir="2700000" algn="ctr" rotWithShape="0">
                     <a:srgbClr val="000000">
@@ -6449,7 +6449,7 @@
           <a:effectLst/>
           <a:extLst>
             <a:ext uri="{AF507438-7753-43e0-B8FC-AC1667EBCBE1}">
-              <a14:hiddenEffects xmlns:a14="http://schemas.microsoft.com/office/drawing/2010/main" xmlns="">
+              <a14:hiddenEffects xmlns="" xmlns:a14="http://schemas.microsoft.com/office/drawing/2010/main">
                 <a:effectLst>
                   <a:outerShdw blurRad="63500" dist="38099" dir="2700000" algn="ctr" rotWithShape="0">
                     <a:srgbClr val="000000">
@@ -6499,7 +6499,7 @@
           <a:effectLst/>
           <a:extLst>
             <a:ext uri="{AF507438-7753-43e0-B8FC-AC1667EBCBE1}">
-              <a14:hiddenEffects xmlns:a14="http://schemas.microsoft.com/office/drawing/2010/main" xmlns="">
+              <a14:hiddenEffects xmlns="" xmlns:a14="http://schemas.microsoft.com/office/drawing/2010/main">
                 <a:effectLst>
                   <a:outerShdw blurRad="63500" dist="38099" dir="2700000" algn="ctr" rotWithShape="0">
                     <a:srgbClr val="000000">
@@ -6549,7 +6549,7 @@
           <a:effectLst/>
           <a:extLst>
             <a:ext uri="{AF507438-7753-43e0-B8FC-AC1667EBCBE1}">
-              <a14:hiddenEffects xmlns:a14="http://schemas.microsoft.com/office/drawing/2010/main" xmlns="">
+              <a14:hiddenEffects xmlns="" xmlns:a14="http://schemas.microsoft.com/office/drawing/2010/main">
                 <a:effectLst>
                   <a:outerShdw blurRad="63500" dist="38099" dir="2700000" algn="ctr" rotWithShape="0">
                     <a:srgbClr val="000000">
@@ -6599,7 +6599,7 @@
           <a:effectLst/>
           <a:extLst>
             <a:ext uri="{AF507438-7753-43e0-B8FC-AC1667EBCBE1}">
-              <a14:hiddenEffects xmlns:a14="http://schemas.microsoft.com/office/drawing/2010/main" xmlns="">
+              <a14:hiddenEffects xmlns="" xmlns:a14="http://schemas.microsoft.com/office/drawing/2010/main">
                 <a:effectLst>
                   <a:outerShdw blurRad="63500" dist="38099" dir="2700000" algn="ctr" rotWithShape="0">
                     <a:srgbClr val="000000">
@@ -6649,7 +6649,7 @@
           <a:effectLst/>
           <a:extLst>
             <a:ext uri="{AF507438-7753-43e0-B8FC-AC1667EBCBE1}">
-              <a14:hiddenEffects xmlns:a14="http://schemas.microsoft.com/office/drawing/2010/main" xmlns="">
+              <a14:hiddenEffects xmlns="" xmlns:a14="http://schemas.microsoft.com/office/drawing/2010/main">
                 <a:effectLst>
                   <a:outerShdw blurRad="63500" dist="38099" dir="2700000" algn="ctr" rotWithShape="0">
                     <a:srgbClr val="000000">
@@ -6699,7 +6699,7 @@
           <a:effectLst/>
           <a:extLst>
             <a:ext uri="{AF507438-7753-43e0-B8FC-AC1667EBCBE1}">
-              <a14:hiddenEffects xmlns:a14="http://schemas.microsoft.com/office/drawing/2010/main" xmlns="">
+              <a14:hiddenEffects xmlns="" xmlns:a14="http://schemas.microsoft.com/office/drawing/2010/main">
                 <a:effectLst>
                   <a:outerShdw blurRad="63500" dist="38099" dir="2700000" algn="ctr" rotWithShape="0">
                     <a:srgbClr val="000000">
@@ -6751,7 +6751,7 @@
           <a:effectLst/>
           <a:extLst>
             <a:ext uri="{AF507438-7753-43e0-B8FC-AC1667EBCBE1}">
-              <a14:hiddenEffects xmlns:a14="http://schemas.microsoft.com/office/drawing/2010/main" xmlns="">
+              <a14:hiddenEffects xmlns="" xmlns:a14="http://schemas.microsoft.com/office/drawing/2010/main">
                 <a:effectLst>
                   <a:outerShdw blurRad="63500" dist="38099" dir="2700000" algn="ctr" rotWithShape="0">
                     <a:srgbClr val="000000">
@@ -6794,14 +6794,14 @@
           <a:effectLst/>
           <a:extLst>
             <a:ext uri="{909E8E84-426E-40dd-AFC4-6F175D3DCCD1}">
-              <a14:hiddenFill xmlns:a14="http://schemas.microsoft.com/office/drawing/2010/main" xmlns="">
+              <a14:hiddenFill xmlns="" xmlns:a14="http://schemas.microsoft.com/office/drawing/2010/main">
                 <a:solidFill>
                   <a:srgbClr val="FFFFFF"/>
                 </a:solidFill>
               </a14:hiddenFill>
             </a:ext>
             <a:ext uri="{91240B29-F687-4f45-9708-019B960494DF}">
-              <a14:hiddenLine xmlns:a14="http://schemas.microsoft.com/office/drawing/2010/main" xmlns="" w="9525" cap="flat">
+              <a14:hiddenLine xmlns="" xmlns:a14="http://schemas.microsoft.com/office/drawing/2010/main" w="9525" cap="flat">
                 <a:solidFill>
                   <a:srgbClr val="000000"/>
                 </a:solidFill>
@@ -6811,7 +6811,7 @@
               </a14:hiddenLine>
             </a:ext>
             <a:ext uri="{AF507438-7753-43e0-B8FC-AC1667EBCBE1}">
-              <a14:hiddenEffects xmlns:a14="http://schemas.microsoft.com/office/drawing/2010/main" xmlns="">
+              <a14:hiddenEffects xmlns="" xmlns:a14="http://schemas.microsoft.com/office/drawing/2010/main">
                 <a:effectLst>
                   <a:outerShdw blurRad="63500" dist="38099" dir="2700000" algn="ctr" rotWithShape="0">
                     <a:srgbClr val="000000">
@@ -7045,12 +7045,12 @@
           <a:effectLst/>
           <a:extLst>
             <a:ext uri="{909E8E84-426E-40dd-AFC4-6F175D3DCCD1}">
-              <a14:hiddenFill xmlns:a14="http://schemas.microsoft.com/office/drawing/2010/main" xmlns="">
+              <a14:hiddenFill xmlns="" xmlns:a14="http://schemas.microsoft.com/office/drawing/2010/main">
                 <a:noFill/>
               </a14:hiddenFill>
             </a:ext>
             <a:ext uri="{AF507438-7753-43e0-B8FC-AC1667EBCBE1}">
-              <a14:hiddenEffects xmlns:a14="http://schemas.microsoft.com/office/drawing/2010/main" xmlns="">
+              <a14:hiddenEffects xmlns="" xmlns:a14="http://schemas.microsoft.com/office/drawing/2010/main">
                 <a:effectLst>
                   <a:outerShdw blurRad="63500" dist="38099" dir="2700000" algn="ctr" rotWithShape="0">
                     <a:srgbClr val="000000">
@@ -7098,12 +7098,12 @@
           <a:effectLst/>
           <a:extLst>
             <a:ext uri="{909E8E84-426E-40dd-AFC4-6F175D3DCCD1}">
-              <a14:hiddenFill xmlns:a14="http://schemas.microsoft.com/office/drawing/2010/main" xmlns="">
+              <a14:hiddenFill xmlns="" xmlns:a14="http://schemas.microsoft.com/office/drawing/2010/main">
                 <a:noFill/>
               </a14:hiddenFill>
             </a:ext>
             <a:ext uri="{AF507438-7753-43e0-B8FC-AC1667EBCBE1}">
-              <a14:hiddenEffects xmlns:a14="http://schemas.microsoft.com/office/drawing/2010/main" xmlns="">
+              <a14:hiddenEffects xmlns="" xmlns:a14="http://schemas.microsoft.com/office/drawing/2010/main">
                 <a:effectLst>
                   <a:outerShdw blurRad="63500" dist="38099" dir="2700000" algn="ctr" rotWithShape="0">
                     <a:srgbClr val="000000">
@@ -7146,14 +7146,14 @@
           <a:effectLst/>
           <a:extLst>
             <a:ext uri="{909E8E84-426E-40dd-AFC4-6F175D3DCCD1}">
-              <a14:hiddenFill xmlns:a14="http://schemas.microsoft.com/office/drawing/2010/main" xmlns="">
+              <a14:hiddenFill xmlns="" xmlns:a14="http://schemas.microsoft.com/office/drawing/2010/main">
                 <a:solidFill>
                   <a:srgbClr val="FFFFFF"/>
                 </a:solidFill>
               </a14:hiddenFill>
             </a:ext>
             <a:ext uri="{91240B29-F687-4f45-9708-019B960494DF}">
-              <a14:hiddenLine xmlns:a14="http://schemas.microsoft.com/office/drawing/2010/main" xmlns="" w="9525" cap="flat">
+              <a14:hiddenLine xmlns="" xmlns:a14="http://schemas.microsoft.com/office/drawing/2010/main" w="9525" cap="flat">
                 <a:solidFill>
                   <a:srgbClr val="000000"/>
                 </a:solidFill>
@@ -7163,7 +7163,7 @@
               </a14:hiddenLine>
             </a:ext>
             <a:ext uri="{AF507438-7753-43e0-B8FC-AC1667EBCBE1}">
-              <a14:hiddenEffects xmlns:a14="http://schemas.microsoft.com/office/drawing/2010/main" xmlns="">
+              <a14:hiddenEffects xmlns="" xmlns:a14="http://schemas.microsoft.com/office/drawing/2010/main">
                 <a:effectLst>
                   <a:outerShdw blurRad="63500" dist="38099" dir="2700000" algn="ctr" rotWithShape="0">
                     <a:srgbClr val="000000">
@@ -7401,14 +7401,14 @@
           <a:effectLst/>
           <a:extLst>
             <a:ext uri="{909E8E84-426E-40dd-AFC4-6F175D3DCCD1}">
-              <a14:hiddenFill xmlns:a14="http://schemas.microsoft.com/office/drawing/2010/main" xmlns="">
+              <a14:hiddenFill xmlns="" xmlns:a14="http://schemas.microsoft.com/office/drawing/2010/main">
                 <a:solidFill>
                   <a:srgbClr val="FFFFFF"/>
                 </a:solidFill>
               </a14:hiddenFill>
             </a:ext>
             <a:ext uri="{91240B29-F687-4f45-9708-019B960494DF}">
-              <a14:hiddenLine xmlns:a14="http://schemas.microsoft.com/office/drawing/2010/main" xmlns="" w="9525" cap="flat">
+              <a14:hiddenLine xmlns="" xmlns:a14="http://schemas.microsoft.com/office/drawing/2010/main" w="9525" cap="flat">
                 <a:solidFill>
                   <a:srgbClr val="000000"/>
                 </a:solidFill>
@@ -7418,7 +7418,7 @@
               </a14:hiddenLine>
             </a:ext>
             <a:ext uri="{AF507438-7753-43e0-B8FC-AC1667EBCBE1}">
-              <a14:hiddenEffects xmlns:a14="http://schemas.microsoft.com/office/drawing/2010/main" xmlns="">
+              <a14:hiddenEffects xmlns="" xmlns:a14="http://schemas.microsoft.com/office/drawing/2010/main">
                 <a:effectLst>
                   <a:outerShdw blurRad="63500" dist="38099" dir="2700000" algn="ctr" rotWithShape="0">
                     <a:srgbClr val="000000">
@@ -7638,14 +7638,14 @@
           <a:effectLst/>
           <a:extLst>
             <a:ext uri="{909E8E84-426E-40dd-AFC4-6F175D3DCCD1}">
-              <a14:hiddenFill xmlns:a14="http://schemas.microsoft.com/office/drawing/2010/main" xmlns="">
+              <a14:hiddenFill xmlns="" xmlns:a14="http://schemas.microsoft.com/office/drawing/2010/main">
                 <a:solidFill>
                   <a:srgbClr val="FFFFFF"/>
                 </a:solidFill>
               </a14:hiddenFill>
             </a:ext>
             <a:ext uri="{91240B29-F687-4f45-9708-019B960494DF}">
-              <a14:hiddenLine xmlns:a14="http://schemas.microsoft.com/office/drawing/2010/main" xmlns="" w="9525" cap="flat">
+              <a14:hiddenLine xmlns="" xmlns:a14="http://schemas.microsoft.com/office/drawing/2010/main" w="9525" cap="flat">
                 <a:solidFill>
                   <a:srgbClr val="000000"/>
                 </a:solidFill>
@@ -7655,7 +7655,7 @@
               </a14:hiddenLine>
             </a:ext>
             <a:ext uri="{AF507438-7753-43e0-B8FC-AC1667EBCBE1}">
-              <a14:hiddenEffects xmlns:a14="http://schemas.microsoft.com/office/drawing/2010/main" xmlns="">
+              <a14:hiddenEffects xmlns="" xmlns:a14="http://schemas.microsoft.com/office/drawing/2010/main">
                 <a:effectLst>
                   <a:outerShdw blurRad="63500" dist="38099" dir="2700000" algn="ctr" rotWithShape="0">
                     <a:srgbClr val="000000">
@@ -7884,14 +7884,14 @@
           <a:effectLst/>
           <a:extLst>
             <a:ext uri="{909E8E84-426E-40dd-AFC4-6F175D3DCCD1}">
-              <a14:hiddenFill xmlns:a14="http://schemas.microsoft.com/office/drawing/2010/main" xmlns="">
+              <a14:hiddenFill xmlns="" xmlns:a14="http://schemas.microsoft.com/office/drawing/2010/main">
                 <a:solidFill>
                   <a:srgbClr val="FFFFFF"/>
                 </a:solidFill>
               </a14:hiddenFill>
             </a:ext>
             <a:ext uri="{91240B29-F687-4f45-9708-019B960494DF}">
-              <a14:hiddenLine xmlns:a14="http://schemas.microsoft.com/office/drawing/2010/main" xmlns="" w="9525" cap="flat">
+              <a14:hiddenLine xmlns="" xmlns:a14="http://schemas.microsoft.com/office/drawing/2010/main" w="9525" cap="flat">
                 <a:solidFill>
                   <a:srgbClr val="000000"/>
                 </a:solidFill>
@@ -7901,7 +7901,7 @@
               </a14:hiddenLine>
             </a:ext>
             <a:ext uri="{AF507438-7753-43e0-B8FC-AC1667EBCBE1}">
-              <a14:hiddenEffects xmlns:a14="http://schemas.microsoft.com/office/drawing/2010/main" xmlns="">
+              <a14:hiddenEffects xmlns="" xmlns:a14="http://schemas.microsoft.com/office/drawing/2010/main">
                 <a:effectLst>
                   <a:outerShdw blurRad="63500" dist="38099" dir="2700000" algn="ctr" rotWithShape="0">
                     <a:srgbClr val="000000">
@@ -8130,14 +8130,14 @@
           <a:effectLst/>
           <a:extLst>
             <a:ext uri="{909E8E84-426E-40dd-AFC4-6F175D3DCCD1}">
-              <a14:hiddenFill xmlns:a14="http://schemas.microsoft.com/office/drawing/2010/main" xmlns="">
+              <a14:hiddenFill xmlns="" xmlns:a14="http://schemas.microsoft.com/office/drawing/2010/main">
                 <a:solidFill>
                   <a:srgbClr val="FFFFFF"/>
                 </a:solidFill>
               </a14:hiddenFill>
             </a:ext>
             <a:ext uri="{91240B29-F687-4f45-9708-019B960494DF}">
-              <a14:hiddenLine xmlns:a14="http://schemas.microsoft.com/office/drawing/2010/main" xmlns="" w="9525" cap="flat">
+              <a14:hiddenLine xmlns="" xmlns:a14="http://schemas.microsoft.com/office/drawing/2010/main" w="9525" cap="flat">
                 <a:solidFill>
                   <a:srgbClr val="000000"/>
                 </a:solidFill>
@@ -8147,7 +8147,7 @@
               </a14:hiddenLine>
             </a:ext>
             <a:ext uri="{AF507438-7753-43e0-B8FC-AC1667EBCBE1}">
-              <a14:hiddenEffects xmlns:a14="http://schemas.microsoft.com/office/drawing/2010/main" xmlns="">
+              <a14:hiddenEffects xmlns="" xmlns:a14="http://schemas.microsoft.com/office/drawing/2010/main">
                 <a:effectLst>
                   <a:outerShdw blurRad="63500" dist="38099" dir="2700000" algn="ctr" rotWithShape="0">
                     <a:srgbClr val="000000">
@@ -8373,14 +8373,14 @@
           <a:effectLst/>
           <a:extLst>
             <a:ext uri="{909E8E84-426E-40dd-AFC4-6F175D3DCCD1}">
-              <a14:hiddenFill xmlns:a14="http://schemas.microsoft.com/office/drawing/2010/main" xmlns="">
+              <a14:hiddenFill xmlns="" xmlns:a14="http://schemas.microsoft.com/office/drawing/2010/main">
                 <a:solidFill>
                   <a:srgbClr val="FFFFFF"/>
                 </a:solidFill>
               </a14:hiddenFill>
             </a:ext>
             <a:ext uri="{91240B29-F687-4f45-9708-019B960494DF}">
-              <a14:hiddenLine xmlns:a14="http://schemas.microsoft.com/office/drawing/2010/main" xmlns="" w="9525" cap="flat">
+              <a14:hiddenLine xmlns="" xmlns:a14="http://schemas.microsoft.com/office/drawing/2010/main" w="9525" cap="flat">
                 <a:solidFill>
                   <a:srgbClr val="000000"/>
                 </a:solidFill>
@@ -8390,7 +8390,7 @@
               </a14:hiddenLine>
             </a:ext>
             <a:ext uri="{AF507438-7753-43e0-B8FC-AC1667EBCBE1}">
-              <a14:hiddenEffects xmlns:a14="http://schemas.microsoft.com/office/drawing/2010/main" xmlns="">
+              <a14:hiddenEffects xmlns="" xmlns:a14="http://schemas.microsoft.com/office/drawing/2010/main">
                 <a:effectLst>
                   <a:outerShdw blurRad="63500" dist="38099" dir="2700000" algn="ctr" rotWithShape="0">
                     <a:srgbClr val="000000">
@@ -8617,14 +8617,14 @@
           <a:effectLst/>
           <a:extLst>
             <a:ext uri="{909E8E84-426E-40dd-AFC4-6F175D3DCCD1}">
-              <a14:hiddenFill xmlns:a14="http://schemas.microsoft.com/office/drawing/2010/main" xmlns="">
+              <a14:hiddenFill xmlns="" xmlns:a14="http://schemas.microsoft.com/office/drawing/2010/main">
                 <a:solidFill>
                   <a:srgbClr val="FFFFFF"/>
                 </a:solidFill>
               </a14:hiddenFill>
             </a:ext>
             <a:ext uri="{91240B29-F687-4f45-9708-019B960494DF}">
-              <a14:hiddenLine xmlns:a14="http://schemas.microsoft.com/office/drawing/2010/main" xmlns="" w="9525" cap="flat">
+              <a14:hiddenLine xmlns="" xmlns:a14="http://schemas.microsoft.com/office/drawing/2010/main" w="9525" cap="flat">
                 <a:solidFill>
                   <a:srgbClr val="000000"/>
                 </a:solidFill>
@@ -8634,7 +8634,7 @@
               </a14:hiddenLine>
             </a:ext>
             <a:ext uri="{AF507438-7753-43e0-B8FC-AC1667EBCBE1}">
-              <a14:hiddenEffects xmlns:a14="http://schemas.microsoft.com/office/drawing/2010/main" xmlns="">
+              <a14:hiddenEffects xmlns="" xmlns:a14="http://schemas.microsoft.com/office/drawing/2010/main">
                 <a:effectLst>
                   <a:outerShdw blurRad="63500" dist="38099" dir="2700000" algn="ctr" rotWithShape="0">
                     <a:srgbClr val="000000">
@@ -8863,14 +8863,14 @@
           <a:effectLst/>
           <a:extLst>
             <a:ext uri="{909E8E84-426E-40dd-AFC4-6F175D3DCCD1}">
-              <a14:hiddenFill xmlns:a14="http://schemas.microsoft.com/office/drawing/2010/main" xmlns="">
+              <a14:hiddenFill xmlns="" xmlns:a14="http://schemas.microsoft.com/office/drawing/2010/main">
                 <a:solidFill>
                   <a:srgbClr val="FFFFFF"/>
                 </a:solidFill>
               </a14:hiddenFill>
             </a:ext>
             <a:ext uri="{91240B29-F687-4f45-9708-019B960494DF}">
-              <a14:hiddenLine xmlns:a14="http://schemas.microsoft.com/office/drawing/2010/main" xmlns="" w="9525" cap="flat">
+              <a14:hiddenLine xmlns="" xmlns:a14="http://schemas.microsoft.com/office/drawing/2010/main" w="9525" cap="flat">
                 <a:solidFill>
                   <a:srgbClr val="000000"/>
                 </a:solidFill>
@@ -8880,7 +8880,7 @@
               </a14:hiddenLine>
             </a:ext>
             <a:ext uri="{AF507438-7753-43e0-B8FC-AC1667EBCBE1}">
-              <a14:hiddenEffects xmlns:a14="http://schemas.microsoft.com/office/drawing/2010/main" xmlns="">
+              <a14:hiddenEffects xmlns="" xmlns:a14="http://schemas.microsoft.com/office/drawing/2010/main">
                 <a:effectLst>
                   <a:outerShdw blurRad="63500" dist="38099" dir="2700000" algn="ctr" rotWithShape="0">
                     <a:srgbClr val="000000">
@@ -9118,7 +9118,7 @@
           <a:effectLst/>
           <a:extLst>
             <a:ext uri="{AF507438-7753-43e0-B8FC-AC1667EBCBE1}">
-              <a14:hiddenEffects xmlns:a14="http://schemas.microsoft.com/office/drawing/2010/main" xmlns="">
+              <a14:hiddenEffects xmlns="" xmlns:a14="http://schemas.microsoft.com/office/drawing/2010/main">
                 <a:effectLst>
                   <a:outerShdw blurRad="63500" dist="38099" dir="2700000" algn="ctr" rotWithShape="0">
                     <a:srgbClr val="000000">
@@ -9168,7 +9168,7 @@
           <a:effectLst/>
           <a:extLst>
             <a:ext uri="{AF507438-7753-43e0-B8FC-AC1667EBCBE1}">
-              <a14:hiddenEffects xmlns:a14="http://schemas.microsoft.com/office/drawing/2010/main" xmlns="">
+              <a14:hiddenEffects xmlns="" xmlns:a14="http://schemas.microsoft.com/office/drawing/2010/main">
                 <a:effectLst>
                   <a:outerShdw blurRad="63500" dist="38099" dir="2700000" algn="ctr" rotWithShape="0">
                     <a:srgbClr val="000000">
@@ -9211,14 +9211,14 @@
           <a:effectLst/>
           <a:extLst>
             <a:ext uri="{909E8E84-426E-40dd-AFC4-6F175D3DCCD1}">
-              <a14:hiddenFill xmlns:a14="http://schemas.microsoft.com/office/drawing/2010/main" xmlns="">
+              <a14:hiddenFill xmlns="" xmlns:a14="http://schemas.microsoft.com/office/drawing/2010/main">
                 <a:solidFill>
                   <a:srgbClr val="FFFFFF"/>
                 </a:solidFill>
               </a14:hiddenFill>
             </a:ext>
             <a:ext uri="{91240B29-F687-4f45-9708-019B960494DF}">
-              <a14:hiddenLine xmlns:a14="http://schemas.microsoft.com/office/drawing/2010/main" xmlns="" w="9525" cap="flat">
+              <a14:hiddenLine xmlns="" xmlns:a14="http://schemas.microsoft.com/office/drawing/2010/main" w="9525" cap="flat">
                 <a:solidFill>
                   <a:srgbClr val="000000"/>
                 </a:solidFill>
@@ -9228,7 +9228,7 @@
               </a14:hiddenLine>
             </a:ext>
             <a:ext uri="{AF507438-7753-43e0-B8FC-AC1667EBCBE1}">
-              <a14:hiddenEffects xmlns:a14="http://schemas.microsoft.com/office/drawing/2010/main" xmlns="">
+              <a14:hiddenEffects xmlns="" xmlns:a14="http://schemas.microsoft.com/office/drawing/2010/main">
                 <a:effectLst>
                   <a:outerShdw blurRad="63500" dist="38099" dir="2700000" algn="ctr" rotWithShape="0">
                     <a:srgbClr val="000000">
@@ -9464,7 +9464,7 @@
           <a:effectLst/>
           <a:extLst>
             <a:ext uri="{AF507438-7753-43e0-B8FC-AC1667EBCBE1}">
-              <a14:hiddenEffects xmlns:a14="http://schemas.microsoft.com/office/drawing/2010/main" xmlns="">
+              <a14:hiddenEffects xmlns="" xmlns:a14="http://schemas.microsoft.com/office/drawing/2010/main">
                 <a:effectLst>
                   <a:outerShdw blurRad="63500" dist="38099" dir="2700000" algn="ctr" rotWithShape="0">
                     <a:srgbClr val="000000">
@@ -9514,7 +9514,7 @@
           <a:effectLst/>
           <a:extLst>
             <a:ext uri="{AF507438-7753-43e0-B8FC-AC1667EBCBE1}">
-              <a14:hiddenEffects xmlns:a14="http://schemas.microsoft.com/office/drawing/2010/main" xmlns="">
+              <a14:hiddenEffects xmlns="" xmlns:a14="http://schemas.microsoft.com/office/drawing/2010/main">
                 <a:effectLst>
                   <a:outerShdw blurRad="63500" dist="38099" dir="2700000" algn="ctr" rotWithShape="0">
                     <a:srgbClr val="000000">
@@ -9564,7 +9564,7 @@
           <a:effectLst/>
           <a:extLst>
             <a:ext uri="{AF507438-7753-43e0-B8FC-AC1667EBCBE1}">
-              <a14:hiddenEffects xmlns:a14="http://schemas.microsoft.com/office/drawing/2010/main" xmlns="">
+              <a14:hiddenEffects xmlns="" xmlns:a14="http://schemas.microsoft.com/office/drawing/2010/main">
                 <a:effectLst>
                   <a:outerShdw blurRad="63500" dist="38099" dir="2700000" algn="ctr" rotWithShape="0">
                     <a:srgbClr val="000000">
@@ -9614,7 +9614,7 @@
           <a:effectLst/>
           <a:extLst>
             <a:ext uri="{AF507438-7753-43e0-B8FC-AC1667EBCBE1}">
-              <a14:hiddenEffects xmlns:a14="http://schemas.microsoft.com/office/drawing/2010/main" xmlns="">
+              <a14:hiddenEffects xmlns="" xmlns:a14="http://schemas.microsoft.com/office/drawing/2010/main">
                 <a:effectLst>
                   <a:outerShdw blurRad="63500" dist="38099" dir="2700000" algn="ctr" rotWithShape="0">
                     <a:srgbClr val="000000">
@@ -9664,7 +9664,7 @@
           <a:effectLst/>
           <a:extLst>
             <a:ext uri="{AF507438-7753-43e0-B8FC-AC1667EBCBE1}">
-              <a14:hiddenEffects xmlns:a14="http://schemas.microsoft.com/office/drawing/2010/main" xmlns="">
+              <a14:hiddenEffects xmlns="" xmlns:a14="http://schemas.microsoft.com/office/drawing/2010/main">
                 <a:effectLst>
                   <a:outerShdw blurRad="63500" dist="38099" dir="2700000" algn="ctr" rotWithShape="0">
                     <a:srgbClr val="000000">
@@ -9714,7 +9714,7 @@
           <a:effectLst/>
           <a:extLst>
             <a:ext uri="{AF507438-7753-43e0-B8FC-AC1667EBCBE1}">
-              <a14:hiddenEffects xmlns:a14="http://schemas.microsoft.com/office/drawing/2010/main" xmlns="">
+              <a14:hiddenEffects xmlns="" xmlns:a14="http://schemas.microsoft.com/office/drawing/2010/main">
                 <a:effectLst>
                   <a:outerShdw blurRad="63500" dist="38099" dir="2700000" algn="ctr" rotWithShape="0">
                     <a:srgbClr val="000000">
@@ -9764,7 +9764,7 @@
           <a:effectLst/>
           <a:extLst>
             <a:ext uri="{AF507438-7753-43e0-B8FC-AC1667EBCBE1}">
-              <a14:hiddenEffects xmlns:a14="http://schemas.microsoft.com/office/drawing/2010/main" xmlns="">
+              <a14:hiddenEffects xmlns="" xmlns:a14="http://schemas.microsoft.com/office/drawing/2010/main">
                 <a:effectLst>
                   <a:outerShdw blurRad="63500" dist="38099" dir="2700000" algn="ctr" rotWithShape="0">
                     <a:srgbClr val="000000">
@@ -9814,7 +9814,7 @@
           <a:effectLst/>
           <a:extLst>
             <a:ext uri="{AF507438-7753-43e0-B8FC-AC1667EBCBE1}">
-              <a14:hiddenEffects xmlns:a14="http://schemas.microsoft.com/office/drawing/2010/main" xmlns="">
+              <a14:hiddenEffects xmlns="" xmlns:a14="http://schemas.microsoft.com/office/drawing/2010/main">
                 <a:effectLst>
                   <a:outerShdw blurRad="63500" dist="38099" dir="2700000" algn="ctr" rotWithShape="0">
                     <a:srgbClr val="000000">
@@ -9864,7 +9864,7 @@
           <a:effectLst/>
           <a:extLst>
             <a:ext uri="{AF507438-7753-43e0-B8FC-AC1667EBCBE1}">
-              <a14:hiddenEffects xmlns:a14="http://schemas.microsoft.com/office/drawing/2010/main" xmlns="">
+              <a14:hiddenEffects xmlns="" xmlns:a14="http://schemas.microsoft.com/office/drawing/2010/main">
                 <a:effectLst>
                   <a:outerShdw blurRad="63500" dist="38099" dir="2700000" algn="ctr" rotWithShape="0">
                     <a:srgbClr val="000000">
@@ -9914,7 +9914,7 @@
           <a:effectLst/>
           <a:extLst>
             <a:ext uri="{AF507438-7753-43e0-B8FC-AC1667EBCBE1}">
-              <a14:hiddenEffects xmlns:a14="http://schemas.microsoft.com/office/drawing/2010/main" xmlns="">
+              <a14:hiddenEffects xmlns="" xmlns:a14="http://schemas.microsoft.com/office/drawing/2010/main">
                 <a:effectLst>
                   <a:outerShdw blurRad="63500" dist="38099" dir="2700000" algn="ctr" rotWithShape="0">
                     <a:srgbClr val="000000">
@@ -9964,7 +9964,7 @@
           <a:effectLst/>
           <a:extLst>
             <a:ext uri="{AF507438-7753-43e0-B8FC-AC1667EBCBE1}">
-              <a14:hiddenEffects xmlns:a14="http://schemas.microsoft.com/office/drawing/2010/main" xmlns="">
+              <a14:hiddenEffects xmlns="" xmlns:a14="http://schemas.microsoft.com/office/drawing/2010/main">
                 <a:effectLst>
                   <a:outerShdw blurRad="63500" dist="38099" dir="2700000" algn="ctr" rotWithShape="0">
                     <a:srgbClr val="000000">
@@ -10012,12 +10012,12 @@
           <a:effectLst/>
           <a:extLst>
             <a:ext uri="{909E8E84-426E-40dd-AFC4-6F175D3DCCD1}">
-              <a14:hiddenFill xmlns:a14="http://schemas.microsoft.com/office/drawing/2010/main" xmlns="">
+              <a14:hiddenFill xmlns="" xmlns:a14="http://schemas.microsoft.com/office/drawing/2010/main">
                 <a:noFill/>
               </a14:hiddenFill>
             </a:ext>
             <a:ext uri="{AF507438-7753-43e0-B8FC-AC1667EBCBE1}">
-              <a14:hiddenEffects xmlns:a14="http://schemas.microsoft.com/office/drawing/2010/main" xmlns="">
+              <a14:hiddenEffects xmlns="" xmlns:a14="http://schemas.microsoft.com/office/drawing/2010/main">
                 <a:effectLst>
                   <a:outerShdw blurRad="63500" dist="38099" dir="2700000" algn="ctr" rotWithShape="0">
                     <a:srgbClr val="000000">
@@ -10060,14 +10060,14 @@
           <a:effectLst/>
           <a:extLst>
             <a:ext uri="{909E8E84-426E-40dd-AFC4-6F175D3DCCD1}">
-              <a14:hiddenFill xmlns:a14="http://schemas.microsoft.com/office/drawing/2010/main" xmlns="">
+              <a14:hiddenFill xmlns="" xmlns:a14="http://schemas.microsoft.com/office/drawing/2010/main">
                 <a:solidFill>
                   <a:srgbClr val="FFFFFF"/>
                 </a:solidFill>
               </a14:hiddenFill>
             </a:ext>
             <a:ext uri="{91240B29-F687-4f45-9708-019B960494DF}">
-              <a14:hiddenLine xmlns:a14="http://schemas.microsoft.com/office/drawing/2010/main" xmlns="" w="9525" cap="flat">
+              <a14:hiddenLine xmlns="" xmlns:a14="http://schemas.microsoft.com/office/drawing/2010/main" w="9525" cap="flat">
                 <a:solidFill>
                   <a:srgbClr val="000000"/>
                 </a:solidFill>
@@ -10077,7 +10077,7 @@
               </a14:hiddenLine>
             </a:ext>
             <a:ext uri="{AF507438-7753-43e0-B8FC-AC1667EBCBE1}">
-              <a14:hiddenEffects xmlns:a14="http://schemas.microsoft.com/office/drawing/2010/main" xmlns="">
+              <a14:hiddenEffects xmlns="" xmlns:a14="http://schemas.microsoft.com/office/drawing/2010/main">
                 <a:effectLst>
                   <a:outerShdw blurRad="63500" dist="38099" dir="2700000" algn="ctr" rotWithShape="0">
                     <a:srgbClr val="000000">
@@ -10311,12 +10311,12 @@
           <a:effectLst/>
           <a:extLst>
             <a:ext uri="{909E8E84-426E-40dd-AFC4-6F175D3DCCD1}">
-              <a14:hiddenFill xmlns:a14="http://schemas.microsoft.com/office/drawing/2010/main" xmlns="">
+              <a14:hiddenFill xmlns="" xmlns:a14="http://schemas.microsoft.com/office/drawing/2010/main">
                 <a:noFill/>
               </a14:hiddenFill>
             </a:ext>
             <a:ext uri="{AF507438-7753-43e0-B8FC-AC1667EBCBE1}">
-              <a14:hiddenEffects xmlns:a14="http://schemas.microsoft.com/office/drawing/2010/main" xmlns="">
+              <a14:hiddenEffects xmlns="" xmlns:a14="http://schemas.microsoft.com/office/drawing/2010/main">
                 <a:effectLst>
                   <a:outerShdw blurRad="63500" dist="38099" dir="2700000" algn="ctr" rotWithShape="0">
                     <a:srgbClr val="000000">
@@ -10364,12 +10364,12 @@
           <a:effectLst/>
           <a:extLst>
             <a:ext uri="{909E8E84-426E-40dd-AFC4-6F175D3DCCD1}">
-              <a14:hiddenFill xmlns:a14="http://schemas.microsoft.com/office/drawing/2010/main" xmlns="">
+              <a14:hiddenFill xmlns="" xmlns:a14="http://schemas.microsoft.com/office/drawing/2010/main">
                 <a:noFill/>
               </a14:hiddenFill>
             </a:ext>
             <a:ext uri="{AF507438-7753-43e0-B8FC-AC1667EBCBE1}">
-              <a14:hiddenEffects xmlns:a14="http://schemas.microsoft.com/office/drawing/2010/main" xmlns="">
+              <a14:hiddenEffects xmlns="" xmlns:a14="http://schemas.microsoft.com/office/drawing/2010/main">
                 <a:effectLst>
                   <a:outerShdw blurRad="63500" dist="38099" dir="2700000" algn="ctr" rotWithShape="0">
                     <a:srgbClr val="000000">
@@ -10412,14 +10412,14 @@
           <a:effectLst/>
           <a:extLst>
             <a:ext uri="{909E8E84-426E-40dd-AFC4-6F175D3DCCD1}">
-              <a14:hiddenFill xmlns:a14="http://schemas.microsoft.com/office/drawing/2010/main" xmlns="">
+              <a14:hiddenFill xmlns="" xmlns:a14="http://schemas.microsoft.com/office/drawing/2010/main">
                 <a:solidFill>
                   <a:srgbClr val="FFFFFF"/>
                 </a:solidFill>
               </a14:hiddenFill>
             </a:ext>
             <a:ext uri="{91240B29-F687-4f45-9708-019B960494DF}">
-              <a14:hiddenLine xmlns:a14="http://schemas.microsoft.com/office/drawing/2010/main" xmlns="" w="9525" cap="flat">
+              <a14:hiddenLine xmlns="" xmlns:a14="http://schemas.microsoft.com/office/drawing/2010/main" w="9525" cap="flat">
                 <a:solidFill>
                   <a:srgbClr val="000000"/>
                 </a:solidFill>
@@ -10429,7 +10429,7 @@
               </a14:hiddenLine>
             </a:ext>
             <a:ext uri="{AF507438-7753-43e0-B8FC-AC1667EBCBE1}">
-              <a14:hiddenEffects xmlns:a14="http://schemas.microsoft.com/office/drawing/2010/main" xmlns="">
+              <a14:hiddenEffects xmlns="" xmlns:a14="http://schemas.microsoft.com/office/drawing/2010/main">
                 <a:effectLst>
                   <a:outerShdw blurRad="63500" dist="38099" dir="2700000" algn="ctr" rotWithShape="0">
                     <a:srgbClr val="000000">
@@ -10667,14 +10667,14 @@
           <a:effectLst/>
           <a:extLst>
             <a:ext uri="{909E8E84-426E-40dd-AFC4-6F175D3DCCD1}">
-              <a14:hiddenFill xmlns:a14="http://schemas.microsoft.com/office/drawing/2010/main" xmlns="">
+              <a14:hiddenFill xmlns="" xmlns:a14="http://schemas.microsoft.com/office/drawing/2010/main">
                 <a:solidFill>
                   <a:srgbClr val="FFFFFF"/>
                 </a:solidFill>
               </a14:hiddenFill>
             </a:ext>
             <a:ext uri="{91240B29-F687-4f45-9708-019B960494DF}">
-              <a14:hiddenLine xmlns:a14="http://schemas.microsoft.com/office/drawing/2010/main" xmlns="" w="9525" cap="flat">
+              <a14:hiddenLine xmlns="" xmlns:a14="http://schemas.microsoft.com/office/drawing/2010/main" w="9525" cap="flat">
                 <a:solidFill>
                   <a:srgbClr val="000000"/>
                 </a:solidFill>
@@ -10684,7 +10684,7 @@
               </a14:hiddenLine>
             </a:ext>
             <a:ext uri="{AF507438-7753-43e0-B8FC-AC1667EBCBE1}">
-              <a14:hiddenEffects xmlns:a14="http://schemas.microsoft.com/office/drawing/2010/main" xmlns="">
+              <a14:hiddenEffects xmlns="" xmlns:a14="http://schemas.microsoft.com/office/drawing/2010/main">
                 <a:effectLst>
                   <a:outerShdw blurRad="63500" dist="38099" dir="2700000" algn="ctr" rotWithShape="0">
                     <a:srgbClr val="000000">
@@ -10916,14 +10916,14 @@
           <a:effectLst/>
           <a:extLst>
             <a:ext uri="{909E8E84-426E-40dd-AFC4-6F175D3DCCD1}">
-              <a14:hiddenFill xmlns:a14="http://schemas.microsoft.com/office/drawing/2010/main" xmlns="">
+              <a14:hiddenFill xmlns="" xmlns:a14="http://schemas.microsoft.com/office/drawing/2010/main">
                 <a:solidFill>
                   <a:srgbClr val="FFFFFF"/>
                 </a:solidFill>
               </a14:hiddenFill>
             </a:ext>
             <a:ext uri="{91240B29-F687-4f45-9708-019B960494DF}">
-              <a14:hiddenLine xmlns:a14="http://schemas.microsoft.com/office/drawing/2010/main" xmlns="" w="9525" cap="flat">
+              <a14:hiddenLine xmlns="" xmlns:a14="http://schemas.microsoft.com/office/drawing/2010/main" w="9525" cap="flat">
                 <a:solidFill>
                   <a:srgbClr val="000000"/>
                 </a:solidFill>
@@ -10933,7 +10933,7 @@
               </a14:hiddenLine>
             </a:ext>
             <a:ext uri="{AF507438-7753-43e0-B8FC-AC1667EBCBE1}">
-              <a14:hiddenEffects xmlns:a14="http://schemas.microsoft.com/office/drawing/2010/main" xmlns="">
+              <a14:hiddenEffects xmlns="" xmlns:a14="http://schemas.microsoft.com/office/drawing/2010/main">
                 <a:effectLst>
                   <a:outerShdw blurRad="63500" dist="38099" dir="2700000" algn="ctr" rotWithShape="0">
                     <a:srgbClr val="000000">
@@ -11158,12 +11158,12 @@
           <a:effectLst/>
           <a:extLst>
             <a:ext uri="{909E8E84-426E-40dd-AFC4-6F175D3DCCD1}">
-              <a14:hiddenFill xmlns:a14="http://schemas.microsoft.com/office/drawing/2010/main" xmlns="">
+              <a14:hiddenFill xmlns="" xmlns:a14="http://schemas.microsoft.com/office/drawing/2010/main">
                 <a:noFill/>
               </a14:hiddenFill>
             </a:ext>
             <a:ext uri="{AF507438-7753-43e0-B8FC-AC1667EBCBE1}">
-              <a14:hiddenEffects xmlns:a14="http://schemas.microsoft.com/office/drawing/2010/main" xmlns="">
+              <a14:hiddenEffects xmlns="" xmlns:a14="http://schemas.microsoft.com/office/drawing/2010/main">
                 <a:effectLst>
                   <a:outerShdw blurRad="63500" dist="38099" dir="2700000" algn="ctr" rotWithShape="0">
                     <a:srgbClr val="000000">
@@ -11206,14 +11206,14 @@
           <a:effectLst/>
           <a:extLst>
             <a:ext uri="{909E8E84-426E-40dd-AFC4-6F175D3DCCD1}">
-              <a14:hiddenFill xmlns:a14="http://schemas.microsoft.com/office/drawing/2010/main" xmlns="">
+              <a14:hiddenFill xmlns="" xmlns:a14="http://schemas.microsoft.com/office/drawing/2010/main">
                 <a:solidFill>
                   <a:srgbClr val="FFFFFF"/>
                 </a:solidFill>
               </a14:hiddenFill>
             </a:ext>
             <a:ext uri="{91240B29-F687-4f45-9708-019B960494DF}">
-              <a14:hiddenLine xmlns:a14="http://schemas.microsoft.com/office/drawing/2010/main" xmlns="" w="9525" cap="flat">
+              <a14:hiddenLine xmlns="" xmlns:a14="http://schemas.microsoft.com/office/drawing/2010/main" w="9525" cap="flat">
                 <a:solidFill>
                   <a:srgbClr val="000000"/>
                 </a:solidFill>
@@ -11223,7 +11223,7 @@
               </a14:hiddenLine>
             </a:ext>
             <a:ext uri="{AF507438-7753-43e0-B8FC-AC1667EBCBE1}">
-              <a14:hiddenEffects xmlns:a14="http://schemas.microsoft.com/office/drawing/2010/main" xmlns="">
+              <a14:hiddenEffects xmlns="" xmlns:a14="http://schemas.microsoft.com/office/drawing/2010/main">
                 <a:effectLst>
                   <a:outerShdw blurRad="63500" dist="38099" dir="2700000" algn="ctr" rotWithShape="0">
                     <a:srgbClr val="000000">
@@ -11273,14 +11273,14 @@
           <a:effectLst/>
           <a:extLst>
             <a:ext uri="{909E8E84-426E-40dd-AFC4-6F175D3DCCD1}">
-              <a14:hiddenFill xmlns:a14="http://schemas.microsoft.com/office/drawing/2010/main" xmlns="">
+              <a14:hiddenFill xmlns="" xmlns:a14="http://schemas.microsoft.com/office/drawing/2010/main">
                 <a:solidFill>
                   <a:srgbClr val="FFFFFF"/>
                 </a:solidFill>
               </a14:hiddenFill>
             </a:ext>
             <a:ext uri="{91240B29-F687-4f45-9708-019B960494DF}">
-              <a14:hiddenLine xmlns:a14="http://schemas.microsoft.com/office/drawing/2010/main" xmlns="" w="9525" cap="flat">
+              <a14:hiddenLine xmlns="" xmlns:a14="http://schemas.microsoft.com/office/drawing/2010/main" w="9525" cap="flat">
                 <a:solidFill>
                   <a:srgbClr val="000000"/>
                 </a:solidFill>
@@ -11290,7 +11290,7 @@
               </a14:hiddenLine>
             </a:ext>
             <a:ext uri="{AF507438-7753-43e0-B8FC-AC1667EBCBE1}">
-              <a14:hiddenEffects xmlns:a14="http://schemas.microsoft.com/office/drawing/2010/main" xmlns="">
+              <a14:hiddenEffects xmlns="" xmlns:a14="http://schemas.microsoft.com/office/drawing/2010/main">
                 <a:effectLst>
                   <a:outerShdw blurRad="63500" dist="38099" dir="2700000" algn="ctr" rotWithShape="0">
                     <a:srgbClr val="000000">
@@ -11510,14 +11510,14 @@
           <a:effectLst/>
           <a:extLst>
             <a:ext uri="{909E8E84-426E-40dd-AFC4-6F175D3DCCD1}">
-              <a14:hiddenFill xmlns:a14="http://schemas.microsoft.com/office/drawing/2010/main" xmlns="">
+              <a14:hiddenFill xmlns="" xmlns:a14="http://schemas.microsoft.com/office/drawing/2010/main">
                 <a:solidFill>
                   <a:srgbClr val="FFFFFF"/>
                 </a:solidFill>
               </a14:hiddenFill>
             </a:ext>
             <a:ext uri="{91240B29-F687-4f45-9708-019B960494DF}">
-              <a14:hiddenLine xmlns:a14="http://schemas.microsoft.com/office/drawing/2010/main" xmlns="" w="9525" cap="flat">
+              <a14:hiddenLine xmlns="" xmlns:a14="http://schemas.microsoft.com/office/drawing/2010/main" w="9525" cap="flat">
                 <a:solidFill>
                   <a:srgbClr val="000000"/>
                 </a:solidFill>
@@ -11527,7 +11527,7 @@
               </a14:hiddenLine>
             </a:ext>
             <a:ext uri="{AF507438-7753-43e0-B8FC-AC1667EBCBE1}">
-              <a14:hiddenEffects xmlns:a14="http://schemas.microsoft.com/office/drawing/2010/main" xmlns="">
+              <a14:hiddenEffects xmlns="" xmlns:a14="http://schemas.microsoft.com/office/drawing/2010/main">
                 <a:effectLst>
                   <a:outerShdw blurRad="63500" dist="38099" dir="2700000" algn="ctr" rotWithShape="0">
                     <a:srgbClr val="000000">
@@ -11747,14 +11747,14 @@
           <a:effectLst/>
           <a:extLst>
             <a:ext uri="{909E8E84-426E-40dd-AFC4-6F175D3DCCD1}">
-              <a14:hiddenFill xmlns:a14="http://schemas.microsoft.com/office/drawing/2010/main" xmlns="">
+              <a14:hiddenFill xmlns="" xmlns:a14="http://schemas.microsoft.com/office/drawing/2010/main">
                 <a:solidFill>
                   <a:srgbClr val="FFFFFF"/>
                 </a:solidFill>
               </a14:hiddenFill>
             </a:ext>
             <a:ext uri="{91240B29-F687-4f45-9708-019B960494DF}">
-              <a14:hiddenLine xmlns:a14="http://schemas.microsoft.com/office/drawing/2010/main" xmlns="" w="9525" cap="flat">
+              <a14:hiddenLine xmlns="" xmlns:a14="http://schemas.microsoft.com/office/drawing/2010/main" w="9525" cap="flat">
                 <a:solidFill>
                   <a:srgbClr val="000000"/>
                 </a:solidFill>
@@ -11764,7 +11764,7 @@
               </a14:hiddenLine>
             </a:ext>
             <a:ext uri="{AF507438-7753-43e0-B8FC-AC1667EBCBE1}">
-              <a14:hiddenEffects xmlns:a14="http://schemas.microsoft.com/office/drawing/2010/main" xmlns="">
+              <a14:hiddenEffects xmlns="" xmlns:a14="http://schemas.microsoft.com/office/drawing/2010/main">
                 <a:effectLst>
                   <a:outerShdw blurRad="63500" dist="38099" dir="2700000" algn="ctr" rotWithShape="0">
                     <a:srgbClr val="000000">
@@ -11814,14 +11814,14 @@
           <a:effectLst/>
           <a:extLst>
             <a:ext uri="{909E8E84-426E-40dd-AFC4-6F175D3DCCD1}">
-              <a14:hiddenFill xmlns:a14="http://schemas.microsoft.com/office/drawing/2010/main" xmlns="">
+              <a14:hiddenFill xmlns="" xmlns:a14="http://schemas.microsoft.com/office/drawing/2010/main">
                 <a:solidFill>
                   <a:srgbClr val="FFFFFF"/>
                 </a:solidFill>
               </a14:hiddenFill>
             </a:ext>
             <a:ext uri="{91240B29-F687-4f45-9708-019B960494DF}">
-              <a14:hiddenLine xmlns:a14="http://schemas.microsoft.com/office/drawing/2010/main" xmlns="" w="9525" cap="flat">
+              <a14:hiddenLine xmlns="" xmlns:a14="http://schemas.microsoft.com/office/drawing/2010/main" w="9525" cap="flat">
                 <a:solidFill>
                   <a:srgbClr val="000000"/>
                 </a:solidFill>
@@ -11831,7 +11831,7 @@
               </a14:hiddenLine>
             </a:ext>
             <a:ext uri="{AF507438-7753-43e0-B8FC-AC1667EBCBE1}">
-              <a14:hiddenEffects xmlns:a14="http://schemas.microsoft.com/office/drawing/2010/main" xmlns="">
+              <a14:hiddenEffects xmlns="" xmlns:a14="http://schemas.microsoft.com/office/drawing/2010/main">
                 <a:effectLst>
                   <a:outerShdw blurRad="63500" dist="38099" dir="2700000" algn="ctr" rotWithShape="0">
                     <a:srgbClr val="000000">
@@ -11881,14 +11881,14 @@
           <a:effectLst/>
           <a:extLst>
             <a:ext uri="{909E8E84-426E-40dd-AFC4-6F175D3DCCD1}">
-              <a14:hiddenFill xmlns:a14="http://schemas.microsoft.com/office/drawing/2010/main" xmlns="">
+              <a14:hiddenFill xmlns="" xmlns:a14="http://schemas.microsoft.com/office/drawing/2010/main">
                 <a:solidFill>
                   <a:srgbClr val="FFFFFF"/>
                 </a:solidFill>
               </a14:hiddenFill>
             </a:ext>
             <a:ext uri="{91240B29-F687-4f45-9708-019B960494DF}">
-              <a14:hiddenLine xmlns:a14="http://schemas.microsoft.com/office/drawing/2010/main" xmlns="" w="9525" cap="flat">
+              <a14:hiddenLine xmlns="" xmlns:a14="http://schemas.microsoft.com/office/drawing/2010/main" w="9525" cap="flat">
                 <a:solidFill>
                   <a:srgbClr val="000000"/>
                 </a:solidFill>
@@ -11898,7 +11898,7 @@
               </a14:hiddenLine>
             </a:ext>
             <a:ext uri="{AF507438-7753-43e0-B8FC-AC1667EBCBE1}">
-              <a14:hiddenEffects xmlns:a14="http://schemas.microsoft.com/office/drawing/2010/main" xmlns="">
+              <a14:hiddenEffects xmlns="" xmlns:a14="http://schemas.microsoft.com/office/drawing/2010/main">
                 <a:effectLst>
                   <a:outerShdw blurRad="63500" dist="38099" dir="2700000" algn="ctr" rotWithShape="0">
                     <a:srgbClr val="000000">
@@ -11948,14 +11948,14 @@
           <a:effectLst/>
           <a:extLst>
             <a:ext uri="{909E8E84-426E-40dd-AFC4-6F175D3DCCD1}">
-              <a14:hiddenFill xmlns:a14="http://schemas.microsoft.com/office/drawing/2010/main" xmlns="">
+              <a14:hiddenFill xmlns="" xmlns:a14="http://schemas.microsoft.com/office/drawing/2010/main">
                 <a:solidFill>
                   <a:srgbClr val="FFFFFF"/>
                 </a:solidFill>
               </a14:hiddenFill>
             </a:ext>
             <a:ext uri="{91240B29-F687-4f45-9708-019B960494DF}">
-              <a14:hiddenLine xmlns:a14="http://schemas.microsoft.com/office/drawing/2010/main" xmlns="" w="9525" cap="flat">
+              <a14:hiddenLine xmlns="" xmlns:a14="http://schemas.microsoft.com/office/drawing/2010/main" w="9525" cap="flat">
                 <a:solidFill>
                   <a:srgbClr val="000000"/>
                 </a:solidFill>
@@ -11965,7 +11965,7 @@
               </a14:hiddenLine>
             </a:ext>
             <a:ext uri="{AF507438-7753-43e0-B8FC-AC1667EBCBE1}">
-              <a14:hiddenEffects xmlns:a14="http://schemas.microsoft.com/office/drawing/2010/main" xmlns="">
+              <a14:hiddenEffects xmlns="" xmlns:a14="http://schemas.microsoft.com/office/drawing/2010/main">
                 <a:effectLst>
                   <a:outerShdw blurRad="63500" dist="38099" dir="2700000" algn="ctr" rotWithShape="0">
                     <a:srgbClr val="000000">
@@ -12015,14 +12015,14 @@
           <a:effectLst/>
           <a:extLst>
             <a:ext uri="{909E8E84-426E-40dd-AFC4-6F175D3DCCD1}">
-              <a14:hiddenFill xmlns:a14="http://schemas.microsoft.com/office/drawing/2010/main" xmlns="">
+              <a14:hiddenFill xmlns="" xmlns:a14="http://schemas.microsoft.com/office/drawing/2010/main">
                 <a:solidFill>
                   <a:srgbClr val="FFFFFF"/>
                 </a:solidFill>
               </a14:hiddenFill>
             </a:ext>
             <a:ext uri="{91240B29-F687-4f45-9708-019B960494DF}">
-              <a14:hiddenLine xmlns:a14="http://schemas.microsoft.com/office/drawing/2010/main" xmlns="" w="9525" cap="flat">
+              <a14:hiddenLine xmlns="" xmlns:a14="http://schemas.microsoft.com/office/drawing/2010/main" w="9525" cap="flat">
                 <a:solidFill>
                   <a:srgbClr val="000000"/>
                 </a:solidFill>
@@ -12032,7 +12032,7 @@
               </a14:hiddenLine>
             </a:ext>
             <a:ext uri="{AF507438-7753-43e0-B8FC-AC1667EBCBE1}">
-              <a14:hiddenEffects xmlns:a14="http://schemas.microsoft.com/office/drawing/2010/main" xmlns="">
+              <a14:hiddenEffects xmlns="" xmlns:a14="http://schemas.microsoft.com/office/drawing/2010/main">
                 <a:effectLst>
                   <a:outerShdw blurRad="63500" dist="38099" dir="2700000" algn="ctr" rotWithShape="0">
                     <a:srgbClr val="000000">
@@ -12252,14 +12252,14 @@
           <a:effectLst/>
           <a:extLst>
             <a:ext uri="{909E8E84-426E-40dd-AFC4-6F175D3DCCD1}">
-              <a14:hiddenFill xmlns:a14="http://schemas.microsoft.com/office/drawing/2010/main" xmlns="">
+              <a14:hiddenFill xmlns="" xmlns:a14="http://schemas.microsoft.com/office/drawing/2010/main">
                 <a:solidFill>
                   <a:srgbClr val="FFFFFF"/>
                 </a:solidFill>
               </a14:hiddenFill>
             </a:ext>
             <a:ext uri="{91240B29-F687-4f45-9708-019B960494DF}">
-              <a14:hiddenLine xmlns:a14="http://schemas.microsoft.com/office/drawing/2010/main" xmlns="" w="9525" cap="flat">
+              <a14:hiddenLine xmlns="" xmlns:a14="http://schemas.microsoft.com/office/drawing/2010/main" w="9525" cap="flat">
                 <a:solidFill>
                   <a:srgbClr val="000000"/>
                 </a:solidFill>
@@ -12269,7 +12269,7 @@
               </a14:hiddenLine>
             </a:ext>
             <a:ext uri="{AF507438-7753-43e0-B8FC-AC1667EBCBE1}">
-              <a14:hiddenEffects xmlns:a14="http://schemas.microsoft.com/office/drawing/2010/main" xmlns="">
+              <a14:hiddenEffects xmlns="" xmlns:a14="http://schemas.microsoft.com/office/drawing/2010/main">
                 <a:effectLst>
                   <a:outerShdw blurRad="63500" dist="38099" dir="2700000" algn="ctr" rotWithShape="0">
                     <a:srgbClr val="000000">
@@ -12319,14 +12319,14 @@
           <a:effectLst/>
           <a:extLst>
             <a:ext uri="{909E8E84-426E-40dd-AFC4-6F175D3DCCD1}">
-              <a14:hiddenFill xmlns:a14="http://schemas.microsoft.com/office/drawing/2010/main" xmlns="">
+              <a14:hiddenFill xmlns="" xmlns:a14="http://schemas.microsoft.com/office/drawing/2010/main">
                 <a:solidFill>
                   <a:srgbClr val="FFFFFF"/>
                 </a:solidFill>
               </a14:hiddenFill>
             </a:ext>
             <a:ext uri="{91240B29-F687-4f45-9708-019B960494DF}">
-              <a14:hiddenLine xmlns:a14="http://schemas.microsoft.com/office/drawing/2010/main" xmlns="" w="9525" cap="flat">
+              <a14:hiddenLine xmlns="" xmlns:a14="http://schemas.microsoft.com/office/drawing/2010/main" w="9525" cap="flat">
                 <a:solidFill>
                   <a:srgbClr val="000000"/>
                 </a:solidFill>
@@ -12336,7 +12336,7 @@
               </a14:hiddenLine>
             </a:ext>
             <a:ext uri="{AF507438-7753-43e0-B8FC-AC1667EBCBE1}">
-              <a14:hiddenEffects xmlns:a14="http://schemas.microsoft.com/office/drawing/2010/main" xmlns="">
+              <a14:hiddenEffects xmlns="" xmlns:a14="http://schemas.microsoft.com/office/drawing/2010/main">
                 <a:effectLst>
                   <a:outerShdw blurRad="63500" dist="38099" dir="2700000" algn="ctr" rotWithShape="0">
                     <a:srgbClr val="000000">
@@ -12556,14 +12556,14 @@
           <a:effectLst/>
           <a:extLst>
             <a:ext uri="{909E8E84-426E-40dd-AFC4-6F175D3DCCD1}">
-              <a14:hiddenFill xmlns:a14="http://schemas.microsoft.com/office/drawing/2010/main" xmlns="">
+              <a14:hiddenFill xmlns="" xmlns:a14="http://schemas.microsoft.com/office/drawing/2010/main">
                 <a:solidFill>
                   <a:srgbClr val="FFFFFF"/>
                 </a:solidFill>
               </a14:hiddenFill>
             </a:ext>
             <a:ext uri="{91240B29-F687-4f45-9708-019B960494DF}">
-              <a14:hiddenLine xmlns:a14="http://schemas.microsoft.com/office/drawing/2010/main" xmlns="" w="9525" cap="flat">
+              <a14:hiddenLine xmlns="" xmlns:a14="http://schemas.microsoft.com/office/drawing/2010/main" w="9525" cap="flat">
                 <a:solidFill>
                   <a:srgbClr val="000000"/>
                 </a:solidFill>
@@ -12573,7 +12573,7 @@
               </a14:hiddenLine>
             </a:ext>
             <a:ext uri="{AF507438-7753-43e0-B8FC-AC1667EBCBE1}">
-              <a14:hiddenEffects xmlns:a14="http://schemas.microsoft.com/office/drawing/2010/main" xmlns="">
+              <a14:hiddenEffects xmlns="" xmlns:a14="http://schemas.microsoft.com/office/drawing/2010/main">
                 <a:effectLst>
                   <a:outerShdw blurRad="63500" dist="38099" dir="2700000" algn="ctr" rotWithShape="0">
                     <a:srgbClr val="000000">
@@ -12793,14 +12793,14 @@
           <a:effectLst/>
           <a:extLst>
             <a:ext uri="{909E8E84-426E-40dd-AFC4-6F175D3DCCD1}">
-              <a14:hiddenFill xmlns:a14="http://schemas.microsoft.com/office/drawing/2010/main" xmlns="">
+              <a14:hiddenFill xmlns="" xmlns:a14="http://schemas.microsoft.com/office/drawing/2010/main">
                 <a:solidFill>
                   <a:srgbClr val="FFFFFF"/>
                 </a:solidFill>
               </a14:hiddenFill>
             </a:ext>
             <a:ext uri="{91240B29-F687-4f45-9708-019B960494DF}">
-              <a14:hiddenLine xmlns:a14="http://schemas.microsoft.com/office/drawing/2010/main" xmlns="" w="9525" cap="flat">
+              <a14:hiddenLine xmlns="" xmlns:a14="http://schemas.microsoft.com/office/drawing/2010/main" w="9525" cap="flat">
                 <a:solidFill>
                   <a:srgbClr val="000000"/>
                 </a:solidFill>
@@ -12810,7 +12810,7 @@
               </a14:hiddenLine>
             </a:ext>
             <a:ext uri="{AF507438-7753-43e0-B8FC-AC1667EBCBE1}">
-              <a14:hiddenEffects xmlns:a14="http://schemas.microsoft.com/office/drawing/2010/main" xmlns="">
+              <a14:hiddenEffects xmlns="" xmlns:a14="http://schemas.microsoft.com/office/drawing/2010/main">
                 <a:effectLst>
                   <a:outerShdw blurRad="63500" dist="38099" dir="2700000" algn="ctr" rotWithShape="0">
                     <a:srgbClr val="000000">
@@ -13030,14 +13030,14 @@
           <a:effectLst/>
           <a:extLst>
             <a:ext uri="{909E8E84-426E-40dd-AFC4-6F175D3DCCD1}">
-              <a14:hiddenFill xmlns:a14="http://schemas.microsoft.com/office/drawing/2010/main" xmlns="">
+              <a14:hiddenFill xmlns="" xmlns:a14="http://schemas.microsoft.com/office/drawing/2010/main">
                 <a:solidFill>
                   <a:srgbClr val="FFFFFF"/>
                 </a:solidFill>
               </a14:hiddenFill>
             </a:ext>
             <a:ext uri="{91240B29-F687-4f45-9708-019B960494DF}">
-              <a14:hiddenLine xmlns:a14="http://schemas.microsoft.com/office/drawing/2010/main" xmlns="" w="9525" cap="flat">
+              <a14:hiddenLine xmlns="" xmlns:a14="http://schemas.microsoft.com/office/drawing/2010/main" w="9525" cap="flat">
                 <a:solidFill>
                   <a:srgbClr val="000000"/>
                 </a:solidFill>
@@ -13047,7 +13047,7 @@
               </a14:hiddenLine>
             </a:ext>
             <a:ext uri="{AF507438-7753-43e0-B8FC-AC1667EBCBE1}">
-              <a14:hiddenEffects xmlns:a14="http://schemas.microsoft.com/office/drawing/2010/main" xmlns="">
+              <a14:hiddenEffects xmlns="" xmlns:a14="http://schemas.microsoft.com/office/drawing/2010/main">
                 <a:effectLst>
                   <a:outerShdw blurRad="63500" dist="38099" dir="2700000" algn="ctr" rotWithShape="0">
                     <a:srgbClr val="000000">
@@ -13267,14 +13267,14 @@
           <a:effectLst/>
           <a:extLst>
             <a:ext uri="{909E8E84-426E-40dd-AFC4-6F175D3DCCD1}">
-              <a14:hiddenFill xmlns:a14="http://schemas.microsoft.com/office/drawing/2010/main" xmlns="">
+              <a14:hiddenFill xmlns="" xmlns:a14="http://schemas.microsoft.com/office/drawing/2010/main">
                 <a:solidFill>
                   <a:srgbClr val="FFFFFF"/>
                 </a:solidFill>
               </a14:hiddenFill>
             </a:ext>
             <a:ext uri="{91240B29-F687-4f45-9708-019B960494DF}">
-              <a14:hiddenLine xmlns:a14="http://schemas.microsoft.com/office/drawing/2010/main" xmlns="" w="9525" cap="flat">
+              <a14:hiddenLine xmlns="" xmlns:a14="http://schemas.microsoft.com/office/drawing/2010/main" w="9525" cap="flat">
                 <a:solidFill>
                   <a:srgbClr val="000000"/>
                 </a:solidFill>
@@ -13284,7 +13284,7 @@
               </a14:hiddenLine>
             </a:ext>
             <a:ext uri="{AF507438-7753-43e0-B8FC-AC1667EBCBE1}">
-              <a14:hiddenEffects xmlns:a14="http://schemas.microsoft.com/office/drawing/2010/main" xmlns="">
+              <a14:hiddenEffects xmlns="" xmlns:a14="http://schemas.microsoft.com/office/drawing/2010/main">
                 <a:effectLst>
                   <a:outerShdw blurRad="63500" dist="38099" dir="2700000" algn="ctr" rotWithShape="0">
                     <a:srgbClr val="000000">
@@ -13504,14 +13504,14 @@
           <a:effectLst/>
           <a:extLst>
             <a:ext uri="{909E8E84-426E-40dd-AFC4-6F175D3DCCD1}">
-              <a14:hiddenFill xmlns:a14="http://schemas.microsoft.com/office/drawing/2010/main" xmlns="">
+              <a14:hiddenFill xmlns="" xmlns:a14="http://schemas.microsoft.com/office/drawing/2010/main">
                 <a:solidFill>
                   <a:srgbClr val="FFFFFF"/>
                 </a:solidFill>
               </a14:hiddenFill>
             </a:ext>
             <a:ext uri="{91240B29-F687-4f45-9708-019B960494DF}">
-              <a14:hiddenLine xmlns:a14="http://schemas.microsoft.com/office/drawing/2010/main" xmlns="" w="9525" cap="flat">
+              <a14:hiddenLine xmlns="" xmlns:a14="http://schemas.microsoft.com/office/drawing/2010/main" w="9525" cap="flat">
                 <a:solidFill>
                   <a:srgbClr val="000000"/>
                 </a:solidFill>
@@ -13521,7 +13521,7 @@
               </a14:hiddenLine>
             </a:ext>
             <a:ext uri="{AF507438-7753-43e0-B8FC-AC1667EBCBE1}">
-              <a14:hiddenEffects xmlns:a14="http://schemas.microsoft.com/office/drawing/2010/main" xmlns="">
+              <a14:hiddenEffects xmlns="" xmlns:a14="http://schemas.microsoft.com/office/drawing/2010/main">
                 <a:effectLst>
                   <a:outerShdw blurRad="63500" dist="38099" dir="2700000" algn="ctr" rotWithShape="0">
                     <a:srgbClr val="000000">
@@ -13571,14 +13571,14 @@
           <a:effectLst/>
           <a:extLst>
             <a:ext uri="{909E8E84-426E-40dd-AFC4-6F175D3DCCD1}">
-              <a14:hiddenFill xmlns:a14="http://schemas.microsoft.com/office/drawing/2010/main" xmlns="">
+              <a14:hiddenFill xmlns="" xmlns:a14="http://schemas.microsoft.com/office/drawing/2010/main">
                 <a:solidFill>
                   <a:srgbClr val="FFFFFF"/>
                 </a:solidFill>
               </a14:hiddenFill>
             </a:ext>
             <a:ext uri="{91240B29-F687-4f45-9708-019B960494DF}">
-              <a14:hiddenLine xmlns:a14="http://schemas.microsoft.com/office/drawing/2010/main" xmlns="" w="9525" cap="flat">
+              <a14:hiddenLine xmlns="" xmlns:a14="http://schemas.microsoft.com/office/drawing/2010/main" w="9525" cap="flat">
                 <a:solidFill>
                   <a:srgbClr val="000000"/>
                 </a:solidFill>
@@ -13588,7 +13588,7 @@
               </a14:hiddenLine>
             </a:ext>
             <a:ext uri="{AF507438-7753-43e0-B8FC-AC1667EBCBE1}">
-              <a14:hiddenEffects xmlns:a14="http://schemas.microsoft.com/office/drawing/2010/main" xmlns="">
+              <a14:hiddenEffects xmlns="" xmlns:a14="http://schemas.microsoft.com/office/drawing/2010/main">
                 <a:effectLst>
                   <a:outerShdw blurRad="63500" dist="38099" dir="2700000" algn="ctr" rotWithShape="0">
                     <a:srgbClr val="000000">
@@ -13638,14 +13638,14 @@
           <a:effectLst/>
           <a:extLst>
             <a:ext uri="{909E8E84-426E-40dd-AFC4-6F175D3DCCD1}">
-              <a14:hiddenFill xmlns:a14="http://schemas.microsoft.com/office/drawing/2010/main" xmlns="">
+              <a14:hiddenFill xmlns="" xmlns:a14="http://schemas.microsoft.com/office/drawing/2010/main">
                 <a:solidFill>
                   <a:srgbClr val="FFFFFF"/>
                 </a:solidFill>
               </a14:hiddenFill>
             </a:ext>
             <a:ext uri="{91240B29-F687-4f45-9708-019B960494DF}">
-              <a14:hiddenLine xmlns:a14="http://schemas.microsoft.com/office/drawing/2010/main" xmlns="" w="9525" cap="flat">
+              <a14:hiddenLine xmlns="" xmlns:a14="http://schemas.microsoft.com/office/drawing/2010/main" w="9525" cap="flat">
                 <a:solidFill>
                   <a:srgbClr val="000000"/>
                 </a:solidFill>
@@ -13655,7 +13655,7 @@
               </a14:hiddenLine>
             </a:ext>
             <a:ext uri="{AF507438-7753-43e0-B8FC-AC1667EBCBE1}">
-              <a14:hiddenEffects xmlns:a14="http://schemas.microsoft.com/office/drawing/2010/main" xmlns="">
+              <a14:hiddenEffects xmlns="" xmlns:a14="http://schemas.microsoft.com/office/drawing/2010/main">
                 <a:effectLst>
                   <a:outerShdw blurRad="63500" dist="38099" dir="2700000" algn="ctr" rotWithShape="0">
                     <a:srgbClr val="000000">
@@ -13875,14 +13875,14 @@
           <a:effectLst/>
           <a:extLst>
             <a:ext uri="{909E8E84-426E-40dd-AFC4-6F175D3DCCD1}">
-              <a14:hiddenFill xmlns:a14="http://schemas.microsoft.com/office/drawing/2010/main" xmlns="">
+              <a14:hiddenFill xmlns="" xmlns:a14="http://schemas.microsoft.com/office/drawing/2010/main">
                 <a:solidFill>
                   <a:srgbClr val="FFFFFF"/>
                 </a:solidFill>
               </a14:hiddenFill>
             </a:ext>
             <a:ext uri="{91240B29-F687-4f45-9708-019B960494DF}">
-              <a14:hiddenLine xmlns:a14="http://schemas.microsoft.com/office/drawing/2010/main" xmlns="" w="9525" cap="flat">
+              <a14:hiddenLine xmlns="" xmlns:a14="http://schemas.microsoft.com/office/drawing/2010/main" w="9525" cap="flat">
                 <a:solidFill>
                   <a:srgbClr val="000000"/>
                 </a:solidFill>
@@ -13892,7 +13892,7 @@
               </a14:hiddenLine>
             </a:ext>
             <a:ext uri="{AF507438-7753-43e0-B8FC-AC1667EBCBE1}">
-              <a14:hiddenEffects xmlns:a14="http://schemas.microsoft.com/office/drawing/2010/main" xmlns="">
+              <a14:hiddenEffects xmlns="" xmlns:a14="http://schemas.microsoft.com/office/drawing/2010/main">
                 <a:effectLst>
                   <a:outerShdw blurRad="63500" dist="38099" dir="2700000" algn="ctr" rotWithShape="0">
                     <a:srgbClr val="000000">
@@ -13942,14 +13942,14 @@
           <a:effectLst/>
           <a:extLst>
             <a:ext uri="{909E8E84-426E-40dd-AFC4-6F175D3DCCD1}">
-              <a14:hiddenFill xmlns:a14="http://schemas.microsoft.com/office/drawing/2010/main" xmlns="">
+              <a14:hiddenFill xmlns="" xmlns:a14="http://schemas.microsoft.com/office/drawing/2010/main">
                 <a:solidFill>
                   <a:srgbClr val="FFFFFF"/>
                 </a:solidFill>
               </a14:hiddenFill>
             </a:ext>
             <a:ext uri="{91240B29-F687-4f45-9708-019B960494DF}">
-              <a14:hiddenLine xmlns:a14="http://schemas.microsoft.com/office/drawing/2010/main" xmlns="" w="9525" cap="flat">
+              <a14:hiddenLine xmlns="" xmlns:a14="http://schemas.microsoft.com/office/drawing/2010/main" w="9525" cap="flat">
                 <a:solidFill>
                   <a:srgbClr val="000000"/>
                 </a:solidFill>
@@ -13959,7 +13959,7 @@
               </a14:hiddenLine>
             </a:ext>
             <a:ext uri="{AF507438-7753-43e0-B8FC-AC1667EBCBE1}">
-              <a14:hiddenEffects xmlns:a14="http://schemas.microsoft.com/office/drawing/2010/main" xmlns="">
+              <a14:hiddenEffects xmlns="" xmlns:a14="http://schemas.microsoft.com/office/drawing/2010/main">
                 <a:effectLst>
                   <a:outerShdw blurRad="63500" dist="38099" dir="2700000" algn="ctr" rotWithShape="0">
                     <a:srgbClr val="000000">
@@ -14179,14 +14179,14 @@
           <a:effectLst/>
           <a:extLst>
             <a:ext uri="{909E8E84-426E-40dd-AFC4-6F175D3DCCD1}">
-              <a14:hiddenFill xmlns:a14="http://schemas.microsoft.com/office/drawing/2010/main" xmlns="">
+              <a14:hiddenFill xmlns="" xmlns:a14="http://schemas.microsoft.com/office/drawing/2010/main">
                 <a:solidFill>
                   <a:srgbClr val="FFFFFF"/>
                 </a:solidFill>
               </a14:hiddenFill>
             </a:ext>
             <a:ext uri="{91240B29-F687-4f45-9708-019B960494DF}">
-              <a14:hiddenLine xmlns:a14="http://schemas.microsoft.com/office/drawing/2010/main" xmlns="" w="9525" cap="flat">
+              <a14:hiddenLine xmlns="" xmlns:a14="http://schemas.microsoft.com/office/drawing/2010/main" w="9525" cap="flat">
                 <a:solidFill>
                   <a:srgbClr val="000000"/>
                 </a:solidFill>
@@ -14196,7 +14196,7 @@
               </a14:hiddenLine>
             </a:ext>
             <a:ext uri="{AF507438-7753-43e0-B8FC-AC1667EBCBE1}">
-              <a14:hiddenEffects xmlns:a14="http://schemas.microsoft.com/office/drawing/2010/main" xmlns="">
+              <a14:hiddenEffects xmlns="" xmlns:a14="http://schemas.microsoft.com/office/drawing/2010/main">
                 <a:effectLst>
                   <a:outerShdw blurRad="63500" dist="38099" dir="2700000" algn="ctr" rotWithShape="0">
                     <a:srgbClr val="000000">
@@ -14416,14 +14416,14 @@
           <a:effectLst/>
           <a:extLst>
             <a:ext uri="{909E8E84-426E-40dd-AFC4-6F175D3DCCD1}">
-              <a14:hiddenFill xmlns:a14="http://schemas.microsoft.com/office/drawing/2010/main" xmlns="">
+              <a14:hiddenFill xmlns="" xmlns:a14="http://schemas.microsoft.com/office/drawing/2010/main">
                 <a:solidFill>
                   <a:srgbClr val="FFFFFF"/>
                 </a:solidFill>
               </a14:hiddenFill>
             </a:ext>
             <a:ext uri="{91240B29-F687-4f45-9708-019B960494DF}">
-              <a14:hiddenLine xmlns:a14="http://schemas.microsoft.com/office/drawing/2010/main" xmlns="" w="9525" cap="flat">
+              <a14:hiddenLine xmlns="" xmlns:a14="http://schemas.microsoft.com/office/drawing/2010/main" w="9525" cap="flat">
                 <a:solidFill>
                   <a:srgbClr val="000000"/>
                 </a:solidFill>
@@ -14433,7 +14433,7 @@
               </a14:hiddenLine>
             </a:ext>
             <a:ext uri="{AF507438-7753-43e0-B8FC-AC1667EBCBE1}">
-              <a14:hiddenEffects xmlns:a14="http://schemas.microsoft.com/office/drawing/2010/main" xmlns="">
+              <a14:hiddenEffects xmlns="" xmlns:a14="http://schemas.microsoft.com/office/drawing/2010/main">
                 <a:effectLst>
                   <a:outerShdw blurRad="63500" dist="38099" dir="2700000" algn="ctr" rotWithShape="0">
                     <a:srgbClr val="000000">
@@ -14653,14 +14653,14 @@
           <a:effectLst/>
           <a:extLst>
             <a:ext uri="{909E8E84-426E-40dd-AFC4-6F175D3DCCD1}">
-              <a14:hiddenFill xmlns:a14="http://schemas.microsoft.com/office/drawing/2010/main" xmlns="">
+              <a14:hiddenFill xmlns="" xmlns:a14="http://schemas.microsoft.com/office/drawing/2010/main">
                 <a:solidFill>
                   <a:srgbClr val="FFFFFF"/>
                 </a:solidFill>
               </a14:hiddenFill>
             </a:ext>
             <a:ext uri="{91240B29-F687-4f45-9708-019B960494DF}">
-              <a14:hiddenLine xmlns:a14="http://schemas.microsoft.com/office/drawing/2010/main" xmlns="" w="9525" cap="flat">
+              <a14:hiddenLine xmlns="" xmlns:a14="http://schemas.microsoft.com/office/drawing/2010/main" w="9525" cap="flat">
                 <a:solidFill>
                   <a:srgbClr val="000000"/>
                 </a:solidFill>
@@ -14670,7 +14670,7 @@
               </a14:hiddenLine>
             </a:ext>
             <a:ext uri="{AF507438-7753-43e0-B8FC-AC1667EBCBE1}">
-              <a14:hiddenEffects xmlns:a14="http://schemas.microsoft.com/office/drawing/2010/main" xmlns="">
+              <a14:hiddenEffects xmlns="" xmlns:a14="http://schemas.microsoft.com/office/drawing/2010/main">
                 <a:effectLst>
                   <a:outerShdw blurRad="63500" dist="38099" dir="2700000" algn="ctr" rotWithShape="0">
                     <a:srgbClr val="000000">
@@ -14890,14 +14890,14 @@
           <a:effectLst/>
           <a:extLst>
             <a:ext uri="{909E8E84-426E-40dd-AFC4-6F175D3DCCD1}">
-              <a14:hiddenFill xmlns:a14="http://schemas.microsoft.com/office/drawing/2010/main" xmlns="">
+              <a14:hiddenFill xmlns="" xmlns:a14="http://schemas.microsoft.com/office/drawing/2010/main">
                 <a:solidFill>
                   <a:srgbClr val="FFFFFF"/>
                 </a:solidFill>
               </a14:hiddenFill>
             </a:ext>
             <a:ext uri="{91240B29-F687-4f45-9708-019B960494DF}">
-              <a14:hiddenLine xmlns:a14="http://schemas.microsoft.com/office/drawing/2010/main" xmlns="" w="9525" cap="flat">
+              <a14:hiddenLine xmlns="" xmlns:a14="http://schemas.microsoft.com/office/drawing/2010/main" w="9525" cap="flat">
                 <a:solidFill>
                   <a:srgbClr val="000000"/>
                 </a:solidFill>
@@ -14907,7 +14907,7 @@
               </a14:hiddenLine>
             </a:ext>
             <a:ext uri="{AF507438-7753-43e0-B8FC-AC1667EBCBE1}">
-              <a14:hiddenEffects xmlns:a14="http://schemas.microsoft.com/office/drawing/2010/main" xmlns="">
+              <a14:hiddenEffects xmlns="" xmlns:a14="http://schemas.microsoft.com/office/drawing/2010/main">
                 <a:effectLst>
                   <a:outerShdw blurRad="63500" dist="38099" dir="2700000" algn="ctr" rotWithShape="0">
                     <a:srgbClr val="000000">
@@ -14957,14 +14957,14 @@
           <a:effectLst/>
           <a:extLst>
             <a:ext uri="{909E8E84-426E-40dd-AFC4-6F175D3DCCD1}">
-              <a14:hiddenFill xmlns:a14="http://schemas.microsoft.com/office/drawing/2010/main" xmlns="">
+              <a14:hiddenFill xmlns="" xmlns:a14="http://schemas.microsoft.com/office/drawing/2010/main">
                 <a:solidFill>
                   <a:srgbClr val="FFFFFF"/>
                 </a:solidFill>
               </a14:hiddenFill>
             </a:ext>
             <a:ext uri="{91240B29-F687-4f45-9708-019B960494DF}">
-              <a14:hiddenLine xmlns:a14="http://schemas.microsoft.com/office/drawing/2010/main" xmlns="" w="9525" cap="flat">
+              <a14:hiddenLine xmlns="" xmlns:a14="http://schemas.microsoft.com/office/drawing/2010/main" w="9525" cap="flat">
                 <a:solidFill>
                   <a:srgbClr val="000000"/>
                 </a:solidFill>
@@ -14974,7 +14974,7 @@
               </a14:hiddenLine>
             </a:ext>
             <a:ext uri="{AF507438-7753-43e0-B8FC-AC1667EBCBE1}">
-              <a14:hiddenEffects xmlns:a14="http://schemas.microsoft.com/office/drawing/2010/main" xmlns="">
+              <a14:hiddenEffects xmlns="" xmlns:a14="http://schemas.microsoft.com/office/drawing/2010/main">
                 <a:effectLst>
                   <a:outerShdw blurRad="63500" dist="38099" dir="2700000" algn="ctr" rotWithShape="0">
                     <a:srgbClr val="000000">
@@ -15024,14 +15024,14 @@
           <a:effectLst/>
           <a:extLst>
             <a:ext uri="{909E8E84-426E-40dd-AFC4-6F175D3DCCD1}">
-              <a14:hiddenFill xmlns:a14="http://schemas.microsoft.com/office/drawing/2010/main" xmlns="">
+              <a14:hiddenFill xmlns="" xmlns:a14="http://schemas.microsoft.com/office/drawing/2010/main">
                 <a:solidFill>
                   <a:srgbClr val="FFFFFF"/>
                 </a:solidFill>
               </a14:hiddenFill>
             </a:ext>
             <a:ext uri="{91240B29-F687-4f45-9708-019B960494DF}">
-              <a14:hiddenLine xmlns:a14="http://schemas.microsoft.com/office/drawing/2010/main" xmlns="" w="9525" cap="flat">
+              <a14:hiddenLine xmlns="" xmlns:a14="http://schemas.microsoft.com/office/drawing/2010/main" w="9525" cap="flat">
                 <a:solidFill>
                   <a:srgbClr val="000000"/>
                 </a:solidFill>
@@ -15041,7 +15041,7 @@
               </a14:hiddenLine>
             </a:ext>
             <a:ext uri="{AF507438-7753-43e0-B8FC-AC1667EBCBE1}">
-              <a14:hiddenEffects xmlns:a14="http://schemas.microsoft.com/office/drawing/2010/main" xmlns="">
+              <a14:hiddenEffects xmlns="" xmlns:a14="http://schemas.microsoft.com/office/drawing/2010/main">
                 <a:effectLst>
                   <a:outerShdw blurRad="63500" dist="38099" dir="2700000" algn="ctr" rotWithShape="0">
                     <a:srgbClr val="000000">
@@ -15091,14 +15091,14 @@
           <a:effectLst/>
           <a:extLst>
             <a:ext uri="{909E8E84-426E-40dd-AFC4-6F175D3DCCD1}">
-              <a14:hiddenFill xmlns:a14="http://schemas.microsoft.com/office/drawing/2010/main" xmlns="">
+              <a14:hiddenFill xmlns="" xmlns:a14="http://schemas.microsoft.com/office/drawing/2010/main">
                 <a:solidFill>
                   <a:srgbClr val="FFFFFF"/>
                 </a:solidFill>
               </a14:hiddenFill>
             </a:ext>
             <a:ext uri="{91240B29-F687-4f45-9708-019B960494DF}">
-              <a14:hiddenLine xmlns:a14="http://schemas.microsoft.com/office/drawing/2010/main" xmlns="" w="9525" cap="flat">
+              <a14:hiddenLine xmlns="" xmlns:a14="http://schemas.microsoft.com/office/drawing/2010/main" w="9525" cap="flat">
                 <a:solidFill>
                   <a:srgbClr val="000000"/>
                 </a:solidFill>
@@ -15108,7 +15108,7 @@
               </a14:hiddenLine>
             </a:ext>
             <a:ext uri="{AF507438-7753-43e0-B8FC-AC1667EBCBE1}">
-              <a14:hiddenEffects xmlns:a14="http://schemas.microsoft.com/office/drawing/2010/main" xmlns="">
+              <a14:hiddenEffects xmlns="" xmlns:a14="http://schemas.microsoft.com/office/drawing/2010/main">
                 <a:effectLst>
                   <a:outerShdw blurRad="63500" dist="38099" dir="2700000" algn="ctr" rotWithShape="0">
                     <a:srgbClr val="000000">
@@ -15158,14 +15158,14 @@
           <a:effectLst/>
           <a:extLst>
             <a:ext uri="{909E8E84-426E-40dd-AFC4-6F175D3DCCD1}">
-              <a14:hiddenFill xmlns:a14="http://schemas.microsoft.com/office/drawing/2010/main" xmlns="">
+              <a14:hiddenFill xmlns="" xmlns:a14="http://schemas.microsoft.com/office/drawing/2010/main">
                 <a:solidFill>
                   <a:srgbClr val="FFFFFF"/>
                 </a:solidFill>
               </a14:hiddenFill>
             </a:ext>
             <a:ext uri="{91240B29-F687-4f45-9708-019B960494DF}">
-              <a14:hiddenLine xmlns:a14="http://schemas.microsoft.com/office/drawing/2010/main" xmlns="" w="9525" cap="flat">
+              <a14:hiddenLine xmlns="" xmlns:a14="http://schemas.microsoft.com/office/drawing/2010/main" w="9525" cap="flat">
                 <a:solidFill>
                   <a:srgbClr val="000000"/>
                 </a:solidFill>
@@ -15175,7 +15175,7 @@
               </a14:hiddenLine>
             </a:ext>
             <a:ext uri="{AF507438-7753-43e0-B8FC-AC1667EBCBE1}">
-              <a14:hiddenEffects xmlns:a14="http://schemas.microsoft.com/office/drawing/2010/main" xmlns="">
+              <a14:hiddenEffects xmlns="" xmlns:a14="http://schemas.microsoft.com/office/drawing/2010/main">
                 <a:effectLst>
                   <a:outerShdw blurRad="63500" dist="38099" dir="2700000" algn="ctr" rotWithShape="0">
                     <a:srgbClr val="000000">
@@ -15225,14 +15225,14 @@
           <a:effectLst/>
           <a:extLst>
             <a:ext uri="{909E8E84-426E-40dd-AFC4-6F175D3DCCD1}">
-              <a14:hiddenFill xmlns:a14="http://schemas.microsoft.com/office/drawing/2010/main" xmlns="">
+              <a14:hiddenFill xmlns="" xmlns:a14="http://schemas.microsoft.com/office/drawing/2010/main">
                 <a:solidFill>
                   <a:srgbClr val="FFFFFF"/>
                 </a:solidFill>
               </a14:hiddenFill>
             </a:ext>
             <a:ext uri="{91240B29-F687-4f45-9708-019B960494DF}">
-              <a14:hiddenLine xmlns:a14="http://schemas.microsoft.com/office/drawing/2010/main" xmlns="" w="9525" cap="flat">
+              <a14:hiddenLine xmlns="" xmlns:a14="http://schemas.microsoft.com/office/drawing/2010/main" w="9525" cap="flat">
                 <a:solidFill>
                   <a:srgbClr val="000000"/>
                 </a:solidFill>
@@ -15242,7 +15242,7 @@
               </a14:hiddenLine>
             </a:ext>
             <a:ext uri="{AF507438-7753-43e0-B8FC-AC1667EBCBE1}">
-              <a14:hiddenEffects xmlns:a14="http://schemas.microsoft.com/office/drawing/2010/main" xmlns="">
+              <a14:hiddenEffects xmlns="" xmlns:a14="http://schemas.microsoft.com/office/drawing/2010/main">
                 <a:effectLst>
                   <a:outerShdw blurRad="63500" dist="38099" dir="2700000" algn="ctr" rotWithShape="0">
                     <a:srgbClr val="000000">
@@ -15292,14 +15292,14 @@
           <a:effectLst/>
           <a:extLst>
             <a:ext uri="{909E8E84-426E-40dd-AFC4-6F175D3DCCD1}">
-              <a14:hiddenFill xmlns:a14="http://schemas.microsoft.com/office/drawing/2010/main" xmlns="">
+              <a14:hiddenFill xmlns="" xmlns:a14="http://schemas.microsoft.com/office/drawing/2010/main">
                 <a:solidFill>
                   <a:srgbClr val="FFFFFF"/>
                 </a:solidFill>
               </a14:hiddenFill>
             </a:ext>
             <a:ext uri="{91240B29-F687-4f45-9708-019B960494DF}">
-              <a14:hiddenLine xmlns:a14="http://schemas.microsoft.com/office/drawing/2010/main" xmlns="" w="9525" cap="flat">
+              <a14:hiddenLine xmlns="" xmlns:a14="http://schemas.microsoft.com/office/drawing/2010/main" w="9525" cap="flat">
                 <a:solidFill>
                   <a:srgbClr val="000000"/>
                 </a:solidFill>
@@ -15309,7 +15309,7 @@
               </a14:hiddenLine>
             </a:ext>
             <a:ext uri="{AF507438-7753-43e0-B8FC-AC1667EBCBE1}">
-              <a14:hiddenEffects xmlns:a14="http://schemas.microsoft.com/office/drawing/2010/main" xmlns="">
+              <a14:hiddenEffects xmlns="" xmlns:a14="http://schemas.microsoft.com/office/drawing/2010/main">
                 <a:effectLst>
                   <a:outerShdw blurRad="63500" dist="38099" dir="2700000" algn="ctr" rotWithShape="0">
                     <a:srgbClr val="000000">
@@ -15359,14 +15359,14 @@
           <a:effectLst/>
           <a:extLst>
             <a:ext uri="{909E8E84-426E-40dd-AFC4-6F175D3DCCD1}">
-              <a14:hiddenFill xmlns:a14="http://schemas.microsoft.com/office/drawing/2010/main" xmlns="">
+              <a14:hiddenFill xmlns="" xmlns:a14="http://schemas.microsoft.com/office/drawing/2010/main">
                 <a:solidFill>
                   <a:srgbClr val="FFFFFF"/>
                 </a:solidFill>
               </a14:hiddenFill>
             </a:ext>
             <a:ext uri="{91240B29-F687-4f45-9708-019B960494DF}">
-              <a14:hiddenLine xmlns:a14="http://schemas.microsoft.com/office/drawing/2010/main" xmlns="" w="9525" cap="flat">
+              <a14:hiddenLine xmlns="" xmlns:a14="http://schemas.microsoft.com/office/drawing/2010/main" w="9525" cap="flat">
                 <a:solidFill>
                   <a:srgbClr val="000000"/>
                 </a:solidFill>
@@ -15376,7 +15376,7 @@
               </a14:hiddenLine>
             </a:ext>
             <a:ext uri="{AF507438-7753-43e0-B8FC-AC1667EBCBE1}">
-              <a14:hiddenEffects xmlns:a14="http://schemas.microsoft.com/office/drawing/2010/main" xmlns="">
+              <a14:hiddenEffects xmlns="" xmlns:a14="http://schemas.microsoft.com/office/drawing/2010/main">
                 <a:effectLst>
                   <a:outerShdw blurRad="63500" dist="38099" dir="2700000" algn="ctr" rotWithShape="0">
                     <a:srgbClr val="000000">
@@ -15426,14 +15426,14 @@
           <a:effectLst/>
           <a:extLst>
             <a:ext uri="{909E8E84-426E-40dd-AFC4-6F175D3DCCD1}">
-              <a14:hiddenFill xmlns:a14="http://schemas.microsoft.com/office/drawing/2010/main" xmlns="">
+              <a14:hiddenFill xmlns="" xmlns:a14="http://schemas.microsoft.com/office/drawing/2010/main">
                 <a:solidFill>
                   <a:srgbClr val="FFFFFF"/>
                 </a:solidFill>
               </a14:hiddenFill>
             </a:ext>
             <a:ext uri="{91240B29-F687-4f45-9708-019B960494DF}">
-              <a14:hiddenLine xmlns:a14="http://schemas.microsoft.com/office/drawing/2010/main" xmlns="" w="9525" cap="flat">
+              <a14:hiddenLine xmlns="" xmlns:a14="http://schemas.microsoft.com/office/drawing/2010/main" w="9525" cap="flat">
                 <a:solidFill>
                   <a:srgbClr val="000000"/>
                 </a:solidFill>
@@ -15443,7 +15443,7 @@
               </a14:hiddenLine>
             </a:ext>
             <a:ext uri="{AF507438-7753-43e0-B8FC-AC1667EBCBE1}">
-              <a14:hiddenEffects xmlns:a14="http://schemas.microsoft.com/office/drawing/2010/main" xmlns="">
+              <a14:hiddenEffects xmlns="" xmlns:a14="http://schemas.microsoft.com/office/drawing/2010/main">
                 <a:effectLst>
                   <a:outerShdw blurRad="63500" dist="38099" dir="2700000" algn="ctr" rotWithShape="0">
                     <a:srgbClr val="000000">
@@ -15500,7 +15500,7 @@
           <a:effectLst/>
           <a:extLst>
             <a:ext uri="{AF507438-7753-43e0-B8FC-AC1667EBCBE1}">
-              <a14:hiddenEffects xmlns:a14="http://schemas.microsoft.com/office/drawing/2010/main" xmlns="">
+              <a14:hiddenEffects xmlns="" xmlns:a14="http://schemas.microsoft.com/office/drawing/2010/main">
                 <a:effectLst>
                   <a:outerShdw blurRad="63500" dist="38099" dir="2700000" algn="ctr" rotWithShape="0">
                     <a:srgbClr val="000000">
@@ -15543,14 +15543,14 @@
           <a:effectLst/>
           <a:extLst>
             <a:ext uri="{909E8E84-426E-40dd-AFC4-6F175D3DCCD1}">
-              <a14:hiddenFill xmlns:a14="http://schemas.microsoft.com/office/drawing/2010/main" xmlns="">
+              <a14:hiddenFill xmlns="" xmlns:a14="http://schemas.microsoft.com/office/drawing/2010/main">
                 <a:solidFill>
                   <a:srgbClr val="FFFFFF"/>
                 </a:solidFill>
               </a14:hiddenFill>
             </a:ext>
             <a:ext uri="{91240B29-F687-4f45-9708-019B960494DF}">
-              <a14:hiddenLine xmlns:a14="http://schemas.microsoft.com/office/drawing/2010/main" xmlns="" w="9525" cap="flat">
+              <a14:hiddenLine xmlns="" xmlns:a14="http://schemas.microsoft.com/office/drawing/2010/main" w="9525" cap="flat">
                 <a:solidFill>
                   <a:srgbClr val="000000"/>
                 </a:solidFill>
@@ -15560,7 +15560,7 @@
               </a14:hiddenLine>
             </a:ext>
             <a:ext uri="{AF507438-7753-43e0-B8FC-AC1667EBCBE1}">
-              <a14:hiddenEffects xmlns:a14="http://schemas.microsoft.com/office/drawing/2010/main" xmlns="">
+              <a14:hiddenEffects xmlns="" xmlns:a14="http://schemas.microsoft.com/office/drawing/2010/main">
                 <a:effectLst>
                   <a:outerShdw blurRad="63500" dist="38099" dir="2700000" algn="ctr" rotWithShape="0">
                     <a:srgbClr val="000000">
@@ -15617,7 +15617,7 @@
           <a:effectLst/>
           <a:extLst>
             <a:ext uri="{AF507438-7753-43e0-B8FC-AC1667EBCBE1}">
-              <a14:hiddenEffects xmlns:a14="http://schemas.microsoft.com/office/drawing/2010/main" xmlns="">
+              <a14:hiddenEffects xmlns="" xmlns:a14="http://schemas.microsoft.com/office/drawing/2010/main">
                 <a:effectLst>
                   <a:outerShdw blurRad="63500" dist="38099" dir="2700000" algn="ctr" rotWithShape="0">
                     <a:srgbClr val="000000">
@@ -15660,14 +15660,14 @@
           <a:effectLst/>
           <a:extLst>
             <a:ext uri="{909E8E84-426E-40dd-AFC4-6F175D3DCCD1}">
-              <a14:hiddenFill xmlns:a14="http://schemas.microsoft.com/office/drawing/2010/main" xmlns="">
+              <a14:hiddenFill xmlns="" xmlns:a14="http://schemas.microsoft.com/office/drawing/2010/main">
                 <a:solidFill>
                   <a:srgbClr val="FFFFFF"/>
                 </a:solidFill>
               </a14:hiddenFill>
             </a:ext>
             <a:ext uri="{91240B29-F687-4f45-9708-019B960494DF}">
-              <a14:hiddenLine xmlns:a14="http://schemas.microsoft.com/office/drawing/2010/main" xmlns="" w="9525" cap="flat">
+              <a14:hiddenLine xmlns="" xmlns:a14="http://schemas.microsoft.com/office/drawing/2010/main" w="9525" cap="flat">
                 <a:solidFill>
                   <a:srgbClr val="000000"/>
                 </a:solidFill>
@@ -15677,7 +15677,7 @@
               </a14:hiddenLine>
             </a:ext>
             <a:ext uri="{AF507438-7753-43e0-B8FC-AC1667EBCBE1}">
-              <a14:hiddenEffects xmlns:a14="http://schemas.microsoft.com/office/drawing/2010/main" xmlns="">
+              <a14:hiddenEffects xmlns="" xmlns:a14="http://schemas.microsoft.com/office/drawing/2010/main">
                 <a:effectLst>
                   <a:outerShdw blurRad="63500" dist="38099" dir="2700000" algn="ctr" rotWithShape="0">
                     <a:srgbClr val="000000">
@@ -15727,14 +15727,14 @@
           <a:effectLst/>
           <a:extLst>
             <a:ext uri="{909E8E84-426E-40dd-AFC4-6F175D3DCCD1}">
-              <a14:hiddenFill xmlns:a14="http://schemas.microsoft.com/office/drawing/2010/main" xmlns="">
+              <a14:hiddenFill xmlns="" xmlns:a14="http://schemas.microsoft.com/office/drawing/2010/main">
                 <a:solidFill>
                   <a:srgbClr val="FFFFFF"/>
                 </a:solidFill>
               </a14:hiddenFill>
             </a:ext>
             <a:ext uri="{91240B29-F687-4f45-9708-019B960494DF}">
-              <a14:hiddenLine xmlns:a14="http://schemas.microsoft.com/office/drawing/2010/main" xmlns="" w="9525" cap="flat">
+              <a14:hiddenLine xmlns="" xmlns:a14="http://schemas.microsoft.com/office/drawing/2010/main" w="9525" cap="flat">
                 <a:solidFill>
                   <a:srgbClr val="000000"/>
                 </a:solidFill>
@@ -15744,7 +15744,7 @@
               </a14:hiddenLine>
             </a:ext>
             <a:ext uri="{AF507438-7753-43e0-B8FC-AC1667EBCBE1}">
-              <a14:hiddenEffects xmlns:a14="http://schemas.microsoft.com/office/drawing/2010/main" xmlns="">
+              <a14:hiddenEffects xmlns="" xmlns:a14="http://schemas.microsoft.com/office/drawing/2010/main">
                 <a:effectLst>
                   <a:outerShdw blurRad="63500" dist="38099" dir="2700000" algn="ctr" rotWithShape="0">
                     <a:srgbClr val="000000">
@@ -15964,14 +15964,14 @@
           <a:effectLst/>
           <a:extLst>
             <a:ext uri="{909E8E84-426E-40dd-AFC4-6F175D3DCCD1}">
-              <a14:hiddenFill xmlns:a14="http://schemas.microsoft.com/office/drawing/2010/main" xmlns="">
+              <a14:hiddenFill xmlns="" xmlns:a14="http://schemas.microsoft.com/office/drawing/2010/main">
                 <a:solidFill>
                   <a:srgbClr val="FFFFFF"/>
                 </a:solidFill>
               </a14:hiddenFill>
             </a:ext>
             <a:ext uri="{91240B29-F687-4f45-9708-019B960494DF}">
-              <a14:hiddenLine xmlns:a14="http://schemas.microsoft.com/office/drawing/2010/main" xmlns="" w="9525" cap="flat">
+              <a14:hiddenLine xmlns="" xmlns:a14="http://schemas.microsoft.com/office/drawing/2010/main" w="9525" cap="flat">
                 <a:solidFill>
                   <a:srgbClr val="000000"/>
                 </a:solidFill>
@@ -15981,7 +15981,7 @@
               </a14:hiddenLine>
             </a:ext>
             <a:ext uri="{AF507438-7753-43e0-B8FC-AC1667EBCBE1}">
-              <a14:hiddenEffects xmlns:a14="http://schemas.microsoft.com/office/drawing/2010/main" xmlns="">
+              <a14:hiddenEffects xmlns="" xmlns:a14="http://schemas.microsoft.com/office/drawing/2010/main">
                 <a:effectLst>
                   <a:outerShdw blurRad="63500" dist="38099" dir="2700000" algn="ctr" rotWithShape="0">
                     <a:srgbClr val="000000">
@@ -16031,14 +16031,14 @@
           <a:effectLst/>
           <a:extLst>
             <a:ext uri="{909E8E84-426E-40dd-AFC4-6F175D3DCCD1}">
-              <a14:hiddenFill xmlns:a14="http://schemas.microsoft.com/office/drawing/2010/main" xmlns="">
+              <a14:hiddenFill xmlns="" xmlns:a14="http://schemas.microsoft.com/office/drawing/2010/main">
                 <a:solidFill>
                   <a:srgbClr val="FFFFFF"/>
                 </a:solidFill>
               </a14:hiddenFill>
             </a:ext>
             <a:ext uri="{91240B29-F687-4f45-9708-019B960494DF}">
-              <a14:hiddenLine xmlns:a14="http://schemas.microsoft.com/office/drawing/2010/main" xmlns="" w="9525" cap="flat">
+              <a14:hiddenLine xmlns="" xmlns:a14="http://schemas.microsoft.com/office/drawing/2010/main" w="9525" cap="flat">
                 <a:solidFill>
                   <a:srgbClr val="000000"/>
                 </a:solidFill>
@@ -16048,7 +16048,7 @@
               </a14:hiddenLine>
             </a:ext>
             <a:ext uri="{AF507438-7753-43e0-B8FC-AC1667EBCBE1}">
-              <a14:hiddenEffects xmlns:a14="http://schemas.microsoft.com/office/drawing/2010/main" xmlns="">
+              <a14:hiddenEffects xmlns="" xmlns:a14="http://schemas.microsoft.com/office/drawing/2010/main">
                 <a:effectLst>
                   <a:outerShdw blurRad="63500" dist="38099" dir="2700000" algn="ctr" rotWithShape="0">
                     <a:srgbClr val="000000">
@@ -16098,14 +16098,14 @@
           <a:effectLst/>
           <a:extLst>
             <a:ext uri="{909E8E84-426E-40dd-AFC4-6F175D3DCCD1}">
-              <a14:hiddenFill xmlns:a14="http://schemas.microsoft.com/office/drawing/2010/main" xmlns="">
+              <a14:hiddenFill xmlns="" xmlns:a14="http://schemas.microsoft.com/office/drawing/2010/main">
                 <a:solidFill>
                   <a:srgbClr val="FFFFFF"/>
                 </a:solidFill>
               </a14:hiddenFill>
             </a:ext>
             <a:ext uri="{91240B29-F687-4f45-9708-019B960494DF}">
-              <a14:hiddenLine xmlns:a14="http://schemas.microsoft.com/office/drawing/2010/main" xmlns="" w="9525" cap="flat">
+              <a14:hiddenLine xmlns="" xmlns:a14="http://schemas.microsoft.com/office/drawing/2010/main" w="9525" cap="flat">
                 <a:solidFill>
                   <a:srgbClr val="000000"/>
                 </a:solidFill>
@@ -16115,7 +16115,7 @@
               </a14:hiddenLine>
             </a:ext>
             <a:ext uri="{AF507438-7753-43e0-B8FC-AC1667EBCBE1}">
-              <a14:hiddenEffects xmlns:a14="http://schemas.microsoft.com/office/drawing/2010/main" xmlns="">
+              <a14:hiddenEffects xmlns="" xmlns:a14="http://schemas.microsoft.com/office/drawing/2010/main">
                 <a:effectLst>
                   <a:outerShdw blurRad="63500" dist="38099" dir="2700000" algn="ctr" rotWithShape="0">
                     <a:srgbClr val="000000">
@@ -16335,14 +16335,14 @@
           <a:effectLst/>
           <a:extLst>
             <a:ext uri="{909E8E84-426E-40dd-AFC4-6F175D3DCCD1}">
-              <a14:hiddenFill xmlns:a14="http://schemas.microsoft.com/office/drawing/2010/main" xmlns="">
+              <a14:hiddenFill xmlns="" xmlns:a14="http://schemas.microsoft.com/office/drawing/2010/main">
                 <a:solidFill>
                   <a:srgbClr val="FFFFFF"/>
                 </a:solidFill>
               </a14:hiddenFill>
             </a:ext>
             <a:ext uri="{91240B29-F687-4f45-9708-019B960494DF}">
-              <a14:hiddenLine xmlns:a14="http://schemas.microsoft.com/office/drawing/2010/main" xmlns="" w="9525" cap="flat">
+              <a14:hiddenLine xmlns="" xmlns:a14="http://schemas.microsoft.com/office/drawing/2010/main" w="9525" cap="flat">
                 <a:solidFill>
                   <a:srgbClr val="000000"/>
                 </a:solidFill>
@@ -16352,7 +16352,7 @@
               </a14:hiddenLine>
             </a:ext>
             <a:ext uri="{AF507438-7753-43e0-B8FC-AC1667EBCBE1}">
-              <a14:hiddenEffects xmlns:a14="http://schemas.microsoft.com/office/drawing/2010/main" xmlns="">
+              <a14:hiddenEffects xmlns="" xmlns:a14="http://schemas.microsoft.com/office/drawing/2010/main">
                 <a:effectLst>
                   <a:outerShdw blurRad="63500" dist="38099" dir="2700000" algn="ctr" rotWithShape="0">
                     <a:srgbClr val="000000">
@@ -16572,14 +16572,14 @@
           <a:effectLst/>
           <a:extLst>
             <a:ext uri="{909E8E84-426E-40dd-AFC4-6F175D3DCCD1}">
-              <a14:hiddenFill xmlns:a14="http://schemas.microsoft.com/office/drawing/2010/main" xmlns="">
+              <a14:hiddenFill xmlns="" xmlns:a14="http://schemas.microsoft.com/office/drawing/2010/main">
                 <a:solidFill>
                   <a:srgbClr val="FFFFFF"/>
                 </a:solidFill>
               </a14:hiddenFill>
             </a:ext>
             <a:ext uri="{91240B29-F687-4f45-9708-019B960494DF}">
-              <a14:hiddenLine xmlns:a14="http://schemas.microsoft.com/office/drawing/2010/main" xmlns="" w="9525" cap="flat">
+              <a14:hiddenLine xmlns="" xmlns:a14="http://schemas.microsoft.com/office/drawing/2010/main" w="9525" cap="flat">
                 <a:solidFill>
                   <a:srgbClr val="000000"/>
                 </a:solidFill>
@@ -16589,7 +16589,7 @@
               </a14:hiddenLine>
             </a:ext>
             <a:ext uri="{AF507438-7753-43e0-B8FC-AC1667EBCBE1}">
-              <a14:hiddenEffects xmlns:a14="http://schemas.microsoft.com/office/drawing/2010/main" xmlns="">
+              <a14:hiddenEffects xmlns="" xmlns:a14="http://schemas.microsoft.com/office/drawing/2010/main">
                 <a:effectLst>
                   <a:outerShdw blurRad="63500" dist="38099" dir="2700000" algn="ctr" rotWithShape="0">
                     <a:srgbClr val="000000">
@@ -16809,14 +16809,14 @@
           <a:effectLst/>
           <a:extLst>
             <a:ext uri="{909E8E84-426E-40dd-AFC4-6F175D3DCCD1}">
-              <a14:hiddenFill xmlns:a14="http://schemas.microsoft.com/office/drawing/2010/main" xmlns="">
+              <a14:hiddenFill xmlns="" xmlns:a14="http://schemas.microsoft.com/office/drawing/2010/main">
                 <a:solidFill>
                   <a:srgbClr val="FFFFFF"/>
                 </a:solidFill>
               </a14:hiddenFill>
             </a:ext>
             <a:ext uri="{91240B29-F687-4f45-9708-019B960494DF}">
-              <a14:hiddenLine xmlns:a14="http://schemas.microsoft.com/office/drawing/2010/main" xmlns="" w="9525" cap="flat">
+              <a14:hiddenLine xmlns="" xmlns:a14="http://schemas.microsoft.com/office/drawing/2010/main" w="9525" cap="flat">
                 <a:solidFill>
                   <a:srgbClr val="000000"/>
                 </a:solidFill>
@@ -16826,7 +16826,7 @@
               </a14:hiddenLine>
             </a:ext>
             <a:ext uri="{AF507438-7753-43e0-B8FC-AC1667EBCBE1}">
-              <a14:hiddenEffects xmlns:a14="http://schemas.microsoft.com/office/drawing/2010/main" xmlns="">
+              <a14:hiddenEffects xmlns="" xmlns:a14="http://schemas.microsoft.com/office/drawing/2010/main">
                 <a:effectLst>
                   <a:outerShdw blurRad="63500" dist="38099" dir="2700000" algn="ctr" rotWithShape="0">
                     <a:srgbClr val="000000">
@@ -17046,14 +17046,14 @@
           <a:effectLst/>
           <a:extLst>
             <a:ext uri="{909E8E84-426E-40dd-AFC4-6F175D3DCCD1}">
-              <a14:hiddenFill xmlns:a14="http://schemas.microsoft.com/office/drawing/2010/main" xmlns="">
+              <a14:hiddenFill xmlns="" xmlns:a14="http://schemas.microsoft.com/office/drawing/2010/main">
                 <a:solidFill>
                   <a:srgbClr val="FFFFFF"/>
                 </a:solidFill>
               </a14:hiddenFill>
             </a:ext>
             <a:ext uri="{91240B29-F687-4f45-9708-019B960494DF}">
-              <a14:hiddenLine xmlns:a14="http://schemas.microsoft.com/office/drawing/2010/main" xmlns="" w="9525" cap="flat">
+              <a14:hiddenLine xmlns="" xmlns:a14="http://schemas.microsoft.com/office/drawing/2010/main" w="9525" cap="flat">
                 <a:solidFill>
                   <a:srgbClr val="000000"/>
                 </a:solidFill>
@@ -17063,7 +17063,7 @@
               </a14:hiddenLine>
             </a:ext>
             <a:ext uri="{AF507438-7753-43e0-B8FC-AC1667EBCBE1}">
-              <a14:hiddenEffects xmlns:a14="http://schemas.microsoft.com/office/drawing/2010/main" xmlns="">
+              <a14:hiddenEffects xmlns="" xmlns:a14="http://schemas.microsoft.com/office/drawing/2010/main">
                 <a:effectLst>
                   <a:outerShdw blurRad="63500" dist="38099" dir="2700000" algn="ctr" rotWithShape="0">
                     <a:srgbClr val="000000">
@@ -17290,7 +17290,7 @@
           <a:effectLst/>
           <a:extLst>
             <a:ext uri="{AF507438-7753-43e0-B8FC-AC1667EBCBE1}">
-              <a14:hiddenEffects xmlns:a14="http://schemas.microsoft.com/office/drawing/2010/main" xmlns="">
+              <a14:hiddenEffects xmlns="" xmlns:a14="http://schemas.microsoft.com/office/drawing/2010/main">
                 <a:effectLst>
                   <a:outerShdw blurRad="63500" dist="38099" dir="2700000" algn="ctr" rotWithShape="0">
                     <a:srgbClr val="000000">
@@ -17333,14 +17333,14 @@
           <a:effectLst/>
           <a:extLst>
             <a:ext uri="{909E8E84-426E-40dd-AFC4-6F175D3DCCD1}">
-              <a14:hiddenFill xmlns:a14="http://schemas.microsoft.com/office/drawing/2010/main" xmlns="">
+              <a14:hiddenFill xmlns="" xmlns:a14="http://schemas.microsoft.com/office/drawing/2010/main">
                 <a:solidFill>
                   <a:srgbClr val="FFFFFF"/>
                 </a:solidFill>
               </a14:hiddenFill>
             </a:ext>
             <a:ext uri="{91240B29-F687-4f45-9708-019B960494DF}">
-              <a14:hiddenLine xmlns:a14="http://schemas.microsoft.com/office/drawing/2010/main" xmlns="" w="9525" cap="flat">
+              <a14:hiddenLine xmlns="" xmlns:a14="http://schemas.microsoft.com/office/drawing/2010/main" w="9525" cap="flat">
                 <a:solidFill>
                   <a:srgbClr val="000000"/>
                 </a:solidFill>
@@ -17350,7 +17350,7 @@
               </a14:hiddenLine>
             </a:ext>
             <a:ext uri="{AF507438-7753-43e0-B8FC-AC1667EBCBE1}">
-              <a14:hiddenEffects xmlns:a14="http://schemas.microsoft.com/office/drawing/2010/main" xmlns="">
+              <a14:hiddenEffects xmlns="" xmlns:a14="http://schemas.microsoft.com/office/drawing/2010/main">
                 <a:effectLst>
                   <a:outerShdw blurRad="63500" dist="38099" dir="2700000" algn="ctr" rotWithShape="0">
                     <a:srgbClr val="000000">
@@ -17405,12 +17405,12 @@
           <a:effectLst/>
           <a:extLst>
             <a:ext uri="{909E8E84-426E-40dd-AFC4-6F175D3DCCD1}">
-              <a14:hiddenFill xmlns:a14="http://schemas.microsoft.com/office/drawing/2010/main" xmlns="">
+              <a14:hiddenFill xmlns="" xmlns:a14="http://schemas.microsoft.com/office/drawing/2010/main">
                 <a:noFill/>
               </a14:hiddenFill>
             </a:ext>
             <a:ext uri="{AF507438-7753-43e0-B8FC-AC1667EBCBE1}">
-              <a14:hiddenEffects xmlns:a14="http://schemas.microsoft.com/office/drawing/2010/main" xmlns="">
+              <a14:hiddenEffects xmlns="" xmlns:a14="http://schemas.microsoft.com/office/drawing/2010/main">
                 <a:effectLst>
                   <a:outerShdw blurRad="63500" dist="38099" dir="2700000" algn="ctr" rotWithShape="0">
                     <a:srgbClr val="000000">
@@ -17458,12 +17458,12 @@
           <a:effectLst/>
           <a:extLst>
             <a:ext uri="{909E8E84-426E-40dd-AFC4-6F175D3DCCD1}">
-              <a14:hiddenFill xmlns:a14="http://schemas.microsoft.com/office/drawing/2010/main" xmlns="">
+              <a14:hiddenFill xmlns="" xmlns:a14="http://schemas.microsoft.com/office/drawing/2010/main">
                 <a:noFill/>
               </a14:hiddenFill>
             </a:ext>
             <a:ext uri="{AF507438-7753-43e0-B8FC-AC1667EBCBE1}">
-              <a14:hiddenEffects xmlns:a14="http://schemas.microsoft.com/office/drawing/2010/main" xmlns="">
+              <a14:hiddenEffects xmlns="" xmlns:a14="http://schemas.microsoft.com/office/drawing/2010/main">
                 <a:effectLst>
                   <a:outerShdw blurRad="63500" dist="38099" dir="2700000" algn="ctr" rotWithShape="0">
                     <a:srgbClr val="000000">
@@ -17516,7 +17516,7 @@
           <a:effectLst/>
           <a:extLst>
             <a:ext uri="{AF507438-7753-43e0-B8FC-AC1667EBCBE1}">
-              <a14:hiddenEffects xmlns:a14="http://schemas.microsoft.com/office/drawing/2010/main" xmlns="">
+              <a14:hiddenEffects xmlns="" xmlns:a14="http://schemas.microsoft.com/office/drawing/2010/main">
                 <a:effectLst>
                   <a:outerShdw blurRad="63500" dist="38099" dir="2700000" algn="ctr" rotWithShape="0">
                     <a:srgbClr val="000000">
@@ -17559,14 +17559,14 @@
           <a:effectLst/>
           <a:extLst>
             <a:ext uri="{909E8E84-426E-40dd-AFC4-6F175D3DCCD1}">
-              <a14:hiddenFill xmlns:a14="http://schemas.microsoft.com/office/drawing/2010/main" xmlns="">
+              <a14:hiddenFill xmlns="" xmlns:a14="http://schemas.microsoft.com/office/drawing/2010/main">
                 <a:solidFill>
                   <a:srgbClr val="FFFFFF"/>
                 </a:solidFill>
               </a14:hiddenFill>
             </a:ext>
             <a:ext uri="{91240B29-F687-4f45-9708-019B960494DF}">
-              <a14:hiddenLine xmlns:a14="http://schemas.microsoft.com/office/drawing/2010/main" xmlns="" w="9525" cap="flat">
+              <a14:hiddenLine xmlns="" xmlns:a14="http://schemas.microsoft.com/office/drawing/2010/main" w="9525" cap="flat">
                 <a:solidFill>
                   <a:srgbClr val="000000"/>
                 </a:solidFill>
@@ -17576,7 +17576,7 @@
               </a14:hiddenLine>
             </a:ext>
             <a:ext uri="{AF507438-7753-43e0-B8FC-AC1667EBCBE1}">
-              <a14:hiddenEffects xmlns:a14="http://schemas.microsoft.com/office/drawing/2010/main" xmlns="">
+              <a14:hiddenEffects xmlns="" xmlns:a14="http://schemas.microsoft.com/office/drawing/2010/main">
                 <a:effectLst>
                   <a:outerShdw blurRad="63500" dist="38099" dir="2700000" algn="ctr" rotWithShape="0">
                     <a:srgbClr val="000000">
@@ -17833,7 +17833,7 @@
           <a:effectLst/>
           <a:extLst>
             <a:ext uri="{AF507438-7753-43e0-B8FC-AC1667EBCBE1}">
-              <a14:hiddenEffects xmlns:a14="http://schemas.microsoft.com/office/drawing/2010/main" xmlns="">
+              <a14:hiddenEffects xmlns="" xmlns:a14="http://schemas.microsoft.com/office/drawing/2010/main">
                 <a:effectLst>
                   <a:outerShdw blurRad="63500" dist="38099" dir="2700000" algn="ctr" rotWithShape="0">
                     <a:srgbClr val="000000">
@@ -17876,14 +17876,14 @@
           <a:effectLst/>
           <a:extLst>
             <a:ext uri="{909E8E84-426E-40dd-AFC4-6F175D3DCCD1}">
-              <a14:hiddenFill xmlns:a14="http://schemas.microsoft.com/office/drawing/2010/main" xmlns="">
+              <a14:hiddenFill xmlns="" xmlns:a14="http://schemas.microsoft.com/office/drawing/2010/main">
                 <a:solidFill>
                   <a:srgbClr val="FFFFFF"/>
                 </a:solidFill>
               </a14:hiddenFill>
             </a:ext>
             <a:ext uri="{91240B29-F687-4f45-9708-019B960494DF}">
-              <a14:hiddenLine xmlns:a14="http://schemas.microsoft.com/office/drawing/2010/main" xmlns="" w="9525" cap="flat">
+              <a14:hiddenLine xmlns="" xmlns:a14="http://schemas.microsoft.com/office/drawing/2010/main" w="9525" cap="flat">
                 <a:solidFill>
                   <a:srgbClr val="000000"/>
                 </a:solidFill>
@@ -17893,7 +17893,7 @@
               </a14:hiddenLine>
             </a:ext>
             <a:ext uri="{AF507438-7753-43e0-B8FC-AC1667EBCBE1}">
-              <a14:hiddenEffects xmlns:a14="http://schemas.microsoft.com/office/drawing/2010/main" xmlns="">
+              <a14:hiddenEffects xmlns="" xmlns:a14="http://schemas.microsoft.com/office/drawing/2010/main">
                 <a:effectLst>
                   <a:outerShdw blurRad="63500" dist="38099" dir="2700000" algn="ctr" rotWithShape="0">
                     <a:srgbClr val="000000">
@@ -18136,12 +18136,12 @@
           <a:effectLst/>
           <a:extLst>
             <a:ext uri="{909E8E84-426E-40dd-AFC4-6F175D3DCCD1}">
-              <a14:hiddenFill xmlns:a14="http://schemas.microsoft.com/office/drawing/2010/main" xmlns="">
+              <a14:hiddenFill xmlns="" xmlns:a14="http://schemas.microsoft.com/office/drawing/2010/main">
                 <a:noFill/>
               </a14:hiddenFill>
             </a:ext>
             <a:ext uri="{AF507438-7753-43e0-B8FC-AC1667EBCBE1}">
-              <a14:hiddenEffects xmlns:a14="http://schemas.microsoft.com/office/drawing/2010/main" xmlns="">
+              <a14:hiddenEffects xmlns="" xmlns:a14="http://schemas.microsoft.com/office/drawing/2010/main">
                 <a:effectLst>
                   <a:outerShdw blurRad="63500" dist="38099" dir="2700000" algn="ctr" rotWithShape="0">
                     <a:srgbClr val="000000">
@@ -18184,14 +18184,14 @@
           <a:effectLst/>
           <a:extLst>
             <a:ext uri="{909E8E84-426E-40dd-AFC4-6F175D3DCCD1}">
-              <a14:hiddenFill xmlns:a14="http://schemas.microsoft.com/office/drawing/2010/main" xmlns="">
+              <a14:hiddenFill xmlns="" xmlns:a14="http://schemas.microsoft.com/office/drawing/2010/main">
                 <a:solidFill>
                   <a:srgbClr val="FFFFFF"/>
                 </a:solidFill>
               </a14:hiddenFill>
             </a:ext>
             <a:ext uri="{91240B29-F687-4f45-9708-019B960494DF}">
-              <a14:hiddenLine xmlns:a14="http://schemas.microsoft.com/office/drawing/2010/main" xmlns="" w="9525" cap="flat">
+              <a14:hiddenLine xmlns="" xmlns:a14="http://schemas.microsoft.com/office/drawing/2010/main" w="9525" cap="flat">
                 <a:solidFill>
                   <a:srgbClr val="000000"/>
                 </a:solidFill>
@@ -18201,7 +18201,7 @@
               </a14:hiddenLine>
             </a:ext>
             <a:ext uri="{AF507438-7753-43e0-B8FC-AC1667EBCBE1}">
-              <a14:hiddenEffects xmlns:a14="http://schemas.microsoft.com/office/drawing/2010/main" xmlns="">
+              <a14:hiddenEffects xmlns="" xmlns:a14="http://schemas.microsoft.com/office/drawing/2010/main">
                 <a:effectLst>
                   <a:outerShdw blurRad="63500" dist="38099" dir="2700000" algn="ctr" rotWithShape="0">
                     <a:srgbClr val="000000">
@@ -18421,14 +18421,14 @@
           <a:effectLst/>
           <a:extLst>
             <a:ext uri="{909E8E84-426E-40dd-AFC4-6F175D3DCCD1}">
-              <a14:hiddenFill xmlns:a14="http://schemas.microsoft.com/office/drawing/2010/main" xmlns="">
+              <a14:hiddenFill xmlns="" xmlns:a14="http://schemas.microsoft.com/office/drawing/2010/main">
                 <a:solidFill>
                   <a:srgbClr val="FFFFFF"/>
                 </a:solidFill>
               </a14:hiddenFill>
             </a:ext>
             <a:ext uri="{91240B29-F687-4f45-9708-019B960494DF}">
-              <a14:hiddenLine xmlns:a14="http://schemas.microsoft.com/office/drawing/2010/main" xmlns="" w="9525" cap="flat">
+              <a14:hiddenLine xmlns="" xmlns:a14="http://schemas.microsoft.com/office/drawing/2010/main" w="9525" cap="flat">
                 <a:solidFill>
                   <a:srgbClr val="000000"/>
                 </a:solidFill>
@@ -18438,7 +18438,7 @@
               </a14:hiddenLine>
             </a:ext>
             <a:ext uri="{AF507438-7753-43e0-B8FC-AC1667EBCBE1}">
-              <a14:hiddenEffects xmlns:a14="http://schemas.microsoft.com/office/drawing/2010/main" xmlns="">
+              <a14:hiddenEffects xmlns="" xmlns:a14="http://schemas.microsoft.com/office/drawing/2010/main">
                 <a:effectLst>
                   <a:outerShdw blurRad="63500" dist="38099" dir="2700000" algn="ctr" rotWithShape="0">
                     <a:srgbClr val="000000">
@@ -18665,7 +18665,7 @@
           <a:effectLst/>
           <a:extLst>
             <a:ext uri="{AF507438-7753-43e0-B8FC-AC1667EBCBE1}">
-              <a14:hiddenEffects xmlns:a14="http://schemas.microsoft.com/office/drawing/2010/main" xmlns="">
+              <a14:hiddenEffects xmlns="" xmlns:a14="http://schemas.microsoft.com/office/drawing/2010/main">
                 <a:effectLst>
                   <a:outerShdw blurRad="63500" dist="38099" dir="2700000" algn="ctr" rotWithShape="0">
                     <a:srgbClr val="000000">
@@ -18708,14 +18708,14 @@
           <a:effectLst/>
           <a:extLst>
             <a:ext uri="{909E8E84-426E-40dd-AFC4-6F175D3DCCD1}">
-              <a14:hiddenFill xmlns:a14="http://schemas.microsoft.com/office/drawing/2010/main" xmlns="">
+              <a14:hiddenFill xmlns="" xmlns:a14="http://schemas.microsoft.com/office/drawing/2010/main">
                 <a:solidFill>
                   <a:srgbClr val="FFFFFF"/>
                 </a:solidFill>
               </a14:hiddenFill>
             </a:ext>
             <a:ext uri="{91240B29-F687-4f45-9708-019B960494DF}">
-              <a14:hiddenLine xmlns:a14="http://schemas.microsoft.com/office/drawing/2010/main" xmlns="" w="9525" cap="flat">
+              <a14:hiddenLine xmlns="" xmlns:a14="http://schemas.microsoft.com/office/drawing/2010/main" w="9525" cap="flat">
                 <a:solidFill>
                   <a:srgbClr val="000000"/>
                 </a:solidFill>
@@ -18725,7 +18725,7 @@
               </a14:hiddenLine>
             </a:ext>
             <a:ext uri="{AF507438-7753-43e0-B8FC-AC1667EBCBE1}">
-              <a14:hiddenEffects xmlns:a14="http://schemas.microsoft.com/office/drawing/2010/main" xmlns="">
+              <a14:hiddenEffects xmlns="" xmlns:a14="http://schemas.microsoft.com/office/drawing/2010/main">
                 <a:effectLst>
                   <a:outerShdw blurRad="63500" dist="38099" dir="2700000" algn="ctr" rotWithShape="0">
                     <a:srgbClr val="000000">
@@ -18952,7 +18952,7 @@
           <a:effectLst/>
           <a:extLst>
             <a:ext uri="{AF507438-7753-43e0-B8FC-AC1667EBCBE1}">
-              <a14:hiddenEffects xmlns:a14="http://schemas.microsoft.com/office/drawing/2010/main" xmlns="">
+              <a14:hiddenEffects xmlns="" xmlns:a14="http://schemas.microsoft.com/office/drawing/2010/main">
                 <a:effectLst>
                   <a:outerShdw blurRad="63500" dist="38099" dir="2700000" algn="ctr" rotWithShape="0">
                     <a:srgbClr val="000000">
@@ -18995,14 +18995,14 @@
           <a:effectLst/>
           <a:extLst>
             <a:ext uri="{909E8E84-426E-40dd-AFC4-6F175D3DCCD1}">
-              <a14:hiddenFill xmlns:a14="http://schemas.microsoft.com/office/drawing/2010/main" xmlns="">
+              <a14:hiddenFill xmlns="" xmlns:a14="http://schemas.microsoft.com/office/drawing/2010/main">
                 <a:solidFill>
                   <a:srgbClr val="FFFFFF"/>
                 </a:solidFill>
               </a14:hiddenFill>
             </a:ext>
             <a:ext uri="{91240B29-F687-4f45-9708-019B960494DF}">
-              <a14:hiddenLine xmlns:a14="http://schemas.microsoft.com/office/drawing/2010/main" xmlns="" w="9525" cap="flat">
+              <a14:hiddenLine xmlns="" xmlns:a14="http://schemas.microsoft.com/office/drawing/2010/main" w="9525" cap="flat">
                 <a:solidFill>
                   <a:srgbClr val="000000"/>
                 </a:solidFill>
@@ -19012,7 +19012,7 @@
               </a14:hiddenLine>
             </a:ext>
             <a:ext uri="{AF507438-7753-43e0-B8FC-AC1667EBCBE1}">
-              <a14:hiddenEffects xmlns:a14="http://schemas.microsoft.com/office/drawing/2010/main" xmlns="">
+              <a14:hiddenEffects xmlns="" xmlns:a14="http://schemas.microsoft.com/office/drawing/2010/main">
                 <a:effectLst>
                   <a:outerShdw blurRad="63500" dist="38099" dir="2700000" algn="ctr" rotWithShape="0">
                     <a:srgbClr val="000000">
@@ -19239,7 +19239,7 @@
           <a:effectLst/>
           <a:extLst>
             <a:ext uri="{AF507438-7753-43e0-B8FC-AC1667EBCBE1}">
-              <a14:hiddenEffects xmlns:a14="http://schemas.microsoft.com/office/drawing/2010/main" xmlns="">
+              <a14:hiddenEffects xmlns="" xmlns:a14="http://schemas.microsoft.com/office/drawing/2010/main">
                 <a:effectLst>
                   <a:outerShdw blurRad="63500" dist="38099" dir="2700000" algn="ctr" rotWithShape="0">
                     <a:srgbClr val="000000">
@@ -19282,14 +19282,14 @@
           <a:effectLst/>
           <a:extLst>
             <a:ext uri="{909E8E84-426E-40dd-AFC4-6F175D3DCCD1}">
-              <a14:hiddenFill xmlns:a14="http://schemas.microsoft.com/office/drawing/2010/main" xmlns="">
+              <a14:hiddenFill xmlns="" xmlns:a14="http://schemas.microsoft.com/office/drawing/2010/main">
                 <a:solidFill>
                   <a:srgbClr val="FFFFFF"/>
                 </a:solidFill>
               </a14:hiddenFill>
             </a:ext>
             <a:ext uri="{91240B29-F687-4f45-9708-019B960494DF}">
-              <a14:hiddenLine xmlns:a14="http://schemas.microsoft.com/office/drawing/2010/main" xmlns="" w="9525" cap="flat">
+              <a14:hiddenLine xmlns="" xmlns:a14="http://schemas.microsoft.com/office/drawing/2010/main" w="9525" cap="flat">
                 <a:solidFill>
                   <a:srgbClr val="000000"/>
                 </a:solidFill>
@@ -19299,7 +19299,7 @@
               </a14:hiddenLine>
             </a:ext>
             <a:ext uri="{AF507438-7753-43e0-B8FC-AC1667EBCBE1}">
-              <a14:hiddenEffects xmlns:a14="http://schemas.microsoft.com/office/drawing/2010/main" xmlns="">
+              <a14:hiddenEffects xmlns="" xmlns:a14="http://schemas.microsoft.com/office/drawing/2010/main">
                 <a:effectLst>
                   <a:outerShdw blurRad="63500" dist="38099" dir="2700000" algn="ctr" rotWithShape="0">
                     <a:srgbClr val="000000">
@@ -19526,7 +19526,7 @@
           <a:effectLst/>
           <a:extLst>
             <a:ext uri="{AF507438-7753-43e0-B8FC-AC1667EBCBE1}">
-              <a14:hiddenEffects xmlns:a14="http://schemas.microsoft.com/office/drawing/2010/main" xmlns="">
+              <a14:hiddenEffects xmlns="" xmlns:a14="http://schemas.microsoft.com/office/drawing/2010/main">
                 <a:effectLst>
                   <a:outerShdw blurRad="63500" dist="38099" dir="2700000" algn="ctr" rotWithShape="0">
                     <a:srgbClr val="000000">
@@ -19569,14 +19569,14 @@
           <a:effectLst/>
           <a:extLst>
             <a:ext uri="{909E8E84-426E-40dd-AFC4-6F175D3DCCD1}">
-              <a14:hiddenFill xmlns:a14="http://schemas.microsoft.com/office/drawing/2010/main" xmlns="">
+              <a14:hiddenFill xmlns="" xmlns:a14="http://schemas.microsoft.com/office/drawing/2010/main">
                 <a:solidFill>
                   <a:srgbClr val="FFFFFF"/>
                 </a:solidFill>
               </a14:hiddenFill>
             </a:ext>
             <a:ext uri="{91240B29-F687-4f45-9708-019B960494DF}">
-              <a14:hiddenLine xmlns:a14="http://schemas.microsoft.com/office/drawing/2010/main" xmlns="" w="9525" cap="flat">
+              <a14:hiddenLine xmlns="" xmlns:a14="http://schemas.microsoft.com/office/drawing/2010/main" w="9525" cap="flat">
                 <a:solidFill>
                   <a:srgbClr val="000000"/>
                 </a:solidFill>
@@ -19586,7 +19586,7 @@
               </a14:hiddenLine>
             </a:ext>
             <a:ext uri="{AF507438-7753-43e0-B8FC-AC1667EBCBE1}">
-              <a14:hiddenEffects xmlns:a14="http://schemas.microsoft.com/office/drawing/2010/main" xmlns="">
+              <a14:hiddenEffects xmlns="" xmlns:a14="http://schemas.microsoft.com/office/drawing/2010/main">
                 <a:effectLst>
                   <a:outerShdw blurRad="63500" dist="38099" dir="2700000" algn="ctr" rotWithShape="0">
                     <a:srgbClr val="000000">
@@ -19813,7 +19813,7 @@
           <a:effectLst/>
           <a:extLst>
             <a:ext uri="{AF507438-7753-43e0-B8FC-AC1667EBCBE1}">
-              <a14:hiddenEffects xmlns:a14="http://schemas.microsoft.com/office/drawing/2010/main" xmlns="">
+              <a14:hiddenEffects xmlns="" xmlns:a14="http://schemas.microsoft.com/office/drawing/2010/main">
                 <a:effectLst>
                   <a:outerShdw blurRad="63500" dist="38099" dir="2700000" algn="ctr" rotWithShape="0">
                     <a:srgbClr val="000000">
@@ -19856,14 +19856,14 @@
           <a:effectLst/>
           <a:extLst>
             <a:ext uri="{909E8E84-426E-40dd-AFC4-6F175D3DCCD1}">
-              <a14:hiddenFill xmlns:a14="http://schemas.microsoft.com/office/drawing/2010/main" xmlns="">
+              <a14:hiddenFill xmlns="" xmlns:a14="http://schemas.microsoft.com/office/drawing/2010/main">
                 <a:solidFill>
                   <a:srgbClr val="FFFFFF"/>
                 </a:solidFill>
               </a14:hiddenFill>
             </a:ext>
             <a:ext uri="{91240B29-F687-4f45-9708-019B960494DF}">
-              <a14:hiddenLine xmlns:a14="http://schemas.microsoft.com/office/drawing/2010/main" xmlns="" w="9525" cap="flat">
+              <a14:hiddenLine xmlns="" xmlns:a14="http://schemas.microsoft.com/office/drawing/2010/main" w="9525" cap="flat">
                 <a:solidFill>
                   <a:srgbClr val="000000"/>
                 </a:solidFill>
@@ -19873,7 +19873,7 @@
               </a14:hiddenLine>
             </a:ext>
             <a:ext uri="{AF507438-7753-43e0-B8FC-AC1667EBCBE1}">
-              <a14:hiddenEffects xmlns:a14="http://schemas.microsoft.com/office/drawing/2010/main" xmlns="">
+              <a14:hiddenEffects xmlns="" xmlns:a14="http://schemas.microsoft.com/office/drawing/2010/main">
                 <a:effectLst>
                   <a:outerShdw blurRad="63500" dist="38099" dir="2700000" algn="ctr" rotWithShape="0">
                     <a:srgbClr val="000000">
@@ -20100,7 +20100,7 @@
           <a:effectLst/>
           <a:extLst>
             <a:ext uri="{AF507438-7753-43e0-B8FC-AC1667EBCBE1}">
-              <a14:hiddenEffects xmlns:a14="http://schemas.microsoft.com/office/drawing/2010/main" xmlns="">
+              <a14:hiddenEffects xmlns="" xmlns:a14="http://schemas.microsoft.com/office/drawing/2010/main">
                 <a:effectLst>
                   <a:outerShdw blurRad="63500" dist="38099" dir="2700000" algn="ctr" rotWithShape="0">
                     <a:srgbClr val="000000">
@@ -20143,14 +20143,14 @@
           <a:effectLst/>
           <a:extLst>
             <a:ext uri="{909E8E84-426E-40dd-AFC4-6F175D3DCCD1}">
-              <a14:hiddenFill xmlns:a14="http://schemas.microsoft.com/office/drawing/2010/main" xmlns="">
+              <a14:hiddenFill xmlns="" xmlns:a14="http://schemas.microsoft.com/office/drawing/2010/main">
                 <a:solidFill>
                   <a:srgbClr val="FFFFFF"/>
                 </a:solidFill>
               </a14:hiddenFill>
             </a:ext>
             <a:ext uri="{91240B29-F687-4f45-9708-019B960494DF}">
-              <a14:hiddenLine xmlns:a14="http://schemas.microsoft.com/office/drawing/2010/main" xmlns="" w="9525" cap="flat">
+              <a14:hiddenLine xmlns="" xmlns:a14="http://schemas.microsoft.com/office/drawing/2010/main" w="9525" cap="flat">
                 <a:solidFill>
                   <a:srgbClr val="000000"/>
                 </a:solidFill>
@@ -20160,7 +20160,7 @@
               </a14:hiddenLine>
             </a:ext>
             <a:ext uri="{AF507438-7753-43e0-B8FC-AC1667EBCBE1}">
-              <a14:hiddenEffects xmlns:a14="http://schemas.microsoft.com/office/drawing/2010/main" xmlns="">
+              <a14:hiddenEffects xmlns="" xmlns:a14="http://schemas.microsoft.com/office/drawing/2010/main">
                 <a:effectLst>
                   <a:outerShdw blurRad="63500" dist="38099" dir="2700000" algn="ctr" rotWithShape="0">
                     <a:srgbClr val="000000">
@@ -20387,7 +20387,7 @@
           <a:effectLst/>
           <a:extLst>
             <a:ext uri="{AF507438-7753-43e0-B8FC-AC1667EBCBE1}">
-              <a14:hiddenEffects xmlns:a14="http://schemas.microsoft.com/office/drawing/2010/main" xmlns="">
+              <a14:hiddenEffects xmlns="" xmlns:a14="http://schemas.microsoft.com/office/drawing/2010/main">
                 <a:effectLst>
                   <a:outerShdw blurRad="63500" dist="38099" dir="2700000" algn="ctr" rotWithShape="0">
                     <a:srgbClr val="000000">
@@ -20430,14 +20430,14 @@
           <a:effectLst/>
           <a:extLst>
             <a:ext uri="{909E8E84-426E-40dd-AFC4-6F175D3DCCD1}">
-              <a14:hiddenFill xmlns:a14="http://schemas.microsoft.com/office/drawing/2010/main" xmlns="">
+              <a14:hiddenFill xmlns="" xmlns:a14="http://schemas.microsoft.com/office/drawing/2010/main">
                 <a:solidFill>
                   <a:srgbClr val="FFFFFF"/>
                 </a:solidFill>
               </a14:hiddenFill>
             </a:ext>
             <a:ext uri="{91240B29-F687-4f45-9708-019B960494DF}">
-              <a14:hiddenLine xmlns:a14="http://schemas.microsoft.com/office/drawing/2010/main" xmlns="" w="9525" cap="flat">
+              <a14:hiddenLine xmlns="" xmlns:a14="http://schemas.microsoft.com/office/drawing/2010/main" w="9525" cap="flat">
                 <a:solidFill>
                   <a:srgbClr val="000000"/>
                 </a:solidFill>
@@ -20447,7 +20447,7 @@
               </a14:hiddenLine>
             </a:ext>
             <a:ext uri="{AF507438-7753-43e0-B8FC-AC1667EBCBE1}">
-              <a14:hiddenEffects xmlns:a14="http://schemas.microsoft.com/office/drawing/2010/main" xmlns="">
+              <a14:hiddenEffects xmlns="" xmlns:a14="http://schemas.microsoft.com/office/drawing/2010/main">
                 <a:effectLst>
                   <a:outerShdw blurRad="63500" dist="38099" dir="2700000" algn="ctr" rotWithShape="0">
                     <a:srgbClr val="000000">
@@ -20674,7 +20674,7 @@
           <a:effectLst/>
           <a:extLst>
             <a:ext uri="{AF507438-7753-43e0-B8FC-AC1667EBCBE1}">
-              <a14:hiddenEffects xmlns:a14="http://schemas.microsoft.com/office/drawing/2010/main" xmlns="">
+              <a14:hiddenEffects xmlns="" xmlns:a14="http://schemas.microsoft.com/office/drawing/2010/main">
                 <a:effectLst>
                   <a:outerShdw blurRad="63500" dist="38099" dir="2700000" algn="ctr" rotWithShape="0">
                     <a:srgbClr val="000000">
@@ -20717,14 +20717,14 @@
           <a:effectLst/>
           <a:extLst>
             <a:ext uri="{909E8E84-426E-40dd-AFC4-6F175D3DCCD1}">
-              <a14:hiddenFill xmlns:a14="http://schemas.microsoft.com/office/drawing/2010/main" xmlns="">
+              <a14:hiddenFill xmlns="" xmlns:a14="http://schemas.microsoft.com/office/drawing/2010/main">
                 <a:solidFill>
                   <a:srgbClr val="FFFFFF"/>
                 </a:solidFill>
               </a14:hiddenFill>
             </a:ext>
             <a:ext uri="{91240B29-F687-4f45-9708-019B960494DF}">
-              <a14:hiddenLine xmlns:a14="http://schemas.microsoft.com/office/drawing/2010/main" xmlns="" w="9525" cap="flat">
+              <a14:hiddenLine xmlns="" xmlns:a14="http://schemas.microsoft.com/office/drawing/2010/main" w="9525" cap="flat">
                 <a:solidFill>
                   <a:srgbClr val="000000"/>
                 </a:solidFill>
@@ -20734,7 +20734,7 @@
               </a14:hiddenLine>
             </a:ext>
             <a:ext uri="{AF507438-7753-43e0-B8FC-AC1667EBCBE1}">
-              <a14:hiddenEffects xmlns:a14="http://schemas.microsoft.com/office/drawing/2010/main" xmlns="">
+              <a14:hiddenEffects xmlns="" xmlns:a14="http://schemas.microsoft.com/office/drawing/2010/main">
                 <a:effectLst>
                   <a:outerShdw blurRad="63500" dist="38099" dir="2700000" algn="ctr" rotWithShape="0">
                     <a:srgbClr val="000000">
@@ -20961,7 +20961,7 @@
           <a:effectLst/>
           <a:extLst>
             <a:ext uri="{AF507438-7753-43e0-B8FC-AC1667EBCBE1}">
-              <a14:hiddenEffects xmlns:a14="http://schemas.microsoft.com/office/drawing/2010/main" xmlns="">
+              <a14:hiddenEffects xmlns="" xmlns:a14="http://schemas.microsoft.com/office/drawing/2010/main">
                 <a:effectLst>
                   <a:outerShdw blurRad="63500" dist="38099" dir="2700000" algn="ctr" rotWithShape="0">
                     <a:srgbClr val="000000">
@@ -21004,14 +21004,14 @@
           <a:effectLst/>
           <a:extLst>
             <a:ext uri="{909E8E84-426E-40dd-AFC4-6F175D3DCCD1}">
-              <a14:hiddenFill xmlns:a14="http://schemas.microsoft.com/office/drawing/2010/main" xmlns="">
+              <a14:hiddenFill xmlns="" xmlns:a14="http://schemas.microsoft.com/office/drawing/2010/main">
                 <a:solidFill>
                   <a:srgbClr val="FFFFFF"/>
                 </a:solidFill>
               </a14:hiddenFill>
             </a:ext>
             <a:ext uri="{91240B29-F687-4f45-9708-019B960494DF}">
-              <a14:hiddenLine xmlns:a14="http://schemas.microsoft.com/office/drawing/2010/main" xmlns="" w="9525" cap="flat">
+              <a14:hiddenLine xmlns="" xmlns:a14="http://schemas.microsoft.com/office/drawing/2010/main" w="9525" cap="flat">
                 <a:solidFill>
                   <a:srgbClr val="000000"/>
                 </a:solidFill>
@@ -21021,7 +21021,7 @@
               </a14:hiddenLine>
             </a:ext>
             <a:ext uri="{AF507438-7753-43e0-B8FC-AC1667EBCBE1}">
-              <a14:hiddenEffects xmlns:a14="http://schemas.microsoft.com/office/drawing/2010/main" xmlns="">
+              <a14:hiddenEffects xmlns="" xmlns:a14="http://schemas.microsoft.com/office/drawing/2010/main">
                 <a:effectLst>
                   <a:outerShdw blurRad="63500" dist="38099" dir="2700000" algn="ctr" rotWithShape="0">
                     <a:srgbClr val="000000">
@@ -21246,12 +21246,12 @@
           <a:effectLst/>
           <a:extLst>
             <a:ext uri="{909E8E84-426E-40dd-AFC4-6F175D3DCCD1}">
-              <a14:hiddenFill xmlns:a14="http://schemas.microsoft.com/office/drawing/2010/main" xmlns="">
+              <a14:hiddenFill xmlns="" xmlns:a14="http://schemas.microsoft.com/office/drawing/2010/main">
                 <a:noFill/>
               </a14:hiddenFill>
             </a:ext>
             <a:ext uri="{AF507438-7753-43e0-B8FC-AC1667EBCBE1}">
-              <a14:hiddenEffects xmlns:a14="http://schemas.microsoft.com/office/drawing/2010/main" xmlns="">
+              <a14:hiddenEffects xmlns="" xmlns:a14="http://schemas.microsoft.com/office/drawing/2010/main">
                 <a:effectLst>
                   <a:outerShdw blurRad="63500" dist="38099" dir="2700000" algn="ctr" rotWithShape="0">
                     <a:srgbClr val="000000">
@@ -21301,7 +21301,7 @@
           <a:effectLst/>
           <a:extLst>
             <a:ext uri="{AF507438-7753-43e0-B8FC-AC1667EBCBE1}">
-              <a14:hiddenEffects xmlns:a14="http://schemas.microsoft.com/office/drawing/2010/main" xmlns="">
+              <a14:hiddenEffects xmlns="" xmlns:a14="http://schemas.microsoft.com/office/drawing/2010/main">
                 <a:effectLst>
                   <a:outerShdw blurRad="63500" dist="38099" dir="2700000" algn="ctr" rotWithShape="0">
                     <a:srgbClr val="000000">
@@ -21344,14 +21344,14 @@
           <a:effectLst/>
           <a:extLst>
             <a:ext uri="{909E8E84-426E-40dd-AFC4-6F175D3DCCD1}">
-              <a14:hiddenFill xmlns:a14="http://schemas.microsoft.com/office/drawing/2010/main" xmlns="">
+              <a14:hiddenFill xmlns="" xmlns:a14="http://schemas.microsoft.com/office/drawing/2010/main">
                 <a:solidFill>
                   <a:srgbClr val="FFFFFF"/>
                 </a:solidFill>
               </a14:hiddenFill>
             </a:ext>
             <a:ext uri="{91240B29-F687-4f45-9708-019B960494DF}">
-              <a14:hiddenLine xmlns:a14="http://schemas.microsoft.com/office/drawing/2010/main" xmlns="" w="9525" cap="flat">
+              <a14:hiddenLine xmlns="" xmlns:a14="http://schemas.microsoft.com/office/drawing/2010/main" w="9525" cap="flat">
                 <a:solidFill>
                   <a:srgbClr val="000000"/>
                 </a:solidFill>
@@ -21361,7 +21361,7 @@
               </a14:hiddenLine>
             </a:ext>
             <a:ext uri="{AF507438-7753-43e0-B8FC-AC1667EBCBE1}">
-              <a14:hiddenEffects xmlns:a14="http://schemas.microsoft.com/office/drawing/2010/main" xmlns="">
+              <a14:hiddenEffects xmlns="" xmlns:a14="http://schemas.microsoft.com/office/drawing/2010/main">
                 <a:effectLst>
                   <a:outerShdw blurRad="63500" dist="38099" dir="2700000" algn="ctr" rotWithShape="0">
                     <a:srgbClr val="000000">
@@ -21411,14 +21411,14 @@
           <a:effectLst/>
           <a:extLst>
             <a:ext uri="{909E8E84-426E-40dd-AFC4-6F175D3DCCD1}">
-              <a14:hiddenFill xmlns:a14="http://schemas.microsoft.com/office/drawing/2010/main" xmlns="">
+              <a14:hiddenFill xmlns="" xmlns:a14="http://schemas.microsoft.com/office/drawing/2010/main">
                 <a:solidFill>
                   <a:srgbClr val="FFFFFF"/>
                 </a:solidFill>
               </a14:hiddenFill>
             </a:ext>
             <a:ext uri="{91240B29-F687-4f45-9708-019B960494DF}">
-              <a14:hiddenLine xmlns:a14="http://schemas.microsoft.com/office/drawing/2010/main" xmlns="" w="9525" cap="flat">
+              <a14:hiddenLine xmlns="" xmlns:a14="http://schemas.microsoft.com/office/drawing/2010/main" w="9525" cap="flat">
                 <a:solidFill>
                   <a:srgbClr val="000000"/>
                 </a:solidFill>
@@ -21428,7 +21428,7 @@
               </a14:hiddenLine>
             </a:ext>
             <a:ext uri="{AF507438-7753-43e0-B8FC-AC1667EBCBE1}">
-              <a14:hiddenEffects xmlns:a14="http://schemas.microsoft.com/office/drawing/2010/main" xmlns="">
+              <a14:hiddenEffects xmlns="" xmlns:a14="http://schemas.microsoft.com/office/drawing/2010/main">
                 <a:effectLst>
                   <a:outerShdw blurRad="63500" dist="38099" dir="2700000" algn="ctr" rotWithShape="0">
                     <a:srgbClr val="000000">
@@ -21652,14 +21652,14 @@
           <a:effectLst/>
           <a:extLst>
             <a:ext uri="{909E8E84-426E-40dd-AFC4-6F175D3DCCD1}">
-              <a14:hiddenFill xmlns:a14="http://schemas.microsoft.com/office/drawing/2010/main" xmlns="">
+              <a14:hiddenFill xmlns="" xmlns:a14="http://schemas.microsoft.com/office/drawing/2010/main">
                 <a:solidFill>
                   <a:srgbClr val="FFFFFF"/>
                 </a:solidFill>
               </a14:hiddenFill>
             </a:ext>
             <a:ext uri="{91240B29-F687-4f45-9708-019B960494DF}">
-              <a14:hiddenLine xmlns:a14="http://schemas.microsoft.com/office/drawing/2010/main" xmlns="" w="9525" cap="flat">
+              <a14:hiddenLine xmlns="" xmlns:a14="http://schemas.microsoft.com/office/drawing/2010/main" w="9525" cap="flat">
                 <a:solidFill>
                   <a:srgbClr val="000000"/>
                 </a:solidFill>
@@ -21669,7 +21669,7 @@
               </a14:hiddenLine>
             </a:ext>
             <a:ext uri="{AF507438-7753-43e0-B8FC-AC1667EBCBE1}">
-              <a14:hiddenEffects xmlns:a14="http://schemas.microsoft.com/office/drawing/2010/main" xmlns="">
+              <a14:hiddenEffects xmlns="" xmlns:a14="http://schemas.microsoft.com/office/drawing/2010/main">
                 <a:effectLst>
                   <a:outerShdw blurRad="63500" dist="38099" dir="2700000" algn="ctr" rotWithShape="0">
                     <a:srgbClr val="000000">
@@ -21719,14 +21719,14 @@
           <a:effectLst/>
           <a:extLst>
             <a:ext uri="{909E8E84-426E-40dd-AFC4-6F175D3DCCD1}">
-              <a14:hiddenFill xmlns:a14="http://schemas.microsoft.com/office/drawing/2010/main" xmlns="">
+              <a14:hiddenFill xmlns="" xmlns:a14="http://schemas.microsoft.com/office/drawing/2010/main">
                 <a:solidFill>
                   <a:srgbClr val="FFFFFF"/>
                 </a:solidFill>
               </a14:hiddenFill>
             </a:ext>
             <a:ext uri="{91240B29-F687-4f45-9708-019B960494DF}">
-              <a14:hiddenLine xmlns:a14="http://schemas.microsoft.com/office/drawing/2010/main" xmlns="" w="9525" cap="flat">
+              <a14:hiddenLine xmlns="" xmlns:a14="http://schemas.microsoft.com/office/drawing/2010/main" w="9525" cap="flat">
                 <a:solidFill>
                   <a:srgbClr val="000000"/>
                 </a:solidFill>
@@ -21736,7 +21736,7 @@
               </a14:hiddenLine>
             </a:ext>
             <a:ext uri="{AF507438-7753-43e0-B8FC-AC1667EBCBE1}">
-              <a14:hiddenEffects xmlns:a14="http://schemas.microsoft.com/office/drawing/2010/main" xmlns="">
+              <a14:hiddenEffects xmlns="" xmlns:a14="http://schemas.microsoft.com/office/drawing/2010/main">
                 <a:effectLst>
                   <a:outerShdw blurRad="63500" dist="38099" dir="2700000" algn="ctr" rotWithShape="0">
                     <a:srgbClr val="000000">
@@ -21786,14 +21786,14 @@
           <a:effectLst/>
           <a:extLst>
             <a:ext uri="{909E8E84-426E-40dd-AFC4-6F175D3DCCD1}">
-              <a14:hiddenFill xmlns:a14="http://schemas.microsoft.com/office/drawing/2010/main" xmlns="">
+              <a14:hiddenFill xmlns="" xmlns:a14="http://schemas.microsoft.com/office/drawing/2010/main">
                 <a:solidFill>
                   <a:srgbClr val="FFFFFF"/>
                 </a:solidFill>
               </a14:hiddenFill>
             </a:ext>
             <a:ext uri="{91240B29-F687-4f45-9708-019B960494DF}">
-              <a14:hiddenLine xmlns:a14="http://schemas.microsoft.com/office/drawing/2010/main" xmlns="" w="9525" cap="flat">
+              <a14:hiddenLine xmlns="" xmlns:a14="http://schemas.microsoft.com/office/drawing/2010/main" w="9525" cap="flat">
                 <a:solidFill>
                   <a:srgbClr val="000000"/>
                 </a:solidFill>
@@ -21803,7 +21803,7 @@
               </a14:hiddenLine>
             </a:ext>
             <a:ext uri="{AF507438-7753-43e0-B8FC-AC1667EBCBE1}">
-              <a14:hiddenEffects xmlns:a14="http://schemas.microsoft.com/office/drawing/2010/main" xmlns="">
+              <a14:hiddenEffects xmlns="" xmlns:a14="http://schemas.microsoft.com/office/drawing/2010/main">
                 <a:effectLst>
                   <a:outerShdw blurRad="63500" dist="38099" dir="2700000" algn="ctr" rotWithShape="0">
                     <a:srgbClr val="000000">
@@ -21853,14 +21853,14 @@
           <a:effectLst/>
           <a:extLst>
             <a:ext uri="{909E8E84-426E-40dd-AFC4-6F175D3DCCD1}">
-              <a14:hiddenFill xmlns:a14="http://schemas.microsoft.com/office/drawing/2010/main" xmlns="">
+              <a14:hiddenFill xmlns="" xmlns:a14="http://schemas.microsoft.com/office/drawing/2010/main">
                 <a:solidFill>
                   <a:srgbClr val="FFFFFF"/>
                 </a:solidFill>
               </a14:hiddenFill>
             </a:ext>
             <a:ext uri="{91240B29-F687-4f45-9708-019B960494DF}">
-              <a14:hiddenLine xmlns:a14="http://schemas.microsoft.com/office/drawing/2010/main" xmlns="" w="9525" cap="flat">
+              <a14:hiddenLine xmlns="" xmlns:a14="http://schemas.microsoft.com/office/drawing/2010/main" w="9525" cap="flat">
                 <a:solidFill>
                   <a:srgbClr val="000000"/>
                 </a:solidFill>
@@ -21870,7 +21870,7 @@
               </a14:hiddenLine>
             </a:ext>
             <a:ext uri="{AF507438-7753-43e0-B8FC-AC1667EBCBE1}">
-              <a14:hiddenEffects xmlns:a14="http://schemas.microsoft.com/office/drawing/2010/main" xmlns="">
+              <a14:hiddenEffects xmlns="" xmlns:a14="http://schemas.microsoft.com/office/drawing/2010/main">
                 <a:effectLst>
                   <a:outerShdw blurRad="63500" dist="38099" dir="2700000" algn="ctr" rotWithShape="0">
                     <a:srgbClr val="000000">
@@ -21920,14 +21920,14 @@
           <a:effectLst/>
           <a:extLst>
             <a:ext uri="{909E8E84-426E-40dd-AFC4-6F175D3DCCD1}">
-              <a14:hiddenFill xmlns:a14="http://schemas.microsoft.com/office/drawing/2010/main" xmlns="">
+              <a14:hiddenFill xmlns="" xmlns:a14="http://schemas.microsoft.com/office/drawing/2010/main">
                 <a:solidFill>
                   <a:srgbClr val="FFFFFF"/>
                 </a:solidFill>
               </a14:hiddenFill>
             </a:ext>
             <a:ext uri="{91240B29-F687-4f45-9708-019B960494DF}">
-              <a14:hiddenLine xmlns:a14="http://schemas.microsoft.com/office/drawing/2010/main" xmlns="" w="9525" cap="flat">
+              <a14:hiddenLine xmlns="" xmlns:a14="http://schemas.microsoft.com/office/drawing/2010/main" w="9525" cap="flat">
                 <a:solidFill>
                   <a:srgbClr val="000000"/>
                 </a:solidFill>
@@ -21937,7 +21937,7 @@
               </a14:hiddenLine>
             </a:ext>
             <a:ext uri="{AF507438-7753-43e0-B8FC-AC1667EBCBE1}">
-              <a14:hiddenEffects xmlns:a14="http://schemas.microsoft.com/office/drawing/2010/main" xmlns="">
+              <a14:hiddenEffects xmlns="" xmlns:a14="http://schemas.microsoft.com/office/drawing/2010/main">
                 <a:effectLst>
                   <a:outerShdw blurRad="63500" dist="38099" dir="2700000" algn="ctr" rotWithShape="0">
                     <a:srgbClr val="000000">
@@ -21987,14 +21987,14 @@
           <a:effectLst/>
           <a:extLst>
             <a:ext uri="{909E8E84-426E-40dd-AFC4-6F175D3DCCD1}">
-              <a14:hiddenFill xmlns:a14="http://schemas.microsoft.com/office/drawing/2010/main" xmlns="">
+              <a14:hiddenFill xmlns="" xmlns:a14="http://schemas.microsoft.com/office/drawing/2010/main">
                 <a:solidFill>
                   <a:srgbClr val="FFFFFF"/>
                 </a:solidFill>
               </a14:hiddenFill>
             </a:ext>
             <a:ext uri="{91240B29-F687-4f45-9708-019B960494DF}">
-              <a14:hiddenLine xmlns:a14="http://schemas.microsoft.com/office/drawing/2010/main" xmlns="" w="9525" cap="flat">
+              <a14:hiddenLine xmlns="" xmlns:a14="http://schemas.microsoft.com/office/drawing/2010/main" w="9525" cap="flat">
                 <a:solidFill>
                   <a:srgbClr val="000000"/>
                 </a:solidFill>
@@ -22004,7 +22004,7 @@
               </a14:hiddenLine>
             </a:ext>
             <a:ext uri="{AF507438-7753-43e0-B8FC-AC1667EBCBE1}">
-              <a14:hiddenEffects xmlns:a14="http://schemas.microsoft.com/office/drawing/2010/main" xmlns="">
+              <a14:hiddenEffects xmlns="" xmlns:a14="http://schemas.microsoft.com/office/drawing/2010/main">
                 <a:effectLst>
                   <a:outerShdw blurRad="63500" dist="38099" dir="2700000" algn="ctr" rotWithShape="0">
                     <a:srgbClr val="000000">
@@ -22054,14 +22054,14 @@
           <a:effectLst/>
           <a:extLst>
             <a:ext uri="{909E8E84-426E-40dd-AFC4-6F175D3DCCD1}">
-              <a14:hiddenFill xmlns:a14="http://schemas.microsoft.com/office/drawing/2010/main" xmlns="">
+              <a14:hiddenFill xmlns="" xmlns:a14="http://schemas.microsoft.com/office/drawing/2010/main">
                 <a:solidFill>
                   <a:srgbClr val="FFFFFF"/>
                 </a:solidFill>
               </a14:hiddenFill>
             </a:ext>
             <a:ext uri="{91240B29-F687-4f45-9708-019B960494DF}">
-              <a14:hiddenLine xmlns:a14="http://schemas.microsoft.com/office/drawing/2010/main" xmlns="" w="9525" cap="flat">
+              <a14:hiddenLine xmlns="" xmlns:a14="http://schemas.microsoft.com/office/drawing/2010/main" w="9525" cap="flat">
                 <a:solidFill>
                   <a:srgbClr val="000000"/>
                 </a:solidFill>
@@ -22071,7 +22071,7 @@
               </a14:hiddenLine>
             </a:ext>
             <a:ext uri="{AF507438-7753-43e0-B8FC-AC1667EBCBE1}">
-              <a14:hiddenEffects xmlns:a14="http://schemas.microsoft.com/office/drawing/2010/main" xmlns="">
+              <a14:hiddenEffects xmlns="" xmlns:a14="http://schemas.microsoft.com/office/drawing/2010/main">
                 <a:effectLst>
                   <a:outerShdw blurRad="63500" dist="38099" dir="2700000" algn="ctr" rotWithShape="0">
                     <a:srgbClr val="000000">
@@ -22121,14 +22121,14 @@
           <a:effectLst/>
           <a:extLst>
             <a:ext uri="{909E8E84-426E-40dd-AFC4-6F175D3DCCD1}">
-              <a14:hiddenFill xmlns:a14="http://schemas.microsoft.com/office/drawing/2010/main" xmlns="">
+              <a14:hiddenFill xmlns="" xmlns:a14="http://schemas.microsoft.com/office/drawing/2010/main">
                 <a:solidFill>
                   <a:srgbClr val="FFFFFF"/>
                 </a:solidFill>
               </a14:hiddenFill>
             </a:ext>
             <a:ext uri="{91240B29-F687-4f45-9708-019B960494DF}">
-              <a14:hiddenLine xmlns:a14="http://schemas.microsoft.com/office/drawing/2010/main" xmlns="" w="9525" cap="flat">
+              <a14:hiddenLine xmlns="" xmlns:a14="http://schemas.microsoft.com/office/drawing/2010/main" w="9525" cap="flat">
                 <a:solidFill>
                   <a:srgbClr val="000000"/>
                 </a:solidFill>
@@ -22138,7 +22138,7 @@
               </a14:hiddenLine>
             </a:ext>
             <a:ext uri="{AF507438-7753-43e0-B8FC-AC1667EBCBE1}">
-              <a14:hiddenEffects xmlns:a14="http://schemas.microsoft.com/office/drawing/2010/main" xmlns="">
+              <a14:hiddenEffects xmlns="" xmlns:a14="http://schemas.microsoft.com/office/drawing/2010/main">
                 <a:effectLst>
                   <a:outerShdw blurRad="63500" dist="38099" dir="2700000" algn="ctr" rotWithShape="0">
                     <a:srgbClr val="000000">
@@ -22188,14 +22188,14 @@
           <a:effectLst/>
           <a:extLst>
             <a:ext uri="{909E8E84-426E-40dd-AFC4-6F175D3DCCD1}">
-              <a14:hiddenFill xmlns:a14="http://schemas.microsoft.com/office/drawing/2010/main" xmlns="">
+              <a14:hiddenFill xmlns="" xmlns:a14="http://schemas.microsoft.com/office/drawing/2010/main">
                 <a:solidFill>
                   <a:srgbClr val="FFFFFF"/>
                 </a:solidFill>
               </a14:hiddenFill>
             </a:ext>
             <a:ext uri="{91240B29-F687-4f45-9708-019B960494DF}">
-              <a14:hiddenLine xmlns:a14="http://schemas.microsoft.com/office/drawing/2010/main" xmlns="" w="9525" cap="flat">
+              <a14:hiddenLine xmlns="" xmlns:a14="http://schemas.microsoft.com/office/drawing/2010/main" w="9525" cap="flat">
                 <a:solidFill>
                   <a:srgbClr val="000000"/>
                 </a:solidFill>
@@ -22205,7 +22205,7 @@
               </a14:hiddenLine>
             </a:ext>
             <a:ext uri="{AF507438-7753-43e0-B8FC-AC1667EBCBE1}">
-              <a14:hiddenEffects xmlns:a14="http://schemas.microsoft.com/office/drawing/2010/main" xmlns="">
+              <a14:hiddenEffects xmlns="" xmlns:a14="http://schemas.microsoft.com/office/drawing/2010/main">
                 <a:effectLst>
                   <a:outerShdw blurRad="63500" dist="38099" dir="2700000" algn="ctr" rotWithShape="0">
                     <a:srgbClr val="000000">
@@ -22255,14 +22255,14 @@
           <a:effectLst/>
           <a:extLst>
             <a:ext uri="{909E8E84-426E-40dd-AFC4-6F175D3DCCD1}">
-              <a14:hiddenFill xmlns:a14="http://schemas.microsoft.com/office/drawing/2010/main" xmlns="">
+              <a14:hiddenFill xmlns="" xmlns:a14="http://schemas.microsoft.com/office/drawing/2010/main">
                 <a:solidFill>
                   <a:srgbClr val="FFFFFF"/>
                 </a:solidFill>
               </a14:hiddenFill>
             </a:ext>
             <a:ext uri="{91240B29-F687-4f45-9708-019B960494DF}">
-              <a14:hiddenLine xmlns:a14="http://schemas.microsoft.com/office/drawing/2010/main" xmlns="" w="9525" cap="flat">
+              <a14:hiddenLine xmlns="" xmlns:a14="http://schemas.microsoft.com/office/drawing/2010/main" w="9525" cap="flat">
                 <a:solidFill>
                   <a:srgbClr val="000000"/>
                 </a:solidFill>
@@ -22272,7 +22272,7 @@
               </a14:hiddenLine>
             </a:ext>
             <a:ext uri="{AF507438-7753-43e0-B8FC-AC1667EBCBE1}">
-              <a14:hiddenEffects xmlns:a14="http://schemas.microsoft.com/office/drawing/2010/main" xmlns="">
+              <a14:hiddenEffects xmlns="" xmlns:a14="http://schemas.microsoft.com/office/drawing/2010/main">
                 <a:effectLst>
                   <a:outerShdw blurRad="63500" dist="38099" dir="2700000" algn="ctr" rotWithShape="0">
                     <a:srgbClr val="000000">
@@ -22322,14 +22322,14 @@
           <a:effectLst/>
           <a:extLst>
             <a:ext uri="{909E8E84-426E-40dd-AFC4-6F175D3DCCD1}">
-              <a14:hiddenFill xmlns:a14="http://schemas.microsoft.com/office/drawing/2010/main" xmlns="">
+              <a14:hiddenFill xmlns="" xmlns:a14="http://schemas.microsoft.com/office/drawing/2010/main">
                 <a:solidFill>
                   <a:srgbClr val="FFFFFF"/>
                 </a:solidFill>
               </a14:hiddenFill>
             </a:ext>
             <a:ext uri="{91240B29-F687-4f45-9708-019B960494DF}">
-              <a14:hiddenLine xmlns:a14="http://schemas.microsoft.com/office/drawing/2010/main" xmlns="" w="9525" cap="flat">
+              <a14:hiddenLine xmlns="" xmlns:a14="http://schemas.microsoft.com/office/drawing/2010/main" w="9525" cap="flat">
                 <a:solidFill>
                   <a:srgbClr val="000000"/>
                 </a:solidFill>
@@ -22339,7 +22339,7 @@
               </a14:hiddenLine>
             </a:ext>
             <a:ext uri="{AF507438-7753-43e0-B8FC-AC1667EBCBE1}">
-              <a14:hiddenEffects xmlns:a14="http://schemas.microsoft.com/office/drawing/2010/main" xmlns="">
+              <a14:hiddenEffects xmlns="" xmlns:a14="http://schemas.microsoft.com/office/drawing/2010/main">
                 <a:effectLst>
                   <a:outerShdw blurRad="63500" dist="38099" dir="2700000" algn="ctr" rotWithShape="0">
                     <a:srgbClr val="000000">
@@ -22389,14 +22389,14 @@
           <a:effectLst/>
           <a:extLst>
             <a:ext uri="{909E8E84-426E-40dd-AFC4-6F175D3DCCD1}">
-              <a14:hiddenFill xmlns:a14="http://schemas.microsoft.com/office/drawing/2010/main" xmlns="">
+              <a14:hiddenFill xmlns="" xmlns:a14="http://schemas.microsoft.com/office/drawing/2010/main">
                 <a:solidFill>
                   <a:srgbClr val="FFFFFF"/>
                 </a:solidFill>
               </a14:hiddenFill>
             </a:ext>
             <a:ext uri="{91240B29-F687-4f45-9708-019B960494DF}">
-              <a14:hiddenLine xmlns:a14="http://schemas.microsoft.com/office/drawing/2010/main" xmlns="" w="9525" cap="flat">
+              <a14:hiddenLine xmlns="" xmlns:a14="http://schemas.microsoft.com/office/drawing/2010/main" w="9525" cap="flat">
                 <a:solidFill>
                   <a:srgbClr val="000000"/>
                 </a:solidFill>
@@ -22406,7 +22406,7 @@
               </a14:hiddenLine>
             </a:ext>
             <a:ext uri="{AF507438-7753-43e0-B8FC-AC1667EBCBE1}">
-              <a14:hiddenEffects xmlns:a14="http://schemas.microsoft.com/office/drawing/2010/main" xmlns="">
+              <a14:hiddenEffects xmlns="" xmlns:a14="http://schemas.microsoft.com/office/drawing/2010/main">
                 <a:effectLst>
                   <a:outerShdw blurRad="63500" dist="38099" dir="2700000" algn="ctr" rotWithShape="0">
                     <a:srgbClr val="000000">
@@ -22456,14 +22456,14 @@
           <a:effectLst/>
           <a:extLst>
             <a:ext uri="{909E8E84-426E-40dd-AFC4-6F175D3DCCD1}">
-              <a14:hiddenFill xmlns:a14="http://schemas.microsoft.com/office/drawing/2010/main" xmlns="">
+              <a14:hiddenFill xmlns="" xmlns:a14="http://schemas.microsoft.com/office/drawing/2010/main">
                 <a:solidFill>
                   <a:srgbClr val="FFFFFF"/>
                 </a:solidFill>
               </a14:hiddenFill>
             </a:ext>
             <a:ext uri="{91240B29-F687-4f45-9708-019B960494DF}">
-              <a14:hiddenLine xmlns:a14="http://schemas.microsoft.com/office/drawing/2010/main" xmlns="" w="9525" cap="flat">
+              <a14:hiddenLine xmlns="" xmlns:a14="http://schemas.microsoft.com/office/drawing/2010/main" w="9525" cap="flat">
                 <a:solidFill>
                   <a:srgbClr val="000000"/>
                 </a:solidFill>
@@ -22473,7 +22473,7 @@
               </a14:hiddenLine>
             </a:ext>
             <a:ext uri="{AF507438-7753-43e0-B8FC-AC1667EBCBE1}">
-              <a14:hiddenEffects xmlns:a14="http://schemas.microsoft.com/office/drawing/2010/main" xmlns="">
+              <a14:hiddenEffects xmlns="" xmlns:a14="http://schemas.microsoft.com/office/drawing/2010/main">
                 <a:effectLst>
                   <a:outerShdw blurRad="63500" dist="38099" dir="2700000" algn="ctr" rotWithShape="0">
                     <a:srgbClr val="000000">
@@ -22523,14 +22523,14 @@
           <a:effectLst/>
           <a:extLst>
             <a:ext uri="{909E8E84-426E-40dd-AFC4-6F175D3DCCD1}">
-              <a14:hiddenFill xmlns:a14="http://schemas.microsoft.com/office/drawing/2010/main" xmlns="">
+              <a14:hiddenFill xmlns="" xmlns:a14="http://schemas.microsoft.com/office/drawing/2010/main">
                 <a:solidFill>
                   <a:srgbClr val="FFFFFF"/>
                 </a:solidFill>
               </a14:hiddenFill>
             </a:ext>
             <a:ext uri="{91240B29-F687-4f45-9708-019B960494DF}">
-              <a14:hiddenLine xmlns:a14="http://schemas.microsoft.com/office/drawing/2010/main" xmlns="" w="9525" cap="flat">
+              <a14:hiddenLine xmlns="" xmlns:a14="http://schemas.microsoft.com/office/drawing/2010/main" w="9525" cap="flat">
                 <a:solidFill>
                   <a:srgbClr val="000000"/>
                 </a:solidFill>
@@ -22540,7 +22540,7 @@
               </a14:hiddenLine>
             </a:ext>
             <a:ext uri="{AF507438-7753-43e0-B8FC-AC1667EBCBE1}">
-              <a14:hiddenEffects xmlns:a14="http://schemas.microsoft.com/office/drawing/2010/main" xmlns="">
+              <a14:hiddenEffects xmlns="" xmlns:a14="http://schemas.microsoft.com/office/drawing/2010/main">
                 <a:effectLst>
                   <a:outerShdw blurRad="63500" dist="38099" dir="2700000" algn="ctr" rotWithShape="0">
                     <a:srgbClr val="000000">
@@ -22590,14 +22590,14 @@
           <a:effectLst/>
           <a:extLst>
             <a:ext uri="{909E8E84-426E-40dd-AFC4-6F175D3DCCD1}">
-              <a14:hiddenFill xmlns:a14="http://schemas.microsoft.com/office/drawing/2010/main" xmlns="">
+              <a14:hiddenFill xmlns="" xmlns:a14="http://schemas.microsoft.com/office/drawing/2010/main">
                 <a:solidFill>
                   <a:srgbClr val="FFFFFF"/>
                 </a:solidFill>
               </a14:hiddenFill>
             </a:ext>
             <a:ext uri="{91240B29-F687-4f45-9708-019B960494DF}">
-              <a14:hiddenLine xmlns:a14="http://schemas.microsoft.com/office/drawing/2010/main" xmlns="" w="9525" cap="flat">
+              <a14:hiddenLine xmlns="" xmlns:a14="http://schemas.microsoft.com/office/drawing/2010/main" w="9525" cap="flat">
                 <a:solidFill>
                   <a:srgbClr val="000000"/>
                 </a:solidFill>
@@ -22607,7 +22607,7 @@
               </a14:hiddenLine>
             </a:ext>
             <a:ext uri="{AF507438-7753-43e0-B8FC-AC1667EBCBE1}">
-              <a14:hiddenEffects xmlns:a14="http://schemas.microsoft.com/office/drawing/2010/main" xmlns="">
+              <a14:hiddenEffects xmlns="" xmlns:a14="http://schemas.microsoft.com/office/drawing/2010/main">
                 <a:effectLst>
                   <a:outerShdw blurRad="63500" dist="38099" dir="2700000" algn="ctr" rotWithShape="0">
                     <a:srgbClr val="000000">
@@ -22657,14 +22657,14 @@
           <a:effectLst/>
           <a:extLst>
             <a:ext uri="{909E8E84-426E-40dd-AFC4-6F175D3DCCD1}">
-              <a14:hiddenFill xmlns:a14="http://schemas.microsoft.com/office/drawing/2010/main" xmlns="">
+              <a14:hiddenFill xmlns="" xmlns:a14="http://schemas.microsoft.com/office/drawing/2010/main">
                 <a:solidFill>
                   <a:srgbClr val="FFFFFF"/>
                 </a:solidFill>
               </a14:hiddenFill>
             </a:ext>
             <a:ext uri="{91240B29-F687-4f45-9708-019B960494DF}">
-              <a14:hiddenLine xmlns:a14="http://schemas.microsoft.com/office/drawing/2010/main" xmlns="" w="9525" cap="flat">
+              <a14:hiddenLine xmlns="" xmlns:a14="http://schemas.microsoft.com/office/drawing/2010/main" w="9525" cap="flat">
                 <a:solidFill>
                   <a:srgbClr val="000000"/>
                 </a:solidFill>
@@ -22674,7 +22674,7 @@
               </a14:hiddenLine>
             </a:ext>
             <a:ext uri="{AF507438-7753-43e0-B8FC-AC1667EBCBE1}">
-              <a14:hiddenEffects xmlns:a14="http://schemas.microsoft.com/office/drawing/2010/main" xmlns="">
+              <a14:hiddenEffects xmlns="" xmlns:a14="http://schemas.microsoft.com/office/drawing/2010/main">
                 <a:effectLst>
                   <a:outerShdw blurRad="63500" dist="38099" dir="2700000" algn="ctr" rotWithShape="0">
                     <a:srgbClr val="000000">
@@ -22724,14 +22724,14 @@
           <a:effectLst/>
           <a:extLst>
             <a:ext uri="{909E8E84-426E-40dd-AFC4-6F175D3DCCD1}">
-              <a14:hiddenFill xmlns:a14="http://schemas.microsoft.com/office/drawing/2010/main" xmlns="">
+              <a14:hiddenFill xmlns="" xmlns:a14="http://schemas.microsoft.com/office/drawing/2010/main">
                 <a:solidFill>
                   <a:srgbClr val="FFFFFF"/>
                 </a:solidFill>
               </a14:hiddenFill>
             </a:ext>
             <a:ext uri="{91240B29-F687-4f45-9708-019B960494DF}">
-              <a14:hiddenLine xmlns:a14="http://schemas.microsoft.com/office/drawing/2010/main" xmlns="" w="9525" cap="flat">
+              <a14:hiddenLine xmlns="" xmlns:a14="http://schemas.microsoft.com/office/drawing/2010/main" w="9525" cap="flat">
                 <a:solidFill>
                   <a:srgbClr val="000000"/>
                 </a:solidFill>
@@ -22741,7 +22741,7 @@
               </a14:hiddenLine>
             </a:ext>
             <a:ext uri="{AF507438-7753-43e0-B8FC-AC1667EBCBE1}">
-              <a14:hiddenEffects xmlns:a14="http://schemas.microsoft.com/office/drawing/2010/main" xmlns="">
+              <a14:hiddenEffects xmlns="" xmlns:a14="http://schemas.microsoft.com/office/drawing/2010/main">
                 <a:effectLst>
                   <a:outerShdw blurRad="63500" dist="38099" dir="2700000" algn="ctr" rotWithShape="0">
                     <a:srgbClr val="000000">
@@ -22791,14 +22791,14 @@
           <a:effectLst/>
           <a:extLst>
             <a:ext uri="{909E8E84-426E-40dd-AFC4-6F175D3DCCD1}">
-              <a14:hiddenFill xmlns:a14="http://schemas.microsoft.com/office/drawing/2010/main" xmlns="">
+              <a14:hiddenFill xmlns="" xmlns:a14="http://schemas.microsoft.com/office/drawing/2010/main">
                 <a:solidFill>
                   <a:srgbClr val="FFFFFF"/>
                 </a:solidFill>
               </a14:hiddenFill>
             </a:ext>
             <a:ext uri="{91240B29-F687-4f45-9708-019B960494DF}">
-              <a14:hiddenLine xmlns:a14="http://schemas.microsoft.com/office/drawing/2010/main" xmlns="" w="9525" cap="flat">
+              <a14:hiddenLine xmlns="" xmlns:a14="http://schemas.microsoft.com/office/drawing/2010/main" w="9525" cap="flat">
                 <a:solidFill>
                   <a:srgbClr val="000000"/>
                 </a:solidFill>
@@ -22808,7 +22808,7 @@
               </a14:hiddenLine>
             </a:ext>
             <a:ext uri="{AF507438-7753-43e0-B8FC-AC1667EBCBE1}">
-              <a14:hiddenEffects xmlns:a14="http://schemas.microsoft.com/office/drawing/2010/main" xmlns="">
+              <a14:hiddenEffects xmlns="" xmlns:a14="http://schemas.microsoft.com/office/drawing/2010/main">
                 <a:effectLst>
                   <a:outerShdw blurRad="63500" dist="38099" dir="2700000" algn="ctr" rotWithShape="0">
                     <a:srgbClr val="000000">
@@ -23053,7 +23053,7 @@
           <a:effectLst/>
           <a:extLst>
             <a:ext uri="{AF507438-7753-43e0-B8FC-AC1667EBCBE1}">
-              <a14:hiddenEffects xmlns:a14="http://schemas.microsoft.com/office/drawing/2010/main" xmlns="">
+              <a14:hiddenEffects xmlns="" xmlns:a14="http://schemas.microsoft.com/office/drawing/2010/main">
                 <a:effectLst>
                   <a:outerShdw blurRad="63500" dist="38099" dir="2700000" algn="ctr" rotWithShape="0">
                     <a:srgbClr val="000000">
@@ -23103,7 +23103,7 @@
           <a:effectLst/>
           <a:extLst>
             <a:ext uri="{AF507438-7753-43e0-B8FC-AC1667EBCBE1}">
-              <a14:hiddenEffects xmlns:a14="http://schemas.microsoft.com/office/drawing/2010/main" xmlns="">
+              <a14:hiddenEffects xmlns="" xmlns:a14="http://schemas.microsoft.com/office/drawing/2010/main">
                 <a:effectLst>
                   <a:outerShdw blurRad="63500" dist="38099" dir="2700000" algn="ctr" rotWithShape="0">
                     <a:srgbClr val="000000">
@@ -23153,7 +23153,7 @@
           <a:effectLst/>
           <a:extLst>
             <a:ext uri="{AF507438-7753-43e0-B8FC-AC1667EBCBE1}">
-              <a14:hiddenEffects xmlns:a14="http://schemas.microsoft.com/office/drawing/2010/main" xmlns="">
+              <a14:hiddenEffects xmlns="" xmlns:a14="http://schemas.microsoft.com/office/drawing/2010/main">
                 <a:effectLst>
                   <a:outerShdw blurRad="63500" dist="38099" dir="2700000" algn="ctr" rotWithShape="0">
                     <a:srgbClr val="000000">
@@ -23203,7 +23203,7 @@
           <a:effectLst/>
           <a:extLst>
             <a:ext uri="{AF507438-7753-43e0-B8FC-AC1667EBCBE1}">
-              <a14:hiddenEffects xmlns:a14="http://schemas.microsoft.com/office/drawing/2010/main" xmlns="">
+              <a14:hiddenEffects xmlns="" xmlns:a14="http://schemas.microsoft.com/office/drawing/2010/main">
                 <a:effectLst>
                   <a:outerShdw blurRad="63500" dist="38099" dir="2700000" algn="ctr" rotWithShape="0">
                     <a:srgbClr val="000000">
@@ -23253,7 +23253,7 @@
           <a:effectLst/>
           <a:extLst>
             <a:ext uri="{AF507438-7753-43e0-B8FC-AC1667EBCBE1}">
-              <a14:hiddenEffects xmlns:a14="http://schemas.microsoft.com/office/drawing/2010/main" xmlns="">
+              <a14:hiddenEffects xmlns="" xmlns:a14="http://schemas.microsoft.com/office/drawing/2010/main">
                 <a:effectLst>
                   <a:outerShdw blurRad="63500" dist="38099" dir="2700000" algn="ctr" rotWithShape="0">
                     <a:srgbClr val="000000">
@@ -23303,7 +23303,7 @@
           <a:effectLst/>
           <a:extLst>
             <a:ext uri="{AF507438-7753-43e0-B8FC-AC1667EBCBE1}">
-              <a14:hiddenEffects xmlns:a14="http://schemas.microsoft.com/office/drawing/2010/main" xmlns="">
+              <a14:hiddenEffects xmlns="" xmlns:a14="http://schemas.microsoft.com/office/drawing/2010/main">
                 <a:effectLst>
                   <a:outerShdw blurRad="63500" dist="38099" dir="2700000" algn="ctr" rotWithShape="0">
                     <a:srgbClr val="000000">
@@ -23353,7 +23353,7 @@
           <a:effectLst/>
           <a:extLst>
             <a:ext uri="{AF507438-7753-43e0-B8FC-AC1667EBCBE1}">
-              <a14:hiddenEffects xmlns:a14="http://schemas.microsoft.com/office/drawing/2010/main" xmlns="">
+              <a14:hiddenEffects xmlns="" xmlns:a14="http://schemas.microsoft.com/office/drawing/2010/main">
                 <a:effectLst>
                   <a:outerShdw blurRad="63500" dist="38099" dir="2700000" algn="ctr" rotWithShape="0">
                     <a:srgbClr val="000000">
@@ -23403,7 +23403,7 @@
           <a:effectLst/>
           <a:extLst>
             <a:ext uri="{AF507438-7753-43e0-B8FC-AC1667EBCBE1}">
-              <a14:hiddenEffects xmlns:a14="http://schemas.microsoft.com/office/drawing/2010/main" xmlns="">
+              <a14:hiddenEffects xmlns="" xmlns:a14="http://schemas.microsoft.com/office/drawing/2010/main">
                 <a:effectLst>
                   <a:outerShdw blurRad="63500" dist="38099" dir="2700000" algn="ctr" rotWithShape="0">
                     <a:srgbClr val="000000">
@@ -23453,7 +23453,7 @@
           <a:effectLst/>
           <a:extLst>
             <a:ext uri="{AF507438-7753-43e0-B8FC-AC1667EBCBE1}">
-              <a14:hiddenEffects xmlns:a14="http://schemas.microsoft.com/office/drawing/2010/main" xmlns="">
+              <a14:hiddenEffects xmlns="" xmlns:a14="http://schemas.microsoft.com/office/drawing/2010/main">
                 <a:effectLst>
                   <a:outerShdw blurRad="63500" dist="38099" dir="2700000" algn="ctr" rotWithShape="0">
                     <a:srgbClr val="000000">
@@ -23503,7 +23503,7 @@
           <a:effectLst/>
           <a:extLst>
             <a:ext uri="{AF507438-7753-43e0-B8FC-AC1667EBCBE1}">
-              <a14:hiddenEffects xmlns:a14="http://schemas.microsoft.com/office/drawing/2010/main" xmlns="">
+              <a14:hiddenEffects xmlns="" xmlns:a14="http://schemas.microsoft.com/office/drawing/2010/main">
                 <a:effectLst>
                   <a:outerShdw blurRad="63500" dist="38099" dir="2700000" algn="ctr" rotWithShape="0">
                     <a:srgbClr val="000000">
@@ -23553,7 +23553,7 @@
           <a:effectLst/>
           <a:extLst>
             <a:ext uri="{AF507438-7753-43e0-B8FC-AC1667EBCBE1}">
-              <a14:hiddenEffects xmlns:a14="http://schemas.microsoft.com/office/drawing/2010/main" xmlns="">
+              <a14:hiddenEffects xmlns="" xmlns:a14="http://schemas.microsoft.com/office/drawing/2010/main">
                 <a:effectLst>
                   <a:outerShdw blurRad="63500" dist="38099" dir="2700000" algn="ctr" rotWithShape="0">
                     <a:srgbClr val="000000">
@@ -23603,7 +23603,7 @@
           <a:effectLst/>
           <a:extLst>
             <a:ext uri="{AF507438-7753-43e0-B8FC-AC1667EBCBE1}">
-              <a14:hiddenEffects xmlns:a14="http://schemas.microsoft.com/office/drawing/2010/main" xmlns="">
+              <a14:hiddenEffects xmlns="" xmlns:a14="http://schemas.microsoft.com/office/drawing/2010/main">
                 <a:effectLst>
                   <a:outerShdw blurRad="63500" dist="38099" dir="2700000" algn="ctr" rotWithShape="0">
                     <a:srgbClr val="000000">
@@ -23653,7 +23653,7 @@
           <a:effectLst/>
           <a:extLst>
             <a:ext uri="{AF507438-7753-43e0-B8FC-AC1667EBCBE1}">
-              <a14:hiddenEffects xmlns:a14="http://schemas.microsoft.com/office/drawing/2010/main" xmlns="">
+              <a14:hiddenEffects xmlns="" xmlns:a14="http://schemas.microsoft.com/office/drawing/2010/main">
                 <a:effectLst>
                   <a:outerShdw blurRad="63500" dist="38099" dir="2700000" algn="ctr" rotWithShape="0">
                     <a:srgbClr val="000000">
@@ -23773,6 +23773,386 @@
       </p:grpSpPr>
       <p:sp>
         <p:nvSpPr>
+          <p:cNvPr id="4128" name="Text Box 32"/>
+          <p:cNvSpPr txBox="1">
+            <a:spLocks noChangeArrowheads="1"/>
+          </p:cNvSpPr>
+          <p:nvPr/>
+        </p:nvSpPr>
+        <p:spPr bwMode="auto">
+          <a:xfrm>
+            <a:off x="4597400" y="2505075"/>
+            <a:ext cx="1041400" cy="230188"/>
+          </a:xfrm>
+          <a:prstGeom prst="rect">
+            <a:avLst/>
+          </a:prstGeom>
+          <a:noFill/>
+          <a:ln>
+            <a:noFill/>
+          </a:ln>
+          <a:effectLst/>
+          <a:extLst>
+            <a:ext uri="{909E8E84-426E-40dd-AFC4-6F175D3DCCD1}">
+              <a14:hiddenFill xmlns="" xmlns:a14="http://schemas.microsoft.com/office/drawing/2010/main">
+                <a:solidFill>
+                  <a:srgbClr val="FFFFFF"/>
+                </a:solidFill>
+              </a14:hiddenFill>
+            </a:ext>
+            <a:ext uri="{91240B29-F687-4f45-9708-019B960494DF}">
+              <a14:hiddenLine xmlns="" xmlns:a14="http://schemas.microsoft.com/office/drawing/2010/main" w="9525" cap="flat">
+                <a:solidFill>
+                  <a:srgbClr val="000000"/>
+                </a:solidFill>
+                <a:round/>
+                <a:headEnd/>
+                <a:tailEnd/>
+              </a14:hiddenLine>
+            </a:ext>
+            <a:ext uri="{AF507438-7753-43e0-B8FC-AC1667EBCBE1}">
+              <a14:hiddenEffects xmlns="" xmlns:a14="http://schemas.microsoft.com/office/drawing/2010/main">
+                <a:effectLst>
+                  <a:outerShdw blurRad="63500" dist="38099" dir="2700000" algn="ctr" rotWithShape="0">
+                    <a:srgbClr val="000000">
+                      <a:alpha val="74998"/>
+                    </a:srgbClr>
+                  </a:outerShdw>
+                </a:effectLst>
+              </a14:hiddenEffects>
+            </a:ext>
+          </a:extLst>
+        </p:spPr>
+        <p:txBody>
+          <a:bodyPr wrap="none" lIns="90000" tIns="53820" rIns="90000" bIns="45000"/>
+          <a:lstStyle>
+            <a:lvl1pPr>
+              <a:tabLst>
+                <a:tab pos="449263" algn="l"/>
+                <a:tab pos="898525" algn="l"/>
+              </a:tabLst>
+              <a:defRPr>
+                <a:solidFill>
+                  <a:srgbClr val="000000"/>
+                </a:solidFill>
+                <a:latin typeface="Arial" charset="0"/>
+                <a:ea typeface="ＭＳ Ｐゴシック" charset="0"/>
+                <a:cs typeface="Microsoft YaHei" charset="0"/>
+              </a:defRPr>
+            </a:lvl1pPr>
+            <a:lvl2pPr>
+              <a:tabLst>
+                <a:tab pos="449263" algn="l"/>
+                <a:tab pos="898525" algn="l"/>
+              </a:tabLst>
+              <a:defRPr>
+                <a:solidFill>
+                  <a:srgbClr val="000000"/>
+                </a:solidFill>
+                <a:latin typeface="Arial" charset="0"/>
+                <a:ea typeface="ＭＳ Ｐゴシック" charset="0"/>
+                <a:cs typeface="Microsoft YaHei" charset="0"/>
+              </a:defRPr>
+            </a:lvl2pPr>
+            <a:lvl3pPr>
+              <a:tabLst>
+                <a:tab pos="449263" algn="l"/>
+                <a:tab pos="898525" algn="l"/>
+              </a:tabLst>
+              <a:defRPr>
+                <a:solidFill>
+                  <a:srgbClr val="000000"/>
+                </a:solidFill>
+                <a:latin typeface="Arial" charset="0"/>
+                <a:ea typeface="ＭＳ Ｐゴシック" charset="0"/>
+                <a:cs typeface="Microsoft YaHei" charset="0"/>
+              </a:defRPr>
+            </a:lvl3pPr>
+            <a:lvl4pPr>
+              <a:tabLst>
+                <a:tab pos="449263" algn="l"/>
+                <a:tab pos="898525" algn="l"/>
+              </a:tabLst>
+              <a:defRPr>
+                <a:solidFill>
+                  <a:srgbClr val="000000"/>
+                </a:solidFill>
+                <a:latin typeface="Arial" charset="0"/>
+                <a:ea typeface="ＭＳ Ｐゴシック" charset="0"/>
+                <a:cs typeface="Microsoft YaHei" charset="0"/>
+              </a:defRPr>
+            </a:lvl4pPr>
+            <a:lvl5pPr>
+              <a:tabLst>
+                <a:tab pos="449263" algn="l"/>
+                <a:tab pos="898525" algn="l"/>
+              </a:tabLst>
+              <a:defRPr>
+                <a:solidFill>
+                  <a:srgbClr val="000000"/>
+                </a:solidFill>
+                <a:latin typeface="Arial" charset="0"/>
+                <a:ea typeface="ＭＳ Ｐゴシック" charset="0"/>
+                <a:cs typeface="Microsoft YaHei" charset="0"/>
+              </a:defRPr>
+            </a:lvl5pPr>
+            <a:lvl6pPr marL="2514600" indent="-228600" defTabSz="449263" fontAlgn="base" hangingPunct="0">
+              <a:lnSpc>
+                <a:spcPct val="93000"/>
+              </a:lnSpc>
+              <a:spcBef>
+                <a:spcPct val="0"/>
+              </a:spcBef>
+              <a:spcAft>
+                <a:spcPct val="0"/>
+              </a:spcAft>
+              <a:buClr>
+                <a:srgbClr val="000000"/>
+              </a:buClr>
+              <a:buSzPct val="100000"/>
+              <a:buFont typeface="Times New Roman" charset="0"/>
+              <a:tabLst>
+                <a:tab pos="449263" algn="l"/>
+                <a:tab pos="898525" algn="l"/>
+              </a:tabLst>
+              <a:defRPr>
+                <a:solidFill>
+                  <a:srgbClr val="000000"/>
+                </a:solidFill>
+                <a:latin typeface="Arial" charset="0"/>
+                <a:ea typeface="ＭＳ Ｐゴシック" charset="0"/>
+                <a:cs typeface="Microsoft YaHei" charset="0"/>
+              </a:defRPr>
+            </a:lvl6pPr>
+            <a:lvl7pPr marL="2971800" indent="-228600" defTabSz="449263" fontAlgn="base" hangingPunct="0">
+              <a:lnSpc>
+                <a:spcPct val="93000"/>
+              </a:lnSpc>
+              <a:spcBef>
+                <a:spcPct val="0"/>
+              </a:spcBef>
+              <a:spcAft>
+                <a:spcPct val="0"/>
+              </a:spcAft>
+              <a:buClr>
+                <a:srgbClr val="000000"/>
+              </a:buClr>
+              <a:buSzPct val="100000"/>
+              <a:buFont typeface="Times New Roman" charset="0"/>
+              <a:tabLst>
+                <a:tab pos="449263" algn="l"/>
+                <a:tab pos="898525" algn="l"/>
+              </a:tabLst>
+              <a:defRPr>
+                <a:solidFill>
+                  <a:srgbClr val="000000"/>
+                </a:solidFill>
+                <a:latin typeface="Arial" charset="0"/>
+                <a:ea typeface="ＭＳ Ｐゴシック" charset="0"/>
+                <a:cs typeface="Microsoft YaHei" charset="0"/>
+              </a:defRPr>
+            </a:lvl7pPr>
+            <a:lvl8pPr marL="3429000" indent="-228600" defTabSz="449263" fontAlgn="base" hangingPunct="0">
+              <a:lnSpc>
+                <a:spcPct val="93000"/>
+              </a:lnSpc>
+              <a:spcBef>
+                <a:spcPct val="0"/>
+              </a:spcBef>
+              <a:spcAft>
+                <a:spcPct val="0"/>
+              </a:spcAft>
+              <a:buClr>
+                <a:srgbClr val="000000"/>
+              </a:buClr>
+              <a:buSzPct val="100000"/>
+              <a:buFont typeface="Times New Roman" charset="0"/>
+              <a:tabLst>
+                <a:tab pos="449263" algn="l"/>
+                <a:tab pos="898525" algn="l"/>
+              </a:tabLst>
+              <a:defRPr>
+                <a:solidFill>
+                  <a:srgbClr val="000000"/>
+                </a:solidFill>
+                <a:latin typeface="Arial" charset="0"/>
+                <a:ea typeface="ＭＳ Ｐゴシック" charset="0"/>
+                <a:cs typeface="Microsoft YaHei" charset="0"/>
+              </a:defRPr>
+            </a:lvl8pPr>
+            <a:lvl9pPr marL="3886200" indent="-228600" defTabSz="449263" fontAlgn="base" hangingPunct="0">
+              <a:lnSpc>
+                <a:spcPct val="93000"/>
+              </a:lnSpc>
+              <a:spcBef>
+                <a:spcPct val="0"/>
+              </a:spcBef>
+              <a:spcAft>
+                <a:spcPct val="0"/>
+              </a:spcAft>
+              <a:buClr>
+                <a:srgbClr val="000000"/>
+              </a:buClr>
+              <a:buSzPct val="100000"/>
+              <a:buFont typeface="Times New Roman" charset="0"/>
+              <a:tabLst>
+                <a:tab pos="449263" algn="l"/>
+                <a:tab pos="898525" algn="l"/>
+              </a:tabLst>
+              <a:defRPr>
+                <a:solidFill>
+                  <a:srgbClr val="000000"/>
+                </a:solidFill>
+                <a:latin typeface="Arial" charset="0"/>
+                <a:ea typeface="ＭＳ Ｐゴシック" charset="0"/>
+                <a:cs typeface="Microsoft YaHei" charset="0"/>
+              </a:defRPr>
+            </a:lvl9pPr>
+          </a:lstStyle>
+          <a:p>
+            <a:r>
+              <a:rPr lang="fr-FR" sz="1000" dirty="0"/>
+              <a:t>Administration </a:t>
+            </a:r>
+          </a:p>
+        </p:txBody>
+      </p:sp>
+      <p:sp>
+        <p:nvSpPr>
+          <p:cNvPr id="4139" name="Text Box 43"/>
+          <p:cNvSpPr txBox="1">
+            <a:spLocks noChangeArrowheads="1"/>
+          </p:cNvSpPr>
+          <p:nvPr/>
+        </p:nvSpPr>
+        <p:spPr bwMode="auto">
+          <a:xfrm>
+            <a:off x="6051550" y="2368550"/>
+            <a:ext cx="309563" cy="204788"/>
+          </a:xfrm>
+          <a:prstGeom prst="rect">
+            <a:avLst/>
+          </a:prstGeom>
+          <a:noFill/>
+          <a:ln>
+            <a:noFill/>
+          </a:ln>
+          <a:effectLst/>
+          <a:extLst>
+            <a:ext uri="{909E8E84-426E-40dd-AFC4-6F175D3DCCD1}">
+              <a14:hiddenFill xmlns="" xmlns:a14="http://schemas.microsoft.com/office/drawing/2010/main">
+                <a:solidFill>
+                  <a:srgbClr val="FFFFFF"/>
+                </a:solidFill>
+              </a14:hiddenFill>
+            </a:ext>
+            <a:ext uri="{91240B29-F687-4f45-9708-019B960494DF}">
+              <a14:hiddenLine xmlns="" xmlns:a14="http://schemas.microsoft.com/office/drawing/2010/main" w="9525" cap="flat">
+                <a:solidFill>
+                  <a:srgbClr val="000000"/>
+                </a:solidFill>
+                <a:round/>
+                <a:headEnd/>
+                <a:tailEnd/>
+              </a14:hiddenLine>
+            </a:ext>
+            <a:ext uri="{AF507438-7753-43e0-B8FC-AC1667EBCBE1}">
+              <a14:hiddenEffects xmlns="" xmlns:a14="http://schemas.microsoft.com/office/drawing/2010/main">
+                <a:effectLst>
+                  <a:outerShdw blurRad="63500" dist="38099" dir="2700000" algn="ctr" rotWithShape="0">
+                    <a:srgbClr val="000000">
+                      <a:alpha val="74998"/>
+                    </a:srgbClr>
+                  </a:outerShdw>
+                </a:effectLst>
+              </a14:hiddenEffects>
+            </a:ext>
+          </a:extLst>
+        </p:spPr>
+        <p:txBody>
+          <a:bodyPr wrap="none" lIns="90000" tIns="52056" rIns="90000" bIns="45000"/>
+          <a:lstStyle/>
+          <a:p>
+            <a:r>
+              <a:rPr lang="fr-FR" sz="800">
+                <a:solidFill>
+                  <a:srgbClr val="000000"/>
+                </a:solidFill>
+              </a:rPr>
+              <a:t>Rb</a:t>
+            </a:r>
+          </a:p>
+        </p:txBody>
+      </p:sp>
+      <p:sp>
+        <p:nvSpPr>
+          <p:cNvPr id="4166" name="Text Box 70"/>
+          <p:cNvSpPr txBox="1">
+            <a:spLocks noChangeArrowheads="1"/>
+          </p:cNvSpPr>
+          <p:nvPr/>
+        </p:nvSpPr>
+        <p:spPr bwMode="auto">
+          <a:xfrm>
+            <a:off x="5688013" y="2362200"/>
+            <a:ext cx="406400" cy="230188"/>
+          </a:xfrm>
+          <a:prstGeom prst="rect">
+            <a:avLst/>
+          </a:prstGeom>
+          <a:noFill/>
+          <a:ln>
+            <a:noFill/>
+          </a:ln>
+          <a:effectLst/>
+          <a:extLst>
+            <a:ext uri="{909E8E84-426E-40dd-AFC4-6F175D3DCCD1}">
+              <a14:hiddenFill xmlns="" xmlns:a14="http://schemas.microsoft.com/office/drawing/2010/main">
+                <a:solidFill>
+                  <a:srgbClr val="FFFFFF"/>
+                </a:solidFill>
+              </a14:hiddenFill>
+            </a:ext>
+            <a:ext uri="{91240B29-F687-4f45-9708-019B960494DF}">
+              <a14:hiddenLine xmlns="" xmlns:a14="http://schemas.microsoft.com/office/drawing/2010/main" w="9525" cap="flat">
+                <a:solidFill>
+                  <a:srgbClr val="000000"/>
+                </a:solidFill>
+                <a:round/>
+                <a:headEnd/>
+                <a:tailEnd/>
+              </a14:hiddenLine>
+            </a:ext>
+            <a:ext uri="{AF507438-7753-43e0-B8FC-AC1667EBCBE1}">
+              <a14:hiddenEffects xmlns="" xmlns:a14="http://schemas.microsoft.com/office/drawing/2010/main">
+                <a:effectLst>
+                  <a:outerShdw blurRad="63500" dist="38099" dir="2700000" algn="ctr" rotWithShape="0">
+                    <a:srgbClr val="000000">
+                      <a:alpha val="74998"/>
+                    </a:srgbClr>
+                  </a:outerShdw>
+                </a:effectLst>
+              </a14:hiddenEffects>
+            </a:ext>
+          </a:extLst>
+        </p:spPr>
+        <p:txBody>
+          <a:bodyPr wrap="none" lIns="90000" tIns="53820" rIns="90000" bIns="45000"/>
+          <a:lstStyle/>
+          <a:p>
+            <a:r>
+              <a:rPr lang="fr-FR" sz="1000">
+                <a:solidFill>
+                  <a:srgbClr val="000000"/>
+                </a:solidFill>
+              </a:rPr>
+              <a:t>(20)</a:t>
+            </a:r>
+          </a:p>
+        </p:txBody>
+      </p:sp>
+      <p:sp>
+        <p:nvSpPr>
           <p:cNvPr id="4097" name="Oval 1"/>
           <p:cNvSpPr>
             <a:spLocks noChangeArrowheads="1"/>
@@ -23801,7 +24181,7 @@
           <a:effectLst/>
           <a:extLst>
             <a:ext uri="{AF507438-7753-43e0-B8FC-AC1667EBCBE1}">
-              <a14:hiddenEffects xmlns:a14="http://schemas.microsoft.com/office/drawing/2010/main" xmlns="">
+              <a14:hiddenEffects xmlns="" xmlns:a14="http://schemas.microsoft.com/office/drawing/2010/main">
                 <a:effectLst>
                   <a:outerShdw blurRad="63500" dist="38099" dir="2700000" algn="ctr" rotWithShape="0">
                     <a:srgbClr val="000000">
@@ -23851,7 +24231,7 @@
           <a:effectLst/>
           <a:extLst>
             <a:ext uri="{AF507438-7753-43e0-B8FC-AC1667EBCBE1}">
-              <a14:hiddenEffects xmlns:a14="http://schemas.microsoft.com/office/drawing/2010/main" xmlns="">
+              <a14:hiddenEffects xmlns="" xmlns:a14="http://schemas.microsoft.com/office/drawing/2010/main">
                 <a:effectLst>
                   <a:outerShdw blurRad="63500" dist="38099" dir="2700000" algn="ctr" rotWithShape="0">
                     <a:srgbClr val="000000">
@@ -23894,14 +24274,14 @@
           <a:effectLst/>
           <a:extLst>
             <a:ext uri="{909E8E84-426E-40dd-AFC4-6F175D3DCCD1}">
-              <a14:hiddenFill xmlns:a14="http://schemas.microsoft.com/office/drawing/2010/main" xmlns="">
+              <a14:hiddenFill xmlns="" xmlns:a14="http://schemas.microsoft.com/office/drawing/2010/main">
                 <a:solidFill>
                   <a:srgbClr val="FFFFFF"/>
                 </a:solidFill>
               </a14:hiddenFill>
             </a:ext>
             <a:ext uri="{91240B29-F687-4f45-9708-019B960494DF}">
-              <a14:hiddenLine xmlns:a14="http://schemas.microsoft.com/office/drawing/2010/main" xmlns="" w="9525" cap="flat">
+              <a14:hiddenLine xmlns="" xmlns:a14="http://schemas.microsoft.com/office/drawing/2010/main" w="9525" cap="flat">
                 <a:solidFill>
                   <a:srgbClr val="000000"/>
                 </a:solidFill>
@@ -23911,7 +24291,7 @@
               </a14:hiddenLine>
             </a:ext>
             <a:ext uri="{AF507438-7753-43e0-B8FC-AC1667EBCBE1}">
-              <a14:hiddenEffects xmlns:a14="http://schemas.microsoft.com/office/drawing/2010/main" xmlns="">
+              <a14:hiddenEffects xmlns="" xmlns:a14="http://schemas.microsoft.com/office/drawing/2010/main">
                 <a:effectLst>
                   <a:outerShdw blurRad="63500" dist="38099" dir="2700000" algn="ctr" rotWithShape="0">
                     <a:srgbClr val="000000">
@@ -23968,7 +24348,7 @@
           <a:effectLst/>
           <a:extLst>
             <a:ext uri="{AF507438-7753-43e0-B8FC-AC1667EBCBE1}">
-              <a14:hiddenEffects xmlns:a14="http://schemas.microsoft.com/office/drawing/2010/main" xmlns="">
+              <a14:hiddenEffects xmlns="" xmlns:a14="http://schemas.microsoft.com/office/drawing/2010/main">
                 <a:effectLst>
                   <a:outerShdw blurRad="63500" dist="38099" dir="2700000" algn="ctr" rotWithShape="0">
                     <a:srgbClr val="000000">
@@ -24011,14 +24391,14 @@
           <a:effectLst/>
           <a:extLst>
             <a:ext uri="{909E8E84-426E-40dd-AFC4-6F175D3DCCD1}">
-              <a14:hiddenFill xmlns:a14="http://schemas.microsoft.com/office/drawing/2010/main" xmlns="">
+              <a14:hiddenFill xmlns="" xmlns:a14="http://schemas.microsoft.com/office/drawing/2010/main">
                 <a:solidFill>
                   <a:srgbClr val="FFFFFF"/>
                 </a:solidFill>
               </a14:hiddenFill>
             </a:ext>
             <a:ext uri="{91240B29-F687-4f45-9708-019B960494DF}">
-              <a14:hiddenLine xmlns:a14="http://schemas.microsoft.com/office/drawing/2010/main" xmlns="" w="9525" cap="flat">
+              <a14:hiddenLine xmlns="" xmlns:a14="http://schemas.microsoft.com/office/drawing/2010/main" w="9525" cap="flat">
                 <a:solidFill>
                   <a:srgbClr val="000000"/>
                 </a:solidFill>
@@ -24028,7 +24408,7 @@
               </a14:hiddenLine>
             </a:ext>
             <a:ext uri="{AF507438-7753-43e0-B8FC-AC1667EBCBE1}">
-              <a14:hiddenEffects xmlns:a14="http://schemas.microsoft.com/office/drawing/2010/main" xmlns="">
+              <a14:hiddenEffects xmlns="" xmlns:a14="http://schemas.microsoft.com/office/drawing/2010/main">
                 <a:effectLst>
                   <a:outerShdw blurRad="63500" dist="38099" dir="2700000" algn="ctr" rotWithShape="0">
                     <a:srgbClr val="000000">
@@ -24087,7 +24467,7 @@
           <a:effectLst/>
           <a:extLst>
             <a:ext uri="{AF507438-7753-43e0-B8FC-AC1667EBCBE1}">
-              <a14:hiddenEffects xmlns:a14="http://schemas.microsoft.com/office/drawing/2010/main" xmlns="">
+              <a14:hiddenEffects xmlns="" xmlns:a14="http://schemas.microsoft.com/office/drawing/2010/main">
                 <a:effectLst>
                   <a:outerShdw blurRad="63500" dist="38099" dir="2700000" algn="ctr" rotWithShape="0">
                     <a:srgbClr val="000000">
@@ -24139,7 +24519,7 @@
           <a:effectLst/>
           <a:extLst>
             <a:ext uri="{AF507438-7753-43e0-B8FC-AC1667EBCBE1}">
-              <a14:hiddenEffects xmlns:a14="http://schemas.microsoft.com/office/drawing/2010/main" xmlns="">
+              <a14:hiddenEffects xmlns="" xmlns:a14="http://schemas.microsoft.com/office/drawing/2010/main">
                 <a:effectLst>
                   <a:outerShdw blurRad="63500" dist="38099" dir="2700000" algn="ctr" rotWithShape="0">
                     <a:srgbClr val="000000">
@@ -24189,14 +24569,14 @@
           <a:effectLst/>
           <a:extLst>
             <a:ext uri="{909E8E84-426E-40dd-AFC4-6F175D3DCCD1}">
-              <a14:hiddenFill xmlns:a14="http://schemas.microsoft.com/office/drawing/2010/main" xmlns="">
+              <a14:hiddenFill xmlns="" xmlns:a14="http://schemas.microsoft.com/office/drawing/2010/main">
                 <a:solidFill>
                   <a:srgbClr val="FFFFFF"/>
                 </a:solidFill>
               </a14:hiddenFill>
             </a:ext>
             <a:ext uri="{AF507438-7753-43e0-B8FC-AC1667EBCBE1}">
-              <a14:hiddenEffects xmlns:a14="http://schemas.microsoft.com/office/drawing/2010/main" xmlns="">
+              <a14:hiddenEffects xmlns="" xmlns:a14="http://schemas.microsoft.com/office/drawing/2010/main">
                 <a:effectLst>
                   <a:outerShdw blurRad="63500" dist="38099" dir="2700000" algn="ctr" rotWithShape="0">
                     <a:srgbClr val="000000">
@@ -24248,7 +24628,7 @@
           <a:effectLst/>
           <a:extLst>
             <a:ext uri="{AF507438-7753-43e0-B8FC-AC1667EBCBE1}">
-              <a14:hiddenEffects xmlns:a14="http://schemas.microsoft.com/office/drawing/2010/main" xmlns="">
+              <a14:hiddenEffects xmlns="" xmlns:a14="http://schemas.microsoft.com/office/drawing/2010/main">
                 <a:effectLst>
                   <a:outerShdw blurRad="63500" dist="38099" dir="2700000" algn="ctr" rotWithShape="0">
                     <a:srgbClr val="000000">
@@ -24291,14 +24671,14 @@
           <a:effectLst/>
           <a:extLst>
             <a:ext uri="{909E8E84-426E-40dd-AFC4-6F175D3DCCD1}">
-              <a14:hiddenFill xmlns:a14="http://schemas.microsoft.com/office/drawing/2010/main" xmlns="">
+              <a14:hiddenFill xmlns="" xmlns:a14="http://schemas.microsoft.com/office/drawing/2010/main">
                 <a:solidFill>
                   <a:srgbClr val="FFFFFF"/>
                 </a:solidFill>
               </a14:hiddenFill>
             </a:ext>
             <a:ext uri="{91240B29-F687-4f45-9708-019B960494DF}">
-              <a14:hiddenLine xmlns:a14="http://schemas.microsoft.com/office/drawing/2010/main" xmlns="" w="9525" cap="flat">
+              <a14:hiddenLine xmlns="" xmlns:a14="http://schemas.microsoft.com/office/drawing/2010/main" w="9525" cap="flat">
                 <a:solidFill>
                   <a:srgbClr val="000000"/>
                 </a:solidFill>
@@ -24308,7 +24688,7 @@
               </a14:hiddenLine>
             </a:ext>
             <a:ext uri="{AF507438-7753-43e0-B8FC-AC1667EBCBE1}">
-              <a14:hiddenEffects xmlns:a14="http://schemas.microsoft.com/office/drawing/2010/main" xmlns="">
+              <a14:hiddenEffects xmlns="" xmlns:a14="http://schemas.microsoft.com/office/drawing/2010/main">
                 <a:effectLst>
                   <a:outerShdw blurRad="63500" dist="38099" dir="2700000" algn="ctr" rotWithShape="0">
                     <a:srgbClr val="000000">
@@ -24537,57 +24917,7 @@
           <a:effectLst/>
           <a:extLst>
             <a:ext uri="{AF507438-7753-43e0-B8FC-AC1667EBCBE1}">
-              <a14:hiddenEffects xmlns:a14="http://schemas.microsoft.com/office/drawing/2010/main" xmlns="">
-                <a:effectLst>
-                  <a:outerShdw blurRad="63500" dist="38099" dir="2700000" algn="ctr" rotWithShape="0">
-                    <a:srgbClr val="000000">
-                      <a:alpha val="74998"/>
-                    </a:srgbClr>
-                  </a:outerShdw>
-                </a:effectLst>
-              </a14:hiddenEffects>
-            </a:ext>
-          </a:extLst>
-        </p:spPr>
-        <p:txBody>
-          <a:bodyPr wrap="none" anchor="ctr"/>
-          <a:lstStyle/>
-          <a:p>
-            <a:endParaRPr lang="fr-FR"/>
-          </a:p>
-        </p:txBody>
-      </p:sp>
-      <p:sp>
-        <p:nvSpPr>
-          <p:cNvPr id="4108" name="AutoShape 12"/>
-          <p:cNvSpPr>
-            <a:spLocks noChangeArrowheads="1"/>
-          </p:cNvSpPr>
-          <p:nvPr/>
-        </p:nvSpPr>
-        <p:spPr bwMode="auto">
-          <a:xfrm>
-            <a:off x="5332413" y="1968500"/>
-            <a:ext cx="139700" cy="147638"/>
-          </a:xfrm>
-          <a:prstGeom prst="diamond">
-            <a:avLst/>
-          </a:prstGeom>
-          <a:solidFill>
-            <a:srgbClr val="FFFFFF"/>
-          </a:solidFill>
-          <a:ln w="18000" cap="flat">
-            <a:solidFill>
-              <a:srgbClr val="B2B2B2"/>
-            </a:solidFill>
-            <a:round/>
-            <a:headEnd/>
-            <a:tailEnd/>
-          </a:ln>
-          <a:effectLst/>
-          <a:extLst>
-            <a:ext uri="{AF507438-7753-43e0-B8FC-AC1667EBCBE1}">
-              <a14:hiddenEffects xmlns:a14="http://schemas.microsoft.com/office/drawing/2010/main" xmlns="">
+              <a14:hiddenEffects xmlns="" xmlns:a14="http://schemas.microsoft.com/office/drawing/2010/main">
                 <a:effectLst>
                   <a:outerShdw blurRad="63500" dist="38099" dir="2700000" algn="ctr" rotWithShape="0">
                     <a:srgbClr val="000000">
@@ -24630,14 +24960,14 @@
           <a:effectLst/>
           <a:extLst>
             <a:ext uri="{909E8E84-426E-40dd-AFC4-6F175D3DCCD1}">
-              <a14:hiddenFill xmlns:a14="http://schemas.microsoft.com/office/drawing/2010/main" xmlns="">
+              <a14:hiddenFill xmlns="" xmlns:a14="http://schemas.microsoft.com/office/drawing/2010/main">
                 <a:solidFill>
                   <a:srgbClr val="FFFFFF"/>
                 </a:solidFill>
               </a14:hiddenFill>
             </a:ext>
             <a:ext uri="{91240B29-F687-4f45-9708-019B960494DF}">
-              <a14:hiddenLine xmlns:a14="http://schemas.microsoft.com/office/drawing/2010/main" xmlns="" w="9525" cap="flat">
+              <a14:hiddenLine xmlns="" xmlns:a14="http://schemas.microsoft.com/office/drawing/2010/main" w="9525" cap="flat">
                 <a:solidFill>
                   <a:srgbClr val="000000"/>
                 </a:solidFill>
@@ -24647,7 +24977,7 @@
               </a14:hiddenLine>
             </a:ext>
             <a:ext uri="{AF507438-7753-43e0-B8FC-AC1667EBCBE1}">
-              <a14:hiddenEffects xmlns:a14="http://schemas.microsoft.com/office/drawing/2010/main" xmlns="">
+              <a14:hiddenEffects xmlns="" xmlns:a14="http://schemas.microsoft.com/office/drawing/2010/main">
                 <a:effectLst>
                   <a:outerShdw blurRad="63500" dist="38099" dir="2700000" algn="ctr" rotWithShape="0">
                     <a:srgbClr val="000000">
@@ -24881,12 +25211,12 @@
           <a:effectLst/>
           <a:extLst>
             <a:ext uri="{909E8E84-426E-40dd-AFC4-6F175D3DCCD1}">
-              <a14:hiddenFill xmlns:a14="http://schemas.microsoft.com/office/drawing/2010/main" xmlns="">
+              <a14:hiddenFill xmlns="" xmlns:a14="http://schemas.microsoft.com/office/drawing/2010/main">
                 <a:noFill/>
               </a14:hiddenFill>
             </a:ext>
             <a:ext uri="{AF507438-7753-43e0-B8FC-AC1667EBCBE1}">
-              <a14:hiddenEffects xmlns:a14="http://schemas.microsoft.com/office/drawing/2010/main" xmlns="">
+              <a14:hiddenEffects xmlns="" xmlns:a14="http://schemas.microsoft.com/office/drawing/2010/main">
                 <a:effectLst>
                   <a:outerShdw blurRad="63500" dist="38099" dir="2700000" algn="ctr" rotWithShape="0">
                     <a:srgbClr val="000000">
@@ -24916,7 +25246,7 @@
         </p:nvSpPr>
         <p:spPr bwMode="auto">
           <a:xfrm>
-            <a:off x="3522663" y="1374775"/>
+            <a:off x="3563145" y="1546679"/>
             <a:ext cx="769937" cy="204788"/>
           </a:xfrm>
           <a:prstGeom prst="rect">
@@ -24929,14 +25259,14 @@
           <a:effectLst/>
           <a:extLst>
             <a:ext uri="{909E8E84-426E-40dd-AFC4-6F175D3DCCD1}">
-              <a14:hiddenFill xmlns:a14="http://schemas.microsoft.com/office/drawing/2010/main" xmlns="">
+              <a14:hiddenFill xmlns="" xmlns:a14="http://schemas.microsoft.com/office/drawing/2010/main">
                 <a:solidFill>
                   <a:srgbClr val="FFFFFF"/>
                 </a:solidFill>
               </a14:hiddenFill>
             </a:ext>
             <a:ext uri="{91240B29-F687-4f45-9708-019B960494DF}">
-              <a14:hiddenLine xmlns:a14="http://schemas.microsoft.com/office/drawing/2010/main" xmlns="" w="9525" cap="flat">
+              <a14:hiddenLine xmlns="" xmlns:a14="http://schemas.microsoft.com/office/drawing/2010/main" w="9525" cap="flat">
                 <a:solidFill>
                   <a:srgbClr val="000000"/>
                 </a:solidFill>
@@ -24946,7 +25276,7 @@
               </a14:hiddenLine>
             </a:ext>
             <a:ext uri="{AF507438-7753-43e0-B8FC-AC1667EBCBE1}">
-              <a14:hiddenEffects xmlns:a14="http://schemas.microsoft.com/office/drawing/2010/main" xmlns="">
+              <a14:hiddenEffects xmlns="" xmlns:a14="http://schemas.microsoft.com/office/drawing/2010/main">
                 <a:effectLst>
                   <a:outerShdw blurRad="63500" dist="38099" dir="2700000" algn="ctr" rotWithShape="0">
                     <a:srgbClr val="000000">
@@ -25137,8 +25467,8 @@
           </a:lstStyle>
           <a:p>
             <a:r>
-              <a:rPr lang="fr-FR" sz="800"/>
-              <a:t>1 bissas Xtra</a:t>
+              <a:rPr lang="fr-FR" sz="800" dirty="0"/>
+              <a:t>bissas Xtra</a:t>
             </a:r>
           </a:p>
         </p:txBody>
@@ -25153,7 +25483,7 @@
         </p:nvSpPr>
         <p:spPr bwMode="auto">
           <a:xfrm>
-            <a:off x="3413125" y="1382713"/>
+            <a:off x="3413125" y="1566763"/>
             <a:ext cx="139700" cy="147637"/>
           </a:xfrm>
           <a:prstGeom prst="diamond">
@@ -25173,7 +25503,7 @@
           <a:effectLst/>
           <a:extLst>
             <a:ext uri="{AF507438-7753-43e0-B8FC-AC1667EBCBE1}">
-              <a14:hiddenEffects xmlns:a14="http://schemas.microsoft.com/office/drawing/2010/main" xmlns="">
+              <a14:hiddenEffects xmlns="" xmlns:a14="http://schemas.microsoft.com/office/drawing/2010/main">
                 <a:effectLst>
                   <a:outerShdw blurRad="63500" dist="38099" dir="2700000" algn="ctr" rotWithShape="0">
                     <a:srgbClr val="000000">
@@ -25190,293 +25520,6 @@
           <a:lstStyle/>
           <a:p>
             <a:endParaRPr lang="fr-FR"/>
-          </a:p>
-        </p:txBody>
-      </p:sp>
-      <p:sp>
-        <p:nvSpPr>
-          <p:cNvPr id="4113" name="AutoShape 17"/>
-          <p:cNvSpPr>
-            <a:spLocks noChangeArrowheads="1"/>
-          </p:cNvSpPr>
-          <p:nvPr/>
-        </p:nvSpPr>
-        <p:spPr bwMode="auto">
-          <a:xfrm>
-            <a:off x="3413125" y="1562100"/>
-            <a:ext cx="139700" cy="147638"/>
-          </a:xfrm>
-          <a:prstGeom prst="diamond">
-            <a:avLst/>
-          </a:prstGeom>
-          <a:solidFill>
-            <a:srgbClr val="FFFFFF"/>
-          </a:solidFill>
-          <a:ln w="18000" cap="flat">
-            <a:solidFill>
-              <a:srgbClr val="999999"/>
-            </a:solidFill>
-            <a:round/>
-            <a:headEnd/>
-            <a:tailEnd/>
-          </a:ln>
-          <a:effectLst/>
-          <a:extLst>
-            <a:ext uri="{AF507438-7753-43e0-B8FC-AC1667EBCBE1}">
-              <a14:hiddenEffects xmlns:a14="http://schemas.microsoft.com/office/drawing/2010/main" xmlns="">
-                <a:effectLst>
-                  <a:outerShdw blurRad="63500" dist="38099" dir="2700000" algn="ctr" rotWithShape="0">
-                    <a:srgbClr val="000000">
-                      <a:alpha val="74998"/>
-                    </a:srgbClr>
-                  </a:outerShdw>
-                </a:effectLst>
-              </a14:hiddenEffects>
-            </a:ext>
-          </a:extLst>
-        </p:spPr>
-        <p:txBody>
-          <a:bodyPr wrap="none" anchor="ctr"/>
-          <a:lstStyle/>
-          <a:p>
-            <a:endParaRPr lang="fr-FR"/>
-          </a:p>
-        </p:txBody>
-      </p:sp>
-      <p:sp>
-        <p:nvSpPr>
-          <p:cNvPr id="4114" name="Text Box 18"/>
-          <p:cNvSpPr txBox="1">
-            <a:spLocks noChangeArrowheads="1"/>
-          </p:cNvSpPr>
-          <p:nvPr/>
-        </p:nvSpPr>
-        <p:spPr bwMode="auto">
-          <a:xfrm>
-            <a:off x="3522663" y="1554163"/>
-            <a:ext cx="819150" cy="204787"/>
-          </a:xfrm>
-          <a:prstGeom prst="rect">
-            <a:avLst/>
-          </a:prstGeom>
-          <a:noFill/>
-          <a:ln>
-            <a:noFill/>
-          </a:ln>
-          <a:effectLst/>
-          <a:extLst>
-            <a:ext uri="{909E8E84-426E-40dd-AFC4-6F175D3DCCD1}">
-              <a14:hiddenFill xmlns:a14="http://schemas.microsoft.com/office/drawing/2010/main" xmlns="">
-                <a:solidFill>
-                  <a:srgbClr val="FFFFFF"/>
-                </a:solidFill>
-              </a14:hiddenFill>
-            </a:ext>
-            <a:ext uri="{91240B29-F687-4f45-9708-019B960494DF}">
-              <a14:hiddenLine xmlns:a14="http://schemas.microsoft.com/office/drawing/2010/main" xmlns="" w="9525" cap="flat">
-                <a:solidFill>
-                  <a:srgbClr val="000000"/>
-                </a:solidFill>
-                <a:round/>
-                <a:headEnd/>
-                <a:tailEnd/>
-              </a14:hiddenLine>
-            </a:ext>
-            <a:ext uri="{AF507438-7753-43e0-B8FC-AC1667EBCBE1}">
-              <a14:hiddenEffects xmlns:a14="http://schemas.microsoft.com/office/drawing/2010/main" xmlns="">
-                <a:effectLst>
-                  <a:outerShdw blurRad="63500" dist="38099" dir="2700000" algn="ctr" rotWithShape="0">
-                    <a:srgbClr val="000000">
-                      <a:alpha val="74998"/>
-                    </a:srgbClr>
-                  </a:outerShdw>
-                </a:effectLst>
-              </a14:hiddenEffects>
-            </a:ext>
-          </a:extLst>
-        </p:spPr>
-        <p:txBody>
-          <a:bodyPr wrap="none" lIns="90000" tIns="52056" rIns="90000" bIns="45000"/>
-          <a:lstStyle>
-            <a:lvl1pPr>
-              <a:tabLst>
-                <a:tab pos="449263" algn="l"/>
-              </a:tabLst>
-              <a:defRPr>
-                <a:solidFill>
-                  <a:srgbClr val="000000"/>
-                </a:solidFill>
-                <a:latin typeface="Arial" charset="0"/>
-                <a:ea typeface="ＭＳ Ｐゴシック" charset="0"/>
-                <a:cs typeface="Microsoft YaHei" charset="0"/>
-              </a:defRPr>
-            </a:lvl1pPr>
-            <a:lvl2pPr>
-              <a:tabLst>
-                <a:tab pos="449263" algn="l"/>
-              </a:tabLst>
-              <a:defRPr>
-                <a:solidFill>
-                  <a:srgbClr val="000000"/>
-                </a:solidFill>
-                <a:latin typeface="Arial" charset="0"/>
-                <a:ea typeface="ＭＳ Ｐゴシック" charset="0"/>
-                <a:cs typeface="Microsoft YaHei" charset="0"/>
-              </a:defRPr>
-            </a:lvl2pPr>
-            <a:lvl3pPr>
-              <a:tabLst>
-                <a:tab pos="449263" algn="l"/>
-              </a:tabLst>
-              <a:defRPr>
-                <a:solidFill>
-                  <a:srgbClr val="000000"/>
-                </a:solidFill>
-                <a:latin typeface="Arial" charset="0"/>
-                <a:ea typeface="ＭＳ Ｐゴシック" charset="0"/>
-                <a:cs typeface="Microsoft YaHei" charset="0"/>
-              </a:defRPr>
-            </a:lvl3pPr>
-            <a:lvl4pPr>
-              <a:tabLst>
-                <a:tab pos="449263" algn="l"/>
-              </a:tabLst>
-              <a:defRPr>
-                <a:solidFill>
-                  <a:srgbClr val="000000"/>
-                </a:solidFill>
-                <a:latin typeface="Arial" charset="0"/>
-                <a:ea typeface="ＭＳ Ｐゴシック" charset="0"/>
-                <a:cs typeface="Microsoft YaHei" charset="0"/>
-              </a:defRPr>
-            </a:lvl4pPr>
-            <a:lvl5pPr>
-              <a:tabLst>
-                <a:tab pos="449263" algn="l"/>
-              </a:tabLst>
-              <a:defRPr>
-                <a:solidFill>
-                  <a:srgbClr val="000000"/>
-                </a:solidFill>
-                <a:latin typeface="Arial" charset="0"/>
-                <a:ea typeface="ＭＳ Ｐゴシック" charset="0"/>
-                <a:cs typeface="Microsoft YaHei" charset="0"/>
-              </a:defRPr>
-            </a:lvl5pPr>
-            <a:lvl6pPr marL="2514600" indent="-228600" defTabSz="449263" fontAlgn="base" hangingPunct="0">
-              <a:lnSpc>
-                <a:spcPct val="93000"/>
-              </a:lnSpc>
-              <a:spcBef>
-                <a:spcPct val="0"/>
-              </a:spcBef>
-              <a:spcAft>
-                <a:spcPct val="0"/>
-              </a:spcAft>
-              <a:buClr>
-                <a:srgbClr val="000000"/>
-              </a:buClr>
-              <a:buSzPct val="100000"/>
-              <a:buFont typeface="Times New Roman" charset="0"/>
-              <a:tabLst>
-                <a:tab pos="449263" algn="l"/>
-              </a:tabLst>
-              <a:defRPr>
-                <a:solidFill>
-                  <a:srgbClr val="000000"/>
-                </a:solidFill>
-                <a:latin typeface="Arial" charset="0"/>
-                <a:ea typeface="ＭＳ Ｐゴシック" charset="0"/>
-                <a:cs typeface="Microsoft YaHei" charset="0"/>
-              </a:defRPr>
-            </a:lvl6pPr>
-            <a:lvl7pPr marL="2971800" indent="-228600" defTabSz="449263" fontAlgn="base" hangingPunct="0">
-              <a:lnSpc>
-                <a:spcPct val="93000"/>
-              </a:lnSpc>
-              <a:spcBef>
-                <a:spcPct val="0"/>
-              </a:spcBef>
-              <a:spcAft>
-                <a:spcPct val="0"/>
-              </a:spcAft>
-              <a:buClr>
-                <a:srgbClr val="000000"/>
-              </a:buClr>
-              <a:buSzPct val="100000"/>
-              <a:buFont typeface="Times New Roman" charset="0"/>
-              <a:tabLst>
-                <a:tab pos="449263" algn="l"/>
-              </a:tabLst>
-              <a:defRPr>
-                <a:solidFill>
-                  <a:srgbClr val="000000"/>
-                </a:solidFill>
-                <a:latin typeface="Arial" charset="0"/>
-                <a:ea typeface="ＭＳ Ｐゴシック" charset="0"/>
-                <a:cs typeface="Microsoft YaHei" charset="0"/>
-              </a:defRPr>
-            </a:lvl7pPr>
-            <a:lvl8pPr marL="3429000" indent="-228600" defTabSz="449263" fontAlgn="base" hangingPunct="0">
-              <a:lnSpc>
-                <a:spcPct val="93000"/>
-              </a:lnSpc>
-              <a:spcBef>
-                <a:spcPct val="0"/>
-              </a:spcBef>
-              <a:spcAft>
-                <a:spcPct val="0"/>
-              </a:spcAft>
-              <a:buClr>
-                <a:srgbClr val="000000"/>
-              </a:buClr>
-              <a:buSzPct val="100000"/>
-              <a:buFont typeface="Times New Roman" charset="0"/>
-              <a:tabLst>
-                <a:tab pos="449263" algn="l"/>
-              </a:tabLst>
-              <a:defRPr>
-                <a:solidFill>
-                  <a:srgbClr val="000000"/>
-                </a:solidFill>
-                <a:latin typeface="Arial" charset="0"/>
-                <a:ea typeface="ＭＳ Ｐゴシック" charset="0"/>
-                <a:cs typeface="Microsoft YaHei" charset="0"/>
-              </a:defRPr>
-            </a:lvl8pPr>
-            <a:lvl9pPr marL="3886200" indent="-228600" defTabSz="449263" fontAlgn="base" hangingPunct="0">
-              <a:lnSpc>
-                <a:spcPct val="93000"/>
-              </a:lnSpc>
-              <a:spcBef>
-                <a:spcPct val="0"/>
-              </a:spcBef>
-              <a:spcAft>
-                <a:spcPct val="0"/>
-              </a:spcAft>
-              <a:buClr>
-                <a:srgbClr val="000000"/>
-              </a:buClr>
-              <a:buSzPct val="100000"/>
-              <a:buFont typeface="Times New Roman" charset="0"/>
-              <a:tabLst>
-                <a:tab pos="449263" algn="l"/>
-              </a:tabLst>
-              <a:defRPr>
-                <a:solidFill>
-                  <a:srgbClr val="000000"/>
-                </a:solidFill>
-                <a:latin typeface="Arial" charset="0"/>
-                <a:ea typeface="ＭＳ Ｐゴシック" charset="0"/>
-                <a:cs typeface="Microsoft YaHei" charset="0"/>
-              </a:defRPr>
-            </a:lvl9pPr>
-          </a:lstStyle>
-          <a:p>
-            <a:r>
-              <a:rPr lang="fr-FR" sz="800"/>
-              <a:t>2 bissas Astra</a:t>
-            </a:r>
           </a:p>
         </p:txBody>
       </p:sp>
@@ -25512,7 +25555,7 @@
           <a:effectLst/>
           <a:extLst>
             <a:ext uri="{AF507438-7753-43e0-B8FC-AC1667EBCBE1}">
-              <a14:hiddenEffects xmlns:a14="http://schemas.microsoft.com/office/drawing/2010/main" xmlns="">
+              <a14:hiddenEffects xmlns="" xmlns:a14="http://schemas.microsoft.com/office/drawing/2010/main">
                 <a:effectLst>
                   <a:outerShdw blurRad="63500" dist="38099" dir="2700000" algn="ctr" rotWithShape="0">
                     <a:srgbClr val="000000">
@@ -25564,7 +25607,7 @@
           <a:effectLst/>
           <a:extLst>
             <a:ext uri="{AF507438-7753-43e0-B8FC-AC1667EBCBE1}">
-              <a14:hiddenEffects xmlns:a14="http://schemas.microsoft.com/office/drawing/2010/main" xmlns="">
+              <a14:hiddenEffects xmlns="" xmlns:a14="http://schemas.microsoft.com/office/drawing/2010/main">
                 <a:effectLst>
                   <a:outerShdw blurRad="63500" dist="38099" dir="2700000" algn="ctr" rotWithShape="0">
                     <a:srgbClr val="000000">
@@ -25607,14 +25650,14 @@
           <a:effectLst/>
           <a:extLst>
             <a:ext uri="{909E8E84-426E-40dd-AFC4-6F175D3DCCD1}">
-              <a14:hiddenFill xmlns:a14="http://schemas.microsoft.com/office/drawing/2010/main" xmlns="">
+              <a14:hiddenFill xmlns="" xmlns:a14="http://schemas.microsoft.com/office/drawing/2010/main">
                 <a:solidFill>
                   <a:srgbClr val="FFFFFF"/>
                 </a:solidFill>
               </a14:hiddenFill>
             </a:ext>
             <a:ext uri="{91240B29-F687-4f45-9708-019B960494DF}">
-              <a14:hiddenLine xmlns:a14="http://schemas.microsoft.com/office/drawing/2010/main" xmlns="" w="9525" cap="flat">
+              <a14:hiddenLine xmlns="" xmlns:a14="http://schemas.microsoft.com/office/drawing/2010/main" w="9525" cap="flat">
                 <a:solidFill>
                   <a:srgbClr val="000000"/>
                 </a:solidFill>
@@ -25624,7 +25667,7 @@
               </a14:hiddenLine>
             </a:ext>
             <a:ext uri="{AF507438-7753-43e0-B8FC-AC1667EBCBE1}">
-              <a14:hiddenEffects xmlns:a14="http://schemas.microsoft.com/office/drawing/2010/main" xmlns="">
+              <a14:hiddenEffects xmlns="" xmlns:a14="http://schemas.microsoft.com/office/drawing/2010/main">
                 <a:effectLst>
                   <a:outerShdw blurRad="63500" dist="38099" dir="2700000" algn="ctr" rotWithShape="0">
                     <a:srgbClr val="000000">
@@ -25674,14 +25717,14 @@
           <a:effectLst/>
           <a:extLst>
             <a:ext uri="{909E8E84-426E-40dd-AFC4-6F175D3DCCD1}">
-              <a14:hiddenFill xmlns:a14="http://schemas.microsoft.com/office/drawing/2010/main" xmlns="">
+              <a14:hiddenFill xmlns="" xmlns:a14="http://schemas.microsoft.com/office/drawing/2010/main">
                 <a:solidFill>
                   <a:srgbClr val="FFFFFF"/>
                 </a:solidFill>
               </a14:hiddenFill>
             </a:ext>
             <a:ext uri="{91240B29-F687-4f45-9708-019B960494DF}">
-              <a14:hiddenLine xmlns:a14="http://schemas.microsoft.com/office/drawing/2010/main" xmlns="" w="9525" cap="flat">
+              <a14:hiddenLine xmlns="" xmlns:a14="http://schemas.microsoft.com/office/drawing/2010/main" w="9525" cap="flat">
                 <a:solidFill>
                   <a:srgbClr val="000000"/>
                 </a:solidFill>
@@ -25691,7 +25734,7 @@
               </a14:hiddenLine>
             </a:ext>
             <a:ext uri="{AF507438-7753-43e0-B8FC-AC1667EBCBE1}">
-              <a14:hiddenEffects xmlns:a14="http://schemas.microsoft.com/office/drawing/2010/main" xmlns="">
+              <a14:hiddenEffects xmlns="" xmlns:a14="http://schemas.microsoft.com/office/drawing/2010/main">
                 <a:effectLst>
                   <a:outerShdw blurRad="63500" dist="38099" dir="2700000" algn="ctr" rotWithShape="0">
                     <a:srgbClr val="000000">
@@ -25746,12 +25789,12 @@
           <a:effectLst/>
           <a:extLst>
             <a:ext uri="{909E8E84-426E-40dd-AFC4-6F175D3DCCD1}">
-              <a14:hiddenFill xmlns:a14="http://schemas.microsoft.com/office/drawing/2010/main" xmlns="">
+              <a14:hiddenFill xmlns="" xmlns:a14="http://schemas.microsoft.com/office/drawing/2010/main">
                 <a:noFill/>
               </a14:hiddenFill>
             </a:ext>
             <a:ext uri="{AF507438-7753-43e0-B8FC-AC1667EBCBE1}">
-              <a14:hiddenEffects xmlns:a14="http://schemas.microsoft.com/office/drawing/2010/main" xmlns="">
+              <a14:hiddenEffects xmlns="" xmlns:a14="http://schemas.microsoft.com/office/drawing/2010/main">
                 <a:effectLst>
                   <a:outerShdw blurRad="63500" dist="38099" dir="2700000" algn="ctr" rotWithShape="0">
                     <a:srgbClr val="000000">
@@ -25794,14 +25837,14 @@
           <a:effectLst/>
           <a:extLst>
             <a:ext uri="{909E8E84-426E-40dd-AFC4-6F175D3DCCD1}">
-              <a14:hiddenFill xmlns:a14="http://schemas.microsoft.com/office/drawing/2010/main" xmlns="">
+              <a14:hiddenFill xmlns="" xmlns:a14="http://schemas.microsoft.com/office/drawing/2010/main">
                 <a:solidFill>
                   <a:srgbClr val="FFFFFF"/>
                 </a:solidFill>
               </a14:hiddenFill>
             </a:ext>
             <a:ext uri="{91240B29-F687-4f45-9708-019B960494DF}">
-              <a14:hiddenLine xmlns:a14="http://schemas.microsoft.com/office/drawing/2010/main" xmlns="" w="9525" cap="flat">
+              <a14:hiddenLine xmlns="" xmlns:a14="http://schemas.microsoft.com/office/drawing/2010/main" w="9525" cap="flat">
                 <a:solidFill>
                   <a:srgbClr val="000000"/>
                 </a:solidFill>
@@ -25811,7 +25854,7 @@
               </a14:hiddenLine>
             </a:ext>
             <a:ext uri="{AF507438-7753-43e0-B8FC-AC1667EBCBE1}">
-              <a14:hiddenEffects xmlns:a14="http://schemas.microsoft.com/office/drawing/2010/main" xmlns="">
+              <a14:hiddenEffects xmlns="" xmlns:a14="http://schemas.microsoft.com/office/drawing/2010/main">
                 <a:effectLst>
                   <a:outerShdw blurRad="63500" dist="38099" dir="2700000" algn="ctr" rotWithShape="0">
                     <a:srgbClr val="000000">
@@ -25870,7 +25913,7 @@
           <a:effectLst/>
           <a:extLst>
             <a:ext uri="{AF507438-7753-43e0-B8FC-AC1667EBCBE1}">
-              <a14:hiddenEffects xmlns:a14="http://schemas.microsoft.com/office/drawing/2010/main" xmlns="">
+              <a14:hiddenEffects xmlns="" xmlns:a14="http://schemas.microsoft.com/office/drawing/2010/main">
                 <a:effectLst>
                   <a:outerShdw blurRad="63500" dist="38099" dir="2700000" algn="ctr" rotWithShape="0">
                     <a:srgbClr val="000000">
@@ -25900,7 +25943,7 @@
         </p:nvSpPr>
         <p:spPr bwMode="auto">
           <a:xfrm>
-            <a:off x="6362700" y="1998663"/>
+            <a:off x="6294437" y="2286148"/>
             <a:ext cx="1147763" cy="230187"/>
           </a:xfrm>
           <a:prstGeom prst="rect">
@@ -25913,14 +25956,14 @@
           <a:effectLst/>
           <a:extLst>
             <a:ext uri="{909E8E84-426E-40dd-AFC4-6F175D3DCCD1}">
-              <a14:hiddenFill xmlns:a14="http://schemas.microsoft.com/office/drawing/2010/main" xmlns="">
+              <a14:hiddenFill xmlns="" xmlns:a14="http://schemas.microsoft.com/office/drawing/2010/main">
                 <a:solidFill>
                   <a:srgbClr val="FFFFFF"/>
                 </a:solidFill>
               </a14:hiddenFill>
             </a:ext>
             <a:ext uri="{91240B29-F687-4f45-9708-019B960494DF}">
-              <a14:hiddenLine xmlns:a14="http://schemas.microsoft.com/office/drawing/2010/main" xmlns="" w="9525" cap="flat">
+              <a14:hiddenLine xmlns="" xmlns:a14="http://schemas.microsoft.com/office/drawing/2010/main" w="9525" cap="flat">
                 <a:solidFill>
                   <a:srgbClr val="000000"/>
                 </a:solidFill>
@@ -25930,7 +25973,7 @@
               </a14:hiddenLine>
             </a:ext>
             <a:ext uri="{AF507438-7753-43e0-B8FC-AC1667EBCBE1}">
-              <a14:hiddenEffects xmlns:a14="http://schemas.microsoft.com/office/drawing/2010/main" xmlns="">
+              <a14:hiddenEffects xmlns="" xmlns:a14="http://schemas.microsoft.com/office/drawing/2010/main">
                 <a:effectLst>
                   <a:outerShdw blurRad="63500" dist="38099" dir="2700000" algn="ctr" rotWithShape="0">
                     <a:srgbClr val="000000">
@@ -26130,8 +26173,8 @@
           </a:lstStyle>
           <a:p>
             <a:r>
-              <a:rPr lang="fr-FR" sz="1000"/>
-              <a:t>Salle De controle</a:t>
+              <a:rPr lang="fr-FR" sz="1000" dirty="0"/>
+              <a:t>Salle de contrôle</a:t>
             </a:r>
           </a:p>
         </p:txBody>
@@ -26146,7 +26189,7 @@
         </p:nvSpPr>
         <p:spPr bwMode="auto">
           <a:xfrm>
-            <a:off x="5832475" y="1944688"/>
+            <a:off x="6128544" y="581819"/>
             <a:ext cx="139700" cy="147637"/>
           </a:xfrm>
           <a:prstGeom prst="diamond">
@@ -26166,7 +26209,7 @@
           <a:effectLst/>
           <a:extLst>
             <a:ext uri="{AF507438-7753-43e0-B8FC-AC1667EBCBE1}">
-              <a14:hiddenEffects xmlns:a14="http://schemas.microsoft.com/office/drawing/2010/main" xmlns="">
+              <a14:hiddenEffects xmlns="" xmlns:a14="http://schemas.microsoft.com/office/drawing/2010/main">
                 <a:effectLst>
                   <a:outerShdw blurRad="63500" dist="38099" dir="2700000" algn="ctr" rotWithShape="0">
                     <a:srgbClr val="000000">
@@ -26214,12 +26257,12 @@
           <a:effectLst/>
           <a:extLst>
             <a:ext uri="{909E8E84-426E-40dd-AFC4-6F175D3DCCD1}">
-              <a14:hiddenFill xmlns:a14="http://schemas.microsoft.com/office/drawing/2010/main" xmlns="">
+              <a14:hiddenFill xmlns="" xmlns:a14="http://schemas.microsoft.com/office/drawing/2010/main">
                 <a:noFill/>
               </a14:hiddenFill>
             </a:ext>
             <a:ext uri="{AF507438-7753-43e0-B8FC-AC1667EBCBE1}">
-              <a14:hiddenEffects xmlns:a14="http://schemas.microsoft.com/office/drawing/2010/main" xmlns="">
+              <a14:hiddenEffects xmlns="" xmlns:a14="http://schemas.microsoft.com/office/drawing/2010/main">
                 <a:effectLst>
                   <a:outerShdw blurRad="63500" dist="38099" dir="2700000" algn="ctr" rotWithShape="0">
                     <a:srgbClr val="000000">
@@ -26271,7 +26314,7 @@
           <a:effectLst/>
           <a:extLst>
             <a:ext uri="{AF507438-7753-43e0-B8FC-AC1667EBCBE1}">
-              <a14:hiddenEffects xmlns:a14="http://schemas.microsoft.com/office/drawing/2010/main" xmlns="">
+              <a14:hiddenEffects xmlns="" xmlns:a14="http://schemas.microsoft.com/office/drawing/2010/main">
                 <a:effectLst>
                   <a:outerShdw blurRad="63500" dist="38099" dir="2700000" algn="ctr" rotWithShape="0">
                     <a:srgbClr val="000000">
@@ -26285,59 +26328,6 @@
         </p:spPr>
         <p:txBody>
           <a:bodyPr wrap="none" anchor="ctr"/>
-          <a:lstStyle/>
-          <a:p>
-            <a:endParaRPr lang="fr-FR"/>
-          </a:p>
-        </p:txBody>
-      </p:sp>
-      <p:sp>
-        <p:nvSpPr>
-          <p:cNvPr id="4126" name="Line 30"/>
-          <p:cNvSpPr>
-            <a:spLocks noChangeShapeType="1"/>
-          </p:cNvSpPr>
-          <p:nvPr/>
-        </p:nvSpPr>
-        <p:spPr bwMode="auto">
-          <a:xfrm flipV="1">
-            <a:off x="5545138" y="2522538"/>
-            <a:ext cx="423862" cy="68262"/>
-          </a:xfrm>
-          <a:prstGeom prst="line">
-            <a:avLst/>
-          </a:prstGeom>
-          <a:noFill/>
-          <a:ln w="9525" cap="flat">
-            <a:solidFill>
-              <a:srgbClr val="000000"/>
-            </a:solidFill>
-            <a:round/>
-            <a:headEnd/>
-            <a:tailEnd/>
-          </a:ln>
-          <a:effectLst/>
-          <a:extLst>
-            <a:ext uri="{909E8E84-426E-40dd-AFC4-6F175D3DCCD1}">
-              <a14:hiddenFill xmlns:a14="http://schemas.microsoft.com/office/drawing/2010/main" xmlns="">
-                <a:noFill/>
-              </a14:hiddenFill>
-            </a:ext>
-            <a:ext uri="{AF507438-7753-43e0-B8FC-AC1667EBCBE1}">
-              <a14:hiddenEffects xmlns:a14="http://schemas.microsoft.com/office/drawing/2010/main" xmlns="">
-                <a:effectLst>
-                  <a:outerShdw blurRad="63500" dist="38099" dir="2700000" algn="ctr" rotWithShape="0">
-                    <a:srgbClr val="000000">
-                      <a:alpha val="74998"/>
-                    </a:srgbClr>
-                  </a:outerShdw>
-                </a:effectLst>
-              </a14:hiddenEffects>
-            </a:ext>
-          </a:extLst>
-        </p:spPr>
-        <p:txBody>
-          <a:bodyPr/>
           <a:lstStyle/>
           <a:p>
             <a:endParaRPr lang="fr-FR"/>
@@ -26376,7 +26366,7 @@
           <a:effectLst/>
           <a:extLst>
             <a:ext uri="{AF507438-7753-43e0-B8FC-AC1667EBCBE1}">
-              <a14:hiddenEffects xmlns:a14="http://schemas.microsoft.com/office/drawing/2010/main" xmlns="">
+              <a14:hiddenEffects xmlns="" xmlns:a14="http://schemas.microsoft.com/office/drawing/2010/main">
                 <a:effectLst>
                   <a:outerShdw blurRad="63500" dist="38099" dir="2700000" algn="ctr" rotWithShape="0">
                     <a:srgbClr val="000000">
@@ -26393,252 +26383,6 @@
           <a:lstStyle/>
           <a:p>
             <a:endParaRPr lang="fr-FR"/>
-          </a:p>
-        </p:txBody>
-      </p:sp>
-      <p:sp>
-        <p:nvSpPr>
-          <p:cNvPr id="4128" name="Text Box 32"/>
-          <p:cNvSpPr txBox="1">
-            <a:spLocks noChangeArrowheads="1"/>
-          </p:cNvSpPr>
-          <p:nvPr/>
-        </p:nvSpPr>
-        <p:spPr bwMode="auto">
-          <a:xfrm>
-            <a:off x="4597400" y="2505075"/>
-            <a:ext cx="1041400" cy="230188"/>
-          </a:xfrm>
-          <a:prstGeom prst="rect">
-            <a:avLst/>
-          </a:prstGeom>
-          <a:noFill/>
-          <a:ln>
-            <a:noFill/>
-          </a:ln>
-          <a:effectLst/>
-          <a:extLst>
-            <a:ext uri="{909E8E84-426E-40dd-AFC4-6F175D3DCCD1}">
-              <a14:hiddenFill xmlns:a14="http://schemas.microsoft.com/office/drawing/2010/main" xmlns="">
-                <a:solidFill>
-                  <a:srgbClr val="FFFFFF"/>
-                </a:solidFill>
-              </a14:hiddenFill>
-            </a:ext>
-            <a:ext uri="{91240B29-F687-4f45-9708-019B960494DF}">
-              <a14:hiddenLine xmlns:a14="http://schemas.microsoft.com/office/drawing/2010/main" xmlns="" w="9525" cap="flat">
-                <a:solidFill>
-                  <a:srgbClr val="000000"/>
-                </a:solidFill>
-                <a:round/>
-                <a:headEnd/>
-                <a:tailEnd/>
-              </a14:hiddenLine>
-            </a:ext>
-            <a:ext uri="{AF507438-7753-43e0-B8FC-AC1667EBCBE1}">
-              <a14:hiddenEffects xmlns:a14="http://schemas.microsoft.com/office/drawing/2010/main" xmlns="">
-                <a:effectLst>
-                  <a:outerShdw blurRad="63500" dist="38099" dir="2700000" algn="ctr" rotWithShape="0">
-                    <a:srgbClr val="000000">
-                      <a:alpha val="74998"/>
-                    </a:srgbClr>
-                  </a:outerShdw>
-                </a:effectLst>
-              </a14:hiddenEffects>
-            </a:ext>
-          </a:extLst>
-        </p:spPr>
-        <p:txBody>
-          <a:bodyPr wrap="none" lIns="90000" tIns="53820" rIns="90000" bIns="45000"/>
-          <a:lstStyle>
-            <a:lvl1pPr>
-              <a:tabLst>
-                <a:tab pos="449263" algn="l"/>
-                <a:tab pos="898525" algn="l"/>
-              </a:tabLst>
-              <a:defRPr>
-                <a:solidFill>
-                  <a:srgbClr val="000000"/>
-                </a:solidFill>
-                <a:latin typeface="Arial" charset="0"/>
-                <a:ea typeface="ＭＳ Ｐゴシック" charset="0"/>
-                <a:cs typeface="Microsoft YaHei" charset="0"/>
-              </a:defRPr>
-            </a:lvl1pPr>
-            <a:lvl2pPr>
-              <a:tabLst>
-                <a:tab pos="449263" algn="l"/>
-                <a:tab pos="898525" algn="l"/>
-              </a:tabLst>
-              <a:defRPr>
-                <a:solidFill>
-                  <a:srgbClr val="000000"/>
-                </a:solidFill>
-                <a:latin typeface="Arial" charset="0"/>
-                <a:ea typeface="ＭＳ Ｐゴシック" charset="0"/>
-                <a:cs typeface="Microsoft YaHei" charset="0"/>
-              </a:defRPr>
-            </a:lvl2pPr>
-            <a:lvl3pPr>
-              <a:tabLst>
-                <a:tab pos="449263" algn="l"/>
-                <a:tab pos="898525" algn="l"/>
-              </a:tabLst>
-              <a:defRPr>
-                <a:solidFill>
-                  <a:srgbClr val="000000"/>
-                </a:solidFill>
-                <a:latin typeface="Arial" charset="0"/>
-                <a:ea typeface="ＭＳ Ｐゴシック" charset="0"/>
-                <a:cs typeface="Microsoft YaHei" charset="0"/>
-              </a:defRPr>
-            </a:lvl3pPr>
-            <a:lvl4pPr>
-              <a:tabLst>
-                <a:tab pos="449263" algn="l"/>
-                <a:tab pos="898525" algn="l"/>
-              </a:tabLst>
-              <a:defRPr>
-                <a:solidFill>
-                  <a:srgbClr val="000000"/>
-                </a:solidFill>
-                <a:latin typeface="Arial" charset="0"/>
-                <a:ea typeface="ＭＳ Ｐゴシック" charset="0"/>
-                <a:cs typeface="Microsoft YaHei" charset="0"/>
-              </a:defRPr>
-            </a:lvl4pPr>
-            <a:lvl5pPr>
-              <a:tabLst>
-                <a:tab pos="449263" algn="l"/>
-                <a:tab pos="898525" algn="l"/>
-              </a:tabLst>
-              <a:defRPr>
-                <a:solidFill>
-                  <a:srgbClr val="000000"/>
-                </a:solidFill>
-                <a:latin typeface="Arial" charset="0"/>
-                <a:ea typeface="ＭＳ Ｐゴシック" charset="0"/>
-                <a:cs typeface="Microsoft YaHei" charset="0"/>
-              </a:defRPr>
-            </a:lvl5pPr>
-            <a:lvl6pPr marL="2514600" indent="-228600" defTabSz="449263" fontAlgn="base" hangingPunct="0">
-              <a:lnSpc>
-                <a:spcPct val="93000"/>
-              </a:lnSpc>
-              <a:spcBef>
-                <a:spcPct val="0"/>
-              </a:spcBef>
-              <a:spcAft>
-                <a:spcPct val="0"/>
-              </a:spcAft>
-              <a:buClr>
-                <a:srgbClr val="000000"/>
-              </a:buClr>
-              <a:buSzPct val="100000"/>
-              <a:buFont typeface="Times New Roman" charset="0"/>
-              <a:tabLst>
-                <a:tab pos="449263" algn="l"/>
-                <a:tab pos="898525" algn="l"/>
-              </a:tabLst>
-              <a:defRPr>
-                <a:solidFill>
-                  <a:srgbClr val="000000"/>
-                </a:solidFill>
-                <a:latin typeface="Arial" charset="0"/>
-                <a:ea typeface="ＭＳ Ｐゴシック" charset="0"/>
-                <a:cs typeface="Microsoft YaHei" charset="0"/>
-              </a:defRPr>
-            </a:lvl6pPr>
-            <a:lvl7pPr marL="2971800" indent="-228600" defTabSz="449263" fontAlgn="base" hangingPunct="0">
-              <a:lnSpc>
-                <a:spcPct val="93000"/>
-              </a:lnSpc>
-              <a:spcBef>
-                <a:spcPct val="0"/>
-              </a:spcBef>
-              <a:spcAft>
-                <a:spcPct val="0"/>
-              </a:spcAft>
-              <a:buClr>
-                <a:srgbClr val="000000"/>
-              </a:buClr>
-              <a:buSzPct val="100000"/>
-              <a:buFont typeface="Times New Roman" charset="0"/>
-              <a:tabLst>
-                <a:tab pos="449263" algn="l"/>
-                <a:tab pos="898525" algn="l"/>
-              </a:tabLst>
-              <a:defRPr>
-                <a:solidFill>
-                  <a:srgbClr val="000000"/>
-                </a:solidFill>
-                <a:latin typeface="Arial" charset="0"/>
-                <a:ea typeface="ＭＳ Ｐゴシック" charset="0"/>
-                <a:cs typeface="Microsoft YaHei" charset="0"/>
-              </a:defRPr>
-            </a:lvl7pPr>
-            <a:lvl8pPr marL="3429000" indent="-228600" defTabSz="449263" fontAlgn="base" hangingPunct="0">
-              <a:lnSpc>
-                <a:spcPct val="93000"/>
-              </a:lnSpc>
-              <a:spcBef>
-                <a:spcPct val="0"/>
-              </a:spcBef>
-              <a:spcAft>
-                <a:spcPct val="0"/>
-              </a:spcAft>
-              <a:buClr>
-                <a:srgbClr val="000000"/>
-              </a:buClr>
-              <a:buSzPct val="100000"/>
-              <a:buFont typeface="Times New Roman" charset="0"/>
-              <a:tabLst>
-                <a:tab pos="449263" algn="l"/>
-                <a:tab pos="898525" algn="l"/>
-              </a:tabLst>
-              <a:defRPr>
-                <a:solidFill>
-                  <a:srgbClr val="000000"/>
-                </a:solidFill>
-                <a:latin typeface="Arial" charset="0"/>
-                <a:ea typeface="ＭＳ Ｐゴシック" charset="0"/>
-                <a:cs typeface="Microsoft YaHei" charset="0"/>
-              </a:defRPr>
-            </a:lvl8pPr>
-            <a:lvl9pPr marL="3886200" indent="-228600" defTabSz="449263" fontAlgn="base" hangingPunct="0">
-              <a:lnSpc>
-                <a:spcPct val="93000"/>
-              </a:lnSpc>
-              <a:spcBef>
-                <a:spcPct val="0"/>
-              </a:spcBef>
-              <a:spcAft>
-                <a:spcPct val="0"/>
-              </a:spcAft>
-              <a:buClr>
-                <a:srgbClr val="000000"/>
-              </a:buClr>
-              <a:buSzPct val="100000"/>
-              <a:buFont typeface="Times New Roman" charset="0"/>
-              <a:tabLst>
-                <a:tab pos="449263" algn="l"/>
-                <a:tab pos="898525" algn="l"/>
-              </a:tabLst>
-              <a:defRPr>
-                <a:solidFill>
-                  <a:srgbClr val="000000"/>
-                </a:solidFill>
-                <a:latin typeface="Arial" charset="0"/>
-                <a:ea typeface="ＭＳ Ｐゴシック" charset="0"/>
-                <a:cs typeface="Microsoft YaHei" charset="0"/>
-              </a:defRPr>
-            </a:lvl9pPr>
-          </a:lstStyle>
-          <a:p>
-            <a:r>
-              <a:rPr lang="fr-FR" sz="1000"/>
-              <a:t>ADministration </a:t>
-            </a:r>
           </a:p>
         </p:txBody>
       </p:sp>
@@ -26652,8 +26396,8 @@
         </p:nvSpPr>
         <p:spPr bwMode="auto">
           <a:xfrm>
-            <a:off x="6026150" y="2168525"/>
-            <a:ext cx="398463" cy="1588"/>
+            <a:off x="5895975" y="2219535"/>
+            <a:ext cx="435879" cy="209339"/>
           </a:xfrm>
           <a:prstGeom prst="line">
             <a:avLst/>
@@ -26670,12 +26414,12 @@
           <a:effectLst/>
           <a:extLst>
             <a:ext uri="{909E8E84-426E-40dd-AFC4-6F175D3DCCD1}">
-              <a14:hiddenFill xmlns:a14="http://schemas.microsoft.com/office/drawing/2010/main" xmlns="">
+              <a14:hiddenFill xmlns="" xmlns:a14="http://schemas.microsoft.com/office/drawing/2010/main">
                 <a:noFill/>
               </a14:hiddenFill>
             </a:ext>
             <a:ext uri="{AF507438-7753-43e0-B8FC-AC1667EBCBE1}">
-              <a14:hiddenEffects xmlns:a14="http://schemas.microsoft.com/office/drawing/2010/main" xmlns="">
+              <a14:hiddenEffects xmlns="" xmlns:a14="http://schemas.microsoft.com/office/drawing/2010/main">
                 <a:effectLst>
                   <a:outerShdw blurRad="63500" dist="38099" dir="2700000" algn="ctr" rotWithShape="0">
                     <a:srgbClr val="000000">
@@ -26725,7 +26469,7 @@
           <a:effectLst/>
           <a:extLst>
             <a:ext uri="{AF507438-7753-43e0-B8FC-AC1667EBCBE1}">
-              <a14:hiddenEffects xmlns:a14="http://schemas.microsoft.com/office/drawing/2010/main" xmlns="">
+              <a14:hiddenEffects xmlns="" xmlns:a14="http://schemas.microsoft.com/office/drawing/2010/main">
                 <a:effectLst>
                   <a:outerShdw blurRad="63500" dist="38099" dir="2700000" algn="ctr" rotWithShape="0">
                     <a:srgbClr val="000000">
@@ -26775,57 +26519,7 @@
           <a:effectLst/>
           <a:extLst>
             <a:ext uri="{AF507438-7753-43e0-B8FC-AC1667EBCBE1}">
-              <a14:hiddenEffects xmlns:a14="http://schemas.microsoft.com/office/drawing/2010/main" xmlns="">
-                <a:effectLst>
-                  <a:outerShdw blurRad="63500" dist="38099" dir="2700000" algn="ctr" rotWithShape="0">
-                    <a:srgbClr val="000000">
-                      <a:alpha val="74998"/>
-                    </a:srgbClr>
-                  </a:outerShdw>
-                </a:effectLst>
-              </a14:hiddenEffects>
-            </a:ext>
-          </a:extLst>
-        </p:spPr>
-        <p:txBody>
-          <a:bodyPr wrap="none" anchor="ctr"/>
-          <a:lstStyle/>
-          <a:p>
-            <a:endParaRPr lang="fr-FR"/>
-          </a:p>
-        </p:txBody>
-      </p:sp>
-      <p:sp>
-        <p:nvSpPr>
-          <p:cNvPr id="4132" name="AutoShape 36"/>
-          <p:cNvSpPr>
-            <a:spLocks noChangeArrowheads="1"/>
-          </p:cNvSpPr>
-          <p:nvPr/>
-        </p:nvSpPr>
-        <p:spPr bwMode="auto">
-          <a:xfrm>
-            <a:off x="5332413" y="1355725"/>
-            <a:ext cx="139700" cy="147638"/>
-          </a:xfrm>
-          <a:prstGeom prst="diamond">
-            <a:avLst/>
-          </a:prstGeom>
-          <a:solidFill>
-            <a:srgbClr val="FFFFFF"/>
-          </a:solidFill>
-          <a:ln w="18000" cap="flat">
-            <a:solidFill>
-              <a:srgbClr val="B2B2B2"/>
-            </a:solidFill>
-            <a:round/>
-            <a:headEnd/>
-            <a:tailEnd/>
-          </a:ln>
-          <a:effectLst/>
-          <a:extLst>
-            <a:ext uri="{AF507438-7753-43e0-B8FC-AC1667EBCBE1}">
-              <a14:hiddenEffects xmlns:a14="http://schemas.microsoft.com/office/drawing/2010/main" xmlns="">
+              <a14:hiddenEffects xmlns="" xmlns:a14="http://schemas.microsoft.com/office/drawing/2010/main">
                 <a:effectLst>
                   <a:outerShdw blurRad="63500" dist="38099" dir="2700000" algn="ctr" rotWithShape="0">
                     <a:srgbClr val="000000">
@@ -26868,14 +26562,14 @@
           <a:effectLst/>
           <a:extLst>
             <a:ext uri="{909E8E84-426E-40dd-AFC4-6F175D3DCCD1}">
-              <a14:hiddenFill xmlns:a14="http://schemas.microsoft.com/office/drawing/2010/main" xmlns="">
+              <a14:hiddenFill xmlns="" xmlns:a14="http://schemas.microsoft.com/office/drawing/2010/main">
                 <a:solidFill>
                   <a:srgbClr val="FFFFFF"/>
                 </a:solidFill>
               </a14:hiddenFill>
             </a:ext>
             <a:ext uri="{91240B29-F687-4f45-9708-019B960494DF}">
-              <a14:hiddenLine xmlns:a14="http://schemas.microsoft.com/office/drawing/2010/main" xmlns="" w="9525" cap="flat">
+              <a14:hiddenLine xmlns="" xmlns:a14="http://schemas.microsoft.com/office/drawing/2010/main" w="9525" cap="flat">
                 <a:solidFill>
                   <a:srgbClr val="000000"/>
                 </a:solidFill>
@@ -26885,7 +26579,7 @@
               </a14:hiddenLine>
             </a:ext>
             <a:ext uri="{AF507438-7753-43e0-B8FC-AC1667EBCBE1}">
-              <a14:hiddenEffects xmlns:a14="http://schemas.microsoft.com/office/drawing/2010/main" xmlns="">
+              <a14:hiddenEffects xmlns="" xmlns:a14="http://schemas.microsoft.com/office/drawing/2010/main">
                 <a:effectLst>
                   <a:outerShdw blurRad="63500" dist="38099" dir="2700000" algn="ctr" rotWithShape="0">
                     <a:srgbClr val="000000">
@@ -26935,14 +26629,14 @@
           <a:effectLst/>
           <a:extLst>
             <a:ext uri="{909E8E84-426E-40dd-AFC4-6F175D3DCCD1}">
-              <a14:hiddenFill xmlns:a14="http://schemas.microsoft.com/office/drawing/2010/main" xmlns="">
+              <a14:hiddenFill xmlns="" xmlns:a14="http://schemas.microsoft.com/office/drawing/2010/main">
                 <a:solidFill>
                   <a:srgbClr val="FFFFFF"/>
                 </a:solidFill>
               </a14:hiddenFill>
             </a:ext>
             <a:ext uri="{91240B29-F687-4f45-9708-019B960494DF}">
-              <a14:hiddenLine xmlns:a14="http://schemas.microsoft.com/office/drawing/2010/main" xmlns="" w="9525" cap="flat">
+              <a14:hiddenLine xmlns="" xmlns:a14="http://schemas.microsoft.com/office/drawing/2010/main" w="9525" cap="flat">
                 <a:solidFill>
                   <a:srgbClr val="000000"/>
                 </a:solidFill>
@@ -26952,7 +26646,7 @@
               </a14:hiddenLine>
             </a:ext>
             <a:ext uri="{AF507438-7753-43e0-B8FC-AC1667EBCBE1}">
-              <a14:hiddenEffects xmlns:a14="http://schemas.microsoft.com/office/drawing/2010/main" xmlns="">
+              <a14:hiddenEffects xmlns="" xmlns:a14="http://schemas.microsoft.com/office/drawing/2010/main">
                 <a:effectLst>
                   <a:outerShdw blurRad="63500" dist="38099" dir="2700000" algn="ctr" rotWithShape="0">
                     <a:srgbClr val="000000">
@@ -26976,56 +26670,6 @@
               </a:rPr>
               <a:t>DM</a:t>
             </a:r>
-          </a:p>
-        </p:txBody>
-      </p:sp>
-      <p:sp>
-        <p:nvSpPr>
-          <p:cNvPr id="4135" name="AutoShape 39"/>
-          <p:cNvSpPr>
-            <a:spLocks noChangeArrowheads="1"/>
-          </p:cNvSpPr>
-          <p:nvPr/>
-        </p:nvSpPr>
-        <p:spPr bwMode="auto">
-          <a:xfrm>
-            <a:off x="5980113" y="2400300"/>
-            <a:ext cx="139700" cy="147638"/>
-          </a:xfrm>
-          <a:prstGeom prst="diamond">
-            <a:avLst/>
-          </a:prstGeom>
-          <a:solidFill>
-            <a:srgbClr val="FFFFFF"/>
-          </a:solidFill>
-          <a:ln w="18000" cap="flat">
-            <a:solidFill>
-              <a:srgbClr val="B2B2B2"/>
-            </a:solidFill>
-            <a:round/>
-            <a:headEnd/>
-            <a:tailEnd/>
-          </a:ln>
-          <a:effectLst/>
-          <a:extLst>
-            <a:ext uri="{AF507438-7753-43e0-B8FC-AC1667EBCBE1}">
-              <a14:hiddenEffects xmlns:a14="http://schemas.microsoft.com/office/drawing/2010/main" xmlns="">
-                <a:effectLst>
-                  <a:outerShdw blurRad="63500" dist="38099" dir="2700000" algn="ctr" rotWithShape="0">
-                    <a:srgbClr val="000000">
-                      <a:alpha val="74998"/>
-                    </a:srgbClr>
-                  </a:outerShdw>
-                </a:effectLst>
-              </a14:hiddenEffects>
-            </a:ext>
-          </a:extLst>
-        </p:spPr>
-        <p:txBody>
-          <a:bodyPr wrap="none" anchor="ctr"/>
-          <a:lstStyle/>
-          <a:p>
-            <a:endParaRPr lang="fr-FR"/>
           </a:p>
         </p:txBody>
       </p:sp>
@@ -27052,14 +26696,14 @@
           <a:effectLst/>
           <a:extLst>
             <a:ext uri="{909E8E84-426E-40dd-AFC4-6F175D3DCCD1}">
-              <a14:hiddenFill xmlns:a14="http://schemas.microsoft.com/office/drawing/2010/main" xmlns="">
+              <a14:hiddenFill xmlns="" xmlns:a14="http://schemas.microsoft.com/office/drawing/2010/main">
                 <a:solidFill>
                   <a:srgbClr val="FFFFFF"/>
                 </a:solidFill>
               </a14:hiddenFill>
             </a:ext>
             <a:ext uri="{91240B29-F687-4f45-9708-019B960494DF}">
-              <a14:hiddenLine xmlns:a14="http://schemas.microsoft.com/office/drawing/2010/main" xmlns="" w="9525" cap="flat">
+              <a14:hiddenLine xmlns="" xmlns:a14="http://schemas.microsoft.com/office/drawing/2010/main" w="9525" cap="flat">
                 <a:solidFill>
                   <a:srgbClr val="000000"/>
                 </a:solidFill>
@@ -27069,7 +26713,7 @@
               </a14:hiddenLine>
             </a:ext>
             <a:ext uri="{AF507438-7753-43e0-B8FC-AC1667EBCBE1}">
-              <a14:hiddenEffects xmlns:a14="http://schemas.microsoft.com/office/drawing/2010/main" xmlns="">
+              <a14:hiddenEffects xmlns="" xmlns:a14="http://schemas.microsoft.com/office/drawing/2010/main">
                 <a:effectLst>
                   <a:outerShdw blurRad="63500" dist="38099" dir="2700000" algn="ctr" rotWithShape="0">
                     <a:srgbClr val="000000">
@@ -27119,14 +26763,14 @@
           <a:effectLst/>
           <a:extLst>
             <a:ext uri="{909E8E84-426E-40dd-AFC4-6F175D3DCCD1}">
-              <a14:hiddenFill xmlns:a14="http://schemas.microsoft.com/office/drawing/2010/main" xmlns="">
+              <a14:hiddenFill xmlns="" xmlns:a14="http://schemas.microsoft.com/office/drawing/2010/main">
                 <a:solidFill>
                   <a:srgbClr val="FFFFFF"/>
                 </a:solidFill>
               </a14:hiddenFill>
             </a:ext>
             <a:ext uri="{91240B29-F687-4f45-9708-019B960494DF}">
-              <a14:hiddenLine xmlns:a14="http://schemas.microsoft.com/office/drawing/2010/main" xmlns="" w="9525" cap="flat">
+              <a14:hiddenLine xmlns="" xmlns:a14="http://schemas.microsoft.com/office/drawing/2010/main" w="9525" cap="flat">
                 <a:solidFill>
                   <a:srgbClr val="000000"/>
                 </a:solidFill>
@@ -27136,7 +26780,7 @@
               </a14:hiddenLine>
             </a:ext>
             <a:ext uri="{AF507438-7753-43e0-B8FC-AC1667EBCBE1}">
-              <a14:hiddenEffects xmlns:a14="http://schemas.microsoft.com/office/drawing/2010/main" xmlns="">
+              <a14:hiddenEffects xmlns="" xmlns:a14="http://schemas.microsoft.com/office/drawing/2010/main">
                 <a:effectLst>
                   <a:outerShdw blurRad="63500" dist="38099" dir="2700000" algn="ctr" rotWithShape="0">
                     <a:srgbClr val="000000">
@@ -27186,14 +26830,14 @@
           <a:effectLst/>
           <a:extLst>
             <a:ext uri="{909E8E84-426E-40dd-AFC4-6F175D3DCCD1}">
-              <a14:hiddenFill xmlns:a14="http://schemas.microsoft.com/office/drawing/2010/main" xmlns="">
+              <a14:hiddenFill xmlns="" xmlns:a14="http://schemas.microsoft.com/office/drawing/2010/main">
                 <a:solidFill>
                   <a:srgbClr val="FFFFFF"/>
                 </a:solidFill>
               </a14:hiddenFill>
             </a:ext>
             <a:ext uri="{91240B29-F687-4f45-9708-019B960494DF}">
-              <a14:hiddenLine xmlns:a14="http://schemas.microsoft.com/office/drawing/2010/main" xmlns="" w="9525" cap="flat">
+              <a14:hiddenLine xmlns="" xmlns:a14="http://schemas.microsoft.com/office/drawing/2010/main" w="9525" cap="flat">
                 <a:solidFill>
                   <a:srgbClr val="000000"/>
                 </a:solidFill>
@@ -27203,7 +26847,7 @@
               </a14:hiddenLine>
             </a:ext>
             <a:ext uri="{AF507438-7753-43e0-B8FC-AC1667EBCBE1}">
-              <a14:hiddenEffects xmlns:a14="http://schemas.microsoft.com/office/drawing/2010/main" xmlns="">
+              <a14:hiddenEffects xmlns="" xmlns:a14="http://schemas.microsoft.com/office/drawing/2010/main">
                 <a:effectLst>
                   <a:outerShdw blurRad="63500" dist="38099" dir="2700000" algn="ctr" rotWithShape="0">
                     <a:srgbClr val="000000">
@@ -27226,73 +26870,6 @@
                 </a:solidFill>
               </a:rPr>
               <a:t>Na</a:t>
-            </a:r>
-          </a:p>
-        </p:txBody>
-      </p:sp>
-      <p:sp>
-        <p:nvSpPr>
-          <p:cNvPr id="4139" name="Text Box 43"/>
-          <p:cNvSpPr txBox="1">
-            <a:spLocks noChangeArrowheads="1"/>
-          </p:cNvSpPr>
-          <p:nvPr/>
-        </p:nvSpPr>
-        <p:spPr bwMode="auto">
-          <a:xfrm>
-            <a:off x="6051550" y="2368550"/>
-            <a:ext cx="309563" cy="204788"/>
-          </a:xfrm>
-          <a:prstGeom prst="rect">
-            <a:avLst/>
-          </a:prstGeom>
-          <a:noFill/>
-          <a:ln>
-            <a:noFill/>
-          </a:ln>
-          <a:effectLst/>
-          <a:extLst>
-            <a:ext uri="{909E8E84-426E-40dd-AFC4-6F175D3DCCD1}">
-              <a14:hiddenFill xmlns:a14="http://schemas.microsoft.com/office/drawing/2010/main" xmlns="">
-                <a:solidFill>
-                  <a:srgbClr val="FFFFFF"/>
-                </a:solidFill>
-              </a14:hiddenFill>
-            </a:ext>
-            <a:ext uri="{91240B29-F687-4f45-9708-019B960494DF}">
-              <a14:hiddenLine xmlns:a14="http://schemas.microsoft.com/office/drawing/2010/main" xmlns="" w="9525" cap="flat">
-                <a:solidFill>
-                  <a:srgbClr val="000000"/>
-                </a:solidFill>
-                <a:round/>
-                <a:headEnd/>
-                <a:tailEnd/>
-              </a14:hiddenLine>
-            </a:ext>
-            <a:ext uri="{AF507438-7753-43e0-B8FC-AC1667EBCBE1}">
-              <a14:hiddenEffects xmlns:a14="http://schemas.microsoft.com/office/drawing/2010/main" xmlns="">
-                <a:effectLst>
-                  <a:outerShdw blurRad="63500" dist="38099" dir="2700000" algn="ctr" rotWithShape="0">
-                    <a:srgbClr val="000000">
-                      <a:alpha val="74998"/>
-                    </a:srgbClr>
-                  </a:outerShdw>
-                </a:effectLst>
-              </a14:hiddenEffects>
-            </a:ext>
-          </a:extLst>
-        </p:spPr>
-        <p:txBody>
-          <a:bodyPr wrap="none" lIns="90000" tIns="52056" rIns="90000" bIns="45000"/>
-          <a:lstStyle/>
-          <a:p>
-            <a:r>
-              <a:rPr lang="fr-FR" sz="800">
-                <a:solidFill>
-                  <a:srgbClr val="000000"/>
-                </a:solidFill>
-              </a:rPr>
-              <a:t>Rb</a:t>
             </a:r>
           </a:p>
         </p:txBody>
@@ -27320,14 +26897,14 @@
           <a:effectLst/>
           <a:extLst>
             <a:ext uri="{909E8E84-426E-40dd-AFC4-6F175D3DCCD1}">
-              <a14:hiddenFill xmlns:a14="http://schemas.microsoft.com/office/drawing/2010/main" xmlns="">
+              <a14:hiddenFill xmlns="" xmlns:a14="http://schemas.microsoft.com/office/drawing/2010/main">
                 <a:solidFill>
                   <a:srgbClr val="FFFFFF"/>
                 </a:solidFill>
               </a14:hiddenFill>
             </a:ext>
             <a:ext uri="{91240B29-F687-4f45-9708-019B960494DF}">
-              <a14:hiddenLine xmlns:a14="http://schemas.microsoft.com/office/drawing/2010/main" xmlns="" w="9525" cap="flat">
+              <a14:hiddenLine xmlns="" xmlns:a14="http://schemas.microsoft.com/office/drawing/2010/main" w="9525" cap="flat">
                 <a:solidFill>
                   <a:srgbClr val="000000"/>
                 </a:solidFill>
@@ -27337,7 +26914,7 @@
               </a14:hiddenLine>
             </a:ext>
             <a:ext uri="{AF507438-7753-43e0-B8FC-AC1667EBCBE1}">
-              <a14:hiddenEffects xmlns:a14="http://schemas.microsoft.com/office/drawing/2010/main" xmlns="">
+              <a14:hiddenEffects xmlns="" xmlns:a14="http://schemas.microsoft.com/office/drawing/2010/main">
                 <a:effectLst>
                   <a:outerShdw blurRad="63500" dist="38099" dir="2700000" algn="ctr" rotWithShape="0">
                     <a:srgbClr val="000000">
@@ -27387,14 +26964,14 @@
           <a:effectLst/>
           <a:extLst>
             <a:ext uri="{909E8E84-426E-40dd-AFC4-6F175D3DCCD1}">
-              <a14:hiddenFill xmlns:a14="http://schemas.microsoft.com/office/drawing/2010/main" xmlns="">
+              <a14:hiddenFill xmlns="" xmlns:a14="http://schemas.microsoft.com/office/drawing/2010/main">
                 <a:solidFill>
                   <a:srgbClr val="FFFFFF"/>
                 </a:solidFill>
               </a14:hiddenFill>
             </a:ext>
             <a:ext uri="{91240B29-F687-4f45-9708-019B960494DF}">
-              <a14:hiddenLine xmlns:a14="http://schemas.microsoft.com/office/drawing/2010/main" xmlns="" w="9525" cap="flat">
+              <a14:hiddenLine xmlns="" xmlns:a14="http://schemas.microsoft.com/office/drawing/2010/main" w="9525" cap="flat">
                 <a:solidFill>
                   <a:srgbClr val="000000"/>
                 </a:solidFill>
@@ -27404,7 +26981,7 @@
               </a14:hiddenLine>
             </a:ext>
             <a:ext uri="{AF507438-7753-43e0-B8FC-AC1667EBCBE1}">
-              <a14:hiddenEffects xmlns:a14="http://schemas.microsoft.com/office/drawing/2010/main" xmlns="">
+              <a14:hiddenEffects xmlns="" xmlns:a14="http://schemas.microsoft.com/office/drawing/2010/main">
                 <a:effectLst>
                   <a:outerShdw blurRad="63500" dist="38099" dir="2700000" algn="ctr" rotWithShape="0">
                     <a:srgbClr val="000000">
@@ -27454,14 +27031,14 @@
           <a:effectLst/>
           <a:extLst>
             <a:ext uri="{909E8E84-426E-40dd-AFC4-6F175D3DCCD1}">
-              <a14:hiddenFill xmlns:a14="http://schemas.microsoft.com/office/drawing/2010/main" xmlns="">
+              <a14:hiddenFill xmlns="" xmlns:a14="http://schemas.microsoft.com/office/drawing/2010/main">
                 <a:solidFill>
                   <a:srgbClr val="FFFFFF"/>
                 </a:solidFill>
               </a14:hiddenFill>
             </a:ext>
             <a:ext uri="{91240B29-F687-4f45-9708-019B960494DF}">
-              <a14:hiddenLine xmlns:a14="http://schemas.microsoft.com/office/drawing/2010/main" xmlns="" w="9525" cap="flat">
+              <a14:hiddenLine xmlns="" xmlns:a14="http://schemas.microsoft.com/office/drawing/2010/main" w="9525" cap="flat">
                 <a:solidFill>
                   <a:srgbClr val="000000"/>
                 </a:solidFill>
@@ -27471,7 +27048,7 @@
               </a14:hiddenLine>
             </a:ext>
             <a:ext uri="{AF507438-7753-43e0-B8FC-AC1667EBCBE1}">
-              <a14:hiddenEffects xmlns:a14="http://schemas.microsoft.com/office/drawing/2010/main" xmlns="">
+              <a14:hiddenEffects xmlns="" xmlns:a14="http://schemas.microsoft.com/office/drawing/2010/main">
                 <a:effectLst>
                   <a:outerShdw blurRad="63500" dist="38099" dir="2700000" algn="ctr" rotWithShape="0">
                     <a:srgbClr val="000000">
@@ -27528,7 +27105,7 @@
           <a:effectLst/>
           <a:extLst>
             <a:ext uri="{AF507438-7753-43e0-B8FC-AC1667EBCBE1}">
-              <a14:hiddenEffects xmlns:a14="http://schemas.microsoft.com/office/drawing/2010/main" xmlns="">
+              <a14:hiddenEffects xmlns="" xmlns:a14="http://schemas.microsoft.com/office/drawing/2010/main">
                 <a:effectLst>
                   <a:outerShdw blurRad="63500" dist="38099" dir="2700000" algn="ctr" rotWithShape="0">
                     <a:srgbClr val="000000">
@@ -27571,14 +27148,14 @@
           <a:effectLst/>
           <a:extLst>
             <a:ext uri="{909E8E84-426E-40dd-AFC4-6F175D3DCCD1}">
-              <a14:hiddenFill xmlns:a14="http://schemas.microsoft.com/office/drawing/2010/main" xmlns="">
+              <a14:hiddenFill xmlns="" xmlns:a14="http://schemas.microsoft.com/office/drawing/2010/main">
                 <a:solidFill>
                   <a:srgbClr val="FFFFFF"/>
                 </a:solidFill>
               </a14:hiddenFill>
             </a:ext>
             <a:ext uri="{91240B29-F687-4f45-9708-019B960494DF}">
-              <a14:hiddenLine xmlns:a14="http://schemas.microsoft.com/office/drawing/2010/main" xmlns="" w="9525" cap="flat">
+              <a14:hiddenLine xmlns="" xmlns:a14="http://schemas.microsoft.com/office/drawing/2010/main" w="9525" cap="flat">
                 <a:solidFill>
                   <a:srgbClr val="000000"/>
                 </a:solidFill>
@@ -27588,7 +27165,7 @@
               </a14:hiddenLine>
             </a:ext>
             <a:ext uri="{AF507438-7753-43e0-B8FC-AC1667EBCBE1}">
-              <a14:hiddenEffects xmlns:a14="http://schemas.microsoft.com/office/drawing/2010/main" xmlns="">
+              <a14:hiddenEffects xmlns="" xmlns:a14="http://schemas.microsoft.com/office/drawing/2010/main">
                 <a:effectLst>
                   <a:outerShdw blurRad="63500" dist="38099" dir="2700000" algn="ctr" rotWithShape="0">
                     <a:srgbClr val="000000">
@@ -27645,7 +27222,7 @@
           <a:effectLst/>
           <a:extLst>
             <a:ext uri="{AF507438-7753-43e0-B8FC-AC1667EBCBE1}">
-              <a14:hiddenEffects xmlns:a14="http://schemas.microsoft.com/office/drawing/2010/main" xmlns="">
+              <a14:hiddenEffects xmlns="" xmlns:a14="http://schemas.microsoft.com/office/drawing/2010/main">
                 <a:effectLst>
                   <a:outerShdw blurRad="63500" dist="38099" dir="2700000" algn="ctr" rotWithShape="0">
                     <a:srgbClr val="000000">
@@ -27695,7 +27272,7 @@
           <a:effectLst/>
           <a:extLst>
             <a:ext uri="{AF507438-7753-43e0-B8FC-AC1667EBCBE1}">
-              <a14:hiddenEffects xmlns:a14="http://schemas.microsoft.com/office/drawing/2010/main" xmlns="">
+              <a14:hiddenEffects xmlns="" xmlns:a14="http://schemas.microsoft.com/office/drawing/2010/main">
                 <a:effectLst>
                   <a:outerShdw blurRad="63500" dist="38099" dir="2700000" algn="ctr" rotWithShape="0">
                     <a:srgbClr val="000000">
@@ -27738,14 +27315,14 @@
           <a:effectLst/>
           <a:extLst>
             <a:ext uri="{909E8E84-426E-40dd-AFC4-6F175D3DCCD1}">
-              <a14:hiddenFill xmlns:a14="http://schemas.microsoft.com/office/drawing/2010/main" xmlns="">
+              <a14:hiddenFill xmlns="" xmlns:a14="http://schemas.microsoft.com/office/drawing/2010/main">
                 <a:solidFill>
                   <a:srgbClr val="FFFFFF"/>
                 </a:solidFill>
               </a14:hiddenFill>
             </a:ext>
             <a:ext uri="{91240B29-F687-4f45-9708-019B960494DF}">
-              <a14:hiddenLine xmlns:a14="http://schemas.microsoft.com/office/drawing/2010/main" xmlns="" w="9525" cap="flat">
+              <a14:hiddenLine xmlns="" xmlns:a14="http://schemas.microsoft.com/office/drawing/2010/main" w="9525" cap="flat">
                 <a:solidFill>
                   <a:srgbClr val="000000"/>
                 </a:solidFill>
@@ -27755,7 +27332,7 @@
               </a14:hiddenLine>
             </a:ext>
             <a:ext uri="{AF507438-7753-43e0-B8FC-AC1667EBCBE1}">
-              <a14:hiddenEffects xmlns:a14="http://schemas.microsoft.com/office/drawing/2010/main" xmlns="">
+              <a14:hiddenEffects xmlns="" xmlns:a14="http://schemas.microsoft.com/office/drawing/2010/main">
                 <a:effectLst>
                   <a:outerShdw blurRad="63500" dist="38099" dir="2700000" algn="ctr" rotWithShape="0">
                     <a:srgbClr val="000000">
@@ -27812,7 +27389,7 @@
           <a:effectLst/>
           <a:extLst>
             <a:ext uri="{AF507438-7753-43e0-B8FC-AC1667EBCBE1}">
-              <a14:hiddenEffects xmlns:a14="http://schemas.microsoft.com/office/drawing/2010/main" xmlns="">
+              <a14:hiddenEffects xmlns="" xmlns:a14="http://schemas.microsoft.com/office/drawing/2010/main">
                 <a:effectLst>
                   <a:outerShdw blurRad="63500" dist="38099" dir="2700000" algn="ctr" rotWithShape="0">
                     <a:srgbClr val="000000">
@@ -27862,7 +27439,7 @@
           <a:effectLst/>
           <a:extLst>
             <a:ext uri="{AF507438-7753-43e0-B8FC-AC1667EBCBE1}">
-              <a14:hiddenEffects xmlns:a14="http://schemas.microsoft.com/office/drawing/2010/main" xmlns="">
+              <a14:hiddenEffects xmlns="" xmlns:a14="http://schemas.microsoft.com/office/drawing/2010/main">
                 <a:effectLst>
                   <a:outerShdw blurRad="63500" dist="38099" dir="2700000" algn="ctr" rotWithShape="0">
                     <a:srgbClr val="000000">
@@ -27905,14 +27482,14 @@
           <a:effectLst/>
           <a:extLst>
             <a:ext uri="{909E8E84-426E-40dd-AFC4-6F175D3DCCD1}">
-              <a14:hiddenFill xmlns:a14="http://schemas.microsoft.com/office/drawing/2010/main" xmlns="">
+              <a14:hiddenFill xmlns="" xmlns:a14="http://schemas.microsoft.com/office/drawing/2010/main">
                 <a:solidFill>
                   <a:srgbClr val="FFFFFF"/>
                 </a:solidFill>
               </a14:hiddenFill>
             </a:ext>
             <a:ext uri="{91240B29-F687-4f45-9708-019B960494DF}">
-              <a14:hiddenLine xmlns:a14="http://schemas.microsoft.com/office/drawing/2010/main" xmlns="" w="9525" cap="flat">
+              <a14:hiddenLine xmlns="" xmlns:a14="http://schemas.microsoft.com/office/drawing/2010/main" w="9525" cap="flat">
                 <a:solidFill>
                   <a:srgbClr val="000000"/>
                 </a:solidFill>
@@ -27922,7 +27499,7 @@
               </a14:hiddenLine>
             </a:ext>
             <a:ext uri="{AF507438-7753-43e0-B8FC-AC1667EBCBE1}">
-              <a14:hiddenEffects xmlns:a14="http://schemas.microsoft.com/office/drawing/2010/main" xmlns="">
+              <a14:hiddenEffects xmlns="" xmlns:a14="http://schemas.microsoft.com/office/drawing/2010/main">
                 <a:effectLst>
                   <a:outerShdw blurRad="63500" dist="38099" dir="2700000" algn="ctr" rotWithShape="0">
                     <a:srgbClr val="000000">
@@ -27979,7 +27556,7 @@
           <a:effectLst/>
           <a:extLst>
             <a:ext uri="{AF507438-7753-43e0-B8FC-AC1667EBCBE1}">
-              <a14:hiddenEffects xmlns:a14="http://schemas.microsoft.com/office/drawing/2010/main" xmlns="">
+              <a14:hiddenEffects xmlns="" xmlns:a14="http://schemas.microsoft.com/office/drawing/2010/main">
                 <a:effectLst>
                   <a:outerShdw blurRad="63500" dist="38099" dir="2700000" algn="ctr" rotWithShape="0">
                     <a:srgbClr val="000000">
@@ -28009,7 +27586,7 @@
         </p:nvSpPr>
         <p:spPr bwMode="auto">
           <a:xfrm>
-            <a:off x="3594100" y="1735138"/>
+            <a:off x="3563300" y="1741034"/>
             <a:ext cx="887413" cy="204787"/>
           </a:xfrm>
           <a:prstGeom prst="rect">
@@ -28022,14 +27599,14 @@
           <a:effectLst/>
           <a:extLst>
             <a:ext uri="{909E8E84-426E-40dd-AFC4-6F175D3DCCD1}">
-              <a14:hiddenFill xmlns:a14="http://schemas.microsoft.com/office/drawing/2010/main" xmlns="">
+              <a14:hiddenFill xmlns="" xmlns:a14="http://schemas.microsoft.com/office/drawing/2010/main">
                 <a:solidFill>
                   <a:srgbClr val="FFFFFF"/>
                 </a:solidFill>
               </a14:hiddenFill>
             </a:ext>
             <a:ext uri="{91240B29-F687-4f45-9708-019B960494DF}">
-              <a14:hiddenLine xmlns:a14="http://schemas.microsoft.com/office/drawing/2010/main" xmlns="" w="9525" cap="flat">
+              <a14:hiddenLine xmlns="" xmlns:a14="http://schemas.microsoft.com/office/drawing/2010/main" w="9525" cap="flat">
                 <a:solidFill>
                   <a:srgbClr val="000000"/>
                 </a:solidFill>
@@ -28039,7 +27616,7 @@
               </a14:hiddenLine>
             </a:ext>
             <a:ext uri="{AF507438-7753-43e0-B8FC-AC1667EBCBE1}">
-              <a14:hiddenEffects xmlns:a14="http://schemas.microsoft.com/office/drawing/2010/main" xmlns="">
+              <a14:hiddenEffects xmlns="" xmlns:a14="http://schemas.microsoft.com/office/drawing/2010/main">
                 <a:effectLst>
                   <a:outerShdw blurRad="63500" dist="38099" dir="2700000" algn="ctr" rotWithShape="0">
                     <a:srgbClr val="000000">
@@ -28230,7 +27807,7 @@
           </a:lstStyle>
           <a:p>
             <a:r>
-              <a:rPr lang="fr-FR" sz="800"/>
+              <a:rPr lang="fr-FR" sz="800" dirty="0"/>
               <a:t>caméra externe</a:t>
             </a:r>
           </a:p>
@@ -28259,14 +27836,14 @@
           <a:effectLst/>
           <a:extLst>
             <a:ext uri="{909E8E84-426E-40dd-AFC4-6F175D3DCCD1}">
-              <a14:hiddenFill xmlns:a14="http://schemas.microsoft.com/office/drawing/2010/main" xmlns="">
+              <a14:hiddenFill xmlns="" xmlns:a14="http://schemas.microsoft.com/office/drawing/2010/main">
                 <a:solidFill>
                   <a:srgbClr val="FFFFFF"/>
                 </a:solidFill>
               </a14:hiddenFill>
             </a:ext>
             <a:ext uri="{91240B29-F687-4f45-9708-019B960494DF}">
-              <a14:hiddenLine xmlns:a14="http://schemas.microsoft.com/office/drawing/2010/main" xmlns="" w="9525" cap="flat">
+              <a14:hiddenLine xmlns="" xmlns:a14="http://schemas.microsoft.com/office/drawing/2010/main" w="9525" cap="flat">
                 <a:solidFill>
                   <a:srgbClr val="000000"/>
                 </a:solidFill>
@@ -28276,7 +27853,7 @@
               </a14:hiddenLine>
             </a:ext>
             <a:ext uri="{AF507438-7753-43e0-B8FC-AC1667EBCBE1}">
-              <a14:hiddenEffects xmlns:a14="http://schemas.microsoft.com/office/drawing/2010/main" xmlns="">
+              <a14:hiddenEffects xmlns="" xmlns:a14="http://schemas.microsoft.com/office/drawing/2010/main">
                 <a:effectLst>
                   <a:outerShdw blurRad="63500" dist="38099" dir="2700000" algn="ctr" rotWithShape="0">
                     <a:srgbClr val="000000">
@@ -28501,8 +28078,8 @@
         </p:nvSpPr>
         <p:spPr bwMode="auto">
           <a:xfrm>
-            <a:off x="5402263" y="4070350"/>
-            <a:ext cx="1128712" cy="596900"/>
+            <a:off x="5402262" y="4070350"/>
+            <a:ext cx="1444625" cy="596900"/>
           </a:xfrm>
           <a:prstGeom prst="rect">
             <a:avLst/>
@@ -28514,14 +28091,14 @@
           <a:effectLst/>
           <a:extLst>
             <a:ext uri="{909E8E84-426E-40dd-AFC4-6F175D3DCCD1}">
-              <a14:hiddenFill xmlns:a14="http://schemas.microsoft.com/office/drawing/2010/main" xmlns="">
+              <a14:hiddenFill xmlns="" xmlns:a14="http://schemas.microsoft.com/office/drawing/2010/main">
                 <a:solidFill>
                   <a:srgbClr val="FFFFFF"/>
                 </a:solidFill>
               </a14:hiddenFill>
             </a:ext>
             <a:ext uri="{91240B29-F687-4f45-9708-019B960494DF}">
-              <a14:hiddenLine xmlns:a14="http://schemas.microsoft.com/office/drawing/2010/main" xmlns="" w="9525" cap="flat">
+              <a14:hiddenLine xmlns="" xmlns:a14="http://schemas.microsoft.com/office/drawing/2010/main" w="9525" cap="flat">
                 <a:solidFill>
                   <a:srgbClr val="808080"/>
                 </a:solidFill>
@@ -28531,7 +28108,7 @@
               </a14:hiddenLine>
             </a:ext>
             <a:ext uri="{AF507438-7753-43e0-B8FC-AC1667EBCBE1}">
-              <a14:hiddenEffects xmlns:a14="http://schemas.microsoft.com/office/drawing/2010/main" xmlns="">
+              <a14:hiddenEffects xmlns="" xmlns:a14="http://schemas.microsoft.com/office/drawing/2010/main">
                 <a:effectLst>
                   <a:outerShdw blurRad="63500" dist="38099" dir="2700000" algn="ctr" rotWithShape="0">
                     <a:srgbClr val="000000">
@@ -28735,156 +28312,6 @@
               <a:t>Morrocoy</a:t>
             </a:r>
             <a:endParaRPr lang="fr-FR" dirty="0"/>
-          </a:p>
-        </p:txBody>
-      </p:sp>
-      <p:sp>
-        <p:nvSpPr>
-          <p:cNvPr id="4155" name="AutoShape 59"/>
-          <p:cNvSpPr>
-            <a:spLocks noChangeArrowheads="1"/>
-          </p:cNvSpPr>
-          <p:nvPr/>
-        </p:nvSpPr>
-        <p:spPr bwMode="auto">
-          <a:xfrm>
-            <a:off x="5332413" y="600075"/>
-            <a:ext cx="139700" cy="147638"/>
-          </a:xfrm>
-          <a:prstGeom prst="diamond">
-            <a:avLst/>
-          </a:prstGeom>
-          <a:solidFill>
-            <a:srgbClr val="FFFFFF"/>
-          </a:solidFill>
-          <a:ln w="18000" cap="flat">
-            <a:solidFill>
-              <a:srgbClr val="B2B2B2"/>
-            </a:solidFill>
-            <a:round/>
-            <a:headEnd/>
-            <a:tailEnd/>
-          </a:ln>
-          <a:effectLst/>
-          <a:extLst>
-            <a:ext uri="{AF507438-7753-43e0-B8FC-AC1667EBCBE1}">
-              <a14:hiddenEffects xmlns:a14="http://schemas.microsoft.com/office/drawing/2010/main" xmlns="">
-                <a:effectLst>
-                  <a:outerShdw blurRad="63500" dist="38099" dir="2700000" algn="ctr" rotWithShape="0">
-                    <a:srgbClr val="000000">
-                      <a:alpha val="74998"/>
-                    </a:srgbClr>
-                  </a:outerShdw>
-                </a:effectLst>
-              </a14:hiddenEffects>
-            </a:ext>
-          </a:extLst>
-        </p:spPr>
-        <p:txBody>
-          <a:bodyPr wrap="none" anchor="ctr"/>
-          <a:lstStyle/>
-          <a:p>
-            <a:endParaRPr lang="fr-FR"/>
-          </a:p>
-        </p:txBody>
-      </p:sp>
-      <p:sp>
-        <p:nvSpPr>
-          <p:cNvPr id="4156" name="AutoShape 60"/>
-          <p:cNvSpPr>
-            <a:spLocks noChangeArrowheads="1"/>
-          </p:cNvSpPr>
-          <p:nvPr/>
-        </p:nvSpPr>
-        <p:spPr bwMode="auto">
-          <a:xfrm>
-            <a:off x="6196013" y="601663"/>
-            <a:ext cx="139700" cy="147637"/>
-          </a:xfrm>
-          <a:prstGeom prst="diamond">
-            <a:avLst/>
-          </a:prstGeom>
-          <a:solidFill>
-            <a:srgbClr val="FFFFFF"/>
-          </a:solidFill>
-          <a:ln w="18000" cap="flat">
-            <a:solidFill>
-              <a:srgbClr val="B2B2B2"/>
-            </a:solidFill>
-            <a:round/>
-            <a:headEnd/>
-            <a:tailEnd/>
-          </a:ln>
-          <a:effectLst/>
-          <a:extLst>
-            <a:ext uri="{AF507438-7753-43e0-B8FC-AC1667EBCBE1}">
-              <a14:hiddenEffects xmlns:a14="http://schemas.microsoft.com/office/drawing/2010/main" xmlns="">
-                <a:effectLst>
-                  <a:outerShdw blurRad="63500" dist="38099" dir="2700000" algn="ctr" rotWithShape="0">
-                    <a:srgbClr val="000000">
-                      <a:alpha val="74998"/>
-                    </a:srgbClr>
-                  </a:outerShdw>
-                </a:effectLst>
-              </a14:hiddenEffects>
-            </a:ext>
-          </a:extLst>
-        </p:spPr>
-        <p:txBody>
-          <a:bodyPr wrap="none" anchor="ctr"/>
-          <a:lstStyle/>
-          <a:p>
-            <a:endParaRPr lang="fr-FR"/>
-          </a:p>
-        </p:txBody>
-      </p:sp>
-      <p:sp>
-        <p:nvSpPr>
-          <p:cNvPr id="4157" name="AutoShape 61"/>
-          <p:cNvSpPr>
-            <a:spLocks noChangeArrowheads="1"/>
-          </p:cNvSpPr>
-          <p:nvPr/>
-        </p:nvSpPr>
-        <p:spPr bwMode="auto">
-          <a:xfrm>
-            <a:off x="6916738" y="601663"/>
-            <a:ext cx="139700" cy="147637"/>
-          </a:xfrm>
-          <a:prstGeom prst="diamond">
-            <a:avLst/>
-          </a:prstGeom>
-          <a:solidFill>
-            <a:srgbClr val="FFFFFF"/>
-          </a:solidFill>
-          <a:ln w="18000" cap="flat">
-            <a:solidFill>
-              <a:srgbClr val="B2B2B2"/>
-            </a:solidFill>
-            <a:round/>
-            <a:headEnd/>
-            <a:tailEnd/>
-          </a:ln>
-          <a:effectLst/>
-          <a:extLst>
-            <a:ext uri="{AF507438-7753-43e0-B8FC-AC1667EBCBE1}">
-              <a14:hiddenEffects xmlns:a14="http://schemas.microsoft.com/office/drawing/2010/main" xmlns="">
-                <a:effectLst>
-                  <a:outerShdw blurRad="63500" dist="38099" dir="2700000" algn="ctr" rotWithShape="0">
-                    <a:srgbClr val="000000">
-                      <a:alpha val="74998"/>
-                    </a:srgbClr>
-                  </a:outerShdw>
-                </a:effectLst>
-              </a14:hiddenEffects>
-            </a:ext>
-          </a:extLst>
-        </p:spPr>
-        <p:txBody>
-          <a:bodyPr wrap="none" anchor="ctr"/>
-          <a:lstStyle/>
-          <a:p>
-            <a:endParaRPr lang="fr-FR"/>
           </a:p>
         </p:txBody>
       </p:sp>
@@ -28918,7 +28345,7 @@
           <a:effectLst/>
           <a:extLst>
             <a:ext uri="{AF507438-7753-43e0-B8FC-AC1667EBCBE1}">
-              <a14:hiddenEffects xmlns:a14="http://schemas.microsoft.com/office/drawing/2010/main" xmlns="">
+              <a14:hiddenEffects xmlns="" xmlns:a14="http://schemas.microsoft.com/office/drawing/2010/main">
                 <a:effectLst>
                   <a:outerShdw blurRad="63500" dist="38099" dir="2700000" algn="ctr" rotWithShape="0">
                     <a:srgbClr val="000000">
@@ -28961,14 +28388,14 @@
           <a:effectLst/>
           <a:extLst>
             <a:ext uri="{909E8E84-426E-40dd-AFC4-6F175D3DCCD1}">
-              <a14:hiddenFill xmlns:a14="http://schemas.microsoft.com/office/drawing/2010/main" xmlns="">
+              <a14:hiddenFill xmlns="" xmlns:a14="http://schemas.microsoft.com/office/drawing/2010/main">
                 <a:solidFill>
                   <a:srgbClr val="FFFFFF"/>
                 </a:solidFill>
               </a14:hiddenFill>
             </a:ext>
             <a:ext uri="{91240B29-F687-4f45-9708-019B960494DF}">
-              <a14:hiddenLine xmlns:a14="http://schemas.microsoft.com/office/drawing/2010/main" xmlns="" w="9525" cap="flat">
+              <a14:hiddenLine xmlns="" xmlns:a14="http://schemas.microsoft.com/office/drawing/2010/main" w="9525" cap="flat">
                 <a:solidFill>
                   <a:srgbClr val="000000"/>
                 </a:solidFill>
@@ -28978,7 +28405,7 @@
               </a14:hiddenLine>
             </a:ext>
             <a:ext uri="{AF507438-7753-43e0-B8FC-AC1667EBCBE1}">
-              <a14:hiddenEffects xmlns:a14="http://schemas.microsoft.com/office/drawing/2010/main" xmlns="">
+              <a14:hiddenEffects xmlns="" xmlns:a14="http://schemas.microsoft.com/office/drawing/2010/main">
                 <a:effectLst>
                   <a:outerShdw blurRad="63500" dist="38099" dir="2700000" algn="ctr" rotWithShape="0">
                     <a:srgbClr val="000000">
@@ -29028,14 +28455,14 @@
           <a:effectLst/>
           <a:extLst>
             <a:ext uri="{909E8E84-426E-40dd-AFC4-6F175D3DCCD1}">
-              <a14:hiddenFill xmlns:a14="http://schemas.microsoft.com/office/drawing/2010/main" xmlns="">
+              <a14:hiddenFill xmlns="" xmlns:a14="http://schemas.microsoft.com/office/drawing/2010/main">
                 <a:solidFill>
                   <a:srgbClr val="FFFFFF"/>
                 </a:solidFill>
               </a14:hiddenFill>
             </a:ext>
             <a:ext uri="{91240B29-F687-4f45-9708-019B960494DF}">
-              <a14:hiddenLine xmlns:a14="http://schemas.microsoft.com/office/drawing/2010/main" xmlns="" w="9525" cap="flat">
+              <a14:hiddenLine xmlns="" xmlns:a14="http://schemas.microsoft.com/office/drawing/2010/main" w="9525" cap="flat">
                 <a:solidFill>
                   <a:srgbClr val="000000"/>
                 </a:solidFill>
@@ -29045,7 +28472,7 @@
               </a14:hiddenLine>
             </a:ext>
             <a:ext uri="{AF507438-7753-43e0-B8FC-AC1667EBCBE1}">
-              <a14:hiddenEffects xmlns:a14="http://schemas.microsoft.com/office/drawing/2010/main" xmlns="">
+              <a14:hiddenEffects xmlns="" xmlns:a14="http://schemas.microsoft.com/office/drawing/2010/main">
                 <a:effectLst>
                   <a:outerShdw blurRad="63500" dist="38099" dir="2700000" algn="ctr" rotWithShape="0">
                     <a:srgbClr val="000000">
@@ -29062,7 +28489,7 @@
           <a:lstStyle/>
           <a:p>
             <a:r>
-              <a:rPr lang="fr-FR" sz="1000">
+              <a:rPr lang="fr-FR" sz="1000" dirty="0">
                 <a:solidFill>
                   <a:srgbClr val="000000"/>
                 </a:solidFill>
@@ -29095,14 +28522,14 @@
           <a:effectLst/>
           <a:extLst>
             <a:ext uri="{909E8E84-426E-40dd-AFC4-6F175D3DCCD1}">
-              <a14:hiddenFill xmlns:a14="http://schemas.microsoft.com/office/drawing/2010/main" xmlns="">
+              <a14:hiddenFill xmlns="" xmlns:a14="http://schemas.microsoft.com/office/drawing/2010/main">
                 <a:solidFill>
                   <a:srgbClr val="FFFFFF"/>
                 </a:solidFill>
               </a14:hiddenFill>
             </a:ext>
             <a:ext uri="{91240B29-F687-4f45-9708-019B960494DF}">
-              <a14:hiddenLine xmlns:a14="http://schemas.microsoft.com/office/drawing/2010/main" xmlns="" w="9525" cap="flat">
+              <a14:hiddenLine xmlns="" xmlns:a14="http://schemas.microsoft.com/office/drawing/2010/main" w="9525" cap="flat">
                 <a:solidFill>
                   <a:srgbClr val="000000"/>
                 </a:solidFill>
@@ -29112,7 +28539,7 @@
               </a14:hiddenLine>
             </a:ext>
             <a:ext uri="{AF507438-7753-43e0-B8FC-AC1667EBCBE1}">
-              <a14:hiddenEffects xmlns:a14="http://schemas.microsoft.com/office/drawing/2010/main" xmlns="">
+              <a14:hiddenEffects xmlns="" xmlns:a14="http://schemas.microsoft.com/office/drawing/2010/main">
                 <a:effectLst>
                   <a:outerShdw blurRad="63500" dist="38099" dir="2700000" algn="ctr" rotWithShape="0">
                     <a:srgbClr val="000000">
@@ -29149,7 +28576,7 @@
         </p:nvSpPr>
         <p:spPr bwMode="auto">
           <a:xfrm>
-            <a:off x="8148638" y="2339975"/>
+            <a:off x="8050212" y="2305050"/>
             <a:ext cx="336550" cy="230188"/>
           </a:xfrm>
           <a:prstGeom prst="rect">
@@ -29162,14 +28589,14 @@
           <a:effectLst/>
           <a:extLst>
             <a:ext uri="{909E8E84-426E-40dd-AFC4-6F175D3DCCD1}">
-              <a14:hiddenFill xmlns:a14="http://schemas.microsoft.com/office/drawing/2010/main" xmlns="">
+              <a14:hiddenFill xmlns="" xmlns:a14="http://schemas.microsoft.com/office/drawing/2010/main">
                 <a:solidFill>
                   <a:srgbClr val="FFFFFF"/>
                 </a:solidFill>
               </a14:hiddenFill>
             </a:ext>
             <a:ext uri="{91240B29-F687-4f45-9708-019B960494DF}">
-              <a14:hiddenLine xmlns:a14="http://schemas.microsoft.com/office/drawing/2010/main" xmlns="" w="9525" cap="flat">
+              <a14:hiddenLine xmlns="" xmlns:a14="http://schemas.microsoft.com/office/drawing/2010/main" w="9525" cap="flat">
                 <a:solidFill>
                   <a:srgbClr val="000000"/>
                 </a:solidFill>
@@ -29179,7 +28606,7 @@
               </a14:hiddenLine>
             </a:ext>
             <a:ext uri="{AF507438-7753-43e0-B8FC-AC1667EBCBE1}">
-              <a14:hiddenEffects xmlns:a14="http://schemas.microsoft.com/office/drawing/2010/main" xmlns="">
+              <a14:hiddenEffects xmlns="" xmlns:a14="http://schemas.microsoft.com/office/drawing/2010/main">
                 <a:effectLst>
                   <a:outerShdw blurRad="63500" dist="38099" dir="2700000" algn="ctr" rotWithShape="0">
                     <a:srgbClr val="000000">
@@ -29196,7 +28623,7 @@
           <a:lstStyle/>
           <a:p>
             <a:r>
-              <a:rPr lang="fr-FR" sz="1000">
+              <a:rPr lang="fr-FR" sz="1000" dirty="0">
                 <a:solidFill>
                   <a:srgbClr val="000000"/>
                 </a:solidFill>
@@ -29229,14 +28656,14 @@
           <a:effectLst/>
           <a:extLst>
             <a:ext uri="{909E8E84-426E-40dd-AFC4-6F175D3DCCD1}">
-              <a14:hiddenFill xmlns:a14="http://schemas.microsoft.com/office/drawing/2010/main" xmlns="">
+              <a14:hiddenFill xmlns="" xmlns:a14="http://schemas.microsoft.com/office/drawing/2010/main">
                 <a:solidFill>
                   <a:srgbClr val="FFFFFF"/>
                 </a:solidFill>
               </a14:hiddenFill>
             </a:ext>
             <a:ext uri="{91240B29-F687-4f45-9708-019B960494DF}">
-              <a14:hiddenLine xmlns:a14="http://schemas.microsoft.com/office/drawing/2010/main" xmlns="" w="9525" cap="flat">
+              <a14:hiddenLine xmlns="" xmlns:a14="http://schemas.microsoft.com/office/drawing/2010/main" w="9525" cap="flat">
                 <a:solidFill>
                   <a:srgbClr val="000000"/>
                 </a:solidFill>
@@ -29246,7 +28673,7 @@
               </a14:hiddenLine>
             </a:ext>
             <a:ext uri="{AF507438-7753-43e0-B8FC-AC1667EBCBE1}">
-              <a14:hiddenEffects xmlns:a14="http://schemas.microsoft.com/office/drawing/2010/main" xmlns="">
+              <a14:hiddenEffects xmlns="" xmlns:a14="http://schemas.microsoft.com/office/drawing/2010/main">
                 <a:effectLst>
                   <a:outerShdw blurRad="63500" dist="38099" dir="2700000" algn="ctr" rotWithShape="0">
                     <a:srgbClr val="000000">
@@ -29296,14 +28723,14 @@
           <a:effectLst/>
           <a:extLst>
             <a:ext uri="{909E8E84-426E-40dd-AFC4-6F175D3DCCD1}">
-              <a14:hiddenFill xmlns:a14="http://schemas.microsoft.com/office/drawing/2010/main" xmlns="">
+              <a14:hiddenFill xmlns="" xmlns:a14="http://schemas.microsoft.com/office/drawing/2010/main">
                 <a:solidFill>
                   <a:srgbClr val="FFFFFF"/>
                 </a:solidFill>
               </a14:hiddenFill>
             </a:ext>
             <a:ext uri="{91240B29-F687-4f45-9708-019B960494DF}">
-              <a14:hiddenLine xmlns:a14="http://schemas.microsoft.com/office/drawing/2010/main" xmlns="" w="9525" cap="flat">
+              <a14:hiddenLine xmlns="" xmlns:a14="http://schemas.microsoft.com/office/drawing/2010/main" w="9525" cap="flat">
                 <a:solidFill>
                   <a:srgbClr val="000000"/>
                 </a:solidFill>
@@ -29313,7 +28740,7 @@
               </a14:hiddenLine>
             </a:ext>
             <a:ext uri="{AF507438-7753-43e0-B8FC-AC1667EBCBE1}">
-              <a14:hiddenEffects xmlns:a14="http://schemas.microsoft.com/office/drawing/2010/main" xmlns="">
+              <a14:hiddenEffects xmlns="" xmlns:a14="http://schemas.microsoft.com/office/drawing/2010/main">
                 <a:effectLst>
                   <a:outerShdw blurRad="63500" dist="38099" dir="2700000" algn="ctr" rotWithShape="0">
                     <a:srgbClr val="000000">
@@ -29533,14 +28960,14 @@
           <a:effectLst/>
           <a:extLst>
             <a:ext uri="{909E8E84-426E-40dd-AFC4-6F175D3DCCD1}">
-              <a14:hiddenFill xmlns:a14="http://schemas.microsoft.com/office/drawing/2010/main" xmlns="">
+              <a14:hiddenFill xmlns="" xmlns:a14="http://schemas.microsoft.com/office/drawing/2010/main">
                 <a:solidFill>
                   <a:srgbClr val="FFFFFF"/>
                 </a:solidFill>
               </a14:hiddenFill>
             </a:ext>
             <a:ext uri="{91240B29-F687-4f45-9708-019B960494DF}">
-              <a14:hiddenLine xmlns:a14="http://schemas.microsoft.com/office/drawing/2010/main" xmlns="" w="9525" cap="flat">
+              <a14:hiddenLine xmlns="" xmlns:a14="http://schemas.microsoft.com/office/drawing/2010/main" w="9525" cap="flat">
                 <a:solidFill>
                   <a:srgbClr val="000000"/>
                 </a:solidFill>
@@ -29550,7 +28977,7 @@
               </a14:hiddenLine>
             </a:ext>
             <a:ext uri="{AF507438-7753-43e0-B8FC-AC1667EBCBE1}">
-              <a14:hiddenEffects xmlns:a14="http://schemas.microsoft.com/office/drawing/2010/main" xmlns="">
+              <a14:hiddenEffects xmlns="" xmlns:a14="http://schemas.microsoft.com/office/drawing/2010/main">
                 <a:effectLst>
                   <a:outerShdw blurRad="63500" dist="38099" dir="2700000" algn="ctr" rotWithShape="0">
                     <a:srgbClr val="000000">
@@ -29573,73 +29000,6 @@
                 </a:solidFill>
               </a:rPr>
               <a:t>(10)</a:t>
-            </a:r>
-          </a:p>
-        </p:txBody>
-      </p:sp>
-      <p:sp>
-        <p:nvSpPr>
-          <p:cNvPr id="4166" name="Text Box 70"/>
-          <p:cNvSpPr txBox="1">
-            <a:spLocks noChangeArrowheads="1"/>
-          </p:cNvSpPr>
-          <p:nvPr/>
-        </p:nvSpPr>
-        <p:spPr bwMode="auto">
-          <a:xfrm>
-            <a:off x="5688013" y="2362200"/>
-            <a:ext cx="406400" cy="230188"/>
-          </a:xfrm>
-          <a:prstGeom prst="rect">
-            <a:avLst/>
-          </a:prstGeom>
-          <a:noFill/>
-          <a:ln>
-            <a:noFill/>
-          </a:ln>
-          <a:effectLst/>
-          <a:extLst>
-            <a:ext uri="{909E8E84-426E-40dd-AFC4-6F175D3DCCD1}">
-              <a14:hiddenFill xmlns:a14="http://schemas.microsoft.com/office/drawing/2010/main" xmlns="">
-                <a:solidFill>
-                  <a:srgbClr val="FFFFFF"/>
-                </a:solidFill>
-              </a14:hiddenFill>
-            </a:ext>
-            <a:ext uri="{91240B29-F687-4f45-9708-019B960494DF}">
-              <a14:hiddenLine xmlns:a14="http://schemas.microsoft.com/office/drawing/2010/main" xmlns="" w="9525" cap="flat">
-                <a:solidFill>
-                  <a:srgbClr val="000000"/>
-                </a:solidFill>
-                <a:round/>
-                <a:headEnd/>
-                <a:tailEnd/>
-              </a14:hiddenLine>
-            </a:ext>
-            <a:ext uri="{AF507438-7753-43e0-B8FC-AC1667EBCBE1}">
-              <a14:hiddenEffects xmlns:a14="http://schemas.microsoft.com/office/drawing/2010/main" xmlns="">
-                <a:effectLst>
-                  <a:outerShdw blurRad="63500" dist="38099" dir="2700000" algn="ctr" rotWithShape="0">
-                    <a:srgbClr val="000000">
-                      <a:alpha val="74998"/>
-                    </a:srgbClr>
-                  </a:outerShdw>
-                </a:effectLst>
-              </a14:hiddenEffects>
-            </a:ext>
-          </a:extLst>
-        </p:spPr>
-        <p:txBody>
-          <a:bodyPr wrap="none" lIns="90000" tIns="53820" rIns="90000" bIns="45000"/>
-          <a:lstStyle/>
-          <a:p>
-            <a:r>
-              <a:rPr lang="fr-FR" sz="1000">
-                <a:solidFill>
-                  <a:srgbClr val="000000"/>
-                </a:solidFill>
-              </a:rPr>
-              <a:t>(20)</a:t>
             </a:r>
           </a:p>
         </p:txBody>
@@ -29654,8 +29014,8 @@
         </p:nvSpPr>
         <p:spPr bwMode="auto">
           <a:xfrm>
-            <a:off x="5738813" y="2060575"/>
-            <a:ext cx="336550" cy="230188"/>
+            <a:off x="5738813" y="2044700"/>
+            <a:ext cx="336550" cy="246063"/>
           </a:xfrm>
           <a:prstGeom prst="rect">
             <a:avLst/>
@@ -29667,14 +29027,14 @@
           <a:effectLst/>
           <a:extLst>
             <a:ext uri="{909E8E84-426E-40dd-AFC4-6F175D3DCCD1}">
-              <a14:hiddenFill xmlns:a14="http://schemas.microsoft.com/office/drawing/2010/main" xmlns="">
+              <a14:hiddenFill xmlns="" xmlns:a14="http://schemas.microsoft.com/office/drawing/2010/main">
                 <a:solidFill>
                   <a:srgbClr val="FFFFFF"/>
                 </a:solidFill>
               </a14:hiddenFill>
             </a:ext>
             <a:ext uri="{91240B29-F687-4f45-9708-019B960494DF}">
-              <a14:hiddenLine xmlns:a14="http://schemas.microsoft.com/office/drawing/2010/main" xmlns="" w="9525" cap="flat">
+              <a14:hiddenLine xmlns="" xmlns:a14="http://schemas.microsoft.com/office/drawing/2010/main" w="9525" cap="flat">
                 <a:solidFill>
                   <a:srgbClr val="000000"/>
                 </a:solidFill>
@@ -29684,7 +29044,7 @@
               </a14:hiddenLine>
             </a:ext>
             <a:ext uri="{AF507438-7753-43e0-B8FC-AC1667EBCBE1}">
-              <a14:hiddenEffects xmlns:a14="http://schemas.microsoft.com/office/drawing/2010/main" xmlns="">
+              <a14:hiddenEffects xmlns="" xmlns:a14="http://schemas.microsoft.com/office/drawing/2010/main">
                 <a:effectLst>
                   <a:outerShdw blurRad="63500" dist="38099" dir="2700000" algn="ctr" rotWithShape="0">
                     <a:srgbClr val="000000">
@@ -29701,7 +29061,7 @@
           <a:lstStyle/>
           <a:p>
             <a:r>
-              <a:rPr lang="fr-FR" sz="1000">
+              <a:rPr lang="fr-FR" sz="1000" dirty="0">
                 <a:solidFill>
                   <a:srgbClr val="000000"/>
                 </a:solidFill>
@@ -29734,14 +29094,14 @@
           <a:effectLst/>
           <a:extLst>
             <a:ext uri="{909E8E84-426E-40dd-AFC4-6F175D3DCCD1}">
-              <a14:hiddenFill xmlns:a14="http://schemas.microsoft.com/office/drawing/2010/main" xmlns="">
+              <a14:hiddenFill xmlns="" xmlns:a14="http://schemas.microsoft.com/office/drawing/2010/main">
                 <a:solidFill>
                   <a:srgbClr val="FFFFFF"/>
                 </a:solidFill>
               </a14:hiddenFill>
             </a:ext>
             <a:ext uri="{91240B29-F687-4f45-9708-019B960494DF}">
-              <a14:hiddenLine xmlns:a14="http://schemas.microsoft.com/office/drawing/2010/main" xmlns="" w="9525" cap="flat">
+              <a14:hiddenLine xmlns="" xmlns:a14="http://schemas.microsoft.com/office/drawing/2010/main" w="9525" cap="flat">
                 <a:solidFill>
                   <a:srgbClr val="000000"/>
                 </a:solidFill>
@@ -29751,7 +29111,7 @@
               </a14:hiddenLine>
             </a:ext>
             <a:ext uri="{AF507438-7753-43e0-B8FC-AC1667EBCBE1}">
-              <a14:hiddenEffects xmlns:a14="http://schemas.microsoft.com/office/drawing/2010/main" xmlns="">
+              <a14:hiddenEffects xmlns="" xmlns:a14="http://schemas.microsoft.com/office/drawing/2010/main">
                 <a:effectLst>
                   <a:outerShdw blurRad="63500" dist="38099" dir="2700000" algn="ctr" rotWithShape="0">
                     <a:srgbClr val="000000">
@@ -29801,14 +29161,14 @@
           <a:effectLst/>
           <a:extLst>
             <a:ext uri="{909E8E84-426E-40dd-AFC4-6F175D3DCCD1}">
-              <a14:hiddenFill xmlns:a14="http://schemas.microsoft.com/office/drawing/2010/main" xmlns="">
+              <a14:hiddenFill xmlns="" xmlns:a14="http://schemas.microsoft.com/office/drawing/2010/main">
                 <a:solidFill>
                   <a:srgbClr val="FFFFFF"/>
                 </a:solidFill>
               </a14:hiddenFill>
             </a:ext>
             <a:ext uri="{91240B29-F687-4f45-9708-019B960494DF}">
-              <a14:hiddenLine xmlns:a14="http://schemas.microsoft.com/office/drawing/2010/main" xmlns="" w="9525" cap="flat">
+              <a14:hiddenLine xmlns="" xmlns:a14="http://schemas.microsoft.com/office/drawing/2010/main" w="9525" cap="flat">
                 <a:solidFill>
                   <a:srgbClr val="000000"/>
                 </a:solidFill>
@@ -29818,7 +29178,7 @@
               </a14:hiddenLine>
             </a:ext>
             <a:ext uri="{AF507438-7753-43e0-B8FC-AC1667EBCBE1}">
-              <a14:hiddenEffects xmlns:a14="http://schemas.microsoft.com/office/drawing/2010/main" xmlns="">
+              <a14:hiddenEffects xmlns="" xmlns:a14="http://schemas.microsoft.com/office/drawing/2010/main">
                 <a:effectLst>
                   <a:outerShdw blurRad="63500" dist="38099" dir="2700000" algn="ctr" rotWithShape="0">
                     <a:srgbClr val="000000">
@@ -29868,14 +29228,14 @@
           <a:effectLst/>
           <a:extLst>
             <a:ext uri="{909E8E84-426E-40dd-AFC4-6F175D3DCCD1}">
-              <a14:hiddenFill xmlns:a14="http://schemas.microsoft.com/office/drawing/2010/main" xmlns="">
+              <a14:hiddenFill xmlns="" xmlns:a14="http://schemas.microsoft.com/office/drawing/2010/main">
                 <a:solidFill>
                   <a:srgbClr val="FFFFFF"/>
                 </a:solidFill>
               </a14:hiddenFill>
             </a:ext>
             <a:ext uri="{91240B29-F687-4f45-9708-019B960494DF}">
-              <a14:hiddenLine xmlns:a14="http://schemas.microsoft.com/office/drawing/2010/main" xmlns="" w="9525" cap="flat">
+              <a14:hiddenLine xmlns="" xmlns:a14="http://schemas.microsoft.com/office/drawing/2010/main" w="9525" cap="flat">
                 <a:solidFill>
                   <a:srgbClr val="FF6600"/>
                 </a:solidFill>
@@ -29885,7 +29245,7 @@
               </a14:hiddenLine>
             </a:ext>
             <a:ext uri="{AF507438-7753-43e0-B8FC-AC1667EBCBE1}">
-              <a14:hiddenEffects xmlns:a14="http://schemas.microsoft.com/office/drawing/2010/main" xmlns="">
+              <a14:hiddenEffects xmlns="" xmlns:a14="http://schemas.microsoft.com/office/drawing/2010/main">
                 <a:effectLst>
                   <a:outerShdw blurRad="63500" dist="38099" dir="2700000" algn="ctr" rotWithShape="0">
                     <a:srgbClr val="000000">
@@ -29935,14 +29295,14 @@
           <a:effectLst/>
           <a:extLst>
             <a:ext uri="{909E8E84-426E-40dd-AFC4-6F175D3DCCD1}">
-              <a14:hiddenFill xmlns:a14="http://schemas.microsoft.com/office/drawing/2010/main" xmlns="">
+              <a14:hiddenFill xmlns="" xmlns:a14="http://schemas.microsoft.com/office/drawing/2010/main">
                 <a:solidFill>
                   <a:srgbClr val="FFFFFF"/>
                 </a:solidFill>
               </a14:hiddenFill>
             </a:ext>
             <a:ext uri="{91240B29-F687-4f45-9708-019B960494DF}">
-              <a14:hiddenLine xmlns:a14="http://schemas.microsoft.com/office/drawing/2010/main" xmlns="" w="9525" cap="flat">
+              <a14:hiddenLine xmlns="" xmlns:a14="http://schemas.microsoft.com/office/drawing/2010/main" w="9525" cap="flat">
                 <a:solidFill>
                   <a:srgbClr val="FF6600"/>
                 </a:solidFill>
@@ -29952,7 +29312,7 @@
               </a14:hiddenLine>
             </a:ext>
             <a:ext uri="{AF507438-7753-43e0-B8FC-AC1667EBCBE1}">
-              <a14:hiddenEffects xmlns:a14="http://schemas.microsoft.com/office/drawing/2010/main" xmlns="">
+              <a14:hiddenEffects xmlns="" xmlns:a14="http://schemas.microsoft.com/office/drawing/2010/main">
                 <a:effectLst>
                   <a:outerShdw blurRad="63500" dist="38099" dir="2700000" algn="ctr" rotWithShape="0">
                     <a:srgbClr val="000000">
@@ -29989,8 +29349,8 @@
         </p:nvSpPr>
         <p:spPr bwMode="auto">
           <a:xfrm>
-            <a:off x="8221663" y="2149475"/>
-            <a:ext cx="279400" cy="376238"/>
+            <a:off x="7969250" y="2149475"/>
+            <a:ext cx="531813" cy="246063"/>
           </a:xfrm>
           <a:prstGeom prst="rect">
             <a:avLst/>
@@ -30002,14 +29362,14 @@
           <a:effectLst/>
           <a:extLst>
             <a:ext uri="{909E8E84-426E-40dd-AFC4-6F175D3DCCD1}">
-              <a14:hiddenFill xmlns:a14="http://schemas.microsoft.com/office/drawing/2010/main" xmlns="">
+              <a14:hiddenFill xmlns="" xmlns:a14="http://schemas.microsoft.com/office/drawing/2010/main">
                 <a:solidFill>
                   <a:srgbClr val="FFFFFF"/>
                 </a:solidFill>
               </a14:hiddenFill>
             </a:ext>
             <a:ext uri="{91240B29-F687-4f45-9708-019B960494DF}">
-              <a14:hiddenLine xmlns:a14="http://schemas.microsoft.com/office/drawing/2010/main" xmlns="" w="9525" cap="flat">
+              <a14:hiddenLine xmlns="" xmlns:a14="http://schemas.microsoft.com/office/drawing/2010/main" w="9525" cap="flat">
                 <a:solidFill>
                   <a:srgbClr val="FF6600"/>
                 </a:solidFill>
@@ -30019,7 +29379,7 @@
               </a14:hiddenLine>
             </a:ext>
             <a:ext uri="{AF507438-7753-43e0-B8FC-AC1667EBCBE1}">
-              <a14:hiddenEffects xmlns:a14="http://schemas.microsoft.com/office/drawing/2010/main" xmlns="">
+              <a14:hiddenEffects xmlns="" xmlns:a14="http://schemas.microsoft.com/office/drawing/2010/main">
                 <a:effectLst>
                   <a:outerShdw blurRad="63500" dist="38099" dir="2700000" algn="ctr" rotWithShape="0">
                     <a:srgbClr val="000000">
@@ -30036,7 +29396,7 @@
           <a:lstStyle/>
           <a:p>
             <a:r>
-              <a:rPr lang="fr-FR" sz="2000">
+              <a:rPr lang="fr-FR" sz="2000" dirty="0">
                 <a:solidFill>
                   <a:srgbClr val="FF6600"/>
                 </a:solidFill>
@@ -30056,7 +29416,7 @@
         </p:nvSpPr>
         <p:spPr bwMode="auto">
           <a:xfrm>
-            <a:off x="3325813" y="1141413"/>
+            <a:off x="3351212" y="1300163"/>
             <a:ext cx="279400" cy="376237"/>
           </a:xfrm>
           <a:prstGeom prst="rect">
@@ -30069,14 +29429,14 @@
           <a:effectLst/>
           <a:extLst>
             <a:ext uri="{909E8E84-426E-40dd-AFC4-6F175D3DCCD1}">
-              <a14:hiddenFill xmlns:a14="http://schemas.microsoft.com/office/drawing/2010/main" xmlns="">
+              <a14:hiddenFill xmlns="" xmlns:a14="http://schemas.microsoft.com/office/drawing/2010/main">
                 <a:solidFill>
                   <a:srgbClr val="FFFFFF"/>
                 </a:solidFill>
               </a14:hiddenFill>
             </a:ext>
             <a:ext uri="{91240B29-F687-4f45-9708-019B960494DF}">
-              <a14:hiddenLine xmlns:a14="http://schemas.microsoft.com/office/drawing/2010/main" xmlns="" w="9525" cap="flat">
+              <a14:hiddenLine xmlns="" xmlns:a14="http://schemas.microsoft.com/office/drawing/2010/main" w="9525" cap="flat">
                 <a:solidFill>
                   <a:srgbClr val="FF6600"/>
                 </a:solidFill>
@@ -30086,7 +29446,7 @@
               </a14:hiddenLine>
             </a:ext>
             <a:ext uri="{AF507438-7753-43e0-B8FC-AC1667EBCBE1}">
-              <a14:hiddenEffects xmlns:a14="http://schemas.microsoft.com/office/drawing/2010/main" xmlns="">
+              <a14:hiddenEffects xmlns="" xmlns:a14="http://schemas.microsoft.com/office/drawing/2010/main">
                 <a:effectLst>
                   <a:outerShdw blurRad="63500" dist="38099" dir="2700000" algn="ctr" rotWithShape="0">
                     <a:srgbClr val="000000">
@@ -30103,7 +29463,7 @@
           <a:lstStyle/>
           <a:p>
             <a:r>
-              <a:rPr lang="fr-FR" sz="2000">
+              <a:rPr lang="fr-FR" sz="2000" dirty="0">
                 <a:solidFill>
                   <a:srgbClr val="FF6600"/>
                 </a:solidFill>
@@ -30123,7 +29483,7 @@
         </p:nvSpPr>
         <p:spPr bwMode="auto">
           <a:xfrm>
-            <a:off x="3522663" y="1195388"/>
+            <a:off x="3564278" y="1349727"/>
             <a:ext cx="542925" cy="204787"/>
           </a:xfrm>
           <a:prstGeom prst="rect">
@@ -30136,14 +29496,14 @@
           <a:effectLst/>
           <a:extLst>
             <a:ext uri="{909E8E84-426E-40dd-AFC4-6F175D3DCCD1}">
-              <a14:hiddenFill xmlns:a14="http://schemas.microsoft.com/office/drawing/2010/main" xmlns="">
+              <a14:hiddenFill xmlns="" xmlns:a14="http://schemas.microsoft.com/office/drawing/2010/main">
                 <a:solidFill>
                   <a:srgbClr val="FFFFFF"/>
                 </a:solidFill>
               </a14:hiddenFill>
             </a:ext>
             <a:ext uri="{91240B29-F687-4f45-9708-019B960494DF}">
-              <a14:hiddenLine xmlns:a14="http://schemas.microsoft.com/office/drawing/2010/main" xmlns="" w="9525" cap="flat">
+              <a14:hiddenLine xmlns="" xmlns:a14="http://schemas.microsoft.com/office/drawing/2010/main" w="9525" cap="flat">
                 <a:solidFill>
                   <a:srgbClr val="000000"/>
                 </a:solidFill>
@@ -30153,7 +29513,7 @@
               </a14:hiddenLine>
             </a:ext>
             <a:ext uri="{AF507438-7753-43e0-B8FC-AC1667EBCBE1}">
-              <a14:hiddenEffects xmlns:a14="http://schemas.microsoft.com/office/drawing/2010/main" xmlns="">
+              <a14:hiddenEffects xmlns="" xmlns:a14="http://schemas.microsoft.com/office/drawing/2010/main">
                 <a:effectLst>
                   <a:outerShdw blurRad="63500" dist="38099" dir="2700000" algn="ctr" rotWithShape="0">
                     <a:srgbClr val="000000">
@@ -30344,8 +29704,444 @@
           </a:lstStyle>
           <a:p>
             <a:r>
-              <a:rPr lang="fr-FR" sz="800"/>
+              <a:rPr lang="fr-FR" sz="800" dirty="0"/>
               <a:t>zone  IL</a:t>
+            </a:r>
+          </a:p>
+        </p:txBody>
+      </p:sp>
+      <p:pic>
+        <p:nvPicPr>
+          <p:cNvPr id="2" name="Image 1">
+            <a:extLst>
+              <a:ext uri="{FF2B5EF4-FFF2-40B4-BE49-F238E27FC236}">
+                <a16:creationId xmlns:a16="http://schemas.microsoft.com/office/drawing/2014/main" id="{A1644373-F2B7-9B43-9D51-C5DA66E88A39}"/>
+              </a:ext>
+            </a:extLst>
+          </p:cNvPr>
+          <p:cNvPicPr>
+            <a:picLocks noChangeAspect="1"/>
+          </p:cNvPicPr>
+          <p:nvPr/>
+        </p:nvPicPr>
+        <p:blipFill>
+          <a:blip r:embed="rId3"/>
+          <a:stretch>
+            <a:fillRect/>
+          </a:stretch>
+        </p:blipFill>
+        <p:spPr>
+          <a:xfrm>
+            <a:off x="5238192" y="1347913"/>
+            <a:ext cx="152400" cy="165100"/>
+          </a:xfrm>
+          <a:prstGeom prst="rect">
+            <a:avLst/>
+          </a:prstGeom>
+        </p:spPr>
+      </p:pic>
+      <p:sp>
+        <p:nvSpPr>
+          <p:cNvPr id="83" name="AutoShape 27">
+            <a:extLst>
+              <a:ext uri="{FF2B5EF4-FFF2-40B4-BE49-F238E27FC236}">
+                <a16:creationId xmlns:a16="http://schemas.microsoft.com/office/drawing/2014/main" id="{F1C6C800-386C-2B4F-81A8-C6AF1A37ADF2}"/>
+              </a:ext>
+            </a:extLst>
+          </p:cNvPr>
+          <p:cNvSpPr>
+            <a:spLocks noChangeArrowheads="1"/>
+          </p:cNvSpPr>
+          <p:nvPr/>
+        </p:nvSpPr>
+        <p:spPr bwMode="auto">
+          <a:xfrm>
+            <a:off x="5342621" y="1982746"/>
+            <a:ext cx="139700" cy="147637"/>
+          </a:xfrm>
+          <a:prstGeom prst="diamond">
+            <a:avLst/>
+          </a:prstGeom>
+          <a:solidFill>
+            <a:srgbClr val="1C1C1C"/>
+          </a:solidFill>
+          <a:ln w="18000" cap="flat">
+            <a:solidFill>
+              <a:srgbClr val="000000"/>
+            </a:solidFill>
+            <a:round/>
+            <a:headEnd/>
+            <a:tailEnd/>
+          </a:ln>
+          <a:effectLst/>
+          <a:extLst>
+            <a:ext uri="{AF507438-7753-43e0-B8FC-AC1667EBCBE1}">
+              <a14:hiddenEffects xmlns="" xmlns:a14="http://schemas.microsoft.com/office/drawing/2010/main">
+                <a:effectLst>
+                  <a:outerShdw blurRad="63500" dist="38099" dir="2700000" algn="ctr" rotWithShape="0">
+                    <a:srgbClr val="000000">
+                      <a:alpha val="74998"/>
+                    </a:srgbClr>
+                  </a:outerShdw>
+                </a:effectLst>
+              </a14:hiddenEffects>
+            </a:ext>
+          </a:extLst>
+        </p:spPr>
+        <p:txBody>
+          <a:bodyPr wrap="none" anchor="ctr"/>
+          <a:lstStyle/>
+          <a:p>
+            <a:endParaRPr lang="fr-FR"/>
+          </a:p>
+        </p:txBody>
+      </p:sp>
+      <p:sp>
+        <p:nvSpPr>
+          <p:cNvPr id="84" name="AutoShape 27">
+            <a:extLst>
+              <a:ext uri="{FF2B5EF4-FFF2-40B4-BE49-F238E27FC236}">
+                <a16:creationId xmlns:a16="http://schemas.microsoft.com/office/drawing/2014/main" id="{75035E61-DF57-DE49-80EA-1977D277328B}"/>
+              </a:ext>
+            </a:extLst>
+          </p:cNvPr>
+          <p:cNvSpPr>
+            <a:spLocks noChangeArrowheads="1"/>
+          </p:cNvSpPr>
+          <p:nvPr/>
+        </p:nvSpPr>
+        <p:spPr bwMode="auto">
+          <a:xfrm>
+            <a:off x="6928123" y="570707"/>
+            <a:ext cx="139700" cy="147637"/>
+          </a:xfrm>
+          <a:prstGeom prst="diamond">
+            <a:avLst/>
+          </a:prstGeom>
+          <a:solidFill>
+            <a:srgbClr val="1C1C1C"/>
+          </a:solidFill>
+          <a:ln w="18000" cap="flat">
+            <a:solidFill>
+              <a:srgbClr val="000000"/>
+            </a:solidFill>
+            <a:round/>
+            <a:headEnd/>
+            <a:tailEnd/>
+          </a:ln>
+          <a:effectLst/>
+          <a:extLst>
+            <a:ext uri="{AF507438-7753-43e0-B8FC-AC1667EBCBE1}">
+              <a14:hiddenEffects xmlns="" xmlns:a14="http://schemas.microsoft.com/office/drawing/2010/main">
+                <a:effectLst>
+                  <a:outerShdw blurRad="63500" dist="38099" dir="2700000" algn="ctr" rotWithShape="0">
+                    <a:srgbClr val="000000">
+                      <a:alpha val="74998"/>
+                    </a:srgbClr>
+                  </a:outerShdw>
+                </a:effectLst>
+              </a14:hiddenEffects>
+            </a:ext>
+          </a:extLst>
+        </p:spPr>
+        <p:txBody>
+          <a:bodyPr wrap="none" anchor="ctr"/>
+          <a:lstStyle/>
+          <a:p>
+            <a:endParaRPr lang="fr-FR"/>
+          </a:p>
+        </p:txBody>
+      </p:sp>
+      <p:sp>
+        <p:nvSpPr>
+          <p:cNvPr id="85" name="AutoShape 27">
+            <a:extLst>
+              <a:ext uri="{FF2B5EF4-FFF2-40B4-BE49-F238E27FC236}">
+                <a16:creationId xmlns:a16="http://schemas.microsoft.com/office/drawing/2014/main" id="{A9741423-4B15-E543-AF99-2BFE59D5D074}"/>
+              </a:ext>
+            </a:extLst>
+          </p:cNvPr>
+          <p:cNvSpPr>
+            <a:spLocks noChangeArrowheads="1"/>
+          </p:cNvSpPr>
+          <p:nvPr/>
+        </p:nvSpPr>
+        <p:spPr bwMode="auto">
+          <a:xfrm>
+            <a:off x="5984875" y="2097088"/>
+            <a:ext cx="139700" cy="147637"/>
+          </a:xfrm>
+          <a:prstGeom prst="diamond">
+            <a:avLst/>
+          </a:prstGeom>
+          <a:solidFill>
+            <a:srgbClr val="1C1C1C"/>
+          </a:solidFill>
+          <a:ln w="18000" cap="flat">
+            <a:solidFill>
+              <a:srgbClr val="000000"/>
+            </a:solidFill>
+            <a:round/>
+            <a:headEnd/>
+            <a:tailEnd/>
+          </a:ln>
+          <a:effectLst/>
+          <a:extLst>
+            <a:ext uri="{AF507438-7753-43e0-B8FC-AC1667EBCBE1}">
+              <a14:hiddenEffects xmlns="" xmlns:a14="http://schemas.microsoft.com/office/drawing/2010/main">
+                <a:effectLst>
+                  <a:outerShdw blurRad="63500" dist="38099" dir="2700000" algn="ctr" rotWithShape="0">
+                    <a:srgbClr val="000000">
+                      <a:alpha val="74998"/>
+                    </a:srgbClr>
+                  </a:outerShdw>
+                </a:effectLst>
+              </a14:hiddenEffects>
+            </a:ext>
+          </a:extLst>
+        </p:spPr>
+        <p:txBody>
+          <a:bodyPr wrap="none" anchor="ctr"/>
+          <a:lstStyle/>
+          <a:p>
+            <a:endParaRPr lang="fr-FR"/>
+          </a:p>
+        </p:txBody>
+      </p:sp>
+      <p:sp>
+        <p:nvSpPr>
+          <p:cNvPr id="86" name="AutoShape 27">
+            <a:extLst>
+              <a:ext uri="{FF2B5EF4-FFF2-40B4-BE49-F238E27FC236}">
+                <a16:creationId xmlns:a16="http://schemas.microsoft.com/office/drawing/2014/main" id="{2168A3A7-FB78-9C40-8D09-A42CE3590799}"/>
+              </a:ext>
+            </a:extLst>
+          </p:cNvPr>
+          <p:cNvSpPr>
+            <a:spLocks noChangeArrowheads="1"/>
+          </p:cNvSpPr>
+          <p:nvPr/>
+        </p:nvSpPr>
+        <p:spPr bwMode="auto">
+          <a:xfrm>
+            <a:off x="5118100" y="581651"/>
+            <a:ext cx="139700" cy="147637"/>
+          </a:xfrm>
+          <a:prstGeom prst="diamond">
+            <a:avLst/>
+          </a:prstGeom>
+          <a:solidFill>
+            <a:srgbClr val="1C1C1C"/>
+          </a:solidFill>
+          <a:ln w="18000" cap="flat">
+            <a:solidFill>
+              <a:srgbClr val="000000"/>
+            </a:solidFill>
+            <a:round/>
+            <a:headEnd/>
+            <a:tailEnd/>
+          </a:ln>
+          <a:effectLst/>
+          <a:extLst>
+            <a:ext uri="{AF507438-7753-43e0-B8FC-AC1667EBCBE1}">
+              <a14:hiddenEffects xmlns="" xmlns:a14="http://schemas.microsoft.com/office/drawing/2010/main">
+                <a:effectLst>
+                  <a:outerShdw blurRad="63500" dist="38099" dir="2700000" algn="ctr" rotWithShape="0">
+                    <a:srgbClr val="000000">
+                      <a:alpha val="74998"/>
+                    </a:srgbClr>
+                  </a:outerShdw>
+                </a:effectLst>
+              </a14:hiddenEffects>
+            </a:ext>
+          </a:extLst>
+        </p:spPr>
+        <p:txBody>
+          <a:bodyPr wrap="none" anchor="ctr"/>
+          <a:lstStyle/>
+          <a:p>
+            <a:endParaRPr lang="fr-FR"/>
+          </a:p>
+        </p:txBody>
+      </p:sp>
+      <p:sp>
+        <p:nvSpPr>
+          <p:cNvPr id="87" name="AutoShape 27">
+            <a:extLst>
+              <a:ext uri="{FF2B5EF4-FFF2-40B4-BE49-F238E27FC236}">
+                <a16:creationId xmlns:a16="http://schemas.microsoft.com/office/drawing/2014/main" id="{520C11E6-B6AA-7843-87EF-F3A2CA5D2E4D}"/>
+              </a:ext>
+            </a:extLst>
+          </p:cNvPr>
+          <p:cNvSpPr>
+            <a:spLocks noChangeArrowheads="1"/>
+          </p:cNvSpPr>
+          <p:nvPr/>
+        </p:nvSpPr>
+        <p:spPr bwMode="auto">
+          <a:xfrm>
+            <a:off x="5995193" y="2398367"/>
+            <a:ext cx="139700" cy="147637"/>
+          </a:xfrm>
+          <a:prstGeom prst="diamond">
+            <a:avLst/>
+          </a:prstGeom>
+          <a:solidFill>
+            <a:srgbClr val="1C1C1C"/>
+          </a:solidFill>
+          <a:ln w="18000" cap="flat">
+            <a:solidFill>
+              <a:srgbClr val="000000"/>
+            </a:solidFill>
+            <a:round/>
+            <a:headEnd/>
+            <a:tailEnd/>
+          </a:ln>
+          <a:effectLst/>
+          <a:extLst>
+            <a:ext uri="{AF507438-7753-43e0-B8FC-AC1667EBCBE1}">
+              <a14:hiddenEffects xmlns="" xmlns:a14="http://schemas.microsoft.com/office/drawing/2010/main">
+                <a:effectLst>
+                  <a:outerShdw blurRad="63500" dist="38099" dir="2700000" algn="ctr" rotWithShape="0">
+                    <a:srgbClr val="000000">
+                      <a:alpha val="74998"/>
+                    </a:srgbClr>
+                  </a:outerShdw>
+                </a:effectLst>
+              </a14:hiddenEffects>
+            </a:ext>
+          </a:extLst>
+        </p:spPr>
+        <p:txBody>
+          <a:bodyPr wrap="none" anchor="ctr"/>
+          <a:lstStyle/>
+          <a:p>
+            <a:endParaRPr lang="fr-FR"/>
+          </a:p>
+        </p:txBody>
+      </p:sp>
+      <p:sp>
+        <p:nvSpPr>
+          <p:cNvPr id="4126" name="Line 30"/>
+          <p:cNvSpPr>
+            <a:spLocks noChangeShapeType="1"/>
+          </p:cNvSpPr>
+          <p:nvPr/>
+        </p:nvSpPr>
+        <p:spPr bwMode="auto">
+          <a:xfrm flipV="1">
+            <a:off x="5545138" y="2543174"/>
+            <a:ext cx="277017" cy="47625"/>
+          </a:xfrm>
+          <a:prstGeom prst="line">
+            <a:avLst/>
+          </a:prstGeom>
+          <a:noFill/>
+          <a:ln w="9525" cap="flat">
+            <a:solidFill>
+              <a:srgbClr val="000000"/>
+            </a:solidFill>
+            <a:round/>
+            <a:headEnd/>
+            <a:tailEnd/>
+          </a:ln>
+          <a:effectLst/>
+          <a:extLst>
+            <a:ext uri="{909E8E84-426E-40dd-AFC4-6F175D3DCCD1}">
+              <a14:hiddenFill xmlns="" xmlns:a14="http://schemas.microsoft.com/office/drawing/2010/main">
+                <a:noFill/>
+              </a14:hiddenFill>
+            </a:ext>
+            <a:ext uri="{AF507438-7753-43e0-B8FC-AC1667EBCBE1}">
+              <a14:hiddenEffects xmlns="" xmlns:a14="http://schemas.microsoft.com/office/drawing/2010/main">
+                <a:effectLst>
+                  <a:outerShdw blurRad="63500" dist="38099" dir="2700000" algn="ctr" rotWithShape="0">
+                    <a:srgbClr val="000000">
+                      <a:alpha val="74998"/>
+                    </a:srgbClr>
+                  </a:outerShdw>
+                </a:effectLst>
+              </a14:hiddenEffects>
+            </a:ext>
+          </a:extLst>
+        </p:spPr>
+        <p:txBody>
+          <a:bodyPr/>
+          <a:lstStyle/>
+          <a:p>
+            <a:endParaRPr lang="fr-FR"/>
+          </a:p>
+        </p:txBody>
+      </p:sp>
+      <p:sp>
+        <p:nvSpPr>
+          <p:cNvPr id="88" name="Text Box 66">
+            <a:extLst>
+              <a:ext uri="{FF2B5EF4-FFF2-40B4-BE49-F238E27FC236}">
+                <a16:creationId xmlns:a16="http://schemas.microsoft.com/office/drawing/2014/main" id="{ABC1A7B6-67E6-C147-A8A6-7E2EEC70451F}"/>
+              </a:ext>
+            </a:extLst>
+          </p:cNvPr>
+          <p:cNvSpPr txBox="1">
+            <a:spLocks noChangeArrowheads="1"/>
+          </p:cNvSpPr>
+          <p:nvPr/>
+        </p:nvSpPr>
+        <p:spPr bwMode="auto">
+          <a:xfrm>
+            <a:off x="5713412" y="2354263"/>
+            <a:ext cx="336550" cy="230188"/>
+          </a:xfrm>
+          <a:prstGeom prst="rect">
+            <a:avLst/>
+          </a:prstGeom>
+          <a:noFill/>
+          <a:ln>
+            <a:noFill/>
+          </a:ln>
+          <a:effectLst/>
+          <a:extLst>
+            <a:ext uri="{909E8E84-426E-40dd-AFC4-6F175D3DCCD1}">
+              <a14:hiddenFill xmlns="" xmlns:a14="http://schemas.microsoft.com/office/drawing/2010/main">
+                <a:solidFill>
+                  <a:srgbClr val="FFFFFF"/>
+                </a:solidFill>
+              </a14:hiddenFill>
+            </a:ext>
+            <a:ext uri="{91240B29-F687-4f45-9708-019B960494DF}">
+              <a14:hiddenLine xmlns="" xmlns:a14="http://schemas.microsoft.com/office/drawing/2010/main" w="9525" cap="flat">
+                <a:solidFill>
+                  <a:srgbClr val="000000"/>
+                </a:solidFill>
+                <a:round/>
+                <a:headEnd/>
+                <a:tailEnd/>
+              </a14:hiddenLine>
+            </a:ext>
+            <a:ext uri="{AF507438-7753-43e0-B8FC-AC1667EBCBE1}">
+              <a14:hiddenEffects xmlns="" xmlns:a14="http://schemas.microsoft.com/office/drawing/2010/main">
+                <a:effectLst>
+                  <a:outerShdw blurRad="63500" dist="38099" dir="2700000" algn="ctr" rotWithShape="0">
+                    <a:srgbClr val="000000">
+                      <a:alpha val="74998"/>
+                    </a:srgbClr>
+                  </a:outerShdw>
+                </a:effectLst>
+              </a14:hiddenEffects>
+            </a:ext>
+          </a:extLst>
+        </p:spPr>
+        <p:txBody>
+          <a:bodyPr wrap="none" lIns="90000" tIns="53820" rIns="90000" bIns="45000"/>
+          <a:lstStyle/>
+          <a:p>
+            <a:r>
+              <a:rPr lang="fr-FR" sz="1000" dirty="0">
+                <a:solidFill>
+                  <a:srgbClr val="000000"/>
+                </a:solidFill>
+              </a:rPr>
+              <a:t>(8)</a:t>
             </a:r>
           </a:p>
         </p:txBody>
@@ -30426,14 +30222,14 @@
           <a:effectLst/>
           <a:extLst>
             <a:ext uri="{909E8E84-426E-40dd-AFC4-6F175D3DCCD1}">
-              <a14:hiddenFill xmlns:a14="http://schemas.microsoft.com/office/drawing/2010/main" xmlns="">
+              <a14:hiddenFill xmlns="" xmlns:a14="http://schemas.microsoft.com/office/drawing/2010/main">
                 <a:solidFill>
                   <a:srgbClr val="FFFFFF"/>
                 </a:solidFill>
               </a14:hiddenFill>
             </a:ext>
             <a:ext uri="{91240B29-F687-4f45-9708-019B960494DF}">
-              <a14:hiddenLine xmlns:a14="http://schemas.microsoft.com/office/drawing/2010/main" xmlns="" w="9525" cap="flat">
+              <a14:hiddenLine xmlns="" xmlns:a14="http://schemas.microsoft.com/office/drawing/2010/main" w="9525" cap="flat">
                 <a:solidFill>
                   <a:srgbClr val="000000"/>
                 </a:solidFill>
@@ -30443,7 +30239,7 @@
               </a14:hiddenLine>
             </a:ext>
             <a:ext uri="{AF507438-7753-43e0-B8FC-AC1667EBCBE1}">
-              <a14:hiddenEffects xmlns:a14="http://schemas.microsoft.com/office/drawing/2010/main" xmlns="">
+              <a14:hiddenEffects xmlns="" xmlns:a14="http://schemas.microsoft.com/office/drawing/2010/main">
                 <a:effectLst>
                   <a:outerShdw blurRad="63500" dist="38099" dir="2700000" algn="ctr" rotWithShape="0">
                     <a:srgbClr val="000000">
@@ -30717,7 +30513,7 @@
             <a:effectLst/>
             <a:extLst>
               <a:ext uri="{909E8E84-426E-40dd-AFC4-6F175D3DCCD1}">
-                <a14:hiddenFill xmlns:a14="http://schemas.microsoft.com/office/drawing/2010/main" xmlns="">
+                <a14:hiddenFill xmlns="" xmlns:a14="http://schemas.microsoft.com/office/drawing/2010/main">
                   <a:blipFill dpi="0" rotWithShape="0">
                     <a:blip/>
                     <a:srcRect/>
@@ -30728,7 +30524,7 @@
                 </a14:hiddenFill>
               </a:ext>
               <a:ext uri="{91240B29-F687-4f45-9708-019B960494DF}">
-                <a14:hiddenLine xmlns:a14="http://schemas.microsoft.com/office/drawing/2010/main" xmlns="" w="9525" cap="flat">
+                <a14:hiddenLine xmlns="" xmlns:a14="http://schemas.microsoft.com/office/drawing/2010/main" w="9525" cap="flat">
                   <a:solidFill>
                     <a:srgbClr val="808080"/>
                   </a:solidFill>
@@ -30738,7 +30534,7 @@
                 </a14:hiddenLine>
               </a:ext>
               <a:ext uri="{AF507438-7753-43e0-B8FC-AC1667EBCBE1}">
-                <a14:hiddenEffects xmlns:a14="http://schemas.microsoft.com/office/drawing/2010/main" xmlns="">
+                <a14:hiddenEffects xmlns="" xmlns:a14="http://schemas.microsoft.com/office/drawing/2010/main">
                   <a:effectLst>
                     <a:outerShdw blurRad="63500" dist="38099" dir="2700000" algn="ctr" rotWithShape="0">
                       <a:srgbClr val="000000">
@@ -30787,7 +30583,7 @@
             <a:effectLst/>
             <a:extLst>
               <a:ext uri="{909E8E84-426E-40dd-AFC4-6F175D3DCCD1}">
-                <a14:hiddenFill xmlns:a14="http://schemas.microsoft.com/office/drawing/2010/main" xmlns="">
+                <a14:hiddenFill xmlns="" xmlns:a14="http://schemas.microsoft.com/office/drawing/2010/main">
                   <a:blipFill dpi="0" rotWithShape="0">
                     <a:blip/>
                     <a:srcRect/>
@@ -30798,7 +30594,7 @@
                 </a14:hiddenFill>
               </a:ext>
               <a:ext uri="{91240B29-F687-4f45-9708-019B960494DF}">
-                <a14:hiddenLine xmlns:a14="http://schemas.microsoft.com/office/drawing/2010/main" xmlns="" w="9525" cap="flat">
+                <a14:hiddenLine xmlns="" xmlns:a14="http://schemas.microsoft.com/office/drawing/2010/main" w="9525" cap="flat">
                   <a:solidFill>
                     <a:srgbClr val="808080"/>
                   </a:solidFill>
@@ -30808,7 +30604,7 @@
                 </a14:hiddenLine>
               </a:ext>
               <a:ext uri="{AF507438-7753-43e0-B8FC-AC1667EBCBE1}">
-                <a14:hiddenEffects xmlns:a14="http://schemas.microsoft.com/office/drawing/2010/main" xmlns="">
+                <a14:hiddenEffects xmlns="" xmlns:a14="http://schemas.microsoft.com/office/drawing/2010/main">
                   <a:effectLst>
                     <a:outerShdw blurRad="63500" dist="38099" dir="2700000" algn="ctr" rotWithShape="0">
                       <a:srgbClr val="000000">
@@ -30844,14 +30640,14 @@
             <a:effectLst/>
             <a:extLst>
               <a:ext uri="{909E8E84-426E-40dd-AFC4-6F175D3DCCD1}">
-                <a14:hiddenFill xmlns:a14="http://schemas.microsoft.com/office/drawing/2010/main" xmlns="">
+                <a14:hiddenFill xmlns="" xmlns:a14="http://schemas.microsoft.com/office/drawing/2010/main">
                   <a:solidFill>
                     <a:srgbClr val="FFFFFF"/>
                   </a:solidFill>
                 </a14:hiddenFill>
               </a:ext>
               <a:ext uri="{91240B29-F687-4f45-9708-019B960494DF}">
-                <a14:hiddenLine xmlns:a14="http://schemas.microsoft.com/office/drawing/2010/main" xmlns="" w="9525" cap="flat">
+                <a14:hiddenLine xmlns="" xmlns:a14="http://schemas.microsoft.com/office/drawing/2010/main" w="9525" cap="flat">
                   <a:solidFill>
                     <a:srgbClr val="000000"/>
                   </a:solidFill>
@@ -30861,7 +30657,7 @@
                 </a14:hiddenLine>
               </a:ext>
               <a:ext uri="{AF507438-7753-43e0-B8FC-AC1667EBCBE1}">
-                <a14:hiddenEffects xmlns:a14="http://schemas.microsoft.com/office/drawing/2010/main" xmlns="">
+                <a14:hiddenEffects xmlns="" xmlns:a14="http://schemas.microsoft.com/office/drawing/2010/main">
                   <a:effectLst>
                     <a:outerShdw blurRad="63500" dist="38099" dir="2700000" algn="ctr" rotWithShape="0">
                       <a:srgbClr val="000000">
@@ -31128,7 +30924,7 @@
             <a:effectLst/>
             <a:extLst>
               <a:ext uri="{91240B29-F687-4f45-9708-019B960494DF}">
-                <a14:hiddenLine xmlns:a14="http://schemas.microsoft.com/office/drawing/2010/main" xmlns="" w="9525" cap="flat">
+                <a14:hiddenLine xmlns="" xmlns:a14="http://schemas.microsoft.com/office/drawing/2010/main" w="9525" cap="flat">
                   <a:solidFill>
                     <a:srgbClr val="FFFFFF"/>
                   </a:solidFill>
@@ -31138,7 +30934,7 @@
                 </a14:hiddenLine>
               </a:ext>
               <a:ext uri="{AF507438-7753-43e0-B8FC-AC1667EBCBE1}">
-                <a14:hiddenEffects xmlns:a14="http://schemas.microsoft.com/office/drawing/2010/main" xmlns="">
+                <a14:hiddenEffects xmlns="" xmlns:a14="http://schemas.microsoft.com/office/drawing/2010/main">
                   <a:effectLst>
                     <a:outerShdw blurRad="63500" dist="38099" dir="2700000" algn="ctr" rotWithShape="0">
                       <a:srgbClr val="000000">
@@ -31404,14 +31200,14 @@
           <a:effectLst/>
           <a:extLst>
             <a:ext uri="{909E8E84-426E-40dd-AFC4-6F175D3DCCD1}">
-              <a14:hiddenFill xmlns:a14="http://schemas.microsoft.com/office/drawing/2010/main" xmlns="">
+              <a14:hiddenFill xmlns="" xmlns:a14="http://schemas.microsoft.com/office/drawing/2010/main">
                 <a:solidFill>
                   <a:srgbClr val="FFFFFF"/>
                 </a:solidFill>
               </a14:hiddenFill>
             </a:ext>
             <a:ext uri="{91240B29-F687-4f45-9708-019B960494DF}">
-              <a14:hiddenLine xmlns:a14="http://schemas.microsoft.com/office/drawing/2010/main" xmlns="" w="9525" cap="flat">
+              <a14:hiddenLine xmlns="" xmlns:a14="http://schemas.microsoft.com/office/drawing/2010/main" w="9525" cap="flat">
                 <a:solidFill>
                   <a:srgbClr val="808080"/>
                 </a:solidFill>
@@ -31421,7 +31217,7 @@
               </a14:hiddenLine>
             </a:ext>
             <a:ext uri="{AF507438-7753-43e0-B8FC-AC1667EBCBE1}">
-              <a14:hiddenEffects xmlns:a14="http://schemas.microsoft.com/office/drawing/2010/main" xmlns="">
+              <a14:hiddenEffects xmlns="" xmlns:a14="http://schemas.microsoft.com/office/drawing/2010/main">
                 <a:effectLst>
                   <a:outerShdw blurRad="63500" dist="38099" dir="2700000" algn="ctr" rotWithShape="0">
                     <a:srgbClr val="000000">
@@ -31659,14 +31455,14 @@
           <a:effectLst/>
           <a:extLst>
             <a:ext uri="{909E8E84-426E-40dd-AFC4-6F175D3DCCD1}">
-              <a14:hiddenFill xmlns:a14="http://schemas.microsoft.com/office/drawing/2010/main" xmlns="">
+              <a14:hiddenFill xmlns="" xmlns:a14="http://schemas.microsoft.com/office/drawing/2010/main">
                 <a:solidFill>
                   <a:srgbClr val="FFFFFF"/>
                 </a:solidFill>
               </a14:hiddenFill>
             </a:ext>
             <a:ext uri="{91240B29-F687-4f45-9708-019B960494DF}">
-              <a14:hiddenLine xmlns:a14="http://schemas.microsoft.com/office/drawing/2010/main" xmlns="" w="9525" cap="flat">
+              <a14:hiddenLine xmlns="" xmlns:a14="http://schemas.microsoft.com/office/drawing/2010/main" w="9525" cap="flat">
                 <a:solidFill>
                   <a:srgbClr val="000000"/>
                 </a:solidFill>
@@ -31676,7 +31472,7 @@
               </a14:hiddenLine>
             </a:ext>
             <a:ext uri="{AF507438-7753-43e0-B8FC-AC1667EBCBE1}">
-              <a14:hiddenEffects xmlns:a14="http://schemas.microsoft.com/office/drawing/2010/main" xmlns="">
+              <a14:hiddenEffects xmlns="" xmlns:a14="http://schemas.microsoft.com/office/drawing/2010/main">
                 <a:effectLst>
                   <a:outerShdw blurRad="63500" dist="38099" dir="2700000" algn="ctr" rotWithShape="0">
                     <a:srgbClr val="000000">
@@ -32203,7 +31999,7 @@
           <a:effectLst/>
           <a:extLst>
             <a:ext uri="{909E8E84-426E-40dd-AFC4-6F175D3DCCD1}">
-              <a14:hiddenFill xmlns:a14="http://schemas.microsoft.com/office/drawing/2010/main" xmlns="">
+              <a14:hiddenFill xmlns="" xmlns:a14="http://schemas.microsoft.com/office/drawing/2010/main">
                 <a:blipFill dpi="0" rotWithShape="0">
                   <a:blip/>
                   <a:srcRect/>
@@ -32214,7 +32010,7 @@
               </a14:hiddenFill>
             </a:ext>
             <a:ext uri="{91240B29-F687-4f45-9708-019B960494DF}">
-              <a14:hiddenLine xmlns:a14="http://schemas.microsoft.com/office/drawing/2010/main" xmlns="" w="9525" cap="flat">
+              <a14:hiddenLine xmlns="" xmlns:a14="http://schemas.microsoft.com/office/drawing/2010/main" w="9525" cap="flat">
                 <a:solidFill>
                   <a:srgbClr val="808080"/>
                 </a:solidFill>
@@ -32224,7 +32020,7 @@
               </a14:hiddenLine>
             </a:ext>
             <a:ext uri="{AF507438-7753-43e0-B8FC-AC1667EBCBE1}">
-              <a14:hiddenEffects xmlns:a14="http://schemas.microsoft.com/office/drawing/2010/main" xmlns="">
+              <a14:hiddenEffects xmlns="" xmlns:a14="http://schemas.microsoft.com/office/drawing/2010/main">
                 <a:effectLst>
                   <a:outerShdw blurRad="63500" dist="38099" dir="2700000" algn="ctr" rotWithShape="0">
                     <a:srgbClr val="000000">
@@ -32260,14 +32056,14 @@
           <a:effectLst/>
           <a:extLst>
             <a:ext uri="{909E8E84-426E-40dd-AFC4-6F175D3DCCD1}">
-              <a14:hiddenFill xmlns:a14="http://schemas.microsoft.com/office/drawing/2010/main" xmlns="">
+              <a14:hiddenFill xmlns="" xmlns:a14="http://schemas.microsoft.com/office/drawing/2010/main">
                 <a:solidFill>
                   <a:srgbClr val="FFFFFF"/>
                 </a:solidFill>
               </a14:hiddenFill>
             </a:ext>
             <a:ext uri="{91240B29-F687-4f45-9708-019B960494DF}">
-              <a14:hiddenLine xmlns:a14="http://schemas.microsoft.com/office/drawing/2010/main" xmlns="" w="9525" cap="flat">
+              <a14:hiddenLine xmlns="" xmlns:a14="http://schemas.microsoft.com/office/drawing/2010/main" w="9525" cap="flat">
                 <a:solidFill>
                   <a:srgbClr val="808080"/>
                 </a:solidFill>
@@ -32277,7 +32073,7 @@
               </a14:hiddenLine>
             </a:ext>
             <a:ext uri="{AF507438-7753-43e0-B8FC-AC1667EBCBE1}">
-              <a14:hiddenEffects xmlns:a14="http://schemas.microsoft.com/office/drawing/2010/main" xmlns="">
+              <a14:hiddenEffects xmlns="" xmlns:a14="http://schemas.microsoft.com/office/drawing/2010/main">
                 <a:effectLst>
                   <a:outerShdw blurRad="63500" dist="38099" dir="2700000" algn="ctr" rotWithShape="0">
                     <a:srgbClr val="000000">
@@ -32633,7 +32429,7 @@
           <a:effectLst/>
           <a:extLst>
             <a:ext uri="{909E8E84-426E-40dd-AFC4-6F175D3DCCD1}">
-              <a14:hiddenFill xmlns:a14="http://schemas.microsoft.com/office/drawing/2010/main" xmlns="">
+              <a14:hiddenFill xmlns="" xmlns:a14="http://schemas.microsoft.com/office/drawing/2010/main">
                 <a:blipFill dpi="0" rotWithShape="0">
                   <a:blip/>
                   <a:srcRect l="14014" t="4515" r="7593" b="32079"/>
@@ -32644,7 +32440,7 @@
               </a14:hiddenFill>
             </a:ext>
             <a:ext uri="{91240B29-F687-4f45-9708-019B960494DF}">
-              <a14:hiddenLine xmlns:a14="http://schemas.microsoft.com/office/drawing/2010/main" xmlns="" w="9525" cap="flat">
+              <a14:hiddenLine xmlns="" xmlns:a14="http://schemas.microsoft.com/office/drawing/2010/main" w="9525" cap="flat">
                 <a:solidFill>
                   <a:srgbClr val="808080"/>
                 </a:solidFill>
@@ -32654,7 +32450,7 @@
               </a14:hiddenLine>
             </a:ext>
             <a:ext uri="{AF507438-7753-43e0-B8FC-AC1667EBCBE1}">
-              <a14:hiddenEffects xmlns:a14="http://schemas.microsoft.com/office/drawing/2010/main" xmlns="">
+              <a14:hiddenEffects xmlns="" xmlns:a14="http://schemas.microsoft.com/office/drawing/2010/main">
                 <a:effectLst>
                   <a:outerShdw blurRad="63500" dist="38099" dir="2700000" algn="ctr" rotWithShape="0">
                     <a:srgbClr val="000000">
@@ -32690,14 +32486,14 @@
           <a:effectLst/>
           <a:extLst>
             <a:ext uri="{909E8E84-426E-40dd-AFC4-6F175D3DCCD1}">
-              <a14:hiddenFill xmlns:a14="http://schemas.microsoft.com/office/drawing/2010/main" xmlns="">
+              <a14:hiddenFill xmlns="" xmlns:a14="http://schemas.microsoft.com/office/drawing/2010/main">
                 <a:solidFill>
                   <a:srgbClr val="FFFFFF"/>
                 </a:solidFill>
               </a14:hiddenFill>
             </a:ext>
             <a:ext uri="{91240B29-F687-4f45-9708-019B960494DF}">
-              <a14:hiddenLine xmlns:a14="http://schemas.microsoft.com/office/drawing/2010/main" xmlns="" w="9525" cap="flat">
+              <a14:hiddenLine xmlns="" xmlns:a14="http://schemas.microsoft.com/office/drawing/2010/main" w="9525" cap="flat">
                 <a:solidFill>
                   <a:srgbClr val="808080"/>
                 </a:solidFill>
@@ -32707,7 +32503,7 @@
               </a14:hiddenLine>
             </a:ext>
             <a:ext uri="{AF507438-7753-43e0-B8FC-AC1667EBCBE1}">
-              <a14:hiddenEffects xmlns:a14="http://schemas.microsoft.com/office/drawing/2010/main" xmlns="">
+              <a14:hiddenEffects xmlns="" xmlns:a14="http://schemas.microsoft.com/office/drawing/2010/main">
                 <a:effectLst>
                   <a:outerShdw blurRad="63500" dist="38099" dir="2700000" algn="ctr" rotWithShape="0">
                     <a:srgbClr val="000000">
@@ -33312,7 +33108,7 @@
         <a:effectLst/>
         <a:extLst>
           <a:ext uri="{AF507438-7753-43e0-B8FC-AC1667EBCBE1}">
-            <a14:hiddenEffects xmlns:a14="http://schemas.microsoft.com/office/drawing/2010/main" xmlns="">
+            <a14:hiddenEffects xmlns="" xmlns:a14="http://schemas.microsoft.com/office/drawing/2010/main">
               <a:effectLst>
                 <a:outerShdw blurRad="63500" dist="38099" dir="2700000" algn="ctr" rotWithShape="0">
                   <a:schemeClr val="bg2">
@@ -33388,7 +33184,7 @@
         <a:effectLst/>
         <a:extLst>
           <a:ext uri="{AF507438-7753-43e0-B8FC-AC1667EBCBE1}">
-            <a14:hiddenEffects xmlns:a14="http://schemas.microsoft.com/office/drawing/2010/main" xmlns="">
+            <a14:hiddenEffects xmlns="" xmlns:a14="http://schemas.microsoft.com/office/drawing/2010/main">
               <a:effectLst>
                 <a:outerShdw blurRad="63500" dist="38099" dir="2700000" algn="ctr" rotWithShape="0">
                   <a:schemeClr val="bg2">
